--- a/course_data/presentations/practical_spring_boot_for_tdp.pptx
+++ b/course_data/presentations/practical_spring_boot_for_tdp.pptx
@@ -246,7 +246,7 @@
           <a:p>
             <a:fld id="{AD4DB1D7-A2E6-5540-AAB6-9A95390687AC}" type="datetimeFigureOut">
               <a:rPr lang="en-IL" smtClean="0"/>
-              <a:t>22/07/2024</a:t>
+              <a:t>28/07/2024</a:t>
             </a:fld>
             <a:endParaRPr lang="en-IL"/>
           </a:p>
@@ -1953,7 +1953,7 @@
             <a:fld id="{B61BEF0D-F0BB-DE4B-95CE-6DB70DBA9567}" type="datetimeFigureOut">
               <a:rPr lang="en-US" dirty="0"/>
               <a:pPr/>
-              <a:t>7/22/24</a:t>
+              <a:t>7/28/24</a:t>
             </a:fld>
             <a:endParaRPr lang="en-US" dirty="0"/>
           </a:p>
@@ -2201,7 +2201,7 @@
             <a:fld id="{B61BEF0D-F0BB-DE4B-95CE-6DB70DBA9567}" type="datetimeFigureOut">
               <a:rPr lang="en-US" dirty="0"/>
               <a:pPr/>
-              <a:t>7/22/24</a:t>
+              <a:t>7/28/24</a:t>
             </a:fld>
             <a:endParaRPr lang="en-US" dirty="0"/>
           </a:p>
@@ -2512,7 +2512,7 @@
             <a:fld id="{B61BEF0D-F0BB-DE4B-95CE-6DB70DBA9567}" type="datetimeFigureOut">
               <a:rPr lang="en-US" dirty="0"/>
               <a:pPr/>
-              <a:t>7/22/24</a:t>
+              <a:t>7/28/24</a:t>
             </a:fld>
             <a:endParaRPr lang="en-US" dirty="0"/>
           </a:p>
@@ -2850,7 +2850,7 @@
             <a:fld id="{B61BEF0D-F0BB-DE4B-95CE-6DB70DBA9567}" type="datetimeFigureOut">
               <a:rPr lang="en-US" dirty="0"/>
               <a:pPr/>
-              <a:t>7/22/24</a:t>
+              <a:t>7/28/24</a:t>
             </a:fld>
             <a:endParaRPr lang="en-US" dirty="0"/>
           </a:p>
@@ -3161,7 +3161,7 @@
             <a:fld id="{B61BEF0D-F0BB-DE4B-95CE-6DB70DBA9567}" type="datetimeFigureOut">
               <a:rPr lang="en-US" dirty="0"/>
               <a:pPr/>
-              <a:t>7/22/24</a:t>
+              <a:t>7/28/24</a:t>
             </a:fld>
             <a:endParaRPr lang="en-US" dirty="0"/>
           </a:p>
@@ -3551,7 +3551,7 @@
             <a:fld id="{B61BEF0D-F0BB-DE4B-95CE-6DB70DBA9567}" type="datetimeFigureOut">
               <a:rPr lang="en-US" dirty="0"/>
               <a:pPr/>
-              <a:t>7/22/24</a:t>
+              <a:t>7/28/24</a:t>
             </a:fld>
             <a:endParaRPr lang="en-US" dirty="0"/>
           </a:p>
@@ -3717,7 +3717,7 @@
           <a:p>
             <a:fld id="{55C6B4A9-1611-4792-9094-5F34BCA07E0B}" type="datetimeFigureOut">
               <a:rPr lang="en-US" dirty="0"/>
-              <a:t>7/22/24</a:t>
+              <a:t>7/28/24</a:t>
             </a:fld>
             <a:endParaRPr lang="en-US" dirty="0"/>
           </a:p>
@@ -3893,7 +3893,7 @@
             <a:fld id="{B61BEF0D-F0BB-DE4B-95CE-6DB70DBA9567}" type="datetimeFigureOut">
               <a:rPr lang="en-US" dirty="0"/>
               <a:pPr/>
-              <a:t>7/22/24</a:t>
+              <a:t>7/28/24</a:t>
             </a:fld>
             <a:endParaRPr lang="en-US" dirty="0"/>
           </a:p>
@@ -4075,7 +4075,7 @@
             <a:fld id="{B61BEF0D-F0BB-DE4B-95CE-6DB70DBA9567}" type="datetimeFigureOut">
               <a:rPr lang="en-US" dirty="0"/>
               <a:pPr/>
-              <a:t>7/22/24</a:t>
+              <a:t>7/28/24</a:t>
             </a:fld>
             <a:endParaRPr lang="en-US" dirty="0"/>
           </a:p>
@@ -4335,7 +4335,7 @@
             <a:fld id="{B61BEF0D-F0BB-DE4B-95CE-6DB70DBA9567}" type="datetimeFigureOut">
               <a:rPr lang="en-US" dirty="0"/>
               <a:pPr/>
-              <a:t>7/22/24</a:t>
+              <a:t>7/28/24</a:t>
             </a:fld>
             <a:endParaRPr lang="en-US" dirty="0"/>
           </a:p>
@@ -4563,7 +4563,7 @@
           <a:p>
             <a:fld id="{EB712588-04B1-427B-82EE-E8DB90309F08}" type="datetimeFigureOut">
               <a:rPr lang="en-US" dirty="0"/>
-              <a:t>7/22/24</a:t>
+              <a:t>7/28/24</a:t>
             </a:fld>
             <a:endParaRPr lang="en-US" dirty="0"/>
           </a:p>
@@ -4933,7 +4933,7 @@
             <a:fld id="{B61BEF0D-F0BB-DE4B-95CE-6DB70DBA9567}" type="datetimeFigureOut">
               <a:rPr lang="en-US" dirty="0"/>
               <a:pPr/>
-              <a:t>7/22/24</a:t>
+              <a:t>7/28/24</a:t>
             </a:fld>
             <a:endParaRPr lang="en-US" dirty="0"/>
           </a:p>
@@ -5053,7 +5053,7 @@
             <a:fld id="{B61BEF0D-F0BB-DE4B-95CE-6DB70DBA9567}" type="datetimeFigureOut">
               <a:rPr lang="en-US" dirty="0"/>
               <a:pPr/>
-              <a:t>7/22/24</a:t>
+              <a:t>7/28/24</a:t>
             </a:fld>
             <a:endParaRPr lang="en-US" dirty="0"/>
           </a:p>
@@ -5145,7 +5145,7 @@
             <a:fld id="{B61BEF0D-F0BB-DE4B-95CE-6DB70DBA9567}" type="datetimeFigureOut">
               <a:rPr lang="en-US" dirty="0"/>
               <a:pPr/>
-              <a:t>7/22/24</a:t>
+              <a:t>7/28/24</a:t>
             </a:fld>
             <a:endParaRPr lang="en-US" dirty="0"/>
           </a:p>
@@ -5396,7 +5396,7 @@
           <a:p>
             <a:fld id="{42A54C80-263E-416B-A8E0-580EDEADCBDC}" type="datetimeFigureOut">
               <a:rPr lang="en-US" dirty="0"/>
-              <a:t>7/22/24</a:t>
+              <a:t>7/28/24</a:t>
             </a:fld>
             <a:endParaRPr lang="en-US" dirty="0"/>
           </a:p>
@@ -5655,7 +5655,7 @@
             <a:fld id="{B61BEF0D-F0BB-DE4B-95CE-6DB70DBA9567}" type="datetimeFigureOut">
               <a:rPr lang="en-US" dirty="0"/>
               <a:pPr/>
-              <a:t>7/22/24</a:t>
+              <a:t>7/28/24</a:t>
             </a:fld>
             <a:endParaRPr lang="en-US" dirty="0"/>
           </a:p>
@@ -6395,7 +6395,7 @@
             <a:fld id="{B61BEF0D-F0BB-DE4B-95CE-6DB70DBA9567}" type="datetimeFigureOut">
               <a:rPr lang="en-US" dirty="0"/>
               <a:pPr/>
-              <a:t>7/22/24</a:t>
+              <a:t>7/28/24</a:t>
             </a:fld>
             <a:endParaRPr lang="en-US" dirty="0"/>
           </a:p>
@@ -19003,7 +19003,7 @@
             <a:pPr lvl="1"/>
             <a:r>
               <a:rPr lang="en-US" sz="2000" dirty="0"/>
-              <a:t>Theory [2 </a:t>
+              <a:t>Intro [1 </a:t>
             </a:r>
             <a:r>
               <a:rPr lang="en-US" sz="2000" dirty="0" err="1"/>
@@ -19040,7 +19040,7 @@
             <a:pPr lvl="1"/>
             <a:r>
               <a:rPr lang="en-US" sz="2000" dirty="0"/>
-              <a:t>Practice [5 </a:t>
+              <a:t>Practice [6 </a:t>
             </a:r>
             <a:r>
               <a:rPr lang="en-US" sz="2000" dirty="0" err="1"/>
@@ -26576,15 +26576,6 @@
 </file>
 
 <file path=customXml/item1.xml><?xml version="1.0" encoding="utf-8"?>
-<?mso-contentType ?>
-<FormTemplates xmlns="http://schemas.microsoft.com/sharepoint/v3/contenttype/forms">
-  <Display>DocumentLibraryForm</Display>
-  <Edit>DocumentLibraryForm</Edit>
-  <New>DocumentLibraryForm</New>
-</FormTemplates>
-</file>
-
-<file path=customXml/item2.xml><?xml version="1.0" encoding="utf-8"?>
 <p:properties xmlns:p="http://schemas.microsoft.com/office/2006/metadata/properties" xmlns:xsi="http://www.w3.org/2001/XMLSchema-instance" xmlns:pc="http://schemas.microsoft.com/office/infopath/2007/PartnerControls">
   <documentManagement>
     <lcf76f155ced4ddcb4097134ff3c332f xmlns="858d5390-0f7b-4213-8bcd-0cd5cf778ba6">
@@ -26593,6 +26584,15 @@
     <TaxCatchAll xmlns="e5f39eeb-dc9c-40bf-a733-e74d7baf73b9" xsi:nil="true"/>
   </documentManagement>
 </p:properties>
+</file>
+
+<file path=customXml/item2.xml><?xml version="1.0" encoding="utf-8"?>
+<?mso-contentType ?>
+<FormTemplates xmlns="http://schemas.microsoft.com/sharepoint/v3/contenttype/forms">
+  <Display>DocumentLibraryForm</Display>
+  <Edit>DocumentLibraryForm</Edit>
+  <New>DocumentLibraryForm</New>
+</FormTemplates>
 </file>
 
 <file path=customXml/item3.xml><?xml version="1.0" encoding="utf-8"?>
@@ -26844,20 +26844,20 @@
 </file>
 
 <file path=customXml/itemProps1.xml><?xml version="1.0" encoding="utf-8"?>
-<ds:datastoreItem xmlns:ds="http://schemas.openxmlformats.org/officeDocument/2006/customXml" ds:itemID="{CAAF7FB3-E9ED-4EED-B8B3-D582CBAD96FA}">
-  <ds:schemaRefs>
-    <ds:schemaRef ds:uri="http://schemas.microsoft.com/sharepoint/v3/contenttype/forms"/>
-  </ds:schemaRefs>
-</ds:datastoreItem>
-</file>
-
-<file path=customXml/itemProps2.xml><?xml version="1.0" encoding="utf-8"?>
 <ds:datastoreItem xmlns:ds="http://schemas.openxmlformats.org/officeDocument/2006/customXml" ds:itemID="{2B532926-D782-41F9-BAB4-3CFD211C0FE2}">
   <ds:schemaRefs>
     <ds:schemaRef ds:uri="http://schemas.microsoft.com/office/2006/metadata/properties"/>
     <ds:schemaRef ds:uri="http://schemas.microsoft.com/office/infopath/2007/PartnerControls"/>
     <ds:schemaRef ds:uri="858d5390-0f7b-4213-8bcd-0cd5cf778ba6"/>
     <ds:schemaRef ds:uri="e5f39eeb-dc9c-40bf-a733-e74d7baf73b9"/>
+  </ds:schemaRefs>
+</ds:datastoreItem>
+</file>
+
+<file path=customXml/itemProps2.xml><?xml version="1.0" encoding="utf-8"?>
+<ds:datastoreItem xmlns:ds="http://schemas.openxmlformats.org/officeDocument/2006/customXml" ds:itemID="{CAAF7FB3-E9ED-4EED-B8B3-D582CBAD96FA}">
+  <ds:schemaRefs>
+    <ds:schemaRef ds:uri="http://schemas.microsoft.com/sharepoint/v3/contenttype/forms"/>
   </ds:schemaRefs>
 </ds:datastoreItem>
 </file>

--- a/course_data/presentations/practical_spring_boot_for_tdp.pptx
+++ b/course_data/presentations/practical_spring_boot_for_tdp.pptx
@@ -5,7 +5,7 @@
     <p:sldMasterId id="2147483648" r:id="rId4"/>
   </p:sldMasterIdLst>
   <p:notesMasterIdLst>
-    <p:notesMasterId r:id="rId31"/>
+    <p:notesMasterId r:id="rId21"/>
   </p:notesMasterIdLst>
   <p:sldIdLst>
     <p:sldId id="256" r:id="rId5"/>
@@ -21,19 +21,9 @@
     <p:sldId id="318" r:id="rId15"/>
     <p:sldId id="319" r:id="rId16"/>
     <p:sldId id="265" r:id="rId17"/>
-    <p:sldId id="275" r:id="rId18"/>
-    <p:sldId id="280" r:id="rId19"/>
-    <p:sldId id="281" r:id="rId20"/>
-    <p:sldId id="282" r:id="rId21"/>
-    <p:sldId id="279" r:id="rId22"/>
-    <p:sldId id="287" r:id="rId23"/>
-    <p:sldId id="327" r:id="rId24"/>
-    <p:sldId id="288" r:id="rId25"/>
-    <p:sldId id="289" r:id="rId26"/>
-    <p:sldId id="290" r:id="rId27"/>
-    <p:sldId id="298" r:id="rId28"/>
-    <p:sldId id="299" r:id="rId29"/>
-    <p:sldId id="307" r:id="rId30"/>
+    <p:sldId id="298" r:id="rId18"/>
+    <p:sldId id="299" r:id="rId19"/>
+    <p:sldId id="307" r:id="rId20"/>
   </p:sldIdLst>
   <p:sldSz cx="12192000" cy="6858000"/>
   <p:notesSz cx="6858000" cy="9144000"/>
@@ -1045,90 +1035,6 @@
     <p:extLst>
       <p:ext uri="{BB962C8B-B14F-4D97-AF65-F5344CB8AC3E}">
         <p14:creationId xmlns:p14="http://schemas.microsoft.com/office/powerpoint/2010/main" val="2393425651"/>
-      </p:ext>
-    </p:extLst>
-  </p:cSld>
-  <p:clrMapOvr>
-    <a:masterClrMapping/>
-  </p:clrMapOvr>
-</p:notes>
-</file>
-
-<file path=ppt/notesSlides/notesSlide7.xml><?xml version="1.0" encoding="utf-8"?>
-<p:notes xmlns:a="http://schemas.openxmlformats.org/drawingml/2006/main" xmlns:r="http://schemas.openxmlformats.org/officeDocument/2006/relationships" xmlns:p="http://schemas.openxmlformats.org/presentationml/2006/main">
-  <p:cSld>
-    <p:spTree>
-      <p:nvGrpSpPr>
-        <p:cNvPr id="1" name=""/>
-        <p:cNvGrpSpPr/>
-        <p:nvPr/>
-      </p:nvGrpSpPr>
-      <p:grpSpPr>
-        <a:xfrm>
-          <a:off x="0" y="0"/>
-          <a:ext cx="0" cy="0"/>
-          <a:chOff x="0" y="0"/>
-          <a:chExt cx="0" cy="0"/>
-        </a:xfrm>
-      </p:grpSpPr>
-      <p:sp>
-        <p:nvSpPr>
-          <p:cNvPr id="2" name="Slide Image Placeholder 1"/>
-          <p:cNvSpPr>
-            <a:spLocks noGrp="1" noRot="1" noChangeAspect="1"/>
-          </p:cNvSpPr>
-          <p:nvPr>
-            <p:ph type="sldImg"/>
-          </p:nvPr>
-        </p:nvSpPr>
-        <p:spPr/>
-      </p:sp>
-      <p:sp>
-        <p:nvSpPr>
-          <p:cNvPr id="3" name="Notes Placeholder 2"/>
-          <p:cNvSpPr>
-            <a:spLocks noGrp="1"/>
-          </p:cNvSpPr>
-          <p:nvPr>
-            <p:ph type="body" idx="1"/>
-          </p:nvPr>
-        </p:nvSpPr>
-        <p:spPr/>
-        <p:txBody>
-          <a:bodyPr/>
-          <a:lstStyle/>
-          <a:p>
-            <a:endParaRPr lang="en-IL" dirty="0"/>
-          </a:p>
-        </p:txBody>
-      </p:sp>
-      <p:sp>
-        <p:nvSpPr>
-          <p:cNvPr id="4" name="Slide Number Placeholder 3"/>
-          <p:cNvSpPr>
-            <a:spLocks noGrp="1"/>
-          </p:cNvSpPr>
-          <p:nvPr>
-            <p:ph type="sldNum" sz="quarter" idx="5"/>
-          </p:nvPr>
-        </p:nvSpPr>
-        <p:spPr/>
-        <p:txBody>
-          <a:bodyPr/>
-          <a:lstStyle/>
-          <a:p>
-            <a:fld id="{B5FEB3D3-3C4F-5E4D-9290-0C0B5A2442F8}" type="slidenum">
-              <a:rPr lang="en-IL" smtClean="0"/>
-              <a:t>18</a:t>
-            </a:fld>
-            <a:endParaRPr lang="en-IL"/>
-          </a:p>
-        </p:txBody>
-      </p:sp>
-    </p:spTree>
-    <p:extLst>
-      <p:ext uri="{BB962C8B-B14F-4D97-AF65-F5344CB8AC3E}">
-        <p14:creationId xmlns:p14="http://schemas.microsoft.com/office/powerpoint/2010/main" val="2895209837"/>
       </p:ext>
     </p:extLst>
   </p:cSld>
@@ -9295,7178 +9201,6 @@
           <p:cNvPr id="2" name="Title 1">
             <a:extLst>
               <a:ext uri="{FF2B5EF4-FFF2-40B4-BE49-F238E27FC236}">
-                <a16:creationId xmlns:a16="http://schemas.microsoft.com/office/drawing/2014/main" id="{E7F6EDF1-BAF0-1E95-F377-1E3A16C4AFD0}"/>
-              </a:ext>
-            </a:extLst>
-          </p:cNvPr>
-          <p:cNvSpPr>
-            <a:spLocks noGrp="1"/>
-          </p:cNvSpPr>
-          <p:nvPr>
-            <p:ph type="title"/>
-          </p:nvPr>
-        </p:nvSpPr>
-        <p:spPr/>
-        <p:txBody>
-          <a:bodyPr>
-            <a:normAutofit fontScale="90000"/>
-          </a:bodyPr>
-          <a:lstStyle/>
-          <a:p>
-            <a:r>
-              <a:rPr lang="en-IL" dirty="0"/>
-              <a:t>Dependency Injection in Spring</a:t>
-            </a:r>
-          </a:p>
-        </p:txBody>
-      </p:sp>
-      <p:sp>
-        <p:nvSpPr>
-          <p:cNvPr id="3" name="Content Placeholder 2">
-            <a:extLst>
-              <a:ext uri="{FF2B5EF4-FFF2-40B4-BE49-F238E27FC236}">
-                <a16:creationId xmlns:a16="http://schemas.microsoft.com/office/drawing/2014/main" id="{34C70CE2-5158-9662-56BA-ABFE13291887}"/>
-              </a:ext>
-            </a:extLst>
-          </p:cNvPr>
-          <p:cNvSpPr>
-            <a:spLocks noGrp="1"/>
-          </p:cNvSpPr>
-          <p:nvPr>
-            <p:ph idx="1"/>
-          </p:nvPr>
-        </p:nvSpPr>
-        <p:spPr>
-          <a:xfrm>
-            <a:off x="677334" y="1427658"/>
-            <a:ext cx="8596668" cy="3880773"/>
-          </a:xfrm>
-        </p:spPr>
-        <p:txBody>
-          <a:bodyPr>
-            <a:normAutofit/>
-          </a:bodyPr>
-          <a:lstStyle/>
-          <a:p>
-            <a:r>
-              <a:rPr lang="en-US" sz="3600" dirty="0"/>
-              <a:t>Constructor Injection</a:t>
-            </a:r>
-          </a:p>
-          <a:p>
-            <a:r>
-              <a:rPr lang="en-US" sz="3600" dirty="0"/>
-              <a:t>Field Injection</a:t>
-            </a:r>
-          </a:p>
-          <a:p>
-            <a:r>
-              <a:rPr lang="en-US" sz="3600" dirty="0"/>
-              <a:t>Setter Injection</a:t>
-            </a:r>
-          </a:p>
-        </p:txBody>
-      </p:sp>
-    </p:spTree>
-    <p:extLst>
-      <p:ext uri="{BB962C8B-B14F-4D97-AF65-F5344CB8AC3E}">
-        <p14:creationId xmlns:p14="http://schemas.microsoft.com/office/powerpoint/2010/main" val="1542281284"/>
-      </p:ext>
-    </p:extLst>
-  </p:cSld>
-  <p:clrMapOvr>
-    <a:masterClrMapping/>
-  </p:clrMapOvr>
-</p:sld>
-</file>
-
-<file path=ppt/slides/slide15.xml><?xml version="1.0" encoding="utf-8"?>
-<p:sld xmlns:a="http://schemas.openxmlformats.org/drawingml/2006/main" xmlns:r="http://schemas.openxmlformats.org/officeDocument/2006/relationships" xmlns:p="http://schemas.openxmlformats.org/presentationml/2006/main">
-  <p:cSld>
-    <p:spTree>
-      <p:nvGrpSpPr>
-        <p:cNvPr id="1" name=""/>
-        <p:cNvGrpSpPr/>
-        <p:nvPr/>
-      </p:nvGrpSpPr>
-      <p:grpSpPr>
-        <a:xfrm>
-          <a:off x="0" y="0"/>
-          <a:ext cx="0" cy="0"/>
-          <a:chOff x="0" y="0"/>
-          <a:chExt cx="0" cy="0"/>
-        </a:xfrm>
-      </p:grpSpPr>
-      <p:sp>
-        <p:nvSpPr>
-          <p:cNvPr id="2" name="Title 1">
-            <a:extLst>
-              <a:ext uri="{FF2B5EF4-FFF2-40B4-BE49-F238E27FC236}">
-                <a16:creationId xmlns:a16="http://schemas.microsoft.com/office/drawing/2014/main" id="{5EE33945-C948-A734-933D-D3F6049B7528}"/>
-              </a:ext>
-            </a:extLst>
-          </p:cNvPr>
-          <p:cNvSpPr>
-            <a:spLocks noGrp="1"/>
-          </p:cNvSpPr>
-          <p:nvPr>
-            <p:ph type="title"/>
-          </p:nvPr>
-        </p:nvSpPr>
-        <p:spPr>
-          <a:xfrm>
-            <a:off x="677334" y="609600"/>
-            <a:ext cx="8596668" cy="809897"/>
-          </a:xfrm>
-        </p:spPr>
-        <p:txBody>
-          <a:bodyPr/>
-          <a:lstStyle/>
-          <a:p>
-            <a:r>
-              <a:rPr lang="en-IL" dirty="0"/>
-              <a:t>Constructor Injection</a:t>
-            </a:r>
-          </a:p>
-        </p:txBody>
-      </p:sp>
-      <p:sp>
-        <p:nvSpPr>
-          <p:cNvPr id="5" name="Content Placeholder 2">
-            <a:extLst>
-              <a:ext uri="{FF2B5EF4-FFF2-40B4-BE49-F238E27FC236}">
-                <a16:creationId xmlns:a16="http://schemas.microsoft.com/office/drawing/2014/main" id="{5DE84EB5-B0D2-9B5E-78D1-CB5417C01E8E}"/>
-              </a:ext>
-            </a:extLst>
-          </p:cNvPr>
-          <p:cNvSpPr txBox="1">
-            <a:spLocks/>
-          </p:cNvSpPr>
-          <p:nvPr/>
-        </p:nvSpPr>
-        <p:spPr>
-          <a:xfrm>
-            <a:off x="585894" y="1401391"/>
-            <a:ext cx="8596668" cy="4990355"/>
-          </a:xfrm>
-          <a:prstGeom prst="rect">
-            <a:avLst/>
-          </a:prstGeom>
-          <a:solidFill>
-            <a:schemeClr val="tx2">
-              <a:lumMod val="20000"/>
-              <a:lumOff val="80000"/>
-            </a:schemeClr>
-          </a:solidFill>
-          <a:ln>
-            <a:solidFill>
-              <a:schemeClr val="accent1"/>
-            </a:solidFill>
-          </a:ln>
-        </p:spPr>
-        <p:txBody>
-          <a:bodyPr vert="horz" lIns="91440" tIns="45720" rIns="91440" bIns="45720" rtlCol="0">
-            <a:normAutofit/>
-          </a:bodyPr>
-          <a:lstStyle>
-            <a:lvl1pPr marL="342900" indent="-342900" algn="l" defTabSz="457200" rtl="0" eaLnBrk="1" latinLnBrk="0" hangingPunct="1">
-              <a:spcBef>
-                <a:spcPts val="1000"/>
-              </a:spcBef>
-              <a:spcAft>
-                <a:spcPts val="0"/>
-              </a:spcAft>
-              <a:buClr>
-                <a:schemeClr val="accent1"/>
-              </a:buClr>
-              <a:buSzPct val="80000"/>
-              <a:buFont typeface="Wingdings 3" charset="2"/>
-              <a:buChar char=""/>
-              <a:defRPr sz="1800" kern="1200">
-                <a:solidFill>
-                  <a:schemeClr val="tx1">
-                    <a:lumMod val="75000"/>
-                    <a:lumOff val="25000"/>
-                  </a:schemeClr>
-                </a:solidFill>
-                <a:latin typeface="+mn-lt"/>
-                <a:ea typeface="+mn-ea"/>
-                <a:cs typeface="+mn-cs"/>
-              </a:defRPr>
-            </a:lvl1pPr>
-            <a:lvl2pPr marL="742950" indent="-285750" algn="l" defTabSz="457200" rtl="0" eaLnBrk="1" latinLnBrk="0" hangingPunct="1">
-              <a:spcBef>
-                <a:spcPts val="1000"/>
-              </a:spcBef>
-              <a:spcAft>
-                <a:spcPts val="0"/>
-              </a:spcAft>
-              <a:buClr>
-                <a:schemeClr val="accent1"/>
-              </a:buClr>
-              <a:buSzPct val="80000"/>
-              <a:buFont typeface="Wingdings 3" charset="2"/>
-              <a:buChar char=""/>
-              <a:defRPr sz="1600" kern="1200">
-                <a:solidFill>
-                  <a:schemeClr val="tx1">
-                    <a:lumMod val="75000"/>
-                    <a:lumOff val="25000"/>
-                  </a:schemeClr>
-                </a:solidFill>
-                <a:latin typeface="+mn-lt"/>
-                <a:ea typeface="+mn-ea"/>
-                <a:cs typeface="+mn-cs"/>
-              </a:defRPr>
-            </a:lvl2pPr>
-            <a:lvl3pPr marL="1143000" indent="-228600" algn="l" defTabSz="457200" rtl="0" eaLnBrk="1" latinLnBrk="0" hangingPunct="1">
-              <a:spcBef>
-                <a:spcPts val="1000"/>
-              </a:spcBef>
-              <a:spcAft>
-                <a:spcPts val="0"/>
-              </a:spcAft>
-              <a:buClr>
-                <a:schemeClr val="accent1"/>
-              </a:buClr>
-              <a:buSzPct val="80000"/>
-              <a:buFont typeface="Wingdings 3" charset="2"/>
-              <a:buChar char=""/>
-              <a:defRPr sz="1400" kern="1200">
-                <a:solidFill>
-                  <a:schemeClr val="tx1">
-                    <a:lumMod val="75000"/>
-                    <a:lumOff val="25000"/>
-                  </a:schemeClr>
-                </a:solidFill>
-                <a:latin typeface="+mn-lt"/>
-                <a:ea typeface="+mn-ea"/>
-                <a:cs typeface="+mn-cs"/>
-              </a:defRPr>
-            </a:lvl3pPr>
-            <a:lvl4pPr marL="1600200" indent="-228600" algn="l" defTabSz="457200" rtl="0" eaLnBrk="1" latinLnBrk="0" hangingPunct="1">
-              <a:spcBef>
-                <a:spcPts val="1000"/>
-              </a:spcBef>
-              <a:spcAft>
-                <a:spcPts val="0"/>
-              </a:spcAft>
-              <a:buClr>
-                <a:schemeClr val="accent1"/>
-              </a:buClr>
-              <a:buSzPct val="80000"/>
-              <a:buFont typeface="Wingdings 3" charset="2"/>
-              <a:buChar char=""/>
-              <a:defRPr sz="1200" kern="1200">
-                <a:solidFill>
-                  <a:schemeClr val="tx1">
-                    <a:lumMod val="75000"/>
-                    <a:lumOff val="25000"/>
-                  </a:schemeClr>
-                </a:solidFill>
-                <a:latin typeface="+mn-lt"/>
-                <a:ea typeface="+mn-ea"/>
-                <a:cs typeface="+mn-cs"/>
-              </a:defRPr>
-            </a:lvl4pPr>
-            <a:lvl5pPr marL="2057400" indent="-228600" algn="l" defTabSz="457200" rtl="0" eaLnBrk="1" latinLnBrk="0" hangingPunct="1">
-              <a:spcBef>
-                <a:spcPts val="1000"/>
-              </a:spcBef>
-              <a:spcAft>
-                <a:spcPts val="0"/>
-              </a:spcAft>
-              <a:buClr>
-                <a:schemeClr val="accent1"/>
-              </a:buClr>
-              <a:buSzPct val="80000"/>
-              <a:buFont typeface="Wingdings 3" charset="2"/>
-              <a:buChar char=""/>
-              <a:defRPr sz="1200" kern="1200">
-                <a:solidFill>
-                  <a:schemeClr val="tx1">
-                    <a:lumMod val="75000"/>
-                    <a:lumOff val="25000"/>
-                  </a:schemeClr>
-                </a:solidFill>
-                <a:latin typeface="+mn-lt"/>
-                <a:ea typeface="+mn-ea"/>
-                <a:cs typeface="+mn-cs"/>
-              </a:defRPr>
-            </a:lvl5pPr>
-            <a:lvl6pPr marL="2514600" indent="-228600" algn="l" defTabSz="457200" rtl="0" eaLnBrk="1" latinLnBrk="0" hangingPunct="1">
-              <a:spcBef>
-                <a:spcPts val="1000"/>
-              </a:spcBef>
-              <a:spcAft>
-                <a:spcPts val="0"/>
-              </a:spcAft>
-              <a:buClr>
-                <a:schemeClr val="accent1"/>
-              </a:buClr>
-              <a:buSzPct val="80000"/>
-              <a:buFont typeface="Wingdings 3" charset="2"/>
-              <a:buChar char=""/>
-              <a:defRPr sz="1200" kern="1200">
-                <a:solidFill>
-                  <a:schemeClr val="tx1">
-                    <a:lumMod val="75000"/>
-                    <a:lumOff val="25000"/>
-                  </a:schemeClr>
-                </a:solidFill>
-                <a:latin typeface="+mn-lt"/>
-                <a:ea typeface="+mn-ea"/>
-                <a:cs typeface="+mn-cs"/>
-              </a:defRPr>
-            </a:lvl6pPr>
-            <a:lvl7pPr marL="2971800" indent="-228600" algn="l" defTabSz="457200" rtl="0" eaLnBrk="1" latinLnBrk="0" hangingPunct="1">
-              <a:spcBef>
-                <a:spcPts val="1000"/>
-              </a:spcBef>
-              <a:spcAft>
-                <a:spcPts val="0"/>
-              </a:spcAft>
-              <a:buClr>
-                <a:schemeClr val="accent1"/>
-              </a:buClr>
-              <a:buSzPct val="80000"/>
-              <a:buFont typeface="Wingdings 3" charset="2"/>
-              <a:buChar char=""/>
-              <a:defRPr sz="1200" kern="1200">
-                <a:solidFill>
-                  <a:schemeClr val="tx1">
-                    <a:lumMod val="75000"/>
-                    <a:lumOff val="25000"/>
-                  </a:schemeClr>
-                </a:solidFill>
-                <a:latin typeface="+mn-lt"/>
-                <a:ea typeface="+mn-ea"/>
-                <a:cs typeface="+mn-cs"/>
-              </a:defRPr>
-            </a:lvl7pPr>
-            <a:lvl8pPr marL="3429000" indent="-228600" algn="l" defTabSz="457200" rtl="0" eaLnBrk="1" latinLnBrk="0" hangingPunct="1">
-              <a:spcBef>
-                <a:spcPts val="1000"/>
-              </a:spcBef>
-              <a:spcAft>
-                <a:spcPts val="0"/>
-              </a:spcAft>
-              <a:buClr>
-                <a:schemeClr val="accent1"/>
-              </a:buClr>
-              <a:buSzPct val="80000"/>
-              <a:buFont typeface="Wingdings 3" charset="2"/>
-              <a:buChar char=""/>
-              <a:defRPr sz="1200" kern="1200">
-                <a:solidFill>
-                  <a:schemeClr val="tx1">
-                    <a:lumMod val="75000"/>
-                    <a:lumOff val="25000"/>
-                  </a:schemeClr>
-                </a:solidFill>
-                <a:latin typeface="+mn-lt"/>
-                <a:ea typeface="+mn-ea"/>
-                <a:cs typeface="+mn-cs"/>
-              </a:defRPr>
-            </a:lvl8pPr>
-            <a:lvl9pPr marL="3886200" indent="-228600" algn="l" defTabSz="457200" rtl="0" eaLnBrk="1" latinLnBrk="0" hangingPunct="1">
-              <a:spcBef>
-                <a:spcPts val="1000"/>
-              </a:spcBef>
-              <a:spcAft>
-                <a:spcPts val="0"/>
-              </a:spcAft>
-              <a:buClr>
-                <a:schemeClr val="accent1"/>
-              </a:buClr>
-              <a:buSzPct val="80000"/>
-              <a:buFont typeface="Wingdings 3" charset="2"/>
-              <a:buChar char=""/>
-              <a:defRPr sz="1200" kern="1200">
-                <a:solidFill>
-                  <a:schemeClr val="tx1">
-                    <a:lumMod val="75000"/>
-                    <a:lumOff val="25000"/>
-                  </a:schemeClr>
-                </a:solidFill>
-                <a:latin typeface="+mn-lt"/>
-                <a:ea typeface="+mn-ea"/>
-                <a:cs typeface="+mn-cs"/>
-              </a:defRPr>
-            </a:lvl9pPr>
-          </a:lstStyle>
-          <a:p>
-            <a:pPr marL="0" indent="0">
-              <a:buNone/>
-            </a:pPr>
-            <a:r>
-              <a:rPr lang="en-US" dirty="0">
-                <a:solidFill>
-                  <a:srgbClr val="9E880D"/>
-                </a:solidFill>
-                <a:effectLst/>
-                <a:latin typeface="Courier New" panose="02070309020205020404" pitchFamily="49" charset="0"/>
-                <a:cs typeface="Courier New" panose="02070309020205020404" pitchFamily="49" charset="0"/>
-              </a:rPr>
-              <a:t>@Component</a:t>
-            </a:r>
-          </a:p>
-          <a:p>
-            <a:pPr marL="0" indent="0">
-              <a:buNone/>
-            </a:pPr>
-            <a:r>
-              <a:rPr lang="en-US" dirty="0">
-                <a:solidFill>
-                  <a:srgbClr val="0033B3"/>
-                </a:solidFill>
-                <a:effectLst/>
-                <a:latin typeface="Courier New" panose="02070309020205020404" pitchFamily="49" charset="0"/>
-                <a:cs typeface="Courier New" panose="02070309020205020404" pitchFamily="49" charset="0"/>
-              </a:rPr>
-              <a:t>public class </a:t>
-            </a:r>
-            <a:r>
-              <a:rPr lang="en-US" dirty="0">
-                <a:solidFill>
-                  <a:srgbClr val="000000"/>
-                </a:solidFill>
-                <a:effectLst/>
-                <a:latin typeface="Courier New" panose="02070309020205020404" pitchFamily="49" charset="0"/>
-                <a:cs typeface="Courier New" panose="02070309020205020404" pitchFamily="49" charset="0"/>
-              </a:rPr>
-              <a:t>Component1 {</a:t>
-            </a:r>
-          </a:p>
-          <a:p>
-            <a:pPr marL="0" indent="0">
-              <a:buNone/>
-            </a:pPr>
-            <a:r>
-              <a:rPr lang="en-US" dirty="0">
-                <a:solidFill>
-                  <a:srgbClr val="000000"/>
-                </a:solidFill>
-                <a:latin typeface="Courier New" panose="02070309020205020404" pitchFamily="49" charset="0"/>
-                <a:cs typeface="Courier New" panose="02070309020205020404" pitchFamily="49" charset="0"/>
-              </a:rPr>
-              <a:t>	</a:t>
-            </a:r>
-            <a:r>
-              <a:rPr lang="en-US" dirty="0">
-                <a:solidFill>
-                  <a:schemeClr val="accent2"/>
-                </a:solidFill>
-                <a:latin typeface="Courier New" panose="02070309020205020404" pitchFamily="49" charset="0"/>
-                <a:cs typeface="Courier New" panose="02070309020205020404" pitchFamily="49" charset="0"/>
-              </a:rPr>
-              <a:t>// the </a:t>
-            </a:r>
-            <a:r>
-              <a:rPr lang="en-US" dirty="0">
-                <a:solidFill>
-                  <a:schemeClr val="accent2"/>
-                </a:solidFill>
-                <a:effectLst/>
-                <a:latin typeface="Courier New" panose="02070309020205020404" pitchFamily="49" charset="0"/>
-                <a:cs typeface="Courier New" panose="02070309020205020404" pitchFamily="49" charset="0"/>
-              </a:rPr>
-              <a:t>Component1 code</a:t>
-            </a:r>
-          </a:p>
-          <a:p>
-            <a:pPr marL="0" indent="0">
-              <a:buNone/>
-            </a:pPr>
-            <a:r>
-              <a:rPr lang="en-US" dirty="0">
-                <a:solidFill>
-                  <a:srgbClr val="000000"/>
-                </a:solidFill>
-                <a:latin typeface="Courier New" panose="02070309020205020404" pitchFamily="49" charset="0"/>
-                <a:cs typeface="Courier New" panose="02070309020205020404" pitchFamily="49" charset="0"/>
-              </a:rPr>
-              <a:t>}</a:t>
-            </a:r>
-          </a:p>
-          <a:p>
-            <a:pPr marL="0" indent="0">
-              <a:buNone/>
-            </a:pPr>
-            <a:r>
-              <a:rPr lang="en-US" dirty="0">
-                <a:solidFill>
-                  <a:srgbClr val="9E880D"/>
-                </a:solidFill>
-                <a:effectLst/>
-                <a:latin typeface="Courier New" panose="02070309020205020404" pitchFamily="49" charset="0"/>
-                <a:cs typeface="Courier New" panose="02070309020205020404" pitchFamily="49" charset="0"/>
-              </a:rPr>
-              <a:t>@Component</a:t>
-            </a:r>
-          </a:p>
-          <a:p>
-            <a:pPr marL="0" indent="0">
-              <a:buNone/>
-            </a:pPr>
-            <a:r>
-              <a:rPr lang="en-US" dirty="0">
-                <a:solidFill>
-                  <a:srgbClr val="0033B3"/>
-                </a:solidFill>
-                <a:effectLst/>
-                <a:latin typeface="Courier New" panose="02070309020205020404" pitchFamily="49" charset="0"/>
-                <a:cs typeface="Courier New" panose="02070309020205020404" pitchFamily="49" charset="0"/>
-              </a:rPr>
-              <a:t>public class </a:t>
-            </a:r>
-            <a:r>
-              <a:rPr lang="en-US" dirty="0">
-                <a:solidFill>
-                  <a:srgbClr val="000000"/>
-                </a:solidFill>
-                <a:effectLst/>
-                <a:latin typeface="Courier New" panose="02070309020205020404" pitchFamily="49" charset="0"/>
-                <a:cs typeface="Courier New" panose="02070309020205020404" pitchFamily="49" charset="0"/>
-              </a:rPr>
-              <a:t>Component2 {</a:t>
-            </a:r>
-          </a:p>
-          <a:p>
-            <a:pPr marL="0" indent="0">
-              <a:buNone/>
-            </a:pPr>
-            <a:r>
-              <a:rPr lang="en-US" dirty="0">
-                <a:solidFill>
-                  <a:srgbClr val="0033B3"/>
-                </a:solidFill>
-                <a:effectLst/>
-                <a:latin typeface="Courier New" panose="02070309020205020404" pitchFamily="49" charset="0"/>
-                <a:cs typeface="Courier New" panose="02070309020205020404" pitchFamily="49" charset="0"/>
-              </a:rPr>
-              <a:t>	private </a:t>
-            </a:r>
-            <a:r>
-              <a:rPr lang="en-US" dirty="0">
-                <a:solidFill>
-                  <a:srgbClr val="000000"/>
-                </a:solidFill>
-                <a:effectLst/>
-                <a:latin typeface="Courier New" panose="02070309020205020404" pitchFamily="49" charset="0"/>
-                <a:cs typeface="Courier New" panose="02070309020205020404" pitchFamily="49" charset="0"/>
-              </a:rPr>
-              <a:t>Component1 </a:t>
-            </a:r>
-            <a:r>
-              <a:rPr lang="en-US" dirty="0">
-                <a:solidFill>
-                  <a:srgbClr val="871094"/>
-                </a:solidFill>
-                <a:effectLst/>
-                <a:latin typeface="Courier New" panose="02070309020205020404" pitchFamily="49" charset="0"/>
-                <a:cs typeface="Courier New" panose="02070309020205020404" pitchFamily="49" charset="0"/>
-              </a:rPr>
-              <a:t>comp1</a:t>
-            </a:r>
-            <a:r>
-              <a:rPr lang="en-US" dirty="0">
-                <a:latin typeface="Courier New" panose="02070309020205020404" pitchFamily="49" charset="0"/>
-                <a:cs typeface="Courier New" panose="02070309020205020404" pitchFamily="49" charset="0"/>
-              </a:rPr>
-              <a:t>;</a:t>
-            </a:r>
-            <a:br>
-              <a:rPr lang="en-US" dirty="0">
-                <a:latin typeface="Courier New" panose="02070309020205020404" pitchFamily="49" charset="0"/>
-                <a:cs typeface="Courier New" panose="02070309020205020404" pitchFamily="49" charset="0"/>
-              </a:rPr>
-            </a:br>
-            <a:br>
-              <a:rPr lang="en-US" dirty="0">
-                <a:latin typeface="Courier New" panose="02070309020205020404" pitchFamily="49" charset="0"/>
-                <a:cs typeface="Courier New" panose="02070309020205020404" pitchFamily="49" charset="0"/>
-              </a:rPr>
-            </a:br>
-            <a:r>
-              <a:rPr lang="en-US" dirty="0">
-                <a:latin typeface="Courier New" panose="02070309020205020404" pitchFamily="49" charset="0"/>
-                <a:cs typeface="Courier New" panose="02070309020205020404" pitchFamily="49" charset="0"/>
-              </a:rPr>
-              <a:t>	</a:t>
-            </a:r>
-            <a:r>
-              <a:rPr lang="en-US" b="1" dirty="0">
-                <a:solidFill>
-                  <a:srgbClr val="0033B3"/>
-                </a:solidFill>
-                <a:effectLst/>
-                <a:latin typeface="Courier New" panose="02070309020205020404" pitchFamily="49" charset="0"/>
-                <a:cs typeface="Courier New" panose="02070309020205020404" pitchFamily="49" charset="0"/>
-              </a:rPr>
-              <a:t>public </a:t>
-            </a:r>
-            <a:r>
-              <a:rPr lang="en-US" b="1" dirty="0">
-                <a:solidFill>
-                  <a:srgbClr val="000000"/>
-                </a:solidFill>
-                <a:effectLst/>
-                <a:latin typeface="Courier New" panose="02070309020205020404" pitchFamily="49" charset="0"/>
-                <a:cs typeface="Courier New" panose="02070309020205020404" pitchFamily="49" charset="0"/>
-              </a:rPr>
-              <a:t>Component2</a:t>
-            </a:r>
-            <a:r>
-              <a:rPr lang="en-US" b="1" dirty="0">
-                <a:latin typeface="Courier New" panose="02070309020205020404" pitchFamily="49" charset="0"/>
-                <a:cs typeface="Courier New" panose="02070309020205020404" pitchFamily="49" charset="0"/>
-              </a:rPr>
-              <a:t>(</a:t>
-            </a:r>
-            <a:r>
-              <a:rPr lang="en-US" b="1" dirty="0">
-                <a:solidFill>
-                  <a:srgbClr val="000000"/>
-                </a:solidFill>
-                <a:effectLst/>
-                <a:latin typeface="Courier New" panose="02070309020205020404" pitchFamily="49" charset="0"/>
-                <a:cs typeface="Courier New" panose="02070309020205020404" pitchFamily="49" charset="0"/>
-              </a:rPr>
-              <a:t>Component1 comp1</a:t>
-            </a:r>
-            <a:r>
-              <a:rPr lang="en-US" b="1" dirty="0">
-                <a:latin typeface="Courier New" panose="02070309020205020404" pitchFamily="49" charset="0"/>
-                <a:cs typeface="Courier New" panose="02070309020205020404" pitchFamily="49" charset="0"/>
-              </a:rPr>
-              <a:t>) </a:t>
-            </a:r>
-            <a:r>
-              <a:rPr lang="en-US" dirty="0">
-                <a:latin typeface="Courier New" panose="02070309020205020404" pitchFamily="49" charset="0"/>
-                <a:cs typeface="Courier New" panose="02070309020205020404" pitchFamily="49" charset="0"/>
-              </a:rPr>
-              <a:t>{</a:t>
-            </a:r>
-            <a:br>
-              <a:rPr lang="en-US" dirty="0">
-                <a:latin typeface="Courier New" panose="02070309020205020404" pitchFamily="49" charset="0"/>
-                <a:cs typeface="Courier New" panose="02070309020205020404" pitchFamily="49" charset="0"/>
-              </a:rPr>
-            </a:br>
-            <a:r>
-              <a:rPr lang="en-US" dirty="0">
-                <a:latin typeface="Courier New" panose="02070309020205020404" pitchFamily="49" charset="0"/>
-                <a:cs typeface="Courier New" panose="02070309020205020404" pitchFamily="49" charset="0"/>
-              </a:rPr>
-              <a:t>    	</a:t>
-            </a:r>
-            <a:r>
-              <a:rPr lang="en-US" dirty="0">
-                <a:solidFill>
-                  <a:srgbClr val="0033B3"/>
-                </a:solidFill>
-                <a:effectLst/>
-                <a:latin typeface="Courier New" panose="02070309020205020404" pitchFamily="49" charset="0"/>
-                <a:cs typeface="Courier New" panose="02070309020205020404" pitchFamily="49" charset="0"/>
-              </a:rPr>
-              <a:t>this</a:t>
-            </a:r>
-            <a:r>
-              <a:rPr lang="en-US" dirty="0">
-                <a:latin typeface="Courier New" panose="02070309020205020404" pitchFamily="49" charset="0"/>
-                <a:cs typeface="Courier New" panose="02070309020205020404" pitchFamily="49" charset="0"/>
-              </a:rPr>
-              <a:t>.</a:t>
-            </a:r>
-            <a:r>
-              <a:rPr lang="en-US" dirty="0">
-                <a:solidFill>
-                  <a:srgbClr val="871094"/>
-                </a:solidFill>
-                <a:effectLst/>
-                <a:latin typeface="Courier New" panose="02070309020205020404" pitchFamily="49" charset="0"/>
-                <a:cs typeface="Courier New" panose="02070309020205020404" pitchFamily="49" charset="0"/>
-              </a:rPr>
-              <a:t>comp1 </a:t>
-            </a:r>
-            <a:r>
-              <a:rPr lang="en-US" dirty="0">
-                <a:latin typeface="Courier New" panose="02070309020205020404" pitchFamily="49" charset="0"/>
-                <a:cs typeface="Courier New" panose="02070309020205020404" pitchFamily="49" charset="0"/>
-              </a:rPr>
-              <a:t>= comp1;</a:t>
-            </a:r>
-            <a:br>
-              <a:rPr lang="en-US" dirty="0">
-                <a:latin typeface="Courier New" panose="02070309020205020404" pitchFamily="49" charset="0"/>
-                <a:cs typeface="Courier New" panose="02070309020205020404" pitchFamily="49" charset="0"/>
-              </a:rPr>
-            </a:br>
-            <a:r>
-              <a:rPr lang="en-US" dirty="0">
-                <a:latin typeface="Courier New" panose="02070309020205020404" pitchFamily="49" charset="0"/>
-                <a:cs typeface="Courier New" panose="02070309020205020404" pitchFamily="49" charset="0"/>
-              </a:rPr>
-              <a:t>	}</a:t>
-            </a:r>
-            <a:endParaRPr lang="en-US" dirty="0">
-              <a:solidFill>
-                <a:srgbClr val="000000"/>
-              </a:solidFill>
-              <a:latin typeface="Courier New" panose="02070309020205020404" pitchFamily="49" charset="0"/>
-              <a:cs typeface="Courier New" panose="02070309020205020404" pitchFamily="49" charset="0"/>
-            </a:endParaRPr>
-          </a:p>
-          <a:p>
-            <a:pPr marL="0" indent="0">
-              <a:buNone/>
-            </a:pPr>
-            <a:r>
-              <a:rPr lang="en-US" dirty="0">
-                <a:solidFill>
-                  <a:srgbClr val="000000"/>
-                </a:solidFill>
-                <a:latin typeface="Courier New" panose="02070309020205020404" pitchFamily="49" charset="0"/>
-                <a:cs typeface="Courier New" panose="02070309020205020404" pitchFamily="49" charset="0"/>
-              </a:rPr>
-              <a:t>}</a:t>
-            </a:r>
-            <a:endParaRPr lang="en-IL" dirty="0">
-              <a:latin typeface="Courier New" panose="02070309020205020404" pitchFamily="49" charset="0"/>
-              <a:cs typeface="Courier New" panose="02070309020205020404" pitchFamily="49" charset="0"/>
-            </a:endParaRPr>
-          </a:p>
-        </p:txBody>
-      </p:sp>
-    </p:spTree>
-    <p:extLst>
-      <p:ext uri="{BB962C8B-B14F-4D97-AF65-F5344CB8AC3E}">
-        <p14:creationId xmlns:p14="http://schemas.microsoft.com/office/powerpoint/2010/main" val="4115305331"/>
-      </p:ext>
-    </p:extLst>
-  </p:cSld>
-  <p:clrMapOvr>
-    <a:masterClrMapping/>
-  </p:clrMapOvr>
-</p:sld>
-</file>
-
-<file path=ppt/slides/slide16.xml><?xml version="1.0" encoding="utf-8"?>
-<p:sld xmlns:a="http://schemas.openxmlformats.org/drawingml/2006/main" xmlns:r="http://schemas.openxmlformats.org/officeDocument/2006/relationships" xmlns:p="http://schemas.openxmlformats.org/presentationml/2006/main">
-  <p:cSld>
-    <p:spTree>
-      <p:nvGrpSpPr>
-        <p:cNvPr id="1" name=""/>
-        <p:cNvGrpSpPr/>
-        <p:nvPr/>
-      </p:nvGrpSpPr>
-      <p:grpSpPr>
-        <a:xfrm>
-          <a:off x="0" y="0"/>
-          <a:ext cx="0" cy="0"/>
-          <a:chOff x="0" y="0"/>
-          <a:chExt cx="0" cy="0"/>
-        </a:xfrm>
-      </p:grpSpPr>
-      <p:sp>
-        <p:nvSpPr>
-          <p:cNvPr id="2" name="Title 1">
-            <a:extLst>
-              <a:ext uri="{FF2B5EF4-FFF2-40B4-BE49-F238E27FC236}">
-                <a16:creationId xmlns:a16="http://schemas.microsoft.com/office/drawing/2014/main" id="{5EE33945-C948-A734-933D-D3F6049B7528}"/>
-              </a:ext>
-            </a:extLst>
-          </p:cNvPr>
-          <p:cNvSpPr>
-            <a:spLocks noGrp="1"/>
-          </p:cNvSpPr>
-          <p:nvPr>
-            <p:ph type="title"/>
-          </p:nvPr>
-        </p:nvSpPr>
-        <p:spPr>
-          <a:xfrm>
-            <a:off x="677334" y="609600"/>
-            <a:ext cx="8596668" cy="809897"/>
-          </a:xfrm>
-        </p:spPr>
-        <p:txBody>
-          <a:bodyPr/>
-          <a:lstStyle/>
-          <a:p>
-            <a:r>
-              <a:rPr lang="en-IL" dirty="0"/>
-              <a:t>Field injection</a:t>
-            </a:r>
-          </a:p>
-        </p:txBody>
-      </p:sp>
-      <p:sp>
-        <p:nvSpPr>
-          <p:cNvPr id="5" name="Content Placeholder 2">
-            <a:extLst>
-              <a:ext uri="{FF2B5EF4-FFF2-40B4-BE49-F238E27FC236}">
-                <a16:creationId xmlns:a16="http://schemas.microsoft.com/office/drawing/2014/main" id="{5DE84EB5-B0D2-9B5E-78D1-CB5417C01E8E}"/>
-              </a:ext>
-            </a:extLst>
-          </p:cNvPr>
-          <p:cNvSpPr txBox="1">
-            <a:spLocks/>
-          </p:cNvSpPr>
-          <p:nvPr/>
-        </p:nvSpPr>
-        <p:spPr>
-          <a:xfrm>
-            <a:off x="585894" y="1550127"/>
-            <a:ext cx="8596668" cy="4781004"/>
-          </a:xfrm>
-          <a:prstGeom prst="rect">
-            <a:avLst/>
-          </a:prstGeom>
-          <a:solidFill>
-            <a:schemeClr val="tx2">
-              <a:lumMod val="20000"/>
-              <a:lumOff val="80000"/>
-            </a:schemeClr>
-          </a:solidFill>
-          <a:ln>
-            <a:solidFill>
-              <a:schemeClr val="accent1"/>
-            </a:solidFill>
-          </a:ln>
-        </p:spPr>
-        <p:txBody>
-          <a:bodyPr vert="horz" lIns="91440" tIns="45720" rIns="91440" bIns="45720" rtlCol="0">
-            <a:normAutofit/>
-          </a:bodyPr>
-          <a:lstStyle>
-            <a:lvl1pPr marL="342900" indent="-342900" algn="l" defTabSz="457200" rtl="0" eaLnBrk="1" latinLnBrk="0" hangingPunct="1">
-              <a:spcBef>
-                <a:spcPts val="1000"/>
-              </a:spcBef>
-              <a:spcAft>
-                <a:spcPts val="0"/>
-              </a:spcAft>
-              <a:buClr>
-                <a:schemeClr val="accent1"/>
-              </a:buClr>
-              <a:buSzPct val="80000"/>
-              <a:buFont typeface="Wingdings 3" charset="2"/>
-              <a:buChar char=""/>
-              <a:defRPr sz="1800" kern="1200">
-                <a:solidFill>
-                  <a:schemeClr val="tx1">
-                    <a:lumMod val="75000"/>
-                    <a:lumOff val="25000"/>
-                  </a:schemeClr>
-                </a:solidFill>
-                <a:latin typeface="+mn-lt"/>
-                <a:ea typeface="+mn-ea"/>
-                <a:cs typeface="+mn-cs"/>
-              </a:defRPr>
-            </a:lvl1pPr>
-            <a:lvl2pPr marL="742950" indent="-285750" algn="l" defTabSz="457200" rtl="0" eaLnBrk="1" latinLnBrk="0" hangingPunct="1">
-              <a:spcBef>
-                <a:spcPts val="1000"/>
-              </a:spcBef>
-              <a:spcAft>
-                <a:spcPts val="0"/>
-              </a:spcAft>
-              <a:buClr>
-                <a:schemeClr val="accent1"/>
-              </a:buClr>
-              <a:buSzPct val="80000"/>
-              <a:buFont typeface="Wingdings 3" charset="2"/>
-              <a:buChar char=""/>
-              <a:defRPr sz="1600" kern="1200">
-                <a:solidFill>
-                  <a:schemeClr val="tx1">
-                    <a:lumMod val="75000"/>
-                    <a:lumOff val="25000"/>
-                  </a:schemeClr>
-                </a:solidFill>
-                <a:latin typeface="+mn-lt"/>
-                <a:ea typeface="+mn-ea"/>
-                <a:cs typeface="+mn-cs"/>
-              </a:defRPr>
-            </a:lvl2pPr>
-            <a:lvl3pPr marL="1143000" indent="-228600" algn="l" defTabSz="457200" rtl="0" eaLnBrk="1" latinLnBrk="0" hangingPunct="1">
-              <a:spcBef>
-                <a:spcPts val="1000"/>
-              </a:spcBef>
-              <a:spcAft>
-                <a:spcPts val="0"/>
-              </a:spcAft>
-              <a:buClr>
-                <a:schemeClr val="accent1"/>
-              </a:buClr>
-              <a:buSzPct val="80000"/>
-              <a:buFont typeface="Wingdings 3" charset="2"/>
-              <a:buChar char=""/>
-              <a:defRPr sz="1400" kern="1200">
-                <a:solidFill>
-                  <a:schemeClr val="tx1">
-                    <a:lumMod val="75000"/>
-                    <a:lumOff val="25000"/>
-                  </a:schemeClr>
-                </a:solidFill>
-                <a:latin typeface="+mn-lt"/>
-                <a:ea typeface="+mn-ea"/>
-                <a:cs typeface="+mn-cs"/>
-              </a:defRPr>
-            </a:lvl3pPr>
-            <a:lvl4pPr marL="1600200" indent="-228600" algn="l" defTabSz="457200" rtl="0" eaLnBrk="1" latinLnBrk="0" hangingPunct="1">
-              <a:spcBef>
-                <a:spcPts val="1000"/>
-              </a:spcBef>
-              <a:spcAft>
-                <a:spcPts val="0"/>
-              </a:spcAft>
-              <a:buClr>
-                <a:schemeClr val="accent1"/>
-              </a:buClr>
-              <a:buSzPct val="80000"/>
-              <a:buFont typeface="Wingdings 3" charset="2"/>
-              <a:buChar char=""/>
-              <a:defRPr sz="1200" kern="1200">
-                <a:solidFill>
-                  <a:schemeClr val="tx1">
-                    <a:lumMod val="75000"/>
-                    <a:lumOff val="25000"/>
-                  </a:schemeClr>
-                </a:solidFill>
-                <a:latin typeface="+mn-lt"/>
-                <a:ea typeface="+mn-ea"/>
-                <a:cs typeface="+mn-cs"/>
-              </a:defRPr>
-            </a:lvl4pPr>
-            <a:lvl5pPr marL="2057400" indent="-228600" algn="l" defTabSz="457200" rtl="0" eaLnBrk="1" latinLnBrk="0" hangingPunct="1">
-              <a:spcBef>
-                <a:spcPts val="1000"/>
-              </a:spcBef>
-              <a:spcAft>
-                <a:spcPts val="0"/>
-              </a:spcAft>
-              <a:buClr>
-                <a:schemeClr val="accent1"/>
-              </a:buClr>
-              <a:buSzPct val="80000"/>
-              <a:buFont typeface="Wingdings 3" charset="2"/>
-              <a:buChar char=""/>
-              <a:defRPr sz="1200" kern="1200">
-                <a:solidFill>
-                  <a:schemeClr val="tx1">
-                    <a:lumMod val="75000"/>
-                    <a:lumOff val="25000"/>
-                  </a:schemeClr>
-                </a:solidFill>
-                <a:latin typeface="+mn-lt"/>
-                <a:ea typeface="+mn-ea"/>
-                <a:cs typeface="+mn-cs"/>
-              </a:defRPr>
-            </a:lvl5pPr>
-            <a:lvl6pPr marL="2514600" indent="-228600" algn="l" defTabSz="457200" rtl="0" eaLnBrk="1" latinLnBrk="0" hangingPunct="1">
-              <a:spcBef>
-                <a:spcPts val="1000"/>
-              </a:spcBef>
-              <a:spcAft>
-                <a:spcPts val="0"/>
-              </a:spcAft>
-              <a:buClr>
-                <a:schemeClr val="accent1"/>
-              </a:buClr>
-              <a:buSzPct val="80000"/>
-              <a:buFont typeface="Wingdings 3" charset="2"/>
-              <a:buChar char=""/>
-              <a:defRPr sz="1200" kern="1200">
-                <a:solidFill>
-                  <a:schemeClr val="tx1">
-                    <a:lumMod val="75000"/>
-                    <a:lumOff val="25000"/>
-                  </a:schemeClr>
-                </a:solidFill>
-                <a:latin typeface="+mn-lt"/>
-                <a:ea typeface="+mn-ea"/>
-                <a:cs typeface="+mn-cs"/>
-              </a:defRPr>
-            </a:lvl6pPr>
-            <a:lvl7pPr marL="2971800" indent="-228600" algn="l" defTabSz="457200" rtl="0" eaLnBrk="1" latinLnBrk="0" hangingPunct="1">
-              <a:spcBef>
-                <a:spcPts val="1000"/>
-              </a:spcBef>
-              <a:spcAft>
-                <a:spcPts val="0"/>
-              </a:spcAft>
-              <a:buClr>
-                <a:schemeClr val="accent1"/>
-              </a:buClr>
-              <a:buSzPct val="80000"/>
-              <a:buFont typeface="Wingdings 3" charset="2"/>
-              <a:buChar char=""/>
-              <a:defRPr sz="1200" kern="1200">
-                <a:solidFill>
-                  <a:schemeClr val="tx1">
-                    <a:lumMod val="75000"/>
-                    <a:lumOff val="25000"/>
-                  </a:schemeClr>
-                </a:solidFill>
-                <a:latin typeface="+mn-lt"/>
-                <a:ea typeface="+mn-ea"/>
-                <a:cs typeface="+mn-cs"/>
-              </a:defRPr>
-            </a:lvl7pPr>
-            <a:lvl8pPr marL="3429000" indent="-228600" algn="l" defTabSz="457200" rtl="0" eaLnBrk="1" latinLnBrk="0" hangingPunct="1">
-              <a:spcBef>
-                <a:spcPts val="1000"/>
-              </a:spcBef>
-              <a:spcAft>
-                <a:spcPts val="0"/>
-              </a:spcAft>
-              <a:buClr>
-                <a:schemeClr val="accent1"/>
-              </a:buClr>
-              <a:buSzPct val="80000"/>
-              <a:buFont typeface="Wingdings 3" charset="2"/>
-              <a:buChar char=""/>
-              <a:defRPr sz="1200" kern="1200">
-                <a:solidFill>
-                  <a:schemeClr val="tx1">
-                    <a:lumMod val="75000"/>
-                    <a:lumOff val="25000"/>
-                  </a:schemeClr>
-                </a:solidFill>
-                <a:latin typeface="+mn-lt"/>
-                <a:ea typeface="+mn-ea"/>
-                <a:cs typeface="+mn-cs"/>
-              </a:defRPr>
-            </a:lvl8pPr>
-            <a:lvl9pPr marL="3886200" indent="-228600" algn="l" defTabSz="457200" rtl="0" eaLnBrk="1" latinLnBrk="0" hangingPunct="1">
-              <a:spcBef>
-                <a:spcPts val="1000"/>
-              </a:spcBef>
-              <a:spcAft>
-                <a:spcPts val="0"/>
-              </a:spcAft>
-              <a:buClr>
-                <a:schemeClr val="accent1"/>
-              </a:buClr>
-              <a:buSzPct val="80000"/>
-              <a:buFont typeface="Wingdings 3" charset="2"/>
-              <a:buChar char=""/>
-              <a:defRPr sz="1200" kern="1200">
-                <a:solidFill>
-                  <a:schemeClr val="tx1">
-                    <a:lumMod val="75000"/>
-                    <a:lumOff val="25000"/>
-                  </a:schemeClr>
-                </a:solidFill>
-                <a:latin typeface="+mn-lt"/>
-                <a:ea typeface="+mn-ea"/>
-                <a:cs typeface="+mn-cs"/>
-              </a:defRPr>
-            </a:lvl9pPr>
-          </a:lstStyle>
-          <a:p>
-            <a:pPr marL="0" indent="0">
-              <a:buNone/>
-            </a:pPr>
-            <a:r>
-              <a:rPr lang="en-US" dirty="0">
-                <a:solidFill>
-                  <a:srgbClr val="9E880D"/>
-                </a:solidFill>
-                <a:effectLst/>
-                <a:latin typeface="Courier New" panose="02070309020205020404" pitchFamily="49" charset="0"/>
-                <a:cs typeface="Courier New" panose="02070309020205020404" pitchFamily="49" charset="0"/>
-              </a:rPr>
-              <a:t>@Component</a:t>
-            </a:r>
-          </a:p>
-          <a:p>
-            <a:pPr marL="0" indent="0">
-              <a:buNone/>
-            </a:pPr>
-            <a:r>
-              <a:rPr lang="en-US" dirty="0">
-                <a:solidFill>
-                  <a:srgbClr val="0033B3"/>
-                </a:solidFill>
-                <a:effectLst/>
-                <a:latin typeface="Courier New" panose="02070309020205020404" pitchFamily="49" charset="0"/>
-                <a:cs typeface="Courier New" panose="02070309020205020404" pitchFamily="49" charset="0"/>
-              </a:rPr>
-              <a:t>public class </a:t>
-            </a:r>
-            <a:r>
-              <a:rPr lang="en-US" dirty="0">
-                <a:solidFill>
-                  <a:srgbClr val="000000"/>
-                </a:solidFill>
-                <a:effectLst/>
-                <a:latin typeface="Courier New" panose="02070309020205020404" pitchFamily="49" charset="0"/>
-                <a:cs typeface="Courier New" panose="02070309020205020404" pitchFamily="49" charset="0"/>
-              </a:rPr>
-              <a:t>Component1 {</a:t>
-            </a:r>
-          </a:p>
-          <a:p>
-            <a:pPr marL="0" indent="0">
-              <a:buNone/>
-            </a:pPr>
-            <a:r>
-              <a:rPr lang="en-US" dirty="0">
-                <a:solidFill>
-                  <a:srgbClr val="000000"/>
-                </a:solidFill>
-                <a:latin typeface="Courier New" panose="02070309020205020404" pitchFamily="49" charset="0"/>
-                <a:cs typeface="Courier New" panose="02070309020205020404" pitchFamily="49" charset="0"/>
-              </a:rPr>
-              <a:t>	</a:t>
-            </a:r>
-            <a:r>
-              <a:rPr lang="en-US" dirty="0">
-                <a:solidFill>
-                  <a:schemeClr val="accent2"/>
-                </a:solidFill>
-                <a:latin typeface="Courier New" panose="02070309020205020404" pitchFamily="49" charset="0"/>
-                <a:cs typeface="Courier New" panose="02070309020205020404" pitchFamily="49" charset="0"/>
-              </a:rPr>
-              <a:t>// the </a:t>
-            </a:r>
-            <a:r>
-              <a:rPr lang="en-US" dirty="0">
-                <a:solidFill>
-                  <a:schemeClr val="accent2"/>
-                </a:solidFill>
-                <a:effectLst/>
-                <a:latin typeface="Courier New" panose="02070309020205020404" pitchFamily="49" charset="0"/>
-                <a:cs typeface="Courier New" panose="02070309020205020404" pitchFamily="49" charset="0"/>
-              </a:rPr>
-              <a:t>Component1 code</a:t>
-            </a:r>
-          </a:p>
-          <a:p>
-            <a:pPr marL="0" indent="0">
-              <a:buNone/>
-            </a:pPr>
-            <a:r>
-              <a:rPr lang="en-US" dirty="0">
-                <a:solidFill>
-                  <a:srgbClr val="000000"/>
-                </a:solidFill>
-                <a:latin typeface="Courier New" panose="02070309020205020404" pitchFamily="49" charset="0"/>
-                <a:cs typeface="Courier New" panose="02070309020205020404" pitchFamily="49" charset="0"/>
-              </a:rPr>
-              <a:t>}</a:t>
-            </a:r>
-            <a:endParaRPr lang="en-IL" dirty="0">
-              <a:latin typeface="Courier New" panose="02070309020205020404" pitchFamily="49" charset="0"/>
-              <a:cs typeface="Courier New" panose="02070309020205020404" pitchFamily="49" charset="0"/>
-            </a:endParaRPr>
-          </a:p>
-          <a:p>
-            <a:pPr marL="0" indent="0">
-              <a:buNone/>
-            </a:pPr>
-            <a:endParaRPr lang="en-US" dirty="0">
-              <a:solidFill>
-                <a:srgbClr val="9E880D"/>
-              </a:solidFill>
-              <a:effectLst/>
-              <a:latin typeface="Courier New" panose="02070309020205020404" pitchFamily="49" charset="0"/>
-              <a:cs typeface="Courier New" panose="02070309020205020404" pitchFamily="49" charset="0"/>
-            </a:endParaRPr>
-          </a:p>
-          <a:p>
-            <a:pPr marL="0" indent="0">
-              <a:buNone/>
-            </a:pPr>
-            <a:r>
-              <a:rPr lang="en-US" dirty="0">
-                <a:solidFill>
-                  <a:srgbClr val="9E880D"/>
-                </a:solidFill>
-                <a:effectLst/>
-                <a:latin typeface="Courier New" panose="02070309020205020404" pitchFamily="49" charset="0"/>
-                <a:cs typeface="Courier New" panose="02070309020205020404" pitchFamily="49" charset="0"/>
-              </a:rPr>
-              <a:t>@Component</a:t>
-            </a:r>
-          </a:p>
-          <a:p>
-            <a:pPr marL="0" indent="0">
-              <a:buNone/>
-            </a:pPr>
-            <a:r>
-              <a:rPr lang="en-US" dirty="0">
-                <a:solidFill>
-                  <a:srgbClr val="0033B3"/>
-                </a:solidFill>
-                <a:effectLst/>
-                <a:latin typeface="Courier New" panose="02070309020205020404" pitchFamily="49" charset="0"/>
-                <a:cs typeface="Courier New" panose="02070309020205020404" pitchFamily="49" charset="0"/>
-              </a:rPr>
-              <a:t>public class </a:t>
-            </a:r>
-            <a:r>
-              <a:rPr lang="en-US" dirty="0">
-                <a:solidFill>
-                  <a:srgbClr val="000000"/>
-                </a:solidFill>
-                <a:effectLst/>
-                <a:latin typeface="Courier New" panose="02070309020205020404" pitchFamily="49" charset="0"/>
-                <a:cs typeface="Courier New" panose="02070309020205020404" pitchFamily="49" charset="0"/>
-              </a:rPr>
-              <a:t>Component2 {</a:t>
-            </a:r>
-          </a:p>
-          <a:p>
-            <a:pPr marL="0" indent="0">
-              <a:buNone/>
-            </a:pPr>
-            <a:r>
-              <a:rPr lang="en-US" dirty="0">
-                <a:solidFill>
-                  <a:srgbClr val="9E880D"/>
-                </a:solidFill>
-                <a:effectLst/>
-                <a:latin typeface="Courier New" panose="02070309020205020404" pitchFamily="49" charset="0"/>
-                <a:cs typeface="Courier New" panose="02070309020205020404" pitchFamily="49" charset="0"/>
-              </a:rPr>
-              <a:t>	</a:t>
-            </a:r>
-            <a:r>
-              <a:rPr lang="en-US" b="1" dirty="0">
-                <a:solidFill>
-                  <a:srgbClr val="9E880D"/>
-                </a:solidFill>
-                <a:effectLst/>
-                <a:latin typeface="Courier New" panose="02070309020205020404" pitchFamily="49" charset="0"/>
-                <a:cs typeface="Courier New" panose="02070309020205020404" pitchFamily="49" charset="0"/>
-              </a:rPr>
-              <a:t>@Autowired</a:t>
-            </a:r>
-            <a:r>
-              <a:rPr lang="en-US" b="1" dirty="0">
-                <a:solidFill>
-                  <a:srgbClr val="000000"/>
-                </a:solidFill>
-                <a:latin typeface="Courier New" panose="02070309020205020404" pitchFamily="49" charset="0"/>
-                <a:cs typeface="Courier New" panose="02070309020205020404" pitchFamily="49" charset="0"/>
-              </a:rPr>
-              <a:t> </a:t>
-            </a:r>
-            <a:r>
-              <a:rPr lang="en-US" b="1" dirty="0">
-                <a:solidFill>
-                  <a:srgbClr val="0033B3"/>
-                </a:solidFill>
-                <a:effectLst/>
-                <a:latin typeface="Courier New" panose="02070309020205020404" pitchFamily="49" charset="0"/>
-                <a:cs typeface="Courier New" panose="02070309020205020404" pitchFamily="49" charset="0"/>
-              </a:rPr>
-              <a:t>private </a:t>
-            </a:r>
-            <a:r>
-              <a:rPr lang="en-US" b="1" dirty="0">
-                <a:solidFill>
-                  <a:srgbClr val="000000"/>
-                </a:solidFill>
-                <a:effectLst/>
-                <a:latin typeface="Courier New" panose="02070309020205020404" pitchFamily="49" charset="0"/>
-                <a:cs typeface="Courier New" panose="02070309020205020404" pitchFamily="49" charset="0"/>
-              </a:rPr>
-              <a:t>Component1 </a:t>
-            </a:r>
-            <a:r>
-              <a:rPr lang="en-US" b="1" dirty="0">
-                <a:solidFill>
-                  <a:srgbClr val="871094"/>
-                </a:solidFill>
-                <a:effectLst/>
-                <a:latin typeface="Courier New" panose="02070309020205020404" pitchFamily="49" charset="0"/>
-                <a:cs typeface="Courier New" panose="02070309020205020404" pitchFamily="49" charset="0"/>
-              </a:rPr>
-              <a:t>component1</a:t>
-            </a:r>
-            <a:r>
-              <a:rPr lang="en-US" b="1" dirty="0">
-                <a:latin typeface="Courier New" panose="02070309020205020404" pitchFamily="49" charset="0"/>
-                <a:cs typeface="Courier New" panose="02070309020205020404" pitchFamily="49" charset="0"/>
-              </a:rPr>
-              <a:t>;</a:t>
-            </a:r>
-            <a:br>
-              <a:rPr lang="en-US" b="1" dirty="0">
-                <a:latin typeface="Courier New" panose="02070309020205020404" pitchFamily="49" charset="0"/>
-                <a:cs typeface="Courier New" panose="02070309020205020404" pitchFamily="49" charset="0"/>
-              </a:rPr>
-            </a:br>
-            <a:r>
-              <a:rPr lang="en-US" dirty="0">
-                <a:latin typeface="Courier New" panose="02070309020205020404" pitchFamily="49" charset="0"/>
-                <a:cs typeface="Courier New" panose="02070309020205020404" pitchFamily="49" charset="0"/>
-              </a:rPr>
-              <a:t>	</a:t>
-            </a:r>
-          </a:p>
-          <a:p>
-            <a:pPr marL="0" indent="0">
-              <a:buNone/>
-            </a:pPr>
-            <a:r>
-              <a:rPr lang="en-US" dirty="0">
-                <a:latin typeface="Courier New" panose="02070309020205020404" pitchFamily="49" charset="0"/>
-                <a:cs typeface="Courier New" panose="02070309020205020404" pitchFamily="49" charset="0"/>
-              </a:rPr>
-              <a:t>	</a:t>
-            </a:r>
-            <a:r>
-              <a:rPr lang="en-US" dirty="0">
-                <a:solidFill>
-                  <a:srgbClr val="0033B3"/>
-                </a:solidFill>
-                <a:effectLst/>
-                <a:latin typeface="Courier New" panose="02070309020205020404" pitchFamily="49" charset="0"/>
-                <a:cs typeface="Courier New" panose="02070309020205020404" pitchFamily="49" charset="0"/>
-              </a:rPr>
-              <a:t>public </a:t>
-            </a:r>
-            <a:r>
-              <a:rPr lang="en-US" dirty="0">
-                <a:solidFill>
-                  <a:srgbClr val="000000"/>
-                </a:solidFill>
-                <a:effectLst/>
-                <a:latin typeface="Courier New" panose="02070309020205020404" pitchFamily="49" charset="0"/>
-                <a:cs typeface="Courier New" panose="02070309020205020404" pitchFamily="49" charset="0"/>
-              </a:rPr>
-              <a:t>Component2</a:t>
-            </a:r>
-            <a:r>
-              <a:rPr lang="en-US" dirty="0">
-                <a:latin typeface="Courier New" panose="02070309020205020404" pitchFamily="49" charset="0"/>
-                <a:cs typeface="Courier New" panose="02070309020205020404" pitchFamily="49" charset="0"/>
-              </a:rPr>
-              <a:t>() {</a:t>
-            </a:r>
-            <a:br>
-              <a:rPr lang="en-US" dirty="0">
-                <a:latin typeface="Courier New" panose="02070309020205020404" pitchFamily="49" charset="0"/>
-                <a:cs typeface="Courier New" panose="02070309020205020404" pitchFamily="49" charset="0"/>
-              </a:rPr>
-            </a:br>
-            <a:r>
-              <a:rPr lang="en-US" dirty="0">
-                <a:latin typeface="Courier New" panose="02070309020205020404" pitchFamily="49" charset="0"/>
-                <a:cs typeface="Courier New" panose="02070309020205020404" pitchFamily="49" charset="0"/>
-              </a:rPr>
-              <a:t>	}</a:t>
-            </a:r>
-            <a:endParaRPr lang="en-US" dirty="0">
-              <a:solidFill>
-                <a:srgbClr val="000000"/>
-              </a:solidFill>
-              <a:latin typeface="Courier New" panose="02070309020205020404" pitchFamily="49" charset="0"/>
-              <a:cs typeface="Courier New" panose="02070309020205020404" pitchFamily="49" charset="0"/>
-            </a:endParaRPr>
-          </a:p>
-          <a:p>
-            <a:pPr marL="0" indent="0">
-              <a:buNone/>
-            </a:pPr>
-            <a:r>
-              <a:rPr lang="en-US" dirty="0">
-                <a:solidFill>
-                  <a:srgbClr val="000000"/>
-                </a:solidFill>
-                <a:latin typeface="Courier New" panose="02070309020205020404" pitchFamily="49" charset="0"/>
-                <a:cs typeface="Courier New" panose="02070309020205020404" pitchFamily="49" charset="0"/>
-              </a:rPr>
-              <a:t>}</a:t>
-            </a:r>
-            <a:endParaRPr lang="en-IL" dirty="0">
-              <a:latin typeface="Courier New" panose="02070309020205020404" pitchFamily="49" charset="0"/>
-              <a:cs typeface="Courier New" panose="02070309020205020404" pitchFamily="49" charset="0"/>
-            </a:endParaRPr>
-          </a:p>
-        </p:txBody>
-      </p:sp>
-    </p:spTree>
-    <p:extLst>
-      <p:ext uri="{BB962C8B-B14F-4D97-AF65-F5344CB8AC3E}">
-        <p14:creationId xmlns:p14="http://schemas.microsoft.com/office/powerpoint/2010/main" val="3147205214"/>
-      </p:ext>
-    </p:extLst>
-  </p:cSld>
-  <p:clrMapOvr>
-    <a:masterClrMapping/>
-  </p:clrMapOvr>
-</p:sld>
-</file>
-
-<file path=ppt/slides/slide17.xml><?xml version="1.0" encoding="utf-8"?>
-<p:sld xmlns:a="http://schemas.openxmlformats.org/drawingml/2006/main" xmlns:r="http://schemas.openxmlformats.org/officeDocument/2006/relationships" xmlns:p="http://schemas.openxmlformats.org/presentationml/2006/main">
-  <p:cSld>
-    <p:spTree>
-      <p:nvGrpSpPr>
-        <p:cNvPr id="1" name=""/>
-        <p:cNvGrpSpPr/>
-        <p:nvPr/>
-      </p:nvGrpSpPr>
-      <p:grpSpPr>
-        <a:xfrm>
-          <a:off x="0" y="0"/>
-          <a:ext cx="0" cy="0"/>
-          <a:chOff x="0" y="0"/>
-          <a:chExt cx="0" cy="0"/>
-        </a:xfrm>
-      </p:grpSpPr>
-      <p:sp>
-        <p:nvSpPr>
-          <p:cNvPr id="2" name="Title 1">
-            <a:extLst>
-              <a:ext uri="{FF2B5EF4-FFF2-40B4-BE49-F238E27FC236}">
-                <a16:creationId xmlns:a16="http://schemas.microsoft.com/office/drawing/2014/main" id="{5EE33945-C948-A734-933D-D3F6049B7528}"/>
-              </a:ext>
-            </a:extLst>
-          </p:cNvPr>
-          <p:cNvSpPr>
-            <a:spLocks noGrp="1"/>
-          </p:cNvSpPr>
-          <p:nvPr>
-            <p:ph type="title"/>
-          </p:nvPr>
-        </p:nvSpPr>
-        <p:spPr>
-          <a:xfrm>
-            <a:off x="677334" y="609600"/>
-            <a:ext cx="8596668" cy="809897"/>
-          </a:xfrm>
-        </p:spPr>
-        <p:txBody>
-          <a:bodyPr/>
-          <a:lstStyle/>
-          <a:p>
-            <a:r>
-              <a:rPr lang="en-IL" dirty="0"/>
-              <a:t>Setter injection</a:t>
-            </a:r>
-          </a:p>
-        </p:txBody>
-      </p:sp>
-      <p:sp>
-        <p:nvSpPr>
-          <p:cNvPr id="5" name="Content Placeholder 2">
-            <a:extLst>
-              <a:ext uri="{FF2B5EF4-FFF2-40B4-BE49-F238E27FC236}">
-                <a16:creationId xmlns:a16="http://schemas.microsoft.com/office/drawing/2014/main" id="{5DE84EB5-B0D2-9B5E-78D1-CB5417C01E8E}"/>
-              </a:ext>
-            </a:extLst>
-          </p:cNvPr>
-          <p:cNvSpPr txBox="1">
-            <a:spLocks/>
-          </p:cNvSpPr>
-          <p:nvPr/>
-        </p:nvSpPr>
-        <p:spPr>
-          <a:xfrm>
-            <a:off x="585894" y="1550127"/>
-            <a:ext cx="8596668" cy="4781004"/>
-          </a:xfrm>
-          <a:prstGeom prst="rect">
-            <a:avLst/>
-          </a:prstGeom>
-          <a:solidFill>
-            <a:schemeClr val="tx2">
-              <a:lumMod val="20000"/>
-              <a:lumOff val="80000"/>
-            </a:schemeClr>
-          </a:solidFill>
-          <a:ln>
-            <a:solidFill>
-              <a:schemeClr val="accent1"/>
-            </a:solidFill>
-          </a:ln>
-        </p:spPr>
-        <p:txBody>
-          <a:bodyPr vert="horz" lIns="91440" tIns="45720" rIns="91440" bIns="45720" rtlCol="0">
-            <a:normAutofit fontScale="92500" lnSpcReduction="20000"/>
-          </a:bodyPr>
-          <a:lstStyle>
-            <a:lvl1pPr marL="342900" indent="-342900" algn="l" defTabSz="457200" rtl="0" eaLnBrk="1" latinLnBrk="0" hangingPunct="1">
-              <a:spcBef>
-                <a:spcPts val="1000"/>
-              </a:spcBef>
-              <a:spcAft>
-                <a:spcPts val="0"/>
-              </a:spcAft>
-              <a:buClr>
-                <a:schemeClr val="accent1"/>
-              </a:buClr>
-              <a:buSzPct val="80000"/>
-              <a:buFont typeface="Wingdings 3" charset="2"/>
-              <a:buChar char=""/>
-              <a:defRPr sz="1800" kern="1200">
-                <a:solidFill>
-                  <a:schemeClr val="tx1">
-                    <a:lumMod val="75000"/>
-                    <a:lumOff val="25000"/>
-                  </a:schemeClr>
-                </a:solidFill>
-                <a:latin typeface="+mn-lt"/>
-                <a:ea typeface="+mn-ea"/>
-                <a:cs typeface="+mn-cs"/>
-              </a:defRPr>
-            </a:lvl1pPr>
-            <a:lvl2pPr marL="742950" indent="-285750" algn="l" defTabSz="457200" rtl="0" eaLnBrk="1" latinLnBrk="0" hangingPunct="1">
-              <a:spcBef>
-                <a:spcPts val="1000"/>
-              </a:spcBef>
-              <a:spcAft>
-                <a:spcPts val="0"/>
-              </a:spcAft>
-              <a:buClr>
-                <a:schemeClr val="accent1"/>
-              </a:buClr>
-              <a:buSzPct val="80000"/>
-              <a:buFont typeface="Wingdings 3" charset="2"/>
-              <a:buChar char=""/>
-              <a:defRPr sz="1600" kern="1200">
-                <a:solidFill>
-                  <a:schemeClr val="tx1">
-                    <a:lumMod val="75000"/>
-                    <a:lumOff val="25000"/>
-                  </a:schemeClr>
-                </a:solidFill>
-                <a:latin typeface="+mn-lt"/>
-                <a:ea typeface="+mn-ea"/>
-                <a:cs typeface="+mn-cs"/>
-              </a:defRPr>
-            </a:lvl2pPr>
-            <a:lvl3pPr marL="1143000" indent="-228600" algn="l" defTabSz="457200" rtl="0" eaLnBrk="1" latinLnBrk="0" hangingPunct="1">
-              <a:spcBef>
-                <a:spcPts val="1000"/>
-              </a:spcBef>
-              <a:spcAft>
-                <a:spcPts val="0"/>
-              </a:spcAft>
-              <a:buClr>
-                <a:schemeClr val="accent1"/>
-              </a:buClr>
-              <a:buSzPct val="80000"/>
-              <a:buFont typeface="Wingdings 3" charset="2"/>
-              <a:buChar char=""/>
-              <a:defRPr sz="1400" kern="1200">
-                <a:solidFill>
-                  <a:schemeClr val="tx1">
-                    <a:lumMod val="75000"/>
-                    <a:lumOff val="25000"/>
-                  </a:schemeClr>
-                </a:solidFill>
-                <a:latin typeface="+mn-lt"/>
-                <a:ea typeface="+mn-ea"/>
-                <a:cs typeface="+mn-cs"/>
-              </a:defRPr>
-            </a:lvl3pPr>
-            <a:lvl4pPr marL="1600200" indent="-228600" algn="l" defTabSz="457200" rtl="0" eaLnBrk="1" latinLnBrk="0" hangingPunct="1">
-              <a:spcBef>
-                <a:spcPts val="1000"/>
-              </a:spcBef>
-              <a:spcAft>
-                <a:spcPts val="0"/>
-              </a:spcAft>
-              <a:buClr>
-                <a:schemeClr val="accent1"/>
-              </a:buClr>
-              <a:buSzPct val="80000"/>
-              <a:buFont typeface="Wingdings 3" charset="2"/>
-              <a:buChar char=""/>
-              <a:defRPr sz="1200" kern="1200">
-                <a:solidFill>
-                  <a:schemeClr val="tx1">
-                    <a:lumMod val="75000"/>
-                    <a:lumOff val="25000"/>
-                  </a:schemeClr>
-                </a:solidFill>
-                <a:latin typeface="+mn-lt"/>
-                <a:ea typeface="+mn-ea"/>
-                <a:cs typeface="+mn-cs"/>
-              </a:defRPr>
-            </a:lvl4pPr>
-            <a:lvl5pPr marL="2057400" indent="-228600" algn="l" defTabSz="457200" rtl="0" eaLnBrk="1" latinLnBrk="0" hangingPunct="1">
-              <a:spcBef>
-                <a:spcPts val="1000"/>
-              </a:spcBef>
-              <a:spcAft>
-                <a:spcPts val="0"/>
-              </a:spcAft>
-              <a:buClr>
-                <a:schemeClr val="accent1"/>
-              </a:buClr>
-              <a:buSzPct val="80000"/>
-              <a:buFont typeface="Wingdings 3" charset="2"/>
-              <a:buChar char=""/>
-              <a:defRPr sz="1200" kern="1200">
-                <a:solidFill>
-                  <a:schemeClr val="tx1">
-                    <a:lumMod val="75000"/>
-                    <a:lumOff val="25000"/>
-                  </a:schemeClr>
-                </a:solidFill>
-                <a:latin typeface="+mn-lt"/>
-                <a:ea typeface="+mn-ea"/>
-                <a:cs typeface="+mn-cs"/>
-              </a:defRPr>
-            </a:lvl5pPr>
-            <a:lvl6pPr marL="2514600" indent="-228600" algn="l" defTabSz="457200" rtl="0" eaLnBrk="1" latinLnBrk="0" hangingPunct="1">
-              <a:spcBef>
-                <a:spcPts val="1000"/>
-              </a:spcBef>
-              <a:spcAft>
-                <a:spcPts val="0"/>
-              </a:spcAft>
-              <a:buClr>
-                <a:schemeClr val="accent1"/>
-              </a:buClr>
-              <a:buSzPct val="80000"/>
-              <a:buFont typeface="Wingdings 3" charset="2"/>
-              <a:buChar char=""/>
-              <a:defRPr sz="1200" kern="1200">
-                <a:solidFill>
-                  <a:schemeClr val="tx1">
-                    <a:lumMod val="75000"/>
-                    <a:lumOff val="25000"/>
-                  </a:schemeClr>
-                </a:solidFill>
-                <a:latin typeface="+mn-lt"/>
-                <a:ea typeface="+mn-ea"/>
-                <a:cs typeface="+mn-cs"/>
-              </a:defRPr>
-            </a:lvl6pPr>
-            <a:lvl7pPr marL="2971800" indent="-228600" algn="l" defTabSz="457200" rtl="0" eaLnBrk="1" latinLnBrk="0" hangingPunct="1">
-              <a:spcBef>
-                <a:spcPts val="1000"/>
-              </a:spcBef>
-              <a:spcAft>
-                <a:spcPts val="0"/>
-              </a:spcAft>
-              <a:buClr>
-                <a:schemeClr val="accent1"/>
-              </a:buClr>
-              <a:buSzPct val="80000"/>
-              <a:buFont typeface="Wingdings 3" charset="2"/>
-              <a:buChar char=""/>
-              <a:defRPr sz="1200" kern="1200">
-                <a:solidFill>
-                  <a:schemeClr val="tx1">
-                    <a:lumMod val="75000"/>
-                    <a:lumOff val="25000"/>
-                  </a:schemeClr>
-                </a:solidFill>
-                <a:latin typeface="+mn-lt"/>
-                <a:ea typeface="+mn-ea"/>
-                <a:cs typeface="+mn-cs"/>
-              </a:defRPr>
-            </a:lvl7pPr>
-            <a:lvl8pPr marL="3429000" indent="-228600" algn="l" defTabSz="457200" rtl="0" eaLnBrk="1" latinLnBrk="0" hangingPunct="1">
-              <a:spcBef>
-                <a:spcPts val="1000"/>
-              </a:spcBef>
-              <a:spcAft>
-                <a:spcPts val="0"/>
-              </a:spcAft>
-              <a:buClr>
-                <a:schemeClr val="accent1"/>
-              </a:buClr>
-              <a:buSzPct val="80000"/>
-              <a:buFont typeface="Wingdings 3" charset="2"/>
-              <a:buChar char=""/>
-              <a:defRPr sz="1200" kern="1200">
-                <a:solidFill>
-                  <a:schemeClr val="tx1">
-                    <a:lumMod val="75000"/>
-                    <a:lumOff val="25000"/>
-                  </a:schemeClr>
-                </a:solidFill>
-                <a:latin typeface="+mn-lt"/>
-                <a:ea typeface="+mn-ea"/>
-                <a:cs typeface="+mn-cs"/>
-              </a:defRPr>
-            </a:lvl8pPr>
-            <a:lvl9pPr marL="3886200" indent="-228600" algn="l" defTabSz="457200" rtl="0" eaLnBrk="1" latinLnBrk="0" hangingPunct="1">
-              <a:spcBef>
-                <a:spcPts val="1000"/>
-              </a:spcBef>
-              <a:spcAft>
-                <a:spcPts val="0"/>
-              </a:spcAft>
-              <a:buClr>
-                <a:schemeClr val="accent1"/>
-              </a:buClr>
-              <a:buSzPct val="80000"/>
-              <a:buFont typeface="Wingdings 3" charset="2"/>
-              <a:buChar char=""/>
-              <a:defRPr sz="1200" kern="1200">
-                <a:solidFill>
-                  <a:schemeClr val="tx1">
-                    <a:lumMod val="75000"/>
-                    <a:lumOff val="25000"/>
-                  </a:schemeClr>
-                </a:solidFill>
-                <a:latin typeface="+mn-lt"/>
-                <a:ea typeface="+mn-ea"/>
-                <a:cs typeface="+mn-cs"/>
-              </a:defRPr>
-            </a:lvl9pPr>
-          </a:lstStyle>
-          <a:p>
-            <a:pPr marL="0" indent="0">
-              <a:buNone/>
-            </a:pPr>
-            <a:r>
-              <a:rPr lang="en-US" dirty="0">
-                <a:solidFill>
-                  <a:srgbClr val="9E880D"/>
-                </a:solidFill>
-                <a:effectLst/>
-                <a:latin typeface="Courier New" panose="02070309020205020404" pitchFamily="49" charset="0"/>
-                <a:cs typeface="Courier New" panose="02070309020205020404" pitchFamily="49" charset="0"/>
-              </a:rPr>
-              <a:t>@Component</a:t>
-            </a:r>
-          </a:p>
-          <a:p>
-            <a:pPr marL="0" indent="0">
-              <a:buNone/>
-            </a:pPr>
-            <a:r>
-              <a:rPr lang="en-US" dirty="0">
-                <a:solidFill>
-                  <a:srgbClr val="0033B3"/>
-                </a:solidFill>
-                <a:effectLst/>
-                <a:latin typeface="Courier New" panose="02070309020205020404" pitchFamily="49" charset="0"/>
-                <a:cs typeface="Courier New" panose="02070309020205020404" pitchFamily="49" charset="0"/>
-              </a:rPr>
-              <a:t>public class </a:t>
-            </a:r>
-            <a:r>
-              <a:rPr lang="en-US" dirty="0">
-                <a:solidFill>
-                  <a:srgbClr val="000000"/>
-                </a:solidFill>
-                <a:effectLst/>
-                <a:latin typeface="Courier New" panose="02070309020205020404" pitchFamily="49" charset="0"/>
-                <a:cs typeface="Courier New" panose="02070309020205020404" pitchFamily="49" charset="0"/>
-              </a:rPr>
-              <a:t>Component1 {</a:t>
-            </a:r>
-          </a:p>
-          <a:p>
-            <a:pPr marL="0" indent="0">
-              <a:buNone/>
-            </a:pPr>
-            <a:r>
-              <a:rPr lang="en-US" dirty="0">
-                <a:solidFill>
-                  <a:srgbClr val="000000"/>
-                </a:solidFill>
-                <a:latin typeface="Courier New" panose="02070309020205020404" pitchFamily="49" charset="0"/>
-                <a:cs typeface="Courier New" panose="02070309020205020404" pitchFamily="49" charset="0"/>
-              </a:rPr>
-              <a:t>	</a:t>
-            </a:r>
-            <a:r>
-              <a:rPr lang="en-US" dirty="0">
-                <a:solidFill>
-                  <a:schemeClr val="accent2"/>
-                </a:solidFill>
-                <a:latin typeface="Courier New" panose="02070309020205020404" pitchFamily="49" charset="0"/>
-                <a:cs typeface="Courier New" panose="02070309020205020404" pitchFamily="49" charset="0"/>
-              </a:rPr>
-              <a:t>// the </a:t>
-            </a:r>
-            <a:r>
-              <a:rPr lang="en-US" dirty="0">
-                <a:solidFill>
-                  <a:schemeClr val="accent2"/>
-                </a:solidFill>
-                <a:effectLst/>
-                <a:latin typeface="Courier New" panose="02070309020205020404" pitchFamily="49" charset="0"/>
-                <a:cs typeface="Courier New" panose="02070309020205020404" pitchFamily="49" charset="0"/>
-              </a:rPr>
-              <a:t>Component1 code</a:t>
-            </a:r>
-          </a:p>
-          <a:p>
-            <a:pPr marL="0" indent="0">
-              <a:buNone/>
-            </a:pPr>
-            <a:r>
-              <a:rPr lang="en-US" dirty="0">
-                <a:solidFill>
-                  <a:srgbClr val="000000"/>
-                </a:solidFill>
-                <a:latin typeface="Courier New" panose="02070309020205020404" pitchFamily="49" charset="0"/>
-                <a:cs typeface="Courier New" panose="02070309020205020404" pitchFamily="49" charset="0"/>
-              </a:rPr>
-              <a:t>}</a:t>
-            </a:r>
-            <a:endParaRPr lang="en-IL" dirty="0">
-              <a:latin typeface="Courier New" panose="02070309020205020404" pitchFamily="49" charset="0"/>
-              <a:cs typeface="Courier New" panose="02070309020205020404" pitchFamily="49" charset="0"/>
-            </a:endParaRPr>
-          </a:p>
-          <a:p>
-            <a:pPr marL="0" indent="0">
-              <a:buNone/>
-            </a:pPr>
-            <a:endParaRPr lang="en-US" dirty="0">
-              <a:solidFill>
-                <a:srgbClr val="9E880D"/>
-              </a:solidFill>
-              <a:effectLst/>
-              <a:latin typeface="Courier New" panose="02070309020205020404" pitchFamily="49" charset="0"/>
-              <a:cs typeface="Courier New" panose="02070309020205020404" pitchFamily="49" charset="0"/>
-            </a:endParaRPr>
-          </a:p>
-          <a:p>
-            <a:pPr marL="0" indent="0">
-              <a:buNone/>
-            </a:pPr>
-            <a:r>
-              <a:rPr lang="en-US" dirty="0">
-                <a:solidFill>
-                  <a:srgbClr val="9E880D"/>
-                </a:solidFill>
-                <a:effectLst/>
-                <a:latin typeface="Courier New" panose="02070309020205020404" pitchFamily="49" charset="0"/>
-                <a:cs typeface="Courier New" panose="02070309020205020404" pitchFamily="49" charset="0"/>
-              </a:rPr>
-              <a:t>@Component</a:t>
-            </a:r>
-          </a:p>
-          <a:p>
-            <a:pPr marL="0" indent="0">
-              <a:buNone/>
-            </a:pPr>
-            <a:r>
-              <a:rPr lang="en-US" dirty="0">
-                <a:solidFill>
-                  <a:srgbClr val="0033B3"/>
-                </a:solidFill>
-                <a:effectLst/>
-                <a:latin typeface="Courier New" panose="02070309020205020404" pitchFamily="49" charset="0"/>
-                <a:cs typeface="Courier New" panose="02070309020205020404" pitchFamily="49" charset="0"/>
-              </a:rPr>
-              <a:t>public class </a:t>
-            </a:r>
-            <a:r>
-              <a:rPr lang="en-US" dirty="0">
-                <a:solidFill>
-                  <a:srgbClr val="000000"/>
-                </a:solidFill>
-                <a:effectLst/>
-                <a:latin typeface="Courier New" panose="02070309020205020404" pitchFamily="49" charset="0"/>
-                <a:cs typeface="Courier New" panose="02070309020205020404" pitchFamily="49" charset="0"/>
-              </a:rPr>
-              <a:t>Component2 {</a:t>
-            </a:r>
-          </a:p>
-          <a:p>
-            <a:pPr marL="0" indent="0">
-              <a:buNone/>
-            </a:pPr>
-            <a:r>
-              <a:rPr lang="en-US" dirty="0">
-                <a:solidFill>
-                  <a:srgbClr val="9E880D"/>
-                </a:solidFill>
-                <a:effectLst/>
-                <a:latin typeface="Courier New" panose="02070309020205020404" pitchFamily="49" charset="0"/>
-                <a:cs typeface="Courier New" panose="02070309020205020404" pitchFamily="49" charset="0"/>
-              </a:rPr>
-              <a:t>	</a:t>
-            </a:r>
-            <a:r>
-              <a:rPr lang="en-US" dirty="0">
-                <a:solidFill>
-                  <a:srgbClr val="0033B3"/>
-                </a:solidFill>
-                <a:effectLst/>
-                <a:latin typeface="Courier New" panose="02070309020205020404" pitchFamily="49" charset="0"/>
-                <a:cs typeface="Courier New" panose="02070309020205020404" pitchFamily="49" charset="0"/>
-              </a:rPr>
-              <a:t>private </a:t>
-            </a:r>
-            <a:r>
-              <a:rPr lang="en-US" dirty="0">
-                <a:solidFill>
-                  <a:srgbClr val="000000"/>
-                </a:solidFill>
-                <a:effectLst/>
-                <a:latin typeface="Courier New" panose="02070309020205020404" pitchFamily="49" charset="0"/>
-                <a:cs typeface="Courier New" panose="02070309020205020404" pitchFamily="49" charset="0"/>
-              </a:rPr>
-              <a:t>Component1 </a:t>
-            </a:r>
-            <a:r>
-              <a:rPr lang="en-US" dirty="0">
-                <a:solidFill>
-                  <a:srgbClr val="871094"/>
-                </a:solidFill>
-                <a:effectLst/>
-                <a:latin typeface="Courier New" panose="02070309020205020404" pitchFamily="49" charset="0"/>
-                <a:cs typeface="Courier New" panose="02070309020205020404" pitchFamily="49" charset="0"/>
-              </a:rPr>
-              <a:t>component1</a:t>
-            </a:r>
-            <a:r>
-              <a:rPr lang="en-US" dirty="0">
-                <a:latin typeface="Courier New" panose="02070309020205020404" pitchFamily="49" charset="0"/>
-                <a:cs typeface="Courier New" panose="02070309020205020404" pitchFamily="49" charset="0"/>
-              </a:rPr>
-              <a:t>;</a:t>
-            </a:r>
-            <a:br>
-              <a:rPr lang="en-US" dirty="0">
-                <a:latin typeface="Courier New" panose="02070309020205020404" pitchFamily="49" charset="0"/>
-                <a:cs typeface="Courier New" panose="02070309020205020404" pitchFamily="49" charset="0"/>
-              </a:rPr>
-            </a:br>
-            <a:endParaRPr lang="en-US" dirty="0">
-              <a:solidFill>
-                <a:srgbClr val="000000"/>
-              </a:solidFill>
-              <a:latin typeface="Courier New" panose="02070309020205020404" pitchFamily="49" charset="0"/>
-              <a:cs typeface="Courier New" panose="02070309020205020404" pitchFamily="49" charset="0"/>
-            </a:endParaRPr>
-          </a:p>
-          <a:p>
-            <a:pPr marL="0" indent="0">
-              <a:buNone/>
-            </a:pPr>
-            <a:r>
-              <a:rPr lang="en-US" dirty="0">
-                <a:solidFill>
-                  <a:srgbClr val="000000"/>
-                </a:solidFill>
-                <a:latin typeface="Courier New" panose="02070309020205020404" pitchFamily="49" charset="0"/>
-                <a:cs typeface="Courier New" panose="02070309020205020404" pitchFamily="49" charset="0"/>
-              </a:rPr>
-              <a:t>	</a:t>
-            </a:r>
-            <a:r>
-              <a:rPr lang="en-US" b="1" dirty="0">
-                <a:solidFill>
-                  <a:srgbClr val="9E880D"/>
-                </a:solidFill>
-                <a:latin typeface="Courier New" panose="02070309020205020404" pitchFamily="49" charset="0"/>
-                <a:cs typeface="Courier New" panose="02070309020205020404" pitchFamily="49" charset="0"/>
-              </a:rPr>
-              <a:t>@Autowired</a:t>
-            </a:r>
-          </a:p>
-          <a:p>
-            <a:pPr marL="0" indent="0">
-              <a:buNone/>
-            </a:pPr>
-            <a:r>
-              <a:rPr lang="en-US" b="1" dirty="0">
-                <a:solidFill>
-                  <a:srgbClr val="000000"/>
-                </a:solidFill>
-                <a:latin typeface="Courier New" panose="02070309020205020404" pitchFamily="49" charset="0"/>
-                <a:cs typeface="Courier New" panose="02070309020205020404" pitchFamily="49" charset="0"/>
-              </a:rPr>
-              <a:t>	</a:t>
-            </a:r>
-            <a:r>
-              <a:rPr lang="en-US" b="1" dirty="0">
-                <a:solidFill>
-                  <a:srgbClr val="0033B3"/>
-                </a:solidFill>
-                <a:latin typeface="Courier New" panose="02070309020205020404" pitchFamily="49" charset="0"/>
-                <a:cs typeface="Courier New" panose="02070309020205020404" pitchFamily="49" charset="0"/>
-              </a:rPr>
-              <a:t>public</a:t>
-            </a:r>
-            <a:r>
-              <a:rPr lang="en-US" b="1" dirty="0">
-                <a:solidFill>
-                  <a:srgbClr val="000000"/>
-                </a:solidFill>
-                <a:latin typeface="Courier New" panose="02070309020205020404" pitchFamily="49" charset="0"/>
-                <a:cs typeface="Courier New" panose="02070309020205020404" pitchFamily="49" charset="0"/>
-              </a:rPr>
-              <a:t> </a:t>
-            </a:r>
-            <a:r>
-              <a:rPr lang="en-US" b="1" dirty="0">
-                <a:solidFill>
-                  <a:srgbClr val="0033B3"/>
-                </a:solidFill>
-                <a:latin typeface="Courier New" panose="02070309020205020404" pitchFamily="49" charset="0"/>
-                <a:cs typeface="Courier New" panose="02070309020205020404" pitchFamily="49" charset="0"/>
-              </a:rPr>
-              <a:t>void</a:t>
-            </a:r>
-            <a:r>
-              <a:rPr lang="en-US" b="1" dirty="0">
-                <a:solidFill>
-                  <a:srgbClr val="000000"/>
-                </a:solidFill>
-                <a:latin typeface="Courier New" panose="02070309020205020404" pitchFamily="49" charset="0"/>
-                <a:cs typeface="Courier New" panose="02070309020205020404" pitchFamily="49" charset="0"/>
-              </a:rPr>
-              <a:t> setComponent1(Component1 component1) {</a:t>
-            </a:r>
-          </a:p>
-          <a:p>
-            <a:pPr marL="0" indent="0">
-              <a:buNone/>
-            </a:pPr>
-            <a:r>
-              <a:rPr lang="en-US" dirty="0">
-                <a:solidFill>
-                  <a:srgbClr val="000000"/>
-                </a:solidFill>
-                <a:latin typeface="Courier New" panose="02070309020205020404" pitchFamily="49" charset="0"/>
-                <a:cs typeface="Courier New" panose="02070309020205020404" pitchFamily="49" charset="0"/>
-              </a:rPr>
-              <a:t>		</a:t>
-            </a:r>
-            <a:r>
-              <a:rPr lang="en-US" dirty="0">
-                <a:solidFill>
-                  <a:srgbClr val="0033B3"/>
-                </a:solidFill>
-                <a:latin typeface="Courier New" panose="02070309020205020404" pitchFamily="49" charset="0"/>
-                <a:cs typeface="Courier New" panose="02070309020205020404" pitchFamily="49" charset="0"/>
-              </a:rPr>
-              <a:t>this</a:t>
-            </a:r>
-            <a:r>
-              <a:rPr lang="en-US" dirty="0">
-                <a:solidFill>
-                  <a:srgbClr val="000000"/>
-                </a:solidFill>
-                <a:latin typeface="Courier New" panose="02070309020205020404" pitchFamily="49" charset="0"/>
-                <a:cs typeface="Courier New" panose="02070309020205020404" pitchFamily="49" charset="0"/>
-              </a:rPr>
-              <a:t>.</a:t>
-            </a:r>
-            <a:r>
-              <a:rPr lang="en-US" dirty="0">
-                <a:solidFill>
-                  <a:srgbClr val="871094"/>
-                </a:solidFill>
-                <a:latin typeface="Courier New" panose="02070309020205020404" pitchFamily="49" charset="0"/>
-                <a:cs typeface="Courier New" panose="02070309020205020404" pitchFamily="49" charset="0"/>
-              </a:rPr>
-              <a:t>component1</a:t>
-            </a:r>
-            <a:r>
-              <a:rPr lang="en-US" dirty="0">
-                <a:solidFill>
-                  <a:srgbClr val="000000"/>
-                </a:solidFill>
-                <a:latin typeface="Courier New" panose="02070309020205020404" pitchFamily="49" charset="0"/>
-                <a:cs typeface="Courier New" panose="02070309020205020404" pitchFamily="49" charset="0"/>
-              </a:rPr>
-              <a:t> = component1;</a:t>
-            </a:r>
-          </a:p>
-          <a:p>
-            <a:pPr marL="0" indent="0">
-              <a:buNone/>
-            </a:pPr>
-            <a:r>
-              <a:rPr lang="en-US" dirty="0">
-                <a:solidFill>
-                  <a:srgbClr val="000000"/>
-                </a:solidFill>
-                <a:latin typeface="Courier New" panose="02070309020205020404" pitchFamily="49" charset="0"/>
-                <a:cs typeface="Courier New" panose="02070309020205020404" pitchFamily="49" charset="0"/>
-              </a:rPr>
-              <a:t>	}</a:t>
-            </a:r>
-          </a:p>
-          <a:p>
-            <a:pPr marL="0" indent="0">
-              <a:buNone/>
-            </a:pPr>
-            <a:r>
-              <a:rPr lang="en-US" dirty="0">
-                <a:solidFill>
-                  <a:srgbClr val="000000"/>
-                </a:solidFill>
-                <a:latin typeface="Courier New" panose="02070309020205020404" pitchFamily="49" charset="0"/>
-                <a:cs typeface="Courier New" panose="02070309020205020404" pitchFamily="49" charset="0"/>
-              </a:rPr>
-              <a:t>}</a:t>
-            </a:r>
-            <a:endParaRPr lang="en-IL" dirty="0">
-              <a:latin typeface="Courier New" panose="02070309020205020404" pitchFamily="49" charset="0"/>
-              <a:cs typeface="Courier New" panose="02070309020205020404" pitchFamily="49" charset="0"/>
-            </a:endParaRPr>
-          </a:p>
-        </p:txBody>
-      </p:sp>
-    </p:spTree>
-    <p:extLst>
-      <p:ext uri="{BB962C8B-B14F-4D97-AF65-F5344CB8AC3E}">
-        <p14:creationId xmlns:p14="http://schemas.microsoft.com/office/powerpoint/2010/main" val="1943041504"/>
-      </p:ext>
-    </p:extLst>
-  </p:cSld>
-  <p:clrMapOvr>
-    <a:masterClrMapping/>
-  </p:clrMapOvr>
-</p:sld>
-</file>
-
-<file path=ppt/slides/slide18.xml><?xml version="1.0" encoding="utf-8"?>
-<p:sld xmlns:a="http://schemas.openxmlformats.org/drawingml/2006/main" xmlns:r="http://schemas.openxmlformats.org/officeDocument/2006/relationships" xmlns:p="http://schemas.openxmlformats.org/presentationml/2006/main">
-  <p:cSld>
-    <p:spTree>
-      <p:nvGrpSpPr>
-        <p:cNvPr id="1" name=""/>
-        <p:cNvGrpSpPr/>
-        <p:nvPr/>
-      </p:nvGrpSpPr>
-      <p:grpSpPr>
-        <a:xfrm>
-          <a:off x="0" y="0"/>
-          <a:ext cx="0" cy="0"/>
-          <a:chOff x="0" y="0"/>
-          <a:chExt cx="0" cy="0"/>
-        </a:xfrm>
-      </p:grpSpPr>
-      <p:sp>
-        <p:nvSpPr>
-          <p:cNvPr id="2" name="Title 1">
-            <a:extLst>
-              <a:ext uri="{FF2B5EF4-FFF2-40B4-BE49-F238E27FC236}">
-                <a16:creationId xmlns:a16="http://schemas.microsoft.com/office/drawing/2014/main" id="{E7F6EDF1-BAF0-1E95-F377-1E3A16C4AFD0}"/>
-              </a:ext>
-            </a:extLst>
-          </p:cNvPr>
-          <p:cNvSpPr>
-            <a:spLocks noGrp="1"/>
-          </p:cNvSpPr>
-          <p:nvPr>
-            <p:ph type="title"/>
-          </p:nvPr>
-        </p:nvSpPr>
-        <p:spPr>
-          <a:xfrm>
-            <a:off x="677334" y="609600"/>
-            <a:ext cx="8596668" cy="802741"/>
-          </a:xfrm>
-        </p:spPr>
-        <p:txBody>
-          <a:bodyPr/>
-          <a:lstStyle/>
-          <a:p>
-            <a:r>
-              <a:rPr lang="en-IL" dirty="0"/>
-              <a:t>Constructor vs Field vs Setter Injection</a:t>
-            </a:r>
-          </a:p>
-        </p:txBody>
-      </p:sp>
-      <p:sp>
-        <p:nvSpPr>
-          <p:cNvPr id="3" name="Content Placeholder 2">
-            <a:extLst>
-              <a:ext uri="{FF2B5EF4-FFF2-40B4-BE49-F238E27FC236}">
-                <a16:creationId xmlns:a16="http://schemas.microsoft.com/office/drawing/2014/main" id="{34C70CE2-5158-9662-56BA-ABFE13291887}"/>
-              </a:ext>
-            </a:extLst>
-          </p:cNvPr>
-          <p:cNvSpPr>
-            <a:spLocks noGrp="1"/>
-          </p:cNvSpPr>
-          <p:nvPr>
-            <p:ph idx="1"/>
-          </p:nvPr>
-        </p:nvSpPr>
-        <p:spPr>
-          <a:xfrm>
-            <a:off x="677334" y="1524000"/>
-            <a:ext cx="8596668" cy="4632355"/>
-          </a:xfrm>
-        </p:spPr>
-        <p:txBody>
-          <a:bodyPr>
-            <a:normAutofit fontScale="92500"/>
-          </a:bodyPr>
-          <a:lstStyle/>
-          <a:p>
-            <a:r>
-              <a:rPr lang="en-US" sz="2400" dirty="0"/>
-              <a:t>Why prefer Constructor Injection:</a:t>
-            </a:r>
-          </a:p>
-          <a:p>
-            <a:pPr lvl="1"/>
-            <a:r>
-              <a:rPr lang="en-US" sz="1800" dirty="0"/>
-              <a:t>An object must be created with the full and correct state. </a:t>
-            </a:r>
-          </a:p>
-          <a:p>
-            <a:pPr lvl="1"/>
-            <a:r>
-              <a:rPr lang="en-US" sz="1800" dirty="0"/>
-              <a:t>The app can define for the object a mock dependency in a unit test.</a:t>
-            </a:r>
-          </a:p>
-          <a:p>
-            <a:pPr lvl="1"/>
-            <a:r>
-              <a:rPr lang="en-US" sz="1800" dirty="0"/>
-              <a:t>An object can be specified as immutable (for example, to gain thread safety).</a:t>
-            </a:r>
-          </a:p>
-          <a:p>
-            <a:r>
-              <a:rPr lang="en-US" sz="2400" dirty="0"/>
-              <a:t>Why prefer Field Injection:</a:t>
-            </a:r>
-          </a:p>
-          <a:p>
-            <a:pPr lvl="1"/>
-            <a:r>
-              <a:rPr lang="en-US" sz="1800" dirty="0"/>
-              <a:t>The more readable code; allows focusing on business logic.</a:t>
-            </a:r>
-          </a:p>
-          <a:p>
-            <a:pPr lvl="1"/>
-            <a:r>
-              <a:rPr lang="en-US" sz="1800" dirty="0"/>
-              <a:t>When some of the object’s properties could be optional.</a:t>
-            </a:r>
-          </a:p>
-          <a:p>
-            <a:r>
-              <a:rPr lang="en-US" sz="2400" dirty="0"/>
-              <a:t>Why prefer Setter Injection:</a:t>
-            </a:r>
-          </a:p>
-          <a:p>
-            <a:pPr lvl="1"/>
-            <a:r>
-              <a:rPr lang="en-US" sz="1800" dirty="0"/>
-              <a:t>When you need some “smart setter”, for example, for additional validation.</a:t>
-            </a:r>
-          </a:p>
-          <a:p>
-            <a:pPr marL="57150" indent="0">
-              <a:spcBef>
-                <a:spcPts val="1600"/>
-              </a:spcBef>
-              <a:buNone/>
-            </a:pPr>
-            <a:r>
-              <a:rPr lang="en-US" sz="2000" b="1" u="sng" dirty="0"/>
-              <a:t>Note</a:t>
-            </a:r>
-            <a:r>
-              <a:rPr lang="en-US" sz="2000" dirty="0"/>
-              <a:t>: Constructor Injection is the most straightforward and recommended way of dependency injection!</a:t>
-            </a:r>
-          </a:p>
-          <a:p>
-            <a:pPr lvl="1"/>
-            <a:endParaRPr lang="en-US" sz="1800" dirty="0"/>
-          </a:p>
-        </p:txBody>
-      </p:sp>
-    </p:spTree>
-    <p:extLst>
-      <p:ext uri="{BB962C8B-B14F-4D97-AF65-F5344CB8AC3E}">
-        <p14:creationId xmlns:p14="http://schemas.microsoft.com/office/powerpoint/2010/main" val="160340230"/>
-      </p:ext>
-    </p:extLst>
-  </p:cSld>
-  <p:clrMapOvr>
-    <a:masterClrMapping/>
-  </p:clrMapOvr>
-  <p:timing>
-    <p:tnLst>
-      <p:par>
-        <p:cTn id="1" dur="indefinite" restart="never" nodeType="tmRoot">
-          <p:childTnLst>
-            <p:seq concurrent="1" nextAc="seek">
-              <p:cTn id="2" dur="indefinite" nodeType="mainSeq">
-                <p:childTnLst>
-                  <p:par>
-                    <p:cTn id="3" fill="hold">
-                      <p:stCondLst>
-                        <p:cond delay="indefinite"/>
-                      </p:stCondLst>
-                      <p:childTnLst>
-                        <p:par>
-                          <p:cTn id="4" fill="hold">
-                            <p:stCondLst>
-                              <p:cond delay="0"/>
-                            </p:stCondLst>
-                            <p:childTnLst>
-                              <p:par>
-                                <p:cTn id="5" presetID="1" presetClass="entr" presetSubtype="0" fill="hold" grpId="0" nodeType="clickEffect">
-                                  <p:stCondLst>
-                                    <p:cond delay="0"/>
-                                  </p:stCondLst>
-                                  <p:childTnLst>
-                                    <p:set>
-                                      <p:cBhvr>
-                                        <p:cTn id="6" dur="1" fill="hold">
-                                          <p:stCondLst>
-                                            <p:cond delay="0"/>
-                                          </p:stCondLst>
-                                        </p:cTn>
-                                        <p:tgtEl>
-                                          <p:spTgt spid="3">
-                                            <p:txEl>
-                                              <p:pRg st="0" end="0"/>
-                                            </p:txEl>
-                                          </p:spTgt>
-                                        </p:tgtEl>
-                                        <p:attrNameLst>
-                                          <p:attrName>style.visibility</p:attrName>
-                                        </p:attrNameLst>
-                                      </p:cBhvr>
-                                      <p:to>
-                                        <p:strVal val="visible"/>
-                                      </p:to>
-                                    </p:set>
-                                  </p:childTnLst>
-                                </p:cTn>
-                              </p:par>
-                              <p:par>
-                                <p:cTn id="7" presetID="1" presetClass="entr" presetSubtype="0" fill="hold" grpId="0" nodeType="withEffect">
-                                  <p:stCondLst>
-                                    <p:cond delay="0"/>
-                                  </p:stCondLst>
-                                  <p:childTnLst>
-                                    <p:set>
-                                      <p:cBhvr>
-                                        <p:cTn id="8" dur="1" fill="hold">
-                                          <p:stCondLst>
-                                            <p:cond delay="0"/>
-                                          </p:stCondLst>
-                                        </p:cTn>
-                                        <p:tgtEl>
-                                          <p:spTgt spid="3">
-                                            <p:txEl>
-                                              <p:pRg st="1" end="1"/>
-                                            </p:txEl>
-                                          </p:spTgt>
-                                        </p:tgtEl>
-                                        <p:attrNameLst>
-                                          <p:attrName>style.visibility</p:attrName>
-                                        </p:attrNameLst>
-                                      </p:cBhvr>
-                                      <p:to>
-                                        <p:strVal val="visible"/>
-                                      </p:to>
-                                    </p:set>
-                                  </p:childTnLst>
-                                </p:cTn>
-                              </p:par>
-                              <p:par>
-                                <p:cTn id="9" presetID="1" presetClass="entr" presetSubtype="0" fill="hold" grpId="0" nodeType="withEffect">
-                                  <p:stCondLst>
-                                    <p:cond delay="0"/>
-                                  </p:stCondLst>
-                                  <p:childTnLst>
-                                    <p:set>
-                                      <p:cBhvr>
-                                        <p:cTn id="10" dur="1" fill="hold">
-                                          <p:stCondLst>
-                                            <p:cond delay="0"/>
-                                          </p:stCondLst>
-                                        </p:cTn>
-                                        <p:tgtEl>
-                                          <p:spTgt spid="3">
-                                            <p:txEl>
-                                              <p:pRg st="2" end="2"/>
-                                            </p:txEl>
-                                          </p:spTgt>
-                                        </p:tgtEl>
-                                        <p:attrNameLst>
-                                          <p:attrName>style.visibility</p:attrName>
-                                        </p:attrNameLst>
-                                      </p:cBhvr>
-                                      <p:to>
-                                        <p:strVal val="visible"/>
-                                      </p:to>
-                                    </p:set>
-                                  </p:childTnLst>
-                                </p:cTn>
-                              </p:par>
-                              <p:par>
-                                <p:cTn id="11" presetID="1" presetClass="entr" presetSubtype="0" fill="hold" grpId="0" nodeType="withEffect">
-                                  <p:stCondLst>
-                                    <p:cond delay="0"/>
-                                  </p:stCondLst>
-                                  <p:childTnLst>
-                                    <p:set>
-                                      <p:cBhvr>
-                                        <p:cTn id="12" dur="1" fill="hold">
-                                          <p:stCondLst>
-                                            <p:cond delay="0"/>
-                                          </p:stCondLst>
-                                        </p:cTn>
-                                        <p:tgtEl>
-                                          <p:spTgt spid="3">
-                                            <p:txEl>
-                                              <p:pRg st="3" end="3"/>
-                                            </p:txEl>
-                                          </p:spTgt>
-                                        </p:tgtEl>
-                                        <p:attrNameLst>
-                                          <p:attrName>style.visibility</p:attrName>
-                                        </p:attrNameLst>
-                                      </p:cBhvr>
-                                      <p:to>
-                                        <p:strVal val="visible"/>
-                                      </p:to>
-                                    </p:set>
-                                  </p:childTnLst>
-                                </p:cTn>
-                              </p:par>
-                            </p:childTnLst>
-                          </p:cTn>
-                        </p:par>
-                      </p:childTnLst>
-                    </p:cTn>
-                  </p:par>
-                  <p:par>
-                    <p:cTn id="13" fill="hold">
-                      <p:stCondLst>
-                        <p:cond delay="indefinite"/>
-                      </p:stCondLst>
-                      <p:childTnLst>
-                        <p:par>
-                          <p:cTn id="14" fill="hold">
-                            <p:stCondLst>
-                              <p:cond delay="0"/>
-                            </p:stCondLst>
-                            <p:childTnLst>
-                              <p:par>
-                                <p:cTn id="15" presetID="1" presetClass="entr" presetSubtype="0" fill="hold" grpId="0" nodeType="clickEffect">
-                                  <p:stCondLst>
-                                    <p:cond delay="0"/>
-                                  </p:stCondLst>
-                                  <p:childTnLst>
-                                    <p:set>
-                                      <p:cBhvr>
-                                        <p:cTn id="16" dur="1" fill="hold">
-                                          <p:stCondLst>
-                                            <p:cond delay="0"/>
-                                          </p:stCondLst>
-                                        </p:cTn>
-                                        <p:tgtEl>
-                                          <p:spTgt spid="3">
-                                            <p:txEl>
-                                              <p:pRg st="4" end="4"/>
-                                            </p:txEl>
-                                          </p:spTgt>
-                                        </p:tgtEl>
-                                        <p:attrNameLst>
-                                          <p:attrName>style.visibility</p:attrName>
-                                        </p:attrNameLst>
-                                      </p:cBhvr>
-                                      <p:to>
-                                        <p:strVal val="visible"/>
-                                      </p:to>
-                                    </p:set>
-                                  </p:childTnLst>
-                                </p:cTn>
-                              </p:par>
-                              <p:par>
-                                <p:cTn id="17" presetID="1" presetClass="entr" presetSubtype="0" fill="hold" grpId="0" nodeType="withEffect">
-                                  <p:stCondLst>
-                                    <p:cond delay="0"/>
-                                  </p:stCondLst>
-                                  <p:childTnLst>
-                                    <p:set>
-                                      <p:cBhvr>
-                                        <p:cTn id="18" dur="1" fill="hold">
-                                          <p:stCondLst>
-                                            <p:cond delay="0"/>
-                                          </p:stCondLst>
-                                        </p:cTn>
-                                        <p:tgtEl>
-                                          <p:spTgt spid="3">
-                                            <p:txEl>
-                                              <p:pRg st="5" end="5"/>
-                                            </p:txEl>
-                                          </p:spTgt>
-                                        </p:tgtEl>
-                                        <p:attrNameLst>
-                                          <p:attrName>style.visibility</p:attrName>
-                                        </p:attrNameLst>
-                                      </p:cBhvr>
-                                      <p:to>
-                                        <p:strVal val="visible"/>
-                                      </p:to>
-                                    </p:set>
-                                  </p:childTnLst>
-                                </p:cTn>
-                              </p:par>
-                              <p:par>
-                                <p:cTn id="19" presetID="1" presetClass="entr" presetSubtype="0" fill="hold" grpId="0" nodeType="withEffect">
-                                  <p:stCondLst>
-                                    <p:cond delay="0"/>
-                                  </p:stCondLst>
-                                  <p:childTnLst>
-                                    <p:set>
-                                      <p:cBhvr>
-                                        <p:cTn id="20" dur="1" fill="hold">
-                                          <p:stCondLst>
-                                            <p:cond delay="0"/>
-                                          </p:stCondLst>
-                                        </p:cTn>
-                                        <p:tgtEl>
-                                          <p:spTgt spid="3">
-                                            <p:txEl>
-                                              <p:pRg st="6" end="6"/>
-                                            </p:txEl>
-                                          </p:spTgt>
-                                        </p:tgtEl>
-                                        <p:attrNameLst>
-                                          <p:attrName>style.visibility</p:attrName>
-                                        </p:attrNameLst>
-                                      </p:cBhvr>
-                                      <p:to>
-                                        <p:strVal val="visible"/>
-                                      </p:to>
-                                    </p:set>
-                                  </p:childTnLst>
-                                </p:cTn>
-                              </p:par>
-                            </p:childTnLst>
-                          </p:cTn>
-                        </p:par>
-                      </p:childTnLst>
-                    </p:cTn>
-                  </p:par>
-                  <p:par>
-                    <p:cTn id="21" fill="hold">
-                      <p:stCondLst>
-                        <p:cond delay="indefinite"/>
-                      </p:stCondLst>
-                      <p:childTnLst>
-                        <p:par>
-                          <p:cTn id="22" fill="hold">
-                            <p:stCondLst>
-                              <p:cond delay="0"/>
-                            </p:stCondLst>
-                            <p:childTnLst>
-                              <p:par>
-                                <p:cTn id="23" presetID="1" presetClass="entr" presetSubtype="0" fill="hold" grpId="0" nodeType="clickEffect">
-                                  <p:stCondLst>
-                                    <p:cond delay="0"/>
-                                  </p:stCondLst>
-                                  <p:childTnLst>
-                                    <p:set>
-                                      <p:cBhvr>
-                                        <p:cTn id="24" dur="1" fill="hold">
-                                          <p:stCondLst>
-                                            <p:cond delay="0"/>
-                                          </p:stCondLst>
-                                        </p:cTn>
-                                        <p:tgtEl>
-                                          <p:spTgt spid="3">
-                                            <p:txEl>
-                                              <p:pRg st="7" end="7"/>
-                                            </p:txEl>
-                                          </p:spTgt>
-                                        </p:tgtEl>
-                                        <p:attrNameLst>
-                                          <p:attrName>style.visibility</p:attrName>
-                                        </p:attrNameLst>
-                                      </p:cBhvr>
-                                      <p:to>
-                                        <p:strVal val="visible"/>
-                                      </p:to>
-                                    </p:set>
-                                  </p:childTnLst>
-                                </p:cTn>
-                              </p:par>
-                              <p:par>
-                                <p:cTn id="25" presetID="1" presetClass="entr" presetSubtype="0" fill="hold" grpId="0" nodeType="withEffect">
-                                  <p:stCondLst>
-                                    <p:cond delay="0"/>
-                                  </p:stCondLst>
-                                  <p:childTnLst>
-                                    <p:set>
-                                      <p:cBhvr>
-                                        <p:cTn id="26" dur="1" fill="hold">
-                                          <p:stCondLst>
-                                            <p:cond delay="0"/>
-                                          </p:stCondLst>
-                                        </p:cTn>
-                                        <p:tgtEl>
-                                          <p:spTgt spid="3">
-                                            <p:txEl>
-                                              <p:pRg st="8" end="8"/>
-                                            </p:txEl>
-                                          </p:spTgt>
-                                        </p:tgtEl>
-                                        <p:attrNameLst>
-                                          <p:attrName>style.visibility</p:attrName>
-                                        </p:attrNameLst>
-                                      </p:cBhvr>
-                                      <p:to>
-                                        <p:strVal val="visible"/>
-                                      </p:to>
-                                    </p:set>
-                                  </p:childTnLst>
-                                </p:cTn>
-                              </p:par>
-                            </p:childTnLst>
-                          </p:cTn>
-                        </p:par>
-                      </p:childTnLst>
-                    </p:cTn>
-                  </p:par>
-                  <p:par>
-                    <p:cTn id="27" fill="hold">
-                      <p:stCondLst>
-                        <p:cond delay="indefinite"/>
-                      </p:stCondLst>
-                      <p:childTnLst>
-                        <p:par>
-                          <p:cTn id="28" fill="hold">
-                            <p:stCondLst>
-                              <p:cond delay="0"/>
-                            </p:stCondLst>
-                            <p:childTnLst>
-                              <p:par>
-                                <p:cTn id="29" presetID="1" presetClass="entr" presetSubtype="0" fill="hold" grpId="0" nodeType="clickEffect">
-                                  <p:stCondLst>
-                                    <p:cond delay="0"/>
-                                  </p:stCondLst>
-                                  <p:childTnLst>
-                                    <p:set>
-                                      <p:cBhvr>
-                                        <p:cTn id="30" dur="1" fill="hold">
-                                          <p:stCondLst>
-                                            <p:cond delay="0"/>
-                                          </p:stCondLst>
-                                        </p:cTn>
-                                        <p:tgtEl>
-                                          <p:spTgt spid="3">
-                                            <p:txEl>
-                                              <p:pRg st="9" end="9"/>
-                                            </p:txEl>
-                                          </p:spTgt>
-                                        </p:tgtEl>
-                                        <p:attrNameLst>
-                                          <p:attrName>style.visibility</p:attrName>
-                                        </p:attrNameLst>
-                                      </p:cBhvr>
-                                      <p:to>
-                                        <p:strVal val="visible"/>
-                                      </p:to>
-                                    </p:set>
-                                  </p:childTnLst>
-                                </p:cTn>
-                              </p:par>
-                            </p:childTnLst>
-                          </p:cTn>
-                        </p:par>
-                      </p:childTnLst>
-                    </p:cTn>
-                  </p:par>
-                </p:childTnLst>
-              </p:cTn>
-              <p:prevCondLst>
-                <p:cond evt="onPrev" delay="0">
-                  <p:tgtEl>
-                    <p:sldTgt/>
-                  </p:tgtEl>
-                </p:cond>
-              </p:prevCondLst>
-              <p:nextCondLst>
-                <p:cond evt="onNext" delay="0">
-                  <p:tgtEl>
-                    <p:sldTgt/>
-                  </p:tgtEl>
-                </p:cond>
-              </p:nextCondLst>
-            </p:seq>
-          </p:childTnLst>
-        </p:cTn>
-      </p:par>
-    </p:tnLst>
-    <p:bldLst>
-      <p:bldP spid="3" grpId="0" build="p"/>
-    </p:bldLst>
-  </p:timing>
-</p:sld>
-</file>
-
-<file path=ppt/slides/slide19.xml><?xml version="1.0" encoding="utf-8"?>
-<p:sld xmlns:a="http://schemas.openxmlformats.org/drawingml/2006/main" xmlns:r="http://schemas.openxmlformats.org/officeDocument/2006/relationships" xmlns:p="http://schemas.openxmlformats.org/presentationml/2006/main">
-  <p:cSld>
-    <p:spTree>
-      <p:nvGrpSpPr>
-        <p:cNvPr id="1" name=""/>
-        <p:cNvGrpSpPr/>
-        <p:nvPr/>
-      </p:nvGrpSpPr>
-      <p:grpSpPr>
-        <a:xfrm>
-          <a:off x="0" y="0"/>
-          <a:ext cx="0" cy="0"/>
-          <a:chOff x="0" y="0"/>
-          <a:chExt cx="0" cy="0"/>
-        </a:xfrm>
-      </p:grpSpPr>
-      <p:sp>
-        <p:nvSpPr>
-          <p:cNvPr id="2" name="Title 1">
-            <a:extLst>
-              <a:ext uri="{FF2B5EF4-FFF2-40B4-BE49-F238E27FC236}">
-                <a16:creationId xmlns:a16="http://schemas.microsoft.com/office/drawing/2014/main" id="{BC951CB7-F561-C274-3416-30E45C295E96}"/>
-              </a:ext>
-            </a:extLst>
-          </p:cNvPr>
-          <p:cNvSpPr>
-            <a:spLocks noGrp="1"/>
-          </p:cNvSpPr>
-          <p:nvPr>
-            <p:ph type="title"/>
-          </p:nvPr>
-        </p:nvSpPr>
-        <p:spPr>
-          <a:xfrm>
-            <a:off x="677334" y="609600"/>
-            <a:ext cx="8596668" cy="870857"/>
-          </a:xfrm>
-        </p:spPr>
-        <p:txBody>
-          <a:bodyPr/>
-          <a:lstStyle/>
-          <a:p>
-            <a:r>
-              <a:rPr lang="en-IL" dirty="0"/>
-              <a:t>Dependency Injection - @Autowired</a:t>
-            </a:r>
-          </a:p>
-        </p:txBody>
-      </p:sp>
-      <p:sp>
-        <p:nvSpPr>
-          <p:cNvPr id="3" name="Content Placeholder 2">
-            <a:extLst>
-              <a:ext uri="{FF2B5EF4-FFF2-40B4-BE49-F238E27FC236}">
-                <a16:creationId xmlns:a16="http://schemas.microsoft.com/office/drawing/2014/main" id="{595C5F8E-B8D9-DB11-D812-7CD79F6A836A}"/>
-              </a:ext>
-            </a:extLst>
-          </p:cNvPr>
-          <p:cNvSpPr>
-            <a:spLocks noGrp="1"/>
-          </p:cNvSpPr>
-          <p:nvPr>
-            <p:ph idx="1"/>
-          </p:nvPr>
-        </p:nvSpPr>
-        <p:spPr>
-          <a:xfrm>
-            <a:off x="677334" y="1672047"/>
-            <a:ext cx="8950142" cy="4369316"/>
-          </a:xfrm>
-        </p:spPr>
-        <p:txBody>
-          <a:bodyPr>
-            <a:normAutofit fontScale="85000" lnSpcReduction="10000"/>
-          </a:bodyPr>
-          <a:lstStyle/>
-          <a:p>
-            <a:r>
-              <a:rPr lang="en-US" sz="2900" dirty="0">
-                <a:solidFill>
-                  <a:schemeClr val="accent1"/>
-                </a:solidFill>
-              </a:rPr>
-              <a:t>Spring </a:t>
-            </a:r>
-            <a:r>
-              <a:rPr lang="en-US" sz="2900" u="sng" dirty="0">
-                <a:solidFill>
-                  <a:schemeClr val="accent1"/>
-                </a:solidFill>
-              </a:rPr>
-              <a:t>@Autowired </a:t>
-            </a:r>
-            <a:r>
-              <a:rPr lang="en-US" sz="2800" dirty="0"/>
-              <a:t>annotation is used for automatic dependency injection. Using the annotation, we </a:t>
-            </a:r>
-            <a:r>
-              <a:rPr lang="en-US" sz="2900" dirty="0"/>
-              <a:t>instruct </a:t>
-            </a:r>
-            <a:r>
-              <a:rPr lang="en-US" sz="2900" dirty="0">
-                <a:solidFill>
-                  <a:schemeClr val="accent1"/>
-                </a:solidFill>
-              </a:rPr>
-              <a:t>Spring</a:t>
-            </a:r>
-            <a:r>
-              <a:rPr lang="en-US" sz="2900" dirty="0"/>
-              <a:t> to inject the bean “auto-magically”.</a:t>
-            </a:r>
-            <a:br>
-              <a:rPr lang="en-US" sz="2900" dirty="0"/>
-            </a:br>
-            <a:r>
-              <a:rPr lang="en-US" sz="2800" dirty="0"/>
-              <a:t>The process of Spring bean injection is called </a:t>
-            </a:r>
-            <a:r>
-              <a:rPr lang="en-US" sz="2800" i="1" dirty="0" err="1">
-                <a:solidFill>
-                  <a:schemeClr val="accent1"/>
-                </a:solidFill>
-              </a:rPr>
-              <a:t>autowiring</a:t>
-            </a:r>
-            <a:r>
-              <a:rPr lang="en-US" sz="2800" dirty="0"/>
-              <a:t>.</a:t>
-            </a:r>
-          </a:p>
-          <a:p>
-            <a:pPr marL="800100" lvl="2" indent="0">
-              <a:buNone/>
-            </a:pPr>
-            <a:r>
-              <a:rPr lang="en-US" sz="1900" i="1" dirty="0"/>
-              <a:t>Note</a:t>
-            </a:r>
-            <a:r>
-              <a:rPr lang="en-US" sz="1900" dirty="0"/>
-              <a:t>: </a:t>
-            </a:r>
-            <a:r>
-              <a:rPr lang="en-US" sz="1900" dirty="0">
-                <a:solidFill>
-                  <a:schemeClr val="accent1"/>
-                </a:solidFill>
-              </a:rPr>
-              <a:t>@Autowired </a:t>
-            </a:r>
-            <a:r>
-              <a:rPr lang="en-US" sz="1900" dirty="0"/>
-              <a:t>is generally used for field and setter injection. It can also be used with a constructor, to denote to </a:t>
-            </a:r>
-            <a:r>
-              <a:rPr lang="en-US" sz="1900" dirty="0">
-                <a:solidFill>
-                  <a:schemeClr val="accent1"/>
-                </a:solidFill>
-              </a:rPr>
-              <a:t>Spring</a:t>
-            </a:r>
-            <a:r>
-              <a:rPr lang="en-US" sz="1900" dirty="0"/>
-              <a:t> that this is the constructor to use for bean creation. But classes with a single constructor can omit the </a:t>
-            </a:r>
-            <a:r>
-              <a:rPr lang="en-US" sz="1900" dirty="0">
-                <a:solidFill>
-                  <a:srgbClr val="92D050"/>
-                </a:solidFill>
-              </a:rPr>
-              <a:t>@Autowired </a:t>
-            </a:r>
-            <a:r>
-              <a:rPr lang="en-US" sz="1900" dirty="0"/>
-              <a:t>annotation.</a:t>
-            </a:r>
-            <a:endParaRPr lang="en-US" sz="2500" dirty="0"/>
-          </a:p>
-          <a:p>
-            <a:r>
-              <a:rPr lang="en-US" sz="2800" dirty="0">
-                <a:solidFill>
-                  <a:schemeClr val="accent1"/>
-                </a:solidFill>
-              </a:rPr>
-              <a:t>@Autowired </a:t>
-            </a:r>
-            <a:r>
-              <a:rPr lang="en-US" sz="2800" dirty="0"/>
-              <a:t>on fields happens AFTER calling the constructor.</a:t>
-            </a:r>
-          </a:p>
-          <a:p>
-            <a:r>
-              <a:rPr lang="en-US" sz="2800" dirty="0">
-                <a:solidFill>
-                  <a:schemeClr val="accent1"/>
-                </a:solidFill>
-              </a:rPr>
-              <a:t>@Autowired </a:t>
-            </a:r>
-            <a:r>
-              <a:rPr lang="en-US" sz="2800" dirty="0"/>
-              <a:t>is by default </a:t>
-            </a:r>
-            <a:r>
-              <a:rPr lang="en-US" sz="2800" dirty="0">
-                <a:solidFill>
-                  <a:srgbClr val="00B0F0"/>
-                </a:solidFill>
-              </a:rPr>
-              <a:t>required</a:t>
-            </a:r>
-            <a:r>
-              <a:rPr lang="en-US" sz="2800" dirty="0"/>
-              <a:t> and will fail in the case cannot be fulfilled. Change it by adding </a:t>
-            </a:r>
-            <a:r>
-              <a:rPr lang="en-US" sz="2800" dirty="0">
-                <a:solidFill>
-                  <a:schemeClr val="accent1"/>
-                </a:solidFill>
-              </a:rPr>
-              <a:t>@Autowired(required = false).</a:t>
-            </a:r>
-          </a:p>
-          <a:p>
-            <a:pPr marL="0" indent="0">
-              <a:buNone/>
-            </a:pPr>
-            <a:endParaRPr lang="en-IL" dirty="0"/>
-          </a:p>
-        </p:txBody>
-      </p:sp>
-    </p:spTree>
-    <p:extLst>
-      <p:ext uri="{BB962C8B-B14F-4D97-AF65-F5344CB8AC3E}">
-        <p14:creationId xmlns:p14="http://schemas.microsoft.com/office/powerpoint/2010/main" val="3677933717"/>
-      </p:ext>
-    </p:extLst>
-  </p:cSld>
-  <p:clrMapOvr>
-    <a:masterClrMapping/>
-  </p:clrMapOvr>
-  <p:timing>
-    <p:tnLst>
-      <p:par>
-        <p:cTn id="1" dur="indefinite" restart="never" nodeType="tmRoot">
-          <p:childTnLst>
-            <p:seq concurrent="1" nextAc="seek">
-              <p:cTn id="2" dur="indefinite" nodeType="mainSeq">
-                <p:childTnLst>
-                  <p:par>
-                    <p:cTn id="3" fill="hold">
-                      <p:stCondLst>
-                        <p:cond delay="indefinite"/>
-                      </p:stCondLst>
-                      <p:childTnLst>
-                        <p:par>
-                          <p:cTn id="4" fill="hold">
-                            <p:stCondLst>
-                              <p:cond delay="0"/>
-                            </p:stCondLst>
-                            <p:childTnLst>
-                              <p:par>
-                                <p:cTn id="5" presetID="1" presetClass="entr" presetSubtype="0" fill="hold" grpId="0" nodeType="clickEffect">
-                                  <p:stCondLst>
-                                    <p:cond delay="0"/>
-                                  </p:stCondLst>
-                                  <p:childTnLst>
-                                    <p:set>
-                                      <p:cBhvr>
-                                        <p:cTn id="6" dur="1" fill="hold">
-                                          <p:stCondLst>
-                                            <p:cond delay="0"/>
-                                          </p:stCondLst>
-                                        </p:cTn>
-                                        <p:tgtEl>
-                                          <p:spTgt spid="3">
-                                            <p:txEl>
-                                              <p:pRg st="0" end="0"/>
-                                            </p:txEl>
-                                          </p:spTgt>
-                                        </p:tgtEl>
-                                        <p:attrNameLst>
-                                          <p:attrName>style.visibility</p:attrName>
-                                        </p:attrNameLst>
-                                      </p:cBhvr>
-                                      <p:to>
-                                        <p:strVal val="visible"/>
-                                      </p:to>
-                                    </p:set>
-                                  </p:childTnLst>
-                                </p:cTn>
-                              </p:par>
-                              <p:par>
-                                <p:cTn id="7" presetID="1" presetClass="entr" presetSubtype="0" fill="hold" grpId="0" nodeType="withEffect">
-                                  <p:stCondLst>
-                                    <p:cond delay="0"/>
-                                  </p:stCondLst>
-                                  <p:childTnLst>
-                                    <p:set>
-                                      <p:cBhvr>
-                                        <p:cTn id="8" dur="1" fill="hold">
-                                          <p:stCondLst>
-                                            <p:cond delay="0"/>
-                                          </p:stCondLst>
-                                        </p:cTn>
-                                        <p:tgtEl>
-                                          <p:spTgt spid="3">
-                                            <p:txEl>
-                                              <p:pRg st="1" end="1"/>
-                                            </p:txEl>
-                                          </p:spTgt>
-                                        </p:tgtEl>
-                                        <p:attrNameLst>
-                                          <p:attrName>style.visibility</p:attrName>
-                                        </p:attrNameLst>
-                                      </p:cBhvr>
-                                      <p:to>
-                                        <p:strVal val="visible"/>
-                                      </p:to>
-                                    </p:set>
-                                  </p:childTnLst>
-                                </p:cTn>
-                              </p:par>
-                            </p:childTnLst>
-                          </p:cTn>
-                        </p:par>
-                      </p:childTnLst>
-                    </p:cTn>
-                  </p:par>
-                  <p:par>
-                    <p:cTn id="9" fill="hold">
-                      <p:stCondLst>
-                        <p:cond delay="indefinite"/>
-                      </p:stCondLst>
-                      <p:childTnLst>
-                        <p:par>
-                          <p:cTn id="10" fill="hold">
-                            <p:stCondLst>
-                              <p:cond delay="0"/>
-                            </p:stCondLst>
-                            <p:childTnLst>
-                              <p:par>
-                                <p:cTn id="11" presetID="1" presetClass="entr" presetSubtype="0" fill="hold" grpId="0" nodeType="clickEffect">
-                                  <p:stCondLst>
-                                    <p:cond delay="0"/>
-                                  </p:stCondLst>
-                                  <p:childTnLst>
-                                    <p:set>
-                                      <p:cBhvr>
-                                        <p:cTn id="12" dur="1" fill="hold">
-                                          <p:stCondLst>
-                                            <p:cond delay="0"/>
-                                          </p:stCondLst>
-                                        </p:cTn>
-                                        <p:tgtEl>
-                                          <p:spTgt spid="3">
-                                            <p:txEl>
-                                              <p:pRg st="2" end="2"/>
-                                            </p:txEl>
-                                          </p:spTgt>
-                                        </p:tgtEl>
-                                        <p:attrNameLst>
-                                          <p:attrName>style.visibility</p:attrName>
-                                        </p:attrNameLst>
-                                      </p:cBhvr>
-                                      <p:to>
-                                        <p:strVal val="visible"/>
-                                      </p:to>
-                                    </p:set>
-                                  </p:childTnLst>
-                                </p:cTn>
-                              </p:par>
-                            </p:childTnLst>
-                          </p:cTn>
-                        </p:par>
-                      </p:childTnLst>
-                    </p:cTn>
-                  </p:par>
-                  <p:par>
-                    <p:cTn id="13" fill="hold">
-                      <p:stCondLst>
-                        <p:cond delay="indefinite"/>
-                      </p:stCondLst>
-                      <p:childTnLst>
-                        <p:par>
-                          <p:cTn id="14" fill="hold">
-                            <p:stCondLst>
-                              <p:cond delay="0"/>
-                            </p:stCondLst>
-                            <p:childTnLst>
-                              <p:par>
-                                <p:cTn id="15" presetID="1" presetClass="entr" presetSubtype="0" fill="hold" grpId="0" nodeType="clickEffect">
-                                  <p:stCondLst>
-                                    <p:cond delay="0"/>
-                                  </p:stCondLst>
-                                  <p:childTnLst>
-                                    <p:set>
-                                      <p:cBhvr>
-                                        <p:cTn id="16" dur="1" fill="hold">
-                                          <p:stCondLst>
-                                            <p:cond delay="0"/>
-                                          </p:stCondLst>
-                                        </p:cTn>
-                                        <p:tgtEl>
-                                          <p:spTgt spid="3">
-                                            <p:txEl>
-                                              <p:pRg st="3" end="3"/>
-                                            </p:txEl>
-                                          </p:spTgt>
-                                        </p:tgtEl>
-                                        <p:attrNameLst>
-                                          <p:attrName>style.visibility</p:attrName>
-                                        </p:attrNameLst>
-                                      </p:cBhvr>
-                                      <p:to>
-                                        <p:strVal val="visible"/>
-                                      </p:to>
-                                    </p:set>
-                                  </p:childTnLst>
-                                </p:cTn>
-                              </p:par>
-                            </p:childTnLst>
-                          </p:cTn>
-                        </p:par>
-                      </p:childTnLst>
-                    </p:cTn>
-                  </p:par>
-                </p:childTnLst>
-              </p:cTn>
-              <p:prevCondLst>
-                <p:cond evt="onPrev" delay="0">
-                  <p:tgtEl>
-                    <p:sldTgt/>
-                  </p:tgtEl>
-                </p:cond>
-              </p:prevCondLst>
-              <p:nextCondLst>
-                <p:cond evt="onNext" delay="0">
-                  <p:tgtEl>
-                    <p:sldTgt/>
-                  </p:tgtEl>
-                </p:cond>
-              </p:nextCondLst>
-            </p:seq>
-          </p:childTnLst>
-        </p:cTn>
-      </p:par>
-    </p:tnLst>
-    <p:bldLst>
-      <p:bldP spid="3" grpId="0" build="p"/>
-    </p:bldLst>
-  </p:timing>
-</p:sld>
-</file>
-
-<file path=ppt/slides/slide2.xml><?xml version="1.0" encoding="utf-8"?>
-<p:sld xmlns:a="http://schemas.openxmlformats.org/drawingml/2006/main" xmlns:r="http://schemas.openxmlformats.org/officeDocument/2006/relationships" xmlns:p="http://schemas.openxmlformats.org/presentationml/2006/main">
-  <p:cSld>
-    <p:spTree>
-      <p:nvGrpSpPr>
-        <p:cNvPr id="1" name=""/>
-        <p:cNvGrpSpPr/>
-        <p:nvPr/>
-      </p:nvGrpSpPr>
-      <p:grpSpPr>
-        <a:xfrm>
-          <a:off x="0" y="0"/>
-          <a:ext cx="0" cy="0"/>
-          <a:chOff x="0" y="0"/>
-          <a:chExt cx="0" cy="0"/>
-        </a:xfrm>
-      </p:grpSpPr>
-      <p:sp>
-        <p:nvSpPr>
-          <p:cNvPr id="2" name="Title 1">
-            <a:extLst>
-              <a:ext uri="{FF2B5EF4-FFF2-40B4-BE49-F238E27FC236}">
-                <a16:creationId xmlns:a16="http://schemas.microsoft.com/office/drawing/2014/main" id="{A006A6CC-471B-E467-E433-0F7F437BD70A}"/>
-              </a:ext>
-            </a:extLst>
-          </p:cNvPr>
-          <p:cNvSpPr>
-            <a:spLocks noGrp="1"/>
-          </p:cNvSpPr>
-          <p:nvPr>
-            <p:ph type="title"/>
-          </p:nvPr>
-        </p:nvSpPr>
-        <p:spPr>
-          <a:xfrm>
-            <a:off x="527961" y="412901"/>
-            <a:ext cx="8596668" cy="747562"/>
-          </a:xfrm>
-        </p:spPr>
-        <p:txBody>
-          <a:bodyPr/>
-          <a:lstStyle/>
-          <a:p>
-            <a:pPr algn="l" defTabSz="457200" rtl="0" eaLnBrk="1" latinLnBrk="0" hangingPunct="1">
-              <a:spcBef>
-                <a:spcPct val="0"/>
-              </a:spcBef>
-              <a:buNone/>
-            </a:pPr>
-            <a:r>
-              <a:rPr lang="en-IL"/>
-              <a:t>About Me</a:t>
-            </a:r>
-            <a:endParaRPr lang="en-IL" dirty="0"/>
-          </a:p>
-        </p:txBody>
-      </p:sp>
-      <p:sp>
-        <p:nvSpPr>
-          <p:cNvPr id="5" name="Content Placeholder 2">
-            <a:extLst>
-              <a:ext uri="{FF2B5EF4-FFF2-40B4-BE49-F238E27FC236}">
-                <a16:creationId xmlns:a16="http://schemas.microsoft.com/office/drawing/2014/main" id="{8F2346EB-9401-46E4-9E10-8279B07A9E0A}"/>
-              </a:ext>
-            </a:extLst>
-          </p:cNvPr>
-          <p:cNvSpPr>
-            <a:spLocks noGrp="1"/>
-          </p:cNvSpPr>
-          <p:nvPr>
-            <p:ph idx="1"/>
-          </p:nvPr>
-        </p:nvSpPr>
-        <p:spPr>
-          <a:xfrm>
-            <a:off x="515938" y="1304925"/>
-            <a:ext cx="8596668" cy="4533575"/>
-          </a:xfrm>
-        </p:spPr>
-        <p:txBody>
-          <a:bodyPr>
-            <a:normAutofit/>
-          </a:bodyPr>
-          <a:lstStyle/>
-          <a:p>
-            <a:r>
-              <a:rPr lang="en-US" sz="3200"/>
-              <a:t>Principal Software Engineer</a:t>
-            </a:r>
-            <a:endParaRPr lang="he-IL" sz="3200"/>
-          </a:p>
-          <a:p>
-            <a:r>
-              <a:rPr lang="en-US" sz="3200"/>
-              <a:t>7 years at AT&amp;T​</a:t>
-            </a:r>
-            <a:endParaRPr lang="he-IL" sz="3200"/>
-          </a:p>
-          <a:p>
-            <a:r>
-              <a:rPr lang="en-US" sz="3200"/>
-              <a:t>Experienced: C#, Java, Go, Python, JavaScript, Node.js</a:t>
-            </a:r>
-            <a:endParaRPr lang="en-US" sz="3200" dirty="0"/>
-          </a:p>
-        </p:txBody>
-      </p:sp>
-      <p:pic>
-        <p:nvPicPr>
-          <p:cNvPr id="4" name="Picture 3" descr="A person in a white shirt&#10;&#10;Description automatically generated">
-            <a:extLst>
-              <a:ext uri="{FF2B5EF4-FFF2-40B4-BE49-F238E27FC236}">
-                <a16:creationId xmlns:a16="http://schemas.microsoft.com/office/drawing/2014/main" id="{BB974D89-A6FA-757E-357B-3044EAF9EEA8}"/>
-              </a:ext>
-            </a:extLst>
-          </p:cNvPr>
-          <p:cNvPicPr>
-            <a:picLocks noChangeAspect="1"/>
-          </p:cNvPicPr>
-          <p:nvPr/>
-        </p:nvPicPr>
-        <p:blipFill>
-          <a:blip r:embed="rId3"/>
-          <a:stretch>
-            <a:fillRect/>
-          </a:stretch>
-        </p:blipFill>
-        <p:spPr>
-          <a:xfrm>
-            <a:off x="4374275" y="4154433"/>
-            <a:ext cx="2476500" cy="2374900"/>
-          </a:xfrm>
-          <a:prstGeom prst="rect">
-            <a:avLst/>
-          </a:prstGeom>
-        </p:spPr>
-      </p:pic>
-    </p:spTree>
-    <p:extLst>
-      <p:ext uri="{BB962C8B-B14F-4D97-AF65-F5344CB8AC3E}">
-        <p14:creationId xmlns:p14="http://schemas.microsoft.com/office/powerpoint/2010/main" val="1742278384"/>
-      </p:ext>
-    </p:extLst>
-  </p:cSld>
-  <p:clrMapOvr>
-    <a:masterClrMapping/>
-  </p:clrMapOvr>
-</p:sld>
-</file>
-
-<file path=ppt/slides/slide20.xml><?xml version="1.0" encoding="utf-8"?>
-<p:sld xmlns:a="http://schemas.openxmlformats.org/drawingml/2006/main" xmlns:r="http://schemas.openxmlformats.org/officeDocument/2006/relationships" xmlns:p="http://schemas.openxmlformats.org/presentationml/2006/main">
-  <p:cSld>
-    <p:spTree>
-      <p:nvGrpSpPr>
-        <p:cNvPr id="1" name=""/>
-        <p:cNvGrpSpPr/>
-        <p:nvPr/>
-      </p:nvGrpSpPr>
-      <p:grpSpPr>
-        <a:xfrm>
-          <a:off x="0" y="0"/>
-          <a:ext cx="0" cy="0"/>
-          <a:chOff x="0" y="0"/>
-          <a:chExt cx="0" cy="0"/>
-        </a:xfrm>
-      </p:grpSpPr>
-      <p:sp>
-        <p:nvSpPr>
-          <p:cNvPr id="2" name="Title 1">
-            <a:extLst>
-              <a:ext uri="{FF2B5EF4-FFF2-40B4-BE49-F238E27FC236}">
-                <a16:creationId xmlns:a16="http://schemas.microsoft.com/office/drawing/2014/main" id="{BA75E493-AA8C-B4B0-A382-2249B0D6370A}"/>
-              </a:ext>
-            </a:extLst>
-          </p:cNvPr>
-          <p:cNvSpPr>
-            <a:spLocks noGrp="1"/>
-          </p:cNvSpPr>
-          <p:nvPr>
-            <p:ph type="title"/>
-          </p:nvPr>
-        </p:nvSpPr>
-        <p:spPr/>
-        <p:txBody>
-          <a:bodyPr>
-            <a:normAutofit fontScale="90000"/>
-          </a:bodyPr>
-          <a:lstStyle/>
-          <a:p>
-            <a:r>
-              <a:rPr lang="en-IL" dirty="0"/>
-              <a:t>How Spring looks for beans to wire?</a:t>
-            </a:r>
-          </a:p>
-        </p:txBody>
-      </p:sp>
-      <p:sp>
-        <p:nvSpPr>
-          <p:cNvPr id="3" name="Content Placeholder 2">
-            <a:extLst>
-              <a:ext uri="{FF2B5EF4-FFF2-40B4-BE49-F238E27FC236}">
-                <a16:creationId xmlns:a16="http://schemas.microsoft.com/office/drawing/2014/main" id="{04D27AD3-9AFC-0234-B8BD-200E70A712FA}"/>
-              </a:ext>
-            </a:extLst>
-          </p:cNvPr>
-          <p:cNvSpPr>
-            <a:spLocks noGrp="1"/>
-          </p:cNvSpPr>
-          <p:nvPr>
-            <p:ph idx="1"/>
-          </p:nvPr>
-        </p:nvSpPr>
-        <p:spPr>
-          <a:xfrm>
-            <a:off x="677333" y="1423135"/>
-            <a:ext cx="8894929" cy="3880773"/>
-          </a:xfrm>
-        </p:spPr>
-        <p:txBody>
-          <a:bodyPr/>
-          <a:lstStyle/>
-          <a:p>
-            <a:pPr marL="0" indent="0">
-              <a:buNone/>
-            </a:pPr>
-            <a:r>
-              <a:rPr lang="en-US" sz="2800" dirty="0"/>
-              <a:t>There are different ways through which we can </a:t>
-            </a:r>
-            <a:r>
-              <a:rPr lang="en-US" sz="2800" dirty="0" err="1"/>
-              <a:t>autowire</a:t>
-            </a:r>
-            <a:r>
-              <a:rPr lang="en-US" sz="2800" dirty="0"/>
-              <a:t> a spring bean:</a:t>
-            </a:r>
-            <a:endParaRPr lang="en-IL" sz="2800" dirty="0"/>
-          </a:p>
-          <a:p>
-            <a:pPr>
-              <a:buFont typeface="+mj-lt"/>
-              <a:buAutoNum type="arabicPeriod"/>
-            </a:pPr>
-            <a:r>
-              <a:rPr lang="en-US" sz="2400" b="0" i="0" u="none" strike="noStrike" dirty="0">
-                <a:solidFill>
-                  <a:srgbClr val="000000"/>
-                </a:solidFill>
-                <a:effectLst/>
-              </a:rPr>
-              <a:t>Match by Type</a:t>
-            </a:r>
-            <a:endParaRPr lang="en-US" sz="2400" dirty="0"/>
-          </a:p>
-          <a:p>
-            <a:pPr>
-              <a:buFont typeface="+mj-lt"/>
-              <a:buAutoNum type="arabicPeriod"/>
-            </a:pPr>
-            <a:r>
-              <a:rPr lang="en-US" sz="2400" b="0" i="0" u="none" strike="noStrike" dirty="0">
-                <a:solidFill>
-                  <a:srgbClr val="000000"/>
-                </a:solidFill>
-                <a:effectLst/>
-              </a:rPr>
-              <a:t>Match by Qualifier</a:t>
-            </a:r>
-          </a:p>
-          <a:p>
-            <a:pPr algn="l">
-              <a:buFont typeface="+mj-lt"/>
-              <a:buAutoNum type="arabicPeriod"/>
-            </a:pPr>
-            <a:r>
-              <a:rPr lang="en-US" sz="2400" b="0" i="0" u="none" strike="noStrike" dirty="0">
-                <a:solidFill>
-                  <a:srgbClr val="000000"/>
-                </a:solidFill>
-                <a:effectLst/>
-              </a:rPr>
-              <a:t>Match by Name</a:t>
-            </a:r>
-          </a:p>
-          <a:p>
-            <a:pPr algn="l">
-              <a:buFont typeface="+mj-lt"/>
-              <a:buAutoNum type="arabicPeriod"/>
-            </a:pPr>
-            <a:endParaRPr lang="en-US" sz="2000" dirty="0">
-              <a:solidFill>
-                <a:srgbClr val="000000"/>
-              </a:solidFill>
-            </a:endParaRPr>
-          </a:p>
-          <a:p>
-            <a:pPr marL="0" indent="0">
-              <a:buNone/>
-            </a:pPr>
-            <a:r>
-              <a:rPr lang="en-US" sz="2000" i="1" dirty="0"/>
-              <a:t>Note</a:t>
-            </a:r>
-            <a:r>
-              <a:rPr lang="en-US" sz="2000" dirty="0"/>
-              <a:t>: In case more than one bean is found – </a:t>
-            </a:r>
-            <a:r>
-              <a:rPr lang="en-US" sz="2000" dirty="0">
-                <a:solidFill>
-                  <a:srgbClr val="92D050"/>
-                </a:solidFill>
-              </a:rPr>
-              <a:t>Spring</a:t>
-            </a:r>
-            <a:r>
-              <a:rPr lang="en-US" sz="2000" dirty="0"/>
-              <a:t> will fail with an exception</a:t>
-            </a:r>
-            <a:endParaRPr lang="en-US" sz="1400" b="0" i="0" u="none" strike="noStrike" dirty="0">
-              <a:solidFill>
-                <a:srgbClr val="000000"/>
-              </a:solidFill>
-              <a:effectLst/>
-            </a:endParaRPr>
-          </a:p>
-          <a:p>
-            <a:pPr algn="l">
-              <a:buFont typeface="+mj-lt"/>
-              <a:buAutoNum type="arabicPeriod"/>
-            </a:pPr>
-            <a:endParaRPr lang="en-IL" dirty="0"/>
-          </a:p>
-          <a:p>
-            <a:endParaRPr lang="en-IL" dirty="0"/>
-          </a:p>
-        </p:txBody>
-      </p:sp>
-    </p:spTree>
-    <p:extLst>
-      <p:ext uri="{BB962C8B-B14F-4D97-AF65-F5344CB8AC3E}">
-        <p14:creationId xmlns:p14="http://schemas.microsoft.com/office/powerpoint/2010/main" val="2109763363"/>
-      </p:ext>
-    </p:extLst>
-  </p:cSld>
-  <p:clrMapOvr>
-    <a:masterClrMapping/>
-  </p:clrMapOvr>
-</p:sld>
-</file>
-
-<file path=ppt/slides/slide21.xml><?xml version="1.0" encoding="utf-8"?>
-<p:sld xmlns:a="http://schemas.openxmlformats.org/drawingml/2006/main" xmlns:r="http://schemas.openxmlformats.org/officeDocument/2006/relationships" xmlns:p="http://schemas.openxmlformats.org/presentationml/2006/main">
-  <p:cSld>
-    <p:spTree>
-      <p:nvGrpSpPr>
-        <p:cNvPr id="1" name=""/>
-        <p:cNvGrpSpPr/>
-        <p:nvPr/>
-      </p:nvGrpSpPr>
-      <p:grpSpPr>
-        <a:xfrm>
-          <a:off x="0" y="0"/>
-          <a:ext cx="0" cy="0"/>
-          <a:chOff x="0" y="0"/>
-          <a:chExt cx="0" cy="0"/>
-        </a:xfrm>
-      </p:grpSpPr>
-      <p:sp>
-        <p:nvSpPr>
-          <p:cNvPr id="2" name="Title 1">
-            <a:extLst>
-              <a:ext uri="{FF2B5EF4-FFF2-40B4-BE49-F238E27FC236}">
-                <a16:creationId xmlns:a16="http://schemas.microsoft.com/office/drawing/2014/main" id="{BC951CB7-F561-C274-3416-30E45C295E96}"/>
-              </a:ext>
-            </a:extLst>
-          </p:cNvPr>
-          <p:cNvSpPr>
-            <a:spLocks noGrp="1"/>
-          </p:cNvSpPr>
-          <p:nvPr>
-            <p:ph type="title"/>
-          </p:nvPr>
-        </p:nvSpPr>
-        <p:spPr>
-          <a:xfrm>
-            <a:off x="677334" y="609600"/>
-            <a:ext cx="8596668" cy="722811"/>
-          </a:xfrm>
-        </p:spPr>
-        <p:txBody>
-          <a:bodyPr/>
-          <a:lstStyle/>
-          <a:p>
-            <a:r>
-              <a:rPr lang="en-IL" dirty="0"/>
-              <a:t>Autowire behaviour</a:t>
-            </a:r>
-            <a:r>
-              <a:rPr lang="en-US" dirty="0"/>
-              <a:t>: Match by Type</a:t>
-            </a:r>
-            <a:endParaRPr lang="en-IL" dirty="0"/>
-          </a:p>
-        </p:txBody>
-      </p:sp>
-      <p:sp>
-        <p:nvSpPr>
-          <p:cNvPr id="3" name="Content Placeholder 2">
-            <a:extLst>
-              <a:ext uri="{FF2B5EF4-FFF2-40B4-BE49-F238E27FC236}">
-                <a16:creationId xmlns:a16="http://schemas.microsoft.com/office/drawing/2014/main" id="{595C5F8E-B8D9-DB11-D812-7CD79F6A836A}"/>
-              </a:ext>
-            </a:extLst>
-          </p:cNvPr>
-          <p:cNvSpPr>
-            <a:spLocks noGrp="1"/>
-          </p:cNvSpPr>
-          <p:nvPr>
-            <p:ph idx="1"/>
-          </p:nvPr>
-        </p:nvSpPr>
-        <p:spPr>
-          <a:xfrm>
-            <a:off x="677334" y="1463041"/>
-            <a:ext cx="5134991" cy="2674393"/>
-          </a:xfrm>
-          <a:solidFill>
-            <a:schemeClr val="tx2">
-              <a:lumMod val="20000"/>
-              <a:lumOff val="80000"/>
-            </a:schemeClr>
-          </a:solidFill>
-          <a:ln>
-            <a:solidFill>
-              <a:schemeClr val="accent1"/>
-            </a:solidFill>
-          </a:ln>
-        </p:spPr>
-        <p:txBody>
-          <a:bodyPr>
-            <a:noAutofit/>
-          </a:bodyPr>
-          <a:lstStyle/>
-          <a:p>
-            <a:pPr marL="0" indent="0">
-              <a:lnSpc>
-                <a:spcPct val="80000"/>
-              </a:lnSpc>
-              <a:buNone/>
-            </a:pPr>
-            <a:r>
-              <a:rPr lang="en-US" sz="1600" b="1" dirty="0">
-                <a:solidFill>
-                  <a:srgbClr val="9E880D"/>
-                </a:solidFill>
-                <a:latin typeface="Courier New" panose="02070309020205020404" pitchFamily="49" charset="0"/>
-                <a:cs typeface="Courier New" panose="02070309020205020404" pitchFamily="49" charset="0"/>
-              </a:rPr>
-              <a:t>@Configuration</a:t>
-            </a:r>
-          </a:p>
-          <a:p>
-            <a:pPr marL="0" indent="0">
-              <a:buNone/>
-            </a:pPr>
-            <a:r>
-              <a:rPr lang="en-US" sz="1600" dirty="0">
-                <a:solidFill>
-                  <a:srgbClr val="0070C0"/>
-                </a:solidFill>
-                <a:latin typeface="Courier New" panose="02070309020205020404" pitchFamily="49" charset="0"/>
-                <a:cs typeface="Courier New" panose="02070309020205020404" pitchFamily="49" charset="0"/>
-              </a:rPr>
-              <a:t>public</a:t>
-            </a:r>
-            <a:r>
-              <a:rPr lang="en-US" sz="1600" dirty="0">
-                <a:latin typeface="Courier New" panose="02070309020205020404" pitchFamily="49" charset="0"/>
-                <a:cs typeface="Courier New" panose="02070309020205020404" pitchFamily="49" charset="0"/>
-              </a:rPr>
-              <a:t> </a:t>
-            </a:r>
-            <a:r>
-              <a:rPr lang="en-US" sz="1600" dirty="0">
-                <a:solidFill>
-                  <a:srgbClr val="0070C0"/>
-                </a:solidFill>
-                <a:latin typeface="Courier New" panose="02070309020205020404" pitchFamily="49" charset="0"/>
-                <a:cs typeface="Courier New" panose="02070309020205020404" pitchFamily="49" charset="0"/>
-              </a:rPr>
-              <a:t>class</a:t>
-            </a:r>
-            <a:r>
-              <a:rPr lang="en-US" sz="1600" dirty="0">
-                <a:latin typeface="Courier New" panose="02070309020205020404" pitchFamily="49" charset="0"/>
-                <a:cs typeface="Courier New" panose="02070309020205020404" pitchFamily="49" charset="0"/>
-              </a:rPr>
-              <a:t> </a:t>
-            </a:r>
-            <a:r>
-              <a:rPr lang="en-US" sz="1600" dirty="0" err="1">
-                <a:latin typeface="Courier New" panose="02070309020205020404" pitchFamily="49" charset="0"/>
-                <a:cs typeface="Courier New" panose="02070309020205020404" pitchFamily="49" charset="0"/>
-              </a:rPr>
-              <a:t>ComponentsConfig</a:t>
-            </a:r>
-            <a:r>
-              <a:rPr lang="en-US" sz="1600" dirty="0">
-                <a:latin typeface="Courier New" panose="02070309020205020404" pitchFamily="49" charset="0"/>
-                <a:cs typeface="Courier New" panose="02070309020205020404" pitchFamily="49" charset="0"/>
-              </a:rPr>
-              <a:t> {</a:t>
-            </a:r>
-          </a:p>
-          <a:p>
-            <a:pPr marL="0" indent="0">
-              <a:lnSpc>
-                <a:spcPct val="80000"/>
-              </a:lnSpc>
-              <a:buNone/>
-            </a:pPr>
-            <a:r>
-              <a:rPr lang="en-US" sz="1600" dirty="0">
-                <a:latin typeface="Courier New" panose="02070309020205020404" pitchFamily="49" charset="0"/>
-                <a:cs typeface="Courier New" panose="02070309020205020404" pitchFamily="49" charset="0"/>
-              </a:rPr>
-              <a:t>    </a:t>
-            </a:r>
-            <a:r>
-              <a:rPr lang="en-US" sz="1600" b="1" dirty="0">
-                <a:solidFill>
-                  <a:srgbClr val="9E880D"/>
-                </a:solidFill>
-                <a:latin typeface="Courier New" panose="02070309020205020404" pitchFamily="49" charset="0"/>
-                <a:cs typeface="Courier New" panose="02070309020205020404" pitchFamily="49" charset="0"/>
-              </a:rPr>
-              <a:t>@Bean</a:t>
-            </a:r>
-          </a:p>
-          <a:p>
-            <a:pPr marL="0" indent="0">
-              <a:buNone/>
-            </a:pPr>
-            <a:r>
-              <a:rPr lang="en-US" sz="1600" dirty="0">
-                <a:latin typeface="Courier New" panose="02070309020205020404" pitchFamily="49" charset="0"/>
-                <a:cs typeface="Courier New" panose="02070309020205020404" pitchFamily="49" charset="0"/>
-              </a:rPr>
-              <a:t>    </a:t>
-            </a:r>
-            <a:r>
-              <a:rPr lang="en-US" sz="1600" dirty="0">
-                <a:solidFill>
-                  <a:srgbClr val="0070C0"/>
-                </a:solidFill>
-                <a:latin typeface="Courier New" panose="02070309020205020404" pitchFamily="49" charset="0"/>
-                <a:cs typeface="Courier New" panose="02070309020205020404" pitchFamily="49" charset="0"/>
-              </a:rPr>
-              <a:t>public</a:t>
-            </a:r>
-            <a:r>
-              <a:rPr lang="en-US" sz="1600" dirty="0">
-                <a:latin typeface="Courier New" panose="02070309020205020404" pitchFamily="49" charset="0"/>
-                <a:cs typeface="Courier New" panose="02070309020205020404" pitchFamily="49" charset="0"/>
-              </a:rPr>
-              <a:t> </a:t>
-            </a:r>
-            <a:r>
-              <a:rPr lang="en-US" sz="1600" b="1" dirty="0">
-                <a:latin typeface="Courier New" panose="02070309020205020404" pitchFamily="49" charset="0"/>
-                <a:cs typeface="Courier New" panose="02070309020205020404" pitchFamily="49" charset="0"/>
-              </a:rPr>
-              <a:t>Component</a:t>
-            </a:r>
-            <a:r>
-              <a:rPr lang="en-US" sz="1600" dirty="0">
-                <a:latin typeface="Courier New" panose="02070309020205020404" pitchFamily="49" charset="0"/>
-                <a:cs typeface="Courier New" panose="02070309020205020404" pitchFamily="49" charset="0"/>
-              </a:rPr>
-              <a:t> </a:t>
-            </a:r>
-            <a:r>
-              <a:rPr lang="en-US" sz="1600" dirty="0" err="1">
-                <a:latin typeface="Courier New" panose="02070309020205020404" pitchFamily="49" charset="0"/>
-                <a:cs typeface="Courier New" panose="02070309020205020404" pitchFamily="49" charset="0"/>
-              </a:rPr>
-              <a:t>getComponent</a:t>
-            </a:r>
-            <a:r>
-              <a:rPr lang="en-US" sz="1600" dirty="0">
-                <a:latin typeface="Courier New" panose="02070309020205020404" pitchFamily="49" charset="0"/>
-                <a:cs typeface="Courier New" panose="02070309020205020404" pitchFamily="49" charset="0"/>
-              </a:rPr>
-              <a:t>() {</a:t>
-            </a:r>
-          </a:p>
-          <a:p>
-            <a:pPr marL="0" indent="0">
-              <a:buNone/>
-            </a:pPr>
-            <a:r>
-              <a:rPr lang="en-US" sz="1600" dirty="0">
-                <a:latin typeface="Courier New" panose="02070309020205020404" pitchFamily="49" charset="0"/>
-                <a:cs typeface="Courier New" panose="02070309020205020404" pitchFamily="49" charset="0"/>
-              </a:rPr>
-              <a:t>       </a:t>
-            </a:r>
-            <a:r>
-              <a:rPr lang="en-US" sz="1600" dirty="0">
-                <a:solidFill>
-                  <a:srgbClr val="0070C0"/>
-                </a:solidFill>
-                <a:latin typeface="Courier New" panose="02070309020205020404" pitchFamily="49" charset="0"/>
-                <a:cs typeface="Courier New" panose="02070309020205020404" pitchFamily="49" charset="0"/>
-              </a:rPr>
-              <a:t>return</a:t>
-            </a:r>
-            <a:r>
-              <a:rPr lang="en-US" sz="1600" dirty="0">
-                <a:latin typeface="Courier New" panose="02070309020205020404" pitchFamily="49" charset="0"/>
-                <a:cs typeface="Courier New" panose="02070309020205020404" pitchFamily="49" charset="0"/>
-              </a:rPr>
-              <a:t> </a:t>
-            </a:r>
-            <a:r>
-              <a:rPr lang="en-US" sz="1600" dirty="0">
-                <a:solidFill>
-                  <a:srgbClr val="0070C0"/>
-                </a:solidFill>
-                <a:latin typeface="Courier New" panose="02070309020205020404" pitchFamily="49" charset="0"/>
-                <a:cs typeface="Courier New" panose="02070309020205020404" pitchFamily="49" charset="0"/>
-              </a:rPr>
-              <a:t>new</a:t>
-            </a:r>
-            <a:r>
-              <a:rPr lang="en-US" sz="1600" dirty="0">
-                <a:latin typeface="Courier New" panose="02070309020205020404" pitchFamily="49" charset="0"/>
-                <a:cs typeface="Courier New" panose="02070309020205020404" pitchFamily="49" charset="0"/>
-              </a:rPr>
-              <a:t> Component();</a:t>
-            </a:r>
-          </a:p>
-          <a:p>
-            <a:pPr marL="0" indent="0">
-              <a:buNone/>
-            </a:pPr>
-            <a:r>
-              <a:rPr lang="en-US" sz="1600" dirty="0">
-                <a:latin typeface="Courier New" panose="02070309020205020404" pitchFamily="49" charset="0"/>
-                <a:cs typeface="Courier New" panose="02070309020205020404" pitchFamily="49" charset="0"/>
-              </a:rPr>
-              <a:t>	}</a:t>
-            </a:r>
-          </a:p>
-          <a:p>
-            <a:pPr marL="0" indent="0">
-              <a:buNone/>
-            </a:pPr>
-            <a:r>
-              <a:rPr lang="en-US" sz="1600" dirty="0">
-                <a:latin typeface="Courier New" panose="02070309020205020404" pitchFamily="49" charset="0"/>
-                <a:cs typeface="Courier New" panose="02070309020205020404" pitchFamily="49" charset="0"/>
-              </a:rPr>
-              <a:t>}</a:t>
-            </a:r>
-          </a:p>
-        </p:txBody>
-      </p:sp>
-      <p:sp>
-        <p:nvSpPr>
-          <p:cNvPr id="4" name="Content Placeholder 2">
-            <a:extLst>
-              <a:ext uri="{FF2B5EF4-FFF2-40B4-BE49-F238E27FC236}">
-                <a16:creationId xmlns:a16="http://schemas.microsoft.com/office/drawing/2014/main" id="{E8197BCF-42B6-8418-8208-61BA3BF9ABF7}"/>
-              </a:ext>
-            </a:extLst>
-          </p:cNvPr>
-          <p:cNvSpPr txBox="1">
-            <a:spLocks/>
-          </p:cNvSpPr>
-          <p:nvPr/>
-        </p:nvSpPr>
-        <p:spPr>
-          <a:xfrm>
-            <a:off x="2986806" y="3851605"/>
-            <a:ext cx="5651038" cy="2480676"/>
-          </a:xfrm>
-          <a:prstGeom prst="rect">
-            <a:avLst/>
-          </a:prstGeom>
-          <a:solidFill>
-            <a:schemeClr val="tx2">
-              <a:lumMod val="20000"/>
-              <a:lumOff val="80000"/>
-            </a:schemeClr>
-          </a:solidFill>
-          <a:ln>
-            <a:solidFill>
-              <a:schemeClr val="accent1"/>
-            </a:solidFill>
-          </a:ln>
-        </p:spPr>
-        <p:txBody>
-          <a:bodyPr vert="horz" lIns="91440" tIns="45720" rIns="91440" bIns="45720" rtlCol="0">
-            <a:noAutofit/>
-          </a:bodyPr>
-          <a:lstStyle>
-            <a:lvl1pPr marL="342900" indent="-342900" algn="l" defTabSz="457200" rtl="0" eaLnBrk="1" latinLnBrk="0" hangingPunct="1">
-              <a:spcBef>
-                <a:spcPts val="1000"/>
-              </a:spcBef>
-              <a:spcAft>
-                <a:spcPts val="0"/>
-              </a:spcAft>
-              <a:buClr>
-                <a:schemeClr val="accent1"/>
-              </a:buClr>
-              <a:buSzPct val="80000"/>
-              <a:buFont typeface="Wingdings 3" charset="2"/>
-              <a:buChar char=""/>
-              <a:defRPr sz="1800" kern="1200">
-                <a:solidFill>
-                  <a:schemeClr val="tx1">
-                    <a:lumMod val="75000"/>
-                    <a:lumOff val="25000"/>
-                  </a:schemeClr>
-                </a:solidFill>
-                <a:latin typeface="+mn-lt"/>
-                <a:ea typeface="+mn-ea"/>
-                <a:cs typeface="+mn-cs"/>
-              </a:defRPr>
-            </a:lvl1pPr>
-            <a:lvl2pPr marL="742950" indent="-285750" algn="l" defTabSz="457200" rtl="0" eaLnBrk="1" latinLnBrk="0" hangingPunct="1">
-              <a:spcBef>
-                <a:spcPts val="1000"/>
-              </a:spcBef>
-              <a:spcAft>
-                <a:spcPts val="0"/>
-              </a:spcAft>
-              <a:buClr>
-                <a:schemeClr val="accent1"/>
-              </a:buClr>
-              <a:buSzPct val="80000"/>
-              <a:buFont typeface="Wingdings 3" charset="2"/>
-              <a:buChar char=""/>
-              <a:defRPr sz="1600" kern="1200">
-                <a:solidFill>
-                  <a:schemeClr val="tx1">
-                    <a:lumMod val="75000"/>
-                    <a:lumOff val="25000"/>
-                  </a:schemeClr>
-                </a:solidFill>
-                <a:latin typeface="+mn-lt"/>
-                <a:ea typeface="+mn-ea"/>
-                <a:cs typeface="+mn-cs"/>
-              </a:defRPr>
-            </a:lvl2pPr>
-            <a:lvl3pPr marL="1143000" indent="-228600" algn="l" defTabSz="457200" rtl="0" eaLnBrk="1" latinLnBrk="0" hangingPunct="1">
-              <a:spcBef>
-                <a:spcPts val="1000"/>
-              </a:spcBef>
-              <a:spcAft>
-                <a:spcPts val="0"/>
-              </a:spcAft>
-              <a:buClr>
-                <a:schemeClr val="accent1"/>
-              </a:buClr>
-              <a:buSzPct val="80000"/>
-              <a:buFont typeface="Wingdings 3" charset="2"/>
-              <a:buChar char=""/>
-              <a:defRPr sz="1400" kern="1200">
-                <a:solidFill>
-                  <a:schemeClr val="tx1">
-                    <a:lumMod val="75000"/>
-                    <a:lumOff val="25000"/>
-                  </a:schemeClr>
-                </a:solidFill>
-                <a:latin typeface="+mn-lt"/>
-                <a:ea typeface="+mn-ea"/>
-                <a:cs typeface="+mn-cs"/>
-              </a:defRPr>
-            </a:lvl3pPr>
-            <a:lvl4pPr marL="1600200" indent="-228600" algn="l" defTabSz="457200" rtl="0" eaLnBrk="1" latinLnBrk="0" hangingPunct="1">
-              <a:spcBef>
-                <a:spcPts val="1000"/>
-              </a:spcBef>
-              <a:spcAft>
-                <a:spcPts val="0"/>
-              </a:spcAft>
-              <a:buClr>
-                <a:schemeClr val="accent1"/>
-              </a:buClr>
-              <a:buSzPct val="80000"/>
-              <a:buFont typeface="Wingdings 3" charset="2"/>
-              <a:buChar char=""/>
-              <a:defRPr sz="1200" kern="1200">
-                <a:solidFill>
-                  <a:schemeClr val="tx1">
-                    <a:lumMod val="75000"/>
-                    <a:lumOff val="25000"/>
-                  </a:schemeClr>
-                </a:solidFill>
-                <a:latin typeface="+mn-lt"/>
-                <a:ea typeface="+mn-ea"/>
-                <a:cs typeface="+mn-cs"/>
-              </a:defRPr>
-            </a:lvl4pPr>
-            <a:lvl5pPr marL="2057400" indent="-228600" algn="l" defTabSz="457200" rtl="0" eaLnBrk="1" latinLnBrk="0" hangingPunct="1">
-              <a:spcBef>
-                <a:spcPts val="1000"/>
-              </a:spcBef>
-              <a:spcAft>
-                <a:spcPts val="0"/>
-              </a:spcAft>
-              <a:buClr>
-                <a:schemeClr val="accent1"/>
-              </a:buClr>
-              <a:buSzPct val="80000"/>
-              <a:buFont typeface="Wingdings 3" charset="2"/>
-              <a:buChar char=""/>
-              <a:defRPr sz="1200" kern="1200">
-                <a:solidFill>
-                  <a:schemeClr val="tx1">
-                    <a:lumMod val="75000"/>
-                    <a:lumOff val="25000"/>
-                  </a:schemeClr>
-                </a:solidFill>
-                <a:latin typeface="+mn-lt"/>
-                <a:ea typeface="+mn-ea"/>
-                <a:cs typeface="+mn-cs"/>
-              </a:defRPr>
-            </a:lvl5pPr>
-            <a:lvl6pPr marL="2514600" indent="-228600" algn="l" defTabSz="457200" rtl="0" eaLnBrk="1" latinLnBrk="0" hangingPunct="1">
-              <a:spcBef>
-                <a:spcPts val="1000"/>
-              </a:spcBef>
-              <a:spcAft>
-                <a:spcPts val="0"/>
-              </a:spcAft>
-              <a:buClr>
-                <a:schemeClr val="accent1"/>
-              </a:buClr>
-              <a:buSzPct val="80000"/>
-              <a:buFont typeface="Wingdings 3" charset="2"/>
-              <a:buChar char=""/>
-              <a:defRPr sz="1200" kern="1200">
-                <a:solidFill>
-                  <a:schemeClr val="tx1">
-                    <a:lumMod val="75000"/>
-                    <a:lumOff val="25000"/>
-                  </a:schemeClr>
-                </a:solidFill>
-                <a:latin typeface="+mn-lt"/>
-                <a:ea typeface="+mn-ea"/>
-                <a:cs typeface="+mn-cs"/>
-              </a:defRPr>
-            </a:lvl6pPr>
-            <a:lvl7pPr marL="2971800" indent="-228600" algn="l" defTabSz="457200" rtl="0" eaLnBrk="1" latinLnBrk="0" hangingPunct="1">
-              <a:spcBef>
-                <a:spcPts val="1000"/>
-              </a:spcBef>
-              <a:spcAft>
-                <a:spcPts val="0"/>
-              </a:spcAft>
-              <a:buClr>
-                <a:schemeClr val="accent1"/>
-              </a:buClr>
-              <a:buSzPct val="80000"/>
-              <a:buFont typeface="Wingdings 3" charset="2"/>
-              <a:buChar char=""/>
-              <a:defRPr sz="1200" kern="1200">
-                <a:solidFill>
-                  <a:schemeClr val="tx1">
-                    <a:lumMod val="75000"/>
-                    <a:lumOff val="25000"/>
-                  </a:schemeClr>
-                </a:solidFill>
-                <a:latin typeface="+mn-lt"/>
-                <a:ea typeface="+mn-ea"/>
-                <a:cs typeface="+mn-cs"/>
-              </a:defRPr>
-            </a:lvl7pPr>
-            <a:lvl8pPr marL="3429000" indent="-228600" algn="l" defTabSz="457200" rtl="0" eaLnBrk="1" latinLnBrk="0" hangingPunct="1">
-              <a:spcBef>
-                <a:spcPts val="1000"/>
-              </a:spcBef>
-              <a:spcAft>
-                <a:spcPts val="0"/>
-              </a:spcAft>
-              <a:buClr>
-                <a:schemeClr val="accent1"/>
-              </a:buClr>
-              <a:buSzPct val="80000"/>
-              <a:buFont typeface="Wingdings 3" charset="2"/>
-              <a:buChar char=""/>
-              <a:defRPr sz="1200" kern="1200">
-                <a:solidFill>
-                  <a:schemeClr val="tx1">
-                    <a:lumMod val="75000"/>
-                    <a:lumOff val="25000"/>
-                  </a:schemeClr>
-                </a:solidFill>
-                <a:latin typeface="+mn-lt"/>
-                <a:ea typeface="+mn-ea"/>
-                <a:cs typeface="+mn-cs"/>
-              </a:defRPr>
-            </a:lvl8pPr>
-            <a:lvl9pPr marL="3886200" indent="-228600" algn="l" defTabSz="457200" rtl="0" eaLnBrk="1" latinLnBrk="0" hangingPunct="1">
-              <a:spcBef>
-                <a:spcPts val="1000"/>
-              </a:spcBef>
-              <a:spcAft>
-                <a:spcPts val="0"/>
-              </a:spcAft>
-              <a:buClr>
-                <a:schemeClr val="accent1"/>
-              </a:buClr>
-              <a:buSzPct val="80000"/>
-              <a:buFont typeface="Wingdings 3" charset="2"/>
-              <a:buChar char=""/>
-              <a:defRPr sz="1200" kern="1200">
-                <a:solidFill>
-                  <a:schemeClr val="tx1">
-                    <a:lumMod val="75000"/>
-                    <a:lumOff val="25000"/>
-                  </a:schemeClr>
-                </a:solidFill>
-                <a:latin typeface="+mn-lt"/>
-                <a:ea typeface="+mn-ea"/>
-                <a:cs typeface="+mn-cs"/>
-              </a:defRPr>
-            </a:lvl9pPr>
-          </a:lstStyle>
-          <a:p>
-            <a:pPr marL="0" indent="0">
-              <a:buNone/>
-            </a:pPr>
-            <a:r>
-              <a:rPr lang="en-US" sz="1600" b="1" dirty="0">
-                <a:solidFill>
-                  <a:srgbClr val="9E880D"/>
-                </a:solidFill>
-                <a:latin typeface="Courier New" panose="02070309020205020404" pitchFamily="49" charset="0"/>
-                <a:cs typeface="Courier New" panose="02070309020205020404" pitchFamily="49" charset="0"/>
-              </a:rPr>
-              <a:t>@Component</a:t>
-            </a:r>
-            <a:endParaRPr lang="en-US" sz="1600" dirty="0">
-              <a:latin typeface="Courier New" panose="02070309020205020404" pitchFamily="49" charset="0"/>
-              <a:cs typeface="Courier New" panose="02070309020205020404" pitchFamily="49" charset="0"/>
-            </a:endParaRPr>
-          </a:p>
-          <a:p>
-            <a:pPr marL="0" indent="0">
-              <a:buNone/>
-            </a:pPr>
-            <a:r>
-              <a:rPr lang="en-US" sz="1600" dirty="0">
-                <a:solidFill>
-                  <a:srgbClr val="0070C0"/>
-                </a:solidFill>
-                <a:latin typeface="Courier New" panose="02070309020205020404" pitchFamily="49" charset="0"/>
-                <a:cs typeface="Courier New" panose="02070309020205020404" pitchFamily="49" charset="0"/>
-              </a:rPr>
-              <a:t>public</a:t>
-            </a:r>
-            <a:r>
-              <a:rPr lang="en-US" sz="1600" dirty="0">
-                <a:latin typeface="Courier New" panose="02070309020205020404" pitchFamily="49" charset="0"/>
-                <a:cs typeface="Courier New" panose="02070309020205020404" pitchFamily="49" charset="0"/>
-              </a:rPr>
-              <a:t> </a:t>
-            </a:r>
-            <a:r>
-              <a:rPr lang="en-US" sz="1600" dirty="0">
-                <a:solidFill>
-                  <a:srgbClr val="0070C0"/>
-                </a:solidFill>
-                <a:latin typeface="Courier New" panose="02070309020205020404" pitchFamily="49" charset="0"/>
-                <a:cs typeface="Courier New" panose="02070309020205020404" pitchFamily="49" charset="0"/>
-              </a:rPr>
-              <a:t>class</a:t>
-            </a:r>
-            <a:r>
-              <a:rPr lang="en-US" sz="1600" dirty="0">
-                <a:latin typeface="Courier New" panose="02070309020205020404" pitchFamily="49" charset="0"/>
-                <a:cs typeface="Courier New" panose="02070309020205020404" pitchFamily="49" charset="0"/>
-              </a:rPr>
-              <a:t> </a:t>
-            </a:r>
-            <a:r>
-              <a:rPr lang="en-US" sz="1600" dirty="0" err="1">
-                <a:latin typeface="Courier New" panose="02070309020205020404" pitchFamily="49" charset="0"/>
-                <a:cs typeface="Courier New" panose="02070309020205020404" pitchFamily="49" charset="0"/>
-              </a:rPr>
-              <a:t>AnotherComponent</a:t>
-            </a:r>
-            <a:r>
-              <a:rPr lang="en-US" sz="1600" dirty="0">
-                <a:latin typeface="Courier New" panose="02070309020205020404" pitchFamily="49" charset="0"/>
-                <a:cs typeface="Courier New" panose="02070309020205020404" pitchFamily="49" charset="0"/>
-              </a:rPr>
-              <a:t> {</a:t>
-            </a:r>
-          </a:p>
-          <a:p>
-            <a:pPr marL="0" indent="0">
-              <a:lnSpc>
-                <a:spcPct val="80000"/>
-              </a:lnSpc>
-              <a:buNone/>
-            </a:pPr>
-            <a:r>
-              <a:rPr lang="en-US" sz="1600" dirty="0">
-                <a:solidFill>
-                  <a:srgbClr val="0070C0"/>
-                </a:solidFill>
-                <a:latin typeface="Courier New" panose="02070309020205020404" pitchFamily="49" charset="0"/>
-                <a:cs typeface="Courier New" panose="02070309020205020404" pitchFamily="49" charset="0"/>
-              </a:rPr>
-              <a:t>	private</a:t>
-            </a:r>
-            <a:r>
-              <a:rPr lang="en-US" sz="1600" dirty="0">
-                <a:latin typeface="Courier New" panose="02070309020205020404" pitchFamily="49" charset="0"/>
-                <a:cs typeface="Courier New" panose="02070309020205020404" pitchFamily="49" charset="0"/>
-              </a:rPr>
-              <a:t> </a:t>
-            </a:r>
-            <a:r>
-              <a:rPr lang="en-US" sz="1600" b="1" dirty="0">
-                <a:latin typeface="Courier New" panose="02070309020205020404" pitchFamily="49" charset="0"/>
-                <a:cs typeface="Courier New" panose="02070309020205020404" pitchFamily="49" charset="0"/>
-              </a:rPr>
-              <a:t>Component</a:t>
-            </a:r>
-            <a:r>
-              <a:rPr lang="en-US" sz="1600" dirty="0">
-                <a:latin typeface="Courier New" panose="02070309020205020404" pitchFamily="49" charset="0"/>
-                <a:cs typeface="Courier New" panose="02070309020205020404" pitchFamily="49" charset="0"/>
-              </a:rPr>
-              <a:t> comp;</a:t>
-            </a:r>
-          </a:p>
-          <a:p>
-            <a:pPr marL="0" indent="0">
-              <a:lnSpc>
-                <a:spcPct val="80000"/>
-              </a:lnSpc>
-              <a:buNone/>
-            </a:pPr>
-            <a:r>
-              <a:rPr lang="en-US" sz="1600" dirty="0">
-                <a:latin typeface="Courier New" panose="02070309020205020404" pitchFamily="49" charset="0"/>
-                <a:cs typeface="Courier New" panose="02070309020205020404" pitchFamily="49" charset="0"/>
-              </a:rPr>
-              <a:t>	 </a:t>
-            </a:r>
-            <a:r>
-              <a:rPr lang="en-US" sz="1600" dirty="0" err="1">
-                <a:latin typeface="Courier New" panose="02070309020205020404" pitchFamily="49" charset="0"/>
-                <a:cs typeface="Courier New" panose="02070309020205020404" pitchFamily="49" charset="0"/>
-              </a:rPr>
-              <a:t>AnotherComponent</a:t>
-            </a:r>
-            <a:r>
-              <a:rPr lang="en-US" sz="1600" dirty="0">
-                <a:latin typeface="Courier New" panose="02070309020205020404" pitchFamily="49" charset="0"/>
-                <a:cs typeface="Courier New" panose="02070309020205020404" pitchFamily="49" charset="0"/>
-              </a:rPr>
-              <a:t>(</a:t>
-            </a:r>
-            <a:r>
-              <a:rPr lang="en-US" sz="1600" b="1" dirty="0">
-                <a:latin typeface="Courier New" panose="02070309020205020404" pitchFamily="49" charset="0"/>
-                <a:cs typeface="Courier New" panose="02070309020205020404" pitchFamily="49" charset="0"/>
-              </a:rPr>
-              <a:t>Component</a:t>
-            </a:r>
-            <a:r>
-              <a:rPr lang="en-US" sz="1600" dirty="0">
-                <a:latin typeface="Courier New" panose="02070309020205020404" pitchFamily="49" charset="0"/>
-                <a:cs typeface="Courier New" panose="02070309020205020404" pitchFamily="49" charset="0"/>
-              </a:rPr>
-              <a:t> comp) {</a:t>
-            </a:r>
-          </a:p>
-          <a:p>
-            <a:pPr marL="0" indent="0">
-              <a:lnSpc>
-                <a:spcPct val="80000"/>
-              </a:lnSpc>
-              <a:buNone/>
-            </a:pPr>
-            <a:r>
-              <a:rPr lang="en-US" sz="1600" dirty="0">
-                <a:latin typeface="Courier New" panose="02070309020205020404" pitchFamily="49" charset="0"/>
-                <a:cs typeface="Courier New" panose="02070309020205020404" pitchFamily="49" charset="0"/>
-              </a:rPr>
-              <a:t>		</a:t>
-            </a:r>
-            <a:r>
-              <a:rPr lang="en-US" sz="1600" dirty="0" err="1">
-                <a:solidFill>
-                  <a:srgbClr val="0070C0"/>
-                </a:solidFill>
-                <a:latin typeface="Courier New" panose="02070309020205020404" pitchFamily="49" charset="0"/>
-                <a:cs typeface="Courier New" panose="02070309020205020404" pitchFamily="49" charset="0"/>
-              </a:rPr>
-              <a:t>this</a:t>
-            </a:r>
-            <a:r>
-              <a:rPr lang="en-US" sz="1600" dirty="0" err="1">
-                <a:latin typeface="Courier New" panose="02070309020205020404" pitchFamily="49" charset="0"/>
-                <a:cs typeface="Courier New" panose="02070309020205020404" pitchFamily="49" charset="0"/>
-              </a:rPr>
-              <a:t>.comp</a:t>
-            </a:r>
-            <a:r>
-              <a:rPr lang="en-US" sz="1600" dirty="0">
-                <a:latin typeface="Courier New" panose="02070309020205020404" pitchFamily="49" charset="0"/>
-                <a:cs typeface="Courier New" panose="02070309020205020404" pitchFamily="49" charset="0"/>
-              </a:rPr>
-              <a:t> = comp;</a:t>
-            </a:r>
-          </a:p>
-          <a:p>
-            <a:pPr marL="0" indent="0">
-              <a:lnSpc>
-                <a:spcPct val="80000"/>
-              </a:lnSpc>
-              <a:buNone/>
-            </a:pPr>
-            <a:r>
-              <a:rPr lang="en-US" sz="1600" dirty="0">
-                <a:latin typeface="Courier New" panose="02070309020205020404" pitchFamily="49" charset="0"/>
-                <a:cs typeface="Courier New" panose="02070309020205020404" pitchFamily="49" charset="0"/>
-              </a:rPr>
-              <a:t>	}</a:t>
-            </a:r>
-          </a:p>
-          <a:p>
-            <a:pPr marL="0" indent="0">
-              <a:buNone/>
-            </a:pPr>
-            <a:r>
-              <a:rPr lang="en-US" sz="1600" dirty="0">
-                <a:latin typeface="Courier New" panose="02070309020205020404" pitchFamily="49" charset="0"/>
-                <a:cs typeface="Courier New" panose="02070309020205020404" pitchFamily="49" charset="0"/>
-              </a:rPr>
-              <a:t>}</a:t>
-            </a:r>
-          </a:p>
-        </p:txBody>
-      </p:sp>
-      <p:sp>
-        <p:nvSpPr>
-          <p:cNvPr id="5" name="Content Placeholder 2">
-            <a:extLst>
-              <a:ext uri="{FF2B5EF4-FFF2-40B4-BE49-F238E27FC236}">
-                <a16:creationId xmlns:a16="http://schemas.microsoft.com/office/drawing/2014/main" id="{B957C000-9EC1-F40C-78D8-CD05EC6D153D}"/>
-              </a:ext>
-            </a:extLst>
-          </p:cNvPr>
-          <p:cNvSpPr txBox="1">
-            <a:spLocks/>
-          </p:cNvSpPr>
-          <p:nvPr/>
-        </p:nvSpPr>
-        <p:spPr>
-          <a:xfrm>
-            <a:off x="6096000" y="1477528"/>
-            <a:ext cx="4033486" cy="1397854"/>
-          </a:xfrm>
-          <a:prstGeom prst="rect">
-            <a:avLst/>
-          </a:prstGeom>
-          <a:solidFill>
-            <a:schemeClr val="tx2">
-              <a:lumMod val="20000"/>
-              <a:lumOff val="80000"/>
-            </a:schemeClr>
-          </a:solidFill>
-          <a:ln>
-            <a:solidFill>
-              <a:schemeClr val="accent1"/>
-            </a:solidFill>
-          </a:ln>
-        </p:spPr>
-        <p:txBody>
-          <a:bodyPr vert="horz" lIns="91440" tIns="45720" rIns="91440" bIns="45720" rtlCol="0">
-            <a:noAutofit/>
-          </a:bodyPr>
-          <a:lstStyle>
-            <a:lvl1pPr marL="342900" indent="-342900" algn="l" defTabSz="457200" rtl="0" eaLnBrk="1" latinLnBrk="0" hangingPunct="1">
-              <a:spcBef>
-                <a:spcPts val="1000"/>
-              </a:spcBef>
-              <a:spcAft>
-                <a:spcPts val="0"/>
-              </a:spcAft>
-              <a:buClr>
-                <a:schemeClr val="accent1"/>
-              </a:buClr>
-              <a:buSzPct val="80000"/>
-              <a:buFont typeface="Wingdings 3" charset="2"/>
-              <a:buChar char=""/>
-              <a:defRPr sz="1800" kern="1200">
-                <a:solidFill>
-                  <a:schemeClr val="tx1">
-                    <a:lumMod val="75000"/>
-                    <a:lumOff val="25000"/>
-                  </a:schemeClr>
-                </a:solidFill>
-                <a:latin typeface="+mn-lt"/>
-                <a:ea typeface="+mn-ea"/>
-                <a:cs typeface="+mn-cs"/>
-              </a:defRPr>
-            </a:lvl1pPr>
-            <a:lvl2pPr marL="742950" indent="-285750" algn="l" defTabSz="457200" rtl="0" eaLnBrk="1" latinLnBrk="0" hangingPunct="1">
-              <a:spcBef>
-                <a:spcPts val="1000"/>
-              </a:spcBef>
-              <a:spcAft>
-                <a:spcPts val="0"/>
-              </a:spcAft>
-              <a:buClr>
-                <a:schemeClr val="accent1"/>
-              </a:buClr>
-              <a:buSzPct val="80000"/>
-              <a:buFont typeface="Wingdings 3" charset="2"/>
-              <a:buChar char=""/>
-              <a:defRPr sz="1600" kern="1200">
-                <a:solidFill>
-                  <a:schemeClr val="tx1">
-                    <a:lumMod val="75000"/>
-                    <a:lumOff val="25000"/>
-                  </a:schemeClr>
-                </a:solidFill>
-                <a:latin typeface="+mn-lt"/>
-                <a:ea typeface="+mn-ea"/>
-                <a:cs typeface="+mn-cs"/>
-              </a:defRPr>
-            </a:lvl2pPr>
-            <a:lvl3pPr marL="1143000" indent="-228600" algn="l" defTabSz="457200" rtl="0" eaLnBrk="1" latinLnBrk="0" hangingPunct="1">
-              <a:spcBef>
-                <a:spcPts val="1000"/>
-              </a:spcBef>
-              <a:spcAft>
-                <a:spcPts val="0"/>
-              </a:spcAft>
-              <a:buClr>
-                <a:schemeClr val="accent1"/>
-              </a:buClr>
-              <a:buSzPct val="80000"/>
-              <a:buFont typeface="Wingdings 3" charset="2"/>
-              <a:buChar char=""/>
-              <a:defRPr sz="1400" kern="1200">
-                <a:solidFill>
-                  <a:schemeClr val="tx1">
-                    <a:lumMod val="75000"/>
-                    <a:lumOff val="25000"/>
-                  </a:schemeClr>
-                </a:solidFill>
-                <a:latin typeface="+mn-lt"/>
-                <a:ea typeface="+mn-ea"/>
-                <a:cs typeface="+mn-cs"/>
-              </a:defRPr>
-            </a:lvl3pPr>
-            <a:lvl4pPr marL="1600200" indent="-228600" algn="l" defTabSz="457200" rtl="0" eaLnBrk="1" latinLnBrk="0" hangingPunct="1">
-              <a:spcBef>
-                <a:spcPts val="1000"/>
-              </a:spcBef>
-              <a:spcAft>
-                <a:spcPts val="0"/>
-              </a:spcAft>
-              <a:buClr>
-                <a:schemeClr val="accent1"/>
-              </a:buClr>
-              <a:buSzPct val="80000"/>
-              <a:buFont typeface="Wingdings 3" charset="2"/>
-              <a:buChar char=""/>
-              <a:defRPr sz="1200" kern="1200">
-                <a:solidFill>
-                  <a:schemeClr val="tx1">
-                    <a:lumMod val="75000"/>
-                    <a:lumOff val="25000"/>
-                  </a:schemeClr>
-                </a:solidFill>
-                <a:latin typeface="+mn-lt"/>
-                <a:ea typeface="+mn-ea"/>
-                <a:cs typeface="+mn-cs"/>
-              </a:defRPr>
-            </a:lvl4pPr>
-            <a:lvl5pPr marL="2057400" indent="-228600" algn="l" defTabSz="457200" rtl="0" eaLnBrk="1" latinLnBrk="0" hangingPunct="1">
-              <a:spcBef>
-                <a:spcPts val="1000"/>
-              </a:spcBef>
-              <a:spcAft>
-                <a:spcPts val="0"/>
-              </a:spcAft>
-              <a:buClr>
-                <a:schemeClr val="accent1"/>
-              </a:buClr>
-              <a:buSzPct val="80000"/>
-              <a:buFont typeface="Wingdings 3" charset="2"/>
-              <a:buChar char=""/>
-              <a:defRPr sz="1200" kern="1200">
-                <a:solidFill>
-                  <a:schemeClr val="tx1">
-                    <a:lumMod val="75000"/>
-                    <a:lumOff val="25000"/>
-                  </a:schemeClr>
-                </a:solidFill>
-                <a:latin typeface="+mn-lt"/>
-                <a:ea typeface="+mn-ea"/>
-                <a:cs typeface="+mn-cs"/>
-              </a:defRPr>
-            </a:lvl5pPr>
-            <a:lvl6pPr marL="2514600" indent="-228600" algn="l" defTabSz="457200" rtl="0" eaLnBrk="1" latinLnBrk="0" hangingPunct="1">
-              <a:spcBef>
-                <a:spcPts val="1000"/>
-              </a:spcBef>
-              <a:spcAft>
-                <a:spcPts val="0"/>
-              </a:spcAft>
-              <a:buClr>
-                <a:schemeClr val="accent1"/>
-              </a:buClr>
-              <a:buSzPct val="80000"/>
-              <a:buFont typeface="Wingdings 3" charset="2"/>
-              <a:buChar char=""/>
-              <a:defRPr sz="1200" kern="1200">
-                <a:solidFill>
-                  <a:schemeClr val="tx1">
-                    <a:lumMod val="75000"/>
-                    <a:lumOff val="25000"/>
-                  </a:schemeClr>
-                </a:solidFill>
-                <a:latin typeface="+mn-lt"/>
-                <a:ea typeface="+mn-ea"/>
-                <a:cs typeface="+mn-cs"/>
-              </a:defRPr>
-            </a:lvl6pPr>
-            <a:lvl7pPr marL="2971800" indent="-228600" algn="l" defTabSz="457200" rtl="0" eaLnBrk="1" latinLnBrk="0" hangingPunct="1">
-              <a:spcBef>
-                <a:spcPts val="1000"/>
-              </a:spcBef>
-              <a:spcAft>
-                <a:spcPts val="0"/>
-              </a:spcAft>
-              <a:buClr>
-                <a:schemeClr val="accent1"/>
-              </a:buClr>
-              <a:buSzPct val="80000"/>
-              <a:buFont typeface="Wingdings 3" charset="2"/>
-              <a:buChar char=""/>
-              <a:defRPr sz="1200" kern="1200">
-                <a:solidFill>
-                  <a:schemeClr val="tx1">
-                    <a:lumMod val="75000"/>
-                    <a:lumOff val="25000"/>
-                  </a:schemeClr>
-                </a:solidFill>
-                <a:latin typeface="+mn-lt"/>
-                <a:ea typeface="+mn-ea"/>
-                <a:cs typeface="+mn-cs"/>
-              </a:defRPr>
-            </a:lvl7pPr>
-            <a:lvl8pPr marL="3429000" indent="-228600" algn="l" defTabSz="457200" rtl="0" eaLnBrk="1" latinLnBrk="0" hangingPunct="1">
-              <a:spcBef>
-                <a:spcPts val="1000"/>
-              </a:spcBef>
-              <a:spcAft>
-                <a:spcPts val="0"/>
-              </a:spcAft>
-              <a:buClr>
-                <a:schemeClr val="accent1"/>
-              </a:buClr>
-              <a:buSzPct val="80000"/>
-              <a:buFont typeface="Wingdings 3" charset="2"/>
-              <a:buChar char=""/>
-              <a:defRPr sz="1200" kern="1200">
-                <a:solidFill>
-                  <a:schemeClr val="tx1">
-                    <a:lumMod val="75000"/>
-                    <a:lumOff val="25000"/>
-                  </a:schemeClr>
-                </a:solidFill>
-                <a:latin typeface="+mn-lt"/>
-                <a:ea typeface="+mn-ea"/>
-                <a:cs typeface="+mn-cs"/>
-              </a:defRPr>
-            </a:lvl8pPr>
-            <a:lvl9pPr marL="3886200" indent="-228600" algn="l" defTabSz="457200" rtl="0" eaLnBrk="1" latinLnBrk="0" hangingPunct="1">
-              <a:spcBef>
-                <a:spcPts val="1000"/>
-              </a:spcBef>
-              <a:spcAft>
-                <a:spcPts val="0"/>
-              </a:spcAft>
-              <a:buClr>
-                <a:schemeClr val="accent1"/>
-              </a:buClr>
-              <a:buSzPct val="80000"/>
-              <a:buFont typeface="Wingdings 3" charset="2"/>
-              <a:buChar char=""/>
-              <a:defRPr sz="1200" kern="1200">
-                <a:solidFill>
-                  <a:schemeClr val="tx1">
-                    <a:lumMod val="75000"/>
-                    <a:lumOff val="25000"/>
-                  </a:schemeClr>
-                </a:solidFill>
-                <a:latin typeface="+mn-lt"/>
-                <a:ea typeface="+mn-ea"/>
-                <a:cs typeface="+mn-cs"/>
-              </a:defRPr>
-            </a:lvl9pPr>
-          </a:lstStyle>
-          <a:p>
-            <a:pPr marL="0" indent="0">
-              <a:lnSpc>
-                <a:spcPct val="80000"/>
-              </a:lnSpc>
-              <a:buFont typeface="Wingdings 3" charset="2"/>
-              <a:buNone/>
-            </a:pPr>
-            <a:r>
-              <a:rPr lang="en-US" sz="1600" b="1" dirty="0">
-                <a:solidFill>
-                  <a:srgbClr val="9E880D"/>
-                </a:solidFill>
-                <a:latin typeface="Courier New" panose="02070309020205020404" pitchFamily="49" charset="0"/>
-                <a:cs typeface="Courier New" panose="02070309020205020404" pitchFamily="49" charset="0"/>
-              </a:rPr>
-              <a:t>@Component</a:t>
-            </a:r>
-          </a:p>
-          <a:p>
-            <a:pPr marL="0" indent="0">
-              <a:buFont typeface="Wingdings 3" charset="2"/>
-              <a:buNone/>
-            </a:pPr>
-            <a:r>
-              <a:rPr lang="en-US" sz="1600" dirty="0">
-                <a:solidFill>
-                  <a:srgbClr val="0070C0"/>
-                </a:solidFill>
-                <a:latin typeface="Courier New" panose="02070309020205020404" pitchFamily="49" charset="0"/>
-                <a:cs typeface="Courier New" panose="02070309020205020404" pitchFamily="49" charset="0"/>
-              </a:rPr>
-              <a:t>public</a:t>
-            </a:r>
-            <a:r>
-              <a:rPr lang="en-US" sz="1600" dirty="0">
-                <a:latin typeface="Courier New" panose="02070309020205020404" pitchFamily="49" charset="0"/>
-                <a:cs typeface="Courier New" panose="02070309020205020404" pitchFamily="49" charset="0"/>
-              </a:rPr>
-              <a:t> </a:t>
-            </a:r>
-            <a:r>
-              <a:rPr lang="en-US" sz="1600" dirty="0">
-                <a:solidFill>
-                  <a:srgbClr val="0070C0"/>
-                </a:solidFill>
-                <a:latin typeface="Courier New" panose="02070309020205020404" pitchFamily="49" charset="0"/>
-                <a:cs typeface="Courier New" panose="02070309020205020404" pitchFamily="49" charset="0"/>
-              </a:rPr>
-              <a:t>class</a:t>
-            </a:r>
-            <a:r>
-              <a:rPr lang="en-US" sz="1600" dirty="0">
-                <a:latin typeface="Courier New" panose="02070309020205020404" pitchFamily="49" charset="0"/>
-                <a:cs typeface="Courier New" panose="02070309020205020404" pitchFamily="49" charset="0"/>
-              </a:rPr>
-              <a:t> </a:t>
-            </a:r>
-            <a:r>
-              <a:rPr lang="en-US" sz="1600" b="1" dirty="0">
-                <a:latin typeface="Courier New" panose="02070309020205020404" pitchFamily="49" charset="0"/>
-                <a:cs typeface="Courier New" panose="02070309020205020404" pitchFamily="49" charset="0"/>
-              </a:rPr>
-              <a:t>Component</a:t>
-            </a:r>
-            <a:r>
-              <a:rPr lang="en-US" sz="1600" dirty="0">
-                <a:latin typeface="Courier New" panose="02070309020205020404" pitchFamily="49" charset="0"/>
-                <a:cs typeface="Courier New" panose="02070309020205020404" pitchFamily="49" charset="0"/>
-              </a:rPr>
-              <a:t> { </a:t>
-            </a:r>
-          </a:p>
-          <a:p>
-            <a:pPr marL="0" indent="0">
-              <a:buFont typeface="Wingdings 3" charset="2"/>
-              <a:buNone/>
-            </a:pPr>
-            <a:r>
-              <a:rPr lang="en-US" sz="1600" dirty="0">
-                <a:solidFill>
-                  <a:schemeClr val="accent1"/>
-                </a:solidFill>
-                <a:latin typeface="Courier New" panose="02070309020205020404" pitchFamily="49" charset="0"/>
-                <a:cs typeface="Courier New" panose="02070309020205020404" pitchFamily="49" charset="0"/>
-              </a:rPr>
-              <a:t>// …</a:t>
-            </a:r>
-          </a:p>
-          <a:p>
-            <a:pPr marL="0" indent="0">
-              <a:buFont typeface="Wingdings 3" charset="2"/>
-              <a:buNone/>
-            </a:pPr>
-            <a:r>
-              <a:rPr lang="en-US" sz="1600" dirty="0">
-                <a:latin typeface="Courier New" panose="02070309020205020404" pitchFamily="49" charset="0"/>
-                <a:cs typeface="Courier New" panose="02070309020205020404" pitchFamily="49" charset="0"/>
-              </a:rPr>
-              <a:t>}</a:t>
-            </a:r>
-          </a:p>
-          <a:p>
-            <a:pPr marL="0" indent="0">
-              <a:buFont typeface="Wingdings 3" charset="2"/>
-              <a:buNone/>
-            </a:pPr>
-            <a:endParaRPr lang="en-US" sz="1600" dirty="0">
-              <a:latin typeface="Courier New" panose="02070309020205020404" pitchFamily="49" charset="0"/>
-              <a:cs typeface="Courier New" panose="02070309020205020404" pitchFamily="49" charset="0"/>
-            </a:endParaRPr>
-          </a:p>
-        </p:txBody>
-      </p:sp>
-    </p:spTree>
-    <p:extLst>
-      <p:ext uri="{BB962C8B-B14F-4D97-AF65-F5344CB8AC3E}">
-        <p14:creationId xmlns:p14="http://schemas.microsoft.com/office/powerpoint/2010/main" val="613941765"/>
-      </p:ext>
-    </p:extLst>
-  </p:cSld>
-  <p:clrMapOvr>
-    <a:masterClrMapping/>
-  </p:clrMapOvr>
-</p:sld>
-</file>
-
-<file path=ppt/slides/slide22.xml><?xml version="1.0" encoding="utf-8"?>
-<p:sld xmlns:a="http://schemas.openxmlformats.org/drawingml/2006/main" xmlns:r="http://schemas.openxmlformats.org/officeDocument/2006/relationships" xmlns:p="http://schemas.openxmlformats.org/presentationml/2006/main">
-  <p:cSld>
-    <p:spTree>
-      <p:nvGrpSpPr>
-        <p:cNvPr id="1" name=""/>
-        <p:cNvGrpSpPr/>
-        <p:nvPr/>
-      </p:nvGrpSpPr>
-      <p:grpSpPr>
-        <a:xfrm>
-          <a:off x="0" y="0"/>
-          <a:ext cx="0" cy="0"/>
-          <a:chOff x="0" y="0"/>
-          <a:chExt cx="0" cy="0"/>
-        </a:xfrm>
-      </p:grpSpPr>
-      <p:sp>
-        <p:nvSpPr>
-          <p:cNvPr id="2" name="Title 1">
-            <a:extLst>
-              <a:ext uri="{FF2B5EF4-FFF2-40B4-BE49-F238E27FC236}">
-                <a16:creationId xmlns:a16="http://schemas.microsoft.com/office/drawing/2014/main" id="{BC951CB7-F561-C274-3416-30E45C295E96}"/>
-              </a:ext>
-            </a:extLst>
-          </p:cNvPr>
-          <p:cNvSpPr>
-            <a:spLocks noGrp="1"/>
-          </p:cNvSpPr>
-          <p:nvPr>
-            <p:ph type="title"/>
-          </p:nvPr>
-        </p:nvSpPr>
-        <p:spPr>
-          <a:xfrm>
-            <a:off x="677334" y="609600"/>
-            <a:ext cx="8596668" cy="792480"/>
-          </a:xfrm>
-        </p:spPr>
-        <p:txBody>
-          <a:bodyPr>
-            <a:normAutofit/>
-          </a:bodyPr>
-          <a:lstStyle/>
-          <a:p>
-            <a:r>
-              <a:rPr lang="en-IL" dirty="0"/>
-              <a:t>Autowire behaviour</a:t>
-            </a:r>
-            <a:r>
-              <a:rPr lang="en-US" dirty="0"/>
-              <a:t>: Match by Qualifier</a:t>
-            </a:r>
-            <a:endParaRPr lang="en-IL" dirty="0"/>
-          </a:p>
-        </p:txBody>
-      </p:sp>
-      <p:sp>
-        <p:nvSpPr>
-          <p:cNvPr id="3" name="Content Placeholder 2">
-            <a:extLst>
-              <a:ext uri="{FF2B5EF4-FFF2-40B4-BE49-F238E27FC236}">
-                <a16:creationId xmlns:a16="http://schemas.microsoft.com/office/drawing/2014/main" id="{595C5F8E-B8D9-DB11-D812-7CD79F6A836A}"/>
-              </a:ext>
-            </a:extLst>
-          </p:cNvPr>
-          <p:cNvSpPr>
-            <a:spLocks noGrp="1"/>
-          </p:cNvSpPr>
-          <p:nvPr>
-            <p:ph idx="1"/>
-          </p:nvPr>
-        </p:nvSpPr>
-        <p:spPr>
-          <a:xfrm>
-            <a:off x="434165" y="1402080"/>
-            <a:ext cx="5189312" cy="4738947"/>
-          </a:xfrm>
-          <a:solidFill>
-            <a:schemeClr val="tx2">
-              <a:lumMod val="20000"/>
-              <a:lumOff val="80000"/>
-            </a:schemeClr>
-          </a:solidFill>
-          <a:ln>
-            <a:solidFill>
-              <a:schemeClr val="accent1"/>
-            </a:solidFill>
-          </a:ln>
-        </p:spPr>
-        <p:txBody>
-          <a:bodyPr>
-            <a:noAutofit/>
-          </a:bodyPr>
-          <a:lstStyle/>
-          <a:p>
-            <a:pPr marL="0" indent="0">
-              <a:lnSpc>
-                <a:spcPct val="80000"/>
-              </a:lnSpc>
-              <a:buNone/>
-            </a:pPr>
-            <a:r>
-              <a:rPr lang="en-US" sz="1400" dirty="0">
-                <a:solidFill>
-                  <a:srgbClr val="0070C0"/>
-                </a:solidFill>
-                <a:latin typeface="Courier New" panose="02070309020205020404" pitchFamily="49" charset="0"/>
-                <a:cs typeface="Courier New" panose="02070309020205020404" pitchFamily="49" charset="0"/>
-              </a:rPr>
-              <a:t>public</a:t>
-            </a:r>
-            <a:r>
-              <a:rPr lang="en-US" sz="1400" dirty="0">
-                <a:latin typeface="Courier New" panose="02070309020205020404" pitchFamily="49" charset="0"/>
-                <a:cs typeface="Courier New" panose="02070309020205020404" pitchFamily="49" charset="0"/>
-              </a:rPr>
-              <a:t> </a:t>
-            </a:r>
-            <a:r>
-              <a:rPr lang="en-US" sz="1400" dirty="0">
-                <a:solidFill>
-                  <a:srgbClr val="0070C0"/>
-                </a:solidFill>
-                <a:latin typeface="Courier New" panose="02070309020205020404" pitchFamily="49" charset="0"/>
-                <a:cs typeface="Courier New" panose="02070309020205020404" pitchFamily="49" charset="0"/>
-              </a:rPr>
-              <a:t>class</a:t>
-            </a:r>
-            <a:r>
-              <a:rPr lang="en-US" sz="1400" dirty="0">
-                <a:latin typeface="Courier New" panose="02070309020205020404" pitchFamily="49" charset="0"/>
-                <a:cs typeface="Courier New" panose="02070309020205020404" pitchFamily="49" charset="0"/>
-              </a:rPr>
-              <a:t> </a:t>
-            </a:r>
-            <a:r>
-              <a:rPr lang="en-US" sz="1400" dirty="0" err="1">
-                <a:latin typeface="Courier New" panose="02070309020205020404" pitchFamily="49" charset="0"/>
-                <a:cs typeface="Courier New" panose="02070309020205020404" pitchFamily="49" charset="0"/>
-              </a:rPr>
-              <a:t>MyComponent</a:t>
-            </a:r>
-            <a:r>
-              <a:rPr lang="en-US" sz="1400" dirty="0">
-                <a:latin typeface="Courier New" panose="02070309020205020404" pitchFamily="49" charset="0"/>
-                <a:cs typeface="Courier New" panose="02070309020205020404" pitchFamily="49" charset="0"/>
-              </a:rPr>
-              <a:t> </a:t>
-            </a:r>
-            <a:r>
-              <a:rPr lang="en-US" sz="1400" dirty="0">
-                <a:solidFill>
-                  <a:srgbClr val="0070C0"/>
-                </a:solidFill>
-                <a:latin typeface="Courier New" panose="02070309020205020404" pitchFamily="49" charset="0"/>
-                <a:cs typeface="Courier New" panose="02070309020205020404" pitchFamily="49" charset="0"/>
-              </a:rPr>
-              <a:t>extends</a:t>
-            </a:r>
-            <a:r>
-              <a:rPr lang="en-US" sz="1400" dirty="0">
-                <a:latin typeface="Courier New" panose="02070309020205020404" pitchFamily="49" charset="0"/>
-                <a:cs typeface="Courier New" panose="02070309020205020404" pitchFamily="49" charset="0"/>
-              </a:rPr>
-              <a:t> </a:t>
-            </a:r>
-            <a:r>
-              <a:rPr lang="en-US" sz="1400" dirty="0" err="1">
-                <a:latin typeface="Courier New" panose="02070309020205020404" pitchFamily="49" charset="0"/>
-                <a:cs typeface="Courier New" panose="02070309020205020404" pitchFamily="49" charset="0"/>
-              </a:rPr>
-              <a:t>BaseComponent</a:t>
-            </a:r>
-            <a:r>
-              <a:rPr lang="en-US" sz="1400" dirty="0">
-                <a:latin typeface="Courier New" panose="02070309020205020404" pitchFamily="49" charset="0"/>
-                <a:cs typeface="Courier New" panose="02070309020205020404" pitchFamily="49" charset="0"/>
-              </a:rPr>
-              <a:t> { </a:t>
-            </a:r>
-            <a:r>
-              <a:rPr lang="en-US" sz="1400" dirty="0">
-                <a:solidFill>
-                  <a:schemeClr val="accent1"/>
-                </a:solidFill>
-                <a:latin typeface="Courier New" panose="02070309020205020404" pitchFamily="49" charset="0"/>
-                <a:cs typeface="Courier New" panose="02070309020205020404" pitchFamily="49" charset="0"/>
-              </a:rPr>
-              <a:t>// some code</a:t>
-            </a:r>
-          </a:p>
-          <a:p>
-            <a:pPr marL="0" indent="0">
-              <a:lnSpc>
-                <a:spcPct val="80000"/>
-              </a:lnSpc>
-              <a:buNone/>
-            </a:pPr>
-            <a:r>
-              <a:rPr lang="en-US" sz="1400" dirty="0">
-                <a:latin typeface="Courier New" panose="02070309020205020404" pitchFamily="49" charset="0"/>
-                <a:cs typeface="Courier New" panose="02070309020205020404" pitchFamily="49" charset="0"/>
-              </a:rPr>
-              <a:t>}</a:t>
-            </a:r>
-          </a:p>
-          <a:p>
-            <a:pPr marL="0" indent="0">
-              <a:lnSpc>
-                <a:spcPct val="80000"/>
-              </a:lnSpc>
-              <a:buNone/>
-            </a:pPr>
-            <a:endParaRPr lang="en-US" sz="1400" dirty="0">
-              <a:latin typeface="Courier New" panose="02070309020205020404" pitchFamily="49" charset="0"/>
-              <a:cs typeface="Courier New" panose="02070309020205020404" pitchFamily="49" charset="0"/>
-            </a:endParaRPr>
-          </a:p>
-          <a:p>
-            <a:pPr marL="0" indent="0">
-              <a:lnSpc>
-                <a:spcPct val="80000"/>
-              </a:lnSpc>
-              <a:buNone/>
-            </a:pPr>
-            <a:r>
-              <a:rPr lang="en-US" sz="1400" b="1" dirty="0">
-                <a:solidFill>
-                  <a:srgbClr val="9E880D"/>
-                </a:solidFill>
-                <a:latin typeface="Courier New" panose="02070309020205020404" pitchFamily="49" charset="0"/>
-                <a:cs typeface="Courier New" panose="02070309020205020404" pitchFamily="49" charset="0"/>
-              </a:rPr>
-              <a:t>@Configuration</a:t>
-            </a:r>
-          </a:p>
-          <a:p>
-            <a:pPr marL="0" indent="0">
-              <a:buNone/>
-            </a:pPr>
-            <a:r>
-              <a:rPr lang="en-US" sz="1400" dirty="0">
-                <a:solidFill>
-                  <a:srgbClr val="0070C0"/>
-                </a:solidFill>
-                <a:latin typeface="Courier New" panose="02070309020205020404" pitchFamily="49" charset="0"/>
-                <a:cs typeface="Courier New" panose="02070309020205020404" pitchFamily="49" charset="0"/>
-              </a:rPr>
-              <a:t>public</a:t>
-            </a:r>
-            <a:r>
-              <a:rPr lang="en-US" sz="1400" dirty="0">
-                <a:latin typeface="Courier New" panose="02070309020205020404" pitchFamily="49" charset="0"/>
-                <a:cs typeface="Courier New" panose="02070309020205020404" pitchFamily="49" charset="0"/>
-              </a:rPr>
-              <a:t> </a:t>
-            </a:r>
-            <a:r>
-              <a:rPr lang="en-US" sz="1400" dirty="0">
-                <a:solidFill>
-                  <a:srgbClr val="0070C0"/>
-                </a:solidFill>
-                <a:latin typeface="Courier New" panose="02070309020205020404" pitchFamily="49" charset="0"/>
-                <a:cs typeface="Courier New" panose="02070309020205020404" pitchFamily="49" charset="0"/>
-              </a:rPr>
-              <a:t>class</a:t>
-            </a:r>
-            <a:r>
-              <a:rPr lang="en-US" sz="1400" dirty="0">
-                <a:latin typeface="Courier New" panose="02070309020205020404" pitchFamily="49" charset="0"/>
-                <a:cs typeface="Courier New" panose="02070309020205020404" pitchFamily="49" charset="0"/>
-              </a:rPr>
-              <a:t> </a:t>
-            </a:r>
-            <a:r>
-              <a:rPr lang="en-US" sz="1400" dirty="0" err="1">
-                <a:latin typeface="Courier New" panose="02070309020205020404" pitchFamily="49" charset="0"/>
-                <a:cs typeface="Courier New" panose="02070309020205020404" pitchFamily="49" charset="0"/>
-              </a:rPr>
-              <a:t>ComponentConfig</a:t>
-            </a:r>
-            <a:r>
-              <a:rPr lang="en-US" sz="1400" dirty="0">
-                <a:latin typeface="Courier New" panose="02070309020205020404" pitchFamily="49" charset="0"/>
-                <a:cs typeface="Courier New" panose="02070309020205020404" pitchFamily="49" charset="0"/>
-              </a:rPr>
-              <a:t> {</a:t>
-            </a:r>
-          </a:p>
-          <a:p>
-            <a:pPr marL="0" indent="0">
-              <a:lnSpc>
-                <a:spcPct val="80000"/>
-              </a:lnSpc>
-              <a:buNone/>
-            </a:pPr>
-            <a:r>
-              <a:rPr lang="en-US" sz="1400" dirty="0">
-                <a:latin typeface="Courier New" panose="02070309020205020404" pitchFamily="49" charset="0"/>
-                <a:cs typeface="Courier New" panose="02070309020205020404" pitchFamily="49" charset="0"/>
-              </a:rPr>
-              <a:t>    </a:t>
-            </a:r>
-            <a:r>
-              <a:rPr lang="en-US" sz="1400" b="1" dirty="0">
-                <a:solidFill>
-                  <a:srgbClr val="9E880D"/>
-                </a:solidFill>
-                <a:latin typeface="Courier New" panose="02070309020205020404" pitchFamily="49" charset="0"/>
-                <a:cs typeface="Courier New" panose="02070309020205020404" pitchFamily="49" charset="0"/>
-              </a:rPr>
-              <a:t>@Bean(“component1”)</a:t>
-            </a:r>
-          </a:p>
-          <a:p>
-            <a:pPr marL="0" indent="0">
-              <a:buNone/>
-            </a:pPr>
-            <a:r>
-              <a:rPr lang="en-US" sz="1400" dirty="0">
-                <a:latin typeface="Courier New" panose="02070309020205020404" pitchFamily="49" charset="0"/>
-                <a:cs typeface="Courier New" panose="02070309020205020404" pitchFamily="49" charset="0"/>
-              </a:rPr>
-              <a:t>    </a:t>
-            </a:r>
-            <a:r>
-              <a:rPr lang="en-US" sz="1400" dirty="0">
-                <a:solidFill>
-                  <a:srgbClr val="0070C0"/>
-                </a:solidFill>
-                <a:latin typeface="Courier New" panose="02070309020205020404" pitchFamily="49" charset="0"/>
-                <a:cs typeface="Courier New" panose="02070309020205020404" pitchFamily="49" charset="0"/>
-              </a:rPr>
-              <a:t>public</a:t>
-            </a:r>
-            <a:r>
-              <a:rPr lang="en-US" sz="1400" dirty="0">
-                <a:latin typeface="Courier New" panose="02070309020205020404" pitchFamily="49" charset="0"/>
-                <a:cs typeface="Courier New" panose="02070309020205020404" pitchFamily="49" charset="0"/>
-              </a:rPr>
-              <a:t> </a:t>
-            </a:r>
-            <a:r>
-              <a:rPr lang="en-US" sz="1400" dirty="0" err="1">
-                <a:latin typeface="Courier New" panose="02070309020205020404" pitchFamily="49" charset="0"/>
-                <a:cs typeface="Courier New" panose="02070309020205020404" pitchFamily="49" charset="0"/>
-              </a:rPr>
-              <a:t>BaseComponent</a:t>
-            </a:r>
-            <a:r>
-              <a:rPr lang="en-US" sz="1400" dirty="0">
-                <a:latin typeface="Courier New" panose="02070309020205020404" pitchFamily="49" charset="0"/>
-                <a:cs typeface="Courier New" panose="02070309020205020404" pitchFamily="49" charset="0"/>
-              </a:rPr>
-              <a:t> component1() {</a:t>
-            </a:r>
-          </a:p>
-          <a:p>
-            <a:pPr marL="0" indent="0">
-              <a:buNone/>
-            </a:pPr>
-            <a:r>
-              <a:rPr lang="en-US" sz="1400" dirty="0">
-                <a:latin typeface="Courier New" panose="02070309020205020404" pitchFamily="49" charset="0"/>
-                <a:cs typeface="Courier New" panose="02070309020205020404" pitchFamily="49" charset="0"/>
-              </a:rPr>
-              <a:t>       </a:t>
-            </a:r>
-            <a:r>
-              <a:rPr lang="en-US" sz="1400" dirty="0">
-                <a:solidFill>
-                  <a:srgbClr val="0070C0"/>
-                </a:solidFill>
-                <a:latin typeface="Courier New" panose="02070309020205020404" pitchFamily="49" charset="0"/>
-                <a:cs typeface="Courier New" panose="02070309020205020404" pitchFamily="49" charset="0"/>
-              </a:rPr>
-              <a:t>return</a:t>
-            </a:r>
-            <a:r>
-              <a:rPr lang="en-US" sz="1400" dirty="0">
-                <a:latin typeface="Courier New" panose="02070309020205020404" pitchFamily="49" charset="0"/>
-                <a:cs typeface="Courier New" panose="02070309020205020404" pitchFamily="49" charset="0"/>
-              </a:rPr>
-              <a:t> </a:t>
-            </a:r>
-            <a:r>
-              <a:rPr lang="en-US" sz="1400" dirty="0">
-                <a:solidFill>
-                  <a:srgbClr val="0070C0"/>
-                </a:solidFill>
-                <a:latin typeface="Courier New" panose="02070309020205020404" pitchFamily="49" charset="0"/>
-                <a:cs typeface="Courier New" panose="02070309020205020404" pitchFamily="49" charset="0"/>
-              </a:rPr>
-              <a:t>new</a:t>
-            </a:r>
-            <a:r>
-              <a:rPr lang="en-US" sz="1400" dirty="0">
-                <a:latin typeface="Courier New" panose="02070309020205020404" pitchFamily="49" charset="0"/>
-                <a:cs typeface="Courier New" panose="02070309020205020404" pitchFamily="49" charset="0"/>
-              </a:rPr>
-              <a:t> Component(param1);</a:t>
-            </a:r>
-          </a:p>
-          <a:p>
-            <a:pPr marL="0" indent="0">
-              <a:buNone/>
-            </a:pPr>
-            <a:r>
-              <a:rPr lang="en-US" sz="1400" dirty="0">
-                <a:latin typeface="Courier New" panose="02070309020205020404" pitchFamily="49" charset="0"/>
-                <a:cs typeface="Courier New" panose="02070309020205020404" pitchFamily="49" charset="0"/>
-              </a:rPr>
-              <a:t>	}</a:t>
-            </a:r>
-          </a:p>
-          <a:p>
-            <a:pPr marL="0" indent="0">
-              <a:lnSpc>
-                <a:spcPct val="80000"/>
-              </a:lnSpc>
-              <a:buNone/>
-            </a:pPr>
-            <a:r>
-              <a:rPr lang="en-US" sz="1400" dirty="0">
-                <a:latin typeface="Courier New" panose="02070309020205020404" pitchFamily="49" charset="0"/>
-                <a:cs typeface="Courier New" panose="02070309020205020404" pitchFamily="49" charset="0"/>
-              </a:rPr>
-              <a:t>    </a:t>
-            </a:r>
-            <a:r>
-              <a:rPr lang="en-US" sz="1400" b="1" dirty="0">
-                <a:solidFill>
-                  <a:srgbClr val="9E880D"/>
-                </a:solidFill>
-                <a:latin typeface="Courier New" panose="02070309020205020404" pitchFamily="49" charset="0"/>
-                <a:cs typeface="Courier New" panose="02070309020205020404" pitchFamily="49" charset="0"/>
-              </a:rPr>
-              <a:t>@Bean(”component2”)</a:t>
-            </a:r>
-          </a:p>
-          <a:p>
-            <a:pPr marL="0" indent="0">
-              <a:buNone/>
-            </a:pPr>
-            <a:r>
-              <a:rPr lang="en-US" sz="1400" dirty="0">
-                <a:latin typeface="Courier New" panose="02070309020205020404" pitchFamily="49" charset="0"/>
-                <a:cs typeface="Courier New" panose="02070309020205020404" pitchFamily="49" charset="0"/>
-              </a:rPr>
-              <a:t>    </a:t>
-            </a:r>
-            <a:r>
-              <a:rPr lang="en-US" sz="1400" dirty="0">
-                <a:solidFill>
-                  <a:srgbClr val="0070C0"/>
-                </a:solidFill>
-                <a:latin typeface="Courier New" panose="02070309020205020404" pitchFamily="49" charset="0"/>
-                <a:cs typeface="Courier New" panose="02070309020205020404" pitchFamily="49" charset="0"/>
-              </a:rPr>
-              <a:t>public</a:t>
-            </a:r>
-            <a:r>
-              <a:rPr lang="en-US" sz="1400" dirty="0">
-                <a:latin typeface="Courier New" panose="02070309020205020404" pitchFamily="49" charset="0"/>
-                <a:cs typeface="Courier New" panose="02070309020205020404" pitchFamily="49" charset="0"/>
-              </a:rPr>
-              <a:t> </a:t>
-            </a:r>
-            <a:r>
-              <a:rPr lang="en-US" sz="1400" dirty="0" err="1">
-                <a:latin typeface="Courier New" panose="02070309020205020404" pitchFamily="49" charset="0"/>
-                <a:cs typeface="Courier New" panose="02070309020205020404" pitchFamily="49" charset="0"/>
-              </a:rPr>
-              <a:t>BaseComponent</a:t>
-            </a:r>
-            <a:r>
-              <a:rPr lang="en-US" sz="1400" dirty="0">
-                <a:latin typeface="Courier New" panose="02070309020205020404" pitchFamily="49" charset="0"/>
-                <a:cs typeface="Courier New" panose="02070309020205020404" pitchFamily="49" charset="0"/>
-              </a:rPr>
-              <a:t> component2() {</a:t>
-            </a:r>
-          </a:p>
-          <a:p>
-            <a:pPr marL="0" indent="0">
-              <a:buNone/>
-            </a:pPr>
-            <a:r>
-              <a:rPr lang="en-US" sz="1400" dirty="0">
-                <a:latin typeface="Courier New" panose="02070309020205020404" pitchFamily="49" charset="0"/>
-                <a:cs typeface="Courier New" panose="02070309020205020404" pitchFamily="49" charset="0"/>
-              </a:rPr>
-              <a:t> 	   </a:t>
-            </a:r>
-            <a:r>
-              <a:rPr lang="en-US" sz="1400" dirty="0">
-                <a:solidFill>
-                  <a:srgbClr val="0070C0"/>
-                </a:solidFill>
-                <a:latin typeface="Courier New" panose="02070309020205020404" pitchFamily="49" charset="0"/>
-                <a:cs typeface="Courier New" panose="02070309020205020404" pitchFamily="49" charset="0"/>
-              </a:rPr>
-              <a:t>return</a:t>
-            </a:r>
-            <a:r>
-              <a:rPr lang="en-US" sz="1400" dirty="0">
-                <a:latin typeface="Courier New" panose="02070309020205020404" pitchFamily="49" charset="0"/>
-                <a:cs typeface="Courier New" panose="02070309020205020404" pitchFamily="49" charset="0"/>
-              </a:rPr>
-              <a:t> </a:t>
-            </a:r>
-            <a:r>
-              <a:rPr lang="en-US" sz="1400" dirty="0">
-                <a:solidFill>
-                  <a:srgbClr val="0070C0"/>
-                </a:solidFill>
-                <a:latin typeface="Courier New" panose="02070309020205020404" pitchFamily="49" charset="0"/>
-                <a:cs typeface="Courier New" panose="02070309020205020404" pitchFamily="49" charset="0"/>
-              </a:rPr>
-              <a:t>new</a:t>
-            </a:r>
-            <a:r>
-              <a:rPr lang="en-US" sz="1400" dirty="0">
-                <a:latin typeface="Courier New" panose="02070309020205020404" pitchFamily="49" charset="0"/>
-                <a:cs typeface="Courier New" panose="02070309020205020404" pitchFamily="49" charset="0"/>
-              </a:rPr>
-              <a:t> Component(param2);</a:t>
-            </a:r>
-          </a:p>
-          <a:p>
-            <a:pPr marL="0" indent="0">
-              <a:buNone/>
-            </a:pPr>
-            <a:r>
-              <a:rPr lang="en-US" sz="1400" dirty="0">
-                <a:latin typeface="Courier New" panose="02070309020205020404" pitchFamily="49" charset="0"/>
-                <a:cs typeface="Courier New" panose="02070309020205020404" pitchFamily="49" charset="0"/>
-              </a:rPr>
-              <a:t>	}</a:t>
-            </a:r>
-          </a:p>
-          <a:p>
-            <a:pPr marL="0" indent="0">
-              <a:buNone/>
-            </a:pPr>
-            <a:r>
-              <a:rPr lang="en-US" sz="1400" dirty="0">
-                <a:latin typeface="Courier New" panose="02070309020205020404" pitchFamily="49" charset="0"/>
-                <a:cs typeface="Courier New" panose="02070309020205020404" pitchFamily="49" charset="0"/>
-              </a:rPr>
-              <a:t>}</a:t>
-            </a:r>
-            <a:endParaRPr lang="en-US" sz="1400" dirty="0">
-              <a:solidFill>
-                <a:srgbClr val="0070C0"/>
-              </a:solidFill>
-              <a:latin typeface="Courier New" panose="02070309020205020404" pitchFamily="49" charset="0"/>
-              <a:cs typeface="Courier New" panose="02070309020205020404" pitchFamily="49" charset="0"/>
-            </a:endParaRPr>
-          </a:p>
-        </p:txBody>
-      </p:sp>
-      <p:sp>
-        <p:nvSpPr>
-          <p:cNvPr id="4" name="Content Placeholder 2">
-            <a:extLst>
-              <a:ext uri="{FF2B5EF4-FFF2-40B4-BE49-F238E27FC236}">
-                <a16:creationId xmlns:a16="http://schemas.microsoft.com/office/drawing/2014/main" id="{3D430D88-0744-FFF7-A509-E7EF9D720A0B}"/>
-              </a:ext>
-            </a:extLst>
-          </p:cNvPr>
-          <p:cNvSpPr txBox="1">
-            <a:spLocks/>
-          </p:cNvSpPr>
-          <p:nvPr/>
-        </p:nvSpPr>
-        <p:spPr>
-          <a:xfrm>
-            <a:off x="5226627" y="2655213"/>
-            <a:ext cx="5110918" cy="4008220"/>
-          </a:xfrm>
-          <a:prstGeom prst="rect">
-            <a:avLst/>
-          </a:prstGeom>
-          <a:solidFill>
-            <a:schemeClr val="tx2">
-              <a:lumMod val="20000"/>
-              <a:lumOff val="80000"/>
-            </a:schemeClr>
-          </a:solidFill>
-          <a:ln>
-            <a:solidFill>
-              <a:schemeClr val="accent1"/>
-            </a:solidFill>
-          </a:ln>
-        </p:spPr>
-        <p:txBody>
-          <a:bodyPr vert="horz" lIns="91440" tIns="45720" rIns="91440" bIns="45720" rtlCol="0">
-            <a:noAutofit/>
-          </a:bodyPr>
-          <a:lstStyle>
-            <a:lvl1pPr marL="342900" indent="-342900" algn="l" defTabSz="457200" rtl="0" eaLnBrk="1" latinLnBrk="0" hangingPunct="1">
-              <a:spcBef>
-                <a:spcPts val="1000"/>
-              </a:spcBef>
-              <a:spcAft>
-                <a:spcPts val="0"/>
-              </a:spcAft>
-              <a:buClr>
-                <a:schemeClr val="accent1"/>
-              </a:buClr>
-              <a:buSzPct val="80000"/>
-              <a:buFont typeface="Wingdings 3" charset="2"/>
-              <a:buChar char=""/>
-              <a:defRPr sz="1800" kern="1200">
-                <a:solidFill>
-                  <a:schemeClr val="tx1">
-                    <a:lumMod val="75000"/>
-                    <a:lumOff val="25000"/>
-                  </a:schemeClr>
-                </a:solidFill>
-                <a:latin typeface="+mn-lt"/>
-                <a:ea typeface="+mn-ea"/>
-                <a:cs typeface="+mn-cs"/>
-              </a:defRPr>
-            </a:lvl1pPr>
-            <a:lvl2pPr marL="742950" indent="-285750" algn="l" defTabSz="457200" rtl="0" eaLnBrk="1" latinLnBrk="0" hangingPunct="1">
-              <a:spcBef>
-                <a:spcPts val="1000"/>
-              </a:spcBef>
-              <a:spcAft>
-                <a:spcPts val="0"/>
-              </a:spcAft>
-              <a:buClr>
-                <a:schemeClr val="accent1"/>
-              </a:buClr>
-              <a:buSzPct val="80000"/>
-              <a:buFont typeface="Wingdings 3" charset="2"/>
-              <a:buChar char=""/>
-              <a:defRPr sz="1600" kern="1200">
-                <a:solidFill>
-                  <a:schemeClr val="tx1">
-                    <a:lumMod val="75000"/>
-                    <a:lumOff val="25000"/>
-                  </a:schemeClr>
-                </a:solidFill>
-                <a:latin typeface="+mn-lt"/>
-                <a:ea typeface="+mn-ea"/>
-                <a:cs typeface="+mn-cs"/>
-              </a:defRPr>
-            </a:lvl2pPr>
-            <a:lvl3pPr marL="1143000" indent="-228600" algn="l" defTabSz="457200" rtl="0" eaLnBrk="1" latinLnBrk="0" hangingPunct="1">
-              <a:spcBef>
-                <a:spcPts val="1000"/>
-              </a:spcBef>
-              <a:spcAft>
-                <a:spcPts val="0"/>
-              </a:spcAft>
-              <a:buClr>
-                <a:schemeClr val="accent1"/>
-              </a:buClr>
-              <a:buSzPct val="80000"/>
-              <a:buFont typeface="Wingdings 3" charset="2"/>
-              <a:buChar char=""/>
-              <a:defRPr sz="1400" kern="1200">
-                <a:solidFill>
-                  <a:schemeClr val="tx1">
-                    <a:lumMod val="75000"/>
-                    <a:lumOff val="25000"/>
-                  </a:schemeClr>
-                </a:solidFill>
-                <a:latin typeface="+mn-lt"/>
-                <a:ea typeface="+mn-ea"/>
-                <a:cs typeface="+mn-cs"/>
-              </a:defRPr>
-            </a:lvl3pPr>
-            <a:lvl4pPr marL="1600200" indent="-228600" algn="l" defTabSz="457200" rtl="0" eaLnBrk="1" latinLnBrk="0" hangingPunct="1">
-              <a:spcBef>
-                <a:spcPts val="1000"/>
-              </a:spcBef>
-              <a:spcAft>
-                <a:spcPts val="0"/>
-              </a:spcAft>
-              <a:buClr>
-                <a:schemeClr val="accent1"/>
-              </a:buClr>
-              <a:buSzPct val="80000"/>
-              <a:buFont typeface="Wingdings 3" charset="2"/>
-              <a:buChar char=""/>
-              <a:defRPr sz="1200" kern="1200">
-                <a:solidFill>
-                  <a:schemeClr val="tx1">
-                    <a:lumMod val="75000"/>
-                    <a:lumOff val="25000"/>
-                  </a:schemeClr>
-                </a:solidFill>
-                <a:latin typeface="+mn-lt"/>
-                <a:ea typeface="+mn-ea"/>
-                <a:cs typeface="+mn-cs"/>
-              </a:defRPr>
-            </a:lvl4pPr>
-            <a:lvl5pPr marL="2057400" indent="-228600" algn="l" defTabSz="457200" rtl="0" eaLnBrk="1" latinLnBrk="0" hangingPunct="1">
-              <a:spcBef>
-                <a:spcPts val="1000"/>
-              </a:spcBef>
-              <a:spcAft>
-                <a:spcPts val="0"/>
-              </a:spcAft>
-              <a:buClr>
-                <a:schemeClr val="accent1"/>
-              </a:buClr>
-              <a:buSzPct val="80000"/>
-              <a:buFont typeface="Wingdings 3" charset="2"/>
-              <a:buChar char=""/>
-              <a:defRPr sz="1200" kern="1200">
-                <a:solidFill>
-                  <a:schemeClr val="tx1">
-                    <a:lumMod val="75000"/>
-                    <a:lumOff val="25000"/>
-                  </a:schemeClr>
-                </a:solidFill>
-                <a:latin typeface="+mn-lt"/>
-                <a:ea typeface="+mn-ea"/>
-                <a:cs typeface="+mn-cs"/>
-              </a:defRPr>
-            </a:lvl5pPr>
-            <a:lvl6pPr marL="2514600" indent="-228600" algn="l" defTabSz="457200" rtl="0" eaLnBrk="1" latinLnBrk="0" hangingPunct="1">
-              <a:spcBef>
-                <a:spcPts val="1000"/>
-              </a:spcBef>
-              <a:spcAft>
-                <a:spcPts val="0"/>
-              </a:spcAft>
-              <a:buClr>
-                <a:schemeClr val="accent1"/>
-              </a:buClr>
-              <a:buSzPct val="80000"/>
-              <a:buFont typeface="Wingdings 3" charset="2"/>
-              <a:buChar char=""/>
-              <a:defRPr sz="1200" kern="1200">
-                <a:solidFill>
-                  <a:schemeClr val="tx1">
-                    <a:lumMod val="75000"/>
-                    <a:lumOff val="25000"/>
-                  </a:schemeClr>
-                </a:solidFill>
-                <a:latin typeface="+mn-lt"/>
-                <a:ea typeface="+mn-ea"/>
-                <a:cs typeface="+mn-cs"/>
-              </a:defRPr>
-            </a:lvl6pPr>
-            <a:lvl7pPr marL="2971800" indent="-228600" algn="l" defTabSz="457200" rtl="0" eaLnBrk="1" latinLnBrk="0" hangingPunct="1">
-              <a:spcBef>
-                <a:spcPts val="1000"/>
-              </a:spcBef>
-              <a:spcAft>
-                <a:spcPts val="0"/>
-              </a:spcAft>
-              <a:buClr>
-                <a:schemeClr val="accent1"/>
-              </a:buClr>
-              <a:buSzPct val="80000"/>
-              <a:buFont typeface="Wingdings 3" charset="2"/>
-              <a:buChar char=""/>
-              <a:defRPr sz="1200" kern="1200">
-                <a:solidFill>
-                  <a:schemeClr val="tx1">
-                    <a:lumMod val="75000"/>
-                    <a:lumOff val="25000"/>
-                  </a:schemeClr>
-                </a:solidFill>
-                <a:latin typeface="+mn-lt"/>
-                <a:ea typeface="+mn-ea"/>
-                <a:cs typeface="+mn-cs"/>
-              </a:defRPr>
-            </a:lvl7pPr>
-            <a:lvl8pPr marL="3429000" indent="-228600" algn="l" defTabSz="457200" rtl="0" eaLnBrk="1" latinLnBrk="0" hangingPunct="1">
-              <a:spcBef>
-                <a:spcPts val="1000"/>
-              </a:spcBef>
-              <a:spcAft>
-                <a:spcPts val="0"/>
-              </a:spcAft>
-              <a:buClr>
-                <a:schemeClr val="accent1"/>
-              </a:buClr>
-              <a:buSzPct val="80000"/>
-              <a:buFont typeface="Wingdings 3" charset="2"/>
-              <a:buChar char=""/>
-              <a:defRPr sz="1200" kern="1200">
-                <a:solidFill>
-                  <a:schemeClr val="tx1">
-                    <a:lumMod val="75000"/>
-                    <a:lumOff val="25000"/>
-                  </a:schemeClr>
-                </a:solidFill>
-                <a:latin typeface="+mn-lt"/>
-                <a:ea typeface="+mn-ea"/>
-                <a:cs typeface="+mn-cs"/>
-              </a:defRPr>
-            </a:lvl8pPr>
-            <a:lvl9pPr marL="3886200" indent="-228600" algn="l" defTabSz="457200" rtl="0" eaLnBrk="1" latinLnBrk="0" hangingPunct="1">
-              <a:spcBef>
-                <a:spcPts val="1000"/>
-              </a:spcBef>
-              <a:spcAft>
-                <a:spcPts val="0"/>
-              </a:spcAft>
-              <a:buClr>
-                <a:schemeClr val="accent1"/>
-              </a:buClr>
-              <a:buSzPct val="80000"/>
-              <a:buFont typeface="Wingdings 3" charset="2"/>
-              <a:buChar char=""/>
-              <a:defRPr sz="1200" kern="1200">
-                <a:solidFill>
-                  <a:schemeClr val="tx1">
-                    <a:lumMod val="75000"/>
-                    <a:lumOff val="25000"/>
-                  </a:schemeClr>
-                </a:solidFill>
-                <a:latin typeface="+mn-lt"/>
-                <a:ea typeface="+mn-ea"/>
-                <a:cs typeface="+mn-cs"/>
-              </a:defRPr>
-            </a:lvl9pPr>
-          </a:lstStyle>
-          <a:p>
-            <a:pPr marL="0" indent="0">
-              <a:buNone/>
-            </a:pPr>
-            <a:r>
-              <a:rPr lang="en-US" sz="1400" b="1" dirty="0">
-                <a:solidFill>
-                  <a:srgbClr val="9E880D"/>
-                </a:solidFill>
-                <a:latin typeface="Courier New" panose="02070309020205020404" pitchFamily="49" charset="0"/>
-                <a:cs typeface="Courier New" panose="02070309020205020404" pitchFamily="49" charset="0"/>
-              </a:rPr>
-              <a:t>@Component</a:t>
-            </a:r>
-            <a:endParaRPr lang="en-US" sz="1400" dirty="0">
-              <a:solidFill>
-                <a:srgbClr val="0070C0"/>
-              </a:solidFill>
-              <a:latin typeface="Courier New" panose="02070309020205020404" pitchFamily="49" charset="0"/>
-              <a:cs typeface="Courier New" panose="02070309020205020404" pitchFamily="49" charset="0"/>
-            </a:endParaRPr>
-          </a:p>
-          <a:p>
-            <a:pPr marL="0" indent="0">
-              <a:buFont typeface="Wingdings 3" charset="2"/>
-              <a:buNone/>
-            </a:pPr>
-            <a:r>
-              <a:rPr lang="en-US" sz="1400" dirty="0">
-                <a:solidFill>
-                  <a:srgbClr val="0070C0"/>
-                </a:solidFill>
-                <a:latin typeface="Courier New" panose="02070309020205020404" pitchFamily="49" charset="0"/>
-                <a:cs typeface="Courier New" panose="02070309020205020404" pitchFamily="49" charset="0"/>
-              </a:rPr>
-              <a:t>public</a:t>
-            </a:r>
-            <a:r>
-              <a:rPr lang="en-US" sz="1400" dirty="0">
-                <a:latin typeface="Courier New" panose="02070309020205020404" pitchFamily="49" charset="0"/>
-                <a:cs typeface="Courier New" panose="02070309020205020404" pitchFamily="49" charset="0"/>
-              </a:rPr>
-              <a:t> </a:t>
-            </a:r>
-            <a:r>
-              <a:rPr lang="en-US" sz="1400" dirty="0">
-                <a:solidFill>
-                  <a:srgbClr val="0070C0"/>
-                </a:solidFill>
-                <a:latin typeface="Courier New" panose="02070309020205020404" pitchFamily="49" charset="0"/>
-                <a:cs typeface="Courier New" panose="02070309020205020404" pitchFamily="49" charset="0"/>
-              </a:rPr>
-              <a:t>class</a:t>
-            </a:r>
-            <a:r>
-              <a:rPr lang="en-US" sz="1400" dirty="0">
-                <a:latin typeface="Courier New" panose="02070309020205020404" pitchFamily="49" charset="0"/>
-                <a:cs typeface="Courier New" panose="02070309020205020404" pitchFamily="49" charset="0"/>
-              </a:rPr>
-              <a:t> </a:t>
-            </a:r>
-            <a:r>
-              <a:rPr lang="en-US" sz="1400" dirty="0" err="1">
-                <a:latin typeface="Courier New" panose="02070309020205020404" pitchFamily="49" charset="0"/>
-                <a:cs typeface="Courier New" panose="02070309020205020404" pitchFamily="49" charset="0"/>
-              </a:rPr>
-              <a:t>AnotherComponent</a:t>
-            </a:r>
-            <a:r>
-              <a:rPr lang="en-US" sz="1400" dirty="0">
-                <a:latin typeface="Courier New" panose="02070309020205020404" pitchFamily="49" charset="0"/>
-                <a:cs typeface="Courier New" panose="02070309020205020404" pitchFamily="49" charset="0"/>
-              </a:rPr>
-              <a:t> {</a:t>
-            </a:r>
-          </a:p>
-          <a:p>
-            <a:pPr marL="0" indent="0">
-              <a:lnSpc>
-                <a:spcPct val="80000"/>
-              </a:lnSpc>
-              <a:buFont typeface="Wingdings 3" charset="2"/>
-              <a:buNone/>
-            </a:pPr>
-            <a:r>
-              <a:rPr lang="en-US" sz="1400" dirty="0">
-                <a:solidFill>
-                  <a:srgbClr val="0070C0"/>
-                </a:solidFill>
-                <a:latin typeface="Courier New" panose="02070309020205020404" pitchFamily="49" charset="0"/>
-                <a:cs typeface="Courier New" panose="02070309020205020404" pitchFamily="49" charset="0"/>
-              </a:rPr>
-              <a:t>	private</a:t>
-            </a:r>
-            <a:r>
-              <a:rPr lang="en-US" sz="1400" dirty="0">
-                <a:latin typeface="Courier New" panose="02070309020205020404" pitchFamily="49" charset="0"/>
-                <a:cs typeface="Courier New" panose="02070309020205020404" pitchFamily="49" charset="0"/>
-              </a:rPr>
-              <a:t> </a:t>
-            </a:r>
-            <a:r>
-              <a:rPr lang="en-US" sz="1400" dirty="0" err="1">
-                <a:latin typeface="Courier New" panose="02070309020205020404" pitchFamily="49" charset="0"/>
-                <a:cs typeface="Courier New" panose="02070309020205020404" pitchFamily="49" charset="0"/>
-              </a:rPr>
-              <a:t>BaseComponent</a:t>
-            </a:r>
-            <a:r>
-              <a:rPr lang="en-US" sz="1400" dirty="0">
-                <a:latin typeface="Courier New" panose="02070309020205020404" pitchFamily="49" charset="0"/>
-                <a:cs typeface="Courier New" panose="02070309020205020404" pitchFamily="49" charset="0"/>
-              </a:rPr>
-              <a:t> comp1;</a:t>
-            </a:r>
-          </a:p>
-          <a:p>
-            <a:pPr marL="0" indent="0">
-              <a:lnSpc>
-                <a:spcPct val="80000"/>
-              </a:lnSpc>
-              <a:buFont typeface="Wingdings 3" charset="2"/>
-              <a:buNone/>
-            </a:pPr>
-            <a:r>
-              <a:rPr lang="en-US" sz="1400" dirty="0">
-                <a:latin typeface="Courier New" panose="02070309020205020404" pitchFamily="49" charset="0"/>
-                <a:cs typeface="Courier New" panose="02070309020205020404" pitchFamily="49" charset="0"/>
-              </a:rPr>
-              <a:t>	</a:t>
-            </a:r>
-            <a:r>
-              <a:rPr lang="en-US" sz="1400" dirty="0">
-                <a:solidFill>
-                  <a:srgbClr val="0070C0"/>
-                </a:solidFill>
-                <a:latin typeface="Courier New" panose="02070309020205020404" pitchFamily="49" charset="0"/>
-                <a:cs typeface="Courier New" panose="02070309020205020404" pitchFamily="49" charset="0"/>
-              </a:rPr>
-              <a:t>private</a:t>
-            </a:r>
-            <a:r>
-              <a:rPr lang="en-US" sz="1400" dirty="0">
-                <a:latin typeface="Courier New" panose="02070309020205020404" pitchFamily="49" charset="0"/>
-                <a:cs typeface="Courier New" panose="02070309020205020404" pitchFamily="49" charset="0"/>
-              </a:rPr>
-              <a:t> </a:t>
-            </a:r>
-            <a:r>
-              <a:rPr lang="en-US" sz="1400" dirty="0" err="1">
-                <a:latin typeface="Courier New" panose="02070309020205020404" pitchFamily="49" charset="0"/>
-                <a:cs typeface="Courier New" panose="02070309020205020404" pitchFamily="49" charset="0"/>
-              </a:rPr>
-              <a:t>BaseComponent</a:t>
-            </a:r>
-            <a:r>
-              <a:rPr lang="en-US" sz="1400" dirty="0">
-                <a:latin typeface="Courier New" panose="02070309020205020404" pitchFamily="49" charset="0"/>
-                <a:cs typeface="Courier New" panose="02070309020205020404" pitchFamily="49" charset="0"/>
-              </a:rPr>
-              <a:t> comp2;</a:t>
-            </a:r>
-          </a:p>
-          <a:p>
-            <a:pPr marL="0" indent="0">
-              <a:buFont typeface="Wingdings 3" charset="2"/>
-              <a:buNone/>
-            </a:pPr>
-            <a:endParaRPr lang="en-US" sz="1400" dirty="0">
-              <a:latin typeface="Courier New" panose="02070309020205020404" pitchFamily="49" charset="0"/>
-              <a:cs typeface="Courier New" panose="02070309020205020404" pitchFamily="49" charset="0"/>
-            </a:endParaRPr>
-          </a:p>
-          <a:p>
-            <a:pPr marL="0" indent="0">
-              <a:buFont typeface="Wingdings 3" charset="2"/>
-              <a:buNone/>
-            </a:pPr>
-            <a:r>
-              <a:rPr lang="en-US" sz="1400" dirty="0">
-                <a:latin typeface="Courier New" panose="02070309020205020404" pitchFamily="49" charset="0"/>
-                <a:cs typeface="Courier New" panose="02070309020205020404" pitchFamily="49" charset="0"/>
-              </a:rPr>
-              <a:t>	</a:t>
-            </a:r>
-            <a:r>
-              <a:rPr lang="en-US" sz="1400" dirty="0" err="1">
-                <a:latin typeface="Courier New" panose="02070309020205020404" pitchFamily="49" charset="0"/>
-                <a:cs typeface="Courier New" panose="02070309020205020404" pitchFamily="49" charset="0"/>
-              </a:rPr>
-              <a:t>AnotherComponent</a:t>
-            </a:r>
-            <a:r>
-              <a:rPr lang="en-US" sz="1400" dirty="0">
-                <a:latin typeface="Courier New" panose="02070309020205020404" pitchFamily="49" charset="0"/>
-                <a:cs typeface="Courier New" panose="02070309020205020404" pitchFamily="49" charset="0"/>
-              </a:rPr>
-              <a:t>(</a:t>
-            </a:r>
-          </a:p>
-          <a:p>
-            <a:pPr marL="0" indent="0">
-              <a:buFont typeface="Wingdings 3" charset="2"/>
-              <a:buNone/>
-            </a:pPr>
-            <a:r>
-              <a:rPr lang="en-US" sz="1400" dirty="0">
-                <a:latin typeface="Courier New" panose="02070309020205020404" pitchFamily="49" charset="0"/>
-                <a:cs typeface="Courier New" panose="02070309020205020404" pitchFamily="49" charset="0"/>
-              </a:rPr>
-              <a:t>		</a:t>
-            </a:r>
-            <a:r>
-              <a:rPr lang="en-US" sz="1400" b="1" dirty="0">
-                <a:solidFill>
-                  <a:srgbClr val="9E880D"/>
-                </a:solidFill>
-                <a:latin typeface="Courier New" panose="02070309020205020404" pitchFamily="49" charset="0"/>
-                <a:cs typeface="Courier New" panose="02070309020205020404" pitchFamily="49" charset="0"/>
-              </a:rPr>
-              <a:t>@Qualifier(“component1”) </a:t>
-            </a:r>
-            <a:r>
-              <a:rPr lang="en-US" sz="1400" dirty="0" err="1">
-                <a:latin typeface="Courier New" panose="02070309020205020404" pitchFamily="49" charset="0"/>
-                <a:cs typeface="Courier New" panose="02070309020205020404" pitchFamily="49" charset="0"/>
-              </a:rPr>
-              <a:t>BaseComponent</a:t>
-            </a:r>
-            <a:r>
-              <a:rPr lang="en-US" sz="1400" b="1" dirty="0">
-                <a:solidFill>
-                  <a:srgbClr val="9E880D"/>
-                </a:solidFill>
-                <a:latin typeface="Courier New" panose="02070309020205020404" pitchFamily="49" charset="0"/>
-                <a:cs typeface="Courier New" panose="02070309020205020404" pitchFamily="49" charset="0"/>
-              </a:rPr>
-              <a:t> </a:t>
-            </a:r>
-            <a:r>
-              <a:rPr lang="en-US" sz="1400" dirty="0">
-                <a:latin typeface="Courier New" panose="02070309020205020404" pitchFamily="49" charset="0"/>
-                <a:cs typeface="Courier New" panose="02070309020205020404" pitchFamily="49" charset="0"/>
-              </a:rPr>
-              <a:t>comp1,</a:t>
-            </a:r>
-          </a:p>
-          <a:p>
-            <a:pPr marL="0" indent="0">
-              <a:buNone/>
-            </a:pPr>
-            <a:r>
-              <a:rPr lang="en-US" sz="1400" dirty="0">
-                <a:latin typeface="Courier New" panose="02070309020205020404" pitchFamily="49" charset="0"/>
-                <a:cs typeface="Courier New" panose="02070309020205020404" pitchFamily="49" charset="0"/>
-              </a:rPr>
-              <a:t>		</a:t>
-            </a:r>
-            <a:r>
-              <a:rPr lang="en-US" sz="1400" b="1" dirty="0">
-                <a:solidFill>
-                  <a:srgbClr val="9E880D"/>
-                </a:solidFill>
-                <a:latin typeface="Courier New" panose="02070309020205020404" pitchFamily="49" charset="0"/>
-                <a:cs typeface="Courier New" panose="02070309020205020404" pitchFamily="49" charset="0"/>
-              </a:rPr>
-              <a:t>@Qualifier(“component2”) </a:t>
-            </a:r>
-            <a:r>
-              <a:rPr lang="en-US" sz="1400" dirty="0" err="1">
-                <a:latin typeface="Courier New" panose="02070309020205020404" pitchFamily="49" charset="0"/>
-                <a:cs typeface="Courier New" panose="02070309020205020404" pitchFamily="49" charset="0"/>
-              </a:rPr>
-              <a:t>BaseComponent</a:t>
-            </a:r>
-            <a:r>
-              <a:rPr lang="en-US" sz="1400" b="1" dirty="0">
-                <a:solidFill>
-                  <a:srgbClr val="9E880D"/>
-                </a:solidFill>
-                <a:latin typeface="Courier New" panose="02070309020205020404" pitchFamily="49" charset="0"/>
-                <a:cs typeface="Courier New" panose="02070309020205020404" pitchFamily="49" charset="0"/>
-              </a:rPr>
-              <a:t> </a:t>
-            </a:r>
-            <a:r>
-              <a:rPr lang="en-US" sz="1400" dirty="0">
-                <a:latin typeface="Courier New" panose="02070309020205020404" pitchFamily="49" charset="0"/>
-                <a:cs typeface="Courier New" panose="02070309020205020404" pitchFamily="49" charset="0"/>
-              </a:rPr>
-              <a:t>comp2) {</a:t>
-            </a:r>
-          </a:p>
-          <a:p>
-            <a:pPr marL="0" indent="0">
-              <a:buNone/>
-            </a:pPr>
-            <a:r>
-              <a:rPr lang="en-US" sz="1400" dirty="0">
-                <a:latin typeface="Courier New" panose="02070309020205020404" pitchFamily="49" charset="0"/>
-                <a:cs typeface="Courier New" panose="02070309020205020404" pitchFamily="49" charset="0"/>
-              </a:rPr>
-              <a:t>	  </a:t>
-            </a:r>
-            <a:r>
-              <a:rPr lang="en-US" sz="1400" dirty="0">
-                <a:solidFill>
-                  <a:srgbClr val="0070C0"/>
-                </a:solidFill>
-                <a:latin typeface="Courier New" panose="02070309020205020404" pitchFamily="49" charset="0"/>
-                <a:cs typeface="Courier New" panose="02070309020205020404" pitchFamily="49" charset="0"/>
-              </a:rPr>
-              <a:t>this</a:t>
-            </a:r>
-            <a:r>
-              <a:rPr lang="en-US" sz="1400" dirty="0">
-                <a:latin typeface="Courier New" panose="02070309020205020404" pitchFamily="49" charset="0"/>
-                <a:cs typeface="Courier New" panose="02070309020205020404" pitchFamily="49" charset="0"/>
-              </a:rPr>
-              <a:t>.comp1 = comp1;</a:t>
-            </a:r>
-          </a:p>
-          <a:p>
-            <a:pPr marL="0" indent="0">
-              <a:buNone/>
-            </a:pPr>
-            <a:r>
-              <a:rPr lang="en-US" sz="1400" dirty="0">
-                <a:latin typeface="Courier New" panose="02070309020205020404" pitchFamily="49" charset="0"/>
-                <a:cs typeface="Courier New" panose="02070309020205020404" pitchFamily="49" charset="0"/>
-              </a:rPr>
-              <a:t>	  </a:t>
-            </a:r>
-            <a:r>
-              <a:rPr lang="en-US" sz="1400" dirty="0">
-                <a:solidFill>
-                  <a:srgbClr val="0070C0"/>
-                </a:solidFill>
-                <a:latin typeface="Courier New" panose="02070309020205020404" pitchFamily="49" charset="0"/>
-                <a:cs typeface="Courier New" panose="02070309020205020404" pitchFamily="49" charset="0"/>
-              </a:rPr>
-              <a:t>this</a:t>
-            </a:r>
-            <a:r>
-              <a:rPr lang="en-US" sz="1400" dirty="0">
-                <a:latin typeface="Courier New" panose="02070309020205020404" pitchFamily="49" charset="0"/>
-                <a:cs typeface="Courier New" panose="02070309020205020404" pitchFamily="49" charset="0"/>
-              </a:rPr>
-              <a:t>.comp2 = comp2;</a:t>
-            </a:r>
-          </a:p>
-          <a:p>
-            <a:pPr marL="0" indent="0">
-              <a:buNone/>
-            </a:pPr>
-            <a:r>
-              <a:rPr lang="en-US" sz="1400" dirty="0">
-                <a:latin typeface="Courier New" panose="02070309020205020404" pitchFamily="49" charset="0"/>
-                <a:cs typeface="Courier New" panose="02070309020205020404" pitchFamily="49" charset="0"/>
-              </a:rPr>
-              <a:t>	}</a:t>
-            </a:r>
-          </a:p>
-          <a:p>
-            <a:pPr marL="0" indent="0">
-              <a:buFont typeface="Wingdings 3" charset="2"/>
-              <a:buNone/>
-            </a:pPr>
-            <a:r>
-              <a:rPr lang="en-US" sz="1400" dirty="0">
-                <a:latin typeface="Courier New" panose="02070309020205020404" pitchFamily="49" charset="0"/>
-                <a:cs typeface="Courier New" panose="02070309020205020404" pitchFamily="49" charset="0"/>
-              </a:rPr>
-              <a:t>}</a:t>
-            </a:r>
-          </a:p>
-        </p:txBody>
-      </p:sp>
-    </p:spTree>
-    <p:extLst>
-      <p:ext uri="{BB962C8B-B14F-4D97-AF65-F5344CB8AC3E}">
-        <p14:creationId xmlns:p14="http://schemas.microsoft.com/office/powerpoint/2010/main" val="990466974"/>
-      </p:ext>
-    </p:extLst>
-  </p:cSld>
-  <p:clrMapOvr>
-    <a:masterClrMapping/>
-  </p:clrMapOvr>
-</p:sld>
-</file>
-
-<file path=ppt/slides/slide23.xml><?xml version="1.0" encoding="utf-8"?>
-<p:sld xmlns:a="http://schemas.openxmlformats.org/drawingml/2006/main" xmlns:r="http://schemas.openxmlformats.org/officeDocument/2006/relationships" xmlns:p="http://schemas.openxmlformats.org/presentationml/2006/main">
-  <p:cSld>
-    <p:spTree>
-      <p:nvGrpSpPr>
-        <p:cNvPr id="1" name=""/>
-        <p:cNvGrpSpPr/>
-        <p:nvPr/>
-      </p:nvGrpSpPr>
-      <p:grpSpPr>
-        <a:xfrm>
-          <a:off x="0" y="0"/>
-          <a:ext cx="0" cy="0"/>
-          <a:chOff x="0" y="0"/>
-          <a:chExt cx="0" cy="0"/>
-        </a:xfrm>
-      </p:grpSpPr>
-      <p:sp>
-        <p:nvSpPr>
-          <p:cNvPr id="2" name="Title 1">
-            <a:extLst>
-              <a:ext uri="{FF2B5EF4-FFF2-40B4-BE49-F238E27FC236}">
-                <a16:creationId xmlns:a16="http://schemas.microsoft.com/office/drawing/2014/main" id="{BC951CB7-F561-C274-3416-30E45C295E96}"/>
-              </a:ext>
-            </a:extLst>
-          </p:cNvPr>
-          <p:cNvSpPr>
-            <a:spLocks noGrp="1"/>
-          </p:cNvSpPr>
-          <p:nvPr>
-            <p:ph type="title"/>
-          </p:nvPr>
-        </p:nvSpPr>
-        <p:spPr>
-          <a:xfrm>
-            <a:off x="677334" y="609600"/>
-            <a:ext cx="10467482" cy="793687"/>
-          </a:xfrm>
-        </p:spPr>
-        <p:txBody>
-          <a:bodyPr>
-            <a:normAutofit/>
-          </a:bodyPr>
-          <a:lstStyle/>
-          <a:p>
-            <a:r>
-              <a:rPr lang="en-IL" dirty="0"/>
-              <a:t>Autowire behaviour</a:t>
-            </a:r>
-            <a:r>
-              <a:rPr lang="en-US" dirty="0"/>
-              <a:t>: Match by Name</a:t>
-            </a:r>
-            <a:endParaRPr lang="en-IL" dirty="0"/>
-          </a:p>
-        </p:txBody>
-      </p:sp>
-      <p:sp>
-        <p:nvSpPr>
-          <p:cNvPr id="3" name="Content Placeholder 2">
-            <a:extLst>
-              <a:ext uri="{FF2B5EF4-FFF2-40B4-BE49-F238E27FC236}">
-                <a16:creationId xmlns:a16="http://schemas.microsoft.com/office/drawing/2014/main" id="{595C5F8E-B8D9-DB11-D812-7CD79F6A836A}"/>
-              </a:ext>
-            </a:extLst>
-          </p:cNvPr>
-          <p:cNvSpPr>
-            <a:spLocks noGrp="1"/>
-          </p:cNvSpPr>
-          <p:nvPr>
-            <p:ph idx="1"/>
-          </p:nvPr>
-        </p:nvSpPr>
-        <p:spPr>
-          <a:xfrm>
-            <a:off x="677334" y="1654673"/>
-            <a:ext cx="5279846" cy="3188931"/>
-          </a:xfrm>
-          <a:solidFill>
-            <a:schemeClr val="tx2">
-              <a:lumMod val="20000"/>
-              <a:lumOff val="80000"/>
-            </a:schemeClr>
-          </a:solidFill>
-          <a:ln>
-            <a:solidFill>
-              <a:schemeClr val="accent1"/>
-            </a:solidFill>
-          </a:ln>
-        </p:spPr>
-        <p:txBody>
-          <a:bodyPr>
-            <a:noAutofit/>
-          </a:bodyPr>
-          <a:lstStyle/>
-          <a:p>
-            <a:pPr marL="0" indent="0">
-              <a:buFont typeface="Wingdings 3" charset="2"/>
-              <a:buNone/>
-            </a:pPr>
-            <a:r>
-              <a:rPr lang="en-US" sz="1400" dirty="0">
-                <a:solidFill>
-                  <a:srgbClr val="0070C0"/>
-                </a:solidFill>
-                <a:latin typeface="Courier New" panose="02070309020205020404" pitchFamily="49" charset="0"/>
-                <a:cs typeface="Courier New" panose="02070309020205020404" pitchFamily="49" charset="0"/>
-              </a:rPr>
-              <a:t>public</a:t>
-            </a:r>
-            <a:r>
-              <a:rPr lang="en-US" sz="1400" dirty="0">
-                <a:latin typeface="Courier New" panose="02070309020205020404" pitchFamily="49" charset="0"/>
-                <a:cs typeface="Courier New" panose="02070309020205020404" pitchFamily="49" charset="0"/>
-              </a:rPr>
-              <a:t> </a:t>
-            </a:r>
-            <a:r>
-              <a:rPr lang="en-US" sz="1400" dirty="0">
-                <a:solidFill>
-                  <a:srgbClr val="0070C0"/>
-                </a:solidFill>
-                <a:latin typeface="Courier New" panose="02070309020205020404" pitchFamily="49" charset="0"/>
-                <a:cs typeface="Courier New" panose="02070309020205020404" pitchFamily="49" charset="0"/>
-              </a:rPr>
-              <a:t>class</a:t>
-            </a:r>
-            <a:r>
-              <a:rPr lang="en-US" sz="1400" dirty="0">
-                <a:latin typeface="Courier New" panose="02070309020205020404" pitchFamily="49" charset="0"/>
-                <a:cs typeface="Courier New" panose="02070309020205020404" pitchFamily="49" charset="0"/>
-              </a:rPr>
-              <a:t> </a:t>
-            </a:r>
-            <a:r>
-              <a:rPr lang="en-US" sz="1400" dirty="0" err="1">
-                <a:latin typeface="Courier New" panose="02070309020205020404" pitchFamily="49" charset="0"/>
-                <a:cs typeface="Courier New" panose="02070309020205020404" pitchFamily="49" charset="0"/>
-              </a:rPr>
-              <a:t>MyComponent</a:t>
-            </a:r>
-            <a:r>
-              <a:rPr lang="en-US" sz="1400" dirty="0">
-                <a:latin typeface="Courier New" panose="02070309020205020404" pitchFamily="49" charset="0"/>
-                <a:cs typeface="Courier New" panose="02070309020205020404" pitchFamily="49" charset="0"/>
-              </a:rPr>
-              <a:t> </a:t>
-            </a:r>
-            <a:r>
-              <a:rPr lang="en-US" sz="1400" dirty="0">
-                <a:solidFill>
-                  <a:srgbClr val="0070C0"/>
-                </a:solidFill>
-                <a:latin typeface="Courier New" panose="02070309020205020404" pitchFamily="49" charset="0"/>
-                <a:cs typeface="Courier New" panose="02070309020205020404" pitchFamily="49" charset="0"/>
-              </a:rPr>
-              <a:t>extends</a:t>
-            </a:r>
-            <a:r>
-              <a:rPr lang="en-US" sz="1400" dirty="0">
-                <a:latin typeface="Courier New" panose="02070309020205020404" pitchFamily="49" charset="0"/>
-                <a:cs typeface="Courier New" panose="02070309020205020404" pitchFamily="49" charset="0"/>
-              </a:rPr>
-              <a:t> </a:t>
-            </a:r>
-            <a:r>
-              <a:rPr lang="en-US" sz="1400" dirty="0" err="1">
-                <a:latin typeface="Courier New" panose="02070309020205020404" pitchFamily="49" charset="0"/>
-                <a:cs typeface="Courier New" panose="02070309020205020404" pitchFamily="49" charset="0"/>
-              </a:rPr>
-              <a:t>BaseComponent</a:t>
-            </a:r>
-            <a:r>
-              <a:rPr lang="en-US" sz="1400" dirty="0">
-                <a:latin typeface="Courier New" panose="02070309020205020404" pitchFamily="49" charset="0"/>
-                <a:cs typeface="Courier New" panose="02070309020205020404" pitchFamily="49" charset="0"/>
-              </a:rPr>
-              <a:t> {</a:t>
-            </a:r>
-          </a:p>
-          <a:p>
-            <a:pPr marL="0" indent="0">
-              <a:buFont typeface="Wingdings 3" charset="2"/>
-              <a:buNone/>
-            </a:pPr>
-            <a:r>
-              <a:rPr lang="en-US" sz="1400" dirty="0">
-                <a:latin typeface="Courier New" panose="02070309020205020404" pitchFamily="49" charset="0"/>
-                <a:cs typeface="Courier New" panose="02070309020205020404" pitchFamily="49" charset="0"/>
-              </a:rPr>
-              <a:t>}</a:t>
-            </a:r>
-            <a:endParaRPr lang="en-US" sz="1400" b="1" dirty="0">
-              <a:solidFill>
-                <a:srgbClr val="9E880D"/>
-              </a:solidFill>
-              <a:latin typeface="Courier New" panose="02070309020205020404" pitchFamily="49" charset="0"/>
-              <a:cs typeface="Courier New" panose="02070309020205020404" pitchFamily="49" charset="0"/>
-            </a:endParaRPr>
-          </a:p>
-          <a:p>
-            <a:pPr marL="0" indent="0">
-              <a:lnSpc>
-                <a:spcPct val="80000"/>
-              </a:lnSpc>
-              <a:buNone/>
-            </a:pPr>
-            <a:r>
-              <a:rPr lang="en-US" sz="1400" b="1" dirty="0">
-                <a:solidFill>
-                  <a:srgbClr val="9E880D"/>
-                </a:solidFill>
-                <a:latin typeface="Courier New" panose="02070309020205020404" pitchFamily="49" charset="0"/>
-                <a:cs typeface="Courier New" panose="02070309020205020404" pitchFamily="49" charset="0"/>
-              </a:rPr>
-              <a:t>@Configuration</a:t>
-            </a:r>
-          </a:p>
-          <a:p>
-            <a:pPr marL="0" indent="0">
-              <a:buNone/>
-            </a:pPr>
-            <a:r>
-              <a:rPr lang="en-US" sz="1400" dirty="0">
-                <a:solidFill>
-                  <a:srgbClr val="0070C0"/>
-                </a:solidFill>
-                <a:latin typeface="Courier New" panose="02070309020205020404" pitchFamily="49" charset="0"/>
-                <a:cs typeface="Courier New" panose="02070309020205020404" pitchFamily="49" charset="0"/>
-              </a:rPr>
-              <a:t>public</a:t>
-            </a:r>
-            <a:r>
-              <a:rPr lang="en-US" sz="1400" dirty="0">
-                <a:latin typeface="Courier New" panose="02070309020205020404" pitchFamily="49" charset="0"/>
-                <a:cs typeface="Courier New" panose="02070309020205020404" pitchFamily="49" charset="0"/>
-              </a:rPr>
-              <a:t> </a:t>
-            </a:r>
-            <a:r>
-              <a:rPr lang="en-US" sz="1400" dirty="0">
-                <a:solidFill>
-                  <a:srgbClr val="0070C0"/>
-                </a:solidFill>
-                <a:latin typeface="Courier New" panose="02070309020205020404" pitchFamily="49" charset="0"/>
-                <a:cs typeface="Courier New" panose="02070309020205020404" pitchFamily="49" charset="0"/>
-              </a:rPr>
-              <a:t>class</a:t>
-            </a:r>
-            <a:r>
-              <a:rPr lang="en-US" sz="1400" dirty="0">
-                <a:latin typeface="Courier New" panose="02070309020205020404" pitchFamily="49" charset="0"/>
-                <a:cs typeface="Courier New" panose="02070309020205020404" pitchFamily="49" charset="0"/>
-              </a:rPr>
-              <a:t> </a:t>
-            </a:r>
-            <a:r>
-              <a:rPr lang="en-US" sz="1400" dirty="0" err="1">
-                <a:latin typeface="Courier New" panose="02070309020205020404" pitchFamily="49" charset="0"/>
-                <a:cs typeface="Courier New" panose="02070309020205020404" pitchFamily="49" charset="0"/>
-              </a:rPr>
-              <a:t>ComponentsConfig</a:t>
-            </a:r>
-            <a:r>
-              <a:rPr lang="en-US" sz="1400" dirty="0">
-                <a:latin typeface="Courier New" panose="02070309020205020404" pitchFamily="49" charset="0"/>
-                <a:cs typeface="Courier New" panose="02070309020205020404" pitchFamily="49" charset="0"/>
-              </a:rPr>
-              <a:t> {</a:t>
-            </a:r>
-          </a:p>
-          <a:p>
-            <a:pPr marL="0" indent="0">
-              <a:lnSpc>
-                <a:spcPct val="80000"/>
-              </a:lnSpc>
-              <a:buNone/>
-            </a:pPr>
-            <a:r>
-              <a:rPr lang="en-US" sz="1400" dirty="0">
-                <a:latin typeface="Courier New" panose="02070309020205020404" pitchFamily="49" charset="0"/>
-                <a:cs typeface="Courier New" panose="02070309020205020404" pitchFamily="49" charset="0"/>
-              </a:rPr>
-              <a:t>    </a:t>
-            </a:r>
-            <a:r>
-              <a:rPr lang="en-US" sz="1400" b="1" dirty="0">
-                <a:solidFill>
-                  <a:srgbClr val="9E880D"/>
-                </a:solidFill>
-                <a:latin typeface="Courier New" panose="02070309020205020404" pitchFamily="49" charset="0"/>
-                <a:cs typeface="Courier New" panose="02070309020205020404" pitchFamily="49" charset="0"/>
-              </a:rPr>
-              <a:t>@Bean(“</a:t>
-            </a:r>
-            <a:r>
-              <a:rPr lang="en-US" sz="1400" b="1" dirty="0" err="1">
-                <a:solidFill>
-                  <a:srgbClr val="9E880D"/>
-                </a:solidFill>
-                <a:latin typeface="Courier New" panose="02070309020205020404" pitchFamily="49" charset="0"/>
-                <a:cs typeface="Courier New" panose="02070309020205020404" pitchFamily="49" charset="0"/>
-              </a:rPr>
-              <a:t>myComponent</a:t>
-            </a:r>
-            <a:r>
-              <a:rPr lang="en-US" sz="1400" b="1" dirty="0">
-                <a:solidFill>
-                  <a:srgbClr val="9E880D"/>
-                </a:solidFill>
-                <a:latin typeface="Courier New" panose="02070309020205020404" pitchFamily="49" charset="0"/>
-                <a:cs typeface="Courier New" panose="02070309020205020404" pitchFamily="49" charset="0"/>
-              </a:rPr>
-              <a:t>”)</a:t>
-            </a:r>
-          </a:p>
-          <a:p>
-            <a:pPr marL="0" indent="0">
-              <a:buNone/>
-            </a:pPr>
-            <a:r>
-              <a:rPr lang="en-US" sz="1400" dirty="0">
-                <a:latin typeface="Courier New" panose="02070309020205020404" pitchFamily="49" charset="0"/>
-                <a:cs typeface="Courier New" panose="02070309020205020404" pitchFamily="49" charset="0"/>
-              </a:rPr>
-              <a:t>    </a:t>
-            </a:r>
-            <a:r>
-              <a:rPr lang="en-US" sz="1400" dirty="0">
-                <a:solidFill>
-                  <a:srgbClr val="0070C0"/>
-                </a:solidFill>
-                <a:latin typeface="Courier New" panose="02070309020205020404" pitchFamily="49" charset="0"/>
-                <a:cs typeface="Courier New" panose="02070309020205020404" pitchFamily="49" charset="0"/>
-              </a:rPr>
-              <a:t>public</a:t>
-            </a:r>
-            <a:r>
-              <a:rPr lang="en-US" sz="1400" dirty="0">
-                <a:latin typeface="Courier New" panose="02070309020205020404" pitchFamily="49" charset="0"/>
-                <a:cs typeface="Courier New" panose="02070309020205020404" pitchFamily="49" charset="0"/>
-              </a:rPr>
-              <a:t> </a:t>
-            </a:r>
-            <a:r>
-              <a:rPr lang="en-US" sz="1400" dirty="0" err="1">
-                <a:latin typeface="Courier New" panose="02070309020205020404" pitchFamily="49" charset="0"/>
-                <a:cs typeface="Courier New" panose="02070309020205020404" pitchFamily="49" charset="0"/>
-              </a:rPr>
-              <a:t>BaseComponent</a:t>
-            </a:r>
-            <a:r>
-              <a:rPr lang="en-US" sz="1400" dirty="0">
-                <a:latin typeface="Courier New" panose="02070309020205020404" pitchFamily="49" charset="0"/>
-                <a:cs typeface="Courier New" panose="02070309020205020404" pitchFamily="49" charset="0"/>
-              </a:rPr>
-              <a:t> </a:t>
-            </a:r>
-            <a:r>
-              <a:rPr lang="en-US" sz="1400" dirty="0" err="1">
-                <a:latin typeface="Courier New" panose="02070309020205020404" pitchFamily="49" charset="0"/>
-                <a:cs typeface="Courier New" panose="02070309020205020404" pitchFamily="49" charset="0"/>
-              </a:rPr>
-              <a:t>getMyComponent</a:t>
-            </a:r>
-            <a:r>
-              <a:rPr lang="en-US" sz="1400" dirty="0">
-                <a:latin typeface="Courier New" panose="02070309020205020404" pitchFamily="49" charset="0"/>
-                <a:cs typeface="Courier New" panose="02070309020205020404" pitchFamily="49" charset="0"/>
-              </a:rPr>
-              <a:t>() {</a:t>
-            </a:r>
-          </a:p>
-          <a:p>
-            <a:pPr marL="0" indent="0">
-              <a:buNone/>
-            </a:pPr>
-            <a:r>
-              <a:rPr lang="en-US" sz="1400" dirty="0">
-                <a:latin typeface="Courier New" panose="02070309020205020404" pitchFamily="49" charset="0"/>
-                <a:cs typeface="Courier New" panose="02070309020205020404" pitchFamily="49" charset="0"/>
-              </a:rPr>
-              <a:t> 		</a:t>
-            </a:r>
-            <a:r>
-              <a:rPr lang="en-US" sz="1400" dirty="0">
-                <a:solidFill>
-                  <a:srgbClr val="0070C0"/>
-                </a:solidFill>
-                <a:latin typeface="Courier New" panose="02070309020205020404" pitchFamily="49" charset="0"/>
-                <a:cs typeface="Courier New" panose="02070309020205020404" pitchFamily="49" charset="0"/>
-              </a:rPr>
-              <a:t>return new</a:t>
-            </a:r>
-            <a:r>
-              <a:rPr lang="en-US" sz="1400" dirty="0">
-                <a:latin typeface="Courier New" panose="02070309020205020404" pitchFamily="49" charset="0"/>
-                <a:cs typeface="Courier New" panose="02070309020205020404" pitchFamily="49" charset="0"/>
-              </a:rPr>
-              <a:t> </a:t>
-            </a:r>
-            <a:r>
-              <a:rPr lang="en-US" sz="1400" dirty="0" err="1">
-                <a:latin typeface="Courier New" panose="02070309020205020404" pitchFamily="49" charset="0"/>
-                <a:cs typeface="Courier New" panose="02070309020205020404" pitchFamily="49" charset="0"/>
-              </a:rPr>
-              <a:t>MyComponent</a:t>
-            </a:r>
-            <a:r>
-              <a:rPr lang="en-US" sz="1400" dirty="0">
-                <a:latin typeface="Courier New" panose="02070309020205020404" pitchFamily="49" charset="0"/>
-                <a:cs typeface="Courier New" panose="02070309020205020404" pitchFamily="49" charset="0"/>
-              </a:rPr>
-              <a:t>();</a:t>
-            </a:r>
-          </a:p>
-          <a:p>
-            <a:pPr marL="0" indent="0">
-              <a:buNone/>
-            </a:pPr>
-            <a:r>
-              <a:rPr lang="en-US" sz="1400" dirty="0">
-                <a:latin typeface="Courier New" panose="02070309020205020404" pitchFamily="49" charset="0"/>
-                <a:cs typeface="Courier New" panose="02070309020205020404" pitchFamily="49" charset="0"/>
-              </a:rPr>
-              <a:t>	}</a:t>
-            </a:r>
-          </a:p>
-          <a:p>
-            <a:pPr marL="0" indent="0">
-              <a:buNone/>
-            </a:pPr>
-            <a:r>
-              <a:rPr lang="en-US" sz="1400" dirty="0">
-                <a:latin typeface="Courier New" panose="02070309020205020404" pitchFamily="49" charset="0"/>
-                <a:cs typeface="Courier New" panose="02070309020205020404" pitchFamily="49" charset="0"/>
-              </a:rPr>
-              <a:t>}</a:t>
-            </a:r>
-          </a:p>
-        </p:txBody>
-      </p:sp>
-      <p:sp>
-        <p:nvSpPr>
-          <p:cNvPr id="4" name="Content Placeholder 2">
-            <a:extLst>
-              <a:ext uri="{FF2B5EF4-FFF2-40B4-BE49-F238E27FC236}">
-                <a16:creationId xmlns:a16="http://schemas.microsoft.com/office/drawing/2014/main" id="{393CF107-67CF-0ABC-C1F5-5DE465DE7D75}"/>
-              </a:ext>
-            </a:extLst>
-          </p:cNvPr>
-          <p:cNvSpPr txBox="1">
-            <a:spLocks/>
-          </p:cNvSpPr>
-          <p:nvPr/>
-        </p:nvSpPr>
-        <p:spPr>
-          <a:xfrm>
-            <a:off x="4837569" y="3935629"/>
-            <a:ext cx="5418666" cy="2535395"/>
-          </a:xfrm>
-          <a:prstGeom prst="rect">
-            <a:avLst/>
-          </a:prstGeom>
-          <a:solidFill>
-            <a:schemeClr val="tx2">
-              <a:lumMod val="20000"/>
-              <a:lumOff val="80000"/>
-            </a:schemeClr>
-          </a:solidFill>
-          <a:ln>
-            <a:solidFill>
-              <a:schemeClr val="accent1"/>
-            </a:solidFill>
-          </a:ln>
-        </p:spPr>
-        <p:txBody>
-          <a:bodyPr vert="horz" lIns="91440" tIns="45720" rIns="91440" bIns="45720" rtlCol="0">
-            <a:noAutofit/>
-          </a:bodyPr>
-          <a:lstStyle>
-            <a:lvl1pPr marL="342900" indent="-342900" algn="l" defTabSz="457200" rtl="0" eaLnBrk="1" latinLnBrk="0" hangingPunct="1">
-              <a:spcBef>
-                <a:spcPts val="1000"/>
-              </a:spcBef>
-              <a:spcAft>
-                <a:spcPts val="0"/>
-              </a:spcAft>
-              <a:buClr>
-                <a:schemeClr val="accent1"/>
-              </a:buClr>
-              <a:buSzPct val="80000"/>
-              <a:buFont typeface="Wingdings 3" charset="2"/>
-              <a:buChar char=""/>
-              <a:defRPr sz="1800" kern="1200">
-                <a:solidFill>
-                  <a:schemeClr val="tx1">
-                    <a:lumMod val="75000"/>
-                    <a:lumOff val="25000"/>
-                  </a:schemeClr>
-                </a:solidFill>
-                <a:latin typeface="+mn-lt"/>
-                <a:ea typeface="+mn-ea"/>
-                <a:cs typeface="+mn-cs"/>
-              </a:defRPr>
-            </a:lvl1pPr>
-            <a:lvl2pPr marL="742950" indent="-285750" algn="l" defTabSz="457200" rtl="0" eaLnBrk="1" latinLnBrk="0" hangingPunct="1">
-              <a:spcBef>
-                <a:spcPts val="1000"/>
-              </a:spcBef>
-              <a:spcAft>
-                <a:spcPts val="0"/>
-              </a:spcAft>
-              <a:buClr>
-                <a:schemeClr val="accent1"/>
-              </a:buClr>
-              <a:buSzPct val="80000"/>
-              <a:buFont typeface="Wingdings 3" charset="2"/>
-              <a:buChar char=""/>
-              <a:defRPr sz="1600" kern="1200">
-                <a:solidFill>
-                  <a:schemeClr val="tx1">
-                    <a:lumMod val="75000"/>
-                    <a:lumOff val="25000"/>
-                  </a:schemeClr>
-                </a:solidFill>
-                <a:latin typeface="+mn-lt"/>
-                <a:ea typeface="+mn-ea"/>
-                <a:cs typeface="+mn-cs"/>
-              </a:defRPr>
-            </a:lvl2pPr>
-            <a:lvl3pPr marL="1143000" indent="-228600" algn="l" defTabSz="457200" rtl="0" eaLnBrk="1" latinLnBrk="0" hangingPunct="1">
-              <a:spcBef>
-                <a:spcPts val="1000"/>
-              </a:spcBef>
-              <a:spcAft>
-                <a:spcPts val="0"/>
-              </a:spcAft>
-              <a:buClr>
-                <a:schemeClr val="accent1"/>
-              </a:buClr>
-              <a:buSzPct val="80000"/>
-              <a:buFont typeface="Wingdings 3" charset="2"/>
-              <a:buChar char=""/>
-              <a:defRPr sz="1400" kern="1200">
-                <a:solidFill>
-                  <a:schemeClr val="tx1">
-                    <a:lumMod val="75000"/>
-                    <a:lumOff val="25000"/>
-                  </a:schemeClr>
-                </a:solidFill>
-                <a:latin typeface="+mn-lt"/>
-                <a:ea typeface="+mn-ea"/>
-                <a:cs typeface="+mn-cs"/>
-              </a:defRPr>
-            </a:lvl3pPr>
-            <a:lvl4pPr marL="1600200" indent="-228600" algn="l" defTabSz="457200" rtl="0" eaLnBrk="1" latinLnBrk="0" hangingPunct="1">
-              <a:spcBef>
-                <a:spcPts val="1000"/>
-              </a:spcBef>
-              <a:spcAft>
-                <a:spcPts val="0"/>
-              </a:spcAft>
-              <a:buClr>
-                <a:schemeClr val="accent1"/>
-              </a:buClr>
-              <a:buSzPct val="80000"/>
-              <a:buFont typeface="Wingdings 3" charset="2"/>
-              <a:buChar char=""/>
-              <a:defRPr sz="1200" kern="1200">
-                <a:solidFill>
-                  <a:schemeClr val="tx1">
-                    <a:lumMod val="75000"/>
-                    <a:lumOff val="25000"/>
-                  </a:schemeClr>
-                </a:solidFill>
-                <a:latin typeface="+mn-lt"/>
-                <a:ea typeface="+mn-ea"/>
-                <a:cs typeface="+mn-cs"/>
-              </a:defRPr>
-            </a:lvl4pPr>
-            <a:lvl5pPr marL="2057400" indent="-228600" algn="l" defTabSz="457200" rtl="0" eaLnBrk="1" latinLnBrk="0" hangingPunct="1">
-              <a:spcBef>
-                <a:spcPts val="1000"/>
-              </a:spcBef>
-              <a:spcAft>
-                <a:spcPts val="0"/>
-              </a:spcAft>
-              <a:buClr>
-                <a:schemeClr val="accent1"/>
-              </a:buClr>
-              <a:buSzPct val="80000"/>
-              <a:buFont typeface="Wingdings 3" charset="2"/>
-              <a:buChar char=""/>
-              <a:defRPr sz="1200" kern="1200">
-                <a:solidFill>
-                  <a:schemeClr val="tx1">
-                    <a:lumMod val="75000"/>
-                    <a:lumOff val="25000"/>
-                  </a:schemeClr>
-                </a:solidFill>
-                <a:latin typeface="+mn-lt"/>
-                <a:ea typeface="+mn-ea"/>
-                <a:cs typeface="+mn-cs"/>
-              </a:defRPr>
-            </a:lvl5pPr>
-            <a:lvl6pPr marL="2514600" indent="-228600" algn="l" defTabSz="457200" rtl="0" eaLnBrk="1" latinLnBrk="0" hangingPunct="1">
-              <a:spcBef>
-                <a:spcPts val="1000"/>
-              </a:spcBef>
-              <a:spcAft>
-                <a:spcPts val="0"/>
-              </a:spcAft>
-              <a:buClr>
-                <a:schemeClr val="accent1"/>
-              </a:buClr>
-              <a:buSzPct val="80000"/>
-              <a:buFont typeface="Wingdings 3" charset="2"/>
-              <a:buChar char=""/>
-              <a:defRPr sz="1200" kern="1200">
-                <a:solidFill>
-                  <a:schemeClr val="tx1">
-                    <a:lumMod val="75000"/>
-                    <a:lumOff val="25000"/>
-                  </a:schemeClr>
-                </a:solidFill>
-                <a:latin typeface="+mn-lt"/>
-                <a:ea typeface="+mn-ea"/>
-                <a:cs typeface="+mn-cs"/>
-              </a:defRPr>
-            </a:lvl6pPr>
-            <a:lvl7pPr marL="2971800" indent="-228600" algn="l" defTabSz="457200" rtl="0" eaLnBrk="1" latinLnBrk="0" hangingPunct="1">
-              <a:spcBef>
-                <a:spcPts val="1000"/>
-              </a:spcBef>
-              <a:spcAft>
-                <a:spcPts val="0"/>
-              </a:spcAft>
-              <a:buClr>
-                <a:schemeClr val="accent1"/>
-              </a:buClr>
-              <a:buSzPct val="80000"/>
-              <a:buFont typeface="Wingdings 3" charset="2"/>
-              <a:buChar char=""/>
-              <a:defRPr sz="1200" kern="1200">
-                <a:solidFill>
-                  <a:schemeClr val="tx1">
-                    <a:lumMod val="75000"/>
-                    <a:lumOff val="25000"/>
-                  </a:schemeClr>
-                </a:solidFill>
-                <a:latin typeface="+mn-lt"/>
-                <a:ea typeface="+mn-ea"/>
-                <a:cs typeface="+mn-cs"/>
-              </a:defRPr>
-            </a:lvl7pPr>
-            <a:lvl8pPr marL="3429000" indent="-228600" algn="l" defTabSz="457200" rtl="0" eaLnBrk="1" latinLnBrk="0" hangingPunct="1">
-              <a:spcBef>
-                <a:spcPts val="1000"/>
-              </a:spcBef>
-              <a:spcAft>
-                <a:spcPts val="0"/>
-              </a:spcAft>
-              <a:buClr>
-                <a:schemeClr val="accent1"/>
-              </a:buClr>
-              <a:buSzPct val="80000"/>
-              <a:buFont typeface="Wingdings 3" charset="2"/>
-              <a:buChar char=""/>
-              <a:defRPr sz="1200" kern="1200">
-                <a:solidFill>
-                  <a:schemeClr val="tx1">
-                    <a:lumMod val="75000"/>
-                    <a:lumOff val="25000"/>
-                  </a:schemeClr>
-                </a:solidFill>
-                <a:latin typeface="+mn-lt"/>
-                <a:ea typeface="+mn-ea"/>
-                <a:cs typeface="+mn-cs"/>
-              </a:defRPr>
-            </a:lvl8pPr>
-            <a:lvl9pPr marL="3886200" indent="-228600" algn="l" defTabSz="457200" rtl="0" eaLnBrk="1" latinLnBrk="0" hangingPunct="1">
-              <a:spcBef>
-                <a:spcPts val="1000"/>
-              </a:spcBef>
-              <a:spcAft>
-                <a:spcPts val="0"/>
-              </a:spcAft>
-              <a:buClr>
-                <a:schemeClr val="accent1"/>
-              </a:buClr>
-              <a:buSzPct val="80000"/>
-              <a:buFont typeface="Wingdings 3" charset="2"/>
-              <a:buChar char=""/>
-              <a:defRPr sz="1200" kern="1200">
-                <a:solidFill>
-                  <a:schemeClr val="tx1">
-                    <a:lumMod val="75000"/>
-                    <a:lumOff val="25000"/>
-                  </a:schemeClr>
-                </a:solidFill>
-                <a:latin typeface="+mn-lt"/>
-                <a:ea typeface="+mn-ea"/>
-                <a:cs typeface="+mn-cs"/>
-              </a:defRPr>
-            </a:lvl9pPr>
-          </a:lstStyle>
-          <a:p>
-            <a:pPr marL="0" indent="0">
-              <a:buFont typeface="Wingdings 3" charset="2"/>
-              <a:buNone/>
-            </a:pPr>
-            <a:r>
-              <a:rPr lang="en-US" sz="1400" b="1" dirty="0">
-                <a:solidFill>
-                  <a:srgbClr val="9E880D"/>
-                </a:solidFill>
-                <a:latin typeface="Courier New" panose="02070309020205020404" pitchFamily="49" charset="0"/>
-                <a:cs typeface="Courier New" panose="02070309020205020404" pitchFamily="49" charset="0"/>
-              </a:rPr>
-              <a:t>@Component</a:t>
-            </a:r>
-          </a:p>
-          <a:p>
-            <a:pPr marL="0" indent="0">
-              <a:buFont typeface="Wingdings 3" charset="2"/>
-              <a:buNone/>
-            </a:pPr>
-            <a:r>
-              <a:rPr lang="en-US" sz="1400" dirty="0">
-                <a:solidFill>
-                  <a:srgbClr val="0070C0"/>
-                </a:solidFill>
-                <a:latin typeface="Courier New" panose="02070309020205020404" pitchFamily="49" charset="0"/>
-                <a:cs typeface="Courier New" panose="02070309020205020404" pitchFamily="49" charset="0"/>
-              </a:rPr>
-              <a:t>public</a:t>
-            </a:r>
-            <a:r>
-              <a:rPr lang="en-US" sz="1400" dirty="0">
-                <a:latin typeface="Courier New" panose="02070309020205020404" pitchFamily="49" charset="0"/>
-                <a:cs typeface="Courier New" panose="02070309020205020404" pitchFamily="49" charset="0"/>
-              </a:rPr>
-              <a:t> </a:t>
-            </a:r>
-            <a:r>
-              <a:rPr lang="en-US" sz="1400" dirty="0">
-                <a:solidFill>
-                  <a:srgbClr val="0070C0"/>
-                </a:solidFill>
-                <a:latin typeface="Courier New" panose="02070309020205020404" pitchFamily="49" charset="0"/>
-                <a:cs typeface="Courier New" panose="02070309020205020404" pitchFamily="49" charset="0"/>
-              </a:rPr>
-              <a:t>class</a:t>
-            </a:r>
-            <a:r>
-              <a:rPr lang="en-US" sz="1400" dirty="0">
-                <a:latin typeface="Courier New" panose="02070309020205020404" pitchFamily="49" charset="0"/>
-                <a:cs typeface="Courier New" panose="02070309020205020404" pitchFamily="49" charset="0"/>
-              </a:rPr>
-              <a:t> </a:t>
-            </a:r>
-            <a:r>
-              <a:rPr lang="en-US" sz="1400" dirty="0" err="1">
-                <a:latin typeface="Courier New" panose="02070309020205020404" pitchFamily="49" charset="0"/>
-                <a:cs typeface="Courier New" panose="02070309020205020404" pitchFamily="49" charset="0"/>
-              </a:rPr>
-              <a:t>AnotherComponent</a:t>
-            </a:r>
-            <a:r>
-              <a:rPr lang="en-US" sz="1400" dirty="0">
-                <a:latin typeface="Courier New" panose="02070309020205020404" pitchFamily="49" charset="0"/>
-                <a:cs typeface="Courier New" panose="02070309020205020404" pitchFamily="49" charset="0"/>
-              </a:rPr>
-              <a:t> {</a:t>
-            </a:r>
-          </a:p>
-          <a:p>
-            <a:pPr marL="0" indent="0">
-              <a:lnSpc>
-                <a:spcPct val="80000"/>
-              </a:lnSpc>
-              <a:buFont typeface="Wingdings 3" charset="2"/>
-              <a:buNone/>
-            </a:pPr>
-            <a:r>
-              <a:rPr lang="en-US" sz="1400" dirty="0">
-                <a:solidFill>
-                  <a:srgbClr val="0070C0"/>
-                </a:solidFill>
-                <a:latin typeface="Courier New" panose="02070309020205020404" pitchFamily="49" charset="0"/>
-                <a:cs typeface="Courier New" panose="02070309020205020404" pitchFamily="49" charset="0"/>
-              </a:rPr>
-              <a:t>	private</a:t>
-            </a:r>
-            <a:r>
-              <a:rPr lang="en-US" sz="1400" dirty="0">
-                <a:latin typeface="Courier New" panose="02070309020205020404" pitchFamily="49" charset="0"/>
-                <a:cs typeface="Courier New" panose="02070309020205020404" pitchFamily="49" charset="0"/>
-              </a:rPr>
-              <a:t> </a:t>
-            </a:r>
-            <a:r>
-              <a:rPr lang="en-US" sz="1400" dirty="0" err="1">
-                <a:latin typeface="Courier New" panose="02070309020205020404" pitchFamily="49" charset="0"/>
-                <a:cs typeface="Courier New" panose="02070309020205020404" pitchFamily="49" charset="0"/>
-              </a:rPr>
-              <a:t>BaseComponent</a:t>
-            </a:r>
-            <a:r>
-              <a:rPr lang="en-US" sz="1400" dirty="0">
-                <a:latin typeface="Courier New" panose="02070309020205020404" pitchFamily="49" charset="0"/>
-                <a:cs typeface="Courier New" panose="02070309020205020404" pitchFamily="49" charset="0"/>
-              </a:rPr>
-              <a:t> </a:t>
-            </a:r>
-            <a:r>
-              <a:rPr lang="en-US" sz="1400" dirty="0" err="1">
-                <a:latin typeface="Courier New" panose="02070309020205020404" pitchFamily="49" charset="0"/>
-                <a:cs typeface="Courier New" panose="02070309020205020404" pitchFamily="49" charset="0"/>
-              </a:rPr>
-              <a:t>baseComponent</a:t>
-            </a:r>
-            <a:r>
-              <a:rPr lang="en-US" sz="1400" dirty="0">
-                <a:latin typeface="Courier New" panose="02070309020205020404" pitchFamily="49" charset="0"/>
-                <a:cs typeface="Courier New" panose="02070309020205020404" pitchFamily="49" charset="0"/>
-              </a:rPr>
-              <a:t>;</a:t>
-            </a:r>
-          </a:p>
-          <a:p>
-            <a:pPr marL="0" indent="0">
-              <a:lnSpc>
-                <a:spcPct val="80000"/>
-              </a:lnSpc>
-              <a:buFont typeface="Wingdings 3" charset="2"/>
-              <a:buNone/>
-            </a:pPr>
-            <a:endParaRPr lang="en-US" sz="1400" dirty="0">
-              <a:latin typeface="Courier New" panose="02070309020205020404" pitchFamily="49" charset="0"/>
-              <a:cs typeface="Courier New" panose="02070309020205020404" pitchFamily="49" charset="0"/>
-            </a:endParaRPr>
-          </a:p>
-          <a:p>
-            <a:pPr marL="0" indent="0">
-              <a:lnSpc>
-                <a:spcPct val="80000"/>
-              </a:lnSpc>
-              <a:buFont typeface="Wingdings 3" charset="2"/>
-              <a:buNone/>
-            </a:pPr>
-            <a:r>
-              <a:rPr lang="en-US" sz="1400" dirty="0">
-                <a:latin typeface="Courier New" panose="02070309020205020404" pitchFamily="49" charset="0"/>
-                <a:cs typeface="Courier New" panose="02070309020205020404" pitchFamily="49" charset="0"/>
-              </a:rPr>
-              <a:t>    </a:t>
-            </a:r>
-            <a:r>
-              <a:rPr lang="en-US" sz="1400" dirty="0" err="1">
-                <a:latin typeface="Courier New" panose="02070309020205020404" pitchFamily="49" charset="0"/>
-                <a:cs typeface="Courier New" panose="02070309020205020404" pitchFamily="49" charset="0"/>
-              </a:rPr>
-              <a:t>AnotherComponent</a:t>
-            </a:r>
-            <a:r>
-              <a:rPr lang="en-US" sz="1400" dirty="0">
-                <a:latin typeface="Courier New" panose="02070309020205020404" pitchFamily="49" charset="0"/>
-                <a:cs typeface="Courier New" panose="02070309020205020404" pitchFamily="49" charset="0"/>
-              </a:rPr>
-              <a:t>(</a:t>
-            </a:r>
-            <a:r>
-              <a:rPr lang="en-US" sz="1400" dirty="0" err="1">
-                <a:latin typeface="Courier New" panose="02070309020205020404" pitchFamily="49" charset="0"/>
-                <a:cs typeface="Courier New" panose="02070309020205020404" pitchFamily="49" charset="0"/>
-              </a:rPr>
-              <a:t>BaseComponent</a:t>
-            </a:r>
-            <a:r>
-              <a:rPr lang="en-US" sz="1400" dirty="0">
-                <a:latin typeface="Courier New" panose="02070309020205020404" pitchFamily="49" charset="0"/>
-                <a:cs typeface="Courier New" panose="02070309020205020404" pitchFamily="49" charset="0"/>
-              </a:rPr>
-              <a:t> </a:t>
-            </a:r>
-            <a:r>
-              <a:rPr lang="en-US" sz="1400" b="1" dirty="0" err="1">
-                <a:latin typeface="Courier New" panose="02070309020205020404" pitchFamily="49" charset="0"/>
-                <a:cs typeface="Courier New" panose="02070309020205020404" pitchFamily="49" charset="0"/>
-              </a:rPr>
-              <a:t>myComponent</a:t>
-            </a:r>
-            <a:r>
-              <a:rPr lang="en-US" sz="1400" dirty="0">
-                <a:latin typeface="Courier New" panose="02070309020205020404" pitchFamily="49" charset="0"/>
-                <a:cs typeface="Courier New" panose="02070309020205020404" pitchFamily="49" charset="0"/>
-              </a:rPr>
-              <a:t>) {</a:t>
-            </a:r>
-          </a:p>
-          <a:p>
-            <a:pPr marL="0" indent="0">
-              <a:buFont typeface="Wingdings 3" charset="2"/>
-              <a:buNone/>
-            </a:pPr>
-            <a:r>
-              <a:rPr lang="en-US" sz="1400" dirty="0">
-                <a:latin typeface="Courier New" panose="02070309020205020404" pitchFamily="49" charset="0"/>
-                <a:cs typeface="Courier New" panose="02070309020205020404" pitchFamily="49" charset="0"/>
-              </a:rPr>
-              <a:t>		</a:t>
-            </a:r>
-            <a:r>
-              <a:rPr lang="en-US" sz="1400" dirty="0" err="1">
-                <a:solidFill>
-                  <a:srgbClr val="0070C0"/>
-                </a:solidFill>
-                <a:latin typeface="Courier New" panose="02070309020205020404" pitchFamily="49" charset="0"/>
-                <a:cs typeface="Courier New" panose="02070309020205020404" pitchFamily="49" charset="0"/>
-              </a:rPr>
-              <a:t>this</a:t>
-            </a:r>
-            <a:r>
-              <a:rPr lang="en-US" sz="1400" dirty="0" err="1">
-                <a:latin typeface="Courier New" panose="02070309020205020404" pitchFamily="49" charset="0"/>
-                <a:cs typeface="Courier New" panose="02070309020205020404" pitchFamily="49" charset="0"/>
-              </a:rPr>
-              <a:t>.baseComponent</a:t>
-            </a:r>
-            <a:r>
-              <a:rPr lang="en-US" sz="1400" dirty="0">
-                <a:latin typeface="Courier New" panose="02070309020205020404" pitchFamily="49" charset="0"/>
-                <a:cs typeface="Courier New" panose="02070309020205020404" pitchFamily="49" charset="0"/>
-              </a:rPr>
-              <a:t> = </a:t>
-            </a:r>
-            <a:r>
-              <a:rPr lang="en-US" sz="1400" dirty="0" err="1">
-                <a:latin typeface="Courier New" panose="02070309020205020404" pitchFamily="49" charset="0"/>
-                <a:cs typeface="Courier New" panose="02070309020205020404" pitchFamily="49" charset="0"/>
-              </a:rPr>
-              <a:t>myComponent</a:t>
-            </a:r>
-            <a:r>
-              <a:rPr lang="en-US" sz="1400" dirty="0">
-                <a:latin typeface="Courier New" panose="02070309020205020404" pitchFamily="49" charset="0"/>
-                <a:cs typeface="Courier New" panose="02070309020205020404" pitchFamily="49" charset="0"/>
-              </a:rPr>
-              <a:t>;</a:t>
-            </a:r>
-          </a:p>
-          <a:p>
-            <a:pPr marL="0" indent="0">
-              <a:buFont typeface="Wingdings 3" charset="2"/>
-              <a:buNone/>
-            </a:pPr>
-            <a:r>
-              <a:rPr lang="en-US" sz="1400" dirty="0">
-                <a:latin typeface="Courier New" panose="02070309020205020404" pitchFamily="49" charset="0"/>
-                <a:cs typeface="Courier New" panose="02070309020205020404" pitchFamily="49" charset="0"/>
-              </a:rPr>
-              <a:t>	}</a:t>
-            </a:r>
-          </a:p>
-          <a:p>
-            <a:pPr marL="0" indent="0">
-              <a:buFont typeface="Wingdings 3" charset="2"/>
-              <a:buNone/>
-            </a:pPr>
-            <a:r>
-              <a:rPr lang="en-US" sz="1400" dirty="0">
-                <a:latin typeface="Courier New" panose="02070309020205020404" pitchFamily="49" charset="0"/>
-                <a:cs typeface="Courier New" panose="02070309020205020404" pitchFamily="49" charset="0"/>
-              </a:rPr>
-              <a:t>}</a:t>
-            </a:r>
-          </a:p>
-        </p:txBody>
-      </p:sp>
-      <p:sp>
-        <p:nvSpPr>
-          <p:cNvPr id="5" name="TextBox 4">
-            <a:extLst>
-              <a:ext uri="{FF2B5EF4-FFF2-40B4-BE49-F238E27FC236}">
-                <a16:creationId xmlns:a16="http://schemas.microsoft.com/office/drawing/2014/main" id="{CC87A045-F176-5453-11E6-6787E37ED1D4}"/>
-              </a:ext>
-            </a:extLst>
-          </p:cNvPr>
-          <p:cNvSpPr txBox="1"/>
-          <p:nvPr/>
-        </p:nvSpPr>
-        <p:spPr>
-          <a:xfrm>
-            <a:off x="6165410" y="1654673"/>
-            <a:ext cx="5151421" cy="1083374"/>
-          </a:xfrm>
-          <a:prstGeom prst="rect">
-            <a:avLst/>
-          </a:prstGeom>
-          <a:solidFill>
-            <a:schemeClr val="tx2">
-              <a:lumMod val="20000"/>
-              <a:lumOff val="80000"/>
-            </a:schemeClr>
-          </a:solidFill>
-          <a:ln>
-            <a:solidFill>
-              <a:schemeClr val="accent1"/>
-            </a:solidFill>
-          </a:ln>
-        </p:spPr>
-        <p:txBody>
-          <a:bodyPr wrap="square" rtlCol="0">
-            <a:spAutoFit/>
-          </a:bodyPr>
-          <a:lstStyle/>
-          <a:p>
-            <a:pPr marL="0" indent="0">
-              <a:lnSpc>
-                <a:spcPct val="80000"/>
-              </a:lnSpc>
-              <a:buFont typeface="Wingdings 3" charset="2"/>
-              <a:buNone/>
-            </a:pPr>
-            <a:r>
-              <a:rPr lang="en-US" sz="1400" b="1" dirty="0">
-                <a:solidFill>
-                  <a:srgbClr val="9E880D"/>
-                </a:solidFill>
-                <a:latin typeface="Courier New" panose="02070309020205020404" pitchFamily="49" charset="0"/>
-                <a:cs typeface="Courier New" panose="02070309020205020404" pitchFamily="49" charset="0"/>
-              </a:rPr>
-              <a:t>@Component(“</a:t>
-            </a:r>
-            <a:r>
-              <a:rPr lang="en-US" sz="1400" b="1" dirty="0" err="1">
-                <a:solidFill>
-                  <a:srgbClr val="9E880D"/>
-                </a:solidFill>
-                <a:latin typeface="Courier New" panose="02070309020205020404" pitchFamily="49" charset="0"/>
-                <a:cs typeface="Courier New" panose="02070309020205020404" pitchFamily="49" charset="0"/>
-              </a:rPr>
-              <a:t>myComponent</a:t>
-            </a:r>
-            <a:r>
-              <a:rPr lang="en-US" sz="1400" b="1" dirty="0">
-                <a:solidFill>
-                  <a:srgbClr val="9E880D"/>
-                </a:solidFill>
-                <a:latin typeface="Courier New" panose="02070309020205020404" pitchFamily="49" charset="0"/>
-                <a:cs typeface="Courier New" panose="02070309020205020404" pitchFamily="49" charset="0"/>
-              </a:rPr>
-              <a:t>”)</a:t>
-            </a:r>
-          </a:p>
-          <a:p>
-            <a:pPr marL="0" indent="0">
-              <a:buFont typeface="Wingdings 3" charset="2"/>
-              <a:buNone/>
-            </a:pPr>
-            <a:r>
-              <a:rPr lang="en-US" sz="1400" dirty="0">
-                <a:solidFill>
-                  <a:srgbClr val="0070C0"/>
-                </a:solidFill>
-                <a:latin typeface="Courier New" panose="02070309020205020404" pitchFamily="49" charset="0"/>
-                <a:cs typeface="Courier New" panose="02070309020205020404" pitchFamily="49" charset="0"/>
-              </a:rPr>
-              <a:t>public</a:t>
-            </a:r>
-            <a:r>
-              <a:rPr lang="en-US" sz="1400" dirty="0">
-                <a:latin typeface="Courier New" panose="02070309020205020404" pitchFamily="49" charset="0"/>
-                <a:cs typeface="Courier New" panose="02070309020205020404" pitchFamily="49" charset="0"/>
-              </a:rPr>
-              <a:t> </a:t>
-            </a:r>
-            <a:r>
-              <a:rPr lang="en-US" sz="1400" dirty="0">
-                <a:solidFill>
-                  <a:srgbClr val="0070C0"/>
-                </a:solidFill>
-                <a:latin typeface="Courier New" panose="02070309020205020404" pitchFamily="49" charset="0"/>
-                <a:cs typeface="Courier New" panose="02070309020205020404" pitchFamily="49" charset="0"/>
-              </a:rPr>
-              <a:t>class</a:t>
-            </a:r>
-            <a:r>
-              <a:rPr lang="en-US" sz="1400" dirty="0">
-                <a:latin typeface="Courier New" panose="02070309020205020404" pitchFamily="49" charset="0"/>
-                <a:cs typeface="Courier New" panose="02070309020205020404" pitchFamily="49" charset="0"/>
-              </a:rPr>
-              <a:t> </a:t>
-            </a:r>
-            <a:r>
-              <a:rPr lang="en-US" sz="1400" dirty="0" err="1">
-                <a:latin typeface="Courier New" panose="02070309020205020404" pitchFamily="49" charset="0"/>
-                <a:cs typeface="Courier New" panose="02070309020205020404" pitchFamily="49" charset="0"/>
-              </a:rPr>
-              <a:t>MyComponent</a:t>
-            </a:r>
-            <a:r>
-              <a:rPr lang="en-US" sz="1400" dirty="0">
-                <a:latin typeface="Courier New" panose="02070309020205020404" pitchFamily="49" charset="0"/>
-                <a:cs typeface="Courier New" panose="02070309020205020404" pitchFamily="49" charset="0"/>
-              </a:rPr>
-              <a:t> </a:t>
-            </a:r>
-            <a:r>
-              <a:rPr lang="en-US" sz="1400" dirty="0">
-                <a:solidFill>
-                  <a:srgbClr val="0070C0"/>
-                </a:solidFill>
-                <a:latin typeface="Courier New" panose="02070309020205020404" pitchFamily="49" charset="0"/>
-                <a:cs typeface="Courier New" panose="02070309020205020404" pitchFamily="49" charset="0"/>
-              </a:rPr>
-              <a:t>extends</a:t>
-            </a:r>
-            <a:r>
-              <a:rPr lang="en-US" sz="1400" dirty="0">
-                <a:latin typeface="Courier New" panose="02070309020205020404" pitchFamily="49" charset="0"/>
-                <a:cs typeface="Courier New" panose="02070309020205020404" pitchFamily="49" charset="0"/>
-              </a:rPr>
-              <a:t> </a:t>
-            </a:r>
-            <a:r>
-              <a:rPr lang="en-US" sz="1400" dirty="0" err="1">
-                <a:latin typeface="Courier New" panose="02070309020205020404" pitchFamily="49" charset="0"/>
-                <a:cs typeface="Courier New" panose="02070309020205020404" pitchFamily="49" charset="0"/>
-              </a:rPr>
-              <a:t>BaseComponent</a:t>
-            </a:r>
-            <a:r>
-              <a:rPr lang="en-US" sz="1400" dirty="0">
-                <a:latin typeface="Courier New" panose="02070309020205020404" pitchFamily="49" charset="0"/>
-                <a:cs typeface="Courier New" panose="02070309020205020404" pitchFamily="49" charset="0"/>
-              </a:rPr>
-              <a:t> {</a:t>
-            </a:r>
-          </a:p>
-          <a:p>
-            <a:pPr marL="0" indent="0">
-              <a:lnSpc>
-                <a:spcPct val="80000"/>
-              </a:lnSpc>
-              <a:buFont typeface="Wingdings 3" charset="2"/>
-              <a:buNone/>
-            </a:pPr>
-            <a:r>
-              <a:rPr lang="en-US" sz="1400" dirty="0">
-                <a:latin typeface="Courier New" panose="02070309020205020404" pitchFamily="49" charset="0"/>
-                <a:cs typeface="Courier New" panose="02070309020205020404" pitchFamily="49" charset="0"/>
-              </a:rPr>
-              <a:t>    </a:t>
-            </a:r>
-            <a:r>
-              <a:rPr lang="en-US" sz="1400" dirty="0">
-                <a:solidFill>
-                  <a:schemeClr val="accent1"/>
-                </a:solidFill>
-                <a:latin typeface="Courier New" panose="02070309020205020404" pitchFamily="49" charset="0"/>
-                <a:cs typeface="Courier New" panose="02070309020205020404" pitchFamily="49" charset="0"/>
-              </a:rPr>
-              <a:t>// some code</a:t>
-            </a:r>
-          </a:p>
-          <a:p>
-            <a:pPr marL="0" indent="0">
-              <a:buFont typeface="Wingdings 3" charset="2"/>
-              <a:buNone/>
-            </a:pPr>
-            <a:r>
-              <a:rPr lang="en-US" sz="1400" dirty="0">
-                <a:latin typeface="Courier New" panose="02070309020205020404" pitchFamily="49" charset="0"/>
-                <a:cs typeface="Courier New" panose="02070309020205020404" pitchFamily="49" charset="0"/>
-              </a:rPr>
-              <a:t>}</a:t>
-            </a:r>
-          </a:p>
-        </p:txBody>
-      </p:sp>
-    </p:spTree>
-    <p:extLst>
-      <p:ext uri="{BB962C8B-B14F-4D97-AF65-F5344CB8AC3E}">
-        <p14:creationId xmlns:p14="http://schemas.microsoft.com/office/powerpoint/2010/main" val="3544614412"/>
-      </p:ext>
-    </p:extLst>
-  </p:cSld>
-  <p:clrMapOvr>
-    <a:masterClrMapping/>
-  </p:clrMapOvr>
-</p:sld>
-</file>
-
-<file path=ppt/slides/slide24.xml><?xml version="1.0" encoding="utf-8"?>
-<p:sld xmlns:a="http://schemas.openxmlformats.org/drawingml/2006/main" xmlns:r="http://schemas.openxmlformats.org/officeDocument/2006/relationships" xmlns:p="http://schemas.openxmlformats.org/presentationml/2006/main">
-  <p:cSld>
-    <p:spTree>
-      <p:nvGrpSpPr>
-        <p:cNvPr id="1" name=""/>
-        <p:cNvGrpSpPr/>
-        <p:nvPr/>
-      </p:nvGrpSpPr>
-      <p:grpSpPr>
-        <a:xfrm>
-          <a:off x="0" y="0"/>
-          <a:ext cx="0" cy="0"/>
-          <a:chOff x="0" y="0"/>
-          <a:chExt cx="0" cy="0"/>
-        </a:xfrm>
-      </p:grpSpPr>
-      <p:sp>
-        <p:nvSpPr>
-          <p:cNvPr id="2" name="Title 1">
-            <a:extLst>
-              <a:ext uri="{FF2B5EF4-FFF2-40B4-BE49-F238E27FC236}">
                 <a16:creationId xmlns:a16="http://schemas.microsoft.com/office/drawing/2014/main" id="{8BEC5D86-27D5-ED1C-12E7-730389A6F2F8}"/>
               </a:ext>
             </a:extLst>
@@ -16689,7 +9423,7 @@
 </p:sld>
 </file>
 
-<file path=ppt/slides/slide25.xml><?xml version="1.0" encoding="utf-8"?>
+<file path=ppt/slides/slide15.xml><?xml version="1.0" encoding="utf-8"?>
 <p:sld xmlns:a="http://schemas.openxmlformats.org/drawingml/2006/main" xmlns:r="http://schemas.openxmlformats.org/officeDocument/2006/relationships" xmlns:p="http://schemas.openxmlformats.org/presentationml/2006/main">
   <p:cSld>
     <p:spTree>
@@ -17175,7 +9909,7 @@
 </p:sld>
 </file>
 
-<file path=ppt/slides/slide26.xml><?xml version="1.0" encoding="utf-8"?>
+<file path=ppt/slides/slide16.xml><?xml version="1.0" encoding="utf-8"?>
 <p:sld xmlns:a="http://schemas.openxmlformats.org/drawingml/2006/main" xmlns:r="http://schemas.openxmlformats.org/officeDocument/2006/relationships" xmlns:p="http://schemas.openxmlformats.org/presentationml/2006/main">
   <p:cSld>
     <p:spTree>
@@ -17799,6 +10533,156 @@
       <p:bldP spid="3" grpId="0" build="p"/>
     </p:bldLst>
   </p:timing>
+</p:sld>
+</file>
+
+<file path=ppt/slides/slide2.xml><?xml version="1.0" encoding="utf-8"?>
+<p:sld xmlns:a="http://schemas.openxmlformats.org/drawingml/2006/main" xmlns:r="http://schemas.openxmlformats.org/officeDocument/2006/relationships" xmlns:p="http://schemas.openxmlformats.org/presentationml/2006/main">
+  <p:cSld>
+    <p:spTree>
+      <p:nvGrpSpPr>
+        <p:cNvPr id="1" name=""/>
+        <p:cNvGrpSpPr/>
+        <p:nvPr/>
+      </p:nvGrpSpPr>
+      <p:grpSpPr>
+        <a:xfrm>
+          <a:off x="0" y="0"/>
+          <a:ext cx="0" cy="0"/>
+          <a:chOff x="0" y="0"/>
+          <a:chExt cx="0" cy="0"/>
+        </a:xfrm>
+      </p:grpSpPr>
+      <p:sp>
+        <p:nvSpPr>
+          <p:cNvPr id="2" name="Title 1">
+            <a:extLst>
+              <a:ext uri="{FF2B5EF4-FFF2-40B4-BE49-F238E27FC236}">
+                <a16:creationId xmlns:a16="http://schemas.microsoft.com/office/drawing/2014/main" id="{A006A6CC-471B-E467-E433-0F7F437BD70A}"/>
+              </a:ext>
+            </a:extLst>
+          </p:cNvPr>
+          <p:cNvSpPr>
+            <a:spLocks noGrp="1"/>
+          </p:cNvSpPr>
+          <p:nvPr>
+            <p:ph type="title"/>
+          </p:nvPr>
+        </p:nvSpPr>
+        <p:spPr>
+          <a:xfrm>
+            <a:off x="527961" y="412901"/>
+            <a:ext cx="8596668" cy="747562"/>
+          </a:xfrm>
+        </p:spPr>
+        <p:txBody>
+          <a:bodyPr/>
+          <a:lstStyle/>
+          <a:p>
+            <a:pPr algn="l" defTabSz="457200" rtl="0" eaLnBrk="1" latinLnBrk="0" hangingPunct="1">
+              <a:spcBef>
+                <a:spcPct val="0"/>
+              </a:spcBef>
+              <a:buNone/>
+            </a:pPr>
+            <a:r>
+              <a:rPr lang="en-IL"/>
+              <a:t>About Me</a:t>
+            </a:r>
+            <a:endParaRPr lang="en-IL" dirty="0"/>
+          </a:p>
+        </p:txBody>
+      </p:sp>
+      <p:sp>
+        <p:nvSpPr>
+          <p:cNvPr id="5" name="Content Placeholder 2">
+            <a:extLst>
+              <a:ext uri="{FF2B5EF4-FFF2-40B4-BE49-F238E27FC236}">
+                <a16:creationId xmlns:a16="http://schemas.microsoft.com/office/drawing/2014/main" id="{8F2346EB-9401-46E4-9E10-8279B07A9E0A}"/>
+              </a:ext>
+            </a:extLst>
+          </p:cNvPr>
+          <p:cNvSpPr>
+            <a:spLocks noGrp="1"/>
+          </p:cNvSpPr>
+          <p:nvPr>
+            <p:ph idx="1"/>
+          </p:nvPr>
+        </p:nvSpPr>
+        <p:spPr>
+          <a:xfrm>
+            <a:off x="515938" y="1304925"/>
+            <a:ext cx="8596668" cy="4533575"/>
+          </a:xfrm>
+        </p:spPr>
+        <p:txBody>
+          <a:bodyPr>
+            <a:normAutofit/>
+          </a:bodyPr>
+          <a:lstStyle/>
+          <a:p>
+            <a:r>
+              <a:rPr lang="en-US" sz="3200"/>
+              <a:t>Principal Software Engineer</a:t>
+            </a:r>
+            <a:endParaRPr lang="he-IL" sz="3200"/>
+          </a:p>
+          <a:p>
+            <a:r>
+              <a:rPr lang="en-US" sz="3200"/>
+              <a:t>7 years at AT&amp;T​</a:t>
+            </a:r>
+            <a:endParaRPr lang="he-IL" sz="3200"/>
+          </a:p>
+          <a:p>
+            <a:r>
+              <a:rPr lang="en-US" sz="3200"/>
+              <a:t>Experienced: C#, Java, Go, Python, JavaScript, Node.js</a:t>
+            </a:r>
+            <a:endParaRPr lang="en-US" sz="3200" dirty="0"/>
+          </a:p>
+        </p:txBody>
+      </p:sp>
+      <p:pic>
+        <p:nvPicPr>
+          <p:cNvPr id="4" name="Picture 3" descr="A person in a white shirt&#10;&#10;Description automatically generated">
+            <a:extLst>
+              <a:ext uri="{FF2B5EF4-FFF2-40B4-BE49-F238E27FC236}">
+                <a16:creationId xmlns:a16="http://schemas.microsoft.com/office/drawing/2014/main" id="{BB974D89-A6FA-757E-357B-3044EAF9EEA8}"/>
+              </a:ext>
+            </a:extLst>
+          </p:cNvPr>
+          <p:cNvPicPr>
+            <a:picLocks noChangeAspect="1"/>
+          </p:cNvPicPr>
+          <p:nvPr/>
+        </p:nvPicPr>
+        <p:blipFill>
+          <a:blip r:embed="rId3"/>
+          <a:stretch>
+            <a:fillRect/>
+          </a:stretch>
+        </p:blipFill>
+        <p:spPr>
+          <a:xfrm>
+            <a:off x="4374275" y="4154433"/>
+            <a:ext cx="2476500" cy="2374900"/>
+          </a:xfrm>
+          <a:prstGeom prst="rect">
+            <a:avLst/>
+          </a:prstGeom>
+        </p:spPr>
+      </p:pic>
+    </p:spTree>
+    <p:extLst>
+      <p:ext uri="{BB962C8B-B14F-4D97-AF65-F5344CB8AC3E}">
+        <p14:creationId xmlns:p14="http://schemas.microsoft.com/office/powerpoint/2010/main" val="1742278384"/>
+      </p:ext>
+    </p:extLst>
+  </p:cSld>
+  <p:clrMapOvr>
+    <a:masterClrMapping/>
+  </p:clrMapOvr>
 </p:sld>
 </file>
 
@@ -21696,15 +14580,6 @@
 </file>
 
 <file path=customXml/item1.xml><?xml version="1.0" encoding="utf-8"?>
-<?mso-contentType ?>
-<FormTemplates xmlns="http://schemas.microsoft.com/sharepoint/v3/contenttype/forms">
-  <Display>DocumentLibraryForm</Display>
-  <Edit>DocumentLibraryForm</Edit>
-  <New>DocumentLibraryForm</New>
-</FormTemplates>
-</file>
-
-<file path=customXml/item2.xml><?xml version="1.0" encoding="utf-8"?>
 <p:properties xmlns:p="http://schemas.microsoft.com/office/2006/metadata/properties" xmlns:xsi="http://www.w3.org/2001/XMLSchema-instance" xmlns:pc="http://schemas.microsoft.com/office/infopath/2007/PartnerControls">
   <documentManagement>
     <lcf76f155ced4ddcb4097134ff3c332f xmlns="858d5390-0f7b-4213-8bcd-0cd5cf778ba6">
@@ -21713,6 +14588,15 @@
     <TaxCatchAll xmlns="e5f39eeb-dc9c-40bf-a733-e74d7baf73b9" xsi:nil="true"/>
   </documentManagement>
 </p:properties>
+</file>
+
+<file path=customXml/item2.xml><?xml version="1.0" encoding="utf-8"?>
+<?mso-contentType ?>
+<FormTemplates xmlns="http://schemas.microsoft.com/sharepoint/v3/contenttype/forms">
+  <Display>DocumentLibraryForm</Display>
+  <Edit>DocumentLibraryForm</Edit>
+  <New>DocumentLibraryForm</New>
+</FormTemplates>
 </file>
 
 <file path=customXml/item3.xml><?xml version="1.0" encoding="utf-8"?>
@@ -21964,20 +14848,20 @@
 </file>
 
 <file path=customXml/itemProps1.xml><?xml version="1.0" encoding="utf-8"?>
-<ds:datastoreItem xmlns:ds="http://schemas.openxmlformats.org/officeDocument/2006/customXml" ds:itemID="{CAAF7FB3-E9ED-4EED-B8B3-D582CBAD96FA}">
-  <ds:schemaRefs>
-    <ds:schemaRef ds:uri="http://schemas.microsoft.com/sharepoint/v3/contenttype/forms"/>
-  </ds:schemaRefs>
-</ds:datastoreItem>
-</file>
-
-<file path=customXml/itemProps2.xml><?xml version="1.0" encoding="utf-8"?>
 <ds:datastoreItem xmlns:ds="http://schemas.openxmlformats.org/officeDocument/2006/customXml" ds:itemID="{2B532926-D782-41F9-BAB4-3CFD211C0FE2}">
   <ds:schemaRefs>
     <ds:schemaRef ds:uri="http://schemas.microsoft.com/office/2006/metadata/properties"/>
     <ds:schemaRef ds:uri="http://schemas.microsoft.com/office/infopath/2007/PartnerControls"/>
     <ds:schemaRef ds:uri="858d5390-0f7b-4213-8bcd-0cd5cf778ba6"/>
     <ds:schemaRef ds:uri="e5f39eeb-dc9c-40bf-a733-e74d7baf73b9"/>
+  </ds:schemaRefs>
+</ds:datastoreItem>
+</file>
+
+<file path=customXml/itemProps2.xml><?xml version="1.0" encoding="utf-8"?>
+<ds:datastoreItem xmlns:ds="http://schemas.openxmlformats.org/officeDocument/2006/customXml" ds:itemID="{CAAF7FB3-E9ED-4EED-B8B3-D582CBAD96FA}">
+  <ds:schemaRefs>
+    <ds:schemaRef ds:uri="http://schemas.microsoft.com/sharepoint/v3/contenttype/forms"/>
   </ds:schemaRefs>
 </ds:datastoreItem>
 </file>

--- a/course_data/presentations/practical_spring_boot_for_tdp.pptx
+++ b/course_data/presentations/practical_spring_boot_for_tdp.pptx
@@ -5,12 +5,12 @@
     <p:sldMasterId id="2147483648" r:id="rId4"/>
   </p:sldMasterIdLst>
   <p:notesMasterIdLst>
-    <p:notesMasterId r:id="rId21"/>
+    <p:notesMasterId r:id="rId18"/>
   </p:notesMasterIdLst>
   <p:sldIdLst>
     <p:sldId id="256" r:id="rId5"/>
     <p:sldId id="330" r:id="rId6"/>
-    <p:sldId id="328" r:id="rId7"/>
+    <p:sldId id="336" r:id="rId7"/>
     <p:sldId id="261" r:id="rId8"/>
     <p:sldId id="335" r:id="rId9"/>
     <p:sldId id="304" r:id="rId10"/>
@@ -21,9 +21,6 @@
     <p:sldId id="318" r:id="rId15"/>
     <p:sldId id="319" r:id="rId16"/>
     <p:sldId id="265" r:id="rId17"/>
-    <p:sldId id="298" r:id="rId18"/>
-    <p:sldId id="299" r:id="rId19"/>
-    <p:sldId id="307" r:id="rId20"/>
   </p:sldIdLst>
   <p:sldSz cx="12192000" cy="6858000"/>
   <p:notesSz cx="6858000" cy="9144000"/>
@@ -228,7 +225,7 @@
           <a:p>
             <a:fld id="{AD4DB1D7-A2E6-5540-AAB6-9A95390687AC}" type="datetimeFigureOut">
               <a:rPr lang="en-IL" smtClean="0"/>
-              <a:t>29/07/2024</a:t>
+              <a:t>07/08/2024</a:t>
             </a:fld>
             <a:endParaRPr lang="en-IL"/>
           </a:p>
@@ -1767,7 +1764,7 @@
             <a:fld id="{B61BEF0D-F0BB-DE4B-95CE-6DB70DBA9567}" type="datetimeFigureOut">
               <a:rPr lang="en-US" dirty="0"/>
               <a:pPr/>
-              <a:t>7/29/24</a:t>
+              <a:t>8/7/24</a:t>
             </a:fld>
             <a:endParaRPr lang="en-US" dirty="0"/>
           </a:p>
@@ -2015,7 +2012,7 @@
             <a:fld id="{B61BEF0D-F0BB-DE4B-95CE-6DB70DBA9567}" type="datetimeFigureOut">
               <a:rPr lang="en-US" dirty="0"/>
               <a:pPr/>
-              <a:t>7/29/24</a:t>
+              <a:t>8/7/24</a:t>
             </a:fld>
             <a:endParaRPr lang="en-US" dirty="0"/>
           </a:p>
@@ -2326,7 +2323,7 @@
             <a:fld id="{B61BEF0D-F0BB-DE4B-95CE-6DB70DBA9567}" type="datetimeFigureOut">
               <a:rPr lang="en-US" dirty="0"/>
               <a:pPr/>
-              <a:t>7/29/24</a:t>
+              <a:t>8/7/24</a:t>
             </a:fld>
             <a:endParaRPr lang="en-US" dirty="0"/>
           </a:p>
@@ -2664,7 +2661,7 @@
             <a:fld id="{B61BEF0D-F0BB-DE4B-95CE-6DB70DBA9567}" type="datetimeFigureOut">
               <a:rPr lang="en-US" dirty="0"/>
               <a:pPr/>
-              <a:t>7/29/24</a:t>
+              <a:t>8/7/24</a:t>
             </a:fld>
             <a:endParaRPr lang="en-US" dirty="0"/>
           </a:p>
@@ -2975,7 +2972,7 @@
             <a:fld id="{B61BEF0D-F0BB-DE4B-95CE-6DB70DBA9567}" type="datetimeFigureOut">
               <a:rPr lang="en-US" dirty="0"/>
               <a:pPr/>
-              <a:t>7/29/24</a:t>
+              <a:t>8/7/24</a:t>
             </a:fld>
             <a:endParaRPr lang="en-US" dirty="0"/>
           </a:p>
@@ -3365,7 +3362,7 @@
             <a:fld id="{B61BEF0D-F0BB-DE4B-95CE-6DB70DBA9567}" type="datetimeFigureOut">
               <a:rPr lang="en-US" dirty="0"/>
               <a:pPr/>
-              <a:t>7/29/24</a:t>
+              <a:t>8/7/24</a:t>
             </a:fld>
             <a:endParaRPr lang="en-US" dirty="0"/>
           </a:p>
@@ -3531,7 +3528,7 @@
           <a:p>
             <a:fld id="{55C6B4A9-1611-4792-9094-5F34BCA07E0B}" type="datetimeFigureOut">
               <a:rPr lang="en-US" dirty="0"/>
-              <a:t>7/29/24</a:t>
+              <a:t>8/7/24</a:t>
             </a:fld>
             <a:endParaRPr lang="en-US" dirty="0"/>
           </a:p>
@@ -3707,7 +3704,7 @@
             <a:fld id="{B61BEF0D-F0BB-DE4B-95CE-6DB70DBA9567}" type="datetimeFigureOut">
               <a:rPr lang="en-US" dirty="0"/>
               <a:pPr/>
-              <a:t>7/29/24</a:t>
+              <a:t>8/7/24</a:t>
             </a:fld>
             <a:endParaRPr lang="en-US" dirty="0"/>
           </a:p>
@@ -3889,7 +3886,7 @@
             <a:fld id="{B61BEF0D-F0BB-DE4B-95CE-6DB70DBA9567}" type="datetimeFigureOut">
               <a:rPr lang="en-US" dirty="0"/>
               <a:pPr/>
-              <a:t>7/29/24</a:t>
+              <a:t>8/7/24</a:t>
             </a:fld>
             <a:endParaRPr lang="en-US" dirty="0"/>
           </a:p>
@@ -4149,7 +4146,7 @@
             <a:fld id="{B61BEF0D-F0BB-DE4B-95CE-6DB70DBA9567}" type="datetimeFigureOut">
               <a:rPr lang="en-US" dirty="0"/>
               <a:pPr/>
-              <a:t>7/29/24</a:t>
+              <a:t>8/7/24</a:t>
             </a:fld>
             <a:endParaRPr lang="en-US" dirty="0"/>
           </a:p>
@@ -4377,7 +4374,7 @@
           <a:p>
             <a:fld id="{EB712588-04B1-427B-82EE-E8DB90309F08}" type="datetimeFigureOut">
               <a:rPr lang="en-US" dirty="0"/>
-              <a:t>7/29/24</a:t>
+              <a:t>8/7/24</a:t>
             </a:fld>
             <a:endParaRPr lang="en-US" dirty="0"/>
           </a:p>
@@ -4747,7 +4744,7 @@
             <a:fld id="{B61BEF0D-F0BB-DE4B-95CE-6DB70DBA9567}" type="datetimeFigureOut">
               <a:rPr lang="en-US" dirty="0"/>
               <a:pPr/>
-              <a:t>7/29/24</a:t>
+              <a:t>8/7/24</a:t>
             </a:fld>
             <a:endParaRPr lang="en-US" dirty="0"/>
           </a:p>
@@ -4867,7 +4864,7 @@
             <a:fld id="{B61BEF0D-F0BB-DE4B-95CE-6DB70DBA9567}" type="datetimeFigureOut">
               <a:rPr lang="en-US" dirty="0"/>
               <a:pPr/>
-              <a:t>7/29/24</a:t>
+              <a:t>8/7/24</a:t>
             </a:fld>
             <a:endParaRPr lang="en-US" dirty="0"/>
           </a:p>
@@ -4959,7 +4956,7 @@
             <a:fld id="{B61BEF0D-F0BB-DE4B-95CE-6DB70DBA9567}" type="datetimeFigureOut">
               <a:rPr lang="en-US" dirty="0"/>
               <a:pPr/>
-              <a:t>7/29/24</a:t>
+              <a:t>8/7/24</a:t>
             </a:fld>
             <a:endParaRPr lang="en-US" dirty="0"/>
           </a:p>
@@ -5210,7 +5207,7 @@
           <a:p>
             <a:fld id="{42A54C80-263E-416B-A8E0-580EDEADCBDC}" type="datetimeFigureOut">
               <a:rPr lang="en-US" dirty="0"/>
-              <a:t>7/29/24</a:t>
+              <a:t>8/7/24</a:t>
             </a:fld>
             <a:endParaRPr lang="en-US" dirty="0"/>
           </a:p>
@@ -5469,7 +5466,7 @@
             <a:fld id="{B61BEF0D-F0BB-DE4B-95CE-6DB70DBA9567}" type="datetimeFigureOut">
               <a:rPr lang="en-US" dirty="0"/>
               <a:pPr/>
-              <a:t>7/29/24</a:t>
+              <a:t>8/7/24</a:t>
             </a:fld>
             <a:endParaRPr lang="en-US" dirty="0"/>
           </a:p>
@@ -6209,7 +6206,7 @@
             <a:fld id="{B61BEF0D-F0BB-DE4B-95CE-6DB70DBA9567}" type="datetimeFigureOut">
               <a:rPr lang="en-US" dirty="0"/>
               <a:pPr/>
-              <a:t>7/29/24</a:t>
+              <a:t>8/7/24</a:t>
             </a:fld>
             <a:endParaRPr lang="en-US" dirty="0"/>
           </a:p>
@@ -8673,7 +8670,7 @@
           <a:p>
             <a:r>
               <a:rPr lang="en-IL" dirty="0"/>
-              <a:t>Dependency Injection illustrated</a:t>
+              <a:t>Dependency Injection</a:t>
             </a:r>
           </a:p>
         </p:txBody>
@@ -9179,1363 +9176,6 @@
 </p:sld>
 </file>
 
-<file path=ppt/slides/slide14.xml><?xml version="1.0" encoding="utf-8"?>
-<p:sld xmlns:a="http://schemas.openxmlformats.org/drawingml/2006/main" xmlns:r="http://schemas.openxmlformats.org/officeDocument/2006/relationships" xmlns:p="http://schemas.openxmlformats.org/presentationml/2006/main">
-  <p:cSld>
-    <p:spTree>
-      <p:nvGrpSpPr>
-        <p:cNvPr id="1" name=""/>
-        <p:cNvGrpSpPr/>
-        <p:nvPr/>
-      </p:nvGrpSpPr>
-      <p:grpSpPr>
-        <a:xfrm>
-          <a:off x="0" y="0"/>
-          <a:ext cx="0" cy="0"/>
-          <a:chOff x="0" y="0"/>
-          <a:chExt cx="0" cy="0"/>
-        </a:xfrm>
-      </p:grpSpPr>
-      <p:sp>
-        <p:nvSpPr>
-          <p:cNvPr id="2" name="Title 1">
-            <a:extLst>
-              <a:ext uri="{FF2B5EF4-FFF2-40B4-BE49-F238E27FC236}">
-                <a16:creationId xmlns:a16="http://schemas.microsoft.com/office/drawing/2014/main" id="{8BEC5D86-27D5-ED1C-12E7-730389A6F2F8}"/>
-              </a:ext>
-            </a:extLst>
-          </p:cNvPr>
-          <p:cNvSpPr>
-            <a:spLocks noGrp="1"/>
-          </p:cNvSpPr>
-          <p:nvPr>
-            <p:ph type="title"/>
-          </p:nvPr>
-        </p:nvSpPr>
-        <p:spPr/>
-        <p:txBody>
-          <a:bodyPr>
-            <a:normAutofit fontScale="90000"/>
-          </a:bodyPr>
-          <a:lstStyle/>
-          <a:p>
-            <a:r>
-              <a:rPr lang="en-US" dirty="0"/>
-              <a:t>Bean Scanning and Registration</a:t>
-            </a:r>
-            <a:endParaRPr lang="en-IL" dirty="0"/>
-          </a:p>
-        </p:txBody>
-      </p:sp>
-      <p:sp>
-        <p:nvSpPr>
-          <p:cNvPr id="3" name="Content Placeholder 2">
-            <a:extLst>
-              <a:ext uri="{FF2B5EF4-FFF2-40B4-BE49-F238E27FC236}">
-                <a16:creationId xmlns:a16="http://schemas.microsoft.com/office/drawing/2014/main" id="{A40742AE-7726-8C8A-387B-C2A7992D254C}"/>
-              </a:ext>
-            </a:extLst>
-          </p:cNvPr>
-          <p:cNvSpPr>
-            <a:spLocks noGrp="1"/>
-          </p:cNvSpPr>
-          <p:nvPr>
-            <p:ph idx="1"/>
-          </p:nvPr>
-        </p:nvSpPr>
-        <p:spPr>
-          <a:xfrm>
-            <a:off x="656313" y="1120752"/>
-            <a:ext cx="8596668" cy="2578890"/>
-          </a:xfrm>
-        </p:spPr>
-        <p:txBody>
-          <a:bodyPr>
-            <a:normAutofit/>
-          </a:bodyPr>
-          <a:lstStyle/>
-          <a:p>
-            <a:r>
-              <a:rPr lang="en-IL" sz="2400" dirty="0"/>
-              <a:t>Spring </a:t>
-            </a:r>
-            <a:r>
-              <a:rPr lang="en-US" sz="2400" dirty="0"/>
-              <a:t>can automatically scan and register in the application context all your beans, such as configurations, controllers, services, and other components you define.</a:t>
-            </a:r>
-            <a:br>
-              <a:rPr lang="en-US" sz="2400" dirty="0"/>
-            </a:br>
-            <a:endParaRPr lang="en-US" sz="2400" dirty="0"/>
-          </a:p>
-          <a:p>
-            <a:r>
-              <a:rPr lang="en-US" sz="2400" dirty="0"/>
-              <a:t>Spring can also automatically create and register beans from the jars that are added to your application. </a:t>
-            </a:r>
-          </a:p>
-          <a:p>
-            <a:endParaRPr lang="en-US" dirty="0"/>
-          </a:p>
-        </p:txBody>
-      </p:sp>
-    </p:spTree>
-    <p:extLst>
-      <p:ext uri="{BB962C8B-B14F-4D97-AF65-F5344CB8AC3E}">
-        <p14:creationId xmlns:p14="http://schemas.microsoft.com/office/powerpoint/2010/main" val="2089263936"/>
-      </p:ext>
-    </p:extLst>
-  </p:cSld>
-  <p:clrMapOvr>
-    <a:masterClrMapping/>
-  </p:clrMapOvr>
-  <p:timing>
-    <p:tnLst>
-      <p:par>
-        <p:cTn id="1" dur="indefinite" restart="never" nodeType="tmRoot">
-          <p:childTnLst>
-            <p:seq concurrent="1" nextAc="seek">
-              <p:cTn id="2" dur="indefinite" nodeType="mainSeq">
-                <p:childTnLst>
-                  <p:par>
-                    <p:cTn id="3" fill="hold">
-                      <p:stCondLst>
-                        <p:cond delay="indefinite"/>
-                      </p:stCondLst>
-                      <p:childTnLst>
-                        <p:par>
-                          <p:cTn id="4" fill="hold">
-                            <p:stCondLst>
-                              <p:cond delay="0"/>
-                            </p:stCondLst>
-                            <p:childTnLst>
-                              <p:par>
-                                <p:cTn id="5" presetID="1" presetClass="entr" presetSubtype="0" fill="hold" grpId="0" nodeType="clickEffect">
-                                  <p:stCondLst>
-                                    <p:cond delay="0"/>
-                                  </p:stCondLst>
-                                  <p:childTnLst>
-                                    <p:set>
-                                      <p:cBhvr>
-                                        <p:cTn id="6" dur="1" fill="hold">
-                                          <p:stCondLst>
-                                            <p:cond delay="0"/>
-                                          </p:stCondLst>
-                                        </p:cTn>
-                                        <p:tgtEl>
-                                          <p:spTgt spid="3">
-                                            <p:txEl>
-                                              <p:pRg st="0" end="0"/>
-                                            </p:txEl>
-                                          </p:spTgt>
-                                        </p:tgtEl>
-                                        <p:attrNameLst>
-                                          <p:attrName>style.visibility</p:attrName>
-                                        </p:attrNameLst>
-                                      </p:cBhvr>
-                                      <p:to>
-                                        <p:strVal val="visible"/>
-                                      </p:to>
-                                    </p:set>
-                                  </p:childTnLst>
-                                </p:cTn>
-                              </p:par>
-                            </p:childTnLst>
-                          </p:cTn>
-                        </p:par>
-                      </p:childTnLst>
-                    </p:cTn>
-                  </p:par>
-                  <p:par>
-                    <p:cTn id="7" fill="hold">
-                      <p:stCondLst>
-                        <p:cond delay="indefinite"/>
-                      </p:stCondLst>
-                      <p:childTnLst>
-                        <p:par>
-                          <p:cTn id="8" fill="hold">
-                            <p:stCondLst>
-                              <p:cond delay="0"/>
-                            </p:stCondLst>
-                            <p:childTnLst>
-                              <p:par>
-                                <p:cTn id="9" presetID="1" presetClass="entr" presetSubtype="0" fill="hold" grpId="0" nodeType="clickEffect">
-                                  <p:stCondLst>
-                                    <p:cond delay="0"/>
-                                  </p:stCondLst>
-                                  <p:childTnLst>
-                                    <p:set>
-                                      <p:cBhvr>
-                                        <p:cTn id="10" dur="1" fill="hold">
-                                          <p:stCondLst>
-                                            <p:cond delay="0"/>
-                                          </p:stCondLst>
-                                        </p:cTn>
-                                        <p:tgtEl>
-                                          <p:spTgt spid="3">
-                                            <p:txEl>
-                                              <p:pRg st="1" end="1"/>
-                                            </p:txEl>
-                                          </p:spTgt>
-                                        </p:tgtEl>
-                                        <p:attrNameLst>
-                                          <p:attrName>style.visibility</p:attrName>
-                                        </p:attrNameLst>
-                                      </p:cBhvr>
-                                      <p:to>
-                                        <p:strVal val="visible"/>
-                                      </p:to>
-                                    </p:set>
-                                  </p:childTnLst>
-                                </p:cTn>
-                              </p:par>
-                            </p:childTnLst>
-                          </p:cTn>
-                        </p:par>
-                      </p:childTnLst>
-                    </p:cTn>
-                  </p:par>
-                </p:childTnLst>
-              </p:cTn>
-              <p:prevCondLst>
-                <p:cond evt="onPrev" delay="0">
-                  <p:tgtEl>
-                    <p:sldTgt/>
-                  </p:tgtEl>
-                </p:cond>
-              </p:prevCondLst>
-              <p:nextCondLst>
-                <p:cond evt="onNext" delay="0">
-                  <p:tgtEl>
-                    <p:sldTgt/>
-                  </p:tgtEl>
-                </p:cond>
-              </p:nextCondLst>
-            </p:seq>
-          </p:childTnLst>
-        </p:cTn>
-      </p:par>
-    </p:tnLst>
-    <p:bldLst>
-      <p:bldP spid="3" grpId="0" build="p"/>
-    </p:bldLst>
-  </p:timing>
-</p:sld>
-</file>
-
-<file path=ppt/slides/slide15.xml><?xml version="1.0" encoding="utf-8"?>
-<p:sld xmlns:a="http://schemas.openxmlformats.org/drawingml/2006/main" xmlns:r="http://schemas.openxmlformats.org/officeDocument/2006/relationships" xmlns:p="http://schemas.openxmlformats.org/presentationml/2006/main">
-  <p:cSld>
-    <p:spTree>
-      <p:nvGrpSpPr>
-        <p:cNvPr id="1" name=""/>
-        <p:cNvGrpSpPr/>
-        <p:nvPr/>
-      </p:nvGrpSpPr>
-      <p:grpSpPr>
-        <a:xfrm>
-          <a:off x="0" y="0"/>
-          <a:ext cx="0" cy="0"/>
-          <a:chOff x="0" y="0"/>
-          <a:chExt cx="0" cy="0"/>
-        </a:xfrm>
-      </p:grpSpPr>
-      <p:sp>
-        <p:nvSpPr>
-          <p:cNvPr id="2" name="Title 1">
-            <a:extLst>
-              <a:ext uri="{FF2B5EF4-FFF2-40B4-BE49-F238E27FC236}">
-                <a16:creationId xmlns:a16="http://schemas.microsoft.com/office/drawing/2014/main" id="{8BEC5D86-27D5-ED1C-12E7-730389A6F2F8}"/>
-              </a:ext>
-            </a:extLst>
-          </p:cNvPr>
-          <p:cNvSpPr>
-            <a:spLocks noGrp="1"/>
-          </p:cNvSpPr>
-          <p:nvPr>
-            <p:ph type="title"/>
-          </p:nvPr>
-        </p:nvSpPr>
-        <p:spPr/>
-        <p:txBody>
-          <a:bodyPr>
-            <a:normAutofit fontScale="90000"/>
-          </a:bodyPr>
-          <a:lstStyle/>
-          <a:p>
-            <a:r>
-              <a:rPr lang="en-US" dirty="0"/>
-              <a:t>Bean Scanning and Registration – HOW ?</a:t>
-            </a:r>
-            <a:endParaRPr lang="en-IL" sz="2400" dirty="0"/>
-          </a:p>
-        </p:txBody>
-      </p:sp>
-      <p:sp>
-        <p:nvSpPr>
-          <p:cNvPr id="3" name="Content Placeholder 2">
-            <a:extLst>
-              <a:ext uri="{FF2B5EF4-FFF2-40B4-BE49-F238E27FC236}">
-                <a16:creationId xmlns:a16="http://schemas.microsoft.com/office/drawing/2014/main" id="{A40742AE-7726-8C8A-387B-C2A7992D254C}"/>
-              </a:ext>
-            </a:extLst>
-          </p:cNvPr>
-          <p:cNvSpPr>
-            <a:spLocks noGrp="1"/>
-          </p:cNvSpPr>
-          <p:nvPr>
-            <p:ph idx="1"/>
-          </p:nvPr>
-        </p:nvSpPr>
-        <p:spPr/>
-        <p:txBody>
-          <a:bodyPr>
-            <a:normAutofit lnSpcReduction="10000"/>
-          </a:bodyPr>
-          <a:lstStyle/>
-          <a:p>
-            <a:r>
-              <a:rPr lang="en-IL" sz="2000" dirty="0"/>
-              <a:t>Use the annotation </a:t>
-            </a:r>
-            <a:r>
-              <a:rPr lang="en-US" sz="2000" b="1" i="0" u="none" strike="noStrike" dirty="0">
-                <a:solidFill>
-                  <a:srgbClr val="92D050"/>
-                </a:solidFill>
-                <a:effectLst/>
-                <a:latin typeface="-apple-system"/>
-              </a:rPr>
-              <a:t>@</a:t>
-            </a:r>
-            <a:r>
-              <a:rPr lang="en-US" sz="2000" b="1" i="0" u="none" strike="noStrike" dirty="0" err="1">
-                <a:solidFill>
-                  <a:srgbClr val="92D050"/>
-                </a:solidFill>
-                <a:effectLst/>
-                <a:latin typeface="-apple-system"/>
-              </a:rPr>
-              <a:t>ComponentScan</a:t>
-            </a:r>
-            <a:r>
-              <a:rPr lang="en-US" sz="2000" b="1" i="0" u="none" strike="noStrike" dirty="0">
-                <a:solidFill>
-                  <a:srgbClr val="92D050"/>
-                </a:solidFill>
-                <a:effectLst/>
-                <a:latin typeface="-apple-system"/>
-              </a:rPr>
-              <a:t> </a:t>
-            </a:r>
-            <a:r>
-              <a:rPr lang="en-US" sz="2000" dirty="0"/>
-              <a:t>to automatically scan and register for all beans, defined under the current package and all sub-packages.</a:t>
-            </a:r>
-          </a:p>
-          <a:p>
-            <a:r>
-              <a:rPr lang="en-US" sz="2000" dirty="0"/>
-              <a:t>Use the annotation </a:t>
-            </a:r>
-            <a:r>
-              <a:rPr lang="en-US" sz="2000" b="1" i="0" u="none" strike="noStrike" dirty="0">
-                <a:solidFill>
-                  <a:srgbClr val="92D050"/>
-                </a:solidFill>
-                <a:effectLst/>
-                <a:latin typeface="-apple-system"/>
-              </a:rPr>
-              <a:t>@</a:t>
-            </a:r>
-            <a:r>
-              <a:rPr lang="en-US" sz="2000" b="1" i="0" u="none" strike="noStrike" dirty="0" err="1">
-                <a:solidFill>
-                  <a:srgbClr val="92D050"/>
-                </a:solidFill>
-                <a:effectLst/>
-                <a:latin typeface="-apple-system"/>
-              </a:rPr>
-              <a:t>EnableAutoConfiguration</a:t>
-            </a:r>
-            <a:r>
-              <a:rPr lang="en-US" sz="2000" b="1" i="0" u="none" strike="noStrike" dirty="0">
-                <a:solidFill>
-                  <a:srgbClr val="92D050"/>
-                </a:solidFill>
-                <a:effectLst/>
-                <a:latin typeface="-apple-system"/>
-              </a:rPr>
-              <a:t> </a:t>
-            </a:r>
-            <a:r>
-              <a:rPr lang="en-US" sz="2000" dirty="0"/>
-              <a:t>to automatically create and register beans also from the jars that are added to your application. </a:t>
-            </a:r>
-          </a:p>
-          <a:p>
-            <a:r>
-              <a:rPr lang="en-US" dirty="0"/>
-              <a:t>But even better – use the annotation </a:t>
-            </a:r>
-            <a:r>
-              <a:rPr lang="en-US" b="1" dirty="0">
-                <a:solidFill>
-                  <a:srgbClr val="92D050"/>
-                </a:solidFill>
-              </a:rPr>
-              <a:t>@</a:t>
-            </a:r>
-            <a:r>
-              <a:rPr lang="en-US" b="1" dirty="0" err="1">
-                <a:solidFill>
-                  <a:srgbClr val="92D050"/>
-                </a:solidFill>
-              </a:rPr>
-              <a:t>SpringBootApplication</a:t>
-            </a:r>
-            <a:r>
-              <a:rPr lang="en-US" dirty="0"/>
-              <a:t>, which enables </a:t>
-            </a:r>
-            <a:r>
-              <a:rPr lang="en-US" dirty="0">
-                <a:solidFill>
-                  <a:srgbClr val="92D050"/>
-                </a:solidFill>
-              </a:rPr>
-              <a:t>@</a:t>
-            </a:r>
-            <a:r>
-              <a:rPr lang="en-US" dirty="0" err="1">
-                <a:solidFill>
-                  <a:srgbClr val="92D050"/>
-                </a:solidFill>
-              </a:rPr>
-              <a:t>ComponentScan</a:t>
-            </a:r>
-            <a:r>
-              <a:rPr lang="en-US" dirty="0"/>
-              <a:t>, </a:t>
-            </a:r>
-            <a:r>
-              <a:rPr lang="en-US" dirty="0">
-                <a:solidFill>
-                  <a:srgbClr val="92D050"/>
-                </a:solidFill>
-              </a:rPr>
-              <a:t>@</a:t>
-            </a:r>
-            <a:r>
-              <a:rPr lang="en-US" dirty="0" err="1">
-                <a:solidFill>
-                  <a:srgbClr val="92D050"/>
-                </a:solidFill>
-              </a:rPr>
-              <a:t>EnableAutoConfiguration</a:t>
-            </a:r>
-            <a:r>
-              <a:rPr lang="en-US" dirty="0">
-                <a:solidFill>
-                  <a:srgbClr val="92D050"/>
-                </a:solidFill>
-              </a:rPr>
-              <a:t>, </a:t>
-            </a:r>
-            <a:r>
-              <a:rPr lang="en-US" dirty="0"/>
-              <a:t>and </a:t>
-            </a:r>
-            <a:r>
-              <a:rPr lang="en-US" dirty="0">
-                <a:solidFill>
-                  <a:srgbClr val="92D050"/>
-                </a:solidFill>
-              </a:rPr>
-              <a:t>@Configuration </a:t>
-            </a:r>
-            <a:r>
-              <a:rPr lang="en-US" dirty="0"/>
-              <a:t>annotations.</a:t>
-            </a:r>
-          </a:p>
-          <a:p>
-            <a:r>
-              <a:rPr lang="en-US" dirty="0"/>
-              <a:t>Usually, these annotations are placed with the main application class (that’s why it is generally recommended to locate it in a root package above other classes).</a:t>
-            </a:r>
-          </a:p>
-        </p:txBody>
-      </p:sp>
-    </p:spTree>
-    <p:extLst>
-      <p:ext uri="{BB962C8B-B14F-4D97-AF65-F5344CB8AC3E}">
-        <p14:creationId xmlns:p14="http://schemas.microsoft.com/office/powerpoint/2010/main" val="3693873767"/>
-      </p:ext>
-    </p:extLst>
-  </p:cSld>
-  <p:clrMapOvr>
-    <a:masterClrMapping/>
-  </p:clrMapOvr>
-  <p:timing>
-    <p:tnLst>
-      <p:par>
-        <p:cTn id="1" dur="indefinite" restart="never" nodeType="tmRoot">
-          <p:childTnLst>
-            <p:seq concurrent="1" nextAc="seek">
-              <p:cTn id="2" dur="indefinite" nodeType="mainSeq">
-                <p:childTnLst>
-                  <p:par>
-                    <p:cTn id="3" fill="hold">
-                      <p:stCondLst>
-                        <p:cond delay="indefinite"/>
-                      </p:stCondLst>
-                      <p:childTnLst>
-                        <p:par>
-                          <p:cTn id="4" fill="hold">
-                            <p:stCondLst>
-                              <p:cond delay="0"/>
-                            </p:stCondLst>
-                            <p:childTnLst>
-                              <p:par>
-                                <p:cTn id="5" presetID="1" presetClass="entr" presetSubtype="0" fill="hold" grpId="0" nodeType="clickEffect">
-                                  <p:stCondLst>
-                                    <p:cond delay="0"/>
-                                  </p:stCondLst>
-                                  <p:childTnLst>
-                                    <p:set>
-                                      <p:cBhvr>
-                                        <p:cTn id="6" dur="1" fill="hold">
-                                          <p:stCondLst>
-                                            <p:cond delay="0"/>
-                                          </p:stCondLst>
-                                        </p:cTn>
-                                        <p:tgtEl>
-                                          <p:spTgt spid="3">
-                                            <p:txEl>
-                                              <p:pRg st="0" end="0"/>
-                                            </p:txEl>
-                                          </p:spTgt>
-                                        </p:tgtEl>
-                                        <p:attrNameLst>
-                                          <p:attrName>style.visibility</p:attrName>
-                                        </p:attrNameLst>
-                                      </p:cBhvr>
-                                      <p:to>
-                                        <p:strVal val="visible"/>
-                                      </p:to>
-                                    </p:set>
-                                  </p:childTnLst>
-                                </p:cTn>
-                              </p:par>
-                            </p:childTnLst>
-                          </p:cTn>
-                        </p:par>
-                      </p:childTnLst>
-                    </p:cTn>
-                  </p:par>
-                  <p:par>
-                    <p:cTn id="7" fill="hold">
-                      <p:stCondLst>
-                        <p:cond delay="indefinite"/>
-                      </p:stCondLst>
-                      <p:childTnLst>
-                        <p:par>
-                          <p:cTn id="8" fill="hold">
-                            <p:stCondLst>
-                              <p:cond delay="0"/>
-                            </p:stCondLst>
-                            <p:childTnLst>
-                              <p:par>
-                                <p:cTn id="9" presetID="1" presetClass="entr" presetSubtype="0" fill="hold" grpId="0" nodeType="clickEffect">
-                                  <p:stCondLst>
-                                    <p:cond delay="0"/>
-                                  </p:stCondLst>
-                                  <p:childTnLst>
-                                    <p:set>
-                                      <p:cBhvr>
-                                        <p:cTn id="10" dur="1" fill="hold">
-                                          <p:stCondLst>
-                                            <p:cond delay="0"/>
-                                          </p:stCondLst>
-                                        </p:cTn>
-                                        <p:tgtEl>
-                                          <p:spTgt spid="3">
-                                            <p:txEl>
-                                              <p:pRg st="1" end="1"/>
-                                            </p:txEl>
-                                          </p:spTgt>
-                                        </p:tgtEl>
-                                        <p:attrNameLst>
-                                          <p:attrName>style.visibility</p:attrName>
-                                        </p:attrNameLst>
-                                      </p:cBhvr>
-                                      <p:to>
-                                        <p:strVal val="visible"/>
-                                      </p:to>
-                                    </p:set>
-                                  </p:childTnLst>
-                                </p:cTn>
-                              </p:par>
-                            </p:childTnLst>
-                          </p:cTn>
-                        </p:par>
-                      </p:childTnLst>
-                    </p:cTn>
-                  </p:par>
-                  <p:par>
-                    <p:cTn id="11" fill="hold">
-                      <p:stCondLst>
-                        <p:cond delay="indefinite"/>
-                      </p:stCondLst>
-                      <p:childTnLst>
-                        <p:par>
-                          <p:cTn id="12" fill="hold">
-                            <p:stCondLst>
-                              <p:cond delay="0"/>
-                            </p:stCondLst>
-                            <p:childTnLst>
-                              <p:par>
-                                <p:cTn id="13" presetID="1" presetClass="entr" presetSubtype="0" fill="hold" grpId="0" nodeType="clickEffect">
-                                  <p:stCondLst>
-                                    <p:cond delay="0"/>
-                                  </p:stCondLst>
-                                  <p:childTnLst>
-                                    <p:set>
-                                      <p:cBhvr>
-                                        <p:cTn id="14" dur="1" fill="hold">
-                                          <p:stCondLst>
-                                            <p:cond delay="0"/>
-                                          </p:stCondLst>
-                                        </p:cTn>
-                                        <p:tgtEl>
-                                          <p:spTgt spid="3">
-                                            <p:txEl>
-                                              <p:pRg st="2" end="2"/>
-                                            </p:txEl>
-                                          </p:spTgt>
-                                        </p:tgtEl>
-                                        <p:attrNameLst>
-                                          <p:attrName>style.visibility</p:attrName>
-                                        </p:attrNameLst>
-                                      </p:cBhvr>
-                                      <p:to>
-                                        <p:strVal val="visible"/>
-                                      </p:to>
-                                    </p:set>
-                                  </p:childTnLst>
-                                </p:cTn>
-                              </p:par>
-                            </p:childTnLst>
-                          </p:cTn>
-                        </p:par>
-                      </p:childTnLst>
-                    </p:cTn>
-                  </p:par>
-                  <p:par>
-                    <p:cTn id="15" fill="hold">
-                      <p:stCondLst>
-                        <p:cond delay="indefinite"/>
-                      </p:stCondLst>
-                      <p:childTnLst>
-                        <p:par>
-                          <p:cTn id="16" fill="hold">
-                            <p:stCondLst>
-                              <p:cond delay="0"/>
-                            </p:stCondLst>
-                            <p:childTnLst>
-                              <p:par>
-                                <p:cTn id="17" presetID="1" presetClass="entr" presetSubtype="0" fill="hold" grpId="0" nodeType="clickEffect">
-                                  <p:stCondLst>
-                                    <p:cond delay="0"/>
-                                  </p:stCondLst>
-                                  <p:childTnLst>
-                                    <p:set>
-                                      <p:cBhvr>
-                                        <p:cTn id="18" dur="1" fill="hold">
-                                          <p:stCondLst>
-                                            <p:cond delay="0"/>
-                                          </p:stCondLst>
-                                        </p:cTn>
-                                        <p:tgtEl>
-                                          <p:spTgt spid="3">
-                                            <p:txEl>
-                                              <p:pRg st="3" end="3"/>
-                                            </p:txEl>
-                                          </p:spTgt>
-                                        </p:tgtEl>
-                                        <p:attrNameLst>
-                                          <p:attrName>style.visibility</p:attrName>
-                                        </p:attrNameLst>
-                                      </p:cBhvr>
-                                      <p:to>
-                                        <p:strVal val="visible"/>
-                                      </p:to>
-                                    </p:set>
-                                  </p:childTnLst>
-                                </p:cTn>
-                              </p:par>
-                            </p:childTnLst>
-                          </p:cTn>
-                        </p:par>
-                      </p:childTnLst>
-                    </p:cTn>
-                  </p:par>
-                </p:childTnLst>
-              </p:cTn>
-              <p:prevCondLst>
-                <p:cond evt="onPrev" delay="0">
-                  <p:tgtEl>
-                    <p:sldTgt/>
-                  </p:tgtEl>
-                </p:cond>
-              </p:prevCondLst>
-              <p:nextCondLst>
-                <p:cond evt="onNext" delay="0">
-                  <p:tgtEl>
-                    <p:sldTgt/>
-                  </p:tgtEl>
-                </p:cond>
-              </p:nextCondLst>
-            </p:seq>
-          </p:childTnLst>
-        </p:cTn>
-      </p:par>
-    </p:tnLst>
-    <p:bldLst>
-      <p:bldP spid="3" grpId="0" build="p"/>
-    </p:bldLst>
-  </p:timing>
-</p:sld>
-</file>
-
-<file path=ppt/slides/slide16.xml><?xml version="1.0" encoding="utf-8"?>
-<p:sld xmlns:a="http://schemas.openxmlformats.org/drawingml/2006/main" xmlns:r="http://schemas.openxmlformats.org/officeDocument/2006/relationships" xmlns:p="http://schemas.openxmlformats.org/presentationml/2006/main">
-  <p:cSld>
-    <p:spTree>
-      <p:nvGrpSpPr>
-        <p:cNvPr id="1" name=""/>
-        <p:cNvGrpSpPr/>
-        <p:nvPr/>
-      </p:nvGrpSpPr>
-      <p:grpSpPr>
-        <a:xfrm>
-          <a:off x="0" y="0"/>
-          <a:ext cx="0" cy="0"/>
-          <a:chOff x="0" y="0"/>
-          <a:chExt cx="0" cy="0"/>
-        </a:xfrm>
-      </p:grpSpPr>
-      <p:sp>
-        <p:nvSpPr>
-          <p:cNvPr id="2" name="Title 1">
-            <a:extLst>
-              <a:ext uri="{FF2B5EF4-FFF2-40B4-BE49-F238E27FC236}">
-                <a16:creationId xmlns:a16="http://schemas.microsoft.com/office/drawing/2014/main" id="{9B83476B-0C0D-0280-775A-41C6AE5CCDBD}"/>
-              </a:ext>
-            </a:extLst>
-          </p:cNvPr>
-          <p:cNvSpPr>
-            <a:spLocks noGrp="1"/>
-          </p:cNvSpPr>
-          <p:nvPr>
-            <p:ph type="title"/>
-          </p:nvPr>
-        </p:nvSpPr>
-        <p:spPr/>
-        <p:txBody>
-          <a:bodyPr>
-            <a:normAutofit fontScale="90000"/>
-          </a:bodyPr>
-          <a:lstStyle/>
-          <a:p>
-            <a:r>
-              <a:rPr lang="en-US" dirty="0"/>
-              <a:t>Spring Boot Starters</a:t>
-            </a:r>
-            <a:endParaRPr lang="en-IL" dirty="0"/>
-          </a:p>
-        </p:txBody>
-      </p:sp>
-      <p:sp>
-        <p:nvSpPr>
-          <p:cNvPr id="3" name="Content Placeholder 2">
-            <a:extLst>
-              <a:ext uri="{FF2B5EF4-FFF2-40B4-BE49-F238E27FC236}">
-                <a16:creationId xmlns:a16="http://schemas.microsoft.com/office/drawing/2014/main" id="{0B94EEA6-A30A-47F6-C595-01F4D3B5E65E}"/>
-              </a:ext>
-            </a:extLst>
-          </p:cNvPr>
-          <p:cNvSpPr>
-            <a:spLocks noGrp="1"/>
-          </p:cNvSpPr>
-          <p:nvPr>
-            <p:ph idx="1"/>
-          </p:nvPr>
-        </p:nvSpPr>
-        <p:spPr>
-          <a:xfrm>
-            <a:off x="677334" y="1445330"/>
-            <a:ext cx="8596668" cy="3880773"/>
-          </a:xfrm>
-        </p:spPr>
-        <p:txBody>
-          <a:bodyPr>
-            <a:normAutofit fontScale="92500" lnSpcReduction="10000"/>
-          </a:bodyPr>
-          <a:lstStyle/>
-          <a:p>
-            <a:r>
-              <a:rPr lang="en-US" dirty="0">
-                <a:solidFill>
-                  <a:srgbClr val="92D050"/>
-                </a:solidFill>
-              </a:rPr>
-              <a:t>Spring Boot starters </a:t>
-            </a:r>
-            <a:r>
-              <a:rPr lang="en-US" dirty="0"/>
-              <a:t>are built-in </a:t>
-            </a:r>
-            <a:r>
-              <a:rPr lang="en-US" dirty="0">
-                <a:solidFill>
-                  <a:srgbClr val="92D050"/>
-                </a:solidFill>
-              </a:rPr>
-              <a:t>Spring</a:t>
-            </a:r>
-            <a:r>
-              <a:rPr lang="en-US" dirty="0"/>
-              <a:t> dependency descriptors that make development easier and rapid.</a:t>
-            </a:r>
-          </a:p>
-          <a:p>
-            <a:r>
-              <a:rPr lang="en-US" dirty="0"/>
-              <a:t>Spring Boot provides around 50+ starters, for various tasks and technologies. The official starters follow a naming convention </a:t>
-            </a:r>
-            <a:r>
-              <a:rPr lang="en-US" b="1" dirty="0"/>
-              <a:t>spring-boot-starter-</a:t>
-            </a:r>
-            <a:r>
-              <a:rPr lang="en-US" dirty="0"/>
-              <a:t>*, where * denotes application type. </a:t>
-            </a:r>
-          </a:p>
-          <a:p>
-            <a:r>
-              <a:rPr lang="en-US" dirty="0"/>
-              <a:t>For example: </a:t>
-            </a:r>
-            <a:r>
-              <a:rPr lang="en-US" dirty="0">
-                <a:solidFill>
-                  <a:srgbClr val="92D050"/>
-                </a:solidFill>
-              </a:rPr>
-              <a:t>spring-boot-starter-test</a:t>
-            </a:r>
-            <a:r>
-              <a:rPr lang="en-US" dirty="0">
-                <a:solidFill>
-                  <a:schemeClr val="tx1"/>
-                </a:solidFill>
-              </a:rPr>
-              <a:t>,</a:t>
-            </a:r>
-            <a:r>
-              <a:rPr lang="en-US" dirty="0">
-                <a:solidFill>
-                  <a:srgbClr val="E83E8C"/>
-                </a:solidFill>
-              </a:rPr>
-              <a:t> </a:t>
-            </a:r>
-            <a:r>
-              <a:rPr lang="en-US" dirty="0">
-                <a:solidFill>
-                  <a:srgbClr val="92D050"/>
-                </a:solidFill>
-              </a:rPr>
-              <a:t>spring-boot-starter-data-</a:t>
-            </a:r>
-            <a:r>
-              <a:rPr lang="en-US" dirty="0" err="1">
-                <a:solidFill>
-                  <a:srgbClr val="92D050"/>
-                </a:solidFill>
-              </a:rPr>
-              <a:t>jpa</a:t>
-            </a:r>
-            <a:r>
-              <a:rPr lang="en-US" dirty="0">
-                <a:solidFill>
-                  <a:schemeClr val="tx1"/>
-                </a:solidFill>
-              </a:rPr>
-              <a:t>,</a:t>
-            </a:r>
-            <a:r>
-              <a:rPr lang="en-US" dirty="0">
-                <a:solidFill>
-                  <a:srgbClr val="E83E8C"/>
-                </a:solidFill>
-              </a:rPr>
-              <a:t> </a:t>
-            </a:r>
-            <a:r>
-              <a:rPr lang="en-US" dirty="0">
-                <a:solidFill>
-                  <a:srgbClr val="92D050"/>
-                </a:solidFill>
-              </a:rPr>
-              <a:t>spring-boot-starter-actuator</a:t>
-            </a:r>
-            <a:r>
-              <a:rPr lang="en-US" dirty="0">
-                <a:solidFill>
-                  <a:schemeClr val="tx1"/>
-                </a:solidFill>
-              </a:rPr>
-              <a:t>,</a:t>
-            </a:r>
-            <a:r>
-              <a:rPr lang="en-US" dirty="0">
-                <a:solidFill>
-                  <a:srgbClr val="E83E8C"/>
-                </a:solidFill>
-              </a:rPr>
-              <a:t> </a:t>
-            </a:r>
-            <a:r>
-              <a:rPr lang="en-US" dirty="0">
-                <a:solidFill>
-                  <a:srgbClr val="92D050"/>
-                </a:solidFill>
-              </a:rPr>
-              <a:t>spring-boot-starter-security</a:t>
-            </a:r>
-            <a:r>
-              <a:rPr lang="en-US" dirty="0"/>
-              <a:t>, and so on.</a:t>
-            </a:r>
-          </a:p>
-          <a:p>
-            <a:r>
-              <a:rPr lang="en-US" sz="1800" dirty="0"/>
-              <a:t>Owing to the </a:t>
-            </a:r>
-            <a:r>
-              <a:rPr lang="en-US" dirty="0"/>
-              <a:t>starters</a:t>
-            </a:r>
-            <a:r>
-              <a:rPr lang="en-US" sz="1800" dirty="0"/>
-              <a:t>, a developer should not look for all frameworks that should be added to the application: just add the dependency to the starter in your </a:t>
-            </a:r>
-            <a:r>
-              <a:rPr lang="en-US" sz="1800" dirty="0" err="1"/>
-              <a:t>pom.xml</a:t>
-            </a:r>
-            <a:r>
-              <a:rPr lang="en-US" sz="1800" dirty="0"/>
-              <a:t>.</a:t>
-            </a:r>
-            <a:endParaRPr lang="ru-RU" sz="1800" dirty="0"/>
-          </a:p>
-          <a:p>
-            <a:r>
-              <a:rPr lang="en-US" sz="1800" dirty="0"/>
-              <a:t>When starting the application, the starter will load all the relevant JARs (for example, if you entered to the </a:t>
-            </a:r>
-            <a:r>
-              <a:rPr lang="en-US" sz="1800" dirty="0" err="1"/>
-              <a:t>pom.xml</a:t>
-            </a:r>
-            <a:r>
-              <a:rPr lang="en-US" sz="1800" dirty="0"/>
-              <a:t> dependency to </a:t>
-            </a:r>
-            <a:r>
-              <a:rPr lang="en-US" sz="1800" i="1" dirty="0"/>
-              <a:t>spring-boot-starter-web</a:t>
-            </a:r>
-            <a:r>
-              <a:rPr lang="en-US" sz="1800" dirty="0"/>
-              <a:t>, </a:t>
-            </a:r>
-            <a:r>
-              <a:rPr lang="en-US" sz="1800" dirty="0">
-                <a:solidFill>
-                  <a:srgbClr val="92D050"/>
-                </a:solidFill>
-              </a:rPr>
-              <a:t>Spring</a:t>
-            </a:r>
-            <a:r>
-              <a:rPr lang="en-US" sz="1800" dirty="0"/>
-              <a:t> would load all jar required for creating RESTful service).</a:t>
-            </a:r>
-            <a:endParaRPr lang="ru-RU" sz="1800" dirty="0"/>
-          </a:p>
-        </p:txBody>
-      </p:sp>
-      <p:sp>
-        <p:nvSpPr>
-          <p:cNvPr id="5" name="TextBox 4">
-            <a:extLst>
-              <a:ext uri="{FF2B5EF4-FFF2-40B4-BE49-F238E27FC236}">
-                <a16:creationId xmlns:a16="http://schemas.microsoft.com/office/drawing/2014/main" id="{EFD7C677-E848-FC24-C08A-E3565F2DDC6E}"/>
-              </a:ext>
-            </a:extLst>
-          </p:cNvPr>
-          <p:cNvSpPr txBox="1"/>
-          <p:nvPr/>
-        </p:nvSpPr>
-        <p:spPr>
-          <a:xfrm>
-            <a:off x="1703638" y="5376505"/>
-            <a:ext cx="6102626" cy="1200329"/>
-          </a:xfrm>
-          <a:prstGeom prst="rect">
-            <a:avLst/>
-          </a:prstGeom>
-          <a:solidFill>
-            <a:schemeClr val="accent2">
-              <a:lumMod val="20000"/>
-              <a:lumOff val="80000"/>
-            </a:schemeClr>
-          </a:solidFill>
-          <a:ln>
-            <a:solidFill>
-              <a:schemeClr val="accent1"/>
-            </a:solidFill>
-          </a:ln>
-        </p:spPr>
-        <p:txBody>
-          <a:bodyPr wrap="square">
-            <a:spAutoFit/>
-          </a:bodyPr>
-          <a:lstStyle/>
-          <a:p>
-            <a:r>
-              <a:rPr lang="en-IL" dirty="0"/>
-              <a:t>&lt;dependency&gt;</a:t>
-            </a:r>
-          </a:p>
-          <a:p>
-            <a:r>
-              <a:rPr lang="en-IL" dirty="0"/>
-              <a:t>    &lt;groupId&gt;org.springframework.boot&lt;/groupId&gt;</a:t>
-            </a:r>
-          </a:p>
-          <a:p>
-            <a:r>
-              <a:rPr lang="en-IL" dirty="0"/>
-              <a:t>    &lt;artifactId&gt;spring-boot-starter-web&lt;/artifactId&gt;</a:t>
-            </a:r>
-          </a:p>
-          <a:p>
-            <a:r>
-              <a:rPr lang="en-IL" dirty="0"/>
-              <a:t>&lt;/dependency&gt;</a:t>
-            </a:r>
-          </a:p>
-        </p:txBody>
-      </p:sp>
-    </p:spTree>
-    <p:extLst>
-      <p:ext uri="{BB962C8B-B14F-4D97-AF65-F5344CB8AC3E}">
-        <p14:creationId xmlns:p14="http://schemas.microsoft.com/office/powerpoint/2010/main" val="1183885233"/>
-      </p:ext>
-    </p:extLst>
-  </p:cSld>
-  <p:clrMapOvr>
-    <a:masterClrMapping/>
-  </p:clrMapOvr>
-  <p:timing>
-    <p:tnLst>
-      <p:par>
-        <p:cTn id="1" dur="indefinite" restart="never" nodeType="tmRoot">
-          <p:childTnLst>
-            <p:seq concurrent="1" nextAc="seek">
-              <p:cTn id="2" dur="indefinite" nodeType="mainSeq">
-                <p:childTnLst>
-                  <p:par>
-                    <p:cTn id="3" fill="hold">
-                      <p:stCondLst>
-                        <p:cond delay="indefinite"/>
-                      </p:stCondLst>
-                      <p:childTnLst>
-                        <p:par>
-                          <p:cTn id="4" fill="hold">
-                            <p:stCondLst>
-                              <p:cond delay="0"/>
-                            </p:stCondLst>
-                            <p:childTnLst>
-                              <p:par>
-                                <p:cTn id="5" presetID="1" presetClass="entr" presetSubtype="0" fill="hold" grpId="0" nodeType="clickEffect">
-                                  <p:stCondLst>
-                                    <p:cond delay="0"/>
-                                  </p:stCondLst>
-                                  <p:childTnLst>
-                                    <p:set>
-                                      <p:cBhvr>
-                                        <p:cTn id="6" dur="1" fill="hold">
-                                          <p:stCondLst>
-                                            <p:cond delay="0"/>
-                                          </p:stCondLst>
-                                        </p:cTn>
-                                        <p:tgtEl>
-                                          <p:spTgt spid="3">
-                                            <p:txEl>
-                                              <p:pRg st="0" end="0"/>
-                                            </p:txEl>
-                                          </p:spTgt>
-                                        </p:tgtEl>
-                                        <p:attrNameLst>
-                                          <p:attrName>style.visibility</p:attrName>
-                                        </p:attrNameLst>
-                                      </p:cBhvr>
-                                      <p:to>
-                                        <p:strVal val="visible"/>
-                                      </p:to>
-                                    </p:set>
-                                  </p:childTnLst>
-                                </p:cTn>
-                              </p:par>
-                            </p:childTnLst>
-                          </p:cTn>
-                        </p:par>
-                      </p:childTnLst>
-                    </p:cTn>
-                  </p:par>
-                  <p:par>
-                    <p:cTn id="7" fill="hold">
-                      <p:stCondLst>
-                        <p:cond delay="indefinite"/>
-                      </p:stCondLst>
-                      <p:childTnLst>
-                        <p:par>
-                          <p:cTn id="8" fill="hold">
-                            <p:stCondLst>
-                              <p:cond delay="0"/>
-                            </p:stCondLst>
-                            <p:childTnLst>
-                              <p:par>
-                                <p:cTn id="9" presetID="1" presetClass="entr" presetSubtype="0" fill="hold" grpId="0" nodeType="clickEffect">
-                                  <p:stCondLst>
-                                    <p:cond delay="0"/>
-                                  </p:stCondLst>
-                                  <p:childTnLst>
-                                    <p:set>
-                                      <p:cBhvr>
-                                        <p:cTn id="10" dur="1" fill="hold">
-                                          <p:stCondLst>
-                                            <p:cond delay="0"/>
-                                          </p:stCondLst>
-                                        </p:cTn>
-                                        <p:tgtEl>
-                                          <p:spTgt spid="3">
-                                            <p:txEl>
-                                              <p:pRg st="1" end="1"/>
-                                            </p:txEl>
-                                          </p:spTgt>
-                                        </p:tgtEl>
-                                        <p:attrNameLst>
-                                          <p:attrName>style.visibility</p:attrName>
-                                        </p:attrNameLst>
-                                      </p:cBhvr>
-                                      <p:to>
-                                        <p:strVal val="visible"/>
-                                      </p:to>
-                                    </p:set>
-                                  </p:childTnLst>
-                                </p:cTn>
-                              </p:par>
-                            </p:childTnLst>
-                          </p:cTn>
-                        </p:par>
-                      </p:childTnLst>
-                    </p:cTn>
-                  </p:par>
-                  <p:par>
-                    <p:cTn id="11" fill="hold">
-                      <p:stCondLst>
-                        <p:cond delay="indefinite"/>
-                      </p:stCondLst>
-                      <p:childTnLst>
-                        <p:par>
-                          <p:cTn id="12" fill="hold">
-                            <p:stCondLst>
-                              <p:cond delay="0"/>
-                            </p:stCondLst>
-                            <p:childTnLst>
-                              <p:par>
-                                <p:cTn id="13" presetID="1" presetClass="entr" presetSubtype="0" fill="hold" grpId="0" nodeType="clickEffect">
-                                  <p:stCondLst>
-                                    <p:cond delay="0"/>
-                                  </p:stCondLst>
-                                  <p:childTnLst>
-                                    <p:set>
-                                      <p:cBhvr>
-                                        <p:cTn id="14" dur="1" fill="hold">
-                                          <p:stCondLst>
-                                            <p:cond delay="0"/>
-                                          </p:stCondLst>
-                                        </p:cTn>
-                                        <p:tgtEl>
-                                          <p:spTgt spid="3">
-                                            <p:txEl>
-                                              <p:pRg st="2" end="2"/>
-                                            </p:txEl>
-                                          </p:spTgt>
-                                        </p:tgtEl>
-                                        <p:attrNameLst>
-                                          <p:attrName>style.visibility</p:attrName>
-                                        </p:attrNameLst>
-                                      </p:cBhvr>
-                                      <p:to>
-                                        <p:strVal val="visible"/>
-                                      </p:to>
-                                    </p:set>
-                                  </p:childTnLst>
-                                </p:cTn>
-                              </p:par>
-                            </p:childTnLst>
-                          </p:cTn>
-                        </p:par>
-                      </p:childTnLst>
-                    </p:cTn>
-                  </p:par>
-                  <p:par>
-                    <p:cTn id="15" fill="hold">
-                      <p:stCondLst>
-                        <p:cond delay="indefinite"/>
-                      </p:stCondLst>
-                      <p:childTnLst>
-                        <p:par>
-                          <p:cTn id="16" fill="hold">
-                            <p:stCondLst>
-                              <p:cond delay="0"/>
-                            </p:stCondLst>
-                            <p:childTnLst>
-                              <p:par>
-                                <p:cTn id="17" presetID="1" presetClass="entr" presetSubtype="0" fill="hold" grpId="0" nodeType="clickEffect">
-                                  <p:stCondLst>
-                                    <p:cond delay="0"/>
-                                  </p:stCondLst>
-                                  <p:childTnLst>
-                                    <p:set>
-                                      <p:cBhvr>
-                                        <p:cTn id="18" dur="1" fill="hold">
-                                          <p:stCondLst>
-                                            <p:cond delay="0"/>
-                                          </p:stCondLst>
-                                        </p:cTn>
-                                        <p:tgtEl>
-                                          <p:spTgt spid="3">
-                                            <p:txEl>
-                                              <p:pRg st="3" end="3"/>
-                                            </p:txEl>
-                                          </p:spTgt>
-                                        </p:tgtEl>
-                                        <p:attrNameLst>
-                                          <p:attrName>style.visibility</p:attrName>
-                                        </p:attrNameLst>
-                                      </p:cBhvr>
-                                      <p:to>
-                                        <p:strVal val="visible"/>
-                                      </p:to>
-                                    </p:set>
-                                  </p:childTnLst>
-                                </p:cTn>
-                              </p:par>
-                            </p:childTnLst>
-                          </p:cTn>
-                        </p:par>
-                      </p:childTnLst>
-                    </p:cTn>
-                  </p:par>
-                  <p:par>
-                    <p:cTn id="19" fill="hold">
-                      <p:stCondLst>
-                        <p:cond delay="indefinite"/>
-                      </p:stCondLst>
-                      <p:childTnLst>
-                        <p:par>
-                          <p:cTn id="20" fill="hold">
-                            <p:stCondLst>
-                              <p:cond delay="0"/>
-                            </p:stCondLst>
-                            <p:childTnLst>
-                              <p:par>
-                                <p:cTn id="21" presetID="1" presetClass="entr" presetSubtype="0" fill="hold" grpId="0" nodeType="clickEffect">
-                                  <p:stCondLst>
-                                    <p:cond delay="0"/>
-                                  </p:stCondLst>
-                                  <p:childTnLst>
-                                    <p:set>
-                                      <p:cBhvr>
-                                        <p:cTn id="22" dur="1" fill="hold">
-                                          <p:stCondLst>
-                                            <p:cond delay="0"/>
-                                          </p:stCondLst>
-                                        </p:cTn>
-                                        <p:tgtEl>
-                                          <p:spTgt spid="3">
-                                            <p:txEl>
-                                              <p:pRg st="4" end="4"/>
-                                            </p:txEl>
-                                          </p:spTgt>
-                                        </p:tgtEl>
-                                        <p:attrNameLst>
-                                          <p:attrName>style.visibility</p:attrName>
-                                        </p:attrNameLst>
-                                      </p:cBhvr>
-                                      <p:to>
-                                        <p:strVal val="visible"/>
-                                      </p:to>
-                                    </p:set>
-                                  </p:childTnLst>
-                                </p:cTn>
-                              </p:par>
-                            </p:childTnLst>
-                          </p:cTn>
-                        </p:par>
-                      </p:childTnLst>
-                    </p:cTn>
-                  </p:par>
-                </p:childTnLst>
-              </p:cTn>
-              <p:prevCondLst>
-                <p:cond evt="onPrev" delay="0">
-                  <p:tgtEl>
-                    <p:sldTgt/>
-                  </p:tgtEl>
-                </p:cond>
-              </p:prevCondLst>
-              <p:nextCondLst>
-                <p:cond evt="onNext" delay="0">
-                  <p:tgtEl>
-                    <p:sldTgt/>
-                  </p:tgtEl>
-                </p:cond>
-              </p:nextCondLst>
-            </p:seq>
-          </p:childTnLst>
-        </p:cTn>
-      </p:par>
-    </p:tnLst>
-    <p:bldLst>
-      <p:bldP spid="3" grpId="0" build="p"/>
-    </p:bldLst>
-  </p:timing>
-</p:sld>
-</file>
-
 <file path=ppt/slides/slide2.xml><?xml version="1.0" encoding="utf-8"?>
 <p:sld xmlns:a="http://schemas.openxmlformats.org/drawingml/2006/main" xmlns:r="http://schemas.openxmlformats.org/officeDocument/2006/relationships" xmlns:p="http://schemas.openxmlformats.org/presentationml/2006/main">
   <p:cSld>
@@ -10586,8 +9226,8 @@
               <a:buNone/>
             </a:pPr>
             <a:r>
-              <a:rPr lang="en-IL"/>
-              <a:t>About Me</a:t>
+              <a:rPr lang="en-US" dirty="0"/>
+              <a:t>ABOUT ME</a:t>
             </a:r>
             <a:endParaRPr lang="en-IL" dirty="0"/>
           </a:p>
@@ -10622,24 +9262,35 @@
           <a:lstStyle/>
           <a:p>
             <a:r>
-              <a:rPr lang="en-US" sz="3200"/>
-              <a:t>Principal Software Engineer</a:t>
-            </a:r>
-            <a:endParaRPr lang="he-IL" sz="3200"/>
-          </a:p>
-          <a:p>
-            <a:r>
-              <a:rPr lang="en-US" sz="3200"/>
+              <a:rPr lang="en-US" sz="3200" dirty="0"/>
+              <a:t>Tech Lead</a:t>
+            </a:r>
+            <a:endParaRPr lang="he-IL" sz="3200" dirty="0"/>
+          </a:p>
+          <a:p>
+            <a:r>
+              <a:rPr lang="en-US" sz="3200" dirty="0"/>
               <a:t>7 years at AT&amp;T​</a:t>
             </a:r>
-            <a:endParaRPr lang="he-IL" sz="3200"/>
-          </a:p>
-          <a:p>
-            <a:r>
-              <a:rPr lang="en-US" sz="3200"/>
+            <a:endParaRPr lang="he-IL" sz="3200" dirty="0"/>
+          </a:p>
+          <a:p>
+            <a:r>
+              <a:rPr lang="en-US" sz="3200" dirty="0"/>
               <a:t>Experienced: C#, Java, Go, Python, JavaScript, Node.js</a:t>
             </a:r>
-            <a:endParaRPr lang="en-US" sz="3200" dirty="0"/>
+          </a:p>
+          <a:p>
+            <a:r>
+              <a:rPr lang="en-US" sz="3200" dirty="0"/>
+              <a:t>Music &amp; Movies</a:t>
+            </a:r>
+          </a:p>
+          <a:p>
+            <a:r>
+              <a:rPr lang="en-US" sz="3200" dirty="0"/>
+              <a:t>Intermittent Fasting &amp; Keto</a:t>
+            </a:r>
           </a:p>
         </p:txBody>
       </p:sp>
@@ -10665,7 +9316,7 @@
         </p:blipFill>
         <p:spPr>
           <a:xfrm>
-            <a:off x="4374275" y="4154433"/>
+            <a:off x="8686393" y="1228353"/>
             <a:ext cx="2476500" cy="2374900"/>
           </a:xfrm>
           <a:prstGeom prst="rect">
@@ -10733,7 +9384,7 @@
           <a:p>
             <a:r>
               <a:rPr lang="en-US" dirty="0"/>
-              <a:t>Agenda</a:t>
+              <a:t>HIGHLIGHTS</a:t>
             </a:r>
             <a:endParaRPr lang="en-IL" dirty="0"/>
           </a:p>
@@ -10767,128 +9418,56 @@
           </a:bodyPr>
           <a:lstStyle/>
           <a:p>
-            <a:pPr marL="0" indent="0">
-              <a:buNone/>
-            </a:pPr>
-            <a:r>
-              <a:rPr lang="en-US" sz="2000" dirty="0"/>
-              <a:t>A 7-hour workshop which includes:</a:t>
-            </a:r>
-          </a:p>
-          <a:p>
-            <a:pPr lvl="1"/>
-            <a:r>
-              <a:rPr lang="en-US" sz="2000" dirty="0"/>
-              <a:t>Intro [1 </a:t>
-            </a:r>
-            <a:r>
-              <a:rPr lang="en-US" sz="2000" dirty="0" err="1"/>
-              <a:t>hrs</a:t>
-            </a:r>
-            <a:r>
-              <a:rPr lang="en-US" sz="2000" dirty="0"/>
-              <a:t>]</a:t>
-            </a:r>
-          </a:p>
-          <a:p>
-            <a:pPr lvl="2"/>
-            <a:r>
-              <a:rPr lang="en-US" sz="1800" dirty="0"/>
-              <a:t>Why use a Web Framework? Why choose Spring Boot?</a:t>
-            </a:r>
-          </a:p>
-          <a:p>
-            <a:pPr lvl="2"/>
-            <a:r>
-              <a:rPr lang="en-US" sz="1800" dirty="0"/>
-              <a:t>Inversion of Control (IoC) and Dependency Injection (DI)</a:t>
-            </a:r>
-          </a:p>
-          <a:p>
-            <a:pPr lvl="2"/>
-            <a:r>
-              <a:rPr lang="en-US" sz="1800" dirty="0"/>
-              <a:t>IoC and DI in Spring Boot</a:t>
-            </a:r>
-            <a:endParaRPr lang="en-US" sz="2000" dirty="0"/>
-          </a:p>
-          <a:p>
-            <a:pPr lvl="1"/>
-            <a:r>
-              <a:rPr lang="en-US" sz="2000" dirty="0"/>
-              <a:t>Practice [6 </a:t>
-            </a:r>
-            <a:r>
-              <a:rPr lang="en-US" sz="2000" dirty="0" err="1"/>
-              <a:t>hrs</a:t>
-            </a:r>
-            <a:r>
-              <a:rPr lang="en-US" sz="2000" dirty="0"/>
-              <a:t>]</a:t>
-            </a:r>
-          </a:p>
-          <a:p>
-            <a:pPr lvl="2"/>
-            <a:r>
-              <a:rPr lang="en-US" sz="1800" dirty="0"/>
-              <a:t>Spring DI</a:t>
-            </a:r>
-          </a:p>
-          <a:p>
-            <a:pPr lvl="2"/>
-            <a:r>
-              <a:rPr lang="en-US" sz="1800" dirty="0"/>
-              <a:t>REST endpoints</a:t>
-            </a:r>
-          </a:p>
-          <a:p>
-            <a:pPr lvl="2"/>
-            <a:r>
-              <a:rPr lang="en-US" sz="1800" dirty="0"/>
-              <a:t>Testing</a:t>
-            </a:r>
-          </a:p>
-          <a:p>
-            <a:pPr lvl="2"/>
-            <a:r>
-              <a:rPr lang="en-US" sz="1800" dirty="0"/>
-              <a:t>Exception Handling</a:t>
-            </a:r>
-          </a:p>
-          <a:p>
-            <a:pPr lvl="2"/>
-            <a:r>
-              <a:rPr lang="en-US" sz="1800" dirty="0"/>
-              <a:t>Configuration</a:t>
-            </a:r>
-          </a:p>
-          <a:p>
-            <a:pPr lvl="2"/>
-            <a:r>
-              <a:rPr lang="en-US" sz="1800" dirty="0"/>
-              <a:t>Validation</a:t>
-            </a:r>
-          </a:p>
-          <a:p>
-            <a:pPr lvl="2"/>
-            <a:r>
-              <a:rPr lang="en-US" sz="1800" dirty="0"/>
-              <a:t>Actuator</a:t>
-            </a:r>
-          </a:p>
-          <a:p>
-            <a:pPr lvl="2"/>
-            <a:endParaRPr lang="en-US" sz="1800" dirty="0"/>
-          </a:p>
-          <a:p>
-            <a:endParaRPr lang="en-IL" sz="2000" dirty="0"/>
+            <a:r>
+              <a:rPr lang="en-US" sz="3200" dirty="0"/>
+              <a:t>README BASED WORKSHOP</a:t>
+            </a:r>
+          </a:p>
+          <a:p>
+            <a:r>
+              <a:rPr lang="en-US" sz="3200" dirty="0"/>
+              <a:t>HANDS ON!</a:t>
+            </a:r>
+          </a:p>
+          <a:p>
+            <a:r>
+              <a:rPr lang="en-US" sz="3200" dirty="0"/>
+              <a:t>COVERS MOST OF THE BASIC &amp; IMPORTANT TOPICS OF SPRING BOOT</a:t>
+            </a:r>
+          </a:p>
+          <a:p>
+            <a:r>
+              <a:rPr lang="en-US" sz="3200" dirty="0"/>
+              <a:t>BUILT INCREMENTALLY</a:t>
+            </a:r>
+          </a:p>
+          <a:p>
+            <a:r>
+              <a:rPr lang="en-US" sz="3200" dirty="0"/>
+              <a:t>EVERY TOPIC HAS A BRANCH</a:t>
+            </a:r>
+          </a:p>
+          <a:p>
+            <a:r>
+              <a:rPr lang="en-US" sz="3200" dirty="0"/>
+              <a:t>USE THE REPO AS A REFERENCE</a:t>
+            </a:r>
+          </a:p>
+          <a:p>
+            <a:r>
+              <a:rPr lang="en-US" sz="3200" dirty="0"/>
+              <a:t>SUPPORT GROUP</a:t>
+            </a:r>
+          </a:p>
+          <a:p>
+            <a:endParaRPr lang="en-IL" sz="3200" dirty="0"/>
           </a:p>
         </p:txBody>
       </p:sp>
     </p:spTree>
     <p:extLst>
       <p:ext uri="{BB962C8B-B14F-4D97-AF65-F5344CB8AC3E}">
-        <p14:creationId xmlns:p14="http://schemas.microsoft.com/office/powerpoint/2010/main" val="817186101"/>
+        <p14:creationId xmlns:p14="http://schemas.microsoft.com/office/powerpoint/2010/main" val="490384111"/>
       </p:ext>
     </p:extLst>
   </p:cSld>
@@ -11044,15 +9623,33 @@
                                   </p:childTnLst>
                                 </p:cTn>
                               </p:par>
+                            </p:childTnLst>
+                          </p:cTn>
+                        </p:par>
+                      </p:childTnLst>
+                    </p:cTn>
+                  </p:par>
+                  <p:par>
+                    <p:cTn id="15" fill="hold">
+                      <p:stCondLst>
+                        <p:cond delay="indefinite"/>
+                      </p:stCondLst>
+                      <p:childTnLst>
+                        <p:par>
+                          <p:cTn id="16" fill="hold">
+                            <p:stCondLst>
+                              <p:cond delay="0"/>
+                            </p:stCondLst>
+                            <p:childTnLst>
                               <p:par>
-                                <p:cTn id="15" presetID="1" presetClass="entr" presetSubtype="0" fill="hold" nodeType="withEffect">
+                                <p:cTn id="17" presetID="1" presetClass="entr" presetSubtype="0" fill="hold" nodeType="clickEffect">
                                   <p:stCondLst>
                                     <p:cond delay="0"/>
                                   </p:stCondLst>
                                   <p:childTnLst>
                                     <p:set>
                                       <p:cBhvr>
-                                        <p:cTn id="16" dur="1" fill="hold">
+                                        <p:cTn id="18" dur="1" fill="hold">
                                           <p:stCondLst>
                                             <p:cond delay="0"/>
                                           </p:stCondLst>
@@ -11075,15 +9672,33 @@
                                   </p:childTnLst>
                                 </p:cTn>
                               </p:par>
+                            </p:childTnLst>
+                          </p:cTn>
+                        </p:par>
+                      </p:childTnLst>
+                    </p:cTn>
+                  </p:par>
+                  <p:par>
+                    <p:cTn id="19" fill="hold">
+                      <p:stCondLst>
+                        <p:cond delay="indefinite"/>
+                      </p:stCondLst>
+                      <p:childTnLst>
+                        <p:par>
+                          <p:cTn id="20" fill="hold">
+                            <p:stCondLst>
+                              <p:cond delay="0"/>
+                            </p:stCondLst>
+                            <p:childTnLst>
                               <p:par>
-                                <p:cTn id="17" presetID="1" presetClass="entr" presetSubtype="0" fill="hold" nodeType="withEffect">
+                                <p:cTn id="21" presetID="1" presetClass="entr" presetSubtype="0" fill="hold" nodeType="clickEffect">
                                   <p:stCondLst>
                                     <p:cond delay="0"/>
                                   </p:stCondLst>
                                   <p:childTnLst>
                                     <p:set>
                                       <p:cBhvr>
-                                        <p:cTn id="18" dur="1" fill="hold">
+                                        <p:cTn id="22" dur="1" fill="hold">
                                           <p:stCondLst>
                                             <p:cond delay="0"/>
                                           </p:stCondLst>
@@ -11106,15 +9721,33 @@
                                   </p:childTnLst>
                                 </p:cTn>
                               </p:par>
+                            </p:childTnLst>
+                          </p:cTn>
+                        </p:par>
+                      </p:childTnLst>
+                    </p:cTn>
+                  </p:par>
+                  <p:par>
+                    <p:cTn id="23" fill="hold">
+                      <p:stCondLst>
+                        <p:cond delay="indefinite"/>
+                      </p:stCondLst>
+                      <p:childTnLst>
+                        <p:par>
+                          <p:cTn id="24" fill="hold">
+                            <p:stCondLst>
+                              <p:cond delay="0"/>
+                            </p:stCondLst>
+                            <p:childTnLst>
                               <p:par>
-                                <p:cTn id="19" presetID="1" presetClass="entr" presetSubtype="0" fill="hold" nodeType="withEffect">
+                                <p:cTn id="25" presetID="1" presetClass="entr" presetSubtype="0" fill="hold" nodeType="clickEffect">
                                   <p:stCondLst>
                                     <p:cond delay="0"/>
                                   </p:stCondLst>
                                   <p:childTnLst>
                                     <p:set>
                                       <p:cBhvr>
-                                        <p:cTn id="20" dur="1" fill="hold">
+                                        <p:cTn id="26" dur="1" fill="hold">
                                           <p:stCondLst>
                                             <p:cond delay="0"/>
                                           </p:stCondLst>
@@ -11137,132 +9770,26 @@
                                   </p:childTnLst>
                                 </p:cTn>
                               </p:par>
+                            </p:childTnLst>
+                          </p:cTn>
+                        </p:par>
+                      </p:childTnLst>
+                    </p:cTn>
+                  </p:par>
+                  <p:par>
+                    <p:cTn id="27" fill="hold">
+                      <p:stCondLst>
+                        <p:cond delay="indefinite"/>
+                      </p:stCondLst>
+                      <p:childTnLst>
+                        <p:par>
+                          <p:cTn id="28" fill="hold">
+                            <p:stCondLst>
+                              <p:cond delay="0"/>
+                            </p:stCondLst>
+                            <p:childTnLst>
                               <p:par>
-                                <p:cTn id="21" presetID="1" presetClass="entr" presetSubtype="0" fill="hold" nodeType="withEffect">
-                                  <p:stCondLst>
-                                    <p:cond delay="0"/>
-                                  </p:stCondLst>
-                                  <p:childTnLst>
-                                    <p:set>
-                                      <p:cBhvr>
-                                        <p:cTn id="22" dur="1" fill="hold">
-                                          <p:stCondLst>
-                                            <p:cond delay="0"/>
-                                          </p:stCondLst>
-                                        </p:cTn>
-                                        <p:tgtEl>
-                                          <p:spTgt spid="3">
-                                            <p:txEl>
-                                              <p:pRg st="6" end="6"/>
-                                            </p:txEl>
-                                          </p:spTgt>
-                                        </p:tgtEl>
-                                        <p:attrNameLst>
-                                          <p:attrName>style.visibility</p:attrName>
-                                        </p:attrNameLst>
-                                      </p:cBhvr>
-                                      <p:to>
-                                        <p:strVal val="visible"/>
-                                      </p:to>
-                                    </p:set>
-                                  </p:childTnLst>
-                                </p:cTn>
-                              </p:par>
-                              <p:par>
-                                <p:cTn id="23" presetID="1" presetClass="entr" presetSubtype="0" fill="hold" nodeType="withEffect">
-                                  <p:stCondLst>
-                                    <p:cond delay="0"/>
-                                  </p:stCondLst>
-                                  <p:childTnLst>
-                                    <p:set>
-                                      <p:cBhvr>
-                                        <p:cTn id="24" dur="1" fill="hold">
-                                          <p:stCondLst>
-                                            <p:cond delay="0"/>
-                                          </p:stCondLst>
-                                        </p:cTn>
-                                        <p:tgtEl>
-                                          <p:spTgt spid="3">
-                                            <p:txEl>
-                                              <p:pRg st="7" end="7"/>
-                                            </p:txEl>
-                                          </p:spTgt>
-                                        </p:tgtEl>
-                                        <p:attrNameLst>
-                                          <p:attrName>style.visibility</p:attrName>
-                                        </p:attrNameLst>
-                                      </p:cBhvr>
-                                      <p:to>
-                                        <p:strVal val="visible"/>
-                                      </p:to>
-                                    </p:set>
-                                  </p:childTnLst>
-                                </p:cTn>
-                              </p:par>
-                              <p:par>
-                                <p:cTn id="25" presetID="1" presetClass="entr" presetSubtype="0" fill="hold" nodeType="withEffect">
-                                  <p:stCondLst>
-                                    <p:cond delay="0"/>
-                                  </p:stCondLst>
-                                  <p:childTnLst>
-                                    <p:set>
-                                      <p:cBhvr>
-                                        <p:cTn id="26" dur="1" fill="hold">
-                                          <p:stCondLst>
-                                            <p:cond delay="0"/>
-                                          </p:stCondLst>
-                                        </p:cTn>
-                                        <p:tgtEl>
-                                          <p:spTgt spid="3">
-                                            <p:txEl>
-                                              <p:pRg st="8" end="8"/>
-                                            </p:txEl>
-                                          </p:spTgt>
-                                        </p:tgtEl>
-                                        <p:attrNameLst>
-                                          <p:attrName>style.visibility</p:attrName>
-                                        </p:attrNameLst>
-                                      </p:cBhvr>
-                                      <p:to>
-                                        <p:strVal val="visible"/>
-                                      </p:to>
-                                    </p:set>
-                                  </p:childTnLst>
-                                </p:cTn>
-                              </p:par>
-                              <p:par>
-                                <p:cTn id="27" presetID="1" presetClass="entr" presetSubtype="0" fill="hold" nodeType="withEffect">
-                                  <p:stCondLst>
-                                    <p:cond delay="0"/>
-                                  </p:stCondLst>
-                                  <p:childTnLst>
-                                    <p:set>
-                                      <p:cBhvr>
-                                        <p:cTn id="28" dur="1" fill="hold">
-                                          <p:stCondLst>
-                                            <p:cond delay="0"/>
-                                          </p:stCondLst>
-                                        </p:cTn>
-                                        <p:tgtEl>
-                                          <p:spTgt spid="3">
-                                            <p:txEl>
-                                              <p:pRg st="9" end="9"/>
-                                            </p:txEl>
-                                          </p:spTgt>
-                                        </p:tgtEl>
-                                        <p:attrNameLst>
-                                          <p:attrName>style.visibility</p:attrName>
-                                        </p:attrNameLst>
-                                      </p:cBhvr>
-                                      <p:to>
-                                        <p:strVal val="visible"/>
-                                      </p:to>
-                                    </p:set>
-                                  </p:childTnLst>
-                                </p:cTn>
-                              </p:par>
-                              <p:par>
-                                <p:cTn id="29" presetID="1" presetClass="entr" presetSubtype="0" fill="hold" nodeType="withEffect">
+                                <p:cTn id="29" presetID="1" presetClass="entr" presetSubtype="0" fill="hold" nodeType="clickEffect">
                                   <p:stCondLst>
                                     <p:cond delay="0"/>
                                   </p:stCondLst>
@@ -11277,69 +9804,7 @@
                                         <p:tgtEl>
                                           <p:spTgt spid="3">
                                             <p:txEl>
-                                              <p:pRg st="10" end="10"/>
-                                            </p:txEl>
-                                          </p:spTgt>
-                                        </p:tgtEl>
-                                        <p:attrNameLst>
-                                          <p:attrName>style.visibility</p:attrName>
-                                        </p:attrNameLst>
-                                      </p:cBhvr>
-                                      <p:to>
-                                        <p:strVal val="visible"/>
-                                      </p:to>
-                                    </p:set>
-                                  </p:childTnLst>
-                                </p:cTn>
-                              </p:par>
-                              <p:par>
-                                <p:cTn id="31" presetID="1" presetClass="entr" presetSubtype="0" fill="hold" nodeType="withEffect">
-                                  <p:stCondLst>
-                                    <p:cond delay="0"/>
-                                  </p:stCondLst>
-                                  <p:childTnLst>
-                                    <p:set>
-                                      <p:cBhvr>
-                                        <p:cTn id="32" dur="1" fill="hold">
-                                          <p:stCondLst>
-                                            <p:cond delay="0"/>
-                                          </p:stCondLst>
-                                        </p:cTn>
-                                        <p:tgtEl>
-                                          <p:spTgt spid="3">
-                                            <p:txEl>
-                                              <p:pRg st="11" end="11"/>
-                                            </p:txEl>
-                                          </p:spTgt>
-                                        </p:tgtEl>
-                                        <p:attrNameLst>
-                                          <p:attrName>style.visibility</p:attrName>
-                                        </p:attrNameLst>
-                                      </p:cBhvr>
-                                      <p:to>
-                                        <p:strVal val="visible"/>
-                                      </p:to>
-                                    </p:set>
-                                  </p:childTnLst>
-                                </p:cTn>
-                              </p:par>
-                              <p:par>
-                                <p:cTn id="33" presetID="1" presetClass="entr" presetSubtype="0" fill="hold" nodeType="withEffect">
-                                  <p:stCondLst>
-                                    <p:cond delay="0"/>
-                                  </p:stCondLst>
-                                  <p:childTnLst>
-                                    <p:set>
-                                      <p:cBhvr>
-                                        <p:cTn id="34" dur="1" fill="hold">
-                                          <p:stCondLst>
-                                            <p:cond delay="0"/>
-                                          </p:stCondLst>
-                                        </p:cTn>
-                                        <p:tgtEl>
-                                          <p:spTgt spid="3">
-                                            <p:txEl>
-                                              <p:pRg st="12" end="12"/>
+                                              <p:pRg st="6" end="6"/>
                                             </p:txEl>
                                           </p:spTgt>
                                         </p:tgtEl>
@@ -14580,6 +13045,15 @@
 </file>
 
 <file path=customXml/item1.xml><?xml version="1.0" encoding="utf-8"?>
+<?mso-contentType ?>
+<FormTemplates xmlns="http://schemas.microsoft.com/sharepoint/v3/contenttype/forms">
+  <Display>DocumentLibraryForm</Display>
+  <Edit>DocumentLibraryForm</Edit>
+  <New>DocumentLibraryForm</New>
+</FormTemplates>
+</file>
+
+<file path=customXml/item2.xml><?xml version="1.0" encoding="utf-8"?>
 <p:properties xmlns:p="http://schemas.microsoft.com/office/2006/metadata/properties" xmlns:xsi="http://www.w3.org/2001/XMLSchema-instance" xmlns:pc="http://schemas.microsoft.com/office/infopath/2007/PartnerControls">
   <documentManagement>
     <lcf76f155ced4ddcb4097134ff3c332f xmlns="858d5390-0f7b-4213-8bcd-0cd5cf778ba6">
@@ -14588,15 +13062,6 @@
     <TaxCatchAll xmlns="e5f39eeb-dc9c-40bf-a733-e74d7baf73b9" xsi:nil="true"/>
   </documentManagement>
 </p:properties>
-</file>
-
-<file path=customXml/item2.xml><?xml version="1.0" encoding="utf-8"?>
-<?mso-contentType ?>
-<FormTemplates xmlns="http://schemas.microsoft.com/sharepoint/v3/contenttype/forms">
-  <Display>DocumentLibraryForm</Display>
-  <Edit>DocumentLibraryForm</Edit>
-  <New>DocumentLibraryForm</New>
-</FormTemplates>
 </file>
 
 <file path=customXml/item3.xml><?xml version="1.0" encoding="utf-8"?>
@@ -14848,20 +13313,20 @@
 </file>
 
 <file path=customXml/itemProps1.xml><?xml version="1.0" encoding="utf-8"?>
+<ds:datastoreItem xmlns:ds="http://schemas.openxmlformats.org/officeDocument/2006/customXml" ds:itemID="{CAAF7FB3-E9ED-4EED-B8B3-D582CBAD96FA}">
+  <ds:schemaRefs>
+    <ds:schemaRef ds:uri="http://schemas.microsoft.com/sharepoint/v3/contenttype/forms"/>
+  </ds:schemaRefs>
+</ds:datastoreItem>
+</file>
+
+<file path=customXml/itemProps2.xml><?xml version="1.0" encoding="utf-8"?>
 <ds:datastoreItem xmlns:ds="http://schemas.openxmlformats.org/officeDocument/2006/customXml" ds:itemID="{2B532926-D782-41F9-BAB4-3CFD211C0FE2}">
   <ds:schemaRefs>
     <ds:schemaRef ds:uri="http://schemas.microsoft.com/office/2006/metadata/properties"/>
     <ds:schemaRef ds:uri="http://schemas.microsoft.com/office/infopath/2007/PartnerControls"/>
     <ds:schemaRef ds:uri="858d5390-0f7b-4213-8bcd-0cd5cf778ba6"/>
     <ds:schemaRef ds:uri="e5f39eeb-dc9c-40bf-a733-e74d7baf73b9"/>
-  </ds:schemaRefs>
-</ds:datastoreItem>
-</file>
-
-<file path=customXml/itemProps2.xml><?xml version="1.0" encoding="utf-8"?>
-<ds:datastoreItem xmlns:ds="http://schemas.openxmlformats.org/officeDocument/2006/customXml" ds:itemID="{CAAF7FB3-E9ED-4EED-B8B3-D582CBAD96FA}">
-  <ds:schemaRefs>
-    <ds:schemaRef ds:uri="http://schemas.microsoft.com/sharepoint/v3/contenttype/forms"/>
   </ds:schemaRefs>
 </ds:datastoreItem>
 </file>

--- a/course_data/presentations/practical_spring_boot_for_tdp.pptx
+++ b/course_data/presentations/practical_spring_boot_for_tdp.pptx
@@ -5,22 +5,23 @@
     <p:sldMasterId id="2147483648" r:id="rId4"/>
   </p:sldMasterIdLst>
   <p:notesMasterIdLst>
-    <p:notesMasterId r:id="rId18"/>
+    <p:notesMasterId r:id="rId19"/>
   </p:notesMasterIdLst>
   <p:sldIdLst>
     <p:sldId id="256" r:id="rId5"/>
     <p:sldId id="330" r:id="rId6"/>
     <p:sldId id="336" r:id="rId7"/>
-    <p:sldId id="261" r:id="rId8"/>
-    <p:sldId id="335" r:id="rId9"/>
-    <p:sldId id="304" r:id="rId10"/>
-    <p:sldId id="333" r:id="rId11"/>
-    <p:sldId id="334" r:id="rId12"/>
-    <p:sldId id="262" r:id="rId13"/>
-    <p:sldId id="264" r:id="rId14"/>
-    <p:sldId id="318" r:id="rId15"/>
-    <p:sldId id="319" r:id="rId16"/>
-    <p:sldId id="265" r:id="rId17"/>
+    <p:sldId id="337" r:id="rId8"/>
+    <p:sldId id="261" r:id="rId9"/>
+    <p:sldId id="335" r:id="rId10"/>
+    <p:sldId id="304" r:id="rId11"/>
+    <p:sldId id="333" r:id="rId12"/>
+    <p:sldId id="334" r:id="rId13"/>
+    <p:sldId id="262" r:id="rId14"/>
+    <p:sldId id="264" r:id="rId15"/>
+    <p:sldId id="318" r:id="rId16"/>
+    <p:sldId id="319" r:id="rId17"/>
+    <p:sldId id="265" r:id="rId18"/>
   </p:sldIdLst>
   <p:sldSz cx="12192000" cy="6858000"/>
   <p:notesSz cx="6858000" cy="9144000"/>
@@ -225,7 +226,7 @@
           <a:p>
             <a:fld id="{AD4DB1D7-A2E6-5540-AAB6-9A95390687AC}" type="datetimeFigureOut">
               <a:rPr lang="en-IL" smtClean="0"/>
-              <a:t>07/08/2024</a:t>
+              <a:t>08/08/2024</a:t>
             </a:fld>
             <a:endParaRPr lang="en-IL"/>
           </a:p>
@@ -737,7 +738,7 @@
           <a:p>
             <a:fld id="{B5FEB3D3-3C4F-5E4D-9290-0C0B5A2442F8}" type="slidenum">
               <a:rPr lang="en-IL" smtClean="0"/>
-              <a:t>4</a:t>
+              <a:t>5</a:t>
             </a:fld>
             <a:endParaRPr lang="en-IL"/>
           </a:p>
@@ -831,7 +832,7 @@
           <a:p>
             <a:fld id="{B5FEB3D3-3C4F-5E4D-9290-0C0B5A2442F8}" type="slidenum">
               <a:rPr lang="en-IL" smtClean="0"/>
-              <a:t>5</a:t>
+              <a:t>6</a:t>
             </a:fld>
             <a:endParaRPr lang="en-IL"/>
           </a:p>
@@ -915,7 +916,7 @@
           <a:p>
             <a:fld id="{B5FEB3D3-3C4F-5E4D-9290-0C0B5A2442F8}" type="slidenum">
               <a:rPr lang="en-IL" smtClean="0"/>
-              <a:t>8</a:t>
+              <a:t>9</a:t>
             </a:fld>
             <a:endParaRPr lang="en-IL"/>
           </a:p>
@@ -1022,7 +1023,7 @@
           <a:p>
             <a:fld id="{B5FEB3D3-3C4F-5E4D-9290-0C0B5A2442F8}" type="slidenum">
               <a:rPr lang="en-IL" smtClean="0"/>
-              <a:t>12</a:t>
+              <a:t>13</a:t>
             </a:fld>
             <a:endParaRPr lang="en-IL"/>
           </a:p>
@@ -1764,7 +1765,7 @@
             <a:fld id="{B61BEF0D-F0BB-DE4B-95CE-6DB70DBA9567}" type="datetimeFigureOut">
               <a:rPr lang="en-US" dirty="0"/>
               <a:pPr/>
-              <a:t>8/7/24</a:t>
+              <a:t>8/8/24</a:t>
             </a:fld>
             <a:endParaRPr lang="en-US" dirty="0"/>
           </a:p>
@@ -2012,7 +2013,7 @@
             <a:fld id="{B61BEF0D-F0BB-DE4B-95CE-6DB70DBA9567}" type="datetimeFigureOut">
               <a:rPr lang="en-US" dirty="0"/>
               <a:pPr/>
-              <a:t>8/7/24</a:t>
+              <a:t>8/8/24</a:t>
             </a:fld>
             <a:endParaRPr lang="en-US" dirty="0"/>
           </a:p>
@@ -2323,7 +2324,7 @@
             <a:fld id="{B61BEF0D-F0BB-DE4B-95CE-6DB70DBA9567}" type="datetimeFigureOut">
               <a:rPr lang="en-US" dirty="0"/>
               <a:pPr/>
-              <a:t>8/7/24</a:t>
+              <a:t>8/8/24</a:t>
             </a:fld>
             <a:endParaRPr lang="en-US" dirty="0"/>
           </a:p>
@@ -2661,7 +2662,7 @@
             <a:fld id="{B61BEF0D-F0BB-DE4B-95CE-6DB70DBA9567}" type="datetimeFigureOut">
               <a:rPr lang="en-US" dirty="0"/>
               <a:pPr/>
-              <a:t>8/7/24</a:t>
+              <a:t>8/8/24</a:t>
             </a:fld>
             <a:endParaRPr lang="en-US" dirty="0"/>
           </a:p>
@@ -2972,7 +2973,7 @@
             <a:fld id="{B61BEF0D-F0BB-DE4B-95CE-6DB70DBA9567}" type="datetimeFigureOut">
               <a:rPr lang="en-US" dirty="0"/>
               <a:pPr/>
-              <a:t>8/7/24</a:t>
+              <a:t>8/8/24</a:t>
             </a:fld>
             <a:endParaRPr lang="en-US" dirty="0"/>
           </a:p>
@@ -3362,7 +3363,7 @@
             <a:fld id="{B61BEF0D-F0BB-DE4B-95CE-6DB70DBA9567}" type="datetimeFigureOut">
               <a:rPr lang="en-US" dirty="0"/>
               <a:pPr/>
-              <a:t>8/7/24</a:t>
+              <a:t>8/8/24</a:t>
             </a:fld>
             <a:endParaRPr lang="en-US" dirty="0"/>
           </a:p>
@@ -3528,7 +3529,7 @@
           <a:p>
             <a:fld id="{55C6B4A9-1611-4792-9094-5F34BCA07E0B}" type="datetimeFigureOut">
               <a:rPr lang="en-US" dirty="0"/>
-              <a:t>8/7/24</a:t>
+              <a:t>8/8/24</a:t>
             </a:fld>
             <a:endParaRPr lang="en-US" dirty="0"/>
           </a:p>
@@ -3704,7 +3705,7 @@
             <a:fld id="{B61BEF0D-F0BB-DE4B-95CE-6DB70DBA9567}" type="datetimeFigureOut">
               <a:rPr lang="en-US" dirty="0"/>
               <a:pPr/>
-              <a:t>8/7/24</a:t>
+              <a:t>8/8/24</a:t>
             </a:fld>
             <a:endParaRPr lang="en-US" dirty="0"/>
           </a:p>
@@ -3886,7 +3887,7 @@
             <a:fld id="{B61BEF0D-F0BB-DE4B-95CE-6DB70DBA9567}" type="datetimeFigureOut">
               <a:rPr lang="en-US" dirty="0"/>
               <a:pPr/>
-              <a:t>8/7/24</a:t>
+              <a:t>8/8/24</a:t>
             </a:fld>
             <a:endParaRPr lang="en-US" dirty="0"/>
           </a:p>
@@ -4146,7 +4147,7 @@
             <a:fld id="{B61BEF0D-F0BB-DE4B-95CE-6DB70DBA9567}" type="datetimeFigureOut">
               <a:rPr lang="en-US" dirty="0"/>
               <a:pPr/>
-              <a:t>8/7/24</a:t>
+              <a:t>8/8/24</a:t>
             </a:fld>
             <a:endParaRPr lang="en-US" dirty="0"/>
           </a:p>
@@ -4374,7 +4375,7 @@
           <a:p>
             <a:fld id="{EB712588-04B1-427B-82EE-E8DB90309F08}" type="datetimeFigureOut">
               <a:rPr lang="en-US" dirty="0"/>
-              <a:t>8/7/24</a:t>
+              <a:t>8/8/24</a:t>
             </a:fld>
             <a:endParaRPr lang="en-US" dirty="0"/>
           </a:p>
@@ -4744,7 +4745,7 @@
             <a:fld id="{B61BEF0D-F0BB-DE4B-95CE-6DB70DBA9567}" type="datetimeFigureOut">
               <a:rPr lang="en-US" dirty="0"/>
               <a:pPr/>
-              <a:t>8/7/24</a:t>
+              <a:t>8/8/24</a:t>
             </a:fld>
             <a:endParaRPr lang="en-US" dirty="0"/>
           </a:p>
@@ -4864,7 +4865,7 @@
             <a:fld id="{B61BEF0D-F0BB-DE4B-95CE-6DB70DBA9567}" type="datetimeFigureOut">
               <a:rPr lang="en-US" dirty="0"/>
               <a:pPr/>
-              <a:t>8/7/24</a:t>
+              <a:t>8/8/24</a:t>
             </a:fld>
             <a:endParaRPr lang="en-US" dirty="0"/>
           </a:p>
@@ -4956,7 +4957,7 @@
             <a:fld id="{B61BEF0D-F0BB-DE4B-95CE-6DB70DBA9567}" type="datetimeFigureOut">
               <a:rPr lang="en-US" dirty="0"/>
               <a:pPr/>
-              <a:t>8/7/24</a:t>
+              <a:t>8/8/24</a:t>
             </a:fld>
             <a:endParaRPr lang="en-US" dirty="0"/>
           </a:p>
@@ -5207,7 +5208,7 @@
           <a:p>
             <a:fld id="{42A54C80-263E-416B-A8E0-580EDEADCBDC}" type="datetimeFigureOut">
               <a:rPr lang="en-US" dirty="0"/>
-              <a:t>8/7/24</a:t>
+              <a:t>8/8/24</a:t>
             </a:fld>
             <a:endParaRPr lang="en-US" dirty="0"/>
           </a:p>
@@ -5466,7 +5467,7 @@
             <a:fld id="{B61BEF0D-F0BB-DE4B-95CE-6DB70DBA9567}" type="datetimeFigureOut">
               <a:rPr lang="en-US" dirty="0"/>
               <a:pPr/>
-              <a:t>8/7/24</a:t>
+              <a:t>8/8/24</a:t>
             </a:fld>
             <a:endParaRPr lang="en-US" dirty="0"/>
           </a:p>
@@ -6206,7 +6207,7 @@
             <a:fld id="{B61BEF0D-F0BB-DE4B-95CE-6DB70DBA9567}" type="datetimeFigureOut">
               <a:rPr lang="en-US" dirty="0"/>
               <a:pPr/>
-              <a:t>8/7/24</a:t>
+              <a:t>8/8/24</a:t>
             </a:fld>
             <a:endParaRPr lang="en-US" dirty="0"/>
           </a:p>
@@ -6851,6 +6852,832 @@
 </file>
 
 <file path=ppt/slides/slide10.xml><?xml version="1.0" encoding="utf-8"?>
+<p:sld xmlns:a="http://schemas.openxmlformats.org/drawingml/2006/main" xmlns:r="http://schemas.openxmlformats.org/officeDocument/2006/relationships" xmlns:p="http://schemas.openxmlformats.org/presentationml/2006/main">
+  <p:cSld>
+    <p:spTree>
+      <p:nvGrpSpPr>
+        <p:cNvPr id="1" name=""/>
+        <p:cNvGrpSpPr/>
+        <p:nvPr/>
+      </p:nvGrpSpPr>
+      <p:grpSpPr>
+        <a:xfrm>
+          <a:off x="0" y="0"/>
+          <a:ext cx="0" cy="0"/>
+          <a:chOff x="0" y="0"/>
+          <a:chExt cx="0" cy="0"/>
+        </a:xfrm>
+      </p:grpSpPr>
+      <p:sp>
+        <p:nvSpPr>
+          <p:cNvPr id="2" name="Title 1">
+            <a:extLst>
+              <a:ext uri="{FF2B5EF4-FFF2-40B4-BE49-F238E27FC236}">
+                <a16:creationId xmlns:a16="http://schemas.microsoft.com/office/drawing/2014/main" id="{33613CEB-B33C-5604-02BC-3036BDA84F19}"/>
+              </a:ext>
+            </a:extLst>
+          </p:cNvPr>
+          <p:cNvSpPr>
+            <a:spLocks noGrp="1"/>
+          </p:cNvSpPr>
+          <p:nvPr>
+            <p:ph type="title"/>
+          </p:nvPr>
+        </p:nvSpPr>
+        <p:spPr>
+          <a:xfrm>
+            <a:off x="677334" y="609600"/>
+            <a:ext cx="8596668" cy="682487"/>
+          </a:xfrm>
+        </p:spPr>
+        <p:txBody>
+          <a:bodyPr>
+            <a:normAutofit fontScale="90000"/>
+          </a:bodyPr>
+          <a:lstStyle/>
+          <a:p>
+            <a:r>
+              <a:rPr lang="en-IL" dirty="0"/>
+              <a:t>Lets create a class using traditional OOP programming approach</a:t>
+            </a:r>
+          </a:p>
+        </p:txBody>
+      </p:sp>
+      <p:sp>
+        <p:nvSpPr>
+          <p:cNvPr id="3" name="Content Placeholder 2">
+            <a:extLst>
+              <a:ext uri="{FF2B5EF4-FFF2-40B4-BE49-F238E27FC236}">
+                <a16:creationId xmlns:a16="http://schemas.microsoft.com/office/drawing/2014/main" id="{03CDAC2F-998A-9E7F-DD71-83F787124D43}"/>
+              </a:ext>
+            </a:extLst>
+          </p:cNvPr>
+          <p:cNvSpPr>
+            <a:spLocks noGrp="1"/>
+          </p:cNvSpPr>
+          <p:nvPr>
+            <p:ph sz="half" idx="1"/>
+          </p:nvPr>
+        </p:nvSpPr>
+        <p:spPr>
+          <a:xfrm>
+            <a:off x="677332" y="1756371"/>
+            <a:ext cx="8506423" cy="778107"/>
+          </a:xfrm>
+        </p:spPr>
+        <p:txBody>
+          <a:bodyPr>
+            <a:normAutofit/>
+          </a:bodyPr>
+          <a:lstStyle/>
+          <a:p>
+            <a:pPr marL="0" indent="0">
+              <a:buNone/>
+            </a:pPr>
+            <a:r>
+              <a:rPr lang="en-US" dirty="0"/>
+              <a:t>In traditional OOP programming, upon creation of the object (e.g., Computer), it will also create (</a:t>
+            </a:r>
+            <a:r>
+              <a:rPr lang="en-US" i="1" dirty="0"/>
+              <a:t>new</a:t>
+            </a:r>
+            <a:r>
+              <a:rPr lang="en-US" dirty="0"/>
+              <a:t>) its dependent classes (e.g., Processor, RAM instances):</a:t>
+            </a:r>
+            <a:endParaRPr lang="en-IL" dirty="0"/>
+          </a:p>
+          <a:p>
+            <a:pPr marL="0" indent="0">
+              <a:buNone/>
+            </a:pPr>
+            <a:endParaRPr lang="en-US" dirty="0"/>
+          </a:p>
+          <a:p>
+            <a:endParaRPr lang="en-IL" dirty="0"/>
+          </a:p>
+        </p:txBody>
+      </p:sp>
+      <p:sp>
+        <p:nvSpPr>
+          <p:cNvPr id="7" name="Content Placeholder 2">
+            <a:extLst>
+              <a:ext uri="{FF2B5EF4-FFF2-40B4-BE49-F238E27FC236}">
+                <a16:creationId xmlns:a16="http://schemas.microsoft.com/office/drawing/2014/main" id="{510CD3CA-7661-11B9-AF07-F39AF318C632}"/>
+              </a:ext>
+            </a:extLst>
+          </p:cNvPr>
+          <p:cNvSpPr txBox="1">
+            <a:spLocks/>
+          </p:cNvSpPr>
+          <p:nvPr/>
+        </p:nvSpPr>
+        <p:spPr>
+          <a:xfrm>
+            <a:off x="677333" y="2821899"/>
+            <a:ext cx="4184035" cy="974035"/>
+          </a:xfrm>
+          <a:prstGeom prst="rect">
+            <a:avLst/>
+          </a:prstGeom>
+        </p:spPr>
+        <p:txBody>
+          <a:bodyPr vert="horz" lIns="91440" tIns="45720" rIns="91440" bIns="45720" rtlCol="0">
+            <a:normAutofit/>
+          </a:bodyPr>
+          <a:lstStyle>
+            <a:lvl1pPr marL="342900" indent="-342900" algn="l" defTabSz="457200" rtl="0" eaLnBrk="1" latinLnBrk="0" hangingPunct="1">
+              <a:spcBef>
+                <a:spcPts val="1000"/>
+              </a:spcBef>
+              <a:spcAft>
+                <a:spcPts val="0"/>
+              </a:spcAft>
+              <a:buClr>
+                <a:schemeClr val="accent1"/>
+              </a:buClr>
+              <a:buSzPct val="80000"/>
+              <a:buFont typeface="Wingdings 3" charset="2"/>
+              <a:buChar char=""/>
+              <a:defRPr sz="1800" kern="1200">
+                <a:solidFill>
+                  <a:schemeClr val="tx1">
+                    <a:lumMod val="75000"/>
+                    <a:lumOff val="25000"/>
+                  </a:schemeClr>
+                </a:solidFill>
+                <a:latin typeface="+mn-lt"/>
+                <a:ea typeface="+mn-ea"/>
+                <a:cs typeface="+mn-cs"/>
+              </a:defRPr>
+            </a:lvl1pPr>
+            <a:lvl2pPr marL="742950" indent="-285750" algn="l" defTabSz="457200" rtl="0" eaLnBrk="1" latinLnBrk="0" hangingPunct="1">
+              <a:spcBef>
+                <a:spcPts val="1000"/>
+              </a:spcBef>
+              <a:spcAft>
+                <a:spcPts val="0"/>
+              </a:spcAft>
+              <a:buClr>
+                <a:schemeClr val="accent1"/>
+              </a:buClr>
+              <a:buSzPct val="80000"/>
+              <a:buFont typeface="Wingdings 3" charset="2"/>
+              <a:buChar char=""/>
+              <a:defRPr sz="1600" kern="1200">
+                <a:solidFill>
+                  <a:schemeClr val="tx1">
+                    <a:lumMod val="75000"/>
+                    <a:lumOff val="25000"/>
+                  </a:schemeClr>
+                </a:solidFill>
+                <a:latin typeface="+mn-lt"/>
+                <a:ea typeface="+mn-ea"/>
+                <a:cs typeface="+mn-cs"/>
+              </a:defRPr>
+            </a:lvl2pPr>
+            <a:lvl3pPr marL="1143000" indent="-228600" algn="l" defTabSz="457200" rtl="0" eaLnBrk="1" latinLnBrk="0" hangingPunct="1">
+              <a:spcBef>
+                <a:spcPts val="1000"/>
+              </a:spcBef>
+              <a:spcAft>
+                <a:spcPts val="0"/>
+              </a:spcAft>
+              <a:buClr>
+                <a:schemeClr val="accent1"/>
+              </a:buClr>
+              <a:buSzPct val="80000"/>
+              <a:buFont typeface="Wingdings 3" charset="2"/>
+              <a:buChar char=""/>
+              <a:defRPr sz="1400" kern="1200">
+                <a:solidFill>
+                  <a:schemeClr val="tx1">
+                    <a:lumMod val="75000"/>
+                    <a:lumOff val="25000"/>
+                  </a:schemeClr>
+                </a:solidFill>
+                <a:latin typeface="+mn-lt"/>
+                <a:ea typeface="+mn-ea"/>
+                <a:cs typeface="+mn-cs"/>
+              </a:defRPr>
+            </a:lvl3pPr>
+            <a:lvl4pPr marL="1600200" indent="-228600" algn="l" defTabSz="457200" rtl="0" eaLnBrk="1" latinLnBrk="0" hangingPunct="1">
+              <a:spcBef>
+                <a:spcPts val="1000"/>
+              </a:spcBef>
+              <a:spcAft>
+                <a:spcPts val="0"/>
+              </a:spcAft>
+              <a:buClr>
+                <a:schemeClr val="accent1"/>
+              </a:buClr>
+              <a:buSzPct val="80000"/>
+              <a:buFont typeface="Wingdings 3" charset="2"/>
+              <a:buChar char=""/>
+              <a:defRPr sz="1200" kern="1200">
+                <a:solidFill>
+                  <a:schemeClr val="tx1">
+                    <a:lumMod val="75000"/>
+                    <a:lumOff val="25000"/>
+                  </a:schemeClr>
+                </a:solidFill>
+                <a:latin typeface="+mn-lt"/>
+                <a:ea typeface="+mn-ea"/>
+                <a:cs typeface="+mn-cs"/>
+              </a:defRPr>
+            </a:lvl4pPr>
+            <a:lvl5pPr marL="2057400" indent="-228600" algn="l" defTabSz="457200" rtl="0" eaLnBrk="1" latinLnBrk="0" hangingPunct="1">
+              <a:spcBef>
+                <a:spcPts val="1000"/>
+              </a:spcBef>
+              <a:spcAft>
+                <a:spcPts val="0"/>
+              </a:spcAft>
+              <a:buClr>
+                <a:schemeClr val="accent1"/>
+              </a:buClr>
+              <a:buSzPct val="80000"/>
+              <a:buFont typeface="Wingdings 3" charset="2"/>
+              <a:buChar char=""/>
+              <a:defRPr sz="1200" kern="1200">
+                <a:solidFill>
+                  <a:schemeClr val="tx1">
+                    <a:lumMod val="75000"/>
+                    <a:lumOff val="25000"/>
+                  </a:schemeClr>
+                </a:solidFill>
+                <a:latin typeface="+mn-lt"/>
+                <a:ea typeface="+mn-ea"/>
+                <a:cs typeface="+mn-cs"/>
+              </a:defRPr>
+            </a:lvl5pPr>
+            <a:lvl6pPr marL="2514600" indent="-228600" algn="l" defTabSz="457200" rtl="0" eaLnBrk="1" latinLnBrk="0" hangingPunct="1">
+              <a:spcBef>
+                <a:spcPts val="1000"/>
+              </a:spcBef>
+              <a:spcAft>
+                <a:spcPts val="0"/>
+              </a:spcAft>
+              <a:buClr>
+                <a:schemeClr val="accent1"/>
+              </a:buClr>
+              <a:buSzPct val="80000"/>
+              <a:buFont typeface="Wingdings 3" charset="2"/>
+              <a:buChar char=""/>
+              <a:defRPr sz="1200" kern="1200">
+                <a:solidFill>
+                  <a:schemeClr val="tx1">
+                    <a:lumMod val="75000"/>
+                    <a:lumOff val="25000"/>
+                  </a:schemeClr>
+                </a:solidFill>
+                <a:latin typeface="+mn-lt"/>
+                <a:ea typeface="+mn-ea"/>
+                <a:cs typeface="+mn-cs"/>
+              </a:defRPr>
+            </a:lvl6pPr>
+            <a:lvl7pPr marL="2971800" indent="-228600" algn="l" defTabSz="457200" rtl="0" eaLnBrk="1" latinLnBrk="0" hangingPunct="1">
+              <a:spcBef>
+                <a:spcPts val="1000"/>
+              </a:spcBef>
+              <a:spcAft>
+                <a:spcPts val="0"/>
+              </a:spcAft>
+              <a:buClr>
+                <a:schemeClr val="accent1"/>
+              </a:buClr>
+              <a:buSzPct val="80000"/>
+              <a:buFont typeface="Wingdings 3" charset="2"/>
+              <a:buChar char=""/>
+              <a:defRPr sz="1200" kern="1200">
+                <a:solidFill>
+                  <a:schemeClr val="tx1">
+                    <a:lumMod val="75000"/>
+                    <a:lumOff val="25000"/>
+                  </a:schemeClr>
+                </a:solidFill>
+                <a:latin typeface="+mn-lt"/>
+                <a:ea typeface="+mn-ea"/>
+                <a:cs typeface="+mn-cs"/>
+              </a:defRPr>
+            </a:lvl7pPr>
+            <a:lvl8pPr marL="3429000" indent="-228600" algn="l" defTabSz="457200" rtl="0" eaLnBrk="1" latinLnBrk="0" hangingPunct="1">
+              <a:spcBef>
+                <a:spcPts val="1000"/>
+              </a:spcBef>
+              <a:spcAft>
+                <a:spcPts val="0"/>
+              </a:spcAft>
+              <a:buClr>
+                <a:schemeClr val="accent1"/>
+              </a:buClr>
+              <a:buSzPct val="80000"/>
+              <a:buFont typeface="Wingdings 3" charset="2"/>
+              <a:buChar char=""/>
+              <a:defRPr sz="1200" kern="1200">
+                <a:solidFill>
+                  <a:schemeClr val="tx1">
+                    <a:lumMod val="75000"/>
+                    <a:lumOff val="25000"/>
+                  </a:schemeClr>
+                </a:solidFill>
+                <a:latin typeface="+mn-lt"/>
+                <a:ea typeface="+mn-ea"/>
+                <a:cs typeface="+mn-cs"/>
+              </a:defRPr>
+            </a:lvl8pPr>
+            <a:lvl9pPr marL="3886200" indent="-228600" algn="l" defTabSz="457200" rtl="0" eaLnBrk="1" latinLnBrk="0" hangingPunct="1">
+              <a:spcBef>
+                <a:spcPts val="1000"/>
+              </a:spcBef>
+              <a:spcAft>
+                <a:spcPts val="0"/>
+              </a:spcAft>
+              <a:buClr>
+                <a:schemeClr val="accent1"/>
+              </a:buClr>
+              <a:buSzPct val="80000"/>
+              <a:buFont typeface="Wingdings 3" charset="2"/>
+              <a:buChar char=""/>
+              <a:defRPr sz="1200" kern="1200">
+                <a:solidFill>
+                  <a:schemeClr val="tx1">
+                    <a:lumMod val="75000"/>
+                    <a:lumOff val="25000"/>
+                  </a:schemeClr>
+                </a:solidFill>
+                <a:latin typeface="+mn-lt"/>
+                <a:ea typeface="+mn-ea"/>
+                <a:cs typeface="+mn-cs"/>
+              </a:defRPr>
+            </a:lvl9pPr>
+          </a:lstStyle>
+          <a:p>
+            <a:endParaRPr lang="en-IL" dirty="0"/>
+          </a:p>
+        </p:txBody>
+      </p:sp>
+      <p:sp>
+        <p:nvSpPr>
+          <p:cNvPr id="9" name="TextBox 8">
+            <a:extLst>
+              <a:ext uri="{FF2B5EF4-FFF2-40B4-BE49-F238E27FC236}">
+                <a16:creationId xmlns:a16="http://schemas.microsoft.com/office/drawing/2014/main" id="{033FB78D-07B7-A7FD-D857-1CF10A05237F}"/>
+              </a:ext>
+            </a:extLst>
+          </p:cNvPr>
+          <p:cNvSpPr txBox="1"/>
+          <p:nvPr/>
+        </p:nvSpPr>
+        <p:spPr>
+          <a:xfrm>
+            <a:off x="677332" y="2671025"/>
+            <a:ext cx="8596668" cy="3970318"/>
+          </a:xfrm>
+          <a:prstGeom prst="rect">
+            <a:avLst/>
+          </a:prstGeom>
+          <a:solidFill>
+            <a:schemeClr val="tx2">
+              <a:lumMod val="20000"/>
+              <a:lumOff val="80000"/>
+            </a:schemeClr>
+          </a:solidFill>
+          <a:ln w="12700">
+            <a:solidFill>
+              <a:schemeClr val="accent1"/>
+            </a:solidFill>
+          </a:ln>
+        </p:spPr>
+        <p:txBody>
+          <a:bodyPr wrap="square">
+            <a:spAutoFit/>
+          </a:bodyPr>
+          <a:lstStyle/>
+          <a:p>
+            <a:r>
+              <a:rPr lang="en-IL" dirty="0">
+                <a:solidFill>
+                  <a:srgbClr val="0070C0"/>
+                </a:solidFill>
+                <a:latin typeface="Courier New" panose="02070309020205020404" pitchFamily="49" charset="0"/>
+                <a:cs typeface="Courier New" panose="02070309020205020404" pitchFamily="49" charset="0"/>
+              </a:rPr>
+              <a:t>public</a:t>
+            </a:r>
+            <a:r>
+              <a:rPr lang="en-IL" dirty="0">
+                <a:latin typeface="Courier New" panose="02070309020205020404" pitchFamily="49" charset="0"/>
+                <a:cs typeface="Courier New" panose="02070309020205020404" pitchFamily="49" charset="0"/>
+              </a:rPr>
+              <a:t> </a:t>
+            </a:r>
+            <a:r>
+              <a:rPr lang="en-IL" dirty="0">
+                <a:solidFill>
+                  <a:srgbClr val="0070C0"/>
+                </a:solidFill>
+                <a:latin typeface="Courier New" panose="02070309020205020404" pitchFamily="49" charset="0"/>
+                <a:cs typeface="Courier New" panose="02070309020205020404" pitchFamily="49" charset="0"/>
+              </a:rPr>
+              <a:t>class</a:t>
+            </a:r>
+            <a:r>
+              <a:rPr lang="en-IL" dirty="0">
+                <a:latin typeface="Courier New" panose="02070309020205020404" pitchFamily="49" charset="0"/>
+                <a:cs typeface="Courier New" panose="02070309020205020404" pitchFamily="49" charset="0"/>
+              </a:rPr>
+              <a:t> Computer {</a:t>
+            </a:r>
+          </a:p>
+          <a:p>
+            <a:r>
+              <a:rPr lang="en-IL" dirty="0">
+                <a:latin typeface="Courier New" panose="02070309020205020404" pitchFamily="49" charset="0"/>
+                <a:cs typeface="Courier New" panose="02070309020205020404" pitchFamily="49" charset="0"/>
+              </a:rPr>
+              <a:t>    </a:t>
+            </a:r>
+            <a:r>
+              <a:rPr lang="en-IL" dirty="0">
+                <a:solidFill>
+                  <a:srgbClr val="0070C0"/>
+                </a:solidFill>
+                <a:latin typeface="Courier New" panose="02070309020205020404" pitchFamily="49" charset="0"/>
+                <a:cs typeface="Courier New" panose="02070309020205020404" pitchFamily="49" charset="0"/>
+              </a:rPr>
+              <a:t>private</a:t>
+            </a:r>
+            <a:r>
+              <a:rPr lang="en-IL" dirty="0">
+                <a:latin typeface="Courier New" panose="02070309020205020404" pitchFamily="49" charset="0"/>
+                <a:cs typeface="Courier New" panose="02070309020205020404" pitchFamily="49" charset="0"/>
+              </a:rPr>
+              <a:t> </a:t>
+            </a:r>
+            <a:r>
+              <a:rPr lang="en-IL" dirty="0">
+                <a:solidFill>
+                  <a:srgbClr val="0070C0"/>
+                </a:solidFill>
+                <a:latin typeface="Courier New" panose="02070309020205020404" pitchFamily="49" charset="0"/>
+                <a:cs typeface="Courier New" panose="02070309020205020404" pitchFamily="49" charset="0"/>
+              </a:rPr>
+              <a:t>final</a:t>
+            </a:r>
+            <a:r>
+              <a:rPr lang="en-IL" dirty="0">
+                <a:latin typeface="Courier New" panose="02070309020205020404" pitchFamily="49" charset="0"/>
+                <a:cs typeface="Courier New" panose="02070309020205020404" pitchFamily="49" charset="0"/>
+              </a:rPr>
+              <a:t> </a:t>
+            </a:r>
+            <a:r>
+              <a:rPr lang="en-US" dirty="0">
+                <a:latin typeface="Courier New" panose="02070309020205020404" pitchFamily="49" charset="0"/>
+                <a:cs typeface="Courier New" panose="02070309020205020404" pitchFamily="49" charset="0"/>
+              </a:rPr>
+              <a:t>Processor</a:t>
+            </a:r>
+            <a:r>
+              <a:rPr lang="en-IL" dirty="0">
+                <a:latin typeface="Courier New" panose="02070309020205020404" pitchFamily="49" charset="0"/>
+                <a:cs typeface="Courier New" panose="02070309020205020404" pitchFamily="49" charset="0"/>
+              </a:rPr>
+              <a:t> </a:t>
+            </a:r>
+            <a:r>
+              <a:rPr lang="en-US" dirty="0">
+                <a:latin typeface="Courier New" panose="02070309020205020404" pitchFamily="49" charset="0"/>
+                <a:cs typeface="Courier New" panose="02070309020205020404" pitchFamily="49" charset="0"/>
+              </a:rPr>
+              <a:t>processor</a:t>
+            </a:r>
+            <a:r>
+              <a:rPr lang="en-IL" dirty="0">
+                <a:latin typeface="Courier New" panose="02070309020205020404" pitchFamily="49" charset="0"/>
+                <a:cs typeface="Courier New" panose="02070309020205020404" pitchFamily="49" charset="0"/>
+              </a:rPr>
+              <a:t>;</a:t>
+            </a:r>
+          </a:p>
+          <a:p>
+            <a:r>
+              <a:rPr lang="en-IL" dirty="0">
+                <a:latin typeface="Courier New" panose="02070309020205020404" pitchFamily="49" charset="0"/>
+                <a:cs typeface="Courier New" panose="02070309020205020404" pitchFamily="49" charset="0"/>
+              </a:rPr>
+              <a:t>    </a:t>
+            </a:r>
+            <a:r>
+              <a:rPr lang="en-IL" dirty="0">
+                <a:solidFill>
+                  <a:srgbClr val="0070C0"/>
+                </a:solidFill>
+                <a:latin typeface="Courier New" panose="02070309020205020404" pitchFamily="49" charset="0"/>
+                <a:cs typeface="Courier New" panose="02070309020205020404" pitchFamily="49" charset="0"/>
+              </a:rPr>
+              <a:t>private</a:t>
+            </a:r>
+            <a:r>
+              <a:rPr lang="en-IL" dirty="0">
+                <a:latin typeface="Courier New" panose="02070309020205020404" pitchFamily="49" charset="0"/>
+                <a:cs typeface="Courier New" panose="02070309020205020404" pitchFamily="49" charset="0"/>
+              </a:rPr>
+              <a:t> </a:t>
+            </a:r>
+            <a:r>
+              <a:rPr lang="en-IL" dirty="0">
+                <a:solidFill>
+                  <a:srgbClr val="0070C0"/>
+                </a:solidFill>
+                <a:latin typeface="Courier New" panose="02070309020205020404" pitchFamily="49" charset="0"/>
+                <a:cs typeface="Courier New" panose="02070309020205020404" pitchFamily="49" charset="0"/>
+              </a:rPr>
+              <a:t>final </a:t>
+            </a:r>
+            <a:r>
+              <a:rPr lang="en-IL" dirty="0">
+                <a:latin typeface="Courier New" panose="02070309020205020404" pitchFamily="49" charset="0"/>
+                <a:cs typeface="Courier New" panose="02070309020205020404" pitchFamily="49" charset="0"/>
+              </a:rPr>
+              <a:t>RandomAccessMemory randomAccessMemory;</a:t>
+            </a:r>
+          </a:p>
+          <a:p>
+            <a:r>
+              <a:rPr lang="en-IL" dirty="0">
+                <a:latin typeface="Courier New" panose="02070309020205020404" pitchFamily="49" charset="0"/>
+                <a:cs typeface="Courier New" panose="02070309020205020404" pitchFamily="49" charset="0"/>
+              </a:rPr>
+              <a:t>    </a:t>
+            </a:r>
+            <a:r>
+              <a:rPr lang="en-IL" dirty="0">
+                <a:solidFill>
+                  <a:srgbClr val="0070C0"/>
+                </a:solidFill>
+                <a:latin typeface="Courier New" panose="02070309020205020404" pitchFamily="49" charset="0"/>
+                <a:cs typeface="Courier New" panose="02070309020205020404" pitchFamily="49" charset="0"/>
+              </a:rPr>
+              <a:t>private</a:t>
+            </a:r>
+            <a:r>
+              <a:rPr lang="en-IL" dirty="0">
+                <a:latin typeface="Courier New" panose="02070309020205020404" pitchFamily="49" charset="0"/>
+                <a:cs typeface="Courier New" panose="02070309020205020404" pitchFamily="49" charset="0"/>
+              </a:rPr>
+              <a:t> </a:t>
+            </a:r>
+            <a:r>
+              <a:rPr lang="en-IL" dirty="0">
+                <a:solidFill>
+                  <a:srgbClr val="0070C0"/>
+                </a:solidFill>
+                <a:latin typeface="Courier New" panose="02070309020205020404" pitchFamily="49" charset="0"/>
+                <a:cs typeface="Courier New" panose="02070309020205020404" pitchFamily="49" charset="0"/>
+              </a:rPr>
+              <a:t>final </a:t>
+            </a:r>
+            <a:r>
+              <a:rPr lang="en-IL" dirty="0">
+                <a:latin typeface="Courier New" panose="02070309020205020404" pitchFamily="49" charset="0"/>
+                <a:cs typeface="Courier New" panose="02070309020205020404" pitchFamily="49" charset="0"/>
+              </a:rPr>
+              <a:t>GraphicsCard graphicsCard;</a:t>
+            </a:r>
+          </a:p>
+          <a:p>
+            <a:r>
+              <a:rPr lang="en-IL" dirty="0">
+                <a:latin typeface="Courier New" panose="02070309020205020404" pitchFamily="49" charset="0"/>
+                <a:cs typeface="Courier New" panose="02070309020205020404" pitchFamily="49" charset="0"/>
+              </a:rPr>
+              <a:t>    </a:t>
+            </a:r>
+            <a:r>
+              <a:rPr lang="en-IL" dirty="0">
+                <a:solidFill>
+                  <a:srgbClr val="0070C0"/>
+                </a:solidFill>
+                <a:latin typeface="Courier New" panose="02070309020205020404" pitchFamily="49" charset="0"/>
+                <a:cs typeface="Courier New" panose="02070309020205020404" pitchFamily="49" charset="0"/>
+              </a:rPr>
+              <a:t>private</a:t>
+            </a:r>
+            <a:r>
+              <a:rPr lang="en-IL" dirty="0">
+                <a:latin typeface="Courier New" panose="02070309020205020404" pitchFamily="49" charset="0"/>
+                <a:cs typeface="Courier New" panose="02070309020205020404" pitchFamily="49" charset="0"/>
+              </a:rPr>
+              <a:t> </a:t>
+            </a:r>
+            <a:r>
+              <a:rPr lang="en-IL" dirty="0">
+                <a:solidFill>
+                  <a:srgbClr val="0070C0"/>
+                </a:solidFill>
+                <a:latin typeface="Courier New" panose="02070309020205020404" pitchFamily="49" charset="0"/>
+                <a:cs typeface="Courier New" panose="02070309020205020404" pitchFamily="49" charset="0"/>
+              </a:rPr>
+              <a:t>final </a:t>
+            </a:r>
+            <a:r>
+              <a:rPr lang="en-IL" dirty="0">
+                <a:latin typeface="Courier New" panose="02070309020205020404" pitchFamily="49" charset="0"/>
+                <a:cs typeface="Courier New" panose="02070309020205020404" pitchFamily="49" charset="0"/>
+              </a:rPr>
+              <a:t>Coolers coolers;</a:t>
+            </a:r>
+          </a:p>
+          <a:p>
+            <a:r>
+              <a:rPr lang="en-IL" dirty="0">
+                <a:latin typeface="Courier New" panose="02070309020205020404" pitchFamily="49" charset="0"/>
+                <a:cs typeface="Courier New" panose="02070309020205020404" pitchFamily="49" charset="0"/>
+              </a:rPr>
+              <a:t> </a:t>
+            </a:r>
+          </a:p>
+          <a:p>
+            <a:r>
+              <a:rPr lang="en-IL" dirty="0">
+                <a:latin typeface="Courier New" panose="02070309020205020404" pitchFamily="49" charset="0"/>
+                <a:cs typeface="Courier New" panose="02070309020205020404" pitchFamily="49" charset="0"/>
+              </a:rPr>
+              <a:t>    </a:t>
+            </a:r>
+            <a:r>
+              <a:rPr lang="en-IL" dirty="0">
+                <a:solidFill>
+                  <a:srgbClr val="0070C0"/>
+                </a:solidFill>
+                <a:latin typeface="Courier New" panose="02070309020205020404" pitchFamily="49" charset="0"/>
+                <a:cs typeface="Courier New" panose="02070309020205020404" pitchFamily="49" charset="0"/>
+              </a:rPr>
+              <a:t>public</a:t>
+            </a:r>
+            <a:r>
+              <a:rPr lang="en-IL" dirty="0">
+                <a:latin typeface="Courier New" panose="02070309020205020404" pitchFamily="49" charset="0"/>
+                <a:cs typeface="Courier New" panose="02070309020205020404" pitchFamily="49" charset="0"/>
+              </a:rPr>
+              <a:t> Computer() {</a:t>
+            </a:r>
+          </a:p>
+          <a:p>
+            <a:r>
+              <a:rPr lang="en-IL" dirty="0">
+                <a:latin typeface="Courier New" panose="02070309020205020404" pitchFamily="49" charset="0"/>
+                <a:cs typeface="Courier New" panose="02070309020205020404" pitchFamily="49" charset="0"/>
+              </a:rPr>
+              <a:t>		processor = </a:t>
+            </a:r>
+            <a:r>
+              <a:rPr lang="en-IL" dirty="0">
+                <a:solidFill>
+                  <a:srgbClr val="0070C0"/>
+                </a:solidFill>
+                <a:latin typeface="Courier New" panose="02070309020205020404" pitchFamily="49" charset="0"/>
+                <a:cs typeface="Courier New" panose="02070309020205020404" pitchFamily="49" charset="0"/>
+              </a:rPr>
+              <a:t>new</a:t>
+            </a:r>
+            <a:r>
+              <a:rPr lang="en-IL" dirty="0">
+                <a:latin typeface="Courier New" panose="02070309020205020404" pitchFamily="49" charset="0"/>
+                <a:cs typeface="Courier New" panose="02070309020205020404" pitchFamily="49" charset="0"/>
+              </a:rPr>
+              <a:t> Processor(</a:t>
+            </a:r>
+            <a:r>
+              <a:rPr lang="en-US" dirty="0">
+                <a:latin typeface="Courier New" panose="02070309020205020404" pitchFamily="49" charset="0"/>
+                <a:cs typeface="Courier New" panose="02070309020205020404" pitchFamily="49" charset="0"/>
+              </a:rPr>
+              <a:t>paramCpu1, paramCpu2</a:t>
+            </a:r>
+            <a:r>
+              <a:rPr lang="en-IL" dirty="0">
+                <a:latin typeface="Courier New" panose="02070309020205020404" pitchFamily="49" charset="0"/>
+                <a:cs typeface="Courier New" panose="02070309020205020404" pitchFamily="49" charset="0"/>
+              </a:rPr>
+              <a:t>);</a:t>
+            </a:r>
+          </a:p>
+          <a:p>
+            <a:r>
+              <a:rPr lang="en-IL" dirty="0">
+                <a:latin typeface="Courier New" panose="02070309020205020404" pitchFamily="49" charset="0"/>
+                <a:cs typeface="Courier New" panose="02070309020205020404" pitchFamily="49" charset="0"/>
+              </a:rPr>
+              <a:t> 	   randomAccessMemory = </a:t>
+            </a:r>
+            <a:r>
+              <a:rPr lang="en-IL" dirty="0">
+                <a:solidFill>
+                  <a:srgbClr val="0070C0"/>
+                </a:solidFill>
+                <a:latin typeface="Courier New" panose="02070309020205020404" pitchFamily="49" charset="0"/>
+                <a:cs typeface="Courier New" panose="02070309020205020404" pitchFamily="49" charset="0"/>
+              </a:rPr>
+              <a:t>new</a:t>
+            </a:r>
+            <a:r>
+              <a:rPr lang="en-IL" dirty="0">
+                <a:latin typeface="Courier New" panose="02070309020205020404" pitchFamily="49" charset="0"/>
+                <a:cs typeface="Courier New" panose="02070309020205020404" pitchFamily="49" charset="0"/>
+              </a:rPr>
+              <a:t> RandomAccessMemory(paramRam1, paramRam2, paramRam3);</a:t>
+            </a:r>
+          </a:p>
+          <a:p>
+            <a:r>
+              <a:rPr lang="en-IL" dirty="0">
+                <a:latin typeface="Courier New" panose="02070309020205020404" pitchFamily="49" charset="0"/>
+                <a:cs typeface="Courier New" panose="02070309020205020404" pitchFamily="49" charset="0"/>
+              </a:rPr>
+              <a:t> 	   graphicsCard = </a:t>
+            </a:r>
+            <a:r>
+              <a:rPr lang="en-IL" dirty="0">
+                <a:solidFill>
+                  <a:srgbClr val="0070C0"/>
+                </a:solidFill>
+                <a:latin typeface="Courier New" panose="02070309020205020404" pitchFamily="49" charset="0"/>
+                <a:cs typeface="Courier New" panose="02070309020205020404" pitchFamily="49" charset="0"/>
+              </a:rPr>
+              <a:t>new</a:t>
+            </a:r>
+            <a:r>
+              <a:rPr lang="en-IL" dirty="0">
+                <a:latin typeface="Courier New" panose="02070309020205020404" pitchFamily="49" charset="0"/>
+                <a:cs typeface="Courier New" panose="02070309020205020404" pitchFamily="49" charset="0"/>
+              </a:rPr>
+              <a:t> GraphicsCard(paramGDI1, paramGDI2); </a:t>
+            </a:r>
+          </a:p>
+          <a:p>
+            <a:r>
+              <a:rPr lang="en-IL" dirty="0">
+                <a:latin typeface="Courier New" panose="02070309020205020404" pitchFamily="49" charset="0"/>
+                <a:cs typeface="Courier New" panose="02070309020205020404" pitchFamily="49" charset="0"/>
+              </a:rPr>
+              <a:t>      coolers = </a:t>
+            </a:r>
+            <a:r>
+              <a:rPr lang="en-IL" dirty="0">
+                <a:solidFill>
+                  <a:srgbClr val="0070C0"/>
+                </a:solidFill>
+                <a:latin typeface="Courier New" panose="02070309020205020404" pitchFamily="49" charset="0"/>
+                <a:cs typeface="Courier New" panose="02070309020205020404" pitchFamily="49" charset="0"/>
+              </a:rPr>
+              <a:t>new</a:t>
+            </a:r>
+            <a:r>
+              <a:rPr lang="en-IL" dirty="0">
+                <a:latin typeface="Courier New" panose="02070309020205020404" pitchFamily="49" charset="0"/>
+                <a:cs typeface="Courier New" panose="02070309020205020404" pitchFamily="49" charset="0"/>
+              </a:rPr>
+              <a:t> Coolers(paramCool1);</a:t>
+            </a:r>
+          </a:p>
+          <a:p>
+            <a:r>
+              <a:rPr lang="en-IL" dirty="0">
+                <a:latin typeface="Courier New" panose="02070309020205020404" pitchFamily="49" charset="0"/>
+                <a:cs typeface="Courier New" panose="02070309020205020404" pitchFamily="49" charset="0"/>
+              </a:rPr>
+              <a:t>    }</a:t>
+            </a:r>
+          </a:p>
+          <a:p>
+            <a:r>
+              <a:rPr lang="en-IL" dirty="0">
+                <a:latin typeface="Courier New" panose="02070309020205020404" pitchFamily="49" charset="0"/>
+                <a:cs typeface="Courier New" panose="02070309020205020404" pitchFamily="49" charset="0"/>
+              </a:rPr>
+              <a:t>}</a:t>
+            </a:r>
+          </a:p>
+        </p:txBody>
+      </p:sp>
+    </p:spTree>
+    <p:extLst>
+      <p:ext uri="{BB962C8B-B14F-4D97-AF65-F5344CB8AC3E}">
+        <p14:creationId xmlns:p14="http://schemas.microsoft.com/office/powerpoint/2010/main" val="2255410467"/>
+      </p:ext>
+    </p:extLst>
+  </p:cSld>
+  <p:clrMapOvr>
+    <a:masterClrMapping/>
+  </p:clrMapOvr>
+</p:sld>
+</file>
+
+<file path=ppt/slides/slide11.xml><?xml version="1.0" encoding="utf-8"?>
 <p:sld xmlns:a="http://schemas.openxmlformats.org/drawingml/2006/main" xmlns:r="http://schemas.openxmlformats.org/officeDocument/2006/relationships" xmlns:p="http://schemas.openxmlformats.org/presentationml/2006/main">
   <p:cSld>
     <p:spTree>
@@ -7724,7 +8551,7 @@
 </p:sld>
 </file>
 
-<file path=ppt/slides/slide11.xml><?xml version="1.0" encoding="utf-8"?>
+<file path=ppt/slides/slide12.xml><?xml version="1.0" encoding="utf-8"?>
 <p:sld xmlns:a="http://schemas.openxmlformats.org/drawingml/2006/main" xmlns:r="http://schemas.openxmlformats.org/officeDocument/2006/relationships" xmlns:p="http://schemas.openxmlformats.org/presentationml/2006/main">
   <p:cSld>
     <p:spTree>
@@ -8511,7 +9338,7 @@
 </p:sld>
 </file>
 
-<file path=ppt/slides/slide12.xml><?xml version="1.0" encoding="utf-8"?>
+<file path=ppt/slides/slide13.xml><?xml version="1.0" encoding="utf-8"?>
 <p:sld xmlns:a="http://schemas.openxmlformats.org/drawingml/2006/main" xmlns:r="http://schemas.openxmlformats.org/officeDocument/2006/relationships" xmlns:p="http://schemas.openxmlformats.org/presentationml/2006/main">
   <p:cSld>
     <p:spTree>
@@ -8623,7 +9450,7 @@
 </p:sld>
 </file>
 
-<file path=ppt/slides/slide13.xml><?xml version="1.0" encoding="utf-8"?>
+<file path=ppt/slides/slide14.xml><?xml version="1.0" encoding="utf-8"?>
 <p:sld xmlns:a="http://schemas.openxmlformats.org/drawingml/2006/main" xmlns:r="http://schemas.openxmlformats.org/officeDocument/2006/relationships" xmlns:p="http://schemas.openxmlformats.org/presentationml/2006/main">
   <p:cSld>
     <p:spTree>
@@ -9869,6 +10696,75 @@
       </p:grpSpPr>
       <p:sp>
         <p:nvSpPr>
+          <p:cNvPr id="3" name="Content Placeholder 2">
+            <a:extLst>
+              <a:ext uri="{FF2B5EF4-FFF2-40B4-BE49-F238E27FC236}">
+                <a16:creationId xmlns:a16="http://schemas.microsoft.com/office/drawing/2014/main" id="{895ED2E3-DBE8-B2EF-8448-00600C561CAD}"/>
+              </a:ext>
+            </a:extLst>
+          </p:cNvPr>
+          <p:cNvSpPr>
+            <a:spLocks noGrp="1"/>
+          </p:cNvSpPr>
+          <p:nvPr>
+            <p:ph idx="1"/>
+          </p:nvPr>
+        </p:nvSpPr>
+        <p:spPr>
+          <a:xfrm>
+            <a:off x="456618" y="2602709"/>
+            <a:ext cx="10673838" cy="3880773"/>
+          </a:xfrm>
+        </p:spPr>
+        <p:txBody>
+          <a:bodyPr>
+            <a:normAutofit/>
+          </a:bodyPr>
+          <a:lstStyle/>
+          <a:p>
+            <a:pPr marL="0" indent="0" algn="ctr">
+              <a:buNone/>
+            </a:pPr>
+            <a:r>
+              <a:rPr lang="en-IL" sz="11500" dirty="0"/>
+              <a:t>MOTIVATION</a:t>
+            </a:r>
+            <a:endParaRPr lang="en-IL" sz="16000" dirty="0"/>
+          </a:p>
+        </p:txBody>
+      </p:sp>
+    </p:spTree>
+    <p:extLst>
+      <p:ext uri="{BB962C8B-B14F-4D97-AF65-F5344CB8AC3E}">
+        <p14:creationId xmlns:p14="http://schemas.microsoft.com/office/powerpoint/2010/main" val="545037678"/>
+      </p:ext>
+    </p:extLst>
+  </p:cSld>
+  <p:clrMapOvr>
+    <a:masterClrMapping/>
+  </p:clrMapOvr>
+</p:sld>
+</file>
+
+<file path=ppt/slides/slide5.xml><?xml version="1.0" encoding="utf-8"?>
+<p:sld xmlns:a="http://schemas.openxmlformats.org/drawingml/2006/main" xmlns:r="http://schemas.openxmlformats.org/officeDocument/2006/relationships" xmlns:p="http://schemas.openxmlformats.org/presentationml/2006/main">
+  <p:cSld>
+    <p:spTree>
+      <p:nvGrpSpPr>
+        <p:cNvPr id="1" name=""/>
+        <p:cNvGrpSpPr/>
+        <p:nvPr/>
+      </p:nvGrpSpPr>
+      <p:grpSpPr>
+        <a:xfrm>
+          <a:off x="0" y="0"/>
+          <a:ext cx="0" cy="0"/>
+          <a:chOff x="0" y="0"/>
+          <a:chExt cx="0" cy="0"/>
+        </a:xfrm>
+      </p:grpSpPr>
+      <p:sp>
+        <p:nvSpPr>
           <p:cNvPr id="2" name="Title 1">
             <a:extLst>
               <a:ext uri="{FF2B5EF4-FFF2-40B4-BE49-F238E27FC236}">
@@ -10196,7 +11092,7 @@
 </p:sld>
 </file>
 
-<file path=ppt/slides/slide5.xml><?xml version="1.0" encoding="utf-8"?>
+<file path=ppt/slides/slide6.xml><?xml version="1.0" encoding="utf-8"?>
 <p:sld xmlns:a="http://schemas.openxmlformats.org/drawingml/2006/main" xmlns:r="http://schemas.openxmlformats.org/officeDocument/2006/relationships" xmlns:p="http://schemas.openxmlformats.org/presentationml/2006/main">
   <p:cSld>
     <p:spTree>
@@ -10720,7 +11616,7 @@
 </p:sld>
 </file>
 
-<file path=ppt/slides/slide6.xml><?xml version="1.0" encoding="utf-8"?>
+<file path=ppt/slides/slide7.xml><?xml version="1.0" encoding="utf-8"?>
 <p:sld xmlns:a="http://schemas.openxmlformats.org/drawingml/2006/main" xmlns:r="http://schemas.openxmlformats.org/officeDocument/2006/relationships" xmlns:p="http://schemas.openxmlformats.org/presentationml/2006/main">
   <p:cSld>
     <p:spTree>
@@ -10867,7 +11763,7 @@
 </p:sld>
 </file>
 
-<file path=ppt/slides/slide7.xml><?xml version="1.0" encoding="utf-8"?>
+<file path=ppt/slides/slide8.xml><?xml version="1.0" encoding="utf-8"?>
 <p:sld xmlns:a="http://schemas.openxmlformats.org/drawingml/2006/main" xmlns:r="http://schemas.openxmlformats.org/officeDocument/2006/relationships" xmlns:p="http://schemas.openxmlformats.org/presentationml/2006/main">
   <p:cSld>
     <p:spTree>
@@ -11260,7 +12156,7 @@
 </p:sld>
 </file>
 
-<file path=ppt/slides/slide8.xml><?xml version="1.0" encoding="utf-8"?>
+<file path=ppt/slides/slide9.xml><?xml version="1.0" encoding="utf-8"?>
 <p:sld xmlns:a="http://schemas.openxmlformats.org/drawingml/2006/main" xmlns:r="http://schemas.openxmlformats.org/officeDocument/2006/relationships" xmlns:p="http://schemas.openxmlformats.org/presentationml/2006/main">
   <p:cSld>
     <p:spTree>
@@ -11663,832 +12559,6 @@
       <p:bldP spid="3" grpId="0" build="p"/>
     </p:bldLst>
   </p:timing>
-</p:sld>
-</file>
-
-<file path=ppt/slides/slide9.xml><?xml version="1.0" encoding="utf-8"?>
-<p:sld xmlns:a="http://schemas.openxmlformats.org/drawingml/2006/main" xmlns:r="http://schemas.openxmlformats.org/officeDocument/2006/relationships" xmlns:p="http://schemas.openxmlformats.org/presentationml/2006/main">
-  <p:cSld>
-    <p:spTree>
-      <p:nvGrpSpPr>
-        <p:cNvPr id="1" name=""/>
-        <p:cNvGrpSpPr/>
-        <p:nvPr/>
-      </p:nvGrpSpPr>
-      <p:grpSpPr>
-        <a:xfrm>
-          <a:off x="0" y="0"/>
-          <a:ext cx="0" cy="0"/>
-          <a:chOff x="0" y="0"/>
-          <a:chExt cx="0" cy="0"/>
-        </a:xfrm>
-      </p:grpSpPr>
-      <p:sp>
-        <p:nvSpPr>
-          <p:cNvPr id="2" name="Title 1">
-            <a:extLst>
-              <a:ext uri="{FF2B5EF4-FFF2-40B4-BE49-F238E27FC236}">
-                <a16:creationId xmlns:a16="http://schemas.microsoft.com/office/drawing/2014/main" id="{33613CEB-B33C-5604-02BC-3036BDA84F19}"/>
-              </a:ext>
-            </a:extLst>
-          </p:cNvPr>
-          <p:cNvSpPr>
-            <a:spLocks noGrp="1"/>
-          </p:cNvSpPr>
-          <p:nvPr>
-            <p:ph type="title"/>
-          </p:nvPr>
-        </p:nvSpPr>
-        <p:spPr>
-          <a:xfrm>
-            <a:off x="677334" y="609600"/>
-            <a:ext cx="8596668" cy="682487"/>
-          </a:xfrm>
-        </p:spPr>
-        <p:txBody>
-          <a:bodyPr>
-            <a:normAutofit fontScale="90000"/>
-          </a:bodyPr>
-          <a:lstStyle/>
-          <a:p>
-            <a:r>
-              <a:rPr lang="en-IL" dirty="0"/>
-              <a:t>Lets create a class using traditional OOP programming approach</a:t>
-            </a:r>
-          </a:p>
-        </p:txBody>
-      </p:sp>
-      <p:sp>
-        <p:nvSpPr>
-          <p:cNvPr id="3" name="Content Placeholder 2">
-            <a:extLst>
-              <a:ext uri="{FF2B5EF4-FFF2-40B4-BE49-F238E27FC236}">
-                <a16:creationId xmlns:a16="http://schemas.microsoft.com/office/drawing/2014/main" id="{03CDAC2F-998A-9E7F-DD71-83F787124D43}"/>
-              </a:ext>
-            </a:extLst>
-          </p:cNvPr>
-          <p:cNvSpPr>
-            <a:spLocks noGrp="1"/>
-          </p:cNvSpPr>
-          <p:nvPr>
-            <p:ph sz="half" idx="1"/>
-          </p:nvPr>
-        </p:nvSpPr>
-        <p:spPr>
-          <a:xfrm>
-            <a:off x="677332" y="1756371"/>
-            <a:ext cx="8506423" cy="778107"/>
-          </a:xfrm>
-        </p:spPr>
-        <p:txBody>
-          <a:bodyPr>
-            <a:normAutofit/>
-          </a:bodyPr>
-          <a:lstStyle/>
-          <a:p>
-            <a:pPr marL="0" indent="0">
-              <a:buNone/>
-            </a:pPr>
-            <a:r>
-              <a:rPr lang="en-US" dirty="0"/>
-              <a:t>In traditional OOP programming, upon creation of the object (e.g., Computer), it will also create (</a:t>
-            </a:r>
-            <a:r>
-              <a:rPr lang="en-US" i="1" dirty="0"/>
-              <a:t>new</a:t>
-            </a:r>
-            <a:r>
-              <a:rPr lang="en-US" dirty="0"/>
-              <a:t>) its dependent classes (e.g., Processor, RAM instances):</a:t>
-            </a:r>
-            <a:endParaRPr lang="en-IL" dirty="0"/>
-          </a:p>
-          <a:p>
-            <a:pPr marL="0" indent="0">
-              <a:buNone/>
-            </a:pPr>
-            <a:endParaRPr lang="en-US" dirty="0"/>
-          </a:p>
-          <a:p>
-            <a:endParaRPr lang="en-IL" dirty="0"/>
-          </a:p>
-        </p:txBody>
-      </p:sp>
-      <p:sp>
-        <p:nvSpPr>
-          <p:cNvPr id="7" name="Content Placeholder 2">
-            <a:extLst>
-              <a:ext uri="{FF2B5EF4-FFF2-40B4-BE49-F238E27FC236}">
-                <a16:creationId xmlns:a16="http://schemas.microsoft.com/office/drawing/2014/main" id="{510CD3CA-7661-11B9-AF07-F39AF318C632}"/>
-              </a:ext>
-            </a:extLst>
-          </p:cNvPr>
-          <p:cNvSpPr txBox="1">
-            <a:spLocks/>
-          </p:cNvSpPr>
-          <p:nvPr/>
-        </p:nvSpPr>
-        <p:spPr>
-          <a:xfrm>
-            <a:off x="677333" y="2821899"/>
-            <a:ext cx="4184035" cy="974035"/>
-          </a:xfrm>
-          <a:prstGeom prst="rect">
-            <a:avLst/>
-          </a:prstGeom>
-        </p:spPr>
-        <p:txBody>
-          <a:bodyPr vert="horz" lIns="91440" tIns="45720" rIns="91440" bIns="45720" rtlCol="0">
-            <a:normAutofit/>
-          </a:bodyPr>
-          <a:lstStyle>
-            <a:lvl1pPr marL="342900" indent="-342900" algn="l" defTabSz="457200" rtl="0" eaLnBrk="1" latinLnBrk="0" hangingPunct="1">
-              <a:spcBef>
-                <a:spcPts val="1000"/>
-              </a:spcBef>
-              <a:spcAft>
-                <a:spcPts val="0"/>
-              </a:spcAft>
-              <a:buClr>
-                <a:schemeClr val="accent1"/>
-              </a:buClr>
-              <a:buSzPct val="80000"/>
-              <a:buFont typeface="Wingdings 3" charset="2"/>
-              <a:buChar char=""/>
-              <a:defRPr sz="1800" kern="1200">
-                <a:solidFill>
-                  <a:schemeClr val="tx1">
-                    <a:lumMod val="75000"/>
-                    <a:lumOff val="25000"/>
-                  </a:schemeClr>
-                </a:solidFill>
-                <a:latin typeface="+mn-lt"/>
-                <a:ea typeface="+mn-ea"/>
-                <a:cs typeface="+mn-cs"/>
-              </a:defRPr>
-            </a:lvl1pPr>
-            <a:lvl2pPr marL="742950" indent="-285750" algn="l" defTabSz="457200" rtl="0" eaLnBrk="1" latinLnBrk="0" hangingPunct="1">
-              <a:spcBef>
-                <a:spcPts val="1000"/>
-              </a:spcBef>
-              <a:spcAft>
-                <a:spcPts val="0"/>
-              </a:spcAft>
-              <a:buClr>
-                <a:schemeClr val="accent1"/>
-              </a:buClr>
-              <a:buSzPct val="80000"/>
-              <a:buFont typeface="Wingdings 3" charset="2"/>
-              <a:buChar char=""/>
-              <a:defRPr sz="1600" kern="1200">
-                <a:solidFill>
-                  <a:schemeClr val="tx1">
-                    <a:lumMod val="75000"/>
-                    <a:lumOff val="25000"/>
-                  </a:schemeClr>
-                </a:solidFill>
-                <a:latin typeface="+mn-lt"/>
-                <a:ea typeface="+mn-ea"/>
-                <a:cs typeface="+mn-cs"/>
-              </a:defRPr>
-            </a:lvl2pPr>
-            <a:lvl3pPr marL="1143000" indent="-228600" algn="l" defTabSz="457200" rtl="0" eaLnBrk="1" latinLnBrk="0" hangingPunct="1">
-              <a:spcBef>
-                <a:spcPts val="1000"/>
-              </a:spcBef>
-              <a:spcAft>
-                <a:spcPts val="0"/>
-              </a:spcAft>
-              <a:buClr>
-                <a:schemeClr val="accent1"/>
-              </a:buClr>
-              <a:buSzPct val="80000"/>
-              <a:buFont typeface="Wingdings 3" charset="2"/>
-              <a:buChar char=""/>
-              <a:defRPr sz="1400" kern="1200">
-                <a:solidFill>
-                  <a:schemeClr val="tx1">
-                    <a:lumMod val="75000"/>
-                    <a:lumOff val="25000"/>
-                  </a:schemeClr>
-                </a:solidFill>
-                <a:latin typeface="+mn-lt"/>
-                <a:ea typeface="+mn-ea"/>
-                <a:cs typeface="+mn-cs"/>
-              </a:defRPr>
-            </a:lvl3pPr>
-            <a:lvl4pPr marL="1600200" indent="-228600" algn="l" defTabSz="457200" rtl="0" eaLnBrk="1" latinLnBrk="0" hangingPunct="1">
-              <a:spcBef>
-                <a:spcPts val="1000"/>
-              </a:spcBef>
-              <a:spcAft>
-                <a:spcPts val="0"/>
-              </a:spcAft>
-              <a:buClr>
-                <a:schemeClr val="accent1"/>
-              </a:buClr>
-              <a:buSzPct val="80000"/>
-              <a:buFont typeface="Wingdings 3" charset="2"/>
-              <a:buChar char=""/>
-              <a:defRPr sz="1200" kern="1200">
-                <a:solidFill>
-                  <a:schemeClr val="tx1">
-                    <a:lumMod val="75000"/>
-                    <a:lumOff val="25000"/>
-                  </a:schemeClr>
-                </a:solidFill>
-                <a:latin typeface="+mn-lt"/>
-                <a:ea typeface="+mn-ea"/>
-                <a:cs typeface="+mn-cs"/>
-              </a:defRPr>
-            </a:lvl4pPr>
-            <a:lvl5pPr marL="2057400" indent="-228600" algn="l" defTabSz="457200" rtl="0" eaLnBrk="1" latinLnBrk="0" hangingPunct="1">
-              <a:spcBef>
-                <a:spcPts val="1000"/>
-              </a:spcBef>
-              <a:spcAft>
-                <a:spcPts val="0"/>
-              </a:spcAft>
-              <a:buClr>
-                <a:schemeClr val="accent1"/>
-              </a:buClr>
-              <a:buSzPct val="80000"/>
-              <a:buFont typeface="Wingdings 3" charset="2"/>
-              <a:buChar char=""/>
-              <a:defRPr sz="1200" kern="1200">
-                <a:solidFill>
-                  <a:schemeClr val="tx1">
-                    <a:lumMod val="75000"/>
-                    <a:lumOff val="25000"/>
-                  </a:schemeClr>
-                </a:solidFill>
-                <a:latin typeface="+mn-lt"/>
-                <a:ea typeface="+mn-ea"/>
-                <a:cs typeface="+mn-cs"/>
-              </a:defRPr>
-            </a:lvl5pPr>
-            <a:lvl6pPr marL="2514600" indent="-228600" algn="l" defTabSz="457200" rtl="0" eaLnBrk="1" latinLnBrk="0" hangingPunct="1">
-              <a:spcBef>
-                <a:spcPts val="1000"/>
-              </a:spcBef>
-              <a:spcAft>
-                <a:spcPts val="0"/>
-              </a:spcAft>
-              <a:buClr>
-                <a:schemeClr val="accent1"/>
-              </a:buClr>
-              <a:buSzPct val="80000"/>
-              <a:buFont typeface="Wingdings 3" charset="2"/>
-              <a:buChar char=""/>
-              <a:defRPr sz="1200" kern="1200">
-                <a:solidFill>
-                  <a:schemeClr val="tx1">
-                    <a:lumMod val="75000"/>
-                    <a:lumOff val="25000"/>
-                  </a:schemeClr>
-                </a:solidFill>
-                <a:latin typeface="+mn-lt"/>
-                <a:ea typeface="+mn-ea"/>
-                <a:cs typeface="+mn-cs"/>
-              </a:defRPr>
-            </a:lvl6pPr>
-            <a:lvl7pPr marL="2971800" indent="-228600" algn="l" defTabSz="457200" rtl="0" eaLnBrk="1" latinLnBrk="0" hangingPunct="1">
-              <a:spcBef>
-                <a:spcPts val="1000"/>
-              </a:spcBef>
-              <a:spcAft>
-                <a:spcPts val="0"/>
-              </a:spcAft>
-              <a:buClr>
-                <a:schemeClr val="accent1"/>
-              </a:buClr>
-              <a:buSzPct val="80000"/>
-              <a:buFont typeface="Wingdings 3" charset="2"/>
-              <a:buChar char=""/>
-              <a:defRPr sz="1200" kern="1200">
-                <a:solidFill>
-                  <a:schemeClr val="tx1">
-                    <a:lumMod val="75000"/>
-                    <a:lumOff val="25000"/>
-                  </a:schemeClr>
-                </a:solidFill>
-                <a:latin typeface="+mn-lt"/>
-                <a:ea typeface="+mn-ea"/>
-                <a:cs typeface="+mn-cs"/>
-              </a:defRPr>
-            </a:lvl7pPr>
-            <a:lvl8pPr marL="3429000" indent="-228600" algn="l" defTabSz="457200" rtl="0" eaLnBrk="1" latinLnBrk="0" hangingPunct="1">
-              <a:spcBef>
-                <a:spcPts val="1000"/>
-              </a:spcBef>
-              <a:spcAft>
-                <a:spcPts val="0"/>
-              </a:spcAft>
-              <a:buClr>
-                <a:schemeClr val="accent1"/>
-              </a:buClr>
-              <a:buSzPct val="80000"/>
-              <a:buFont typeface="Wingdings 3" charset="2"/>
-              <a:buChar char=""/>
-              <a:defRPr sz="1200" kern="1200">
-                <a:solidFill>
-                  <a:schemeClr val="tx1">
-                    <a:lumMod val="75000"/>
-                    <a:lumOff val="25000"/>
-                  </a:schemeClr>
-                </a:solidFill>
-                <a:latin typeface="+mn-lt"/>
-                <a:ea typeface="+mn-ea"/>
-                <a:cs typeface="+mn-cs"/>
-              </a:defRPr>
-            </a:lvl8pPr>
-            <a:lvl9pPr marL="3886200" indent="-228600" algn="l" defTabSz="457200" rtl="0" eaLnBrk="1" latinLnBrk="0" hangingPunct="1">
-              <a:spcBef>
-                <a:spcPts val="1000"/>
-              </a:spcBef>
-              <a:spcAft>
-                <a:spcPts val="0"/>
-              </a:spcAft>
-              <a:buClr>
-                <a:schemeClr val="accent1"/>
-              </a:buClr>
-              <a:buSzPct val="80000"/>
-              <a:buFont typeface="Wingdings 3" charset="2"/>
-              <a:buChar char=""/>
-              <a:defRPr sz="1200" kern="1200">
-                <a:solidFill>
-                  <a:schemeClr val="tx1">
-                    <a:lumMod val="75000"/>
-                    <a:lumOff val="25000"/>
-                  </a:schemeClr>
-                </a:solidFill>
-                <a:latin typeface="+mn-lt"/>
-                <a:ea typeface="+mn-ea"/>
-                <a:cs typeface="+mn-cs"/>
-              </a:defRPr>
-            </a:lvl9pPr>
-          </a:lstStyle>
-          <a:p>
-            <a:endParaRPr lang="en-IL" dirty="0"/>
-          </a:p>
-        </p:txBody>
-      </p:sp>
-      <p:sp>
-        <p:nvSpPr>
-          <p:cNvPr id="9" name="TextBox 8">
-            <a:extLst>
-              <a:ext uri="{FF2B5EF4-FFF2-40B4-BE49-F238E27FC236}">
-                <a16:creationId xmlns:a16="http://schemas.microsoft.com/office/drawing/2014/main" id="{033FB78D-07B7-A7FD-D857-1CF10A05237F}"/>
-              </a:ext>
-            </a:extLst>
-          </p:cNvPr>
-          <p:cNvSpPr txBox="1"/>
-          <p:nvPr/>
-        </p:nvSpPr>
-        <p:spPr>
-          <a:xfrm>
-            <a:off x="677332" y="2671025"/>
-            <a:ext cx="8596668" cy="3970318"/>
-          </a:xfrm>
-          <a:prstGeom prst="rect">
-            <a:avLst/>
-          </a:prstGeom>
-          <a:solidFill>
-            <a:schemeClr val="tx2">
-              <a:lumMod val="20000"/>
-              <a:lumOff val="80000"/>
-            </a:schemeClr>
-          </a:solidFill>
-          <a:ln w="12700">
-            <a:solidFill>
-              <a:schemeClr val="accent1"/>
-            </a:solidFill>
-          </a:ln>
-        </p:spPr>
-        <p:txBody>
-          <a:bodyPr wrap="square">
-            <a:spAutoFit/>
-          </a:bodyPr>
-          <a:lstStyle/>
-          <a:p>
-            <a:r>
-              <a:rPr lang="en-IL" dirty="0">
-                <a:solidFill>
-                  <a:srgbClr val="0070C0"/>
-                </a:solidFill>
-                <a:latin typeface="Courier New" panose="02070309020205020404" pitchFamily="49" charset="0"/>
-                <a:cs typeface="Courier New" panose="02070309020205020404" pitchFamily="49" charset="0"/>
-              </a:rPr>
-              <a:t>public</a:t>
-            </a:r>
-            <a:r>
-              <a:rPr lang="en-IL" dirty="0">
-                <a:latin typeface="Courier New" panose="02070309020205020404" pitchFamily="49" charset="0"/>
-                <a:cs typeface="Courier New" panose="02070309020205020404" pitchFamily="49" charset="0"/>
-              </a:rPr>
-              <a:t> </a:t>
-            </a:r>
-            <a:r>
-              <a:rPr lang="en-IL" dirty="0">
-                <a:solidFill>
-                  <a:srgbClr val="0070C0"/>
-                </a:solidFill>
-                <a:latin typeface="Courier New" panose="02070309020205020404" pitchFamily="49" charset="0"/>
-                <a:cs typeface="Courier New" panose="02070309020205020404" pitchFamily="49" charset="0"/>
-              </a:rPr>
-              <a:t>class</a:t>
-            </a:r>
-            <a:r>
-              <a:rPr lang="en-IL" dirty="0">
-                <a:latin typeface="Courier New" panose="02070309020205020404" pitchFamily="49" charset="0"/>
-                <a:cs typeface="Courier New" panose="02070309020205020404" pitchFamily="49" charset="0"/>
-              </a:rPr>
-              <a:t> Computer {</a:t>
-            </a:r>
-          </a:p>
-          <a:p>
-            <a:r>
-              <a:rPr lang="en-IL" dirty="0">
-                <a:latin typeface="Courier New" panose="02070309020205020404" pitchFamily="49" charset="0"/>
-                <a:cs typeface="Courier New" panose="02070309020205020404" pitchFamily="49" charset="0"/>
-              </a:rPr>
-              <a:t>    </a:t>
-            </a:r>
-            <a:r>
-              <a:rPr lang="en-IL" dirty="0">
-                <a:solidFill>
-                  <a:srgbClr val="0070C0"/>
-                </a:solidFill>
-                <a:latin typeface="Courier New" panose="02070309020205020404" pitchFamily="49" charset="0"/>
-                <a:cs typeface="Courier New" panose="02070309020205020404" pitchFamily="49" charset="0"/>
-              </a:rPr>
-              <a:t>private</a:t>
-            </a:r>
-            <a:r>
-              <a:rPr lang="en-IL" dirty="0">
-                <a:latin typeface="Courier New" panose="02070309020205020404" pitchFamily="49" charset="0"/>
-                <a:cs typeface="Courier New" panose="02070309020205020404" pitchFamily="49" charset="0"/>
-              </a:rPr>
-              <a:t> </a:t>
-            </a:r>
-            <a:r>
-              <a:rPr lang="en-IL" dirty="0">
-                <a:solidFill>
-                  <a:srgbClr val="0070C0"/>
-                </a:solidFill>
-                <a:latin typeface="Courier New" panose="02070309020205020404" pitchFamily="49" charset="0"/>
-                <a:cs typeface="Courier New" panose="02070309020205020404" pitchFamily="49" charset="0"/>
-              </a:rPr>
-              <a:t>final</a:t>
-            </a:r>
-            <a:r>
-              <a:rPr lang="en-IL" dirty="0">
-                <a:latin typeface="Courier New" panose="02070309020205020404" pitchFamily="49" charset="0"/>
-                <a:cs typeface="Courier New" panose="02070309020205020404" pitchFamily="49" charset="0"/>
-              </a:rPr>
-              <a:t> </a:t>
-            </a:r>
-            <a:r>
-              <a:rPr lang="en-US" dirty="0">
-                <a:latin typeface="Courier New" panose="02070309020205020404" pitchFamily="49" charset="0"/>
-                <a:cs typeface="Courier New" panose="02070309020205020404" pitchFamily="49" charset="0"/>
-              </a:rPr>
-              <a:t>Processor</a:t>
-            </a:r>
-            <a:r>
-              <a:rPr lang="en-IL" dirty="0">
-                <a:latin typeface="Courier New" panose="02070309020205020404" pitchFamily="49" charset="0"/>
-                <a:cs typeface="Courier New" panose="02070309020205020404" pitchFamily="49" charset="0"/>
-              </a:rPr>
-              <a:t> </a:t>
-            </a:r>
-            <a:r>
-              <a:rPr lang="en-US" dirty="0">
-                <a:latin typeface="Courier New" panose="02070309020205020404" pitchFamily="49" charset="0"/>
-                <a:cs typeface="Courier New" panose="02070309020205020404" pitchFamily="49" charset="0"/>
-              </a:rPr>
-              <a:t>processor</a:t>
-            </a:r>
-            <a:r>
-              <a:rPr lang="en-IL" dirty="0">
-                <a:latin typeface="Courier New" panose="02070309020205020404" pitchFamily="49" charset="0"/>
-                <a:cs typeface="Courier New" panose="02070309020205020404" pitchFamily="49" charset="0"/>
-              </a:rPr>
-              <a:t>;</a:t>
-            </a:r>
-          </a:p>
-          <a:p>
-            <a:r>
-              <a:rPr lang="en-IL" dirty="0">
-                <a:latin typeface="Courier New" panose="02070309020205020404" pitchFamily="49" charset="0"/>
-                <a:cs typeface="Courier New" panose="02070309020205020404" pitchFamily="49" charset="0"/>
-              </a:rPr>
-              <a:t>    </a:t>
-            </a:r>
-            <a:r>
-              <a:rPr lang="en-IL" dirty="0">
-                <a:solidFill>
-                  <a:srgbClr val="0070C0"/>
-                </a:solidFill>
-                <a:latin typeface="Courier New" panose="02070309020205020404" pitchFamily="49" charset="0"/>
-                <a:cs typeface="Courier New" panose="02070309020205020404" pitchFamily="49" charset="0"/>
-              </a:rPr>
-              <a:t>private</a:t>
-            </a:r>
-            <a:r>
-              <a:rPr lang="en-IL" dirty="0">
-                <a:latin typeface="Courier New" panose="02070309020205020404" pitchFamily="49" charset="0"/>
-                <a:cs typeface="Courier New" panose="02070309020205020404" pitchFamily="49" charset="0"/>
-              </a:rPr>
-              <a:t> </a:t>
-            </a:r>
-            <a:r>
-              <a:rPr lang="en-IL" dirty="0">
-                <a:solidFill>
-                  <a:srgbClr val="0070C0"/>
-                </a:solidFill>
-                <a:latin typeface="Courier New" panose="02070309020205020404" pitchFamily="49" charset="0"/>
-                <a:cs typeface="Courier New" panose="02070309020205020404" pitchFamily="49" charset="0"/>
-              </a:rPr>
-              <a:t>final </a:t>
-            </a:r>
-            <a:r>
-              <a:rPr lang="en-IL" dirty="0">
-                <a:latin typeface="Courier New" panose="02070309020205020404" pitchFamily="49" charset="0"/>
-                <a:cs typeface="Courier New" panose="02070309020205020404" pitchFamily="49" charset="0"/>
-              </a:rPr>
-              <a:t>RandomAccessMemory randomAccessMemory;</a:t>
-            </a:r>
-          </a:p>
-          <a:p>
-            <a:r>
-              <a:rPr lang="en-IL" dirty="0">
-                <a:latin typeface="Courier New" panose="02070309020205020404" pitchFamily="49" charset="0"/>
-                <a:cs typeface="Courier New" panose="02070309020205020404" pitchFamily="49" charset="0"/>
-              </a:rPr>
-              <a:t>    </a:t>
-            </a:r>
-            <a:r>
-              <a:rPr lang="en-IL" dirty="0">
-                <a:solidFill>
-                  <a:srgbClr val="0070C0"/>
-                </a:solidFill>
-                <a:latin typeface="Courier New" panose="02070309020205020404" pitchFamily="49" charset="0"/>
-                <a:cs typeface="Courier New" panose="02070309020205020404" pitchFamily="49" charset="0"/>
-              </a:rPr>
-              <a:t>private</a:t>
-            </a:r>
-            <a:r>
-              <a:rPr lang="en-IL" dirty="0">
-                <a:latin typeface="Courier New" panose="02070309020205020404" pitchFamily="49" charset="0"/>
-                <a:cs typeface="Courier New" panose="02070309020205020404" pitchFamily="49" charset="0"/>
-              </a:rPr>
-              <a:t> </a:t>
-            </a:r>
-            <a:r>
-              <a:rPr lang="en-IL" dirty="0">
-                <a:solidFill>
-                  <a:srgbClr val="0070C0"/>
-                </a:solidFill>
-                <a:latin typeface="Courier New" panose="02070309020205020404" pitchFamily="49" charset="0"/>
-                <a:cs typeface="Courier New" panose="02070309020205020404" pitchFamily="49" charset="0"/>
-              </a:rPr>
-              <a:t>final </a:t>
-            </a:r>
-            <a:r>
-              <a:rPr lang="en-IL" dirty="0">
-                <a:latin typeface="Courier New" panose="02070309020205020404" pitchFamily="49" charset="0"/>
-                <a:cs typeface="Courier New" panose="02070309020205020404" pitchFamily="49" charset="0"/>
-              </a:rPr>
-              <a:t>GraphicsCard graphicsCard;</a:t>
-            </a:r>
-          </a:p>
-          <a:p>
-            <a:r>
-              <a:rPr lang="en-IL" dirty="0">
-                <a:latin typeface="Courier New" panose="02070309020205020404" pitchFamily="49" charset="0"/>
-                <a:cs typeface="Courier New" panose="02070309020205020404" pitchFamily="49" charset="0"/>
-              </a:rPr>
-              <a:t>    </a:t>
-            </a:r>
-            <a:r>
-              <a:rPr lang="en-IL" dirty="0">
-                <a:solidFill>
-                  <a:srgbClr val="0070C0"/>
-                </a:solidFill>
-                <a:latin typeface="Courier New" panose="02070309020205020404" pitchFamily="49" charset="0"/>
-                <a:cs typeface="Courier New" panose="02070309020205020404" pitchFamily="49" charset="0"/>
-              </a:rPr>
-              <a:t>private</a:t>
-            </a:r>
-            <a:r>
-              <a:rPr lang="en-IL" dirty="0">
-                <a:latin typeface="Courier New" panose="02070309020205020404" pitchFamily="49" charset="0"/>
-                <a:cs typeface="Courier New" panose="02070309020205020404" pitchFamily="49" charset="0"/>
-              </a:rPr>
-              <a:t> </a:t>
-            </a:r>
-            <a:r>
-              <a:rPr lang="en-IL" dirty="0">
-                <a:solidFill>
-                  <a:srgbClr val="0070C0"/>
-                </a:solidFill>
-                <a:latin typeface="Courier New" panose="02070309020205020404" pitchFamily="49" charset="0"/>
-                <a:cs typeface="Courier New" panose="02070309020205020404" pitchFamily="49" charset="0"/>
-              </a:rPr>
-              <a:t>final </a:t>
-            </a:r>
-            <a:r>
-              <a:rPr lang="en-IL" dirty="0">
-                <a:latin typeface="Courier New" panose="02070309020205020404" pitchFamily="49" charset="0"/>
-                <a:cs typeface="Courier New" panose="02070309020205020404" pitchFamily="49" charset="0"/>
-              </a:rPr>
-              <a:t>Coolers coolers;</a:t>
-            </a:r>
-          </a:p>
-          <a:p>
-            <a:r>
-              <a:rPr lang="en-IL" dirty="0">
-                <a:latin typeface="Courier New" panose="02070309020205020404" pitchFamily="49" charset="0"/>
-                <a:cs typeface="Courier New" panose="02070309020205020404" pitchFamily="49" charset="0"/>
-              </a:rPr>
-              <a:t> </a:t>
-            </a:r>
-          </a:p>
-          <a:p>
-            <a:r>
-              <a:rPr lang="en-IL" dirty="0">
-                <a:latin typeface="Courier New" panose="02070309020205020404" pitchFamily="49" charset="0"/>
-                <a:cs typeface="Courier New" panose="02070309020205020404" pitchFamily="49" charset="0"/>
-              </a:rPr>
-              <a:t>    </a:t>
-            </a:r>
-            <a:r>
-              <a:rPr lang="en-IL" dirty="0">
-                <a:solidFill>
-                  <a:srgbClr val="0070C0"/>
-                </a:solidFill>
-                <a:latin typeface="Courier New" panose="02070309020205020404" pitchFamily="49" charset="0"/>
-                <a:cs typeface="Courier New" panose="02070309020205020404" pitchFamily="49" charset="0"/>
-              </a:rPr>
-              <a:t>public</a:t>
-            </a:r>
-            <a:r>
-              <a:rPr lang="en-IL" dirty="0">
-                <a:latin typeface="Courier New" panose="02070309020205020404" pitchFamily="49" charset="0"/>
-                <a:cs typeface="Courier New" panose="02070309020205020404" pitchFamily="49" charset="0"/>
-              </a:rPr>
-              <a:t> Computer() {</a:t>
-            </a:r>
-          </a:p>
-          <a:p>
-            <a:r>
-              <a:rPr lang="en-IL" dirty="0">
-                <a:latin typeface="Courier New" panose="02070309020205020404" pitchFamily="49" charset="0"/>
-                <a:cs typeface="Courier New" panose="02070309020205020404" pitchFamily="49" charset="0"/>
-              </a:rPr>
-              <a:t>		processor = </a:t>
-            </a:r>
-            <a:r>
-              <a:rPr lang="en-IL" dirty="0">
-                <a:solidFill>
-                  <a:srgbClr val="0070C0"/>
-                </a:solidFill>
-                <a:latin typeface="Courier New" panose="02070309020205020404" pitchFamily="49" charset="0"/>
-                <a:cs typeface="Courier New" panose="02070309020205020404" pitchFamily="49" charset="0"/>
-              </a:rPr>
-              <a:t>new</a:t>
-            </a:r>
-            <a:r>
-              <a:rPr lang="en-IL" dirty="0">
-                <a:latin typeface="Courier New" panose="02070309020205020404" pitchFamily="49" charset="0"/>
-                <a:cs typeface="Courier New" panose="02070309020205020404" pitchFamily="49" charset="0"/>
-              </a:rPr>
-              <a:t> Processor(</a:t>
-            </a:r>
-            <a:r>
-              <a:rPr lang="en-US" dirty="0">
-                <a:latin typeface="Courier New" panose="02070309020205020404" pitchFamily="49" charset="0"/>
-                <a:cs typeface="Courier New" panose="02070309020205020404" pitchFamily="49" charset="0"/>
-              </a:rPr>
-              <a:t>paramCpu1, paramCpu2</a:t>
-            </a:r>
-            <a:r>
-              <a:rPr lang="en-IL" dirty="0">
-                <a:latin typeface="Courier New" panose="02070309020205020404" pitchFamily="49" charset="0"/>
-                <a:cs typeface="Courier New" panose="02070309020205020404" pitchFamily="49" charset="0"/>
-              </a:rPr>
-              <a:t>);</a:t>
-            </a:r>
-          </a:p>
-          <a:p>
-            <a:r>
-              <a:rPr lang="en-IL" dirty="0">
-                <a:latin typeface="Courier New" panose="02070309020205020404" pitchFamily="49" charset="0"/>
-                <a:cs typeface="Courier New" panose="02070309020205020404" pitchFamily="49" charset="0"/>
-              </a:rPr>
-              <a:t> 	   randomAccessMemory = </a:t>
-            </a:r>
-            <a:r>
-              <a:rPr lang="en-IL" dirty="0">
-                <a:solidFill>
-                  <a:srgbClr val="0070C0"/>
-                </a:solidFill>
-                <a:latin typeface="Courier New" panose="02070309020205020404" pitchFamily="49" charset="0"/>
-                <a:cs typeface="Courier New" panose="02070309020205020404" pitchFamily="49" charset="0"/>
-              </a:rPr>
-              <a:t>new</a:t>
-            </a:r>
-            <a:r>
-              <a:rPr lang="en-IL" dirty="0">
-                <a:latin typeface="Courier New" panose="02070309020205020404" pitchFamily="49" charset="0"/>
-                <a:cs typeface="Courier New" panose="02070309020205020404" pitchFamily="49" charset="0"/>
-              </a:rPr>
-              <a:t> RandomAccessMemory(paramRam1, paramRam2, paramRam3);</a:t>
-            </a:r>
-          </a:p>
-          <a:p>
-            <a:r>
-              <a:rPr lang="en-IL" dirty="0">
-                <a:latin typeface="Courier New" panose="02070309020205020404" pitchFamily="49" charset="0"/>
-                <a:cs typeface="Courier New" panose="02070309020205020404" pitchFamily="49" charset="0"/>
-              </a:rPr>
-              <a:t> 	   graphicsCard = </a:t>
-            </a:r>
-            <a:r>
-              <a:rPr lang="en-IL" dirty="0">
-                <a:solidFill>
-                  <a:srgbClr val="0070C0"/>
-                </a:solidFill>
-                <a:latin typeface="Courier New" panose="02070309020205020404" pitchFamily="49" charset="0"/>
-                <a:cs typeface="Courier New" panose="02070309020205020404" pitchFamily="49" charset="0"/>
-              </a:rPr>
-              <a:t>new</a:t>
-            </a:r>
-            <a:r>
-              <a:rPr lang="en-IL" dirty="0">
-                <a:latin typeface="Courier New" panose="02070309020205020404" pitchFamily="49" charset="0"/>
-                <a:cs typeface="Courier New" panose="02070309020205020404" pitchFamily="49" charset="0"/>
-              </a:rPr>
-              <a:t> GraphicsCard(paramGDI1, paramGDI2); </a:t>
-            </a:r>
-          </a:p>
-          <a:p>
-            <a:r>
-              <a:rPr lang="en-IL" dirty="0">
-                <a:latin typeface="Courier New" panose="02070309020205020404" pitchFamily="49" charset="0"/>
-                <a:cs typeface="Courier New" panose="02070309020205020404" pitchFamily="49" charset="0"/>
-              </a:rPr>
-              <a:t>      coolers = </a:t>
-            </a:r>
-            <a:r>
-              <a:rPr lang="en-IL" dirty="0">
-                <a:solidFill>
-                  <a:srgbClr val="0070C0"/>
-                </a:solidFill>
-                <a:latin typeface="Courier New" panose="02070309020205020404" pitchFamily="49" charset="0"/>
-                <a:cs typeface="Courier New" panose="02070309020205020404" pitchFamily="49" charset="0"/>
-              </a:rPr>
-              <a:t>new</a:t>
-            </a:r>
-            <a:r>
-              <a:rPr lang="en-IL" dirty="0">
-                <a:latin typeface="Courier New" panose="02070309020205020404" pitchFamily="49" charset="0"/>
-                <a:cs typeface="Courier New" panose="02070309020205020404" pitchFamily="49" charset="0"/>
-              </a:rPr>
-              <a:t> Coolers(paramCool1);</a:t>
-            </a:r>
-          </a:p>
-          <a:p>
-            <a:r>
-              <a:rPr lang="en-IL" dirty="0">
-                <a:latin typeface="Courier New" panose="02070309020205020404" pitchFamily="49" charset="0"/>
-                <a:cs typeface="Courier New" panose="02070309020205020404" pitchFamily="49" charset="0"/>
-              </a:rPr>
-              <a:t>    }</a:t>
-            </a:r>
-          </a:p>
-          <a:p>
-            <a:r>
-              <a:rPr lang="en-IL" dirty="0">
-                <a:latin typeface="Courier New" panose="02070309020205020404" pitchFamily="49" charset="0"/>
-                <a:cs typeface="Courier New" panose="02070309020205020404" pitchFamily="49" charset="0"/>
-              </a:rPr>
-              <a:t>}</a:t>
-            </a:r>
-          </a:p>
-        </p:txBody>
-      </p:sp>
-    </p:spTree>
-    <p:extLst>
-      <p:ext uri="{BB962C8B-B14F-4D97-AF65-F5344CB8AC3E}">
-        <p14:creationId xmlns:p14="http://schemas.microsoft.com/office/powerpoint/2010/main" val="2255410467"/>
-      </p:ext>
-    </p:extLst>
-  </p:cSld>
-  <p:clrMapOvr>
-    <a:masterClrMapping/>
-  </p:clrMapOvr>
 </p:sld>
 </file>
 
@@ -13045,26 +13115,6 @@
 </file>
 
 <file path=customXml/item1.xml><?xml version="1.0" encoding="utf-8"?>
-<?mso-contentType ?>
-<FormTemplates xmlns="http://schemas.microsoft.com/sharepoint/v3/contenttype/forms">
-  <Display>DocumentLibraryForm</Display>
-  <Edit>DocumentLibraryForm</Edit>
-  <New>DocumentLibraryForm</New>
-</FormTemplates>
-</file>
-
-<file path=customXml/item2.xml><?xml version="1.0" encoding="utf-8"?>
-<p:properties xmlns:p="http://schemas.microsoft.com/office/2006/metadata/properties" xmlns:xsi="http://www.w3.org/2001/XMLSchema-instance" xmlns:pc="http://schemas.microsoft.com/office/infopath/2007/PartnerControls">
-  <documentManagement>
-    <lcf76f155ced4ddcb4097134ff3c332f xmlns="858d5390-0f7b-4213-8bcd-0cd5cf778ba6">
-      <Terms xmlns="http://schemas.microsoft.com/office/infopath/2007/PartnerControls"/>
-    </lcf76f155ced4ddcb4097134ff3c332f>
-    <TaxCatchAll xmlns="e5f39eeb-dc9c-40bf-a733-e74d7baf73b9" xsi:nil="true"/>
-  </documentManagement>
-</p:properties>
-</file>
-
-<file path=customXml/item3.xml><?xml version="1.0" encoding="utf-8"?>
 <ct:contentTypeSchema xmlns:ct="http://schemas.microsoft.com/office/2006/metadata/contentType" xmlns:ma="http://schemas.microsoft.com/office/2006/metadata/properties/metaAttributes" ct:_="" ma:_="" ma:contentTypeName="Document" ma:contentTypeID="0x0101001980062C165A384BBE4202BE72680A0C" ma:contentTypeVersion="16" ma:contentTypeDescription="Create a new document." ma:contentTypeScope="" ma:versionID="ad4a4175eb2c3e09fcddefcd48156f8d">
   <xsd:schema xmlns:xsd="http://www.w3.org/2001/XMLSchema" xmlns:xs="http://www.w3.org/2001/XMLSchema" xmlns:p="http://schemas.microsoft.com/office/2006/metadata/properties" xmlns:ns2="858d5390-0f7b-4213-8bcd-0cd5cf778ba6" xmlns:ns3="48da0e76-8a7c-448c-bc5b-f1ed517f7411" xmlns:ns4="e5f39eeb-dc9c-40bf-a733-e74d7baf73b9" targetNamespace="http://schemas.microsoft.com/office/2006/metadata/properties" ma:root="true" ma:fieldsID="ea247dcd7b1180b70e9ff4f92c286293" ns2:_="" ns3:_="" ns4:_="">
     <xsd:import namespace="858d5390-0f7b-4213-8bcd-0cd5cf778ba6"/>
@@ -13312,26 +13362,27 @@
 </ct:contentTypeSchema>
 </file>
 
-<file path=customXml/itemProps1.xml><?xml version="1.0" encoding="utf-8"?>
-<ds:datastoreItem xmlns:ds="http://schemas.openxmlformats.org/officeDocument/2006/customXml" ds:itemID="{CAAF7FB3-E9ED-4EED-B8B3-D582CBAD96FA}">
-  <ds:schemaRefs>
-    <ds:schemaRef ds:uri="http://schemas.microsoft.com/sharepoint/v3/contenttype/forms"/>
-  </ds:schemaRefs>
-</ds:datastoreItem>
+<file path=customXml/item2.xml><?xml version="1.0" encoding="utf-8"?>
+<p:properties xmlns:p="http://schemas.microsoft.com/office/2006/metadata/properties" xmlns:xsi="http://www.w3.org/2001/XMLSchema-instance" xmlns:pc="http://schemas.microsoft.com/office/infopath/2007/PartnerControls">
+  <documentManagement>
+    <lcf76f155ced4ddcb4097134ff3c332f xmlns="858d5390-0f7b-4213-8bcd-0cd5cf778ba6">
+      <Terms xmlns="http://schemas.microsoft.com/office/infopath/2007/PartnerControls"/>
+    </lcf76f155ced4ddcb4097134ff3c332f>
+    <TaxCatchAll xmlns="e5f39eeb-dc9c-40bf-a733-e74d7baf73b9" xsi:nil="true"/>
+  </documentManagement>
+</p:properties>
 </file>
 
-<file path=customXml/itemProps2.xml><?xml version="1.0" encoding="utf-8"?>
-<ds:datastoreItem xmlns:ds="http://schemas.openxmlformats.org/officeDocument/2006/customXml" ds:itemID="{2B532926-D782-41F9-BAB4-3CFD211C0FE2}">
-  <ds:schemaRefs>
-    <ds:schemaRef ds:uri="http://schemas.microsoft.com/office/2006/metadata/properties"/>
-    <ds:schemaRef ds:uri="http://schemas.microsoft.com/office/infopath/2007/PartnerControls"/>
-    <ds:schemaRef ds:uri="858d5390-0f7b-4213-8bcd-0cd5cf778ba6"/>
-    <ds:schemaRef ds:uri="e5f39eeb-dc9c-40bf-a733-e74d7baf73b9"/>
-  </ds:schemaRefs>
-</ds:datastoreItem>
+<file path=customXml/item3.xml><?xml version="1.0" encoding="utf-8"?>
+<?mso-contentType ?>
+<FormTemplates xmlns="http://schemas.microsoft.com/sharepoint/v3/contenttype/forms">
+  <Display>DocumentLibraryForm</Display>
+  <Edit>DocumentLibraryForm</Edit>
+  <New>DocumentLibraryForm</New>
+</FormTemplates>
 </file>
 
-<file path=customXml/itemProps3.xml><?xml version="1.0" encoding="utf-8"?>
+<file path=customXml/itemProps1.xml><?xml version="1.0" encoding="utf-8"?>
 <ds:datastoreItem xmlns:ds="http://schemas.openxmlformats.org/officeDocument/2006/customXml" ds:itemID="{AE7FD026-DEEB-4862-93FA-5080F11894C7}">
   <ds:schemaRefs>
     <ds:schemaRef ds:uri="http://schemas.microsoft.com/office/2006/metadata/contentType"/>
@@ -13349,4 +13400,23 @@
     <ds:schemaRef ds:uri="http://schemas.microsoft.com/internal/obd"/>
   </ds:schemaRefs>
 </ds:datastoreItem>
+</file>
+
+<file path=customXml/itemProps2.xml><?xml version="1.0" encoding="utf-8"?>
+<ds:datastoreItem xmlns:ds="http://schemas.openxmlformats.org/officeDocument/2006/customXml" ds:itemID="{2B532926-D782-41F9-BAB4-3CFD211C0FE2}">
+  <ds:schemaRefs>
+    <ds:schemaRef ds:uri="http://schemas.microsoft.com/office/2006/metadata/properties"/>
+    <ds:schemaRef ds:uri="http://schemas.microsoft.com/office/infopath/2007/PartnerControls"/>
+    <ds:schemaRef ds:uri="858d5390-0f7b-4213-8bcd-0cd5cf778ba6"/>
+    <ds:schemaRef ds:uri="e5f39eeb-dc9c-40bf-a733-e74d7baf73b9"/>
+  </ds:schemaRefs>
+</ds:datastoreItem>
+</file>
+
+<file path=customXml/itemProps3.xml><?xml version="1.0" encoding="utf-8"?>
+<ds:datastoreItem xmlns:ds="http://schemas.openxmlformats.org/officeDocument/2006/customXml" ds:itemID="{CAAF7FB3-E9ED-4EED-B8B3-D582CBAD96FA}">
+  <ds:schemaRefs>
+    <ds:schemaRef ds:uri="http://schemas.microsoft.com/sharepoint/v3/contenttype/forms"/>
+  </ds:schemaRefs>
+</ds:datastoreItem>
 </file>
--- a/course_data/presentations/practical_spring_boot_for_tdp.pptx
+++ b/course_data/presentations/practical_spring_boot_for_tdp.pptx
@@ -226,7 +226,7 @@
           <a:p>
             <a:fld id="{AD4DB1D7-A2E6-5540-AAB6-9A95390687AC}" type="datetimeFigureOut">
               <a:rPr lang="en-IL" smtClean="0"/>
-              <a:t>08/08/2024</a:t>
+              <a:t>10/08/2024</a:t>
             </a:fld>
             <a:endParaRPr lang="en-IL"/>
           </a:p>
@@ -1765,7 +1765,7 @@
             <a:fld id="{B61BEF0D-F0BB-DE4B-95CE-6DB70DBA9567}" type="datetimeFigureOut">
               <a:rPr lang="en-US" dirty="0"/>
               <a:pPr/>
-              <a:t>8/8/24</a:t>
+              <a:t>8/10/24</a:t>
             </a:fld>
             <a:endParaRPr lang="en-US" dirty="0"/>
           </a:p>
@@ -2013,7 +2013,7 @@
             <a:fld id="{B61BEF0D-F0BB-DE4B-95CE-6DB70DBA9567}" type="datetimeFigureOut">
               <a:rPr lang="en-US" dirty="0"/>
               <a:pPr/>
-              <a:t>8/8/24</a:t>
+              <a:t>8/10/24</a:t>
             </a:fld>
             <a:endParaRPr lang="en-US" dirty="0"/>
           </a:p>
@@ -2324,7 +2324,7 @@
             <a:fld id="{B61BEF0D-F0BB-DE4B-95CE-6DB70DBA9567}" type="datetimeFigureOut">
               <a:rPr lang="en-US" dirty="0"/>
               <a:pPr/>
-              <a:t>8/8/24</a:t>
+              <a:t>8/10/24</a:t>
             </a:fld>
             <a:endParaRPr lang="en-US" dirty="0"/>
           </a:p>
@@ -2662,7 +2662,7 @@
             <a:fld id="{B61BEF0D-F0BB-DE4B-95CE-6DB70DBA9567}" type="datetimeFigureOut">
               <a:rPr lang="en-US" dirty="0"/>
               <a:pPr/>
-              <a:t>8/8/24</a:t>
+              <a:t>8/10/24</a:t>
             </a:fld>
             <a:endParaRPr lang="en-US" dirty="0"/>
           </a:p>
@@ -2973,7 +2973,7 @@
             <a:fld id="{B61BEF0D-F0BB-DE4B-95CE-6DB70DBA9567}" type="datetimeFigureOut">
               <a:rPr lang="en-US" dirty="0"/>
               <a:pPr/>
-              <a:t>8/8/24</a:t>
+              <a:t>8/10/24</a:t>
             </a:fld>
             <a:endParaRPr lang="en-US" dirty="0"/>
           </a:p>
@@ -3363,7 +3363,7 @@
             <a:fld id="{B61BEF0D-F0BB-DE4B-95CE-6DB70DBA9567}" type="datetimeFigureOut">
               <a:rPr lang="en-US" dirty="0"/>
               <a:pPr/>
-              <a:t>8/8/24</a:t>
+              <a:t>8/10/24</a:t>
             </a:fld>
             <a:endParaRPr lang="en-US" dirty="0"/>
           </a:p>
@@ -3529,7 +3529,7 @@
           <a:p>
             <a:fld id="{55C6B4A9-1611-4792-9094-5F34BCA07E0B}" type="datetimeFigureOut">
               <a:rPr lang="en-US" dirty="0"/>
-              <a:t>8/8/24</a:t>
+              <a:t>8/10/24</a:t>
             </a:fld>
             <a:endParaRPr lang="en-US" dirty="0"/>
           </a:p>
@@ -3705,7 +3705,7 @@
             <a:fld id="{B61BEF0D-F0BB-DE4B-95CE-6DB70DBA9567}" type="datetimeFigureOut">
               <a:rPr lang="en-US" dirty="0"/>
               <a:pPr/>
-              <a:t>8/8/24</a:t>
+              <a:t>8/10/24</a:t>
             </a:fld>
             <a:endParaRPr lang="en-US" dirty="0"/>
           </a:p>
@@ -3887,7 +3887,7 @@
             <a:fld id="{B61BEF0D-F0BB-DE4B-95CE-6DB70DBA9567}" type="datetimeFigureOut">
               <a:rPr lang="en-US" dirty="0"/>
               <a:pPr/>
-              <a:t>8/8/24</a:t>
+              <a:t>8/10/24</a:t>
             </a:fld>
             <a:endParaRPr lang="en-US" dirty="0"/>
           </a:p>
@@ -4147,7 +4147,7 @@
             <a:fld id="{B61BEF0D-F0BB-DE4B-95CE-6DB70DBA9567}" type="datetimeFigureOut">
               <a:rPr lang="en-US" dirty="0"/>
               <a:pPr/>
-              <a:t>8/8/24</a:t>
+              <a:t>8/10/24</a:t>
             </a:fld>
             <a:endParaRPr lang="en-US" dirty="0"/>
           </a:p>
@@ -4375,7 +4375,7 @@
           <a:p>
             <a:fld id="{EB712588-04B1-427B-82EE-E8DB90309F08}" type="datetimeFigureOut">
               <a:rPr lang="en-US" dirty="0"/>
-              <a:t>8/8/24</a:t>
+              <a:t>8/10/24</a:t>
             </a:fld>
             <a:endParaRPr lang="en-US" dirty="0"/>
           </a:p>
@@ -4745,7 +4745,7 @@
             <a:fld id="{B61BEF0D-F0BB-DE4B-95CE-6DB70DBA9567}" type="datetimeFigureOut">
               <a:rPr lang="en-US" dirty="0"/>
               <a:pPr/>
-              <a:t>8/8/24</a:t>
+              <a:t>8/10/24</a:t>
             </a:fld>
             <a:endParaRPr lang="en-US" dirty="0"/>
           </a:p>
@@ -4865,7 +4865,7 @@
             <a:fld id="{B61BEF0D-F0BB-DE4B-95CE-6DB70DBA9567}" type="datetimeFigureOut">
               <a:rPr lang="en-US" dirty="0"/>
               <a:pPr/>
-              <a:t>8/8/24</a:t>
+              <a:t>8/10/24</a:t>
             </a:fld>
             <a:endParaRPr lang="en-US" dirty="0"/>
           </a:p>
@@ -4957,7 +4957,7 @@
             <a:fld id="{B61BEF0D-F0BB-DE4B-95CE-6DB70DBA9567}" type="datetimeFigureOut">
               <a:rPr lang="en-US" dirty="0"/>
               <a:pPr/>
-              <a:t>8/8/24</a:t>
+              <a:t>8/10/24</a:t>
             </a:fld>
             <a:endParaRPr lang="en-US" dirty="0"/>
           </a:p>
@@ -5208,7 +5208,7 @@
           <a:p>
             <a:fld id="{42A54C80-263E-416B-A8E0-580EDEADCBDC}" type="datetimeFigureOut">
               <a:rPr lang="en-US" dirty="0"/>
-              <a:t>8/8/24</a:t>
+              <a:t>8/10/24</a:t>
             </a:fld>
             <a:endParaRPr lang="en-US" dirty="0"/>
           </a:p>
@@ -5467,7 +5467,7 @@
             <a:fld id="{B61BEF0D-F0BB-DE4B-95CE-6DB70DBA9567}" type="datetimeFigureOut">
               <a:rPr lang="en-US" dirty="0"/>
               <a:pPr/>
-              <a:t>8/8/24</a:t>
+              <a:t>8/10/24</a:t>
             </a:fld>
             <a:endParaRPr lang="en-US" dirty="0"/>
           </a:p>
@@ -6207,7 +6207,7 @@
             <a:fld id="{B61BEF0D-F0BB-DE4B-95CE-6DB70DBA9567}" type="datetimeFigureOut">
               <a:rPr lang="en-US" dirty="0"/>
               <a:pPr/>
-              <a:t>8/8/24</a:t>
+              <a:t>8/10/24</a:t>
             </a:fld>
             <a:endParaRPr lang="en-US" dirty="0"/>
           </a:p>
@@ -13115,6 +13115,17 @@
 </file>
 
 <file path=customXml/item1.xml><?xml version="1.0" encoding="utf-8"?>
+<p:properties xmlns:p="http://schemas.microsoft.com/office/2006/metadata/properties" xmlns:xsi="http://www.w3.org/2001/XMLSchema-instance" xmlns:pc="http://schemas.microsoft.com/office/infopath/2007/PartnerControls">
+  <documentManagement>
+    <lcf76f155ced4ddcb4097134ff3c332f xmlns="858d5390-0f7b-4213-8bcd-0cd5cf778ba6">
+      <Terms xmlns="http://schemas.microsoft.com/office/infopath/2007/PartnerControls"/>
+    </lcf76f155ced4ddcb4097134ff3c332f>
+    <TaxCatchAll xmlns="e5f39eeb-dc9c-40bf-a733-e74d7baf73b9" xsi:nil="true"/>
+  </documentManagement>
+</p:properties>
+</file>
+
+<file path=customXml/item2.xml><?xml version="1.0" encoding="utf-8"?>
 <ct:contentTypeSchema xmlns:ct="http://schemas.microsoft.com/office/2006/metadata/contentType" xmlns:ma="http://schemas.microsoft.com/office/2006/metadata/properties/metaAttributes" ct:_="" ma:_="" ma:contentTypeName="Document" ma:contentTypeID="0x0101001980062C165A384BBE4202BE72680A0C" ma:contentTypeVersion="16" ma:contentTypeDescription="Create a new document." ma:contentTypeScope="" ma:versionID="ad4a4175eb2c3e09fcddefcd48156f8d">
   <xsd:schema xmlns:xsd="http://www.w3.org/2001/XMLSchema" xmlns:xs="http://www.w3.org/2001/XMLSchema" xmlns:p="http://schemas.microsoft.com/office/2006/metadata/properties" xmlns:ns2="858d5390-0f7b-4213-8bcd-0cd5cf778ba6" xmlns:ns3="48da0e76-8a7c-448c-bc5b-f1ed517f7411" xmlns:ns4="e5f39eeb-dc9c-40bf-a733-e74d7baf73b9" targetNamespace="http://schemas.microsoft.com/office/2006/metadata/properties" ma:root="true" ma:fieldsID="ea247dcd7b1180b70e9ff4f92c286293" ns2:_="" ns3:_="" ns4:_="">
     <xsd:import namespace="858d5390-0f7b-4213-8bcd-0cd5cf778ba6"/>
@@ -13362,17 +13373,6 @@
 </ct:contentTypeSchema>
 </file>
 
-<file path=customXml/item2.xml><?xml version="1.0" encoding="utf-8"?>
-<p:properties xmlns:p="http://schemas.microsoft.com/office/2006/metadata/properties" xmlns:xsi="http://www.w3.org/2001/XMLSchema-instance" xmlns:pc="http://schemas.microsoft.com/office/infopath/2007/PartnerControls">
-  <documentManagement>
-    <lcf76f155ced4ddcb4097134ff3c332f xmlns="858d5390-0f7b-4213-8bcd-0cd5cf778ba6">
-      <Terms xmlns="http://schemas.microsoft.com/office/infopath/2007/PartnerControls"/>
-    </lcf76f155ced4ddcb4097134ff3c332f>
-    <TaxCatchAll xmlns="e5f39eeb-dc9c-40bf-a733-e74d7baf73b9" xsi:nil="true"/>
-  </documentManagement>
-</p:properties>
-</file>
-
 <file path=customXml/item3.xml><?xml version="1.0" encoding="utf-8"?>
 <?mso-contentType ?>
 <FormTemplates xmlns="http://schemas.microsoft.com/sharepoint/v3/contenttype/forms">
@@ -13383,6 +13383,17 @@
 </file>
 
 <file path=customXml/itemProps1.xml><?xml version="1.0" encoding="utf-8"?>
+<ds:datastoreItem xmlns:ds="http://schemas.openxmlformats.org/officeDocument/2006/customXml" ds:itemID="{2B532926-D782-41F9-BAB4-3CFD211C0FE2}">
+  <ds:schemaRefs>
+    <ds:schemaRef ds:uri="http://schemas.microsoft.com/office/2006/metadata/properties"/>
+    <ds:schemaRef ds:uri="http://schemas.microsoft.com/office/infopath/2007/PartnerControls"/>
+    <ds:schemaRef ds:uri="858d5390-0f7b-4213-8bcd-0cd5cf778ba6"/>
+    <ds:schemaRef ds:uri="e5f39eeb-dc9c-40bf-a733-e74d7baf73b9"/>
+  </ds:schemaRefs>
+</ds:datastoreItem>
+</file>
+
+<file path=customXml/itemProps2.xml><?xml version="1.0" encoding="utf-8"?>
 <ds:datastoreItem xmlns:ds="http://schemas.openxmlformats.org/officeDocument/2006/customXml" ds:itemID="{AE7FD026-DEEB-4862-93FA-5080F11894C7}">
   <ds:schemaRefs>
     <ds:schemaRef ds:uri="http://schemas.microsoft.com/office/2006/metadata/contentType"/>
@@ -13402,17 +13413,6 @@
 </ds:datastoreItem>
 </file>
 
-<file path=customXml/itemProps2.xml><?xml version="1.0" encoding="utf-8"?>
-<ds:datastoreItem xmlns:ds="http://schemas.openxmlformats.org/officeDocument/2006/customXml" ds:itemID="{2B532926-D782-41F9-BAB4-3CFD211C0FE2}">
-  <ds:schemaRefs>
-    <ds:schemaRef ds:uri="http://schemas.microsoft.com/office/2006/metadata/properties"/>
-    <ds:schemaRef ds:uri="http://schemas.microsoft.com/office/infopath/2007/PartnerControls"/>
-    <ds:schemaRef ds:uri="858d5390-0f7b-4213-8bcd-0cd5cf778ba6"/>
-    <ds:schemaRef ds:uri="e5f39eeb-dc9c-40bf-a733-e74d7baf73b9"/>
-  </ds:schemaRefs>
-</ds:datastoreItem>
-</file>
-
 <file path=customXml/itemProps3.xml><?xml version="1.0" encoding="utf-8"?>
 <ds:datastoreItem xmlns:ds="http://schemas.openxmlformats.org/officeDocument/2006/customXml" ds:itemID="{CAAF7FB3-E9ED-4EED-B8B3-D582CBAD96FA}">
   <ds:schemaRefs>

--- a/course_data/presentations/practical_spring_boot_for_tdp.pptx
+++ b/course_data/presentations/practical_spring_boot_for_tdp.pptx
@@ -13115,14 +13115,12 @@
 </file>
 
 <file path=customXml/item1.xml><?xml version="1.0" encoding="utf-8"?>
-<p:properties xmlns:p="http://schemas.microsoft.com/office/2006/metadata/properties" xmlns:xsi="http://www.w3.org/2001/XMLSchema-instance" xmlns:pc="http://schemas.microsoft.com/office/infopath/2007/PartnerControls">
-  <documentManagement>
-    <lcf76f155ced4ddcb4097134ff3c332f xmlns="858d5390-0f7b-4213-8bcd-0cd5cf778ba6">
-      <Terms xmlns="http://schemas.microsoft.com/office/infopath/2007/PartnerControls"/>
-    </lcf76f155ced4ddcb4097134ff3c332f>
-    <TaxCatchAll xmlns="e5f39eeb-dc9c-40bf-a733-e74d7baf73b9" xsi:nil="true"/>
-  </documentManagement>
-</p:properties>
+<?mso-contentType ?>
+<FormTemplates xmlns="http://schemas.microsoft.com/sharepoint/v3/contenttype/forms">
+  <Display>DocumentLibraryForm</Display>
+  <Edit>DocumentLibraryForm</Edit>
+  <New>DocumentLibraryForm</New>
+</FormTemplates>
 </file>
 
 <file path=customXml/item2.xml><?xml version="1.0" encoding="utf-8"?>
@@ -13374,21 +13372,20 @@
 </file>
 
 <file path=customXml/item3.xml><?xml version="1.0" encoding="utf-8"?>
-<?mso-contentType ?>
-<FormTemplates xmlns="http://schemas.microsoft.com/sharepoint/v3/contenttype/forms">
-  <Display>DocumentLibraryForm</Display>
-  <Edit>DocumentLibraryForm</Edit>
-  <New>DocumentLibraryForm</New>
-</FormTemplates>
+<p:properties xmlns:p="http://schemas.microsoft.com/office/2006/metadata/properties" xmlns:xsi="http://www.w3.org/2001/XMLSchema-instance" xmlns:pc="http://schemas.microsoft.com/office/infopath/2007/PartnerControls">
+  <documentManagement>
+    <lcf76f155ced4ddcb4097134ff3c332f xmlns="858d5390-0f7b-4213-8bcd-0cd5cf778ba6">
+      <Terms xmlns="http://schemas.microsoft.com/office/infopath/2007/PartnerControls"/>
+    </lcf76f155ced4ddcb4097134ff3c332f>
+    <TaxCatchAll xmlns="e5f39eeb-dc9c-40bf-a733-e74d7baf73b9" xsi:nil="true"/>
+  </documentManagement>
+</p:properties>
 </file>
 
 <file path=customXml/itemProps1.xml><?xml version="1.0" encoding="utf-8"?>
-<ds:datastoreItem xmlns:ds="http://schemas.openxmlformats.org/officeDocument/2006/customXml" ds:itemID="{2B532926-D782-41F9-BAB4-3CFD211C0FE2}">
+<ds:datastoreItem xmlns:ds="http://schemas.openxmlformats.org/officeDocument/2006/customXml" ds:itemID="{CAAF7FB3-E9ED-4EED-B8B3-D582CBAD96FA}">
   <ds:schemaRefs>
-    <ds:schemaRef ds:uri="http://schemas.microsoft.com/office/2006/metadata/properties"/>
-    <ds:schemaRef ds:uri="http://schemas.microsoft.com/office/infopath/2007/PartnerControls"/>
-    <ds:schemaRef ds:uri="858d5390-0f7b-4213-8bcd-0cd5cf778ba6"/>
-    <ds:schemaRef ds:uri="e5f39eeb-dc9c-40bf-a733-e74d7baf73b9"/>
+    <ds:schemaRef ds:uri="http://schemas.microsoft.com/sharepoint/v3/contenttype/forms"/>
   </ds:schemaRefs>
 </ds:datastoreItem>
 </file>
@@ -13414,9 +13411,12 @@
 </file>
 
 <file path=customXml/itemProps3.xml><?xml version="1.0" encoding="utf-8"?>
-<ds:datastoreItem xmlns:ds="http://schemas.openxmlformats.org/officeDocument/2006/customXml" ds:itemID="{CAAF7FB3-E9ED-4EED-B8B3-D582CBAD96FA}">
+<ds:datastoreItem xmlns:ds="http://schemas.openxmlformats.org/officeDocument/2006/customXml" ds:itemID="{2B532926-D782-41F9-BAB4-3CFD211C0FE2}">
   <ds:schemaRefs>
-    <ds:schemaRef ds:uri="http://schemas.microsoft.com/sharepoint/v3/contenttype/forms"/>
+    <ds:schemaRef ds:uri="http://schemas.microsoft.com/office/2006/metadata/properties"/>
+    <ds:schemaRef ds:uri="http://schemas.microsoft.com/office/infopath/2007/PartnerControls"/>
+    <ds:schemaRef ds:uri="858d5390-0f7b-4213-8bcd-0cd5cf778ba6"/>
+    <ds:schemaRef ds:uri="e5f39eeb-dc9c-40bf-a733-e74d7baf73b9"/>
   </ds:schemaRefs>
 </ds:datastoreItem>
 </file>
--- a/course_data/presentations/practical_spring_boot_for_tdp.pptx
+++ b/course_data/presentations/practical_spring_boot_for_tdp.pptx
@@ -10090,32 +10090,33 @@
           <a:p>
             <a:r>
               <a:rPr lang="en-US" sz="3200" dirty="0"/>
-              <a:t>Tech Lead</a:t>
+              <a:t>Tech Lead | 7 years at AT&amp;T​</a:t>
             </a:r>
             <a:endParaRPr lang="he-IL" sz="3200" dirty="0"/>
           </a:p>
           <a:p>
             <a:r>
               <a:rPr lang="en-US" sz="3200" dirty="0"/>
-              <a:t>7 years at AT&amp;T​</a:t>
-            </a:r>
-            <a:endParaRPr lang="he-IL" sz="3200" dirty="0"/>
+              <a:t>Experienced: C#, Node.js, Java, Go, Python, JavaScript</a:t>
+            </a:r>
           </a:p>
           <a:p>
             <a:r>
               <a:rPr lang="en-US" sz="3200" dirty="0"/>
-              <a:t>Experienced: C#, Java, Go, Python, JavaScript, Node.js</a:t>
-            </a:r>
-          </a:p>
-          <a:p>
-            <a:r>
-              <a:rPr lang="en-US" sz="3200" dirty="0"/>
+              <a:t>Interests</a:t>
+            </a:r>
+          </a:p>
+          <a:p>
+            <a:pPr lvl="1"/>
+            <a:r>
+              <a:rPr lang="en-US" sz="3000" dirty="0"/>
               <a:t>Music &amp; Movies</a:t>
             </a:r>
           </a:p>
           <a:p>
-            <a:r>
-              <a:rPr lang="en-US" sz="3200" dirty="0"/>
+            <a:pPr lvl="1"/>
+            <a:r>
+              <a:rPr lang="en-US" sz="3000" dirty="0"/>
               <a:t>Intermittent Fasting &amp; Keto</a:t>
             </a:r>
           </a:p>
@@ -11799,7 +11800,7 @@
         <p:spPr>
           <a:xfrm>
             <a:off x="515938" y="404813"/>
-            <a:ext cx="8438876" cy="755650"/>
+            <a:ext cx="10709110" cy="782856"/>
           </a:xfrm>
         </p:spPr>
         <p:txBody>
@@ -11833,61 +11834,23 @@
         </p:nvSpPr>
         <p:spPr>
           <a:xfrm>
-            <a:off x="515938" y="1320252"/>
+            <a:off x="200627" y="1330762"/>
             <a:ext cx="8596668" cy="3880773"/>
           </a:xfrm>
         </p:spPr>
         <p:txBody>
           <a:bodyPr>
-            <a:normAutofit lnSpcReduction="10000"/>
+            <a:normAutofit/>
           </a:bodyPr>
           <a:lstStyle/>
           <a:p>
-            <a:r>
-              <a:rPr lang="en-US" sz="2400" dirty="0"/>
-              <a:t>Inversion of Control is a principle which transfers the control of objects or portions of a program to a container or framework. </a:t>
-            </a:r>
-          </a:p>
-          <a:p>
-            <a:pPr lvl="1"/>
-            <a:r>
-              <a:rPr lang="en-US" sz="2000" dirty="0"/>
-              <a:t>In traditional (procedural) programming, our custom code makes calls to a library</a:t>
-            </a:r>
-          </a:p>
-          <a:p>
-            <a:pPr lvl="1"/>
-            <a:r>
-              <a:rPr lang="en-US" sz="2000" dirty="0"/>
-              <a:t>In IoC, a framework can take control of the flow of a program and calls to our custom code. </a:t>
-            </a:r>
-          </a:p>
-          <a:p>
-            <a:r>
-              <a:rPr lang="en-US" sz="2400" dirty="0"/>
-              <a:t>IoC inverts the different kinds of control:</a:t>
-            </a:r>
-          </a:p>
-          <a:p>
-            <a:pPr lvl="1"/>
-            <a:r>
-              <a:rPr lang="en-US" sz="2000" dirty="0"/>
-              <a:t>Control Over the Flow of a Program</a:t>
-            </a:r>
-          </a:p>
-          <a:p>
-            <a:pPr lvl="1"/>
-            <a:r>
-              <a:rPr lang="en-US" sz="2000" dirty="0"/>
-              <a:t>Control Over the Dependent Object Creation</a:t>
-            </a:r>
-          </a:p>
-          <a:p>
-            <a:pPr lvl="1"/>
-            <a:endParaRPr lang="en-US" dirty="0"/>
-          </a:p>
-          <a:p>
-            <a:endParaRPr lang="en-US" dirty="0"/>
+            <a:pPr marL="457200" lvl="1" indent="0">
+              <a:buNone/>
+            </a:pPr>
+            <a:r>
+              <a:rPr lang="en-US" sz="3200" dirty="0"/>
+              <a:t>Inversion of Control (IoC) is a design principle where the control of object creation and lifecycle management is transferred from the application code to a container or framework.</a:t>
+            </a:r>
           </a:p>
         </p:txBody>
       </p:sp>
@@ -11901,258 +11864,6 @@
   <p:clrMapOvr>
     <a:masterClrMapping/>
   </p:clrMapOvr>
-  <p:timing>
-    <p:tnLst>
-      <p:par>
-        <p:cTn id="1" dur="indefinite" restart="never" nodeType="tmRoot">
-          <p:childTnLst>
-            <p:seq concurrent="1" nextAc="seek">
-              <p:cTn id="2" dur="indefinite" nodeType="mainSeq">
-                <p:childTnLst>
-                  <p:par>
-                    <p:cTn id="3" fill="hold">
-                      <p:stCondLst>
-                        <p:cond delay="indefinite"/>
-                      </p:stCondLst>
-                      <p:childTnLst>
-                        <p:par>
-                          <p:cTn id="4" fill="hold">
-                            <p:stCondLst>
-                              <p:cond delay="0"/>
-                            </p:stCondLst>
-                            <p:childTnLst>
-                              <p:par>
-                                <p:cTn id="5" presetID="1" presetClass="entr" presetSubtype="0" fill="hold" nodeType="clickEffect">
-                                  <p:stCondLst>
-                                    <p:cond delay="0"/>
-                                  </p:stCondLst>
-                                  <p:childTnLst>
-                                    <p:set>
-                                      <p:cBhvr>
-                                        <p:cTn id="6" dur="1" fill="hold">
-                                          <p:stCondLst>
-                                            <p:cond delay="0"/>
-                                          </p:stCondLst>
-                                        </p:cTn>
-                                        <p:tgtEl>
-                                          <p:spTgt spid="3">
-                                            <p:txEl>
-                                              <p:pRg st="0" end="0"/>
-                                            </p:txEl>
-                                          </p:spTgt>
-                                        </p:tgtEl>
-                                        <p:attrNameLst>
-                                          <p:attrName>style.visibility</p:attrName>
-                                        </p:attrNameLst>
-                                      </p:cBhvr>
-                                      <p:to>
-                                        <p:strVal val="visible"/>
-                                      </p:to>
-                                    </p:set>
-                                  </p:childTnLst>
-                                </p:cTn>
-                              </p:par>
-                              <p:par>
-                                <p:cTn id="7" presetID="1" presetClass="entr" presetSubtype="0" fill="hold" nodeType="withEffect">
-                                  <p:stCondLst>
-                                    <p:cond delay="0"/>
-                                  </p:stCondLst>
-                                  <p:childTnLst>
-                                    <p:set>
-                                      <p:cBhvr>
-                                        <p:cTn id="8" dur="1" fill="hold">
-                                          <p:stCondLst>
-                                            <p:cond delay="0"/>
-                                          </p:stCondLst>
-                                        </p:cTn>
-                                        <p:tgtEl>
-                                          <p:spTgt spid="3">
-                                            <p:txEl>
-                                              <p:pRg st="1" end="1"/>
-                                            </p:txEl>
-                                          </p:spTgt>
-                                        </p:tgtEl>
-                                        <p:attrNameLst>
-                                          <p:attrName>style.visibility</p:attrName>
-                                        </p:attrNameLst>
-                                      </p:cBhvr>
-                                      <p:to>
-                                        <p:strVal val="visible"/>
-                                      </p:to>
-                                    </p:set>
-                                  </p:childTnLst>
-                                </p:cTn>
-                              </p:par>
-                              <p:par>
-                                <p:cTn id="9" presetID="1" presetClass="entr" presetSubtype="0" fill="hold" nodeType="withEffect">
-                                  <p:stCondLst>
-                                    <p:cond delay="0"/>
-                                  </p:stCondLst>
-                                  <p:childTnLst>
-                                    <p:set>
-                                      <p:cBhvr>
-                                        <p:cTn id="10" dur="1" fill="hold">
-                                          <p:stCondLst>
-                                            <p:cond delay="0"/>
-                                          </p:stCondLst>
-                                        </p:cTn>
-                                        <p:tgtEl>
-                                          <p:spTgt spid="3">
-                                            <p:txEl>
-                                              <p:pRg st="2" end="2"/>
-                                            </p:txEl>
-                                          </p:spTgt>
-                                        </p:tgtEl>
-                                        <p:attrNameLst>
-                                          <p:attrName>style.visibility</p:attrName>
-                                        </p:attrNameLst>
-                                      </p:cBhvr>
-                                      <p:to>
-                                        <p:strVal val="visible"/>
-                                      </p:to>
-                                    </p:set>
-                                  </p:childTnLst>
-                                </p:cTn>
-                              </p:par>
-                            </p:childTnLst>
-                          </p:cTn>
-                        </p:par>
-                      </p:childTnLst>
-                    </p:cTn>
-                  </p:par>
-                  <p:par>
-                    <p:cTn id="11" fill="hold">
-                      <p:stCondLst>
-                        <p:cond delay="indefinite"/>
-                      </p:stCondLst>
-                      <p:childTnLst>
-                        <p:par>
-                          <p:cTn id="12" fill="hold">
-                            <p:stCondLst>
-                              <p:cond delay="0"/>
-                            </p:stCondLst>
-                            <p:childTnLst>
-                              <p:par>
-                                <p:cTn id="13" presetID="1" presetClass="entr" presetSubtype="0" fill="hold" nodeType="clickEffect">
-                                  <p:stCondLst>
-                                    <p:cond delay="0"/>
-                                  </p:stCondLst>
-                                  <p:childTnLst>
-                                    <p:set>
-                                      <p:cBhvr>
-                                        <p:cTn id="14" dur="1" fill="hold">
-                                          <p:stCondLst>
-                                            <p:cond delay="0"/>
-                                          </p:stCondLst>
-                                        </p:cTn>
-                                        <p:tgtEl>
-                                          <p:spTgt spid="3">
-                                            <p:txEl>
-                                              <p:pRg st="3" end="3"/>
-                                            </p:txEl>
-                                          </p:spTgt>
-                                        </p:tgtEl>
-                                        <p:attrNameLst>
-                                          <p:attrName>style.visibility</p:attrName>
-                                        </p:attrNameLst>
-                                      </p:cBhvr>
-                                      <p:to>
-                                        <p:strVal val="visible"/>
-                                      </p:to>
-                                    </p:set>
-                                  </p:childTnLst>
-                                </p:cTn>
-                              </p:par>
-                              <p:par>
-                                <p:cTn id="15" presetID="1" presetClass="entr" presetSubtype="0" fill="hold" nodeType="withEffect">
-                                  <p:stCondLst>
-                                    <p:cond delay="0"/>
-                                  </p:stCondLst>
-                                  <p:childTnLst>
-                                    <p:set>
-                                      <p:cBhvr>
-                                        <p:cTn id="16" dur="1" fill="hold">
-                                          <p:stCondLst>
-                                            <p:cond delay="0"/>
-                                          </p:stCondLst>
-                                        </p:cTn>
-                                        <p:tgtEl>
-                                          <p:spTgt spid="3">
-                                            <p:txEl>
-                                              <p:pRg st="4" end="4"/>
-                                            </p:txEl>
-                                          </p:spTgt>
-                                        </p:tgtEl>
-                                        <p:attrNameLst>
-                                          <p:attrName>style.visibility</p:attrName>
-                                        </p:attrNameLst>
-                                      </p:cBhvr>
-                                      <p:to>
-                                        <p:strVal val="visible"/>
-                                      </p:to>
-                                    </p:set>
-                                  </p:childTnLst>
-                                </p:cTn>
-                              </p:par>
-                              <p:par>
-                                <p:cTn id="17" presetID="1" presetClass="entr" presetSubtype="0" fill="hold" nodeType="withEffect">
-                                  <p:stCondLst>
-                                    <p:cond delay="0"/>
-                                  </p:stCondLst>
-                                  <p:childTnLst>
-                                    <p:set>
-                                      <p:cBhvr>
-                                        <p:cTn id="18" dur="1" fill="hold">
-                                          <p:stCondLst>
-                                            <p:cond delay="0"/>
-                                          </p:stCondLst>
-                                        </p:cTn>
-                                        <p:tgtEl>
-                                          <p:spTgt spid="3">
-                                            <p:txEl>
-                                              <p:pRg st="5" end="5"/>
-                                            </p:txEl>
-                                          </p:spTgt>
-                                        </p:tgtEl>
-                                        <p:attrNameLst>
-                                          <p:attrName>style.visibility</p:attrName>
-                                        </p:attrNameLst>
-                                      </p:cBhvr>
-                                      <p:to>
-                                        <p:strVal val="visible"/>
-                                      </p:to>
-                                    </p:set>
-                                  </p:childTnLst>
-                                </p:cTn>
-                              </p:par>
-                            </p:childTnLst>
-                          </p:cTn>
-                        </p:par>
-                      </p:childTnLst>
-                    </p:cTn>
-                  </p:par>
-                </p:childTnLst>
-              </p:cTn>
-              <p:prevCondLst>
-                <p:cond evt="onPrev" delay="0">
-                  <p:tgtEl>
-                    <p:sldTgt/>
-                  </p:tgtEl>
-                </p:cond>
-              </p:prevCondLst>
-              <p:nextCondLst>
-                <p:cond evt="onNext" delay="0">
-                  <p:tgtEl>
-                    <p:sldTgt/>
-                  </p:tgtEl>
-                </p:cond>
-              </p:nextCondLst>
-            </p:seq>
-          </p:childTnLst>
-        </p:cTn>
-      </p:par>
-    </p:tnLst>
-  </p:timing>
 </p:sld>
 </file>
 
@@ -13115,15 +12826,6 @@
 </file>
 
 <file path=customXml/item1.xml><?xml version="1.0" encoding="utf-8"?>
-<?mso-contentType ?>
-<FormTemplates xmlns="http://schemas.microsoft.com/sharepoint/v3/contenttype/forms">
-  <Display>DocumentLibraryForm</Display>
-  <Edit>DocumentLibraryForm</Edit>
-  <New>DocumentLibraryForm</New>
-</FormTemplates>
-</file>
-
-<file path=customXml/item2.xml><?xml version="1.0" encoding="utf-8"?>
 <ct:contentTypeSchema xmlns:ct="http://schemas.microsoft.com/office/2006/metadata/contentType" xmlns:ma="http://schemas.microsoft.com/office/2006/metadata/properties/metaAttributes" ct:_="" ma:_="" ma:contentTypeName="Document" ma:contentTypeID="0x0101001980062C165A384BBE4202BE72680A0C" ma:contentTypeVersion="16" ma:contentTypeDescription="Create a new document." ma:contentTypeScope="" ma:versionID="ad4a4175eb2c3e09fcddefcd48156f8d">
   <xsd:schema xmlns:xsd="http://www.w3.org/2001/XMLSchema" xmlns:xs="http://www.w3.org/2001/XMLSchema" xmlns:p="http://schemas.microsoft.com/office/2006/metadata/properties" xmlns:ns2="858d5390-0f7b-4213-8bcd-0cd5cf778ba6" xmlns:ns3="48da0e76-8a7c-448c-bc5b-f1ed517f7411" xmlns:ns4="e5f39eeb-dc9c-40bf-a733-e74d7baf73b9" targetNamespace="http://schemas.microsoft.com/office/2006/metadata/properties" ma:root="true" ma:fieldsID="ea247dcd7b1180b70e9ff4f92c286293" ns2:_="" ns3:_="" ns4:_="">
     <xsd:import namespace="858d5390-0f7b-4213-8bcd-0cd5cf778ba6"/>
@@ -13371,6 +13073,15 @@
 </ct:contentTypeSchema>
 </file>
 
+<file path=customXml/item2.xml><?xml version="1.0" encoding="utf-8"?>
+<?mso-contentType ?>
+<FormTemplates xmlns="http://schemas.microsoft.com/sharepoint/v3/contenttype/forms">
+  <Display>DocumentLibraryForm</Display>
+  <Edit>DocumentLibraryForm</Edit>
+  <New>DocumentLibraryForm</New>
+</FormTemplates>
+</file>
+
 <file path=customXml/item3.xml><?xml version="1.0" encoding="utf-8"?>
 <p:properties xmlns:p="http://schemas.microsoft.com/office/2006/metadata/properties" xmlns:xsi="http://www.w3.org/2001/XMLSchema-instance" xmlns:pc="http://schemas.microsoft.com/office/infopath/2007/PartnerControls">
   <documentManagement>
@@ -13383,14 +13094,6 @@
 </file>
 
 <file path=customXml/itemProps1.xml><?xml version="1.0" encoding="utf-8"?>
-<ds:datastoreItem xmlns:ds="http://schemas.openxmlformats.org/officeDocument/2006/customXml" ds:itemID="{CAAF7FB3-E9ED-4EED-B8B3-D582CBAD96FA}">
-  <ds:schemaRefs>
-    <ds:schemaRef ds:uri="http://schemas.microsoft.com/sharepoint/v3/contenttype/forms"/>
-  </ds:schemaRefs>
-</ds:datastoreItem>
-</file>
-
-<file path=customXml/itemProps2.xml><?xml version="1.0" encoding="utf-8"?>
 <ds:datastoreItem xmlns:ds="http://schemas.openxmlformats.org/officeDocument/2006/customXml" ds:itemID="{AE7FD026-DEEB-4862-93FA-5080F11894C7}">
   <ds:schemaRefs>
     <ds:schemaRef ds:uri="http://schemas.microsoft.com/office/2006/metadata/contentType"/>
@@ -13410,6 +13113,14 @@
 </ds:datastoreItem>
 </file>
 
+<file path=customXml/itemProps2.xml><?xml version="1.0" encoding="utf-8"?>
+<ds:datastoreItem xmlns:ds="http://schemas.openxmlformats.org/officeDocument/2006/customXml" ds:itemID="{CAAF7FB3-E9ED-4EED-B8B3-D582CBAD96FA}">
+  <ds:schemaRefs>
+    <ds:schemaRef ds:uri="http://schemas.microsoft.com/sharepoint/v3/contenttype/forms"/>
+  </ds:schemaRefs>
+</ds:datastoreItem>
+</file>
+
 <file path=customXml/itemProps3.xml><?xml version="1.0" encoding="utf-8"?>
 <ds:datastoreItem xmlns:ds="http://schemas.openxmlformats.org/officeDocument/2006/customXml" ds:itemID="{2B532926-D782-41F9-BAB4-3CFD211C0FE2}">
   <ds:schemaRefs>

--- a/course_data/presentations/practical_spring_boot_for_tdp.pptx
+++ b/course_data/presentations/practical_spring_boot_for_tdp.pptx
@@ -226,7 +226,7 @@
           <a:p>
             <a:fld id="{AD4DB1D7-A2E6-5540-AAB6-9A95390687AC}" type="datetimeFigureOut">
               <a:rPr lang="en-IL" smtClean="0"/>
-              <a:t>10/08/2024</a:t>
+              <a:t>12/08/2024</a:t>
             </a:fld>
             <a:endParaRPr lang="en-IL"/>
           </a:p>
@@ -1765,7 +1765,7 @@
             <a:fld id="{B61BEF0D-F0BB-DE4B-95CE-6DB70DBA9567}" type="datetimeFigureOut">
               <a:rPr lang="en-US" dirty="0"/>
               <a:pPr/>
-              <a:t>8/10/24</a:t>
+              <a:t>8/12/24</a:t>
             </a:fld>
             <a:endParaRPr lang="en-US" dirty="0"/>
           </a:p>
@@ -2013,7 +2013,7 @@
             <a:fld id="{B61BEF0D-F0BB-DE4B-95CE-6DB70DBA9567}" type="datetimeFigureOut">
               <a:rPr lang="en-US" dirty="0"/>
               <a:pPr/>
-              <a:t>8/10/24</a:t>
+              <a:t>8/12/24</a:t>
             </a:fld>
             <a:endParaRPr lang="en-US" dirty="0"/>
           </a:p>
@@ -2324,7 +2324,7 @@
             <a:fld id="{B61BEF0D-F0BB-DE4B-95CE-6DB70DBA9567}" type="datetimeFigureOut">
               <a:rPr lang="en-US" dirty="0"/>
               <a:pPr/>
-              <a:t>8/10/24</a:t>
+              <a:t>8/12/24</a:t>
             </a:fld>
             <a:endParaRPr lang="en-US" dirty="0"/>
           </a:p>
@@ -2662,7 +2662,7 @@
             <a:fld id="{B61BEF0D-F0BB-DE4B-95CE-6DB70DBA9567}" type="datetimeFigureOut">
               <a:rPr lang="en-US" dirty="0"/>
               <a:pPr/>
-              <a:t>8/10/24</a:t>
+              <a:t>8/12/24</a:t>
             </a:fld>
             <a:endParaRPr lang="en-US" dirty="0"/>
           </a:p>
@@ -2973,7 +2973,7 @@
             <a:fld id="{B61BEF0D-F0BB-DE4B-95CE-6DB70DBA9567}" type="datetimeFigureOut">
               <a:rPr lang="en-US" dirty="0"/>
               <a:pPr/>
-              <a:t>8/10/24</a:t>
+              <a:t>8/12/24</a:t>
             </a:fld>
             <a:endParaRPr lang="en-US" dirty="0"/>
           </a:p>
@@ -3363,7 +3363,7 @@
             <a:fld id="{B61BEF0D-F0BB-DE4B-95CE-6DB70DBA9567}" type="datetimeFigureOut">
               <a:rPr lang="en-US" dirty="0"/>
               <a:pPr/>
-              <a:t>8/10/24</a:t>
+              <a:t>8/12/24</a:t>
             </a:fld>
             <a:endParaRPr lang="en-US" dirty="0"/>
           </a:p>
@@ -3529,7 +3529,7 @@
           <a:p>
             <a:fld id="{55C6B4A9-1611-4792-9094-5F34BCA07E0B}" type="datetimeFigureOut">
               <a:rPr lang="en-US" dirty="0"/>
-              <a:t>8/10/24</a:t>
+              <a:t>8/12/24</a:t>
             </a:fld>
             <a:endParaRPr lang="en-US" dirty="0"/>
           </a:p>
@@ -3705,7 +3705,7 @@
             <a:fld id="{B61BEF0D-F0BB-DE4B-95CE-6DB70DBA9567}" type="datetimeFigureOut">
               <a:rPr lang="en-US" dirty="0"/>
               <a:pPr/>
-              <a:t>8/10/24</a:t>
+              <a:t>8/12/24</a:t>
             </a:fld>
             <a:endParaRPr lang="en-US" dirty="0"/>
           </a:p>
@@ -3887,7 +3887,7 @@
             <a:fld id="{B61BEF0D-F0BB-DE4B-95CE-6DB70DBA9567}" type="datetimeFigureOut">
               <a:rPr lang="en-US" dirty="0"/>
               <a:pPr/>
-              <a:t>8/10/24</a:t>
+              <a:t>8/12/24</a:t>
             </a:fld>
             <a:endParaRPr lang="en-US" dirty="0"/>
           </a:p>
@@ -4147,7 +4147,7 @@
             <a:fld id="{B61BEF0D-F0BB-DE4B-95CE-6DB70DBA9567}" type="datetimeFigureOut">
               <a:rPr lang="en-US" dirty="0"/>
               <a:pPr/>
-              <a:t>8/10/24</a:t>
+              <a:t>8/12/24</a:t>
             </a:fld>
             <a:endParaRPr lang="en-US" dirty="0"/>
           </a:p>
@@ -4375,7 +4375,7 @@
           <a:p>
             <a:fld id="{EB712588-04B1-427B-82EE-E8DB90309F08}" type="datetimeFigureOut">
               <a:rPr lang="en-US" dirty="0"/>
-              <a:t>8/10/24</a:t>
+              <a:t>8/12/24</a:t>
             </a:fld>
             <a:endParaRPr lang="en-US" dirty="0"/>
           </a:p>
@@ -4745,7 +4745,7 @@
             <a:fld id="{B61BEF0D-F0BB-DE4B-95CE-6DB70DBA9567}" type="datetimeFigureOut">
               <a:rPr lang="en-US" dirty="0"/>
               <a:pPr/>
-              <a:t>8/10/24</a:t>
+              <a:t>8/12/24</a:t>
             </a:fld>
             <a:endParaRPr lang="en-US" dirty="0"/>
           </a:p>
@@ -4865,7 +4865,7 @@
             <a:fld id="{B61BEF0D-F0BB-DE4B-95CE-6DB70DBA9567}" type="datetimeFigureOut">
               <a:rPr lang="en-US" dirty="0"/>
               <a:pPr/>
-              <a:t>8/10/24</a:t>
+              <a:t>8/12/24</a:t>
             </a:fld>
             <a:endParaRPr lang="en-US" dirty="0"/>
           </a:p>
@@ -4957,7 +4957,7 @@
             <a:fld id="{B61BEF0D-F0BB-DE4B-95CE-6DB70DBA9567}" type="datetimeFigureOut">
               <a:rPr lang="en-US" dirty="0"/>
               <a:pPr/>
-              <a:t>8/10/24</a:t>
+              <a:t>8/12/24</a:t>
             </a:fld>
             <a:endParaRPr lang="en-US" dirty="0"/>
           </a:p>
@@ -5208,7 +5208,7 @@
           <a:p>
             <a:fld id="{42A54C80-263E-416B-A8E0-580EDEADCBDC}" type="datetimeFigureOut">
               <a:rPr lang="en-US" dirty="0"/>
-              <a:t>8/10/24</a:t>
+              <a:t>8/12/24</a:t>
             </a:fld>
             <a:endParaRPr lang="en-US" dirty="0"/>
           </a:p>
@@ -5467,7 +5467,7 @@
             <a:fld id="{B61BEF0D-F0BB-DE4B-95CE-6DB70DBA9567}" type="datetimeFigureOut">
               <a:rPr lang="en-US" dirty="0"/>
               <a:pPr/>
-              <a:t>8/10/24</a:t>
+              <a:t>8/12/24</a:t>
             </a:fld>
             <a:endParaRPr lang="en-US" dirty="0"/>
           </a:p>
@@ -6207,7 +6207,7 @@
             <a:fld id="{B61BEF0D-F0BB-DE4B-95CE-6DB70DBA9567}" type="datetimeFigureOut">
               <a:rPr lang="en-US" dirty="0"/>
               <a:pPr/>
-              <a:t>8/10/24</a:t>
+              <a:t>8/12/24</a:t>
             </a:fld>
             <a:endParaRPr lang="en-US" dirty="0"/>
           </a:p>
@@ -12826,6 +12826,15 @@
 </file>
 
 <file path=customXml/item1.xml><?xml version="1.0" encoding="utf-8"?>
+<?mso-contentType ?>
+<FormTemplates xmlns="http://schemas.microsoft.com/sharepoint/v3/contenttype/forms">
+  <Display>DocumentLibraryForm</Display>
+  <Edit>DocumentLibraryForm</Edit>
+  <New>DocumentLibraryForm</New>
+</FormTemplates>
+</file>
+
+<file path=customXml/item2.xml><?xml version="1.0" encoding="utf-8"?>
 <ct:contentTypeSchema xmlns:ct="http://schemas.microsoft.com/office/2006/metadata/contentType" xmlns:ma="http://schemas.microsoft.com/office/2006/metadata/properties/metaAttributes" ct:_="" ma:_="" ma:contentTypeName="Document" ma:contentTypeID="0x0101001980062C165A384BBE4202BE72680A0C" ma:contentTypeVersion="16" ma:contentTypeDescription="Create a new document." ma:contentTypeScope="" ma:versionID="ad4a4175eb2c3e09fcddefcd48156f8d">
   <xsd:schema xmlns:xsd="http://www.w3.org/2001/XMLSchema" xmlns:xs="http://www.w3.org/2001/XMLSchema" xmlns:p="http://schemas.microsoft.com/office/2006/metadata/properties" xmlns:ns2="858d5390-0f7b-4213-8bcd-0cd5cf778ba6" xmlns:ns3="48da0e76-8a7c-448c-bc5b-f1ed517f7411" xmlns:ns4="e5f39eeb-dc9c-40bf-a733-e74d7baf73b9" targetNamespace="http://schemas.microsoft.com/office/2006/metadata/properties" ma:root="true" ma:fieldsID="ea247dcd7b1180b70e9ff4f92c286293" ns2:_="" ns3:_="" ns4:_="">
     <xsd:import namespace="858d5390-0f7b-4213-8bcd-0cd5cf778ba6"/>
@@ -13073,15 +13082,6 @@
 </ct:contentTypeSchema>
 </file>
 
-<file path=customXml/item2.xml><?xml version="1.0" encoding="utf-8"?>
-<?mso-contentType ?>
-<FormTemplates xmlns="http://schemas.microsoft.com/sharepoint/v3/contenttype/forms">
-  <Display>DocumentLibraryForm</Display>
-  <Edit>DocumentLibraryForm</Edit>
-  <New>DocumentLibraryForm</New>
-</FormTemplates>
-</file>
-
 <file path=customXml/item3.xml><?xml version="1.0" encoding="utf-8"?>
 <p:properties xmlns:p="http://schemas.microsoft.com/office/2006/metadata/properties" xmlns:xsi="http://www.w3.org/2001/XMLSchema-instance" xmlns:pc="http://schemas.microsoft.com/office/infopath/2007/PartnerControls">
   <documentManagement>
@@ -13094,6 +13094,14 @@
 </file>
 
 <file path=customXml/itemProps1.xml><?xml version="1.0" encoding="utf-8"?>
+<ds:datastoreItem xmlns:ds="http://schemas.openxmlformats.org/officeDocument/2006/customXml" ds:itemID="{CAAF7FB3-E9ED-4EED-B8B3-D582CBAD96FA}">
+  <ds:schemaRefs>
+    <ds:schemaRef ds:uri="http://schemas.microsoft.com/sharepoint/v3/contenttype/forms"/>
+  </ds:schemaRefs>
+</ds:datastoreItem>
+</file>
+
+<file path=customXml/itemProps2.xml><?xml version="1.0" encoding="utf-8"?>
 <ds:datastoreItem xmlns:ds="http://schemas.openxmlformats.org/officeDocument/2006/customXml" ds:itemID="{AE7FD026-DEEB-4862-93FA-5080F11894C7}">
   <ds:schemaRefs>
     <ds:schemaRef ds:uri="http://schemas.microsoft.com/office/2006/metadata/contentType"/>
@@ -13113,14 +13121,6 @@
 </ds:datastoreItem>
 </file>
 
-<file path=customXml/itemProps2.xml><?xml version="1.0" encoding="utf-8"?>
-<ds:datastoreItem xmlns:ds="http://schemas.openxmlformats.org/officeDocument/2006/customXml" ds:itemID="{CAAF7FB3-E9ED-4EED-B8B3-D582CBAD96FA}">
-  <ds:schemaRefs>
-    <ds:schemaRef ds:uri="http://schemas.microsoft.com/sharepoint/v3/contenttype/forms"/>
-  </ds:schemaRefs>
-</ds:datastoreItem>
-</file>
-
 <file path=customXml/itemProps3.xml><?xml version="1.0" encoding="utf-8"?>
 <ds:datastoreItem xmlns:ds="http://schemas.openxmlformats.org/officeDocument/2006/customXml" ds:itemID="{2B532926-D782-41F9-BAB4-3CFD211C0FE2}">
   <ds:schemaRefs>

--- a/course_data/presentations/practical_spring_boot_for_tdp.pptx
+++ b/course_data/presentations/practical_spring_boot_for_tdp.pptx
@@ -2,10 +2,10 @@
 <file path=ppt/presentation.xml><?xml version="1.0" encoding="utf-8"?>
 <p:presentation xmlns:a="http://schemas.openxmlformats.org/drawingml/2006/main" xmlns:r="http://schemas.openxmlformats.org/officeDocument/2006/relationships" xmlns:p="http://schemas.openxmlformats.org/presentationml/2006/main" autoCompressPictures="0">
   <p:sldMasterIdLst>
-    <p:sldMasterId id="2147483648" r:id="rId4"/>
+    <p:sldMasterId id="2147483797" r:id="rId4"/>
   </p:sldMasterIdLst>
   <p:notesMasterIdLst>
-    <p:notesMasterId r:id="rId19"/>
+    <p:notesMasterId r:id="rId18"/>
   </p:notesMasterIdLst>
   <p:sldIdLst>
     <p:sldId id="256" r:id="rId5"/>
@@ -14,14 +14,13 @@
     <p:sldId id="337" r:id="rId8"/>
     <p:sldId id="261" r:id="rId9"/>
     <p:sldId id="335" r:id="rId10"/>
-    <p:sldId id="304" r:id="rId11"/>
-    <p:sldId id="333" r:id="rId12"/>
-    <p:sldId id="334" r:id="rId13"/>
-    <p:sldId id="262" r:id="rId14"/>
-    <p:sldId id="264" r:id="rId15"/>
-    <p:sldId id="318" r:id="rId16"/>
-    <p:sldId id="319" r:id="rId17"/>
-    <p:sldId id="265" r:id="rId18"/>
+    <p:sldId id="333" r:id="rId11"/>
+    <p:sldId id="334" r:id="rId12"/>
+    <p:sldId id="262" r:id="rId13"/>
+    <p:sldId id="264" r:id="rId14"/>
+    <p:sldId id="318" r:id="rId15"/>
+    <p:sldId id="319" r:id="rId16"/>
+    <p:sldId id="265" r:id="rId17"/>
   </p:sldIdLst>
   <p:sldSz cx="12192000" cy="6858000"/>
   <p:notesSz cx="6858000" cy="9144000"/>
@@ -226,7 +225,7 @@
           <a:p>
             <a:fld id="{AD4DB1D7-A2E6-5540-AAB6-9A95390687AC}" type="datetimeFigureOut">
               <a:rPr lang="en-IL" smtClean="0"/>
-              <a:t>12/08/2024</a:t>
+              <a:t>13/08/2024</a:t>
             </a:fld>
             <a:endParaRPr lang="en-IL"/>
           </a:p>
@@ -707,16 +706,6 @@
           <a:bodyPr/>
           <a:lstStyle/>
           <a:p>
-            <a:r>
-              <a:rPr lang="en-US" b="0" i="0" u="none" strike="noStrike" dirty="0">
-                <a:solidFill>
-                  <a:srgbClr val="202122"/>
-                </a:solidFill>
-                <a:effectLst/>
-                <a:latin typeface="Arial" panose="020B0604020202020204" pitchFamily="34" charset="0"/>
-              </a:rPr>
-              <a:t>Spring Boot 1.0 was released in April 2014</a:t>
-            </a:r>
             <a:endParaRPr lang="en-IL" dirty="0"/>
           </a:p>
         </p:txBody>
@@ -801,16 +790,6 @@
           <a:bodyPr/>
           <a:lstStyle/>
           <a:p>
-            <a:r>
-              <a:rPr lang="en-US" b="0" i="0" u="none" strike="noStrike" dirty="0">
-                <a:solidFill>
-                  <a:srgbClr val="202122"/>
-                </a:solidFill>
-                <a:effectLst/>
-                <a:latin typeface="Arial" panose="020B0604020202020204" pitchFamily="34" charset="0"/>
-              </a:rPr>
-              <a:t>Spring Boot 1.0 was released in April 2014</a:t>
-            </a:r>
             <a:endParaRPr lang="en-IL" dirty="0"/>
           </a:p>
         </p:txBody>
@@ -916,7 +895,7 @@
           <a:p>
             <a:fld id="{B5FEB3D3-3C4F-5E4D-9290-0C0B5A2442F8}" type="slidenum">
               <a:rPr lang="en-IL" smtClean="0"/>
-              <a:t>9</a:t>
+              <a:t>8</a:t>
             </a:fld>
             <a:endParaRPr lang="en-IL"/>
           </a:p>
@@ -1023,7 +1002,7 @@
           <a:p>
             <a:fld id="{B5FEB3D3-3C4F-5E4D-9290-0C0B5A2442F8}" type="slidenum">
               <a:rPr lang="en-IL" smtClean="0"/>
-              <a:t>13</a:t>
+              <a:t>12</a:t>
             </a:fld>
             <a:endParaRPr lang="en-IL"/>
           </a:p>
@@ -1061,7 +1040,7 @@
       </p:grpSpPr>
       <p:grpSp>
         <p:nvGrpSpPr>
-          <p:cNvPr id="7" name="Group 6"/>
+          <p:cNvPr id="8" name="Group 7"/>
           <p:cNvGrpSpPr/>
           <p:nvPr/>
         </p:nvGrpSpPr>
@@ -1090,7 +1069,8 @@
             <a:ln w="9525">
               <a:solidFill>
                 <a:schemeClr val="bg1">
-                  <a:lumMod val="75000"/>
+                  <a:lumMod val="85000"/>
+                  <a:lumOff val="15000"/>
                 </a:schemeClr>
               </a:solidFill>
             </a:ln>
@@ -1128,6 +1108,7 @@
               <a:solidFill>
                 <a:schemeClr val="bg1">
                   <a:lumMod val="85000"/>
+                  <a:lumOff val="15000"/>
                 </a:schemeClr>
               </a:solidFill>
             </a:ln>
@@ -1763,9 +1744,9 @@
           <a:lstStyle/>
           <a:p>
             <a:fld id="{B61BEF0D-F0BB-DE4B-95CE-6DB70DBA9567}" type="datetimeFigureOut">
-              <a:rPr lang="en-US" dirty="0"/>
+              <a:rPr lang="en-US" smtClean="0"/>
               <a:pPr/>
-              <a:t>8/12/24</a:t>
+              <a:t>8/13/24</a:t>
             </a:fld>
             <a:endParaRPr lang="en-US" dirty="0"/>
           </a:p>
@@ -1806,7 +1787,7 @@
           <a:lstStyle/>
           <a:p>
             <a:fld id="{D57F1E4F-1CFF-5643-939E-217C01CDF565}" type="slidenum">
-              <a:rPr lang="en-US" dirty="0"/>
+              <a:rPr lang="en-US" smtClean="0"/>
               <a:pPr/>
               <a:t>‹#›</a:t>
             </a:fld>
@@ -1815,6 +1796,11 @@
         </p:txBody>
       </p:sp>
     </p:spTree>
+    <p:extLst>
+      <p:ext uri="{BB962C8B-B14F-4D97-AF65-F5344CB8AC3E}">
+        <p14:creationId xmlns:p14="http://schemas.microsoft.com/office/powerpoint/2010/main" val="1183647691"/>
+      </p:ext>
+    </p:extLst>
   </p:cSld>
   <p:clrMapOvr>
     <a:masterClrMapping/>
@@ -2011,9 +1997,9 @@
           <a:lstStyle/>
           <a:p>
             <a:fld id="{B61BEF0D-F0BB-DE4B-95CE-6DB70DBA9567}" type="datetimeFigureOut">
-              <a:rPr lang="en-US" dirty="0"/>
+              <a:rPr lang="en-US" smtClean="0"/>
               <a:pPr/>
-              <a:t>8/12/24</a:t>
+              <a:t>8/13/24</a:t>
             </a:fld>
             <a:endParaRPr lang="en-US" dirty="0"/>
           </a:p>
@@ -2054,7 +2040,7 @@
           <a:lstStyle/>
           <a:p>
             <a:fld id="{D57F1E4F-1CFF-5643-939E-217C01CDF565}" type="slidenum">
-              <a:rPr lang="en-US" dirty="0"/>
+              <a:rPr lang="en-US" smtClean="0"/>
               <a:pPr/>
               <a:t>‹#›</a:t>
             </a:fld>
@@ -2063,6 +2049,11 @@
         </p:txBody>
       </p:sp>
     </p:spTree>
+    <p:extLst>
+      <p:ext uri="{BB962C8B-B14F-4D97-AF65-F5344CB8AC3E}">
+        <p14:creationId xmlns:p14="http://schemas.microsoft.com/office/powerpoint/2010/main" val="3413818366"/>
+      </p:ext>
+    </p:extLst>
   </p:cSld>
   <p:clrMapOvr>
     <a:masterClrMapping/>
@@ -2322,9 +2313,9 @@
           <a:lstStyle/>
           <a:p>
             <a:fld id="{B61BEF0D-F0BB-DE4B-95CE-6DB70DBA9567}" type="datetimeFigureOut">
-              <a:rPr lang="en-US" dirty="0"/>
+              <a:rPr lang="en-US" smtClean="0"/>
               <a:pPr/>
-              <a:t>8/12/24</a:t>
+              <a:t>8/13/24</a:t>
             </a:fld>
             <a:endParaRPr lang="en-US" dirty="0"/>
           </a:p>
@@ -2365,7 +2356,7 @@
           <a:lstStyle/>
           <a:p>
             <a:fld id="{D57F1E4F-1CFF-5643-939E-217C01CDF565}" type="slidenum">
-              <a:rPr lang="en-US" dirty="0"/>
+              <a:rPr lang="en-US" smtClean="0"/>
               <a:pPr/>
               <a:t>‹#›</a:t>
             </a:fld>
@@ -2401,10 +2392,7 @@
                   <a:noFill/>
                 </a:ln>
                 <a:solidFill>
-                  <a:schemeClr val="accent1">
-                    <a:lumMod val="60000"/>
-                    <a:lumOff val="40000"/>
-                  </a:schemeClr>
+                  <a:schemeClr val="accent1"/>
                 </a:solidFill>
                 <a:effectLst/>
                 <a:latin typeface="Arial"/>
@@ -2442,28 +2430,22 @@
                   <a:noFill/>
                 </a:ln>
                 <a:solidFill>
-                  <a:schemeClr val="accent1">
-                    <a:lumMod val="60000"/>
-                    <a:lumOff val="40000"/>
-                  </a:schemeClr>
+                  <a:schemeClr val="accent1"/>
                 </a:solidFill>
+                <a:effectLst/>
                 <a:latin typeface="Arial"/>
               </a:rPr>
               <a:t>”</a:t>
             </a:r>
-            <a:endParaRPr lang="en-US" dirty="0">
-              <a:solidFill>
-                <a:schemeClr val="accent1">
-                  <a:lumMod val="60000"/>
-                  <a:lumOff val="40000"/>
-                </a:schemeClr>
-              </a:solidFill>
-              <a:latin typeface="Arial"/>
-            </a:endParaRPr>
           </a:p>
         </p:txBody>
       </p:sp>
     </p:spTree>
+    <p:extLst>
+      <p:ext uri="{BB962C8B-B14F-4D97-AF65-F5344CB8AC3E}">
+        <p14:creationId xmlns:p14="http://schemas.microsoft.com/office/powerpoint/2010/main" val="1074556891"/>
+      </p:ext>
+    </p:extLst>
   </p:cSld>
   <p:clrMapOvr>
     <a:masterClrMapping/>
@@ -2660,9 +2642,9 @@
           <a:lstStyle/>
           <a:p>
             <a:fld id="{B61BEF0D-F0BB-DE4B-95CE-6DB70DBA9567}" type="datetimeFigureOut">
-              <a:rPr lang="en-US" dirty="0"/>
+              <a:rPr lang="en-US" smtClean="0"/>
               <a:pPr/>
-              <a:t>8/12/24</a:t>
+              <a:t>8/13/24</a:t>
             </a:fld>
             <a:endParaRPr lang="en-US" dirty="0"/>
           </a:p>
@@ -2703,7 +2685,7 @@
           <a:lstStyle/>
           <a:p>
             <a:fld id="{D57F1E4F-1CFF-5643-939E-217C01CDF565}" type="slidenum">
-              <a:rPr lang="en-US" dirty="0"/>
+              <a:rPr lang="en-US" smtClean="0"/>
               <a:pPr/>
               <a:t>‹#›</a:t>
             </a:fld>
@@ -2712,6 +2694,11 @@
         </p:txBody>
       </p:sp>
     </p:spTree>
+    <p:extLst>
+      <p:ext uri="{BB962C8B-B14F-4D97-AF65-F5344CB8AC3E}">
+        <p14:creationId xmlns:p14="http://schemas.microsoft.com/office/powerpoint/2010/main" val="1633048545"/>
+      </p:ext>
+    </p:extLst>
   </p:cSld>
   <p:clrMapOvr>
     <a:masterClrMapping/>
@@ -2971,9 +2958,9 @@
           <a:lstStyle/>
           <a:p>
             <a:fld id="{B61BEF0D-F0BB-DE4B-95CE-6DB70DBA9567}" type="datetimeFigureOut">
-              <a:rPr lang="en-US" dirty="0"/>
+              <a:rPr lang="en-US" smtClean="0"/>
               <a:pPr/>
-              <a:t>8/12/24</a:t>
+              <a:t>8/13/24</a:t>
             </a:fld>
             <a:endParaRPr lang="en-US" dirty="0"/>
           </a:p>
@@ -3014,7 +3001,7 @@
           <a:lstStyle/>
           <a:p>
             <a:fld id="{D57F1E4F-1CFF-5643-939E-217C01CDF565}" type="slidenum">
-              <a:rPr lang="en-US" dirty="0"/>
+              <a:rPr lang="en-US" smtClean="0"/>
               <a:pPr/>
               <a:t>‹#›</a:t>
             </a:fld>
@@ -3050,10 +3037,7 @@
                   <a:noFill/>
                 </a:ln>
                 <a:solidFill>
-                  <a:schemeClr val="accent1">
-                    <a:lumMod val="60000"/>
-                    <a:lumOff val="40000"/>
-                  </a:schemeClr>
+                  <a:schemeClr val="accent1"/>
                 </a:solidFill>
                 <a:effectLst/>
                 <a:latin typeface="Arial"/>
@@ -3091,10 +3075,7 @@
                   <a:noFill/>
                 </a:ln>
                 <a:solidFill>
-                  <a:schemeClr val="accent1">
-                    <a:lumMod val="60000"/>
-                    <a:lumOff val="40000"/>
-                  </a:schemeClr>
+                  <a:schemeClr val="accent1"/>
                 </a:solidFill>
                 <a:effectLst/>
                 <a:latin typeface="Arial"/>
@@ -3105,6 +3086,11 @@
         </p:txBody>
       </p:sp>
     </p:spTree>
+    <p:extLst>
+      <p:ext uri="{BB962C8B-B14F-4D97-AF65-F5344CB8AC3E}">
+        <p14:creationId xmlns:p14="http://schemas.microsoft.com/office/powerpoint/2010/main" val="1120793336"/>
+      </p:ext>
+    </p:extLst>
   </p:cSld>
   <p:clrMapOvr>
     <a:masterClrMapping/>
@@ -3361,9 +3347,9 @@
           <a:lstStyle/>
           <a:p>
             <a:fld id="{B61BEF0D-F0BB-DE4B-95CE-6DB70DBA9567}" type="datetimeFigureOut">
-              <a:rPr lang="en-US" dirty="0"/>
+              <a:rPr lang="en-US" smtClean="0"/>
               <a:pPr/>
-              <a:t>8/12/24</a:t>
+              <a:t>8/13/24</a:t>
             </a:fld>
             <a:endParaRPr lang="en-US" dirty="0"/>
           </a:p>
@@ -3404,7 +3390,7 @@
           <a:lstStyle/>
           <a:p>
             <a:fld id="{D57F1E4F-1CFF-5643-939E-217C01CDF565}" type="slidenum">
-              <a:rPr lang="en-US" dirty="0"/>
+              <a:rPr lang="en-US" smtClean="0"/>
               <a:pPr/>
               <a:t>‹#›</a:t>
             </a:fld>
@@ -3413,6 +3399,11 @@
         </p:txBody>
       </p:sp>
     </p:spTree>
+    <p:extLst>
+      <p:ext uri="{BB962C8B-B14F-4D97-AF65-F5344CB8AC3E}">
+        <p14:creationId xmlns:p14="http://schemas.microsoft.com/office/powerpoint/2010/main" val="3836680135"/>
+      </p:ext>
+    </p:extLst>
   </p:cSld>
   <p:clrMapOvr>
     <a:masterClrMapping/>
@@ -3528,8 +3519,8 @@
           <a:lstStyle/>
           <a:p>
             <a:fld id="{55C6B4A9-1611-4792-9094-5F34BCA07E0B}" type="datetimeFigureOut">
-              <a:rPr lang="en-US" dirty="0"/>
-              <a:t>8/12/24</a:t>
+              <a:rPr lang="en-US" smtClean="0"/>
+              <a:t>8/13/24</a:t>
             </a:fld>
             <a:endParaRPr lang="en-US" dirty="0"/>
           </a:p>
@@ -3570,7 +3561,7 @@
           <a:lstStyle/>
           <a:p>
             <a:fld id="{89333C77-0158-454C-844F-B7AB9BD7DAD4}" type="slidenum">
-              <a:rPr lang="en-US" dirty="0"/>
+              <a:rPr lang="en-US" smtClean="0"/>
               <a:t>‹#›</a:t>
             </a:fld>
             <a:endParaRPr lang="en-US" dirty="0"/>
@@ -3578,6 +3569,11 @@
         </p:txBody>
       </p:sp>
     </p:spTree>
+    <p:extLst>
+      <p:ext uri="{BB962C8B-B14F-4D97-AF65-F5344CB8AC3E}">
+        <p14:creationId xmlns:p14="http://schemas.microsoft.com/office/powerpoint/2010/main" val="2110833091"/>
+      </p:ext>
+    </p:extLst>
   </p:cSld>
   <p:clrMapOvr>
     <a:masterClrMapping/>
@@ -3703,9 +3699,9 @@
           <a:lstStyle/>
           <a:p>
             <a:fld id="{B61BEF0D-F0BB-DE4B-95CE-6DB70DBA9567}" type="datetimeFigureOut">
-              <a:rPr lang="en-US" dirty="0"/>
+              <a:rPr lang="en-US" smtClean="0"/>
               <a:pPr/>
-              <a:t>8/12/24</a:t>
+              <a:t>8/13/24</a:t>
             </a:fld>
             <a:endParaRPr lang="en-US" dirty="0"/>
           </a:p>
@@ -3746,7 +3742,7 @@
           <a:lstStyle/>
           <a:p>
             <a:fld id="{D57F1E4F-1CFF-5643-939E-217C01CDF565}" type="slidenum">
-              <a:rPr lang="en-US" dirty="0"/>
+              <a:rPr lang="en-US" smtClean="0"/>
               <a:pPr/>
               <a:t>‹#›</a:t>
             </a:fld>
@@ -3755,6 +3751,11 @@
         </p:txBody>
       </p:sp>
     </p:spTree>
+    <p:extLst>
+      <p:ext uri="{BB962C8B-B14F-4D97-AF65-F5344CB8AC3E}">
+        <p14:creationId xmlns:p14="http://schemas.microsoft.com/office/powerpoint/2010/main" val="492291028"/>
+      </p:ext>
+    </p:extLst>
   </p:cSld>
   <p:clrMapOvr>
     <a:masterClrMapping/>
@@ -3789,12 +3790,7 @@
             <p:ph type="title"/>
           </p:nvPr>
         </p:nvSpPr>
-        <p:spPr>
-          <a:xfrm>
-            <a:off x="677334" y="451513"/>
-            <a:ext cx="8596668" cy="615287"/>
-          </a:xfrm>
-        </p:spPr>
+        <p:spPr/>
         <p:txBody>
           <a:bodyPr>
             <a:normAutofit/>
@@ -3806,9 +3802,10 @@
           </a:lstStyle>
           <a:p>
             <a:r>
-              <a:rPr lang="en-US" dirty="0"/>
+              <a:rPr lang="en-US"/>
               <a:t>Click to edit Master title style</a:t>
             </a:r>
+            <a:endParaRPr lang="en-US" dirty="0"/>
           </a:p>
         </p:txBody>
       </p:sp>
@@ -3822,12 +3819,7 @@
             <p:ph idx="1"/>
           </p:nvPr>
         </p:nvSpPr>
-        <p:spPr>
-          <a:xfrm>
-            <a:off x="677334" y="1488613"/>
-            <a:ext cx="8596668" cy="3880773"/>
-          </a:xfrm>
-        </p:spPr>
+        <p:spPr/>
         <p:txBody>
           <a:bodyPr/>
           <a:lstStyle/>
@@ -3885,9 +3877,9 @@
           <a:lstStyle/>
           <a:p>
             <a:fld id="{B61BEF0D-F0BB-DE4B-95CE-6DB70DBA9567}" type="datetimeFigureOut">
-              <a:rPr lang="en-US" dirty="0"/>
+              <a:rPr lang="en-US" smtClean="0"/>
               <a:pPr/>
-              <a:t>8/12/24</a:t>
+              <a:t>8/13/24</a:t>
             </a:fld>
             <a:endParaRPr lang="en-US" dirty="0"/>
           </a:p>
@@ -3928,7 +3920,7 @@
           <a:lstStyle/>
           <a:p>
             <a:fld id="{D57F1E4F-1CFF-5643-939E-217C01CDF565}" type="slidenum">
-              <a:rPr lang="en-US" dirty="0"/>
+              <a:rPr lang="en-US" smtClean="0"/>
               <a:pPr/>
               <a:t>‹#›</a:t>
             </a:fld>
@@ -3937,24 +3929,18 @@
         </p:txBody>
       </p:sp>
     </p:spTree>
+    <p:extLst>
+      <p:ext uri="{BB962C8B-B14F-4D97-AF65-F5344CB8AC3E}">
+        <p14:creationId xmlns:p14="http://schemas.microsoft.com/office/powerpoint/2010/main" val="860061087"/>
+      </p:ext>
+    </p:extLst>
   </p:cSld>
   <p:clrMapOvr>
     <a:masterClrMapping/>
   </p:clrMapOvr>
   <p:extLst>
     <p:ext uri="{DCECCB84-F9BA-43D5-87BE-67443E8EF086}">
-      <p15:sldGuideLst xmlns:p15="http://schemas.microsoft.com/office/powerpoint/2012/main">
-        <p15:guide id="1" orient="horz" pos="2160" userDrawn="1">
-          <p15:clr>
-            <a:srgbClr val="FBAE40"/>
-          </p15:clr>
-        </p15:guide>
-        <p15:guide id="2" pos="3840" userDrawn="1">
-          <p15:clr>
-            <a:srgbClr val="FBAE40"/>
-          </p15:clr>
-        </p15:guide>
-      </p15:sldGuideLst>
+      <p15:sldGuideLst xmlns:p15="http://schemas.microsoft.com/office/powerpoint/2012/main"/>
     </p:ext>
   </p:extLst>
 </p:sldLayout>
@@ -4145,9 +4131,9 @@
           <a:lstStyle/>
           <a:p>
             <a:fld id="{B61BEF0D-F0BB-DE4B-95CE-6DB70DBA9567}" type="datetimeFigureOut">
-              <a:rPr lang="en-US" dirty="0"/>
+              <a:rPr lang="en-US" smtClean="0"/>
               <a:pPr/>
-              <a:t>8/12/24</a:t>
+              <a:t>8/13/24</a:t>
             </a:fld>
             <a:endParaRPr lang="en-US" dirty="0"/>
           </a:p>
@@ -4188,7 +4174,7 @@
           <a:lstStyle/>
           <a:p>
             <a:fld id="{D57F1E4F-1CFF-5643-939E-217C01CDF565}" type="slidenum">
-              <a:rPr lang="en-US" dirty="0"/>
+              <a:rPr lang="en-US" smtClean="0"/>
               <a:pPr/>
               <a:t>‹#›</a:t>
             </a:fld>
@@ -4197,6 +4183,11 @@
         </p:txBody>
       </p:sp>
     </p:spTree>
+    <p:extLst>
+      <p:ext uri="{BB962C8B-B14F-4D97-AF65-F5344CB8AC3E}">
+        <p14:creationId xmlns:p14="http://schemas.microsoft.com/office/powerpoint/2010/main" val="3182067442"/>
+      </p:ext>
+    </p:extLst>
   </p:cSld>
   <p:clrMapOvr>
     <a:masterClrMapping/>
@@ -4374,8 +4365,8 @@
           <a:lstStyle/>
           <a:p>
             <a:fld id="{EB712588-04B1-427B-82EE-E8DB90309F08}" type="datetimeFigureOut">
-              <a:rPr lang="en-US" dirty="0"/>
-              <a:t>8/12/24</a:t>
+              <a:rPr lang="en-US" smtClean="0"/>
+              <a:t>8/13/24</a:t>
             </a:fld>
             <a:endParaRPr lang="en-US" dirty="0"/>
           </a:p>
@@ -4416,7 +4407,7 @@
           <a:lstStyle/>
           <a:p>
             <a:fld id="{6FF9F0C5-380F-41C2-899A-BAC0F0927E16}" type="slidenum">
-              <a:rPr lang="en-US" dirty="0"/>
+              <a:rPr lang="en-US" smtClean="0"/>
               <a:t>‹#›</a:t>
             </a:fld>
             <a:endParaRPr lang="en-US" dirty="0"/>
@@ -4424,6 +4415,11 @@
         </p:txBody>
       </p:sp>
     </p:spTree>
+    <p:extLst>
+      <p:ext uri="{BB962C8B-B14F-4D97-AF65-F5344CB8AC3E}">
+        <p14:creationId xmlns:p14="http://schemas.microsoft.com/office/powerpoint/2010/main" val="1088452797"/>
+      </p:ext>
+    </p:extLst>
   </p:cSld>
   <p:clrMapOvr>
     <a:masterClrMapping/>
@@ -4743,9 +4739,9 @@
           <a:lstStyle/>
           <a:p>
             <a:fld id="{B61BEF0D-F0BB-DE4B-95CE-6DB70DBA9567}" type="datetimeFigureOut">
-              <a:rPr lang="en-US" dirty="0"/>
+              <a:rPr lang="en-US" smtClean="0"/>
               <a:pPr/>
-              <a:t>8/12/24</a:t>
+              <a:t>8/13/24</a:t>
             </a:fld>
             <a:endParaRPr lang="en-US" dirty="0"/>
           </a:p>
@@ -4786,7 +4782,7 @@
           <a:lstStyle/>
           <a:p>
             <a:fld id="{D57F1E4F-1CFF-5643-939E-217C01CDF565}" type="slidenum">
-              <a:rPr lang="en-US" dirty="0"/>
+              <a:rPr lang="en-US" smtClean="0"/>
               <a:pPr/>
               <a:t>‹#›</a:t>
             </a:fld>
@@ -4795,6 +4791,11 @@
         </p:txBody>
       </p:sp>
     </p:spTree>
+    <p:extLst>
+      <p:ext uri="{BB962C8B-B14F-4D97-AF65-F5344CB8AC3E}">
+        <p14:creationId xmlns:p14="http://schemas.microsoft.com/office/powerpoint/2010/main" val="3355462188"/>
+      </p:ext>
+    </p:extLst>
   </p:cSld>
   <p:clrMapOvr>
     <a:masterClrMapping/>
@@ -4863,9 +4864,9 @@
           <a:lstStyle/>
           <a:p>
             <a:fld id="{B61BEF0D-F0BB-DE4B-95CE-6DB70DBA9567}" type="datetimeFigureOut">
-              <a:rPr lang="en-US" dirty="0"/>
+              <a:rPr lang="en-US" smtClean="0"/>
               <a:pPr/>
-              <a:t>8/12/24</a:t>
+              <a:t>8/13/24</a:t>
             </a:fld>
             <a:endParaRPr lang="en-US" dirty="0"/>
           </a:p>
@@ -4906,7 +4907,7 @@
           <a:lstStyle/>
           <a:p>
             <a:fld id="{D57F1E4F-1CFF-5643-939E-217C01CDF565}" type="slidenum">
-              <a:rPr lang="en-US" dirty="0"/>
+              <a:rPr lang="en-US" smtClean="0"/>
               <a:pPr/>
               <a:t>‹#›</a:t>
             </a:fld>
@@ -4915,6 +4916,11 @@
         </p:txBody>
       </p:sp>
     </p:spTree>
+    <p:extLst>
+      <p:ext uri="{BB962C8B-B14F-4D97-AF65-F5344CB8AC3E}">
+        <p14:creationId xmlns:p14="http://schemas.microsoft.com/office/powerpoint/2010/main" val="780311675"/>
+      </p:ext>
+    </p:extLst>
   </p:cSld>
   <p:clrMapOvr>
     <a:masterClrMapping/>
@@ -4955,9 +4961,9 @@
           <a:lstStyle/>
           <a:p>
             <a:fld id="{B61BEF0D-F0BB-DE4B-95CE-6DB70DBA9567}" type="datetimeFigureOut">
-              <a:rPr lang="en-US" dirty="0"/>
+              <a:rPr lang="en-US" smtClean="0"/>
               <a:pPr/>
-              <a:t>8/12/24</a:t>
+              <a:t>8/13/24</a:t>
             </a:fld>
             <a:endParaRPr lang="en-US" dirty="0"/>
           </a:p>
@@ -4998,7 +5004,7 @@
           <a:lstStyle/>
           <a:p>
             <a:fld id="{D57F1E4F-1CFF-5643-939E-217C01CDF565}" type="slidenum">
-              <a:rPr lang="en-US" dirty="0"/>
+              <a:rPr lang="en-US" smtClean="0"/>
               <a:pPr/>
               <a:t>‹#›</a:t>
             </a:fld>
@@ -5007,6 +5013,11 @@
         </p:txBody>
       </p:sp>
     </p:spTree>
+    <p:extLst>
+      <p:ext uri="{BB962C8B-B14F-4D97-AF65-F5344CB8AC3E}">
+        <p14:creationId xmlns:p14="http://schemas.microsoft.com/office/powerpoint/2010/main" val="863438852"/>
+      </p:ext>
+    </p:extLst>
   </p:cSld>
   <p:clrMapOvr>
     <a:masterClrMapping/>
@@ -5207,8 +5218,8 @@
           <a:lstStyle/>
           <a:p>
             <a:fld id="{42A54C80-263E-416B-A8E0-580EDEADCBDC}" type="datetimeFigureOut">
-              <a:rPr lang="en-US" dirty="0"/>
-              <a:t>8/12/24</a:t>
+              <a:rPr lang="en-US" smtClean="0"/>
+              <a:t>8/13/24</a:t>
             </a:fld>
             <a:endParaRPr lang="en-US" dirty="0"/>
           </a:p>
@@ -5249,7 +5260,7 @@
           <a:lstStyle/>
           <a:p>
             <a:fld id="{519954A3-9DFD-4C44-94BA-B95130A3BA1C}" type="slidenum">
-              <a:rPr lang="en-US" dirty="0"/>
+              <a:rPr lang="en-US" smtClean="0"/>
               <a:t>‹#›</a:t>
             </a:fld>
             <a:endParaRPr lang="en-US" dirty="0"/>
@@ -5257,6 +5268,11 @@
         </p:txBody>
       </p:sp>
     </p:spTree>
+    <p:extLst>
+      <p:ext uri="{BB962C8B-B14F-4D97-AF65-F5344CB8AC3E}">
+        <p14:creationId xmlns:p14="http://schemas.microsoft.com/office/powerpoint/2010/main" val="347585318"/>
+      </p:ext>
+    </p:extLst>
   </p:cSld>
   <p:clrMapOvr>
     <a:masterClrMapping/>
@@ -5465,9 +5481,9 @@
           <a:lstStyle/>
           <a:p>
             <a:fld id="{B61BEF0D-F0BB-DE4B-95CE-6DB70DBA9567}" type="datetimeFigureOut">
-              <a:rPr lang="en-US" dirty="0"/>
+              <a:rPr lang="en-US" smtClean="0"/>
               <a:pPr/>
-              <a:t>8/12/24</a:t>
+              <a:t>8/13/24</a:t>
             </a:fld>
             <a:endParaRPr lang="en-US" dirty="0"/>
           </a:p>
@@ -5508,7 +5524,7 @@
           <a:lstStyle/>
           <a:p>
             <a:fld id="{D57F1E4F-1CFF-5643-939E-217C01CDF565}" type="slidenum">
-              <a:rPr lang="en-US" dirty="0"/>
+              <a:rPr lang="en-US" smtClean="0"/>
               <a:pPr/>
               <a:t>‹#›</a:t>
             </a:fld>
@@ -5517,6 +5533,11 @@
         </p:txBody>
       </p:sp>
     </p:spTree>
+    <p:extLst>
+      <p:ext uri="{BB962C8B-B14F-4D97-AF65-F5344CB8AC3E}">
+        <p14:creationId xmlns:p14="http://schemas.microsoft.com/office/powerpoint/2010/main" val="1027743493"/>
+      </p:ext>
+    </p:extLst>
   </p:cSld>
   <p:clrMapOvr>
     <a:masterClrMapping/>
@@ -5529,7 +5550,7 @@
   <p:cSld>
     <p:bg>
       <p:bgRef idx="1001">
-        <a:schemeClr val="bg1"/>
+        <a:schemeClr val="bg2"/>
       </p:bgRef>
     </p:bg>
     <p:spTree>
@@ -5548,7 +5569,7 @@
       </p:grpSpPr>
       <p:grpSp>
         <p:nvGrpSpPr>
-          <p:cNvPr id="7" name="Group 6"/>
+          <p:cNvPr id="8" name="Group 7"/>
           <p:cNvGrpSpPr/>
           <p:nvPr/>
         </p:nvGrpSpPr>
@@ -5577,7 +5598,8 @@
             <a:ln w="9525">
               <a:solidFill>
                 <a:schemeClr val="bg1">
-                  <a:lumMod val="75000"/>
+                  <a:lumMod val="85000"/>
+                  <a:lumOff val="15000"/>
                 </a:schemeClr>
               </a:solidFill>
             </a:ln>
@@ -5615,6 +5637,7 @@
               <a:solidFill>
                 <a:schemeClr val="bg1">
                   <a:lumMod val="85000"/>
+                  <a:lumOff val="15000"/>
                 </a:schemeClr>
               </a:solidFill>
             </a:ln>
@@ -6205,9 +6228,9 @@
           </a:lstStyle>
           <a:p>
             <a:fld id="{B61BEF0D-F0BB-DE4B-95CE-6DB70DBA9567}" type="datetimeFigureOut">
-              <a:rPr lang="en-US" dirty="0"/>
+              <a:rPr lang="en-US" smtClean="0"/>
               <a:pPr/>
-              <a:t>8/12/24</a:t>
+              <a:t>8/13/24</a:t>
             </a:fld>
             <a:endParaRPr lang="en-US" dirty="0"/>
           </a:p>
@@ -6282,7 +6305,7 @@
           </a:lstStyle>
           <a:p>
             <a:fld id="{D57F1E4F-1CFF-5643-939E-217C01CDF565}" type="slidenum">
-              <a:rPr lang="en-US" dirty="0"/>
+              <a:rPr lang="en-US" smtClean="0"/>
               <a:pPr/>
               <a:t>‹#›</a:t>
             </a:fld>
@@ -6291,25 +6314,30 @@
         </p:txBody>
       </p:sp>
     </p:spTree>
+    <p:extLst>
+      <p:ext uri="{BB962C8B-B14F-4D97-AF65-F5344CB8AC3E}">
+        <p14:creationId xmlns:p14="http://schemas.microsoft.com/office/powerpoint/2010/main" val="2427953130"/>
+      </p:ext>
+    </p:extLst>
   </p:cSld>
-  <p:clrMap bg1="lt1" tx1="dk1" bg2="lt2" tx2="dk2" accent1="accent1" accent2="accent2" accent3="accent3" accent4="accent4" accent5="accent5" accent6="accent6" hlink="hlink" folHlink="folHlink"/>
+  <p:clrMap bg1="dk1" tx1="lt1" bg2="dk2" tx2="lt2" accent1="accent1" accent2="accent2" accent3="accent3" accent4="accent4" accent5="accent5" accent6="accent6" hlink="hlink" folHlink="folHlink"/>
   <p:sldLayoutIdLst>
-    <p:sldLayoutId id="2147483649" r:id="rId1"/>
-    <p:sldLayoutId id="2147483650" r:id="rId2"/>
-    <p:sldLayoutId id="2147483651" r:id="rId3"/>
-    <p:sldLayoutId id="2147483665" r:id="rId4"/>
-    <p:sldLayoutId id="2147483653" r:id="rId5"/>
-    <p:sldLayoutId id="2147483654" r:id="rId6"/>
-    <p:sldLayoutId id="2147483655" r:id="rId7"/>
-    <p:sldLayoutId id="2147483666" r:id="rId8"/>
-    <p:sldLayoutId id="2147483657" r:id="rId9"/>
-    <p:sldLayoutId id="2147483660" r:id="rId10"/>
-    <p:sldLayoutId id="2147483661" r:id="rId11"/>
-    <p:sldLayoutId id="2147483662" r:id="rId12"/>
-    <p:sldLayoutId id="2147483663" r:id="rId13"/>
-    <p:sldLayoutId id="2147483664" r:id="rId14"/>
-    <p:sldLayoutId id="2147483667" r:id="rId15"/>
-    <p:sldLayoutId id="2147483659" r:id="rId16"/>
+    <p:sldLayoutId id="2147483798" r:id="rId1"/>
+    <p:sldLayoutId id="2147483799" r:id="rId2"/>
+    <p:sldLayoutId id="2147483800" r:id="rId3"/>
+    <p:sldLayoutId id="2147483801" r:id="rId4"/>
+    <p:sldLayoutId id="2147483802" r:id="rId5"/>
+    <p:sldLayoutId id="2147483803" r:id="rId6"/>
+    <p:sldLayoutId id="2147483804" r:id="rId7"/>
+    <p:sldLayoutId id="2147483805" r:id="rId8"/>
+    <p:sldLayoutId id="2147483806" r:id="rId9"/>
+    <p:sldLayoutId id="2147483807" r:id="rId10"/>
+    <p:sldLayoutId id="2147483808" r:id="rId11"/>
+    <p:sldLayoutId id="2147483809" r:id="rId12"/>
+    <p:sldLayoutId id="2147483810" r:id="rId13"/>
+    <p:sldLayoutId id="2147483811" r:id="rId14"/>
+    <p:sldLayoutId id="2147483812" r:id="rId15"/>
+    <p:sldLayoutId id="2147483813" r:id="rId16"/>
   </p:sldLayoutIdLst>
   <p:txStyles>
     <p:titleStyle>
@@ -6753,22 +6781,28 @@
         </p:nvSpPr>
         <p:spPr>
           <a:xfrm>
-            <a:off x="515938" y="2606566"/>
-            <a:ext cx="6653050" cy="1671144"/>
+            <a:off x="6094855" y="1261331"/>
+            <a:ext cx="3497565" cy="3002662"/>
           </a:xfrm>
         </p:spPr>
         <p:txBody>
           <a:bodyPr>
-            <a:normAutofit fontScale="90000"/>
+            <a:normAutofit/>
           </a:bodyPr>
           <a:lstStyle/>
           <a:p>
             <a:pPr algn="l"/>
             <a:r>
-              <a:rPr lang="en-US" b="1" dirty="0"/>
+              <a:rPr lang="en-US" sz="4400" b="1">
+                <a:latin typeface="ATT Aleck Sans" panose="020B0503020203020204" pitchFamily="34" charset="0"/>
+                <a:cs typeface="ATT Aleck Sans" panose="020B0503020203020204" pitchFamily="34" charset="0"/>
+              </a:rPr>
               <a:t>Practical Spring Boot For TDP</a:t>
             </a:r>
-            <a:endParaRPr lang="en-IL" b="1" dirty="0"/>
+            <a:endParaRPr lang="en-IL" sz="4400" b="1">
+              <a:latin typeface="ATT Aleck Sans" panose="020B0503020203020204" pitchFamily="34" charset="0"/>
+              <a:cs typeface="ATT Aleck Sans" panose="020B0503020203020204" pitchFamily="34" charset="0"/>
+            </a:endParaRPr>
           </a:p>
         </p:txBody>
       </p:sp>
@@ -6790,8 +6824,8 @@
         </p:nvSpPr>
         <p:spPr>
           <a:xfrm>
-            <a:off x="515938" y="4261762"/>
-            <a:ext cx="2392368" cy="661502"/>
+            <a:off x="6094374" y="4263992"/>
+            <a:ext cx="3498045" cy="1325857"/>
           </a:xfrm>
         </p:spPr>
         <p:txBody>
@@ -6802,7 +6836,10 @@
           <a:p>
             <a:pPr algn="l"/>
             <a:r>
-              <a:rPr lang="en-IL" dirty="0"/>
+              <a:rPr lang="en-IL">
+                <a:latin typeface="ATT Aleck Sans" panose="020B0503020203020204" pitchFamily="34" charset="0"/>
+                <a:cs typeface="ATT Aleck Sans" panose="020B0503020203020204" pitchFamily="34" charset="0"/>
+              </a:rPr>
               <a:t>Idan Shalom, 2024</a:t>
             </a:r>
           </a:p>
@@ -6830,8 +6867,8 @@
         </p:blipFill>
         <p:spPr>
           <a:xfrm>
-            <a:off x="6747639" y="1879299"/>
-            <a:ext cx="3280613" cy="3280613"/>
+            <a:off x="1440617" y="1261330"/>
+            <a:ext cx="4335340" cy="4335340"/>
           </a:xfrm>
           <a:prstGeom prst="rect">
             <a:avLst/>
@@ -6873,7 +6910,7 @@
           <p:cNvPr id="2" name="Title 1">
             <a:extLst>
               <a:ext uri="{FF2B5EF4-FFF2-40B4-BE49-F238E27FC236}">
-                <a16:creationId xmlns:a16="http://schemas.microsoft.com/office/drawing/2014/main" id="{33613CEB-B33C-5604-02BC-3036BDA84F19}"/>
+                <a16:creationId xmlns:a16="http://schemas.microsoft.com/office/drawing/2014/main" id="{4F6F5D9E-229E-E0D1-DCAC-8CEEA3631556}"/>
               </a:ext>
             </a:extLst>
           </p:cNvPr>
@@ -6886,19 +6923,20 @@
         </p:nvSpPr>
         <p:spPr>
           <a:xfrm>
-            <a:off x="677334" y="609600"/>
-            <a:ext cx="8596668" cy="682487"/>
+            <a:off x="509169" y="199696"/>
+            <a:ext cx="8596668" cy="1320800"/>
           </a:xfrm>
         </p:spPr>
         <p:txBody>
-          <a:bodyPr>
-            <a:normAutofit fontScale="90000"/>
-          </a:bodyPr>
-          <a:lstStyle/>
-          <a:p>
-            <a:r>
-              <a:rPr lang="en-IL" dirty="0"/>
-              <a:t>Lets create a class using traditional OOP programming approach</a:t>
+          <a:bodyPr/>
+          <a:lstStyle/>
+          <a:p>
+            <a:r>
+              <a:rPr lang="en-IL" b="1" dirty="0">
+                <a:latin typeface="ATT Aleck Sans" panose="020B0503020203020204" pitchFamily="34" charset="0"/>
+                <a:cs typeface="ATT Aleck Sans" panose="020B0503020203020204" pitchFamily="34" charset="0"/>
+              </a:rPr>
+              <a:t>What could be the problems with this implementation</a:t>
             </a:r>
           </a:p>
         </p:txBody>
@@ -6908,7 +6946,7 @@
           <p:cNvPr id="3" name="Content Placeholder 2">
             <a:extLst>
               <a:ext uri="{FF2B5EF4-FFF2-40B4-BE49-F238E27FC236}">
-                <a16:creationId xmlns:a16="http://schemas.microsoft.com/office/drawing/2014/main" id="{03CDAC2F-998A-9E7F-DD71-83F787124D43}"/>
+                <a16:creationId xmlns:a16="http://schemas.microsoft.com/office/drawing/2014/main" id="{3F6665E5-7BFC-8A6E-C923-33299B2CB606}"/>
               </a:ext>
             </a:extLst>
           </p:cNvPr>
@@ -6921,745 +6959,103 @@
         </p:nvSpPr>
         <p:spPr>
           <a:xfrm>
-            <a:off x="677332" y="1756371"/>
-            <a:ext cx="8506423" cy="778107"/>
+            <a:off x="572230" y="1572010"/>
+            <a:ext cx="9296983" cy="3880772"/>
           </a:xfrm>
         </p:spPr>
         <p:txBody>
           <a:bodyPr>
-            <a:normAutofit/>
+            <a:normAutofit fontScale="92500" lnSpcReduction="10000"/>
           </a:bodyPr>
           <a:lstStyle/>
           <a:p>
-            <a:pPr marL="0" indent="0">
-              <a:buNone/>
-            </a:pPr>
-            <a:r>
-              <a:rPr lang="en-US" dirty="0"/>
-              <a:t>In traditional OOP programming, upon creation of the object (e.g., Computer), it will also create (</a:t>
-            </a:r>
-            <a:r>
-              <a:rPr lang="en-US" i="1" dirty="0"/>
-              <a:t>new</a:t>
-            </a:r>
-            <a:r>
-              <a:rPr lang="en-US" dirty="0"/>
-              <a:t>) its dependent classes (e.g., Processor, RAM instances):</a:t>
-            </a:r>
-            <a:endParaRPr lang="en-IL" dirty="0"/>
-          </a:p>
-          <a:p>
-            <a:pPr marL="0" indent="0">
-              <a:buNone/>
-            </a:pPr>
-            <a:endParaRPr lang="en-US" dirty="0"/>
-          </a:p>
-          <a:p>
-            <a:endParaRPr lang="en-IL" dirty="0"/>
-          </a:p>
-        </p:txBody>
-      </p:sp>
-      <p:sp>
-        <p:nvSpPr>
-          <p:cNvPr id="7" name="Content Placeholder 2">
-            <a:extLst>
-              <a:ext uri="{FF2B5EF4-FFF2-40B4-BE49-F238E27FC236}">
-                <a16:creationId xmlns:a16="http://schemas.microsoft.com/office/drawing/2014/main" id="{510CD3CA-7661-11B9-AF07-F39AF318C632}"/>
-              </a:ext>
-            </a:extLst>
-          </p:cNvPr>
-          <p:cNvSpPr txBox="1">
-            <a:spLocks/>
-          </p:cNvSpPr>
-          <p:nvPr/>
-        </p:nvSpPr>
-        <p:spPr>
-          <a:xfrm>
-            <a:off x="677333" y="2821899"/>
-            <a:ext cx="4184035" cy="974035"/>
-          </a:xfrm>
-          <a:prstGeom prst="rect">
-            <a:avLst/>
-          </a:prstGeom>
-        </p:spPr>
-        <p:txBody>
-          <a:bodyPr vert="horz" lIns="91440" tIns="45720" rIns="91440" bIns="45720" rtlCol="0">
-            <a:normAutofit/>
-          </a:bodyPr>
-          <a:lstStyle>
-            <a:lvl1pPr marL="342900" indent="-342900" algn="l" defTabSz="457200" rtl="0" eaLnBrk="1" latinLnBrk="0" hangingPunct="1">
-              <a:spcBef>
-                <a:spcPts val="1000"/>
-              </a:spcBef>
-              <a:spcAft>
-                <a:spcPts val="0"/>
-              </a:spcAft>
-              <a:buClr>
-                <a:schemeClr val="accent1"/>
-              </a:buClr>
-              <a:buSzPct val="80000"/>
-              <a:buFont typeface="Wingdings 3" charset="2"/>
-              <a:buChar char=""/>
-              <a:defRPr sz="1800" kern="1200">
-                <a:solidFill>
-                  <a:schemeClr val="tx1">
-                    <a:lumMod val="75000"/>
-                    <a:lumOff val="25000"/>
-                  </a:schemeClr>
-                </a:solidFill>
-                <a:latin typeface="+mn-lt"/>
-                <a:ea typeface="+mn-ea"/>
-                <a:cs typeface="+mn-cs"/>
-              </a:defRPr>
-            </a:lvl1pPr>
-            <a:lvl2pPr marL="742950" indent="-285750" algn="l" defTabSz="457200" rtl="0" eaLnBrk="1" latinLnBrk="0" hangingPunct="1">
-              <a:spcBef>
-                <a:spcPts val="1000"/>
-              </a:spcBef>
-              <a:spcAft>
-                <a:spcPts val="0"/>
-              </a:spcAft>
-              <a:buClr>
-                <a:schemeClr val="accent1"/>
-              </a:buClr>
-              <a:buSzPct val="80000"/>
-              <a:buFont typeface="Wingdings 3" charset="2"/>
-              <a:buChar char=""/>
-              <a:defRPr sz="1600" kern="1200">
-                <a:solidFill>
-                  <a:schemeClr val="tx1">
-                    <a:lumMod val="75000"/>
-                    <a:lumOff val="25000"/>
-                  </a:schemeClr>
-                </a:solidFill>
-                <a:latin typeface="+mn-lt"/>
-                <a:ea typeface="+mn-ea"/>
-                <a:cs typeface="+mn-cs"/>
-              </a:defRPr>
-            </a:lvl2pPr>
-            <a:lvl3pPr marL="1143000" indent="-228600" algn="l" defTabSz="457200" rtl="0" eaLnBrk="1" latinLnBrk="0" hangingPunct="1">
-              <a:spcBef>
-                <a:spcPts val="1000"/>
-              </a:spcBef>
-              <a:spcAft>
-                <a:spcPts val="0"/>
-              </a:spcAft>
-              <a:buClr>
-                <a:schemeClr val="accent1"/>
-              </a:buClr>
-              <a:buSzPct val="80000"/>
-              <a:buFont typeface="Wingdings 3" charset="2"/>
-              <a:buChar char=""/>
-              <a:defRPr sz="1400" kern="1200">
-                <a:solidFill>
-                  <a:schemeClr val="tx1">
-                    <a:lumMod val="75000"/>
-                    <a:lumOff val="25000"/>
-                  </a:schemeClr>
-                </a:solidFill>
-                <a:latin typeface="+mn-lt"/>
-                <a:ea typeface="+mn-ea"/>
-                <a:cs typeface="+mn-cs"/>
-              </a:defRPr>
-            </a:lvl3pPr>
-            <a:lvl4pPr marL="1600200" indent="-228600" algn="l" defTabSz="457200" rtl="0" eaLnBrk="1" latinLnBrk="0" hangingPunct="1">
-              <a:spcBef>
-                <a:spcPts val="1000"/>
-              </a:spcBef>
-              <a:spcAft>
-                <a:spcPts val="0"/>
-              </a:spcAft>
-              <a:buClr>
-                <a:schemeClr val="accent1"/>
-              </a:buClr>
-              <a:buSzPct val="80000"/>
-              <a:buFont typeface="Wingdings 3" charset="2"/>
-              <a:buChar char=""/>
-              <a:defRPr sz="1200" kern="1200">
-                <a:solidFill>
-                  <a:schemeClr val="tx1">
-                    <a:lumMod val="75000"/>
-                    <a:lumOff val="25000"/>
-                  </a:schemeClr>
-                </a:solidFill>
-                <a:latin typeface="+mn-lt"/>
-                <a:ea typeface="+mn-ea"/>
-                <a:cs typeface="+mn-cs"/>
-              </a:defRPr>
-            </a:lvl4pPr>
-            <a:lvl5pPr marL="2057400" indent="-228600" algn="l" defTabSz="457200" rtl="0" eaLnBrk="1" latinLnBrk="0" hangingPunct="1">
-              <a:spcBef>
-                <a:spcPts val="1000"/>
-              </a:spcBef>
-              <a:spcAft>
-                <a:spcPts val="0"/>
-              </a:spcAft>
-              <a:buClr>
-                <a:schemeClr val="accent1"/>
-              </a:buClr>
-              <a:buSzPct val="80000"/>
-              <a:buFont typeface="Wingdings 3" charset="2"/>
-              <a:buChar char=""/>
-              <a:defRPr sz="1200" kern="1200">
-                <a:solidFill>
-                  <a:schemeClr val="tx1">
-                    <a:lumMod val="75000"/>
-                    <a:lumOff val="25000"/>
-                  </a:schemeClr>
-                </a:solidFill>
-                <a:latin typeface="+mn-lt"/>
-                <a:ea typeface="+mn-ea"/>
-                <a:cs typeface="+mn-cs"/>
-              </a:defRPr>
-            </a:lvl5pPr>
-            <a:lvl6pPr marL="2514600" indent="-228600" algn="l" defTabSz="457200" rtl="0" eaLnBrk="1" latinLnBrk="0" hangingPunct="1">
-              <a:spcBef>
-                <a:spcPts val="1000"/>
-              </a:spcBef>
-              <a:spcAft>
-                <a:spcPts val="0"/>
-              </a:spcAft>
-              <a:buClr>
-                <a:schemeClr val="accent1"/>
-              </a:buClr>
-              <a:buSzPct val="80000"/>
-              <a:buFont typeface="Wingdings 3" charset="2"/>
-              <a:buChar char=""/>
-              <a:defRPr sz="1200" kern="1200">
-                <a:solidFill>
-                  <a:schemeClr val="tx1">
-                    <a:lumMod val="75000"/>
-                    <a:lumOff val="25000"/>
-                  </a:schemeClr>
-                </a:solidFill>
-                <a:latin typeface="+mn-lt"/>
-                <a:ea typeface="+mn-ea"/>
-                <a:cs typeface="+mn-cs"/>
-              </a:defRPr>
-            </a:lvl6pPr>
-            <a:lvl7pPr marL="2971800" indent="-228600" algn="l" defTabSz="457200" rtl="0" eaLnBrk="1" latinLnBrk="0" hangingPunct="1">
-              <a:spcBef>
-                <a:spcPts val="1000"/>
-              </a:spcBef>
-              <a:spcAft>
-                <a:spcPts val="0"/>
-              </a:spcAft>
-              <a:buClr>
-                <a:schemeClr val="accent1"/>
-              </a:buClr>
-              <a:buSzPct val="80000"/>
-              <a:buFont typeface="Wingdings 3" charset="2"/>
-              <a:buChar char=""/>
-              <a:defRPr sz="1200" kern="1200">
-                <a:solidFill>
-                  <a:schemeClr val="tx1">
-                    <a:lumMod val="75000"/>
-                    <a:lumOff val="25000"/>
-                  </a:schemeClr>
-                </a:solidFill>
-                <a:latin typeface="+mn-lt"/>
-                <a:ea typeface="+mn-ea"/>
-                <a:cs typeface="+mn-cs"/>
-              </a:defRPr>
-            </a:lvl7pPr>
-            <a:lvl8pPr marL="3429000" indent="-228600" algn="l" defTabSz="457200" rtl="0" eaLnBrk="1" latinLnBrk="0" hangingPunct="1">
-              <a:spcBef>
-                <a:spcPts val="1000"/>
-              </a:spcBef>
-              <a:spcAft>
-                <a:spcPts val="0"/>
-              </a:spcAft>
-              <a:buClr>
-                <a:schemeClr val="accent1"/>
-              </a:buClr>
-              <a:buSzPct val="80000"/>
-              <a:buFont typeface="Wingdings 3" charset="2"/>
-              <a:buChar char=""/>
-              <a:defRPr sz="1200" kern="1200">
-                <a:solidFill>
-                  <a:schemeClr val="tx1">
-                    <a:lumMod val="75000"/>
-                    <a:lumOff val="25000"/>
-                  </a:schemeClr>
-                </a:solidFill>
-                <a:latin typeface="+mn-lt"/>
-                <a:ea typeface="+mn-ea"/>
-                <a:cs typeface="+mn-cs"/>
-              </a:defRPr>
-            </a:lvl8pPr>
-            <a:lvl9pPr marL="3886200" indent="-228600" algn="l" defTabSz="457200" rtl="0" eaLnBrk="1" latinLnBrk="0" hangingPunct="1">
-              <a:spcBef>
-                <a:spcPts val="1000"/>
-              </a:spcBef>
-              <a:spcAft>
-                <a:spcPts val="0"/>
-              </a:spcAft>
-              <a:buClr>
-                <a:schemeClr val="accent1"/>
-              </a:buClr>
-              <a:buSzPct val="80000"/>
-              <a:buFont typeface="Wingdings 3" charset="2"/>
-              <a:buChar char=""/>
-              <a:defRPr sz="1200" kern="1200">
-                <a:solidFill>
-                  <a:schemeClr val="tx1">
-                    <a:lumMod val="75000"/>
-                    <a:lumOff val="25000"/>
-                  </a:schemeClr>
-                </a:solidFill>
-                <a:latin typeface="+mn-lt"/>
-                <a:ea typeface="+mn-ea"/>
-                <a:cs typeface="+mn-cs"/>
-              </a:defRPr>
-            </a:lvl9pPr>
-          </a:lstStyle>
-          <a:p>
-            <a:endParaRPr lang="en-IL" dirty="0"/>
-          </a:p>
-        </p:txBody>
-      </p:sp>
-      <p:sp>
-        <p:nvSpPr>
-          <p:cNvPr id="9" name="TextBox 8">
-            <a:extLst>
-              <a:ext uri="{FF2B5EF4-FFF2-40B4-BE49-F238E27FC236}">
-                <a16:creationId xmlns:a16="http://schemas.microsoft.com/office/drawing/2014/main" id="{033FB78D-07B7-A7FD-D857-1CF10A05237F}"/>
-              </a:ext>
-            </a:extLst>
-          </p:cNvPr>
-          <p:cNvSpPr txBox="1"/>
-          <p:nvPr/>
-        </p:nvSpPr>
-        <p:spPr>
-          <a:xfrm>
-            <a:off x="677332" y="2671025"/>
-            <a:ext cx="8596668" cy="3970318"/>
-          </a:xfrm>
-          <a:prstGeom prst="rect">
-            <a:avLst/>
-          </a:prstGeom>
-          <a:solidFill>
-            <a:schemeClr val="tx2">
-              <a:lumMod val="20000"/>
-              <a:lumOff val="80000"/>
-            </a:schemeClr>
-          </a:solidFill>
-          <a:ln w="12700">
-            <a:solidFill>
-              <a:schemeClr val="accent1"/>
-            </a:solidFill>
-          </a:ln>
-        </p:spPr>
-        <p:txBody>
-          <a:bodyPr wrap="square">
-            <a:spAutoFit/>
-          </a:bodyPr>
-          <a:lstStyle/>
-          <a:p>
-            <a:r>
-              <a:rPr lang="en-IL" dirty="0">
-                <a:solidFill>
-                  <a:srgbClr val="0070C0"/>
-                </a:solidFill>
-                <a:latin typeface="Courier New" panose="02070309020205020404" pitchFamily="49" charset="0"/>
-                <a:cs typeface="Courier New" panose="02070309020205020404" pitchFamily="49" charset="0"/>
+            <a:r>
+              <a:rPr lang="en-IL" sz="2800" dirty="0">
+                <a:latin typeface="ATT Aleck Sans" panose="020B0503020203020204" pitchFamily="34" charset="0"/>
+                <a:cs typeface="ATT Aleck Sans" panose="020B0503020203020204" pitchFamily="34" charset="0"/>
               </a:rPr>
-              <a:t>public</a:t>
-            </a:r>
-            <a:r>
-              <a:rPr lang="en-IL" dirty="0">
-                <a:latin typeface="Courier New" panose="02070309020205020404" pitchFamily="49" charset="0"/>
-                <a:cs typeface="Courier New" panose="02070309020205020404" pitchFamily="49" charset="0"/>
+              <a:t>Tight coupling between the </a:t>
+            </a:r>
+            <a:r>
+              <a:rPr lang="en-IL" sz="2800" dirty="0">
+                <a:latin typeface="Consolas" panose="020B0609020204030204" pitchFamily="49" charset="0"/>
+                <a:cs typeface="Consolas" panose="020B0609020204030204" pitchFamily="49" charset="0"/>
               </a:rPr>
-              <a:t> </a:t>
-            </a:r>
-            <a:r>
-              <a:rPr lang="en-IL" dirty="0">
-                <a:solidFill>
-                  <a:srgbClr val="0070C0"/>
-                </a:solidFill>
-                <a:latin typeface="Courier New" panose="02070309020205020404" pitchFamily="49" charset="0"/>
-                <a:cs typeface="Courier New" panose="02070309020205020404" pitchFamily="49" charset="0"/>
+              <a:t>Computer</a:t>
+            </a:r>
+            <a:r>
+              <a:rPr lang="en-IL" sz="2800" dirty="0">
+                <a:latin typeface="ATT Aleck Sans" panose="020B0503020203020204" pitchFamily="34" charset="0"/>
+                <a:cs typeface="ATT Aleck Sans" panose="020B0503020203020204" pitchFamily="34" charset="0"/>
               </a:rPr>
-              <a:t>class</a:t>
-            </a:r>
-            <a:r>
-              <a:rPr lang="en-IL" dirty="0">
-                <a:latin typeface="Courier New" panose="02070309020205020404" pitchFamily="49" charset="0"/>
-                <a:cs typeface="Courier New" panose="02070309020205020404" pitchFamily="49" charset="0"/>
+              <a:t> and its components:</a:t>
+            </a:r>
+          </a:p>
+          <a:p>
+            <a:pPr lvl="1"/>
+            <a:r>
+              <a:rPr lang="en-IL" sz="2400" dirty="0">
+                <a:latin typeface="ATT Aleck Sans" panose="020B0503020203020204" pitchFamily="34" charset="0"/>
+                <a:cs typeface="ATT Aleck Sans" panose="020B0503020203020204" pitchFamily="34" charset="0"/>
               </a:rPr>
-              <a:t> Computer {</a:t>
-            </a:r>
-          </a:p>
-          <a:p>
-            <a:r>
-              <a:rPr lang="en-IL" dirty="0">
-                <a:latin typeface="Courier New" panose="02070309020205020404" pitchFamily="49" charset="0"/>
-                <a:cs typeface="Courier New" panose="02070309020205020404" pitchFamily="49" charset="0"/>
+              <a:t>We </a:t>
+            </a:r>
+            <a:r>
+              <a:rPr lang="en-US" sz="2400" dirty="0">
+                <a:latin typeface="ATT Aleck Sans" panose="020B0503020203020204" pitchFamily="34" charset="0"/>
+                <a:cs typeface="ATT Aleck Sans" panose="020B0503020203020204" pitchFamily="34" charset="0"/>
               </a:rPr>
-              <a:t>    </a:t>
-            </a:r>
-            <a:r>
-              <a:rPr lang="en-IL" dirty="0">
-                <a:solidFill>
-                  <a:srgbClr val="0070C0"/>
-                </a:solidFill>
-                <a:latin typeface="Courier New" panose="02070309020205020404" pitchFamily="49" charset="0"/>
-                <a:cs typeface="Courier New" panose="02070309020205020404" pitchFamily="49" charset="0"/>
+              <a:t>must</a:t>
+            </a:r>
+            <a:r>
+              <a:rPr lang="en-IL" sz="2400" dirty="0">
+                <a:latin typeface="ATT Aleck Sans" panose="020B0503020203020204" pitchFamily="34" charset="0"/>
+                <a:cs typeface="ATT Aleck Sans" panose="020B0503020203020204" pitchFamily="34" charset="0"/>
               </a:rPr>
-              <a:t>private</a:t>
-            </a:r>
-            <a:r>
-              <a:rPr lang="en-IL" dirty="0">
-                <a:latin typeface="Courier New" panose="02070309020205020404" pitchFamily="49" charset="0"/>
-                <a:cs typeface="Courier New" panose="02070309020205020404" pitchFamily="49" charset="0"/>
+              <a:t> know how to create every component, and what parameters exactly should be used in the constructor.</a:t>
+            </a:r>
+          </a:p>
+          <a:p>
+            <a:pPr lvl="1"/>
+            <a:r>
+              <a:rPr lang="en-IL" sz="2400" dirty="0">
+                <a:latin typeface="ATT Aleck Sans" panose="020B0503020203020204" pitchFamily="34" charset="0"/>
+                <a:cs typeface="ATT Aleck Sans" panose="020B0503020203020204" pitchFamily="34" charset="0"/>
               </a:rPr>
-              <a:t> </a:t>
-            </a:r>
-            <a:r>
-              <a:rPr lang="en-IL" dirty="0">
-                <a:solidFill>
-                  <a:srgbClr val="0070C0"/>
-                </a:solidFill>
-                <a:latin typeface="Courier New" panose="02070309020205020404" pitchFamily="49" charset="0"/>
-                <a:cs typeface="Courier New" panose="02070309020205020404" pitchFamily="49" charset="0"/>
+              <a:t>If I want to create a computer with a new CPU, I should create another class for the Computer.</a:t>
+            </a:r>
+          </a:p>
+          <a:p>
+            <a:pPr lvl="1"/>
+            <a:r>
+              <a:rPr lang="en-IL" sz="2400" dirty="0">
+                <a:latin typeface="ATT Aleck Sans" panose="020B0503020203020204" pitchFamily="34" charset="0"/>
+                <a:cs typeface="ATT Aleck Sans" panose="020B0503020203020204" pitchFamily="34" charset="0"/>
               </a:rPr>
-              <a:t>final</a:t>
-            </a:r>
-            <a:r>
-              <a:rPr lang="en-IL" dirty="0">
-                <a:latin typeface="Courier New" panose="02070309020205020404" pitchFamily="49" charset="0"/>
-                <a:cs typeface="Courier New" panose="02070309020205020404" pitchFamily="49" charset="0"/>
+              <a:t>How will I test my class? how will I inject mocks there?</a:t>
+            </a:r>
+          </a:p>
+          <a:p>
+            <a:r>
+              <a:rPr lang="en-US" sz="2800" dirty="0">
+                <a:latin typeface="ATT Aleck Sans" panose="020B0503020203020204" pitchFamily="34" charset="0"/>
+                <a:cs typeface="ATT Aleck Sans" panose="020B0503020203020204" pitchFamily="34" charset="0"/>
               </a:rPr>
-              <a:t> </a:t>
-            </a:r>
-            <a:r>
-              <a:rPr lang="en-US" dirty="0">
-                <a:latin typeface="Courier New" panose="02070309020205020404" pitchFamily="49" charset="0"/>
-                <a:cs typeface="Courier New" panose="02070309020205020404" pitchFamily="49" charset="0"/>
+              <a:t>Poor polymorphism </a:t>
+            </a:r>
+            <a:endParaRPr lang="en-IL" sz="2800" dirty="0">
+              <a:latin typeface="ATT Aleck Sans" panose="020B0503020203020204" pitchFamily="34" charset="0"/>
+              <a:cs typeface="ATT Aleck Sans" panose="020B0503020203020204" pitchFamily="34" charset="0"/>
+            </a:endParaRPr>
+          </a:p>
+          <a:p>
+            <a:pPr lvl="1"/>
+            <a:r>
+              <a:rPr lang="en-IL" sz="2400" dirty="0">
+                <a:latin typeface="ATT Aleck Sans" panose="020B0503020203020204" pitchFamily="34" charset="0"/>
+                <a:cs typeface="ATT Aleck Sans" panose="020B0503020203020204" pitchFamily="34" charset="0"/>
               </a:rPr>
-              <a:t>Processor</a:t>
-            </a:r>
-            <a:r>
-              <a:rPr lang="en-IL" dirty="0">
-                <a:latin typeface="Courier New" panose="02070309020205020404" pitchFamily="49" charset="0"/>
-                <a:cs typeface="Courier New" panose="02070309020205020404" pitchFamily="49" charset="0"/>
-              </a:rPr>
-              <a:t> </a:t>
-            </a:r>
-            <a:r>
-              <a:rPr lang="en-US" dirty="0">
-                <a:latin typeface="Courier New" panose="02070309020205020404" pitchFamily="49" charset="0"/>
-                <a:cs typeface="Courier New" panose="02070309020205020404" pitchFamily="49" charset="0"/>
-              </a:rPr>
-              <a:t>processor</a:t>
-            </a:r>
-            <a:r>
-              <a:rPr lang="en-IL" dirty="0">
-                <a:latin typeface="Courier New" panose="02070309020205020404" pitchFamily="49" charset="0"/>
-                <a:cs typeface="Courier New" panose="02070309020205020404" pitchFamily="49" charset="0"/>
-              </a:rPr>
-              <a:t>;</a:t>
-            </a:r>
-          </a:p>
-          <a:p>
-            <a:r>
-              <a:rPr lang="en-IL" dirty="0">
-                <a:latin typeface="Courier New" panose="02070309020205020404" pitchFamily="49" charset="0"/>
-                <a:cs typeface="Courier New" panose="02070309020205020404" pitchFamily="49" charset="0"/>
-              </a:rPr>
-              <a:t>    </a:t>
-            </a:r>
-            <a:r>
-              <a:rPr lang="en-IL" dirty="0">
-                <a:solidFill>
-                  <a:srgbClr val="0070C0"/>
-                </a:solidFill>
-                <a:latin typeface="Courier New" panose="02070309020205020404" pitchFamily="49" charset="0"/>
-                <a:cs typeface="Courier New" panose="02070309020205020404" pitchFamily="49" charset="0"/>
-              </a:rPr>
-              <a:t>private</a:t>
-            </a:r>
-            <a:r>
-              <a:rPr lang="en-IL" dirty="0">
-                <a:latin typeface="Courier New" panose="02070309020205020404" pitchFamily="49" charset="0"/>
-                <a:cs typeface="Courier New" panose="02070309020205020404" pitchFamily="49" charset="0"/>
-              </a:rPr>
-              <a:t> </a:t>
-            </a:r>
-            <a:r>
-              <a:rPr lang="en-IL" dirty="0">
-                <a:solidFill>
-                  <a:srgbClr val="0070C0"/>
-                </a:solidFill>
-                <a:latin typeface="Courier New" panose="02070309020205020404" pitchFamily="49" charset="0"/>
-                <a:cs typeface="Courier New" panose="02070309020205020404" pitchFamily="49" charset="0"/>
-              </a:rPr>
-              <a:t>final </a:t>
-            </a:r>
-            <a:r>
-              <a:rPr lang="en-IL" dirty="0">
-                <a:latin typeface="Courier New" panose="02070309020205020404" pitchFamily="49" charset="0"/>
-                <a:cs typeface="Courier New" panose="02070309020205020404" pitchFamily="49" charset="0"/>
-              </a:rPr>
-              <a:t>RandomAccessMemory randomAccessMemory;</a:t>
-            </a:r>
-          </a:p>
-          <a:p>
-            <a:r>
-              <a:rPr lang="en-IL" dirty="0">
-                <a:latin typeface="Courier New" panose="02070309020205020404" pitchFamily="49" charset="0"/>
-                <a:cs typeface="Courier New" panose="02070309020205020404" pitchFamily="49" charset="0"/>
-              </a:rPr>
-              <a:t>    </a:t>
-            </a:r>
-            <a:r>
-              <a:rPr lang="en-IL" dirty="0">
-                <a:solidFill>
-                  <a:srgbClr val="0070C0"/>
-                </a:solidFill>
-                <a:latin typeface="Courier New" panose="02070309020205020404" pitchFamily="49" charset="0"/>
-                <a:cs typeface="Courier New" panose="02070309020205020404" pitchFamily="49" charset="0"/>
-              </a:rPr>
-              <a:t>private</a:t>
-            </a:r>
-            <a:r>
-              <a:rPr lang="en-IL" dirty="0">
-                <a:latin typeface="Courier New" panose="02070309020205020404" pitchFamily="49" charset="0"/>
-                <a:cs typeface="Courier New" panose="02070309020205020404" pitchFamily="49" charset="0"/>
-              </a:rPr>
-              <a:t> </a:t>
-            </a:r>
-            <a:r>
-              <a:rPr lang="en-IL" dirty="0">
-                <a:solidFill>
-                  <a:srgbClr val="0070C0"/>
-                </a:solidFill>
-                <a:latin typeface="Courier New" panose="02070309020205020404" pitchFamily="49" charset="0"/>
-                <a:cs typeface="Courier New" panose="02070309020205020404" pitchFamily="49" charset="0"/>
-              </a:rPr>
-              <a:t>final </a:t>
-            </a:r>
-            <a:r>
-              <a:rPr lang="en-IL" dirty="0">
-                <a:latin typeface="Courier New" panose="02070309020205020404" pitchFamily="49" charset="0"/>
-                <a:cs typeface="Courier New" panose="02070309020205020404" pitchFamily="49" charset="0"/>
-              </a:rPr>
-              <a:t>GraphicsCard graphicsCard;</a:t>
-            </a:r>
-          </a:p>
-          <a:p>
-            <a:r>
-              <a:rPr lang="en-IL" dirty="0">
-                <a:latin typeface="Courier New" panose="02070309020205020404" pitchFamily="49" charset="0"/>
-                <a:cs typeface="Courier New" panose="02070309020205020404" pitchFamily="49" charset="0"/>
-              </a:rPr>
-              <a:t>    </a:t>
-            </a:r>
-            <a:r>
-              <a:rPr lang="en-IL" dirty="0">
-                <a:solidFill>
-                  <a:srgbClr val="0070C0"/>
-                </a:solidFill>
-                <a:latin typeface="Courier New" panose="02070309020205020404" pitchFamily="49" charset="0"/>
-                <a:cs typeface="Courier New" panose="02070309020205020404" pitchFamily="49" charset="0"/>
-              </a:rPr>
-              <a:t>private</a:t>
-            </a:r>
-            <a:r>
-              <a:rPr lang="en-IL" dirty="0">
-                <a:latin typeface="Courier New" panose="02070309020205020404" pitchFamily="49" charset="0"/>
-                <a:cs typeface="Courier New" panose="02070309020205020404" pitchFamily="49" charset="0"/>
-              </a:rPr>
-              <a:t> </a:t>
-            </a:r>
-            <a:r>
-              <a:rPr lang="en-IL" dirty="0">
-                <a:solidFill>
-                  <a:srgbClr val="0070C0"/>
-                </a:solidFill>
-                <a:latin typeface="Courier New" panose="02070309020205020404" pitchFamily="49" charset="0"/>
-                <a:cs typeface="Courier New" panose="02070309020205020404" pitchFamily="49" charset="0"/>
-              </a:rPr>
-              <a:t>final </a:t>
-            </a:r>
-            <a:r>
-              <a:rPr lang="en-IL" dirty="0">
-                <a:latin typeface="Courier New" panose="02070309020205020404" pitchFamily="49" charset="0"/>
-                <a:cs typeface="Courier New" panose="02070309020205020404" pitchFamily="49" charset="0"/>
-              </a:rPr>
-              <a:t>Coolers coolers;</a:t>
-            </a:r>
-          </a:p>
-          <a:p>
-            <a:r>
-              <a:rPr lang="en-IL" dirty="0">
-                <a:latin typeface="Courier New" panose="02070309020205020404" pitchFamily="49" charset="0"/>
-                <a:cs typeface="Courier New" panose="02070309020205020404" pitchFamily="49" charset="0"/>
-              </a:rPr>
-              <a:t> </a:t>
-            </a:r>
-          </a:p>
-          <a:p>
-            <a:r>
-              <a:rPr lang="en-IL" dirty="0">
-                <a:latin typeface="Courier New" panose="02070309020205020404" pitchFamily="49" charset="0"/>
-                <a:cs typeface="Courier New" panose="02070309020205020404" pitchFamily="49" charset="0"/>
-              </a:rPr>
-              <a:t>    </a:t>
-            </a:r>
-            <a:r>
-              <a:rPr lang="en-IL" dirty="0">
-                <a:solidFill>
-                  <a:srgbClr val="0070C0"/>
-                </a:solidFill>
-                <a:latin typeface="Courier New" panose="02070309020205020404" pitchFamily="49" charset="0"/>
-                <a:cs typeface="Courier New" panose="02070309020205020404" pitchFamily="49" charset="0"/>
-              </a:rPr>
-              <a:t>public</a:t>
-            </a:r>
-            <a:r>
-              <a:rPr lang="en-IL" dirty="0">
-                <a:latin typeface="Courier New" panose="02070309020205020404" pitchFamily="49" charset="0"/>
-                <a:cs typeface="Courier New" panose="02070309020205020404" pitchFamily="49" charset="0"/>
-              </a:rPr>
-              <a:t> Computer() {</a:t>
-            </a:r>
-          </a:p>
-          <a:p>
-            <a:r>
-              <a:rPr lang="en-IL" dirty="0">
-                <a:latin typeface="Courier New" panose="02070309020205020404" pitchFamily="49" charset="0"/>
-                <a:cs typeface="Courier New" panose="02070309020205020404" pitchFamily="49" charset="0"/>
-              </a:rPr>
-              <a:t>		processor = </a:t>
-            </a:r>
-            <a:r>
-              <a:rPr lang="en-IL" dirty="0">
-                <a:solidFill>
-                  <a:srgbClr val="0070C0"/>
-                </a:solidFill>
-                <a:latin typeface="Courier New" panose="02070309020205020404" pitchFamily="49" charset="0"/>
-                <a:cs typeface="Courier New" panose="02070309020205020404" pitchFamily="49" charset="0"/>
-              </a:rPr>
-              <a:t>new</a:t>
-            </a:r>
-            <a:r>
-              <a:rPr lang="en-IL" dirty="0">
-                <a:latin typeface="Courier New" panose="02070309020205020404" pitchFamily="49" charset="0"/>
-                <a:cs typeface="Courier New" panose="02070309020205020404" pitchFamily="49" charset="0"/>
-              </a:rPr>
-              <a:t> Processor(</a:t>
-            </a:r>
-            <a:r>
-              <a:rPr lang="en-US" dirty="0">
-                <a:latin typeface="Courier New" panose="02070309020205020404" pitchFamily="49" charset="0"/>
-                <a:cs typeface="Courier New" panose="02070309020205020404" pitchFamily="49" charset="0"/>
-              </a:rPr>
-              <a:t>paramCpu1, paramCpu2</a:t>
-            </a:r>
-            <a:r>
-              <a:rPr lang="en-IL" dirty="0">
-                <a:latin typeface="Courier New" panose="02070309020205020404" pitchFamily="49" charset="0"/>
-                <a:cs typeface="Courier New" panose="02070309020205020404" pitchFamily="49" charset="0"/>
-              </a:rPr>
-              <a:t>);</a:t>
-            </a:r>
-          </a:p>
-          <a:p>
-            <a:r>
-              <a:rPr lang="en-IL" dirty="0">
-                <a:latin typeface="Courier New" panose="02070309020205020404" pitchFamily="49" charset="0"/>
-                <a:cs typeface="Courier New" panose="02070309020205020404" pitchFamily="49" charset="0"/>
-              </a:rPr>
-              <a:t> 	   randomAccessMemory = </a:t>
-            </a:r>
-            <a:r>
-              <a:rPr lang="en-IL" dirty="0">
-                <a:solidFill>
-                  <a:srgbClr val="0070C0"/>
-                </a:solidFill>
-                <a:latin typeface="Courier New" panose="02070309020205020404" pitchFamily="49" charset="0"/>
-                <a:cs typeface="Courier New" panose="02070309020205020404" pitchFamily="49" charset="0"/>
-              </a:rPr>
-              <a:t>new</a:t>
-            </a:r>
-            <a:r>
-              <a:rPr lang="en-IL" dirty="0">
-                <a:latin typeface="Courier New" panose="02070309020205020404" pitchFamily="49" charset="0"/>
-                <a:cs typeface="Courier New" panose="02070309020205020404" pitchFamily="49" charset="0"/>
-              </a:rPr>
-              <a:t> RandomAccessMemory(paramRam1, paramRam2, paramRam3);</a:t>
-            </a:r>
-          </a:p>
-          <a:p>
-            <a:r>
-              <a:rPr lang="en-IL" dirty="0">
-                <a:latin typeface="Courier New" panose="02070309020205020404" pitchFamily="49" charset="0"/>
-                <a:cs typeface="Courier New" panose="02070309020205020404" pitchFamily="49" charset="0"/>
-              </a:rPr>
-              <a:t> 	   graphicsCard = </a:t>
-            </a:r>
-            <a:r>
-              <a:rPr lang="en-IL" dirty="0">
-                <a:solidFill>
-                  <a:srgbClr val="0070C0"/>
-                </a:solidFill>
-                <a:latin typeface="Courier New" panose="02070309020205020404" pitchFamily="49" charset="0"/>
-                <a:cs typeface="Courier New" panose="02070309020205020404" pitchFamily="49" charset="0"/>
-              </a:rPr>
-              <a:t>new</a:t>
-            </a:r>
-            <a:r>
-              <a:rPr lang="en-IL" dirty="0">
-                <a:latin typeface="Courier New" panose="02070309020205020404" pitchFamily="49" charset="0"/>
-                <a:cs typeface="Courier New" panose="02070309020205020404" pitchFamily="49" charset="0"/>
-              </a:rPr>
-              <a:t> GraphicsCard(paramGDI1, paramGDI2); </a:t>
-            </a:r>
-          </a:p>
-          <a:p>
-            <a:r>
-              <a:rPr lang="en-IL" dirty="0">
-                <a:latin typeface="Courier New" panose="02070309020205020404" pitchFamily="49" charset="0"/>
-                <a:cs typeface="Courier New" panose="02070309020205020404" pitchFamily="49" charset="0"/>
-              </a:rPr>
-              <a:t>      coolers = </a:t>
-            </a:r>
-            <a:r>
-              <a:rPr lang="en-IL" dirty="0">
-                <a:solidFill>
-                  <a:srgbClr val="0070C0"/>
-                </a:solidFill>
-                <a:latin typeface="Courier New" panose="02070309020205020404" pitchFamily="49" charset="0"/>
-                <a:cs typeface="Courier New" panose="02070309020205020404" pitchFamily="49" charset="0"/>
-              </a:rPr>
-              <a:t>new</a:t>
-            </a:r>
-            <a:r>
-              <a:rPr lang="en-IL" dirty="0">
-                <a:latin typeface="Courier New" panose="02070309020205020404" pitchFamily="49" charset="0"/>
-                <a:cs typeface="Courier New" panose="02070309020205020404" pitchFamily="49" charset="0"/>
-              </a:rPr>
-              <a:t> Coolers(paramCool1);</a:t>
-            </a:r>
-          </a:p>
-          <a:p>
-            <a:r>
-              <a:rPr lang="en-IL" dirty="0">
-                <a:latin typeface="Courier New" panose="02070309020205020404" pitchFamily="49" charset="0"/>
-                <a:cs typeface="Courier New" panose="02070309020205020404" pitchFamily="49" charset="0"/>
-              </a:rPr>
-              <a:t>    }</a:t>
-            </a:r>
-          </a:p>
-          <a:p>
-            <a:r>
-              <a:rPr lang="en-IL" dirty="0">
-                <a:latin typeface="Courier New" panose="02070309020205020404" pitchFamily="49" charset="0"/>
-                <a:cs typeface="Courier New" panose="02070309020205020404" pitchFamily="49" charset="0"/>
-              </a:rPr>
-              <a:t>}</a:t>
+              <a:t>Leads to implementation-based design.</a:t>
             </a:r>
           </a:p>
         </p:txBody>
@@ -7667,7 +7063,7 @@
     </p:spTree>
     <p:extLst>
       <p:ext uri="{BB962C8B-B14F-4D97-AF65-F5344CB8AC3E}">
-        <p14:creationId xmlns:p14="http://schemas.microsoft.com/office/powerpoint/2010/main" val="2255410467"/>
+        <p14:creationId xmlns:p14="http://schemas.microsoft.com/office/powerpoint/2010/main" val="4238028326"/>
       </p:ext>
     </p:extLst>
   </p:cSld>
@@ -7699,7 +7095,7 @@
           <p:cNvPr id="2" name="Title 1">
             <a:extLst>
               <a:ext uri="{FF2B5EF4-FFF2-40B4-BE49-F238E27FC236}">
-                <a16:creationId xmlns:a16="http://schemas.microsoft.com/office/drawing/2014/main" id="{4F6F5D9E-229E-E0D1-DCAC-8CEEA3631556}"/>
+                <a16:creationId xmlns:a16="http://schemas.microsoft.com/office/drawing/2014/main" id="{CB5E4EF4-4CDB-B5BC-9E3C-1E76189F1E16}"/>
               </a:ext>
             </a:extLst>
           </p:cNvPr>
@@ -7716,18 +7112,35 @@
           <a:lstStyle/>
           <a:p>
             <a:r>
-              <a:rPr lang="en-IL" dirty="0"/>
-              <a:t>What could be the problems with this implementation:</a:t>
-            </a:r>
-          </a:p>
-        </p:txBody>
-      </p:sp>
-      <p:sp>
-        <p:nvSpPr>
-          <p:cNvPr id="3" name="Content Placeholder 2">
+              <a:rPr lang="en-IL" b="1" dirty="0">
+                <a:latin typeface="ATT Aleck Sans" panose="020B0503020203020204" pitchFamily="34" charset="0"/>
+                <a:cs typeface="ATT Aleck Sans" panose="020B0503020203020204" pitchFamily="34" charset="0"/>
+              </a:rPr>
+              <a:t>IoC with the </a:t>
+            </a:r>
+            <a:r>
+              <a:rPr lang="en-IL" b="1" i="1" dirty="0">
+                <a:latin typeface="ATT Aleck Sans" panose="020B0503020203020204" pitchFamily="34" charset="0"/>
+                <a:cs typeface="ATT Aleck Sans" panose="020B0503020203020204" pitchFamily="34" charset="0"/>
+              </a:rPr>
+              <a:t>Factory</a:t>
+            </a:r>
+            <a:r>
+              <a:rPr lang="en-IL" b="1" dirty="0">
+                <a:latin typeface="ATT Aleck Sans" panose="020B0503020203020204" pitchFamily="34" charset="0"/>
+                <a:cs typeface="ATT Aleck Sans" panose="020B0503020203020204" pitchFamily="34" charset="0"/>
+              </a:rPr>
+              <a:t> pattern</a:t>
+            </a:r>
+          </a:p>
+        </p:txBody>
+      </p:sp>
+      <p:sp>
+        <p:nvSpPr>
+          <p:cNvPr id="4" name="Content Placeholder 3">
             <a:extLst>
               <a:ext uri="{FF2B5EF4-FFF2-40B4-BE49-F238E27FC236}">
-                <a16:creationId xmlns:a16="http://schemas.microsoft.com/office/drawing/2014/main" id="{3F6665E5-7BFC-8A6E-C923-33299B2CB606}"/>
+                <a16:creationId xmlns:a16="http://schemas.microsoft.com/office/drawing/2014/main" id="{A5D03C92-DAD5-D3DE-99BD-E0D454C03ED2}"/>
               </a:ext>
             </a:extLst>
           </p:cNvPr>
@@ -7740,808 +7153,117 @@
         </p:nvSpPr>
         <p:spPr>
           <a:xfrm>
-            <a:off x="677334" y="2160589"/>
-            <a:ext cx="4878640" cy="3880772"/>
+            <a:off x="675057" y="5470635"/>
+            <a:ext cx="8006488" cy="1387365"/>
           </a:xfrm>
         </p:spPr>
         <p:txBody>
-          <a:bodyPr/>
-          <a:lstStyle/>
-          <a:p>
-            <a:r>
-              <a:rPr lang="en-IL" dirty="0"/>
-              <a:t>Tight coupling between the </a:t>
+          <a:bodyPr>
+            <a:normAutofit/>
+          </a:bodyPr>
+          <a:lstStyle/>
+          <a:p>
+            <a:pPr marL="0" indent="0">
+              <a:buNone/>
+            </a:pPr>
+            <a:r>
+              <a:rPr lang="en-US" dirty="0">
+                <a:latin typeface="ATT Aleck Sans" panose="020B0503020203020204" pitchFamily="34" charset="0"/>
+                <a:cs typeface="ATT Aleck Sans" panose="020B0503020203020204" pitchFamily="34" charset="0"/>
+              </a:rPr>
+              <a:t>We </a:t>
+            </a:r>
+            <a:r>
+              <a:rPr lang="en-IL" dirty="0">
+                <a:latin typeface="ATT Aleck Sans" panose="020B0503020203020204" pitchFamily="34" charset="0"/>
+                <a:cs typeface="ATT Aleck Sans" panose="020B0503020203020204" pitchFamily="34" charset="0"/>
+              </a:rPr>
+              <a:t>have inverted the the control of creating an object of a dependent class to the Factory.</a:t>
+            </a:r>
+            <a:br>
+              <a:rPr lang="en-IL" dirty="0">
+                <a:latin typeface="ATT Aleck Sans" panose="020B0503020203020204" pitchFamily="34" charset="0"/>
+                <a:cs typeface="ATT Aleck Sans" panose="020B0503020203020204" pitchFamily="34" charset="0"/>
+              </a:rPr>
+            </a:br>
+            <a:r>
+              <a:rPr lang="en-IL" dirty="0">
+                <a:latin typeface="ATT Aleck Sans" panose="020B0503020203020204" pitchFamily="34" charset="0"/>
+                <a:cs typeface="ATT Aleck Sans" panose="020B0503020203020204" pitchFamily="34" charset="0"/>
+              </a:rPr>
+              <a:t>However, the </a:t>
             </a:r>
             <a:r>
               <a:rPr lang="en-IL" dirty="0">
                 <a:solidFill>
                   <a:srgbClr val="0000FF"/>
                 </a:solidFill>
+                <a:latin typeface="ATT Aleck Sans" panose="020B0503020203020204" pitchFamily="34" charset="0"/>
+                <a:cs typeface="ATT Aleck Sans" panose="020B0503020203020204" pitchFamily="34" charset="0"/>
               </a:rPr>
               <a:t>Computer</a:t>
             </a:r>
             <a:r>
-              <a:rPr lang="en-IL" dirty="0"/>
-              <a:t> and its components:</a:t>
-            </a:r>
-          </a:p>
-          <a:p>
-            <a:pPr lvl="1"/>
-            <a:r>
-              <a:rPr lang="en-IL" dirty="0"/>
-              <a:t>We </a:t>
-            </a:r>
-            <a:r>
-              <a:rPr lang="en-US" dirty="0"/>
-              <a:t>must</a:t>
-            </a:r>
-            <a:r>
-              <a:rPr lang="en-IL" dirty="0"/>
-              <a:t> know how to create every component, and what parameters exactly should be used in the constructor.</a:t>
-            </a:r>
-          </a:p>
-          <a:p>
-            <a:pPr lvl="1"/>
-            <a:r>
-              <a:rPr lang="en-IL" dirty="0"/>
-              <a:t>If I want to create a computer with a new CPU, I should create another class for the Computer.</a:t>
-            </a:r>
-          </a:p>
-          <a:p>
-            <a:pPr lvl="1"/>
-            <a:r>
-              <a:rPr lang="en-IL" dirty="0"/>
-              <a:t>How will I test my class, how I will inject mocks there?</a:t>
-            </a:r>
-          </a:p>
-          <a:p>
-            <a:r>
-              <a:rPr lang="en-US" dirty="0"/>
-              <a:t>Poor polymorphism </a:t>
-            </a:r>
-            <a:endParaRPr lang="en-IL" dirty="0"/>
-          </a:p>
-          <a:p>
-            <a:pPr lvl="1"/>
-            <a:r>
-              <a:rPr lang="en-IL" dirty="0"/>
-              <a:t>Leads to implementation-based design.</a:t>
-            </a:r>
-          </a:p>
-        </p:txBody>
-      </p:sp>
-      <p:grpSp>
-        <p:nvGrpSpPr>
-          <p:cNvPr id="5" name="Group 4">
+              <a:rPr lang="en-IL" dirty="0">
+                <a:latin typeface="ATT Aleck Sans" panose="020B0503020203020204" pitchFamily="34" charset="0"/>
+                <a:cs typeface="ATT Aleck Sans" panose="020B0503020203020204" pitchFamily="34" charset="0"/>
+              </a:rPr>
+              <a:t> class uses the concrete </a:t>
+            </a:r>
+            <a:r>
+              <a:rPr lang="en-IL" dirty="0">
+                <a:solidFill>
+                  <a:srgbClr val="0000FF"/>
+                </a:solidFill>
+                <a:latin typeface="ATT Aleck Sans" panose="020B0503020203020204" pitchFamily="34" charset="0"/>
+                <a:cs typeface="ATT Aleck Sans" panose="020B0503020203020204" pitchFamily="34" charset="0"/>
+              </a:rPr>
+              <a:t>GraphicCardFactory</a:t>
+            </a:r>
+            <a:r>
+              <a:rPr lang="en-IL" dirty="0">
+                <a:latin typeface="ATT Aleck Sans" panose="020B0503020203020204" pitchFamily="34" charset="0"/>
+                <a:cs typeface="ATT Aleck Sans" panose="020B0503020203020204" pitchFamily="34" charset="0"/>
+              </a:rPr>
+              <a:t> class. So – we have not achieved fully loosely coupled classes.</a:t>
+            </a:r>
+          </a:p>
+        </p:txBody>
+      </p:sp>
+      <p:pic>
+        <p:nvPicPr>
+          <p:cNvPr id="7" name="Picture 6">
             <a:extLst>
               <a:ext uri="{FF2B5EF4-FFF2-40B4-BE49-F238E27FC236}">
-                <a16:creationId xmlns:a16="http://schemas.microsoft.com/office/drawing/2014/main" id="{6BFBEB69-9D5B-716E-5157-E5474F97C8BC}"/>
+                <a16:creationId xmlns:a16="http://schemas.microsoft.com/office/drawing/2014/main" id="{5B223714-654B-DCA8-8ABD-2C73E12D765C}"/>
               </a:ext>
             </a:extLst>
           </p:cNvPr>
-          <p:cNvGrpSpPr/>
+          <p:cNvPicPr>
+            <a:picLocks noChangeAspect="1"/>
+          </p:cNvPicPr>
           <p:nvPr/>
-        </p:nvGrpSpPr>
-        <p:grpSpPr>
-          <a:xfrm>
-            <a:off x="5827325" y="2160589"/>
-            <a:ext cx="3555214" cy="3880772"/>
-            <a:chOff x="850033" y="1469253"/>
-            <a:chExt cx="4763047" cy="4249695"/>
-          </a:xfrm>
-        </p:grpSpPr>
-        <p:sp>
-          <p:nvSpPr>
-            <p:cNvPr id="6" name="Rectangle: Rounded Corners 5">
-              <a:extLst>
-                <a:ext uri="{FF2B5EF4-FFF2-40B4-BE49-F238E27FC236}">
-                  <a16:creationId xmlns:a16="http://schemas.microsoft.com/office/drawing/2014/main" id="{61F49CF4-D34B-8A5E-0AE9-B41301A2C4B0}"/>
-                </a:ext>
-              </a:extLst>
-            </p:cNvPr>
-            <p:cNvSpPr/>
-            <p:nvPr/>
-          </p:nvSpPr>
-          <p:spPr>
-            <a:xfrm>
-              <a:off x="4311255" y="1469253"/>
-              <a:ext cx="1301825" cy="4249695"/>
-            </a:xfrm>
-            <a:prstGeom prst="roundRect">
-              <a:avLst>
-                <a:gd name="adj" fmla="val 32052"/>
-              </a:avLst>
-            </a:prstGeom>
-            <a:solidFill>
-              <a:srgbClr val="0070C0"/>
-            </a:solidFill>
-            <a:ln w="19050">
-              <a:solidFill>
-                <a:schemeClr val="tx1"/>
-              </a:solidFill>
-            </a:ln>
-          </p:spPr>
-          <p:style>
-            <a:lnRef idx="2">
-              <a:schemeClr val="accent1">
-                <a:shade val="50000"/>
-              </a:schemeClr>
-            </a:lnRef>
-            <a:fillRef idx="1">
-              <a:schemeClr val="accent1"/>
-            </a:fillRef>
-            <a:effectRef idx="0">
-              <a:schemeClr val="accent1"/>
-            </a:effectRef>
-            <a:fontRef idx="minor">
-              <a:schemeClr val="lt1"/>
-            </a:fontRef>
-          </p:style>
-          <p:txBody>
-            <a:bodyPr rtlCol="1" anchor="ctr"/>
-            <a:lstStyle/>
-            <a:p>
-              <a:pPr algn="ctr"/>
-              <a:endParaRPr lang="he-IL" sz="2400" dirty="0"/>
-            </a:p>
-          </p:txBody>
-        </p:sp>
-        <p:sp>
-          <p:nvSpPr>
-            <p:cNvPr id="7" name="Rectangle: Rounded Corners 6">
-              <a:extLst>
-                <a:ext uri="{FF2B5EF4-FFF2-40B4-BE49-F238E27FC236}">
-                  <a16:creationId xmlns:a16="http://schemas.microsoft.com/office/drawing/2014/main" id="{21312240-CC77-75E9-CB5F-937461B6AF46}"/>
-                </a:ext>
-              </a:extLst>
-            </p:cNvPr>
-            <p:cNvSpPr/>
-            <p:nvPr/>
-          </p:nvSpPr>
-          <p:spPr>
-            <a:xfrm>
-              <a:off x="979179" y="1472538"/>
-              <a:ext cx="2108300" cy="1016306"/>
-            </a:xfrm>
-            <a:prstGeom prst="roundRect">
-              <a:avLst>
-                <a:gd name="adj" fmla="val 32052"/>
-              </a:avLst>
-            </a:prstGeom>
-            <a:solidFill>
-              <a:srgbClr val="0070C0"/>
-            </a:solidFill>
-            <a:ln w="19050">
-              <a:solidFill>
-                <a:schemeClr val="tx1"/>
-              </a:solidFill>
-            </a:ln>
-          </p:spPr>
-          <p:style>
-            <a:lnRef idx="2">
-              <a:schemeClr val="accent1">
-                <a:shade val="50000"/>
-              </a:schemeClr>
-            </a:lnRef>
-            <a:fillRef idx="1">
-              <a:schemeClr val="accent1"/>
-            </a:fillRef>
-            <a:effectRef idx="0">
-              <a:schemeClr val="accent1"/>
-            </a:effectRef>
-            <a:fontRef idx="minor">
-              <a:schemeClr val="lt1"/>
-            </a:fontRef>
-          </p:style>
-          <p:txBody>
-            <a:bodyPr rtlCol="1" anchor="ctr"/>
-            <a:lstStyle/>
-            <a:p>
-              <a:pPr algn="ctr"/>
-              <a:r>
-                <a:rPr lang="en-US" sz="2800" dirty="0"/>
-                <a:t>CPU</a:t>
-              </a:r>
-              <a:endParaRPr lang="he-IL" sz="2800" dirty="0"/>
-            </a:p>
-          </p:txBody>
-        </p:sp>
-        <p:sp>
-          <p:nvSpPr>
-            <p:cNvPr id="8" name="Rectangle: Rounded Corners 7">
-              <a:extLst>
-                <a:ext uri="{FF2B5EF4-FFF2-40B4-BE49-F238E27FC236}">
-                  <a16:creationId xmlns:a16="http://schemas.microsoft.com/office/drawing/2014/main" id="{88F5E2A2-952A-93CB-5C3B-9E465B0EA2EA}"/>
-                </a:ext>
-              </a:extLst>
-            </p:cNvPr>
-            <p:cNvSpPr/>
-            <p:nvPr/>
-          </p:nvSpPr>
-          <p:spPr>
-            <a:xfrm>
-              <a:off x="1590249" y="2771288"/>
-              <a:ext cx="1918770" cy="638002"/>
-            </a:xfrm>
-            <a:prstGeom prst="roundRect">
-              <a:avLst>
-                <a:gd name="adj" fmla="val 32052"/>
-              </a:avLst>
-            </a:prstGeom>
-            <a:solidFill>
-              <a:srgbClr val="0070C0"/>
-            </a:solidFill>
-            <a:ln w="19050">
-              <a:solidFill>
-                <a:schemeClr val="tx1"/>
-              </a:solidFill>
-            </a:ln>
-          </p:spPr>
-          <p:style>
-            <a:lnRef idx="2">
-              <a:schemeClr val="accent1">
-                <a:shade val="50000"/>
-              </a:schemeClr>
-            </a:lnRef>
-            <a:fillRef idx="1">
-              <a:schemeClr val="accent1"/>
-            </a:fillRef>
-            <a:effectRef idx="0">
-              <a:schemeClr val="accent1"/>
-            </a:effectRef>
-            <a:fontRef idx="minor">
-              <a:schemeClr val="lt1"/>
-            </a:fontRef>
-          </p:style>
-          <p:txBody>
-            <a:bodyPr rtlCol="1" anchor="ctr"/>
-            <a:lstStyle/>
-            <a:p>
-              <a:pPr algn="ctr"/>
-              <a:r>
-                <a:rPr lang="en-US" sz="2800" dirty="0"/>
-                <a:t>Wheel</a:t>
-              </a:r>
-              <a:endParaRPr lang="he-IL" sz="2800" dirty="0"/>
-            </a:p>
-          </p:txBody>
-        </p:sp>
-        <p:sp>
-          <p:nvSpPr>
-            <p:cNvPr id="9" name="Rectangle: Rounded Corners 8">
-              <a:extLst>
-                <a:ext uri="{FF2B5EF4-FFF2-40B4-BE49-F238E27FC236}">
-                  <a16:creationId xmlns:a16="http://schemas.microsoft.com/office/drawing/2014/main" id="{863BE011-6B1E-5F19-F030-4162D5634C43}"/>
-                </a:ext>
-              </a:extLst>
-            </p:cNvPr>
-            <p:cNvSpPr/>
-            <p:nvPr/>
-          </p:nvSpPr>
-          <p:spPr>
-            <a:xfrm>
-              <a:off x="1335798" y="2904180"/>
-              <a:ext cx="1918770" cy="638002"/>
-            </a:xfrm>
-            <a:prstGeom prst="roundRect">
-              <a:avLst>
-                <a:gd name="adj" fmla="val 32052"/>
-              </a:avLst>
-            </a:prstGeom>
-            <a:solidFill>
-              <a:srgbClr val="0070C0"/>
-            </a:solidFill>
-            <a:ln w="19050">
-              <a:solidFill>
-                <a:schemeClr val="tx1"/>
-              </a:solidFill>
-            </a:ln>
-          </p:spPr>
-          <p:style>
-            <a:lnRef idx="2">
-              <a:schemeClr val="accent1">
-                <a:shade val="50000"/>
-              </a:schemeClr>
-            </a:lnRef>
-            <a:fillRef idx="1">
-              <a:schemeClr val="accent1"/>
-            </a:fillRef>
-            <a:effectRef idx="0">
-              <a:schemeClr val="accent1"/>
-            </a:effectRef>
-            <a:fontRef idx="minor">
-              <a:schemeClr val="lt1"/>
-            </a:fontRef>
-          </p:style>
-          <p:txBody>
-            <a:bodyPr rtlCol="1" anchor="ctr"/>
-            <a:lstStyle/>
-            <a:p>
-              <a:pPr algn="ctr"/>
-              <a:r>
-                <a:rPr lang="en-US" sz="2800" dirty="0"/>
-                <a:t>Wheel</a:t>
-              </a:r>
-              <a:endParaRPr lang="he-IL" sz="2800" dirty="0"/>
-            </a:p>
-          </p:txBody>
-        </p:sp>
-        <p:sp>
-          <p:nvSpPr>
-            <p:cNvPr id="10" name="Rectangle: Rounded Corners 9">
-              <a:extLst>
-                <a:ext uri="{FF2B5EF4-FFF2-40B4-BE49-F238E27FC236}">
-                  <a16:creationId xmlns:a16="http://schemas.microsoft.com/office/drawing/2014/main" id="{F8172A5E-7424-4EDE-32A7-3626D86CCE46}"/>
-                </a:ext>
-              </a:extLst>
-            </p:cNvPr>
-            <p:cNvSpPr/>
-            <p:nvPr/>
-          </p:nvSpPr>
-          <p:spPr>
-            <a:xfrm>
-              <a:off x="1139746" y="3070781"/>
-              <a:ext cx="1918770" cy="638002"/>
-            </a:xfrm>
-            <a:prstGeom prst="roundRect">
-              <a:avLst>
-                <a:gd name="adj" fmla="val 32052"/>
-              </a:avLst>
-            </a:prstGeom>
-            <a:solidFill>
-              <a:srgbClr val="0070C0"/>
-            </a:solidFill>
-            <a:ln w="19050">
-              <a:solidFill>
-                <a:schemeClr val="tx1"/>
-              </a:solidFill>
-            </a:ln>
-          </p:spPr>
-          <p:style>
-            <a:lnRef idx="2">
-              <a:schemeClr val="accent1">
-                <a:shade val="50000"/>
-              </a:schemeClr>
-            </a:lnRef>
-            <a:fillRef idx="1">
-              <a:schemeClr val="accent1"/>
-            </a:fillRef>
-            <a:effectRef idx="0">
-              <a:schemeClr val="accent1"/>
-            </a:effectRef>
-            <a:fontRef idx="minor">
-              <a:schemeClr val="lt1"/>
-            </a:fontRef>
-          </p:style>
-          <p:txBody>
-            <a:bodyPr rtlCol="1" anchor="ctr"/>
-            <a:lstStyle/>
-            <a:p>
-              <a:pPr algn="ctr"/>
-              <a:r>
-                <a:rPr lang="en-US" sz="2800" dirty="0"/>
-                <a:t>Wheel</a:t>
-              </a:r>
-              <a:endParaRPr lang="he-IL" sz="2800" dirty="0"/>
-            </a:p>
-          </p:txBody>
-        </p:sp>
-        <p:sp>
-          <p:nvSpPr>
-            <p:cNvPr id="11" name="Rectangle: Rounded Corners 10">
-              <a:extLst>
-                <a:ext uri="{FF2B5EF4-FFF2-40B4-BE49-F238E27FC236}">
-                  <a16:creationId xmlns:a16="http://schemas.microsoft.com/office/drawing/2014/main" id="{3D01389F-75EA-DD1B-E90F-292398313EEE}"/>
-                </a:ext>
-              </a:extLst>
-            </p:cNvPr>
-            <p:cNvSpPr/>
-            <p:nvPr/>
-          </p:nvSpPr>
-          <p:spPr>
-            <a:xfrm>
-              <a:off x="850033" y="3208980"/>
-              <a:ext cx="1918770" cy="638002"/>
-            </a:xfrm>
-            <a:prstGeom prst="roundRect">
-              <a:avLst>
-                <a:gd name="adj" fmla="val 32052"/>
-              </a:avLst>
-            </a:prstGeom>
-            <a:solidFill>
-              <a:srgbClr val="0070C0"/>
-            </a:solidFill>
-            <a:ln w="19050">
-              <a:solidFill>
-                <a:schemeClr val="tx1"/>
-              </a:solidFill>
-            </a:ln>
-          </p:spPr>
-          <p:style>
-            <a:lnRef idx="2">
-              <a:schemeClr val="accent1">
-                <a:shade val="50000"/>
-              </a:schemeClr>
-            </a:lnRef>
-            <a:fillRef idx="1">
-              <a:schemeClr val="accent1"/>
-            </a:fillRef>
-            <a:effectRef idx="0">
-              <a:schemeClr val="accent1"/>
-            </a:effectRef>
-            <a:fontRef idx="minor">
-              <a:schemeClr val="lt1"/>
-            </a:fontRef>
-          </p:style>
-          <p:txBody>
-            <a:bodyPr rtlCol="1" anchor="ctr"/>
-            <a:lstStyle/>
-            <a:p>
-              <a:pPr algn="ctr"/>
-              <a:r>
-                <a:rPr lang="en-US" sz="2000" dirty="0"/>
-                <a:t>Coolers</a:t>
-              </a:r>
-              <a:endParaRPr lang="he-IL" sz="2000" dirty="0"/>
-            </a:p>
-          </p:txBody>
-        </p:sp>
-        <p:sp>
-          <p:nvSpPr>
-            <p:cNvPr id="12" name="Rectangle: Rounded Corners 11">
-              <a:extLst>
-                <a:ext uri="{FF2B5EF4-FFF2-40B4-BE49-F238E27FC236}">
-                  <a16:creationId xmlns:a16="http://schemas.microsoft.com/office/drawing/2014/main" id="{59DB1157-DC22-D206-1167-1AACB4C5EB75}"/>
-                </a:ext>
-              </a:extLst>
-            </p:cNvPr>
-            <p:cNvSpPr/>
-            <p:nvPr/>
-          </p:nvSpPr>
-          <p:spPr>
-            <a:xfrm>
-              <a:off x="1080573" y="4084364"/>
-              <a:ext cx="2352101" cy="733646"/>
-            </a:xfrm>
-            <a:prstGeom prst="roundRect">
-              <a:avLst>
-                <a:gd name="adj" fmla="val 32052"/>
-              </a:avLst>
-            </a:prstGeom>
-            <a:solidFill>
-              <a:srgbClr val="0070C0"/>
-            </a:solidFill>
-            <a:ln w="19050">
-              <a:solidFill>
-                <a:schemeClr val="tx1"/>
-              </a:solidFill>
-            </a:ln>
-          </p:spPr>
-          <p:style>
-            <a:lnRef idx="2">
-              <a:schemeClr val="accent1">
-                <a:shade val="50000"/>
-              </a:schemeClr>
-            </a:lnRef>
-            <a:fillRef idx="1">
-              <a:schemeClr val="accent1"/>
-            </a:fillRef>
-            <a:effectRef idx="0">
-              <a:schemeClr val="accent1"/>
-            </a:effectRef>
-            <a:fontRef idx="minor">
-              <a:schemeClr val="lt1"/>
-            </a:fontRef>
-          </p:style>
-          <p:txBody>
-            <a:bodyPr rtlCol="1" anchor="ctr"/>
-            <a:lstStyle/>
-            <a:p>
-              <a:pPr algn="ctr"/>
-              <a:r>
-                <a:rPr lang="en-US" sz="2000" dirty="0"/>
-                <a:t>GPU</a:t>
-              </a:r>
-              <a:endParaRPr lang="he-IL" sz="2000" dirty="0"/>
-            </a:p>
-          </p:txBody>
-        </p:sp>
-        <p:sp>
-          <p:nvSpPr>
-            <p:cNvPr id="13" name="Rectangle: Rounded Corners 12">
-              <a:extLst>
-                <a:ext uri="{FF2B5EF4-FFF2-40B4-BE49-F238E27FC236}">
-                  <a16:creationId xmlns:a16="http://schemas.microsoft.com/office/drawing/2014/main" id="{B23F71E6-7D70-555D-459C-2F77C8DD2259}"/>
-                </a:ext>
-              </a:extLst>
-            </p:cNvPr>
-            <p:cNvSpPr/>
-            <p:nvPr/>
-          </p:nvSpPr>
-          <p:spPr>
-            <a:xfrm>
-              <a:off x="1080572" y="4985302"/>
-              <a:ext cx="2352101" cy="733646"/>
-            </a:xfrm>
-            <a:prstGeom prst="roundRect">
-              <a:avLst>
-                <a:gd name="adj" fmla="val 32052"/>
-              </a:avLst>
-            </a:prstGeom>
-            <a:solidFill>
-              <a:srgbClr val="0070C0"/>
-            </a:solidFill>
-            <a:ln w="19050">
-              <a:solidFill>
-                <a:schemeClr val="tx1"/>
-              </a:solidFill>
-            </a:ln>
-          </p:spPr>
-          <p:style>
-            <a:lnRef idx="2">
-              <a:schemeClr val="accent1">
-                <a:shade val="50000"/>
-              </a:schemeClr>
-            </a:lnRef>
-            <a:fillRef idx="1">
-              <a:schemeClr val="accent1"/>
-            </a:fillRef>
-            <a:effectRef idx="0">
-              <a:schemeClr val="accent1"/>
-            </a:effectRef>
-            <a:fontRef idx="minor">
-              <a:schemeClr val="lt1"/>
-            </a:fontRef>
-          </p:style>
-          <p:txBody>
-            <a:bodyPr rtlCol="1" anchor="ctr"/>
-            <a:lstStyle/>
-            <a:p>
-              <a:pPr algn="ctr"/>
-              <a:r>
-                <a:rPr lang="en-US" sz="3600" dirty="0"/>
-                <a:t>…</a:t>
-              </a:r>
-              <a:endParaRPr lang="he-IL" sz="3600" dirty="0"/>
-            </a:p>
-          </p:txBody>
-        </p:sp>
-        <p:cxnSp>
-          <p:nvCxnSpPr>
-            <p:cNvPr id="14" name="Straight Arrow Connector 13">
-              <a:extLst>
-                <a:ext uri="{FF2B5EF4-FFF2-40B4-BE49-F238E27FC236}">
-                  <a16:creationId xmlns:a16="http://schemas.microsoft.com/office/drawing/2014/main" id="{28DF0133-F036-5C72-8BE1-3AE25600173E}"/>
-                </a:ext>
-              </a:extLst>
-            </p:cNvPr>
-            <p:cNvCxnSpPr>
-              <a:cxnSpLocks/>
-              <a:stCxn id="6" idx="1"/>
-              <a:endCxn id="7" idx="3"/>
-            </p:cNvCxnSpPr>
-            <p:nvPr/>
-          </p:nvCxnSpPr>
-          <p:spPr>
-            <a:xfrm flipH="1" flipV="1">
-              <a:off x="3087480" y="1980692"/>
-              <a:ext cx="1223775" cy="1613409"/>
-            </a:xfrm>
-            <a:prstGeom prst="straightConnector1">
-              <a:avLst/>
-            </a:prstGeom>
-            <a:ln w="28575">
-              <a:solidFill>
-                <a:srgbClr val="008E40"/>
-              </a:solidFill>
-              <a:tailEnd type="triangle"/>
-            </a:ln>
-          </p:spPr>
-          <p:style>
-            <a:lnRef idx="1">
-              <a:schemeClr val="accent1"/>
-            </a:lnRef>
-            <a:fillRef idx="0">
-              <a:schemeClr val="accent1"/>
-            </a:fillRef>
-            <a:effectRef idx="0">
-              <a:schemeClr val="accent1"/>
-            </a:effectRef>
-            <a:fontRef idx="minor">
-              <a:schemeClr val="tx1"/>
-            </a:fontRef>
-          </p:style>
-        </p:cxnSp>
-        <p:cxnSp>
-          <p:nvCxnSpPr>
-            <p:cNvPr id="15" name="Straight Arrow Connector 14">
-              <a:extLst>
-                <a:ext uri="{FF2B5EF4-FFF2-40B4-BE49-F238E27FC236}">
-                  <a16:creationId xmlns:a16="http://schemas.microsoft.com/office/drawing/2014/main" id="{39DA42B8-E581-746A-E6B0-25E8CCF9F91B}"/>
-                </a:ext>
-              </a:extLst>
-            </p:cNvPr>
-            <p:cNvCxnSpPr>
-              <a:cxnSpLocks/>
-              <a:stCxn id="6" idx="1"/>
-              <a:endCxn id="8" idx="3"/>
-            </p:cNvCxnSpPr>
-            <p:nvPr/>
-          </p:nvCxnSpPr>
-          <p:spPr>
-            <a:xfrm flipH="1" flipV="1">
-              <a:off x="3509019" y="3090289"/>
-              <a:ext cx="802236" cy="503812"/>
-            </a:xfrm>
-            <a:prstGeom prst="straightConnector1">
-              <a:avLst/>
-            </a:prstGeom>
-            <a:ln w="28575">
-              <a:solidFill>
-                <a:srgbClr val="008E40"/>
-              </a:solidFill>
-              <a:tailEnd type="triangle"/>
-            </a:ln>
-          </p:spPr>
-          <p:style>
-            <a:lnRef idx="1">
-              <a:schemeClr val="accent1"/>
-            </a:lnRef>
-            <a:fillRef idx="0">
-              <a:schemeClr val="accent1"/>
-            </a:fillRef>
-            <a:effectRef idx="0">
-              <a:schemeClr val="accent1"/>
-            </a:effectRef>
-            <a:fontRef idx="minor">
-              <a:schemeClr val="tx1"/>
-            </a:fontRef>
-          </p:style>
-        </p:cxnSp>
-        <p:cxnSp>
-          <p:nvCxnSpPr>
-            <p:cNvPr id="16" name="Straight Arrow Connector 15">
-              <a:extLst>
-                <a:ext uri="{FF2B5EF4-FFF2-40B4-BE49-F238E27FC236}">
-                  <a16:creationId xmlns:a16="http://schemas.microsoft.com/office/drawing/2014/main" id="{014992ED-A64A-06AA-48F9-6949BAD198C0}"/>
-                </a:ext>
-              </a:extLst>
-            </p:cNvPr>
-            <p:cNvCxnSpPr>
-              <a:cxnSpLocks/>
-              <a:stCxn id="6" idx="1"/>
-              <a:endCxn id="12" idx="3"/>
-            </p:cNvCxnSpPr>
-            <p:nvPr/>
-          </p:nvCxnSpPr>
-          <p:spPr>
-            <a:xfrm flipH="1">
-              <a:off x="3432674" y="3594101"/>
-              <a:ext cx="878581" cy="857086"/>
-            </a:xfrm>
-            <a:prstGeom prst="straightConnector1">
-              <a:avLst/>
-            </a:prstGeom>
-            <a:ln w="28575">
-              <a:solidFill>
-                <a:srgbClr val="008E40"/>
-              </a:solidFill>
-              <a:tailEnd type="triangle"/>
-            </a:ln>
-          </p:spPr>
-          <p:style>
-            <a:lnRef idx="1">
-              <a:schemeClr val="accent1"/>
-            </a:lnRef>
-            <a:fillRef idx="0">
-              <a:schemeClr val="accent1"/>
-            </a:fillRef>
-            <a:effectRef idx="0">
-              <a:schemeClr val="accent1"/>
-            </a:effectRef>
-            <a:fontRef idx="minor">
-              <a:schemeClr val="tx1"/>
-            </a:fontRef>
-          </p:style>
-        </p:cxnSp>
-        <p:cxnSp>
-          <p:nvCxnSpPr>
-            <p:cNvPr id="17" name="Straight Arrow Connector 16">
-              <a:extLst>
-                <a:ext uri="{FF2B5EF4-FFF2-40B4-BE49-F238E27FC236}">
-                  <a16:creationId xmlns:a16="http://schemas.microsoft.com/office/drawing/2014/main" id="{E5F221EA-00FB-CCAA-1C1D-9F41F590E283}"/>
-                </a:ext>
-              </a:extLst>
-            </p:cNvPr>
-            <p:cNvCxnSpPr>
-              <a:cxnSpLocks/>
-              <a:stCxn id="6" idx="1"/>
-              <a:endCxn id="13" idx="3"/>
-            </p:cNvCxnSpPr>
-            <p:nvPr/>
-          </p:nvCxnSpPr>
-          <p:spPr>
-            <a:xfrm flipH="1">
-              <a:off x="3432673" y="3594101"/>
-              <a:ext cx="878582" cy="1758024"/>
-            </a:xfrm>
-            <a:prstGeom prst="straightConnector1">
-              <a:avLst/>
-            </a:prstGeom>
-            <a:ln w="28575">
-              <a:solidFill>
-                <a:srgbClr val="008E40"/>
-              </a:solidFill>
-              <a:tailEnd type="triangle"/>
-            </a:ln>
-          </p:spPr>
-          <p:style>
-            <a:lnRef idx="1">
-              <a:schemeClr val="accent1"/>
-            </a:lnRef>
-            <a:fillRef idx="0">
-              <a:schemeClr val="accent1"/>
-            </a:fillRef>
-            <a:effectRef idx="0">
-              <a:schemeClr val="accent1"/>
-            </a:effectRef>
-            <a:fontRef idx="minor">
-              <a:schemeClr val="tx1"/>
-            </a:fontRef>
-          </p:style>
-        </p:cxnSp>
-      </p:grpSp>
-      <p:sp>
-        <p:nvSpPr>
-          <p:cNvPr id="4" name="TextBox 3">
-            <a:extLst>
-              <a:ext uri="{FF2B5EF4-FFF2-40B4-BE49-F238E27FC236}">
-                <a16:creationId xmlns:a16="http://schemas.microsoft.com/office/drawing/2014/main" id="{3A901AEA-0B94-793E-D68C-AE5C1166D890}"/>
-              </a:ext>
-            </a:extLst>
-          </p:cNvPr>
-          <p:cNvSpPr txBox="1"/>
-          <p:nvPr/>
-        </p:nvSpPr>
+        </p:nvPicPr>
+        <p:blipFill>
+          <a:blip r:embed="rId2"/>
+          <a:stretch>
+            <a:fillRect/>
+          </a:stretch>
+        </p:blipFill>
         <p:spPr>
           <a:xfrm>
-            <a:off x="8690114" y="2497575"/>
-            <a:ext cx="376509" cy="3323987"/>
+            <a:off x="664779" y="1300951"/>
+            <a:ext cx="7772400" cy="4087932"/>
           </a:xfrm>
           <a:prstGeom prst="rect">
             <a:avLst/>
           </a:prstGeom>
-          <a:noFill/>
         </p:spPr>
-        <p:txBody>
-          <a:bodyPr wrap="square" rtlCol="0">
-            <a:spAutoFit/>
-          </a:bodyPr>
-          <a:lstStyle/>
-          <a:p>
-            <a:r>
-              <a:rPr lang="en-US" sz="2400" dirty="0">
-                <a:solidFill>
-                  <a:schemeClr val="bg1"/>
-                </a:solidFill>
-              </a:rPr>
-              <a:t>Computer</a:t>
-            </a:r>
-            <a:endParaRPr lang="he-IL" sz="2400" dirty="0">
-              <a:solidFill>
-                <a:schemeClr val="bg1"/>
-              </a:solidFill>
-            </a:endParaRPr>
-          </a:p>
-          <a:p>
-            <a:endParaRPr lang="en-IL" dirty="0"/>
-          </a:p>
-        </p:txBody>
-      </p:sp>
+      </p:pic>
     </p:spTree>
     <p:extLst>
       <p:ext uri="{BB962C8B-B14F-4D97-AF65-F5344CB8AC3E}">
-        <p14:creationId xmlns:p14="http://schemas.microsoft.com/office/powerpoint/2010/main" val="4238028326"/>
+        <p14:creationId xmlns:p14="http://schemas.microsoft.com/office/powerpoint/2010/main" val="2009022079"/>
       </p:ext>
     </p:extLst>
   </p:cSld>
@@ -8554,6 +7276,14 @@
 <file path=ppt/slides/slide12.xml><?xml version="1.0" encoding="utf-8"?>
 <p:sld xmlns:a="http://schemas.openxmlformats.org/drawingml/2006/main" xmlns:r="http://schemas.openxmlformats.org/officeDocument/2006/relationships" xmlns:p="http://schemas.openxmlformats.org/presentationml/2006/main">
   <p:cSld>
+    <p:bg>
+      <p:bgPr>
+        <a:solidFill>
+          <a:schemeClr val="bg2"/>
+        </a:solidFill>
+        <a:effectLst/>
+      </p:bgPr>
+    </p:bg>
     <p:spTree>
       <p:nvGrpSpPr>
         <p:cNvPr id="1" name=""/>
@@ -8573,7 +7303,7 @@
           <p:cNvPr id="2" name="Title 1">
             <a:extLst>
               <a:ext uri="{FF2B5EF4-FFF2-40B4-BE49-F238E27FC236}">
-                <a16:creationId xmlns:a16="http://schemas.microsoft.com/office/drawing/2014/main" id="{CB5E4EF4-4CDB-B5BC-9E3C-1E76189F1E16}"/>
+                <a16:creationId xmlns:a16="http://schemas.microsoft.com/office/drawing/2014/main" id="{12806AFD-C30A-821E-A6B9-462C7DA9B866}"/>
               </a:ext>
             </a:extLst>
           </p:cNvPr>
@@ -8586,20 +7316,17 @@
         </p:nvSpPr>
         <p:spPr/>
         <p:txBody>
-          <a:bodyPr/>
-          <a:lstStyle/>
-          <a:p>
-            <a:r>
-              <a:rPr lang="en-IL" dirty="0"/>
-              <a:t>IoC with the </a:t>
-            </a:r>
-            <a:r>
-              <a:rPr lang="en-IL" i="1" dirty="0"/>
-              <a:t>Factory</a:t>
-            </a:r>
-            <a:r>
-              <a:rPr lang="en-IL" dirty="0"/>
-              <a:t> pattern</a:t>
+          <a:bodyPr>
+            <a:normAutofit/>
+          </a:bodyPr>
+          <a:lstStyle/>
+          <a:p>
+            <a:r>
+              <a:rPr lang="en-IL" b="1" dirty="0">
+                <a:latin typeface="ATT Aleck Sans" panose="020B0503020203020204" pitchFamily="34" charset="0"/>
+                <a:cs typeface="ATT Aleck Sans" panose="020B0503020203020204" pitchFamily="34" charset="0"/>
+              </a:rPr>
+              <a:t>Dependency Injection</a:t>
             </a:r>
           </a:p>
         </p:txBody>
@@ -8609,7 +7336,7 @@
           <p:cNvPr id="3" name="Content Placeholder 2">
             <a:extLst>
               <a:ext uri="{FF2B5EF4-FFF2-40B4-BE49-F238E27FC236}">
-                <a16:creationId xmlns:a16="http://schemas.microsoft.com/office/drawing/2014/main" id="{616857E6-D6C9-F7A4-26CE-2CB878A3A002}"/>
+                <a16:creationId xmlns:a16="http://schemas.microsoft.com/office/drawing/2014/main" id="{0C5ECF89-653D-AB01-9A55-75A538E9C56F}"/>
               </a:ext>
             </a:extLst>
           </p:cNvPr>
@@ -8617,25 +7344,14 @@
             <a:spLocks noGrp="1"/>
           </p:cNvSpPr>
           <p:nvPr>
-            <p:ph sz="half" idx="1"/>
+            <p:ph idx="1"/>
           </p:nvPr>
         </p:nvSpPr>
         <p:spPr>
           <a:xfrm>
-            <a:off x="677334" y="1539089"/>
-            <a:ext cx="5687252" cy="4502272"/>
+            <a:off x="698355" y="1424865"/>
+            <a:ext cx="8596668" cy="3880773"/>
           </a:xfrm>
-          <a:solidFill>
-            <a:schemeClr val="tx2">
-              <a:lumMod val="20000"/>
-              <a:lumOff val="80000"/>
-            </a:schemeClr>
-          </a:solidFill>
-          <a:ln>
-            <a:solidFill>
-              <a:schemeClr val="accent1"/>
-            </a:solidFill>
-          </a:ln>
         </p:spPr>
         <p:txBody>
           <a:bodyPr>
@@ -8644,683 +7360,43 @@
           <a:lstStyle/>
           <a:p>
             <a:pPr marL="0" indent="0">
+              <a:lnSpc>
+                <a:spcPct val="150000"/>
+              </a:lnSpc>
               <a:buNone/>
             </a:pPr>
             <a:r>
-              <a:rPr lang="en-US" sz="1500" dirty="0">
-                <a:solidFill>
-                  <a:srgbClr val="0070C0"/>
-                </a:solidFill>
-                <a:latin typeface="Courier New" panose="02070309020205020404" pitchFamily="49" charset="0"/>
-                <a:cs typeface="Courier New" panose="02070309020205020404" pitchFamily="49" charset="0"/>
+              <a:rPr lang="en-US" sz="2400" dirty="0">
+                <a:latin typeface="ATT Aleck Sans" panose="020B0503020203020204" pitchFamily="34" charset="0"/>
+                <a:cs typeface="ATT Aleck Sans" panose="020B0503020203020204" pitchFamily="34" charset="0"/>
               </a:rPr>
-              <a:t>class</a:t>
-            </a:r>
-            <a:r>
-              <a:rPr lang="en-US" sz="1500" dirty="0">
-                <a:solidFill>
-                  <a:schemeClr val="tx1"/>
-                </a:solidFill>
-                <a:latin typeface="Courier New" panose="02070309020205020404" pitchFamily="49" charset="0"/>
-                <a:cs typeface="Courier New" panose="02070309020205020404" pitchFamily="49" charset="0"/>
-              </a:rPr>
-              <a:t> </a:t>
-            </a:r>
-            <a:r>
-              <a:rPr lang="en-US" sz="1500" dirty="0" err="1">
-                <a:solidFill>
-                  <a:schemeClr val="tx1"/>
-                </a:solidFill>
-                <a:latin typeface="Courier New" panose="02070309020205020404" pitchFamily="49" charset="0"/>
-                <a:cs typeface="Courier New" panose="02070309020205020404" pitchFamily="49" charset="0"/>
-              </a:rPr>
-              <a:t>GraphicsCardFactory</a:t>
+              <a:t>A design pattern used to implement IoC. </a:t>
             </a:r>
             <a:br>
-              <a:rPr lang="en-US" sz="1500" dirty="0">
-                <a:solidFill>
-                  <a:schemeClr val="tx1"/>
-                </a:solidFill>
-                <a:latin typeface="Courier New" panose="02070309020205020404" pitchFamily="49" charset="0"/>
-                <a:cs typeface="Courier New" panose="02070309020205020404" pitchFamily="49" charset="0"/>
+              <a:rPr lang="en-US" sz="2400" dirty="0">
+                <a:latin typeface="ATT Aleck Sans" panose="020B0503020203020204" pitchFamily="34" charset="0"/>
+                <a:cs typeface="ATT Aleck Sans" panose="020B0503020203020204" pitchFamily="34" charset="0"/>
               </a:rPr>
             </a:br>
             <a:r>
-              <a:rPr lang="en-US" sz="1600" dirty="0">
-                <a:solidFill>
-                  <a:schemeClr val="tx1"/>
-                </a:solidFill>
-                <a:latin typeface="Courier New" panose="02070309020205020404" pitchFamily="49" charset="0"/>
-                <a:cs typeface="Courier New" panose="02070309020205020404" pitchFamily="49" charset="0"/>
+              <a:rPr lang="en-US" sz="2400" dirty="0">
+                <a:latin typeface="ATT Aleck Sans" panose="020B0503020203020204" pitchFamily="34" charset="0"/>
+                <a:cs typeface="ATT Aleck Sans" panose="020B0503020203020204" pitchFamily="34" charset="0"/>
               </a:rPr>
-              <a:t>{</a:t>
+              <a:t>It allows the creation and binding of dependent objects outside of a class and provides those objects to the class through different ways.</a:t>
             </a:r>
             <a:br>
-              <a:rPr lang="en-US" sz="1600" dirty="0">
-                <a:solidFill>
-                  <a:schemeClr val="tx1"/>
-                </a:solidFill>
-                <a:latin typeface="Courier New" panose="02070309020205020404" pitchFamily="49" charset="0"/>
-                <a:cs typeface="Courier New" panose="02070309020205020404" pitchFamily="49" charset="0"/>
+              <a:rPr lang="en-US" sz="2400" dirty="0">
+                <a:latin typeface="ATT Aleck Sans" panose="020B0503020203020204" pitchFamily="34" charset="0"/>
+                <a:cs typeface="ATT Aleck Sans" panose="020B0503020203020204" pitchFamily="34" charset="0"/>
               </a:rPr>
             </a:br>
             <a:r>
-              <a:rPr lang="en-US" sz="1600" dirty="0">
-                <a:solidFill>
-                  <a:schemeClr val="tx1"/>
-                </a:solidFill>
-                <a:latin typeface="Courier New" panose="02070309020205020404" pitchFamily="49" charset="0"/>
-                <a:cs typeface="Courier New" panose="02070309020205020404" pitchFamily="49" charset="0"/>
+              <a:rPr lang="en-US" sz="2400" dirty="0">
+                <a:latin typeface="ATT Aleck Sans" panose="020B0503020203020204" pitchFamily="34" charset="0"/>
+                <a:cs typeface="ATT Aleck Sans" panose="020B0503020203020204" pitchFamily="34" charset="0"/>
               </a:rPr>
-              <a:t>    </a:t>
-            </a:r>
-            <a:r>
-              <a:rPr lang="en-US" sz="1600" dirty="0">
-                <a:solidFill>
-                  <a:srgbClr val="0070C0"/>
-                </a:solidFill>
-                <a:latin typeface="Courier New" panose="02070309020205020404" pitchFamily="49" charset="0"/>
-                <a:cs typeface="Courier New" panose="02070309020205020404" pitchFamily="49" charset="0"/>
-              </a:rPr>
-              <a:t>public</a:t>
-            </a:r>
-            <a:r>
-              <a:rPr lang="en-US" sz="1600" dirty="0">
-                <a:solidFill>
-                  <a:schemeClr val="tx1"/>
-                </a:solidFill>
-                <a:latin typeface="Courier New" panose="02070309020205020404" pitchFamily="49" charset="0"/>
-                <a:cs typeface="Courier New" panose="02070309020205020404" pitchFamily="49" charset="0"/>
-              </a:rPr>
-              <a:t> </a:t>
-            </a:r>
-            <a:r>
-              <a:rPr lang="en-US" sz="1600" dirty="0">
-                <a:solidFill>
-                  <a:srgbClr val="0070C0"/>
-                </a:solidFill>
-                <a:latin typeface="Courier New" panose="02070309020205020404" pitchFamily="49" charset="0"/>
-                <a:cs typeface="Courier New" panose="02070309020205020404" pitchFamily="49" charset="0"/>
-              </a:rPr>
-              <a:t>static</a:t>
-            </a:r>
-            <a:r>
-              <a:rPr lang="en-US" sz="1600" dirty="0">
-                <a:solidFill>
-                  <a:schemeClr val="tx1"/>
-                </a:solidFill>
-                <a:latin typeface="Courier New" panose="02070309020205020404" pitchFamily="49" charset="0"/>
-                <a:cs typeface="Courier New" panose="02070309020205020404" pitchFamily="49" charset="0"/>
-              </a:rPr>
-              <a:t> </a:t>
-            </a:r>
-            <a:r>
-              <a:rPr lang="en-US" sz="1600" dirty="0" err="1">
-                <a:solidFill>
-                  <a:schemeClr val="tx1"/>
-                </a:solidFill>
-                <a:latin typeface="Courier New" panose="02070309020205020404" pitchFamily="49" charset="0"/>
-                <a:cs typeface="Courier New" panose="02070309020205020404" pitchFamily="49" charset="0"/>
-              </a:rPr>
-              <a:t>GraphicsCard</a:t>
-            </a:r>
-            <a:r>
-              <a:rPr lang="en-US" sz="1600" dirty="0">
-                <a:solidFill>
-                  <a:schemeClr val="tx1"/>
-                </a:solidFill>
-                <a:latin typeface="Courier New" panose="02070309020205020404" pitchFamily="49" charset="0"/>
-                <a:cs typeface="Courier New" panose="02070309020205020404" pitchFamily="49" charset="0"/>
-              </a:rPr>
-              <a:t> </a:t>
-            </a:r>
-            <a:r>
-              <a:rPr lang="en-US" sz="1600" dirty="0" err="1">
-                <a:solidFill>
-                  <a:schemeClr val="tx1"/>
-                </a:solidFill>
-                <a:latin typeface="Courier New" panose="02070309020205020404" pitchFamily="49" charset="0"/>
-                <a:cs typeface="Courier New" panose="02070309020205020404" pitchFamily="49" charset="0"/>
-              </a:rPr>
-              <a:t>getNVidiaGraphicsCard</a:t>
-            </a:r>
-            <a:r>
-              <a:rPr lang="en-US" sz="1600" dirty="0">
-                <a:solidFill>
-                  <a:schemeClr val="tx1"/>
-                </a:solidFill>
-                <a:latin typeface="Courier New" panose="02070309020205020404" pitchFamily="49" charset="0"/>
-                <a:cs typeface="Courier New" panose="02070309020205020404" pitchFamily="49" charset="0"/>
-              </a:rPr>
-              <a:t>()</a:t>
-            </a:r>
-            <a:br>
-              <a:rPr lang="en-US" sz="1600" dirty="0">
-                <a:solidFill>
-                  <a:schemeClr val="tx1"/>
-                </a:solidFill>
-                <a:latin typeface="Courier New" panose="02070309020205020404" pitchFamily="49" charset="0"/>
-                <a:cs typeface="Courier New" panose="02070309020205020404" pitchFamily="49" charset="0"/>
-              </a:rPr>
-            </a:br>
-            <a:r>
-              <a:rPr lang="en-US" sz="1600" dirty="0">
-                <a:solidFill>
-                  <a:schemeClr val="tx1"/>
-                </a:solidFill>
-                <a:latin typeface="Courier New" panose="02070309020205020404" pitchFamily="49" charset="0"/>
-                <a:cs typeface="Courier New" panose="02070309020205020404" pitchFamily="49" charset="0"/>
-              </a:rPr>
-              <a:t>    {</a:t>
-            </a:r>
-            <a:br>
-              <a:rPr lang="en-US" sz="1600" dirty="0">
-                <a:solidFill>
-                  <a:schemeClr val="tx1"/>
-                </a:solidFill>
-                <a:latin typeface="Courier New" panose="02070309020205020404" pitchFamily="49" charset="0"/>
-                <a:cs typeface="Courier New" panose="02070309020205020404" pitchFamily="49" charset="0"/>
-              </a:rPr>
-            </a:br>
-            <a:r>
-              <a:rPr lang="en-US" sz="1600" dirty="0">
-                <a:solidFill>
-                  <a:schemeClr val="tx1"/>
-                </a:solidFill>
-                <a:latin typeface="Courier New" panose="02070309020205020404" pitchFamily="49" charset="0"/>
-                <a:cs typeface="Courier New" panose="02070309020205020404" pitchFamily="49" charset="0"/>
-              </a:rPr>
-              <a:t>        </a:t>
-            </a:r>
-            <a:r>
-              <a:rPr lang="en-US" sz="1400" dirty="0">
-                <a:solidFill>
-                  <a:srgbClr val="0070C0"/>
-                </a:solidFill>
-                <a:latin typeface="Courier New" panose="02070309020205020404" pitchFamily="49" charset="0"/>
-                <a:cs typeface="Courier New" panose="02070309020205020404" pitchFamily="49" charset="0"/>
-              </a:rPr>
-              <a:t>return</a:t>
-            </a:r>
-            <a:r>
-              <a:rPr lang="en-US" sz="1400" dirty="0">
-                <a:solidFill>
-                  <a:schemeClr val="tx1"/>
-                </a:solidFill>
-                <a:latin typeface="Courier New" panose="02070309020205020404" pitchFamily="49" charset="0"/>
-                <a:cs typeface="Courier New" panose="02070309020205020404" pitchFamily="49" charset="0"/>
-              </a:rPr>
-              <a:t> </a:t>
-            </a:r>
-            <a:r>
-              <a:rPr lang="en-US" sz="1400" dirty="0">
-                <a:solidFill>
-                  <a:srgbClr val="0070C0"/>
-                </a:solidFill>
-                <a:latin typeface="Courier New" panose="02070309020205020404" pitchFamily="49" charset="0"/>
-                <a:cs typeface="Courier New" panose="02070309020205020404" pitchFamily="49" charset="0"/>
-              </a:rPr>
-              <a:t>new</a:t>
-            </a:r>
-            <a:r>
-              <a:rPr lang="en-US" sz="1400" dirty="0">
-                <a:solidFill>
-                  <a:schemeClr val="tx1"/>
-                </a:solidFill>
-                <a:latin typeface="Courier New" panose="02070309020205020404" pitchFamily="49" charset="0"/>
-                <a:cs typeface="Courier New" panose="02070309020205020404" pitchFamily="49" charset="0"/>
-              </a:rPr>
-              <a:t> </a:t>
-            </a:r>
-            <a:r>
-              <a:rPr lang="en-US" sz="1400" dirty="0" err="1">
-                <a:solidFill>
-                  <a:schemeClr val="tx1"/>
-                </a:solidFill>
-                <a:latin typeface="Courier New" panose="02070309020205020404" pitchFamily="49" charset="0"/>
-                <a:cs typeface="Courier New" panose="02070309020205020404" pitchFamily="49" charset="0"/>
-              </a:rPr>
-              <a:t>NVidiaGraphicsCard</a:t>
-            </a:r>
-            <a:r>
-              <a:rPr lang="en-US" sz="1400" dirty="0">
-                <a:solidFill>
-                  <a:schemeClr val="tx1"/>
-                </a:solidFill>
-                <a:latin typeface="Courier New" panose="02070309020205020404" pitchFamily="49" charset="0"/>
-                <a:cs typeface="Courier New" panose="02070309020205020404" pitchFamily="49" charset="0"/>
-              </a:rPr>
-              <a:t>();</a:t>
-            </a:r>
-            <a:br>
-              <a:rPr lang="en-US" sz="1400" dirty="0">
-                <a:solidFill>
-                  <a:schemeClr val="tx1"/>
-                </a:solidFill>
-                <a:latin typeface="Courier New" panose="02070309020205020404" pitchFamily="49" charset="0"/>
-                <a:cs typeface="Courier New" panose="02070309020205020404" pitchFamily="49" charset="0"/>
-              </a:rPr>
-            </a:br>
-            <a:r>
-              <a:rPr lang="en-US" sz="1600" dirty="0">
-                <a:solidFill>
-                  <a:schemeClr val="tx1"/>
-                </a:solidFill>
-                <a:latin typeface="Courier New" panose="02070309020205020404" pitchFamily="49" charset="0"/>
-                <a:cs typeface="Courier New" panose="02070309020205020404" pitchFamily="49" charset="0"/>
-              </a:rPr>
-              <a:t>    }</a:t>
-            </a:r>
-            <a:br>
-              <a:rPr lang="en-US" sz="1600" dirty="0">
-                <a:solidFill>
-                  <a:schemeClr val="tx1"/>
-                </a:solidFill>
-                <a:latin typeface="Courier New" panose="02070309020205020404" pitchFamily="49" charset="0"/>
-                <a:cs typeface="Courier New" panose="02070309020205020404" pitchFamily="49" charset="0"/>
-              </a:rPr>
-            </a:br>
-            <a:r>
-              <a:rPr lang="en-US" sz="1600" dirty="0">
-                <a:solidFill>
-                  <a:schemeClr val="tx1"/>
-                </a:solidFill>
-                <a:latin typeface="Courier New" panose="02070309020205020404" pitchFamily="49" charset="0"/>
-                <a:cs typeface="Courier New" panose="02070309020205020404" pitchFamily="49" charset="0"/>
-              </a:rPr>
-              <a:t>}</a:t>
-            </a:r>
-            <a:br>
-              <a:rPr lang="en-US" sz="1600" dirty="0">
-                <a:solidFill>
-                  <a:schemeClr val="tx1"/>
-                </a:solidFill>
-                <a:latin typeface="Courier New" panose="02070309020205020404" pitchFamily="49" charset="0"/>
-                <a:cs typeface="Courier New" panose="02070309020205020404" pitchFamily="49" charset="0"/>
-              </a:rPr>
-            </a:br>
-            <a:br>
-              <a:rPr lang="en-US" sz="1600" dirty="0">
-                <a:solidFill>
-                  <a:schemeClr val="tx1"/>
-                </a:solidFill>
-                <a:latin typeface="Courier New" panose="02070309020205020404" pitchFamily="49" charset="0"/>
-                <a:cs typeface="Courier New" panose="02070309020205020404" pitchFamily="49" charset="0"/>
-              </a:rPr>
-            </a:br>
-            <a:r>
-              <a:rPr lang="en-US" sz="1600" dirty="0">
-                <a:solidFill>
-                  <a:srgbClr val="0070C0"/>
-                </a:solidFill>
-                <a:latin typeface="Courier New" panose="02070309020205020404" pitchFamily="49" charset="0"/>
-                <a:cs typeface="Courier New" panose="02070309020205020404" pitchFamily="49" charset="0"/>
-              </a:rPr>
-              <a:t>public</a:t>
-            </a:r>
-            <a:r>
-              <a:rPr lang="en-US" sz="1600" dirty="0">
-                <a:solidFill>
-                  <a:schemeClr val="tx1"/>
-                </a:solidFill>
-                <a:latin typeface="Courier New" panose="02070309020205020404" pitchFamily="49" charset="0"/>
-                <a:cs typeface="Courier New" panose="02070309020205020404" pitchFamily="49" charset="0"/>
-              </a:rPr>
-              <a:t> </a:t>
-            </a:r>
-            <a:r>
-              <a:rPr lang="en-US" sz="1600" dirty="0">
-                <a:solidFill>
-                  <a:srgbClr val="0070C0"/>
-                </a:solidFill>
-                <a:latin typeface="Courier New" panose="02070309020205020404" pitchFamily="49" charset="0"/>
-                <a:cs typeface="Courier New" panose="02070309020205020404" pitchFamily="49" charset="0"/>
-              </a:rPr>
-              <a:t>class</a:t>
-            </a:r>
-            <a:r>
-              <a:rPr lang="en-US" sz="1600" dirty="0">
-                <a:solidFill>
-                  <a:schemeClr val="tx1"/>
-                </a:solidFill>
-                <a:latin typeface="Courier New" panose="02070309020205020404" pitchFamily="49" charset="0"/>
-                <a:cs typeface="Courier New" panose="02070309020205020404" pitchFamily="49" charset="0"/>
-              </a:rPr>
-              <a:t> Computer {</a:t>
-            </a:r>
-            <a:br>
-              <a:rPr lang="en-US" sz="1600" dirty="0">
-                <a:solidFill>
-                  <a:schemeClr val="tx1"/>
-                </a:solidFill>
-                <a:latin typeface="Courier New" panose="02070309020205020404" pitchFamily="49" charset="0"/>
-                <a:cs typeface="Courier New" panose="02070309020205020404" pitchFamily="49" charset="0"/>
-              </a:rPr>
-            </a:br>
-            <a:r>
-              <a:rPr lang="en-US" sz="1600" dirty="0">
-                <a:solidFill>
-                  <a:schemeClr val="tx1"/>
-                </a:solidFill>
-                <a:latin typeface="Courier New" panose="02070309020205020404" pitchFamily="49" charset="0"/>
-                <a:cs typeface="Courier New" panose="02070309020205020404" pitchFamily="49" charset="0"/>
-              </a:rPr>
-              <a:t>    </a:t>
-            </a:r>
-            <a:r>
-              <a:rPr lang="en-US" sz="1600" dirty="0">
-                <a:solidFill>
-                  <a:srgbClr val="0070C0"/>
-                </a:solidFill>
-                <a:latin typeface="Courier New" panose="02070309020205020404" pitchFamily="49" charset="0"/>
-                <a:cs typeface="Courier New" panose="02070309020205020404" pitchFamily="49" charset="0"/>
-              </a:rPr>
-              <a:t>private</a:t>
-            </a:r>
-            <a:r>
-              <a:rPr lang="en-US" sz="1600" dirty="0">
-                <a:solidFill>
-                  <a:schemeClr val="tx1"/>
-                </a:solidFill>
-                <a:latin typeface="Courier New" panose="02070309020205020404" pitchFamily="49" charset="0"/>
-                <a:cs typeface="Courier New" panose="02070309020205020404" pitchFamily="49" charset="0"/>
-              </a:rPr>
-              <a:t> </a:t>
-            </a:r>
-            <a:r>
-              <a:rPr lang="en-US" sz="1600" dirty="0" err="1">
-                <a:solidFill>
-                  <a:schemeClr val="tx1"/>
-                </a:solidFill>
-                <a:latin typeface="Courier New" panose="02070309020205020404" pitchFamily="49" charset="0"/>
-                <a:cs typeface="Courier New" panose="02070309020205020404" pitchFamily="49" charset="0"/>
-              </a:rPr>
-              <a:t>GraphicsCard</a:t>
-            </a:r>
-            <a:r>
-              <a:rPr lang="en-US" sz="1600" dirty="0">
-                <a:solidFill>
-                  <a:schemeClr val="tx1"/>
-                </a:solidFill>
-                <a:latin typeface="Courier New" panose="02070309020205020404" pitchFamily="49" charset="0"/>
-                <a:cs typeface="Courier New" panose="02070309020205020404" pitchFamily="49" charset="0"/>
-              </a:rPr>
-              <a:t> </a:t>
-            </a:r>
-            <a:r>
-              <a:rPr lang="en-US" sz="1600" dirty="0" err="1">
-                <a:solidFill>
-                  <a:schemeClr val="tx1"/>
-                </a:solidFill>
-                <a:latin typeface="Courier New" panose="02070309020205020404" pitchFamily="49" charset="0"/>
-                <a:cs typeface="Courier New" panose="02070309020205020404" pitchFamily="49" charset="0"/>
-              </a:rPr>
-              <a:t>graphicsCard</a:t>
-            </a:r>
-            <a:r>
-              <a:rPr lang="en-US" sz="1600" dirty="0">
-                <a:solidFill>
-                  <a:schemeClr val="tx1"/>
-                </a:solidFill>
-                <a:latin typeface="Courier New" panose="02070309020205020404" pitchFamily="49" charset="0"/>
-                <a:cs typeface="Courier New" panose="02070309020205020404" pitchFamily="49" charset="0"/>
-              </a:rPr>
-              <a:t>;</a:t>
-            </a:r>
-            <a:br>
-              <a:rPr lang="en-US" sz="1600" dirty="0">
-                <a:solidFill>
-                  <a:schemeClr val="tx1"/>
-                </a:solidFill>
-                <a:latin typeface="Courier New" panose="02070309020205020404" pitchFamily="49" charset="0"/>
-                <a:cs typeface="Courier New" panose="02070309020205020404" pitchFamily="49" charset="0"/>
-              </a:rPr>
-            </a:br>
-            <a:br>
-              <a:rPr lang="en-US" sz="1600" dirty="0">
-                <a:solidFill>
-                  <a:schemeClr val="tx1"/>
-                </a:solidFill>
-                <a:latin typeface="Courier New" panose="02070309020205020404" pitchFamily="49" charset="0"/>
-                <a:cs typeface="Courier New" panose="02070309020205020404" pitchFamily="49" charset="0"/>
-              </a:rPr>
-            </a:br>
-            <a:r>
-              <a:rPr lang="en-US" sz="1600" dirty="0">
-                <a:solidFill>
-                  <a:schemeClr val="tx1"/>
-                </a:solidFill>
-                <a:latin typeface="Courier New" panose="02070309020205020404" pitchFamily="49" charset="0"/>
-                <a:cs typeface="Courier New" panose="02070309020205020404" pitchFamily="49" charset="0"/>
-              </a:rPr>
-              <a:t>    </a:t>
-            </a:r>
-            <a:r>
-              <a:rPr lang="en-US" sz="1600" dirty="0">
-                <a:solidFill>
-                  <a:srgbClr val="0070C0"/>
-                </a:solidFill>
-                <a:latin typeface="Courier New" panose="02070309020205020404" pitchFamily="49" charset="0"/>
-                <a:cs typeface="Courier New" panose="02070309020205020404" pitchFamily="49" charset="0"/>
-              </a:rPr>
-              <a:t>public</a:t>
-            </a:r>
-            <a:r>
-              <a:rPr lang="en-US" sz="1600" dirty="0">
-                <a:solidFill>
-                  <a:schemeClr val="tx1"/>
-                </a:solidFill>
-                <a:latin typeface="Courier New" panose="02070309020205020404" pitchFamily="49" charset="0"/>
-                <a:cs typeface="Courier New" panose="02070309020205020404" pitchFamily="49" charset="0"/>
-              </a:rPr>
-              <a:t> Computer() {</a:t>
-            </a:r>
-            <a:br>
-              <a:rPr lang="en-US" sz="1600" dirty="0">
-                <a:solidFill>
-                  <a:schemeClr val="tx1"/>
-                </a:solidFill>
-                <a:latin typeface="Courier New" panose="02070309020205020404" pitchFamily="49" charset="0"/>
-                <a:cs typeface="Courier New" panose="02070309020205020404" pitchFamily="49" charset="0"/>
-              </a:rPr>
-            </a:br>
-            <a:r>
-              <a:rPr lang="en-US" sz="1600" dirty="0">
-                <a:solidFill>
-                  <a:schemeClr val="tx1"/>
-                </a:solidFill>
-                <a:latin typeface="Courier New" panose="02070309020205020404" pitchFamily="49" charset="0"/>
-                <a:cs typeface="Courier New" panose="02070309020205020404" pitchFamily="49" charset="0"/>
-              </a:rPr>
-              <a:t>        </a:t>
-            </a:r>
-            <a:r>
-              <a:rPr lang="en-US" sz="1600" b="1" dirty="0" err="1">
-                <a:solidFill>
-                  <a:srgbClr val="0070C0"/>
-                </a:solidFill>
-                <a:latin typeface="Courier New" panose="02070309020205020404" pitchFamily="49" charset="0"/>
-                <a:cs typeface="Courier New" panose="02070309020205020404" pitchFamily="49" charset="0"/>
-              </a:rPr>
-              <a:t>this</a:t>
-            </a:r>
-            <a:r>
-              <a:rPr lang="en-US" sz="1600" b="1" dirty="0" err="1">
-                <a:solidFill>
-                  <a:schemeClr val="tx1"/>
-                </a:solidFill>
-                <a:latin typeface="Courier New" panose="02070309020205020404" pitchFamily="49" charset="0"/>
-                <a:cs typeface="Courier New" panose="02070309020205020404" pitchFamily="49" charset="0"/>
-              </a:rPr>
-              <a:t>.graphicsCard</a:t>
-            </a:r>
-            <a:r>
-              <a:rPr lang="en-US" sz="1600" b="1" dirty="0">
-                <a:solidFill>
-                  <a:schemeClr val="tx1"/>
-                </a:solidFill>
-                <a:latin typeface="Courier New" panose="02070309020205020404" pitchFamily="49" charset="0"/>
-                <a:cs typeface="Courier New" panose="02070309020205020404" pitchFamily="49" charset="0"/>
-              </a:rPr>
-              <a:t> = </a:t>
-            </a:r>
-            <a:r>
-              <a:rPr lang="en-US" sz="1600" b="1" dirty="0" err="1">
-                <a:solidFill>
-                  <a:schemeClr val="tx1"/>
-                </a:solidFill>
-                <a:latin typeface="Courier New" panose="02070309020205020404" pitchFamily="49" charset="0"/>
-                <a:cs typeface="Courier New" panose="02070309020205020404" pitchFamily="49" charset="0"/>
-              </a:rPr>
-              <a:t>GraphicsCardFactory.getNVidiaGraphicsCard</a:t>
-            </a:r>
-            <a:r>
-              <a:rPr lang="en-US" sz="1600" b="1" dirty="0">
-                <a:solidFill>
-                  <a:schemeClr val="tx1"/>
-                </a:solidFill>
-                <a:latin typeface="Courier New" panose="02070309020205020404" pitchFamily="49" charset="0"/>
-                <a:cs typeface="Courier New" panose="02070309020205020404" pitchFamily="49" charset="0"/>
-              </a:rPr>
-              <a:t>();</a:t>
-            </a:r>
-            <a:br>
-              <a:rPr lang="en-US" sz="1600" dirty="0">
-                <a:solidFill>
-                  <a:schemeClr val="tx1"/>
-                </a:solidFill>
-                <a:latin typeface="Courier New" panose="02070309020205020404" pitchFamily="49" charset="0"/>
-                <a:cs typeface="Courier New" panose="02070309020205020404" pitchFamily="49" charset="0"/>
-              </a:rPr>
-            </a:br>
-            <a:r>
-              <a:rPr lang="en-US" sz="1600" dirty="0">
-                <a:solidFill>
-                  <a:schemeClr val="tx1"/>
-                </a:solidFill>
-                <a:latin typeface="Courier New" panose="02070309020205020404" pitchFamily="49" charset="0"/>
-                <a:cs typeface="Courier New" panose="02070309020205020404" pitchFamily="49" charset="0"/>
-              </a:rPr>
-              <a:t>    }</a:t>
-            </a:r>
-            <a:br>
-              <a:rPr lang="en-US" sz="1600" dirty="0">
-                <a:solidFill>
-                  <a:schemeClr val="tx1"/>
-                </a:solidFill>
-                <a:latin typeface="Courier New" panose="02070309020205020404" pitchFamily="49" charset="0"/>
-                <a:cs typeface="Courier New" panose="02070309020205020404" pitchFamily="49" charset="0"/>
-              </a:rPr>
-            </a:br>
-            <a:r>
-              <a:rPr lang="en-US" sz="1600" dirty="0">
-                <a:solidFill>
-                  <a:schemeClr val="tx1"/>
-                </a:solidFill>
-                <a:latin typeface="Courier New" panose="02070309020205020404" pitchFamily="49" charset="0"/>
-                <a:cs typeface="Courier New" panose="02070309020205020404" pitchFamily="49" charset="0"/>
-              </a:rPr>
-              <a:t>}</a:t>
-            </a:r>
-          </a:p>
-          <a:p>
-            <a:endParaRPr lang="en-IL" dirty="0"/>
-          </a:p>
-        </p:txBody>
-      </p:sp>
-      <p:sp>
-        <p:nvSpPr>
-          <p:cNvPr id="4" name="Content Placeholder 3">
-            <a:extLst>
-              <a:ext uri="{FF2B5EF4-FFF2-40B4-BE49-F238E27FC236}">
-                <a16:creationId xmlns:a16="http://schemas.microsoft.com/office/drawing/2014/main" id="{A5D03C92-DAD5-D3DE-99BD-E0D454C03ED2}"/>
-              </a:ext>
-            </a:extLst>
-          </p:cNvPr>
-          <p:cNvSpPr>
-            <a:spLocks noGrp="1"/>
-          </p:cNvSpPr>
-          <p:nvPr>
-            <p:ph sz="half" idx="2"/>
-          </p:nvPr>
-        </p:nvSpPr>
-        <p:spPr>
-          <a:xfrm>
-            <a:off x="6581870" y="1539088"/>
-            <a:ext cx="3678961" cy="4502273"/>
-          </a:xfrm>
-        </p:spPr>
-        <p:txBody>
-          <a:bodyPr>
-            <a:normAutofit/>
-          </a:bodyPr>
-          <a:lstStyle/>
-          <a:p>
-            <a:r>
-              <a:rPr lang="en-IL" sz="2000" dirty="0"/>
-              <a:t>Now </a:t>
-            </a:r>
-            <a:r>
-              <a:rPr lang="en-IL" sz="2000" dirty="0">
-                <a:solidFill>
-                  <a:srgbClr val="0000FF"/>
-                </a:solidFill>
-              </a:rPr>
-              <a:t>Computer</a:t>
-            </a:r>
-            <a:r>
-              <a:rPr lang="en-IL" sz="2000" dirty="0"/>
-              <a:t> uses the </a:t>
-            </a:r>
-            <a:r>
-              <a:rPr lang="en-IL" sz="2000" dirty="0">
-                <a:solidFill>
-                  <a:srgbClr val="0000FF"/>
-                </a:solidFill>
-              </a:rPr>
-              <a:t>GraphicCardFactory</a:t>
-            </a:r>
-            <a:r>
-              <a:rPr lang="en-IL" sz="2000" dirty="0"/>
-              <a:t> to get an object of graphicCard. </a:t>
-            </a:r>
-            <a:r>
-              <a:rPr lang="en-US" sz="2000" dirty="0"/>
-              <a:t>Thus,</a:t>
-            </a:r>
-            <a:r>
-              <a:rPr lang="en-IL" sz="2000" dirty="0"/>
-              <a:t> we have inverted the the control of creating an object of a dependent class to the Factory.</a:t>
-            </a:r>
-          </a:p>
-          <a:p>
-            <a:r>
-              <a:rPr lang="en-IL" sz="2000" dirty="0"/>
-              <a:t>But – now the </a:t>
-            </a:r>
-            <a:r>
-              <a:rPr lang="en-IL" sz="2000" dirty="0">
-                <a:solidFill>
-                  <a:srgbClr val="0000FF"/>
-                </a:solidFill>
-              </a:rPr>
-              <a:t>Computer</a:t>
-            </a:r>
-            <a:r>
-              <a:rPr lang="en-IL" sz="2000" dirty="0"/>
-              <a:t> class uses the concrete </a:t>
-            </a:r>
-            <a:r>
-              <a:rPr lang="en-IL" sz="2000" dirty="0">
-                <a:solidFill>
-                  <a:srgbClr val="0000FF"/>
-                </a:solidFill>
-              </a:rPr>
-              <a:t>GraphicCardFactory</a:t>
-            </a:r>
-            <a:r>
-              <a:rPr lang="en-IL" sz="2000" dirty="0"/>
-              <a:t> class. So – we have not achieved fully loosely coupled classes.</a:t>
+              <a:t>The injector class injects the service (dependency) to the client (dependent).</a:t>
             </a:r>
           </a:p>
         </p:txBody>
@@ -9328,7 +7404,7 @@
     </p:spTree>
     <p:extLst>
       <p:ext uri="{BB962C8B-B14F-4D97-AF65-F5344CB8AC3E}">
-        <p14:creationId xmlns:p14="http://schemas.microsoft.com/office/powerpoint/2010/main" val="2009022079"/>
+        <p14:creationId xmlns:p14="http://schemas.microsoft.com/office/powerpoint/2010/main" val="1733111287"/>
       </p:ext>
     </p:extLst>
   </p:cSld>
@@ -9360,118 +7436,6 @@
           <p:cNvPr id="2" name="Title 1">
             <a:extLst>
               <a:ext uri="{FF2B5EF4-FFF2-40B4-BE49-F238E27FC236}">
-                <a16:creationId xmlns:a16="http://schemas.microsoft.com/office/drawing/2014/main" id="{12806AFD-C30A-821E-A6B9-462C7DA9B866}"/>
-              </a:ext>
-            </a:extLst>
-          </p:cNvPr>
-          <p:cNvSpPr>
-            <a:spLocks noGrp="1"/>
-          </p:cNvSpPr>
-          <p:nvPr>
-            <p:ph type="title"/>
-          </p:nvPr>
-        </p:nvSpPr>
-        <p:spPr/>
-        <p:txBody>
-          <a:bodyPr>
-            <a:normAutofit fontScale="90000"/>
-          </a:bodyPr>
-          <a:lstStyle/>
-          <a:p>
-            <a:r>
-              <a:rPr lang="en-IL" dirty="0"/>
-              <a:t>Dependency Injection</a:t>
-            </a:r>
-          </a:p>
-        </p:txBody>
-      </p:sp>
-      <p:sp>
-        <p:nvSpPr>
-          <p:cNvPr id="3" name="Content Placeholder 2">
-            <a:extLst>
-              <a:ext uri="{FF2B5EF4-FFF2-40B4-BE49-F238E27FC236}">
-                <a16:creationId xmlns:a16="http://schemas.microsoft.com/office/drawing/2014/main" id="{0C5ECF89-653D-AB01-9A55-75A538E9C56F}"/>
-              </a:ext>
-            </a:extLst>
-          </p:cNvPr>
-          <p:cNvSpPr>
-            <a:spLocks noGrp="1"/>
-          </p:cNvSpPr>
-          <p:nvPr>
-            <p:ph idx="1"/>
-          </p:nvPr>
-        </p:nvSpPr>
-        <p:spPr>
-          <a:xfrm>
-            <a:off x="677334" y="1488613"/>
-            <a:ext cx="8596668" cy="3880773"/>
-          </a:xfrm>
-        </p:spPr>
-        <p:txBody>
-          <a:bodyPr>
-            <a:normAutofit lnSpcReduction="10000"/>
-          </a:bodyPr>
-          <a:lstStyle/>
-          <a:p>
-            <a:r>
-              <a:rPr lang="en-US" sz="3200" i="1" dirty="0">
-                <a:solidFill>
-                  <a:srgbClr val="0070C0"/>
-                </a:solidFill>
-              </a:rPr>
-              <a:t>Dependency Injection (DI) </a:t>
-            </a:r>
-            <a:r>
-              <a:rPr lang="en-US" sz="3200" dirty="0"/>
-              <a:t>is a design pattern used to implement IoC. It allows the creation and binding of dependent objects outside of a class and provides those objects to the class through different ways.</a:t>
-            </a:r>
-          </a:p>
-          <a:p>
-            <a:r>
-              <a:rPr lang="en-US" sz="3200" dirty="0"/>
-              <a:t>The injector class injects the service (dependency) to the client (dependent).</a:t>
-            </a:r>
-          </a:p>
-          <a:p>
-            <a:endParaRPr lang="en-IL" dirty="0"/>
-          </a:p>
-        </p:txBody>
-      </p:sp>
-    </p:spTree>
-    <p:extLst>
-      <p:ext uri="{BB962C8B-B14F-4D97-AF65-F5344CB8AC3E}">
-        <p14:creationId xmlns:p14="http://schemas.microsoft.com/office/powerpoint/2010/main" val="1733111287"/>
-      </p:ext>
-    </p:extLst>
-  </p:cSld>
-  <p:clrMapOvr>
-    <a:masterClrMapping/>
-  </p:clrMapOvr>
-</p:sld>
-</file>
-
-<file path=ppt/slides/slide14.xml><?xml version="1.0" encoding="utf-8"?>
-<p:sld xmlns:a="http://schemas.openxmlformats.org/drawingml/2006/main" xmlns:r="http://schemas.openxmlformats.org/officeDocument/2006/relationships" xmlns:p="http://schemas.openxmlformats.org/presentationml/2006/main">
-  <p:cSld>
-    <p:spTree>
-      <p:nvGrpSpPr>
-        <p:cNvPr id="1" name=""/>
-        <p:cNvGrpSpPr/>
-        <p:nvPr/>
-      </p:nvGrpSpPr>
-      <p:grpSpPr>
-        <a:xfrm>
-          <a:off x="0" y="0"/>
-          <a:ext cx="0" cy="0"/>
-          <a:chOff x="0" y="0"/>
-          <a:chExt cx="0" cy="0"/>
-        </a:xfrm>
-      </p:grpSpPr>
-      <p:sp>
-        <p:nvSpPr>
-          <p:cNvPr id="2" name="Title 1">
-            <a:extLst>
-              <a:ext uri="{FF2B5EF4-FFF2-40B4-BE49-F238E27FC236}">
                 <a16:creationId xmlns:a16="http://schemas.microsoft.com/office/drawing/2014/main" id="{3DED40A2-2337-C7EF-497B-DC5858615D21}"/>
               </a:ext>
             </a:extLst>
@@ -9496,7 +7460,10 @@
           <a:lstStyle/>
           <a:p>
             <a:r>
-              <a:rPr lang="en-IL" dirty="0"/>
+              <a:rPr lang="en-IL" b="1" dirty="0">
+                <a:latin typeface="ATT Aleck Sans" panose="020B0503020203020204" pitchFamily="34" charset="0"/>
+                <a:cs typeface="ATT Aleck Sans" panose="020B0503020203020204" pitchFamily="34" charset="0"/>
+              </a:rPr>
               <a:t>Dependency Injection</a:t>
             </a:r>
           </a:p>
@@ -9520,8 +7487,8 @@
         </p:nvSpPr>
         <p:spPr>
           <a:xfrm>
-            <a:off x="719239" y="1341446"/>
-            <a:ext cx="9991196" cy="613478"/>
+            <a:off x="719238" y="1341446"/>
+            <a:ext cx="10726528" cy="613478"/>
           </a:xfrm>
         </p:spPr>
         <p:txBody>
@@ -9534,423 +7501,57 @@
               <a:buNone/>
             </a:pPr>
             <a:r>
-              <a:rPr lang="en-US" sz="1800" dirty="0"/>
-              <a:t>Instead of having the </a:t>
+              <a:rPr lang="en-US" sz="1800" dirty="0">
+                <a:latin typeface="ATT Aleck Sans" panose="020B0503020203020204" pitchFamily="34" charset="0"/>
+                <a:cs typeface="ATT Aleck Sans" panose="020B0503020203020204" pitchFamily="34" charset="0"/>
+              </a:rPr>
+              <a:t>Instead of having </a:t>
             </a:r>
             <a:r>
               <a:rPr lang="en-US" dirty="0">
-                <a:solidFill>
-                  <a:srgbClr val="0000FF"/>
-                </a:solidFill>
+                <a:latin typeface="ATT Aleck Sans" panose="020B0503020203020204" pitchFamily="34" charset="0"/>
+                <a:cs typeface="ATT Aleck Sans" panose="020B0503020203020204" pitchFamily="34" charset="0"/>
+              </a:rPr>
+              <a:t>the </a:t>
+            </a:r>
+            <a:r>
+              <a:rPr lang="en-US" dirty="0">
+                <a:latin typeface="Consolas" panose="020B0609020204030204" pitchFamily="49" charset="0"/>
+                <a:cs typeface="Consolas" panose="020B0609020204030204" pitchFamily="49" charset="0"/>
               </a:rPr>
               <a:t>Computer</a:t>
             </a:r>
             <a:r>
-              <a:rPr lang="en-US" sz="1800" dirty="0"/>
-              <a:t> object control its dependencies (</a:t>
-            </a:r>
-            <a:r>
-              <a:rPr lang="en-US" sz="1800" dirty="0" err="1"/>
-              <a:t>new’ed</a:t>
-            </a:r>
-            <a:r>
-              <a:rPr lang="en-US" sz="1800" dirty="0"/>
-              <a:t> them), </a:t>
+              <a:rPr lang="en-US" dirty="0">
+                <a:latin typeface="ATT Aleck Sans" panose="020B0503020203020204" pitchFamily="34" charset="0"/>
+                <a:cs typeface="ATT Aleck Sans" panose="020B0503020203020204" pitchFamily="34" charset="0"/>
+              </a:rPr>
+              <a:t> object </a:t>
+            </a:r>
+            <a:r>
+              <a:rPr lang="en-US" sz="1800" dirty="0">
+                <a:latin typeface="ATT Aleck Sans" panose="020B0503020203020204" pitchFamily="34" charset="0"/>
+                <a:cs typeface="ATT Aleck Sans" panose="020B0503020203020204" pitchFamily="34" charset="0"/>
+              </a:rPr>
+              <a:t>control its dependencies (instantiated them), </a:t>
             </a:r>
             <a:br>
-              <a:rPr lang="en-US" sz="1800" dirty="0"/>
+              <a:rPr lang="en-US" sz="1800" dirty="0">
+                <a:latin typeface="ATT Aleck Sans" panose="020B0503020203020204" pitchFamily="34" charset="0"/>
+                <a:cs typeface="ATT Aleck Sans" panose="020B0503020203020204" pitchFamily="34" charset="0"/>
+              </a:rPr>
             </a:br>
             <a:r>
-              <a:rPr lang="en-US" sz="1800" dirty="0">
-                <a:solidFill>
-                  <a:srgbClr val="FD2DFF"/>
-                </a:solidFill>
+              <a:rPr lang="en-US" dirty="0">
+                <a:latin typeface="ATT Aleck Sans" panose="020B0503020203020204" pitchFamily="34" charset="0"/>
+                <a:cs typeface="ATT Aleck Sans" panose="020B0503020203020204" pitchFamily="34" charset="0"/>
               </a:rPr>
               <a:t>let’s supply (inject) them for it! </a:t>
             </a:r>
-            <a:endParaRPr lang="en-IL" dirty="0"/>
-          </a:p>
-        </p:txBody>
-      </p:sp>
-      <p:sp>
-        <p:nvSpPr>
-          <p:cNvPr id="23" name="TextBox 22">
-            <a:extLst>
-              <a:ext uri="{FF2B5EF4-FFF2-40B4-BE49-F238E27FC236}">
-                <a16:creationId xmlns:a16="http://schemas.microsoft.com/office/drawing/2014/main" id="{8C6CEBCF-943E-3836-2358-B70C91159F88}"/>
-              </a:ext>
-            </a:extLst>
-          </p:cNvPr>
-          <p:cNvSpPr txBox="1"/>
-          <p:nvPr/>
-        </p:nvSpPr>
-        <p:spPr>
-          <a:xfrm>
-            <a:off x="792947" y="1928877"/>
-            <a:ext cx="8596668" cy="4524315"/>
-          </a:xfrm>
-          <a:prstGeom prst="rect">
-            <a:avLst/>
-          </a:prstGeom>
-          <a:solidFill>
-            <a:schemeClr val="tx2">
-              <a:lumMod val="20000"/>
-              <a:lumOff val="80000"/>
-            </a:schemeClr>
-          </a:solidFill>
-          <a:ln>
-            <a:solidFill>
-              <a:schemeClr val="tx2">
-                <a:lumMod val="60000"/>
-                <a:lumOff val="40000"/>
-              </a:schemeClr>
-            </a:solidFill>
-          </a:ln>
-        </p:spPr>
-        <p:txBody>
-          <a:bodyPr wrap="square">
-            <a:spAutoFit/>
-          </a:bodyPr>
-          <a:lstStyle/>
-          <a:p>
-            <a:r>
-              <a:rPr lang="en-IL" dirty="0">
-                <a:solidFill>
-                  <a:srgbClr val="0070C0"/>
-                </a:solidFill>
-                <a:latin typeface="Courier New" panose="02070309020205020404" pitchFamily="49" charset="0"/>
-                <a:cs typeface="Courier New" panose="02070309020205020404" pitchFamily="49" charset="0"/>
-              </a:rPr>
-              <a:t>public</a:t>
-            </a:r>
-            <a:r>
-              <a:rPr lang="en-IL" dirty="0">
-                <a:latin typeface="Courier New" panose="02070309020205020404" pitchFamily="49" charset="0"/>
-                <a:cs typeface="Courier New" panose="02070309020205020404" pitchFamily="49" charset="0"/>
-              </a:rPr>
-              <a:t> </a:t>
-            </a:r>
-            <a:r>
-              <a:rPr lang="en-IL" dirty="0">
-                <a:solidFill>
-                  <a:srgbClr val="0070C0"/>
-                </a:solidFill>
-                <a:latin typeface="Courier New" panose="02070309020205020404" pitchFamily="49" charset="0"/>
-                <a:cs typeface="Courier New" panose="02070309020205020404" pitchFamily="49" charset="0"/>
-              </a:rPr>
-              <a:t>class</a:t>
-            </a:r>
-            <a:r>
-              <a:rPr lang="en-IL" dirty="0">
-                <a:latin typeface="Courier New" panose="02070309020205020404" pitchFamily="49" charset="0"/>
-                <a:cs typeface="Courier New" panose="02070309020205020404" pitchFamily="49" charset="0"/>
-              </a:rPr>
-              <a:t> Computer {</a:t>
-            </a:r>
-          </a:p>
-          <a:p>
-            <a:r>
-              <a:rPr lang="en-IL" dirty="0">
-                <a:latin typeface="Courier New" panose="02070309020205020404" pitchFamily="49" charset="0"/>
-                <a:cs typeface="Courier New" panose="02070309020205020404" pitchFamily="49" charset="0"/>
-              </a:rPr>
-              <a:t>	</a:t>
-            </a:r>
-            <a:r>
-              <a:rPr lang="en-IL" dirty="0">
-                <a:solidFill>
-                  <a:srgbClr val="0070C0"/>
-                </a:solidFill>
-                <a:latin typeface="Courier New" panose="02070309020205020404" pitchFamily="49" charset="0"/>
-                <a:cs typeface="Courier New" panose="02070309020205020404" pitchFamily="49" charset="0"/>
-              </a:rPr>
-              <a:t>private final</a:t>
-            </a:r>
-            <a:r>
-              <a:rPr lang="en-IL" dirty="0">
-                <a:latin typeface="Courier New" panose="02070309020205020404" pitchFamily="49" charset="0"/>
-                <a:cs typeface="Courier New" panose="02070309020205020404" pitchFamily="49" charset="0"/>
-              </a:rPr>
-              <a:t> </a:t>
-            </a:r>
-            <a:r>
-              <a:rPr lang="en-US" dirty="0">
-                <a:latin typeface="Courier New" panose="02070309020205020404" pitchFamily="49" charset="0"/>
-                <a:cs typeface="Courier New" panose="02070309020205020404" pitchFamily="49" charset="0"/>
-              </a:rPr>
-              <a:t>Processor</a:t>
-            </a:r>
-            <a:r>
-              <a:rPr lang="en-IL" dirty="0">
-                <a:latin typeface="Courier New" panose="02070309020205020404" pitchFamily="49" charset="0"/>
-                <a:cs typeface="Courier New" panose="02070309020205020404" pitchFamily="49" charset="0"/>
-              </a:rPr>
-              <a:t> </a:t>
-            </a:r>
-            <a:r>
-              <a:rPr lang="en-US" dirty="0">
-                <a:latin typeface="Courier New" panose="02070309020205020404" pitchFamily="49" charset="0"/>
-                <a:cs typeface="Courier New" panose="02070309020205020404" pitchFamily="49" charset="0"/>
-              </a:rPr>
-              <a:t>processor</a:t>
-            </a:r>
-            <a:r>
-              <a:rPr lang="en-IL" dirty="0">
-                <a:latin typeface="Courier New" panose="02070309020205020404" pitchFamily="49" charset="0"/>
-                <a:cs typeface="Courier New" panose="02070309020205020404" pitchFamily="49" charset="0"/>
-              </a:rPr>
-              <a:t>;</a:t>
-            </a:r>
-          </a:p>
-          <a:p>
-            <a:r>
-              <a:rPr lang="en-IL" dirty="0">
-                <a:latin typeface="Courier New" panose="02070309020205020404" pitchFamily="49" charset="0"/>
-                <a:cs typeface="Courier New" panose="02070309020205020404" pitchFamily="49" charset="0"/>
-              </a:rPr>
-              <a:t>    </a:t>
-            </a:r>
-            <a:r>
-              <a:rPr lang="en-IL" dirty="0">
-                <a:solidFill>
-                  <a:srgbClr val="0070C0"/>
-                </a:solidFill>
-                <a:latin typeface="Courier New" panose="02070309020205020404" pitchFamily="49" charset="0"/>
-                <a:cs typeface="Courier New" panose="02070309020205020404" pitchFamily="49" charset="0"/>
-              </a:rPr>
-              <a:t>private final</a:t>
-            </a:r>
-            <a:r>
-              <a:rPr lang="en-IL" dirty="0">
-                <a:latin typeface="Courier New" panose="02070309020205020404" pitchFamily="49" charset="0"/>
-                <a:cs typeface="Courier New" panose="02070309020205020404" pitchFamily="49" charset="0"/>
-              </a:rPr>
-              <a:t> RandomAccessMemory randomAccessMemory;</a:t>
-            </a:r>
-          </a:p>
-          <a:p>
-            <a:r>
-              <a:rPr lang="en-IL" dirty="0">
-                <a:latin typeface="Courier New" panose="02070309020205020404" pitchFamily="49" charset="0"/>
-                <a:cs typeface="Courier New" panose="02070309020205020404" pitchFamily="49" charset="0"/>
-              </a:rPr>
-              <a:t>    </a:t>
-            </a:r>
-            <a:r>
-              <a:rPr lang="en-IL" dirty="0">
-                <a:solidFill>
-                  <a:srgbClr val="0070C0"/>
-                </a:solidFill>
-                <a:latin typeface="Courier New" panose="02070309020205020404" pitchFamily="49" charset="0"/>
-                <a:cs typeface="Courier New" panose="02070309020205020404" pitchFamily="49" charset="0"/>
-              </a:rPr>
-              <a:t>private final</a:t>
-            </a:r>
-            <a:r>
-              <a:rPr lang="en-IL" dirty="0">
-                <a:latin typeface="Courier New" panose="02070309020205020404" pitchFamily="49" charset="0"/>
-                <a:cs typeface="Courier New" panose="02070309020205020404" pitchFamily="49" charset="0"/>
-              </a:rPr>
-              <a:t> GraphicsCard graphicsCard;</a:t>
-            </a:r>
-          </a:p>
-          <a:p>
-            <a:r>
-              <a:rPr lang="en-IL" dirty="0">
-                <a:latin typeface="Courier New" panose="02070309020205020404" pitchFamily="49" charset="0"/>
-                <a:cs typeface="Courier New" panose="02070309020205020404" pitchFamily="49" charset="0"/>
-              </a:rPr>
-              <a:t>    </a:t>
-            </a:r>
-            <a:r>
-              <a:rPr lang="en-IL" dirty="0">
-                <a:solidFill>
-                  <a:srgbClr val="0070C0"/>
-                </a:solidFill>
-                <a:latin typeface="Courier New" panose="02070309020205020404" pitchFamily="49" charset="0"/>
-                <a:cs typeface="Courier New" panose="02070309020205020404" pitchFamily="49" charset="0"/>
-              </a:rPr>
-              <a:t>private final</a:t>
-            </a:r>
-            <a:r>
-              <a:rPr lang="en-IL" dirty="0">
-                <a:latin typeface="Courier New" panose="02070309020205020404" pitchFamily="49" charset="0"/>
-                <a:cs typeface="Courier New" panose="02070309020205020404" pitchFamily="49" charset="0"/>
-              </a:rPr>
-              <a:t> Coolers coolers;</a:t>
-            </a:r>
-          </a:p>
-          <a:p>
-            <a:r>
-              <a:rPr lang="en-IL" dirty="0">
-                <a:latin typeface="Courier New" panose="02070309020205020404" pitchFamily="49" charset="0"/>
-                <a:cs typeface="Courier New" panose="02070309020205020404" pitchFamily="49" charset="0"/>
-              </a:rPr>
-              <a:t> </a:t>
-            </a:r>
-          </a:p>
-          <a:p>
-            <a:r>
-              <a:rPr lang="en-IL" dirty="0">
-                <a:latin typeface="Courier New" panose="02070309020205020404" pitchFamily="49" charset="0"/>
-                <a:cs typeface="Courier New" panose="02070309020205020404" pitchFamily="49" charset="0"/>
-              </a:rPr>
-              <a:t>    </a:t>
-            </a:r>
-            <a:r>
-              <a:rPr lang="en-IL" dirty="0">
-                <a:solidFill>
-                  <a:srgbClr val="0070C0"/>
-                </a:solidFill>
-                <a:latin typeface="Courier New" panose="02070309020205020404" pitchFamily="49" charset="0"/>
-                <a:cs typeface="Courier New" panose="02070309020205020404" pitchFamily="49" charset="0"/>
-              </a:rPr>
-              <a:t>public</a:t>
-            </a:r>
-            <a:r>
-              <a:rPr lang="en-IL" dirty="0">
-                <a:latin typeface="Courier New" panose="02070309020205020404" pitchFamily="49" charset="0"/>
-                <a:cs typeface="Courier New" panose="02070309020205020404" pitchFamily="49" charset="0"/>
-              </a:rPr>
-              <a:t> Computer(</a:t>
-            </a:r>
-            <a:r>
-              <a:rPr lang="en-US" dirty="0">
-                <a:latin typeface="Courier New" panose="02070309020205020404" pitchFamily="49" charset="0"/>
-                <a:cs typeface="Courier New" panose="02070309020205020404" pitchFamily="49" charset="0"/>
-              </a:rPr>
-              <a:t>Processor</a:t>
-            </a:r>
-            <a:r>
-              <a:rPr lang="en-IL" dirty="0">
-                <a:latin typeface="Courier New" panose="02070309020205020404" pitchFamily="49" charset="0"/>
-                <a:cs typeface="Courier New" panose="02070309020205020404" pitchFamily="49" charset="0"/>
-              </a:rPr>
-              <a:t> </a:t>
-            </a:r>
-            <a:r>
-              <a:rPr lang="en-US" dirty="0">
-                <a:latin typeface="Courier New" panose="02070309020205020404" pitchFamily="49" charset="0"/>
-                <a:cs typeface="Courier New" panose="02070309020205020404" pitchFamily="49" charset="0"/>
-              </a:rPr>
-              <a:t>processor</a:t>
-            </a:r>
-            <a:r>
-              <a:rPr lang="en-IL" dirty="0">
-                <a:latin typeface="Courier New" panose="02070309020205020404" pitchFamily="49" charset="0"/>
-                <a:cs typeface="Courier New" panose="02070309020205020404" pitchFamily="49" charset="0"/>
-              </a:rPr>
-              <a:t>, </a:t>
-            </a:r>
-          </a:p>
-          <a:p>
-            <a:r>
-              <a:rPr lang="en-IL" dirty="0">
-                <a:latin typeface="Courier New" panose="02070309020205020404" pitchFamily="49" charset="0"/>
-                <a:cs typeface="Courier New" panose="02070309020205020404" pitchFamily="49" charset="0"/>
-              </a:rPr>
-              <a:t>		RandomAccessMemory randomAccessMemory, </a:t>
-            </a:r>
-          </a:p>
-          <a:p>
-            <a:r>
-              <a:rPr lang="en-IL" dirty="0">
-                <a:latin typeface="Courier New" panose="02070309020205020404" pitchFamily="49" charset="0"/>
-                <a:cs typeface="Courier New" panose="02070309020205020404" pitchFamily="49" charset="0"/>
-              </a:rPr>
-              <a:t>		GraphicsCard graphicsCard, </a:t>
-            </a:r>
-          </a:p>
-          <a:p>
-            <a:r>
-              <a:rPr lang="en-IL" dirty="0">
-                <a:latin typeface="Courier New" panose="02070309020205020404" pitchFamily="49" charset="0"/>
-                <a:cs typeface="Courier New" panose="02070309020205020404" pitchFamily="49" charset="0"/>
-              </a:rPr>
-              <a:t>		Coolers coolers) {</a:t>
-            </a:r>
-          </a:p>
-          <a:p>
-            <a:r>
-              <a:rPr lang="en-IL" dirty="0">
-                <a:latin typeface="Courier New" panose="02070309020205020404" pitchFamily="49" charset="0"/>
-                <a:cs typeface="Courier New" panose="02070309020205020404" pitchFamily="49" charset="0"/>
-              </a:rPr>
-              <a:t>        	this.</a:t>
-            </a:r>
-            <a:r>
-              <a:rPr lang="en-US" dirty="0">
-                <a:latin typeface="Courier New" panose="02070309020205020404" pitchFamily="49" charset="0"/>
-                <a:cs typeface="Courier New" panose="02070309020205020404" pitchFamily="49" charset="0"/>
-              </a:rPr>
-              <a:t>processor</a:t>
-            </a:r>
-            <a:r>
-              <a:rPr lang="en-IL" dirty="0">
-                <a:latin typeface="Courier New" panose="02070309020205020404" pitchFamily="49" charset="0"/>
-                <a:cs typeface="Courier New" panose="02070309020205020404" pitchFamily="49" charset="0"/>
-              </a:rPr>
-              <a:t> = </a:t>
-            </a:r>
-            <a:r>
-              <a:rPr lang="en-US" dirty="0">
-                <a:latin typeface="Courier New" panose="02070309020205020404" pitchFamily="49" charset="0"/>
-                <a:cs typeface="Courier New" panose="02070309020205020404" pitchFamily="49" charset="0"/>
-              </a:rPr>
-              <a:t>processor</a:t>
-            </a:r>
-            <a:r>
-              <a:rPr lang="en-IL" dirty="0">
-                <a:latin typeface="Courier New" panose="02070309020205020404" pitchFamily="49" charset="0"/>
-                <a:cs typeface="Courier New" panose="02070309020205020404" pitchFamily="49" charset="0"/>
-              </a:rPr>
-              <a:t>;</a:t>
-            </a:r>
-          </a:p>
-          <a:p>
-            <a:r>
-              <a:rPr lang="en-IL" dirty="0">
-                <a:latin typeface="Courier New" panose="02070309020205020404" pitchFamily="49" charset="0"/>
-                <a:cs typeface="Courier New" panose="02070309020205020404" pitchFamily="49" charset="0"/>
-              </a:rPr>
-              <a:t>        	this.randomAccessMemory = randomAccessMemory;</a:t>
-            </a:r>
-          </a:p>
-          <a:p>
-            <a:r>
-              <a:rPr lang="en-IL" dirty="0">
-                <a:latin typeface="Courier New" panose="02070309020205020404" pitchFamily="49" charset="0"/>
-                <a:cs typeface="Courier New" panose="02070309020205020404" pitchFamily="49" charset="0"/>
-              </a:rPr>
-              <a:t>        	this.graphicsCard = graphicsCard; </a:t>
-            </a:r>
-          </a:p>
-          <a:p>
-            <a:r>
-              <a:rPr lang="en-IL" dirty="0">
-                <a:latin typeface="Courier New" panose="02070309020205020404" pitchFamily="49" charset="0"/>
-                <a:cs typeface="Courier New" panose="02070309020205020404" pitchFamily="49" charset="0"/>
-              </a:rPr>
-              <a:t>	 		this.coolers = coolers;</a:t>
-            </a:r>
-          </a:p>
-          <a:p>
-            <a:r>
-              <a:rPr lang="en-IL" dirty="0">
-                <a:latin typeface="Courier New" panose="02070309020205020404" pitchFamily="49" charset="0"/>
-                <a:cs typeface="Courier New" panose="02070309020205020404" pitchFamily="49" charset="0"/>
-              </a:rPr>
-              <a:t>    }</a:t>
-            </a:r>
-          </a:p>
-          <a:p>
-            <a:r>
-              <a:rPr lang="en-IL" dirty="0">
-                <a:latin typeface="Courier New" panose="02070309020205020404" pitchFamily="49" charset="0"/>
-                <a:cs typeface="Courier New" panose="02070309020205020404" pitchFamily="49" charset="0"/>
-              </a:rPr>
-              <a:t>}</a:t>
-            </a:r>
+            <a:endParaRPr lang="en-IL" dirty="0">
+              <a:latin typeface="ATT Aleck Sans" panose="020B0503020203020204" pitchFamily="34" charset="0"/>
+              <a:cs typeface="ATT Aleck Sans" panose="020B0503020203020204" pitchFamily="34" charset="0"/>
+            </a:endParaRPr>
           </a:p>
         </p:txBody>
       </p:sp>
@@ -9968,8 +7569,8 @@
         </p:nvSpPr>
         <p:spPr>
           <a:xfrm>
-            <a:off x="9522371" y="2827282"/>
-            <a:ext cx="2593427" cy="1754326"/>
+            <a:off x="9343697" y="2827282"/>
+            <a:ext cx="2772101" cy="1754326"/>
           </a:xfrm>
           <a:prstGeom prst="rect">
             <a:avLst/>
@@ -9983,13 +7584,49 @@
           <a:lstStyle/>
           <a:p>
             <a:r>
-              <a:rPr lang="en-US" sz="1800" dirty="0"/>
+              <a:rPr lang="en-US" sz="1800" dirty="0">
+                <a:latin typeface="ATT Aleck Sans" panose="020B0503020203020204" pitchFamily="34" charset="0"/>
+                <a:cs typeface="ATT Aleck Sans" panose="020B0503020203020204" pitchFamily="34" charset="0"/>
+              </a:rPr>
               <a:t>By using DI, we can rewrite the example without specifying the implementation of the components that we want.</a:t>
             </a:r>
-            <a:endParaRPr lang="en-IL" dirty="0"/>
-          </a:p>
-        </p:txBody>
-      </p:sp>
+            <a:endParaRPr lang="en-IL" dirty="0">
+              <a:latin typeface="ATT Aleck Sans" panose="020B0503020203020204" pitchFamily="34" charset="0"/>
+              <a:cs typeface="ATT Aleck Sans" panose="020B0503020203020204" pitchFamily="34" charset="0"/>
+            </a:endParaRPr>
+          </a:p>
+        </p:txBody>
+      </p:sp>
+      <p:pic>
+        <p:nvPicPr>
+          <p:cNvPr id="4" name="Picture 3">
+            <a:extLst>
+              <a:ext uri="{FF2B5EF4-FFF2-40B4-BE49-F238E27FC236}">
+                <a16:creationId xmlns:a16="http://schemas.microsoft.com/office/drawing/2014/main" id="{979F8721-BA9D-C81A-DCF9-E18F1249D954}"/>
+              </a:ext>
+            </a:extLst>
+          </p:cNvPr>
+          <p:cNvPicPr>
+            <a:picLocks noChangeAspect="1"/>
+          </p:cNvPicPr>
+          <p:nvPr/>
+        </p:nvPicPr>
+        <p:blipFill>
+          <a:blip r:embed="rId2"/>
+          <a:stretch>
+            <a:fillRect/>
+          </a:stretch>
+        </p:blipFill>
+        <p:spPr>
+          <a:xfrm>
+            <a:off x="780392" y="2012879"/>
+            <a:ext cx="8437179" cy="4032865"/>
+          </a:xfrm>
+          <a:prstGeom prst="rect">
+            <a:avLst/>
+          </a:prstGeom>
+        </p:spPr>
+      </p:pic>
     </p:spTree>
     <p:extLst>
       <p:ext uri="{BB962C8B-B14F-4D97-AF65-F5344CB8AC3E}">
@@ -10006,6 +7643,14 @@
 <file path=ppt/slides/slide2.xml><?xml version="1.0" encoding="utf-8"?>
 <p:sld xmlns:a="http://schemas.openxmlformats.org/drawingml/2006/main" xmlns:r="http://schemas.openxmlformats.org/officeDocument/2006/relationships" xmlns:p="http://schemas.openxmlformats.org/presentationml/2006/main">
   <p:cSld>
+    <p:bg>
+      <p:bgPr>
+        <a:solidFill>
+          <a:schemeClr val="bg2"/>
+        </a:solidFill>
+        <a:effectLst/>
+      </p:bgPr>
+    </p:bg>
     <p:spTree>
       <p:nvGrpSpPr>
         <p:cNvPr id="1" name=""/>
@@ -10038,25 +7683,33 @@
         </p:nvSpPr>
         <p:spPr>
           <a:xfrm>
-            <a:off x="527961" y="412901"/>
-            <a:ext cx="8596668" cy="747562"/>
+            <a:off x="1101369" y="420414"/>
+            <a:ext cx="3737268" cy="1320800"/>
           </a:xfrm>
         </p:spPr>
         <p:txBody>
-          <a:bodyPr/>
-          <a:lstStyle/>
-          <a:p>
-            <a:pPr algn="l" defTabSz="457200" rtl="0" eaLnBrk="1" latinLnBrk="0" hangingPunct="1">
+          <a:bodyPr>
+            <a:normAutofit/>
+          </a:bodyPr>
+          <a:lstStyle/>
+          <a:p>
+            <a:pPr defTabSz="457200" rtl="0" eaLnBrk="1" latinLnBrk="0" hangingPunct="1">
               <a:spcBef>
                 <a:spcPct val="0"/>
               </a:spcBef>
               <a:buNone/>
             </a:pPr>
             <a:r>
-              <a:rPr lang="en-US" dirty="0"/>
+              <a:rPr lang="en-US" b="1" dirty="0">
+                <a:latin typeface="ATT Aleck Sans" panose="020B0503020203020204" pitchFamily="34" charset="0"/>
+                <a:cs typeface="ATT Aleck Sans" panose="020B0503020203020204" pitchFamily="34" charset="0"/>
+              </a:rPr>
               <a:t>ABOUT ME</a:t>
             </a:r>
-            <a:endParaRPr lang="en-IL" dirty="0"/>
+            <a:endParaRPr lang="en-IL" b="1" dirty="0">
+              <a:latin typeface="ATT Aleck Sans" panose="020B0503020203020204" pitchFamily="34" charset="0"/>
+              <a:cs typeface="ATT Aleck Sans" panose="020B0503020203020204" pitchFamily="34" charset="0"/>
+            </a:endParaRPr>
           </a:p>
         </p:txBody>
       </p:sp>
@@ -10078,8 +7731,8 @@
         </p:nvSpPr>
         <p:spPr>
           <a:xfrm>
-            <a:off x="515938" y="1304925"/>
-            <a:ext cx="8596668" cy="4533575"/>
+            <a:off x="1135118" y="1172617"/>
+            <a:ext cx="6520292" cy="3880773"/>
           </a:xfrm>
         </p:spPr>
         <p:txBody>
@@ -10088,35 +7741,88 @@
           </a:bodyPr>
           <a:lstStyle/>
           <a:p>
-            <a:r>
-              <a:rPr lang="en-US" sz="3200" dirty="0"/>
+            <a:pPr>
+              <a:lnSpc>
+                <a:spcPct val="150000"/>
+              </a:lnSpc>
+            </a:pPr>
+            <a:r>
+              <a:rPr lang="en-US" sz="2400" dirty="0">
+                <a:latin typeface="ATT Aleck Sans" panose="020B0503020203020204" pitchFamily="34" charset="0"/>
+                <a:cs typeface="ATT Aleck Sans" panose="020B0503020203020204" pitchFamily="34" charset="0"/>
+              </a:rPr>
               <a:t>Tech Lead | 7 years at AT&amp;T​</a:t>
             </a:r>
-            <a:endParaRPr lang="he-IL" sz="3200" dirty="0"/>
-          </a:p>
-          <a:p>
-            <a:r>
-              <a:rPr lang="en-US" sz="3200" dirty="0"/>
-              <a:t>Experienced: C#, Node.js, Java, Go, Python, JavaScript</a:t>
-            </a:r>
-          </a:p>
-          <a:p>
-            <a:r>
-              <a:rPr lang="en-US" sz="3200" dirty="0"/>
+            <a:endParaRPr lang="he-IL" sz="2400" dirty="0">
+              <a:latin typeface="ATT Aleck Sans" panose="020B0503020203020204" pitchFamily="34" charset="0"/>
+            </a:endParaRPr>
+          </a:p>
+          <a:p>
+            <a:pPr>
+              <a:lnSpc>
+                <a:spcPct val="150000"/>
+              </a:lnSpc>
+            </a:pPr>
+            <a:r>
+              <a:rPr lang="en-US" sz="2400" dirty="0">
+                <a:latin typeface="ATT Aleck Sans" panose="020B0503020203020204" pitchFamily="34" charset="0"/>
+                <a:cs typeface="ATT Aleck Sans" panose="020B0503020203020204" pitchFamily="34" charset="0"/>
+              </a:rPr>
+              <a:t>Experienced: C#, Node.js, Java, Go, </a:t>
+            </a:r>
+            <a:br>
+              <a:rPr lang="en-US" sz="2400" dirty="0">
+                <a:latin typeface="ATT Aleck Sans" panose="020B0503020203020204" pitchFamily="34" charset="0"/>
+                <a:cs typeface="ATT Aleck Sans" panose="020B0503020203020204" pitchFamily="34" charset="0"/>
+              </a:rPr>
+            </a:br>
+            <a:r>
+              <a:rPr lang="en-US" sz="2400" dirty="0">
+                <a:latin typeface="ATT Aleck Sans" panose="020B0503020203020204" pitchFamily="34" charset="0"/>
+                <a:cs typeface="ATT Aleck Sans" panose="020B0503020203020204" pitchFamily="34" charset="0"/>
+              </a:rPr>
+              <a:t>Python, JavaScript</a:t>
+            </a:r>
+          </a:p>
+          <a:p>
+            <a:pPr>
+              <a:lnSpc>
+                <a:spcPct val="150000"/>
+              </a:lnSpc>
+            </a:pPr>
+            <a:r>
+              <a:rPr lang="en-US" sz="2400" dirty="0">
+                <a:latin typeface="ATT Aleck Sans" panose="020B0503020203020204" pitchFamily="34" charset="0"/>
+                <a:cs typeface="ATT Aleck Sans" panose="020B0503020203020204" pitchFamily="34" charset="0"/>
+              </a:rPr>
               <a:t>Interests</a:t>
             </a:r>
           </a:p>
           <a:p>
-            <a:pPr lvl="1"/>
-            <a:r>
-              <a:rPr lang="en-US" sz="3000" dirty="0"/>
+            <a:pPr lvl="1">
+              <a:lnSpc>
+                <a:spcPct val="150000"/>
+              </a:lnSpc>
+            </a:pPr>
+            <a:r>
+              <a:rPr lang="en-US" sz="2000" dirty="0">
+                <a:latin typeface="ATT Aleck Sans" panose="020B0503020203020204" pitchFamily="34" charset="0"/>
+                <a:cs typeface="ATT Aleck Sans" panose="020B0503020203020204" pitchFamily="34" charset="0"/>
+              </a:rPr>
               <a:t>Music &amp; Movies</a:t>
             </a:r>
           </a:p>
           <a:p>
-            <a:pPr lvl="1"/>
-            <a:r>
-              <a:rPr lang="en-US" sz="3000" dirty="0"/>
+            <a:pPr lvl="1">
+              <a:lnSpc>
+                <a:spcPct val="150000"/>
+              </a:lnSpc>
+            </a:pPr>
+            <a:r>
+              <a:rPr lang="en-US" sz="2000" dirty="0">
+                <a:latin typeface="ATT Aleck Sans" panose="020B0503020203020204" pitchFamily="34" charset="0"/>
+                <a:cs typeface="ATT Aleck Sans" panose="020B0503020203020204" pitchFamily="34" charset="0"/>
+              </a:rPr>
               <a:t>Intermittent Fasting &amp; Keto</a:t>
             </a:r>
           </a:p>
@@ -10124,10 +7830,10 @@
       </p:sp>
       <p:pic>
         <p:nvPicPr>
-          <p:cNvPr id="4" name="Picture 3" descr="A person in a white shirt&#10;&#10;Description automatically generated">
+          <p:cNvPr id="6" name="Picture 5" descr="A person in a white shirt&#10;&#10;Description automatically generated">
             <a:extLst>
               <a:ext uri="{FF2B5EF4-FFF2-40B4-BE49-F238E27FC236}">
-                <a16:creationId xmlns:a16="http://schemas.microsoft.com/office/drawing/2014/main" id="{BB974D89-A6FA-757E-357B-3044EAF9EEA8}"/>
+                <a16:creationId xmlns:a16="http://schemas.microsoft.com/office/drawing/2014/main" id="{674104E2-17E9-8FBB-DE1A-00F65AA029B7}"/>
               </a:ext>
             </a:extLst>
           </p:cNvPr>
@@ -10144,7 +7850,7 @@
         </p:blipFill>
         <p:spPr>
           <a:xfrm>
-            <a:off x="8686393" y="1228353"/>
+            <a:off x="6739102" y="1887044"/>
             <a:ext cx="2476500" cy="2374900"/>
           </a:xfrm>
           <a:prstGeom prst="rect">
@@ -10160,7 +7866,7 @@
     </p:extLst>
   </p:cSld>
   <p:clrMapOvr>
-    <a:masterClrMapping/>
+    <a:overrideClrMapping bg1="dk1" tx1="lt1" bg2="dk2" tx2="lt2" accent1="accent1" accent2="accent2" accent3="accent3" accent4="accent4" accent5="accent5" accent6="accent6" hlink="hlink" folHlink="folHlink"/>
   </p:clrMapOvr>
 </p:sld>
 </file>
@@ -10168,6 +7874,14 @@
 <file path=ppt/slides/slide3.xml><?xml version="1.0" encoding="utf-8"?>
 <p:sld xmlns:a="http://schemas.openxmlformats.org/drawingml/2006/main" xmlns:r="http://schemas.openxmlformats.org/officeDocument/2006/relationships" xmlns:p="http://schemas.openxmlformats.org/presentationml/2006/main">
   <p:cSld>
+    <p:bg>
+      <p:bgPr>
+        <a:solidFill>
+          <a:schemeClr val="bg2"/>
+        </a:solidFill>
+        <a:effectLst/>
+      </p:bgPr>
+    </p:bg>
     <p:spTree>
       <p:nvGrpSpPr>
         <p:cNvPr id="1" name=""/>
@@ -10198,23 +7912,24 @@
             <p:ph type="title"/>
           </p:nvPr>
         </p:nvSpPr>
-        <p:spPr>
-          <a:xfrm>
-            <a:off x="572231" y="462024"/>
-            <a:ext cx="8596668" cy="615287"/>
-          </a:xfrm>
-        </p:spPr>
+        <p:spPr/>
         <p:txBody>
           <a:bodyPr>
-            <a:normAutofit fontScale="90000"/>
+            <a:normAutofit/>
           </a:bodyPr>
           <a:lstStyle/>
           <a:p>
             <a:r>
-              <a:rPr lang="en-US" dirty="0"/>
+              <a:rPr lang="en-US" b="1" dirty="0">
+                <a:latin typeface="ATT Aleck Sans" panose="020B0503020203020204" pitchFamily="34" charset="0"/>
+                <a:cs typeface="ATT Aleck Sans" panose="020B0503020203020204" pitchFamily="34" charset="0"/>
+              </a:rPr>
               <a:t>HIGHLIGHTS</a:t>
             </a:r>
-            <a:endParaRPr lang="en-IL" dirty="0"/>
+            <a:endParaRPr lang="en-IL" b="1" dirty="0">
+              <a:latin typeface="ATT Aleck Sans" panose="020B0503020203020204" pitchFamily="34" charset="0"/>
+              <a:cs typeface="ATT Aleck Sans" panose="020B0503020203020204" pitchFamily="34" charset="0"/>
+            </a:endParaRPr>
           </a:p>
         </p:txBody>
       </p:sp>
@@ -10236,8 +7951,8 @@
         </p:nvSpPr>
         <p:spPr>
           <a:xfrm>
-            <a:off x="515938" y="1160463"/>
-            <a:ext cx="8596668" cy="5292889"/>
+            <a:off x="708864" y="1340782"/>
+            <a:ext cx="9486169" cy="3880773"/>
           </a:xfrm>
         </p:spPr>
         <p:txBody>
@@ -10247,48 +7962,72 @@
           <a:lstStyle/>
           <a:p>
             <a:r>
-              <a:rPr lang="en-US" sz="3200" dirty="0"/>
+              <a:rPr lang="en-US" sz="3200" dirty="0">
+                <a:latin typeface="ATT Aleck Sans" panose="020B0503020203020204" pitchFamily="34" charset="0"/>
+                <a:cs typeface="ATT Aleck Sans" panose="020B0503020203020204" pitchFamily="34" charset="0"/>
+              </a:rPr>
               <a:t>README BASED WORKSHOP</a:t>
             </a:r>
           </a:p>
           <a:p>
             <a:r>
-              <a:rPr lang="en-US" sz="3200" dirty="0"/>
+              <a:rPr lang="en-US" sz="3200" dirty="0">
+                <a:latin typeface="ATT Aleck Sans" panose="020B0503020203020204" pitchFamily="34" charset="0"/>
+                <a:cs typeface="ATT Aleck Sans" panose="020B0503020203020204" pitchFamily="34" charset="0"/>
+              </a:rPr>
               <a:t>HANDS ON!</a:t>
             </a:r>
           </a:p>
           <a:p>
             <a:r>
-              <a:rPr lang="en-US" sz="3200" dirty="0"/>
+              <a:rPr lang="en-US" sz="3200" dirty="0">
+                <a:latin typeface="ATT Aleck Sans" panose="020B0503020203020204" pitchFamily="34" charset="0"/>
+                <a:cs typeface="ATT Aleck Sans" panose="020B0503020203020204" pitchFamily="34" charset="0"/>
+              </a:rPr>
               <a:t>COVERS MOST OF THE BASIC &amp; IMPORTANT TOPICS OF SPRING BOOT</a:t>
             </a:r>
           </a:p>
           <a:p>
             <a:r>
-              <a:rPr lang="en-US" sz="3200" dirty="0"/>
+              <a:rPr lang="en-US" sz="3200" dirty="0">
+                <a:latin typeface="ATT Aleck Sans" panose="020B0503020203020204" pitchFamily="34" charset="0"/>
+                <a:cs typeface="ATT Aleck Sans" panose="020B0503020203020204" pitchFamily="34" charset="0"/>
+              </a:rPr>
               <a:t>BUILT INCREMENTALLY</a:t>
             </a:r>
           </a:p>
           <a:p>
             <a:r>
-              <a:rPr lang="en-US" sz="3200" dirty="0"/>
+              <a:rPr lang="en-US" sz="3200" dirty="0">
+                <a:latin typeface="ATT Aleck Sans" panose="020B0503020203020204" pitchFamily="34" charset="0"/>
+                <a:cs typeface="ATT Aleck Sans" panose="020B0503020203020204" pitchFamily="34" charset="0"/>
+              </a:rPr>
               <a:t>EVERY TOPIC HAS A BRANCH</a:t>
             </a:r>
           </a:p>
           <a:p>
             <a:r>
-              <a:rPr lang="en-US" sz="3200" dirty="0"/>
+              <a:rPr lang="en-US" sz="3200" dirty="0">
+                <a:latin typeface="ATT Aleck Sans" panose="020B0503020203020204" pitchFamily="34" charset="0"/>
+                <a:cs typeface="ATT Aleck Sans" panose="020B0503020203020204" pitchFamily="34" charset="0"/>
+              </a:rPr>
               <a:t>USE THE REPO AS A REFERENCE</a:t>
             </a:r>
           </a:p>
           <a:p>
             <a:r>
-              <a:rPr lang="en-US" sz="3200" dirty="0"/>
+              <a:rPr lang="en-US" sz="3200" dirty="0">
+                <a:latin typeface="ATT Aleck Sans" panose="020B0503020203020204" pitchFamily="34" charset="0"/>
+                <a:cs typeface="ATT Aleck Sans" panose="020B0503020203020204" pitchFamily="34" charset="0"/>
+              </a:rPr>
               <a:t>SUPPORT GROUP</a:t>
             </a:r>
           </a:p>
           <a:p>
-            <a:endParaRPr lang="en-IL" sz="3200" dirty="0"/>
+            <a:endParaRPr lang="en-IL" sz="3200" dirty="0">
+              <a:latin typeface="ATT Aleck Sans" panose="020B0503020203020204" pitchFamily="34" charset="0"/>
+              <a:cs typeface="ATT Aleck Sans" panose="020B0503020203020204" pitchFamily="34" charset="0"/>
+            </a:endParaRPr>
           </a:p>
         </p:txBody>
       </p:sp>
@@ -10300,7 +8039,7 @@
     </p:extLst>
   </p:cSld>
   <p:clrMapOvr>
-    <a:masterClrMapping/>
+    <a:overrideClrMapping bg1="dk1" tx1="lt1" bg2="dk2" tx2="lt2" accent1="accent1" accent2="accent2" accent3="accent3" accent4="accent4" accent5="accent5" accent6="accent6" hlink="hlink" folHlink="folHlink"/>
   </p:clrMapOvr>
   <p:timing>
     <p:tnLst>
@@ -10681,6 +8420,14 @@
 <file path=ppt/slides/slide4.xml><?xml version="1.0" encoding="utf-8"?>
 <p:sld xmlns:a="http://schemas.openxmlformats.org/drawingml/2006/main" xmlns:r="http://schemas.openxmlformats.org/officeDocument/2006/relationships" xmlns:p="http://schemas.openxmlformats.org/presentationml/2006/main">
   <p:cSld>
+    <p:bg>
+      <p:bgPr>
+        <a:solidFill>
+          <a:schemeClr val="bg2"/>
+        </a:solidFill>
+        <a:effectLst/>
+      </p:bgPr>
+    </p:bg>
     <p:spTree>
       <p:nvGrpSpPr>
         <p:cNvPr id="1" name=""/>
@@ -10713,8 +8460,8 @@
         </p:nvSpPr>
         <p:spPr>
           <a:xfrm>
-            <a:off x="456618" y="2602709"/>
-            <a:ext cx="10673838" cy="3880773"/>
+            <a:off x="1276423" y="2977227"/>
+            <a:ext cx="8596668" cy="3880773"/>
           </a:xfrm>
         </p:spPr>
         <p:txBody>
@@ -10723,14 +8470,16 @@
           </a:bodyPr>
           <a:lstStyle/>
           <a:p>
-            <a:pPr marL="0" indent="0" algn="ctr">
+            <a:pPr marL="0" indent="0">
               <a:buNone/>
             </a:pPr>
             <a:r>
-              <a:rPr lang="en-IL" sz="11500" dirty="0"/>
+              <a:rPr lang="en-IL" sz="9600" b="1" dirty="0">
+                <a:latin typeface="ATT Aleck Sans" panose="020B0503020203020204" pitchFamily="34" charset="0"/>
+                <a:cs typeface="ATT Aleck Sans" panose="020B0503020203020204" pitchFamily="34" charset="0"/>
+              </a:rPr>
               <a:t>MOTIVATION</a:t>
             </a:r>
-            <a:endParaRPr lang="en-IL" sz="16000" dirty="0"/>
           </a:p>
         </p:txBody>
       </p:sp>
@@ -10742,7 +8491,7 @@
     </p:extLst>
   </p:cSld>
   <p:clrMapOvr>
-    <a:masterClrMapping/>
+    <a:overrideClrMapping bg1="dk1" tx1="lt1" bg2="dk2" tx2="lt2" accent1="accent1" accent2="accent2" accent3="accent3" accent4="accent4" accent5="accent5" accent6="accent6" hlink="hlink" folHlink="folHlink"/>
   </p:clrMapOvr>
 </p:sld>
 </file>
@@ -10750,6 +8499,14 @@
 <file path=ppt/slides/slide5.xml><?xml version="1.0" encoding="utf-8"?>
 <p:sld xmlns:a="http://schemas.openxmlformats.org/drawingml/2006/main" xmlns:r="http://schemas.openxmlformats.org/officeDocument/2006/relationships" xmlns:p="http://schemas.openxmlformats.org/presentationml/2006/main">
   <p:cSld>
+    <p:bg>
+      <p:bgPr>
+        <a:solidFill>
+          <a:schemeClr val="bg2"/>
+        </a:solidFill>
+        <a:effectLst/>
+      </p:bgPr>
+    </p:bg>
     <p:spTree>
       <p:nvGrpSpPr>
         <p:cNvPr id="1" name=""/>
@@ -10780,12 +8537,7 @@
             <p:ph type="title"/>
           </p:nvPr>
         </p:nvSpPr>
-        <p:spPr>
-          <a:xfrm>
-            <a:off x="677334" y="345233"/>
-            <a:ext cx="8596668" cy="858416"/>
-          </a:xfrm>
-        </p:spPr>
+        <p:spPr/>
         <p:txBody>
           <a:bodyPr>
             <a:normAutofit/>
@@ -10793,7 +8545,10 @@
           <a:lstStyle/>
           <a:p>
             <a:r>
-              <a:rPr lang="en-IL" dirty="0"/>
+              <a:rPr lang="en-IL" b="1" dirty="0">
+                <a:latin typeface="ATT Aleck Sans" panose="020B0503020203020204" pitchFamily="34" charset="0"/>
+                <a:cs typeface="ATT Aleck Sans" panose="020B0503020203020204" pitchFamily="34" charset="0"/>
+              </a:rPr>
               <a:t>Spring Boot</a:t>
             </a:r>
           </a:p>
@@ -10817,89 +8572,67 @@
         </p:nvSpPr>
         <p:spPr>
           <a:xfrm>
-            <a:off x="687844" y="1285265"/>
-            <a:ext cx="8596668" cy="4945224"/>
+            <a:off x="603761" y="1435375"/>
+            <a:ext cx="8596668" cy="3880773"/>
           </a:xfrm>
         </p:spPr>
         <p:txBody>
           <a:bodyPr>
-            <a:normAutofit/>
+            <a:noAutofit/>
           </a:bodyPr>
           <a:lstStyle/>
           <a:p>
             <a:pPr marL="400050"/>
             <a:r>
               <a:rPr lang="en-US" sz="2800" dirty="0">
-                <a:solidFill>
-                  <a:schemeClr val="accent1"/>
-                </a:solidFill>
+                <a:latin typeface="ATT Aleck Sans" panose="020B0503020203020204" pitchFamily="34" charset="0"/>
+                <a:cs typeface="ATT Aleck Sans" panose="020B0503020203020204" pitchFamily="34" charset="0"/>
               </a:rPr>
-              <a:t>Spring</a:t>
-            </a:r>
-            <a:r>
-              <a:rPr lang="en-US" sz="2800" dirty="0"/>
-              <a:t> is an umbrella of projects, that aim to solve and ease </a:t>
-            </a:r>
-            <a:r>
+              <a:t>Spring is an umbrella of projects, that aim to solve and ease common problems in day-to-day development of enterprise applications.</a:t>
+            </a:r>
+            <a:br>
               <a:rPr lang="en-US" sz="2800" dirty="0">
-                <a:solidFill>
-                  <a:schemeClr val="accent1"/>
-                </a:solidFill>
+                <a:latin typeface="ATT Aleck Sans" panose="020B0503020203020204" pitchFamily="34" charset="0"/>
+                <a:cs typeface="ATT Aleck Sans" panose="020B0503020203020204" pitchFamily="34" charset="0"/>
               </a:rPr>
-              <a:t>common problems </a:t>
-            </a:r>
-            <a:r>
-              <a:rPr lang="en-US" sz="2800" dirty="0"/>
-              <a:t>in day-to-day development of enterprise applications.</a:t>
-            </a:r>
+            </a:br>
             <a:endParaRPr lang="en-US" sz="2800" dirty="0">
-              <a:solidFill>
-                <a:schemeClr val="accent1"/>
-              </a:solidFill>
+              <a:latin typeface="ATT Aleck Sans" panose="020B0503020203020204" pitchFamily="34" charset="0"/>
+              <a:cs typeface="ATT Aleck Sans" panose="020B0503020203020204" pitchFamily="34" charset="0"/>
             </a:endParaRPr>
           </a:p>
           <a:p>
             <a:pPr marL="400050"/>
             <a:r>
               <a:rPr lang="en-US" sz="2800" dirty="0">
-                <a:solidFill>
-                  <a:schemeClr val="accent1"/>
-                </a:solidFill>
+                <a:latin typeface="ATT Aleck Sans" panose="020B0503020203020204" pitchFamily="34" charset="0"/>
+                <a:cs typeface="ATT Aleck Sans" panose="020B0503020203020204" pitchFamily="34" charset="0"/>
               </a:rPr>
-              <a:t>Spring Boot </a:t>
-            </a:r>
-            <a:r>
-              <a:rPr lang="en-US" sz="2800" dirty="0"/>
-              <a:t>is a project that is built on top of the </a:t>
-            </a:r>
-            <a:r>
+              <a:t>Spring Boot is a project that is built on top of the Spring Framework. It provides an easier and faster way to set up, configure, and run applications.</a:t>
+            </a:r>
+            <a:br>
               <a:rPr lang="en-US" sz="2800" dirty="0">
-                <a:solidFill>
-                  <a:schemeClr val="accent1"/>
-                </a:solidFill>
+                <a:latin typeface="ATT Aleck Sans" panose="020B0503020203020204" pitchFamily="34" charset="0"/>
+                <a:cs typeface="ATT Aleck Sans" panose="020B0503020203020204" pitchFamily="34" charset="0"/>
               </a:rPr>
-              <a:t>Spring</a:t>
-            </a:r>
-            <a:r>
-              <a:rPr lang="en-US" sz="2800" dirty="0"/>
-              <a:t> Framework. It provides an easier and faster way to set up, configure, and run applications.</a:t>
-            </a:r>
+            </a:br>
+            <a:endParaRPr lang="en-US" sz="2800" dirty="0">
+              <a:latin typeface="ATT Aleck Sans" panose="020B0503020203020204" pitchFamily="34" charset="0"/>
+              <a:cs typeface="ATT Aleck Sans" panose="020B0503020203020204" pitchFamily="34" charset="0"/>
+            </a:endParaRPr>
           </a:p>
           <a:p>
             <a:pPr marL="400050"/>
             <a:r>
               <a:rPr lang="en-US" sz="2800" dirty="0">
-                <a:solidFill>
-                  <a:schemeClr val="accent1"/>
-                </a:solidFill>
+                <a:latin typeface="ATT Aleck Sans" panose="020B0503020203020204" pitchFamily="34" charset="0"/>
+                <a:cs typeface="ATT Aleck Sans" panose="020B0503020203020204" pitchFamily="34" charset="0"/>
               </a:rPr>
-              <a:t>Spring Boot </a:t>
-            </a:r>
-            <a:r>
-              <a:rPr lang="en-US" sz="2800" dirty="0"/>
-              <a:t>is based on the best practices and covers most of the use cases.</a:t>
-            </a:r>
-            <a:endParaRPr lang="ru-RU" sz="2800" dirty="0"/>
+              <a:t>Spring Boot is based on the best practices and covers most of the use cases.</a:t>
+            </a:r>
+            <a:endParaRPr lang="ru-RU" sz="2800" dirty="0">
+              <a:cs typeface="ATT Aleck Sans" panose="020B0503020203020204" pitchFamily="34" charset="0"/>
+            </a:endParaRPr>
           </a:p>
         </p:txBody>
       </p:sp>
@@ -10911,191 +8644,22 @@
     </p:extLst>
   </p:cSld>
   <p:clrMapOvr>
-    <a:masterClrMapping/>
+    <a:overrideClrMapping bg1="dk1" tx1="lt1" bg2="dk2" tx2="lt2" accent1="accent1" accent2="accent2" accent3="accent3" accent4="accent4" accent5="accent5" accent6="accent6" hlink="hlink" folHlink="folHlink"/>
   </p:clrMapOvr>
-  <p:timing>
-    <p:tnLst>
-      <p:par>
-        <p:cTn id="1" dur="indefinite" restart="never" nodeType="tmRoot">
-          <p:childTnLst>
-            <p:seq concurrent="1" nextAc="seek">
-              <p:cTn id="2" dur="indefinite" nodeType="mainSeq">
-                <p:childTnLst>
-                  <p:par>
-                    <p:cTn id="3" fill="hold">
-                      <p:stCondLst>
-                        <p:cond delay="indefinite"/>
-                      </p:stCondLst>
-                      <p:childTnLst>
-                        <p:par>
-                          <p:cTn id="4" fill="hold">
-                            <p:stCondLst>
-                              <p:cond delay="0"/>
-                            </p:stCondLst>
-                            <p:childTnLst>
-                              <p:par>
-                                <p:cTn id="5" presetID="1" presetClass="entr" presetSubtype="0" fill="hold" nodeType="clickEffect">
-                                  <p:stCondLst>
-                                    <p:cond delay="0"/>
-                                  </p:stCondLst>
-                                  <p:childTnLst>
-                                    <p:set>
-                                      <p:cBhvr>
-                                        <p:cTn id="6" dur="1" fill="hold">
-                                          <p:stCondLst>
-                                            <p:cond delay="0"/>
-                                          </p:stCondLst>
-                                        </p:cTn>
-                                        <p:tgtEl>
-                                          <p:spTgt spid="3">
-                                            <p:txEl>
-                                              <p:pRg st="1" end="1"/>
-                                            </p:txEl>
-                                          </p:spTgt>
-                                        </p:tgtEl>
-                                        <p:attrNameLst>
-                                          <p:attrName>style.visibility</p:attrName>
-                                        </p:attrNameLst>
-                                      </p:cBhvr>
-                                      <p:to>
-                                        <p:strVal val="visible"/>
-                                      </p:to>
-                                    </p:set>
-                                  </p:childTnLst>
-                                </p:cTn>
-                              </p:par>
-                            </p:childTnLst>
-                          </p:cTn>
-                        </p:par>
-                      </p:childTnLst>
-                    </p:cTn>
-                  </p:par>
-                  <p:par>
-                    <p:cTn id="7" fill="hold">
-                      <p:stCondLst>
-                        <p:cond delay="indefinite"/>
-                      </p:stCondLst>
-                      <p:childTnLst>
-                        <p:par>
-                          <p:cTn id="8" fill="hold">
-                            <p:stCondLst>
-                              <p:cond delay="0"/>
-                            </p:stCondLst>
-                            <p:childTnLst>
-                              <p:par>
-                                <p:cTn id="9" presetID="1" presetClass="entr" presetSubtype="0" fill="hold" nodeType="clickEffect">
-                                  <p:stCondLst>
-                                    <p:cond delay="0"/>
-                                  </p:stCondLst>
-                                  <p:childTnLst>
-                                    <p:set>
-                                      <p:cBhvr>
-                                        <p:cTn id="10" dur="1" fill="hold">
-                                          <p:stCondLst>
-                                            <p:cond delay="0"/>
-                                          </p:stCondLst>
-                                        </p:cTn>
-                                        <p:tgtEl>
-                                          <p:spTgt spid="3">
-                                            <p:txEl>
-                                              <p:pRg st="0" end="0"/>
-                                            </p:txEl>
-                                          </p:spTgt>
-                                        </p:tgtEl>
-                                        <p:attrNameLst>
-                                          <p:attrName>style.visibility</p:attrName>
-                                        </p:attrNameLst>
-                                      </p:cBhvr>
-                                      <p:to>
-                                        <p:strVal val="visible"/>
-                                      </p:to>
-                                    </p:set>
-                                  </p:childTnLst>
-                                </p:cTn>
-                              </p:par>
-                            </p:childTnLst>
-                          </p:cTn>
-                        </p:par>
-                      </p:childTnLst>
-                    </p:cTn>
-                  </p:par>
-                  <p:par>
-                    <p:cTn id="11" fill="hold">
-                      <p:stCondLst>
-                        <p:cond delay="indefinite"/>
-                      </p:stCondLst>
-                      <p:childTnLst>
-                        <p:par>
-                          <p:cTn id="12" fill="hold">
-                            <p:stCondLst>
-                              <p:cond delay="0"/>
-                            </p:stCondLst>
-                            <p:childTnLst>
-                              <p:par>
-                                <p:cTn id="13" presetID="1" presetClass="entr" presetSubtype="0" fill="hold" nodeType="clickEffect">
-                                  <p:stCondLst>
-                                    <p:cond delay="0"/>
-                                  </p:stCondLst>
-                                  <p:childTnLst>
-                                    <p:set>
-                                      <p:cBhvr>
-                                        <p:cTn id="14" dur="1" fill="hold">
-                                          <p:stCondLst>
-                                            <p:cond delay="0"/>
-                                          </p:stCondLst>
-                                        </p:cTn>
-                                        <p:tgtEl>
-                                          <p:spTgt spid="3">
-                                            <p:txEl>
-                                              <p:pRg st="2" end="2"/>
-                                            </p:txEl>
-                                          </p:spTgt>
-                                        </p:tgtEl>
-                                        <p:attrNameLst>
-                                          <p:attrName>style.visibility</p:attrName>
-                                        </p:attrNameLst>
-                                      </p:cBhvr>
-                                      <p:to>
-                                        <p:strVal val="visible"/>
-                                      </p:to>
-                                    </p:set>
-                                  </p:childTnLst>
-                                </p:cTn>
-                              </p:par>
-                            </p:childTnLst>
-                          </p:cTn>
-                        </p:par>
-                      </p:childTnLst>
-                    </p:cTn>
-                  </p:par>
-                </p:childTnLst>
-              </p:cTn>
-              <p:prevCondLst>
-                <p:cond evt="onPrev" delay="0">
-                  <p:tgtEl>
-                    <p:sldTgt/>
-                  </p:tgtEl>
-                </p:cond>
-              </p:prevCondLst>
-              <p:nextCondLst>
-                <p:cond evt="onNext" delay="0">
-                  <p:tgtEl>
-                    <p:sldTgt/>
-                  </p:tgtEl>
-                </p:cond>
-              </p:nextCondLst>
-            </p:seq>
-          </p:childTnLst>
-        </p:cTn>
-      </p:par>
-    </p:tnLst>
-  </p:timing>
 </p:sld>
 </file>
 
 <file path=ppt/slides/slide6.xml><?xml version="1.0" encoding="utf-8"?>
 <p:sld xmlns:a="http://schemas.openxmlformats.org/drawingml/2006/main" xmlns:r="http://schemas.openxmlformats.org/officeDocument/2006/relationships" xmlns:p="http://schemas.openxmlformats.org/presentationml/2006/main">
   <p:cSld>
+    <p:bg>
+      <p:bgPr>
+        <a:solidFill>
+          <a:schemeClr val="bg2"/>
+        </a:solidFill>
+        <a:effectLst/>
+      </p:bgPr>
+    </p:bg>
     <p:spTree>
       <p:nvGrpSpPr>
         <p:cNvPr id="1" name=""/>
@@ -11126,12 +8690,7 @@
             <p:ph type="title"/>
           </p:nvPr>
         </p:nvSpPr>
-        <p:spPr>
-          <a:xfrm>
-            <a:off x="677334" y="345233"/>
-            <a:ext cx="8596668" cy="858416"/>
-          </a:xfrm>
-        </p:spPr>
+        <p:spPr/>
         <p:txBody>
           <a:bodyPr>
             <a:normAutofit/>
@@ -11139,8 +8698,11 @@
           <a:lstStyle/>
           <a:p>
             <a:r>
-              <a:rPr lang="en-IL" dirty="0"/>
-              <a:t>Spring Boot (cont.)</a:t>
+              <a:rPr lang="en-IL" b="1" dirty="0">
+                <a:latin typeface="ATT Aleck Sans" panose="020B0503020203020204" pitchFamily="34" charset="0"/>
+                <a:cs typeface="ATT Aleck Sans" panose="020B0503020203020204" pitchFamily="34" charset="0"/>
+              </a:rPr>
+              <a:t>Spring Boot</a:t>
             </a:r>
           </a:p>
         </p:txBody>
@@ -11163,120 +8725,69 @@
         </p:nvSpPr>
         <p:spPr>
           <a:xfrm>
-            <a:off x="677334" y="1306286"/>
-            <a:ext cx="8596668" cy="4945224"/>
+            <a:off x="666823" y="1477417"/>
+            <a:ext cx="8596668" cy="3880773"/>
           </a:xfrm>
         </p:spPr>
         <p:txBody>
           <a:bodyPr>
-            <a:normAutofit/>
+            <a:noAutofit/>
           </a:bodyPr>
           <a:lstStyle/>
           <a:p>
-            <a:pPr marL="400050"/>
+            <a:pPr marL="57150" indent="0">
+              <a:buNone/>
+            </a:pPr>
+            <a:r>
+              <a:rPr lang="en-US" sz="2800" dirty="0">
+                <a:latin typeface="ATT Aleck Sans" panose="020B0503020203020204" pitchFamily="34" charset="0"/>
+                <a:cs typeface="ATT Aleck Sans" panose="020B0503020203020204" pitchFamily="34" charset="0"/>
+              </a:rPr>
+              <a:t>Spring Boot is used for creating a stand-alone </a:t>
+            </a:r>
+            <a:br>
+              <a:rPr lang="en-US" sz="2800" dirty="0">
+                <a:latin typeface="ATT Aleck Sans" panose="020B0503020203020204" pitchFamily="34" charset="0"/>
+                <a:cs typeface="ATT Aleck Sans" panose="020B0503020203020204" pitchFamily="34" charset="0"/>
+              </a:rPr>
+            </a:br>
+            <a:r>
+              <a:rPr lang="en-US" sz="2800" dirty="0">
+                <a:latin typeface="ATT Aleck Sans" panose="020B0503020203020204" pitchFamily="34" charset="0"/>
+                <a:cs typeface="ATT Aleck Sans" panose="020B0503020203020204" pitchFamily="34" charset="0"/>
+              </a:rPr>
+              <a:t>Spring-based application that you can just run because it needs minimal Spring configuration.</a:t>
+            </a:r>
+          </a:p>
+          <a:p>
+            <a:pPr lvl="2"/>
             <a:r>
               <a:rPr lang="en-US" sz="2400" dirty="0">
-                <a:solidFill>
-                  <a:schemeClr val="accent1"/>
-                </a:solidFill>
+                <a:latin typeface="ATT Aleck Sans" panose="020B0503020203020204" pitchFamily="34" charset="0"/>
+                <a:cs typeface="ATT Aleck Sans" panose="020B0503020203020204" pitchFamily="34" charset="0"/>
               </a:rPr>
-              <a:t>Spring Boot </a:t>
-            </a:r>
-            <a:r>
-              <a:rPr lang="en-US" sz="2400" dirty="0"/>
-              <a:t>is used for creating a stand-alone Spring-based application that you can just run because it needs minimal Spring configuration:</a:t>
+              <a:t> No need for web servlets, it has Tomcat inside;</a:t>
             </a:r>
           </a:p>
           <a:p>
             <a:pPr lvl="2"/>
             <a:r>
-              <a:rPr lang="en-US" sz="2400" dirty="0"/>
-              <a:t>No need for web servlets, it has Tomcat inside;</a:t>
+              <a:rPr lang="en-US" sz="2400" dirty="0">
+                <a:latin typeface="ATT Aleck Sans" panose="020B0503020203020204" pitchFamily="34" charset="0"/>
+                <a:cs typeface="ATT Aleck Sans" panose="020B0503020203020204" pitchFamily="34" charset="0"/>
+              </a:rPr>
+              <a:t> Configurations are packed inside;</a:t>
             </a:r>
           </a:p>
           <a:p>
             <a:pPr lvl="2"/>
             <a:r>
-              <a:rPr lang="en-US" sz="2400" dirty="0"/>
-              <a:t>Configurations are packed inside;</a:t>
-            </a:r>
-          </a:p>
-          <a:p>
-            <a:pPr lvl="2"/>
-            <a:r>
-              <a:rPr lang="en-US" sz="2400" dirty="0"/>
-              <a:t>Just run, and you have a Server on air.</a:t>
-            </a:r>
-          </a:p>
-          <a:p>
-            <a:pPr marL="400050"/>
-            <a:r>
               <a:rPr lang="en-US" sz="2400" dirty="0">
-                <a:solidFill>
-                  <a:schemeClr val="accent1"/>
-                </a:solidFill>
+                <a:latin typeface="ATT Aleck Sans" panose="020B0503020203020204" pitchFamily="34" charset="0"/>
+                <a:cs typeface="ATT Aleck Sans" panose="020B0503020203020204" pitchFamily="34" charset="0"/>
               </a:rPr>
-              <a:t>Spring Boot </a:t>
-            </a:r>
-            <a:r>
-              <a:rPr lang="en-US" sz="2400" dirty="0"/>
-              <a:t>provides opinionated 'starter' POMs to simplify our Maven configuration.</a:t>
-            </a:r>
-          </a:p>
-          <a:p>
-            <a:pPr marL="400050"/>
-            <a:r>
-              <a:rPr lang="en-US" sz="2400" dirty="0">
-                <a:solidFill>
-                  <a:schemeClr val="accent1"/>
-                </a:solidFill>
-              </a:rPr>
-              <a:t>Spring Boot</a:t>
-            </a:r>
-            <a:r>
-              <a:rPr lang="en-US" sz="2400" dirty="0"/>
-              <a:t> provides production-ready features such as </a:t>
-            </a:r>
-            <a:r>
-              <a:rPr lang="en-US" sz="2400" b="1" dirty="0"/>
-              <a:t>metrics</a:t>
-            </a:r>
-            <a:r>
-              <a:rPr lang="en-US" sz="2400" dirty="0"/>
-              <a:t>, </a:t>
-            </a:r>
-            <a:r>
-              <a:rPr lang="en-US" sz="2400" b="1" dirty="0"/>
-              <a:t>health</a:t>
-            </a:r>
-            <a:r>
-              <a:rPr lang="en-US" sz="2400" dirty="0"/>
-              <a:t> </a:t>
-            </a:r>
-            <a:r>
-              <a:rPr lang="en-US" sz="2400" b="1" dirty="0"/>
-              <a:t>checks</a:t>
-            </a:r>
-            <a:r>
-              <a:rPr lang="en-US" sz="2400" dirty="0"/>
-              <a:t>, and </a:t>
-            </a:r>
-            <a:r>
-              <a:rPr lang="en-US" sz="2400" b="1" dirty="0"/>
-              <a:t>externalized configuration</a:t>
-            </a:r>
-            <a:r>
-              <a:rPr lang="en-US" sz="2400" dirty="0"/>
-              <a:t>.</a:t>
-            </a:r>
-          </a:p>
-          <a:p>
-            <a:pPr marL="400050"/>
-            <a:endParaRPr lang="en-US" sz="2400" dirty="0"/>
-          </a:p>
-          <a:p>
-            <a:pPr marL="400050"/>
-            <a:endParaRPr lang="en-US" sz="2400" dirty="0"/>
+              <a:t> Just run, and you have a Server on air.</a:t>
+            </a:r>
           </a:p>
         </p:txBody>
       </p:sp>
@@ -11288,338 +8799,22 @@
     </p:extLst>
   </p:cSld>
   <p:clrMapOvr>
-    <a:masterClrMapping/>
+    <a:overrideClrMapping bg1="dk1" tx1="lt1" bg2="dk2" tx2="lt2" accent1="accent1" accent2="accent2" accent3="accent3" accent4="accent4" accent5="accent5" accent6="accent6" hlink="hlink" folHlink="folHlink"/>
   </p:clrMapOvr>
-  <p:timing>
-    <p:tnLst>
-      <p:par>
-        <p:cTn id="1" dur="indefinite" restart="never" nodeType="tmRoot">
-          <p:childTnLst>
-            <p:seq concurrent="1" nextAc="seek">
-              <p:cTn id="2" dur="indefinite" nodeType="mainSeq">
-                <p:childTnLst>
-                  <p:par>
-                    <p:cTn id="3" fill="hold">
-                      <p:stCondLst>
-                        <p:cond delay="indefinite"/>
-                      </p:stCondLst>
-                      <p:childTnLst>
-                        <p:par>
-                          <p:cTn id="4" fill="hold">
-                            <p:stCondLst>
-                              <p:cond delay="0"/>
-                            </p:stCondLst>
-                            <p:childTnLst>
-                              <p:par>
-                                <p:cTn id="5" presetID="1" presetClass="entr" presetSubtype="0" fill="hold" nodeType="clickEffect">
-                                  <p:stCondLst>
-                                    <p:cond delay="0"/>
-                                  </p:stCondLst>
-                                  <p:childTnLst>
-                                    <p:set>
-                                      <p:cBhvr>
-                                        <p:cTn id="6" dur="1" fill="hold">
-                                          <p:stCondLst>
-                                            <p:cond delay="0"/>
-                                          </p:stCondLst>
-                                        </p:cTn>
-                                        <p:tgtEl>
-                                          <p:spTgt spid="3">
-                                            <p:txEl>
-                                              <p:pRg st="0" end="0"/>
-                                            </p:txEl>
-                                          </p:spTgt>
-                                        </p:tgtEl>
-                                        <p:attrNameLst>
-                                          <p:attrName>style.visibility</p:attrName>
-                                        </p:attrNameLst>
-                                      </p:cBhvr>
-                                      <p:to>
-                                        <p:strVal val="visible"/>
-                                      </p:to>
-                                    </p:set>
-                                  </p:childTnLst>
-                                </p:cTn>
-                              </p:par>
-                            </p:childTnLst>
-                          </p:cTn>
-                        </p:par>
-                      </p:childTnLst>
-                    </p:cTn>
-                  </p:par>
-                  <p:par>
-                    <p:cTn id="7" fill="hold">
-                      <p:stCondLst>
-                        <p:cond delay="indefinite"/>
-                      </p:stCondLst>
-                      <p:childTnLst>
-                        <p:par>
-                          <p:cTn id="8" fill="hold">
-                            <p:stCondLst>
-                              <p:cond delay="0"/>
-                            </p:stCondLst>
-                            <p:childTnLst>
-                              <p:par>
-                                <p:cTn id="9" presetID="1" presetClass="entr" presetSubtype="0" fill="hold" nodeType="clickEffect">
-                                  <p:stCondLst>
-                                    <p:cond delay="0"/>
-                                  </p:stCondLst>
-                                  <p:childTnLst>
-                                    <p:set>
-                                      <p:cBhvr>
-                                        <p:cTn id="10" dur="1" fill="hold">
-                                          <p:stCondLst>
-                                            <p:cond delay="0"/>
-                                          </p:stCondLst>
-                                        </p:cTn>
-                                        <p:tgtEl>
-                                          <p:spTgt spid="3">
-                                            <p:txEl>
-                                              <p:pRg st="1" end="1"/>
-                                            </p:txEl>
-                                          </p:spTgt>
-                                        </p:tgtEl>
-                                        <p:attrNameLst>
-                                          <p:attrName>style.visibility</p:attrName>
-                                        </p:attrNameLst>
-                                      </p:cBhvr>
-                                      <p:to>
-                                        <p:strVal val="visible"/>
-                                      </p:to>
-                                    </p:set>
-                                  </p:childTnLst>
-                                </p:cTn>
-                              </p:par>
-                            </p:childTnLst>
-                          </p:cTn>
-                        </p:par>
-                      </p:childTnLst>
-                    </p:cTn>
-                  </p:par>
-                  <p:par>
-                    <p:cTn id="11" fill="hold">
-                      <p:stCondLst>
-                        <p:cond delay="indefinite"/>
-                      </p:stCondLst>
-                      <p:childTnLst>
-                        <p:par>
-                          <p:cTn id="12" fill="hold">
-                            <p:stCondLst>
-                              <p:cond delay="0"/>
-                            </p:stCondLst>
-                            <p:childTnLst>
-                              <p:par>
-                                <p:cTn id="13" presetID="1" presetClass="entr" presetSubtype="0" fill="hold" nodeType="clickEffect">
-                                  <p:stCondLst>
-                                    <p:cond delay="0"/>
-                                  </p:stCondLst>
-                                  <p:childTnLst>
-                                    <p:set>
-                                      <p:cBhvr>
-                                        <p:cTn id="14" dur="1" fill="hold">
-                                          <p:stCondLst>
-                                            <p:cond delay="0"/>
-                                          </p:stCondLst>
-                                        </p:cTn>
-                                        <p:tgtEl>
-                                          <p:spTgt spid="3">
-                                            <p:txEl>
-                                              <p:pRg st="2" end="2"/>
-                                            </p:txEl>
-                                          </p:spTgt>
-                                        </p:tgtEl>
-                                        <p:attrNameLst>
-                                          <p:attrName>style.visibility</p:attrName>
-                                        </p:attrNameLst>
-                                      </p:cBhvr>
-                                      <p:to>
-                                        <p:strVal val="visible"/>
-                                      </p:to>
-                                    </p:set>
-                                  </p:childTnLst>
-                                </p:cTn>
-                              </p:par>
-                            </p:childTnLst>
-                          </p:cTn>
-                        </p:par>
-                      </p:childTnLst>
-                    </p:cTn>
-                  </p:par>
-                  <p:par>
-                    <p:cTn id="15" fill="hold">
-                      <p:stCondLst>
-                        <p:cond delay="indefinite"/>
-                      </p:stCondLst>
-                      <p:childTnLst>
-                        <p:par>
-                          <p:cTn id="16" fill="hold">
-                            <p:stCondLst>
-                              <p:cond delay="0"/>
-                            </p:stCondLst>
-                            <p:childTnLst>
-                              <p:par>
-                                <p:cTn id="17" presetID="1" presetClass="entr" presetSubtype="0" fill="hold" nodeType="clickEffect">
-                                  <p:stCondLst>
-                                    <p:cond delay="0"/>
-                                  </p:stCondLst>
-                                  <p:childTnLst>
-                                    <p:set>
-                                      <p:cBhvr>
-                                        <p:cTn id="18" dur="1" fill="hold">
-                                          <p:stCondLst>
-                                            <p:cond delay="0"/>
-                                          </p:stCondLst>
-                                        </p:cTn>
-                                        <p:tgtEl>
-                                          <p:spTgt spid="3">
-                                            <p:txEl>
-                                              <p:pRg st="3" end="3"/>
-                                            </p:txEl>
-                                          </p:spTgt>
-                                        </p:tgtEl>
-                                        <p:attrNameLst>
-                                          <p:attrName>style.visibility</p:attrName>
-                                        </p:attrNameLst>
-                                      </p:cBhvr>
-                                      <p:to>
-                                        <p:strVal val="visible"/>
-                                      </p:to>
-                                    </p:set>
-                                  </p:childTnLst>
-                                </p:cTn>
-                              </p:par>
-                            </p:childTnLst>
-                          </p:cTn>
-                        </p:par>
-                      </p:childTnLst>
-                    </p:cTn>
-                  </p:par>
-                  <p:par>
-                    <p:cTn id="19" fill="hold">
-                      <p:stCondLst>
-                        <p:cond delay="indefinite"/>
-                      </p:stCondLst>
-                      <p:childTnLst>
-                        <p:par>
-                          <p:cTn id="20" fill="hold">
-                            <p:stCondLst>
-                              <p:cond delay="0"/>
-                            </p:stCondLst>
-                            <p:childTnLst>
-                              <p:par>
-                                <p:cTn id="21" presetID="1" presetClass="entr" presetSubtype="0" fill="hold" nodeType="clickEffect">
-                                  <p:stCondLst>
-                                    <p:cond delay="0"/>
-                                  </p:stCondLst>
-                                  <p:childTnLst>
-                                    <p:set>
-                                      <p:cBhvr>
-                                        <p:cTn id="22" dur="1" fill="hold">
-                                          <p:stCondLst>
-                                            <p:cond delay="0"/>
-                                          </p:stCondLst>
-                                        </p:cTn>
-                                        <p:tgtEl>
-                                          <p:spTgt spid="3">
-                                            <p:txEl>
-                                              <p:pRg st="4" end="4"/>
-                                            </p:txEl>
-                                          </p:spTgt>
-                                        </p:tgtEl>
-                                        <p:attrNameLst>
-                                          <p:attrName>style.visibility</p:attrName>
-                                        </p:attrNameLst>
-                                      </p:cBhvr>
-                                      <p:to>
-                                        <p:strVal val="visible"/>
-                                      </p:to>
-                                    </p:set>
-                                  </p:childTnLst>
-                                </p:cTn>
-                              </p:par>
-                            </p:childTnLst>
-                          </p:cTn>
-                        </p:par>
-                      </p:childTnLst>
-                    </p:cTn>
-                  </p:par>
-                  <p:par>
-                    <p:cTn id="23" fill="hold">
-                      <p:stCondLst>
-                        <p:cond delay="indefinite"/>
-                      </p:stCondLst>
-                      <p:childTnLst>
-                        <p:par>
-                          <p:cTn id="24" fill="hold">
-                            <p:stCondLst>
-                              <p:cond delay="0"/>
-                            </p:stCondLst>
-                            <p:childTnLst>
-                              <p:par>
-                                <p:cTn id="25" presetID="1" presetClass="entr" presetSubtype="0" fill="hold" nodeType="clickEffect">
-                                  <p:stCondLst>
-                                    <p:cond delay="0"/>
-                                  </p:stCondLst>
-                                  <p:childTnLst>
-                                    <p:set>
-                                      <p:cBhvr>
-                                        <p:cTn id="26" dur="1" fill="hold">
-                                          <p:stCondLst>
-                                            <p:cond delay="0"/>
-                                          </p:stCondLst>
-                                        </p:cTn>
-                                        <p:tgtEl>
-                                          <p:spTgt spid="3">
-                                            <p:txEl>
-                                              <p:pRg st="5" end="5"/>
-                                            </p:txEl>
-                                          </p:spTgt>
-                                        </p:tgtEl>
-                                        <p:attrNameLst>
-                                          <p:attrName>style.visibility</p:attrName>
-                                        </p:attrNameLst>
-                                      </p:cBhvr>
-                                      <p:to>
-                                        <p:strVal val="visible"/>
-                                      </p:to>
-                                    </p:set>
-                                  </p:childTnLst>
-                                </p:cTn>
-                              </p:par>
-                            </p:childTnLst>
-                          </p:cTn>
-                        </p:par>
-                      </p:childTnLst>
-                    </p:cTn>
-                  </p:par>
-                </p:childTnLst>
-              </p:cTn>
-              <p:prevCondLst>
-                <p:cond evt="onPrev" delay="0">
-                  <p:tgtEl>
-                    <p:sldTgt/>
-                  </p:tgtEl>
-                </p:cond>
-              </p:prevCondLst>
-              <p:nextCondLst>
-                <p:cond evt="onNext" delay="0">
-                  <p:tgtEl>
-                    <p:sldTgt/>
-                  </p:tgtEl>
-                </p:cond>
-              </p:nextCondLst>
-            </p:seq>
-          </p:childTnLst>
-        </p:cTn>
-      </p:par>
-    </p:tnLst>
-  </p:timing>
 </p:sld>
 </file>
 
 <file path=ppt/slides/slide7.xml><?xml version="1.0" encoding="utf-8"?>
 <p:sld xmlns:a="http://schemas.openxmlformats.org/drawingml/2006/main" xmlns:r="http://schemas.openxmlformats.org/officeDocument/2006/relationships" xmlns:p="http://schemas.openxmlformats.org/presentationml/2006/main">
   <p:cSld>
+    <p:bg>
+      <p:bgPr>
+        <a:solidFill>
+          <a:schemeClr val="bg2"/>
+        </a:solidFill>
+        <a:effectLst/>
+      </p:bgPr>
+    </p:bg>
     <p:spTree>
       <p:nvGrpSpPr>
         <p:cNvPr id="1" name=""/>
@@ -11639,7 +8834,7 @@
           <p:cNvPr id="2" name="Title 1">
             <a:extLst>
               <a:ext uri="{FF2B5EF4-FFF2-40B4-BE49-F238E27FC236}">
-                <a16:creationId xmlns:a16="http://schemas.microsoft.com/office/drawing/2014/main" id="{8F5127E2-9264-E9CB-DD10-E00D462BFAF2}"/>
+                <a16:creationId xmlns:a16="http://schemas.microsoft.com/office/drawing/2014/main" id="{3D818256-1F68-1CA5-64C3-132D1FE721A4}"/>
               </a:ext>
             </a:extLst>
           </p:cNvPr>
@@ -11650,12 +8845,7 @@
             <p:ph type="title"/>
           </p:nvPr>
         </p:nvSpPr>
-        <p:spPr>
-          <a:xfrm>
-            <a:off x="677334" y="345233"/>
-            <a:ext cx="8596668" cy="858416"/>
-          </a:xfrm>
-        </p:spPr>
+        <p:spPr/>
         <p:txBody>
           <a:bodyPr>
             <a:normAutofit/>
@@ -11663,8 +8853,11 @@
           <a:lstStyle/>
           <a:p>
             <a:r>
-              <a:rPr lang="en-IL" dirty="0"/>
-              <a:t>Spring Boot (cont.)</a:t>
+              <a:rPr lang="en-IL" b="1">
+                <a:latin typeface="ATT Aleck Sans" panose="020B0503020203020204" pitchFamily="34" charset="0"/>
+                <a:cs typeface="ATT Aleck Sans" panose="020B0503020203020204" pitchFamily="34" charset="0"/>
+              </a:rPr>
+              <a:t>Inversion of Control (IoC)</a:t>
             </a:r>
           </a:p>
         </p:txBody>
@@ -11674,7 +8867,7 @@
           <p:cNvPr id="3" name="Content Placeholder 2">
             <a:extLst>
               <a:ext uri="{FF2B5EF4-FFF2-40B4-BE49-F238E27FC236}">
-                <a16:creationId xmlns:a16="http://schemas.microsoft.com/office/drawing/2014/main" id="{D0BDD530-32D2-007A-86C5-1583B831586C}"/>
+                <a16:creationId xmlns:a16="http://schemas.microsoft.com/office/drawing/2014/main" id="{99E34243-09E5-8F02-1D25-313D3FFD8913}"/>
               </a:ext>
             </a:extLst>
           </p:cNvPr>
@@ -11687,8 +8880,8 @@
         </p:nvSpPr>
         <p:spPr>
           <a:xfrm>
-            <a:off x="677334" y="1306286"/>
-            <a:ext cx="8596668" cy="4945224"/>
+            <a:off x="246410" y="1445886"/>
+            <a:ext cx="8596668" cy="3880773"/>
           </a:xfrm>
         </p:spPr>
         <p:txBody>
@@ -11697,69 +8890,31 @@
           </a:bodyPr>
           <a:lstStyle/>
           <a:p>
-            <a:pPr marL="400050"/>
-            <a:r>
-              <a:rPr lang="en-US" sz="2400" dirty="0">
-                <a:solidFill>
-                  <a:schemeClr val="accent1"/>
-                </a:solidFill>
+            <a:pPr marL="457200" lvl="1" indent="0">
+              <a:lnSpc>
+                <a:spcPct val="150000"/>
+              </a:lnSpc>
+              <a:buNone/>
+            </a:pPr>
+            <a:r>
+              <a:rPr lang="en-US" sz="2800" dirty="0">
+                <a:latin typeface="ATT Aleck Sans" panose="020B0503020203020204" pitchFamily="34" charset="0"/>
+                <a:cs typeface="ATT Aleck Sans" panose="020B0503020203020204" pitchFamily="34" charset="0"/>
               </a:rPr>
-              <a:t>Spring Boot </a:t>
-            </a:r>
-            <a:r>
-              <a:rPr lang="en-US" sz="2400" dirty="0"/>
-              <a:t>uses the ”</a:t>
-            </a:r>
-            <a:r>
-              <a:rPr lang="en-US" sz="2400" i="1" dirty="0"/>
-              <a:t>convention over configuration</a:t>
-            </a:r>
-            <a:r>
-              <a:rPr lang="en-US" sz="2400" dirty="0"/>
-              <a:t>” software design paradigm, which decreases the developer’s effort. Using Spring Boot, we avoid some of the boilerplate code and configurations required by Spring:</a:t>
-            </a:r>
-          </a:p>
-          <a:p>
-            <a:pPr marL="800100" lvl="1"/>
-            <a:r>
-              <a:rPr lang="en-US" sz="1800" dirty="0"/>
-              <a:t>Just follow the convention and get it all for free</a:t>
-            </a:r>
-          </a:p>
-          <a:p>
-            <a:pPr marL="800100" lvl="1"/>
-            <a:endParaRPr lang="en-US" sz="1800" dirty="0"/>
-          </a:p>
-          <a:p>
-            <a:r>
-              <a:rPr lang="en-US" sz="2400" i="1" dirty="0"/>
-              <a:t>“Spring boot makes it easy to create stand-alone production-grade Spring-based Applications that you can ‘just run’.” </a:t>
-            </a:r>
-          </a:p>
-          <a:p>
-            <a:pPr marL="457200" lvl="1" indent="0">
-              <a:buNone/>
-            </a:pPr>
-            <a:r>
-              <a:rPr lang="en-US" sz="1600" i="1" dirty="0"/>
-              <a:t>				(from the Spring official site)</a:t>
-            </a:r>
-          </a:p>
-          <a:p>
-            <a:pPr marL="400050"/>
-            <a:endParaRPr lang="en-US" sz="2000" dirty="0"/>
+              <a:t>Inversion of Control (IoC) is a design principle where the control of object creation and lifecycle management is transferred from the application code to a container or framework.</a:t>
+            </a:r>
           </a:p>
         </p:txBody>
       </p:sp>
     </p:spTree>
     <p:extLst>
       <p:ext uri="{BB962C8B-B14F-4D97-AF65-F5344CB8AC3E}">
-        <p14:creationId xmlns:p14="http://schemas.microsoft.com/office/powerpoint/2010/main" val="4088181549"/>
+        <p14:creationId xmlns:p14="http://schemas.microsoft.com/office/powerpoint/2010/main" val="732303042"/>
       </p:ext>
     </p:extLst>
   </p:cSld>
   <p:clrMapOvr>
-    <a:masterClrMapping/>
+    <a:overrideClrMapping bg1="dk1" tx1="lt1" bg2="dk2" tx2="lt2" accent1="accent1" accent2="accent2" accent3="accent3" accent4="accent4" accent5="accent5" accent6="accent6" hlink="hlink" folHlink="folHlink"/>
   </p:clrMapOvr>
 </p:sld>
 </file>
@@ -11767,6 +8922,14 @@
 <file path=ppt/slides/slide8.xml><?xml version="1.0" encoding="utf-8"?>
 <p:sld xmlns:a="http://schemas.openxmlformats.org/drawingml/2006/main" xmlns:r="http://schemas.openxmlformats.org/officeDocument/2006/relationships" xmlns:p="http://schemas.openxmlformats.org/presentationml/2006/main">
   <p:cSld>
+    <p:bg>
+      <p:bgPr>
+        <a:solidFill>
+          <a:schemeClr val="bg2"/>
+        </a:solidFill>
+        <a:effectLst/>
+      </p:bgPr>
+    </p:bg>
     <p:spTree>
       <p:nvGrpSpPr>
         <p:cNvPr id="1" name=""/>
@@ -11786,7 +8949,7 @@
           <p:cNvPr id="2" name="Title 1">
             <a:extLst>
               <a:ext uri="{FF2B5EF4-FFF2-40B4-BE49-F238E27FC236}">
-                <a16:creationId xmlns:a16="http://schemas.microsoft.com/office/drawing/2014/main" id="{3D818256-1F68-1CA5-64C3-132D1FE721A4}"/>
+                <a16:creationId xmlns:a16="http://schemas.microsoft.com/office/drawing/2014/main" id="{CC0DA605-5F54-5A7E-AFE2-FF24D8BBCE10}"/>
               </a:ext>
             </a:extLst>
           </p:cNvPr>
@@ -11797,12 +8960,7 @@
             <p:ph type="title"/>
           </p:nvPr>
         </p:nvSpPr>
-        <p:spPr>
-          <a:xfrm>
-            <a:off x="515938" y="404813"/>
-            <a:ext cx="10709110" cy="782856"/>
-          </a:xfrm>
-        </p:spPr>
+        <p:spPr/>
         <p:txBody>
           <a:bodyPr>
             <a:normAutofit/>
@@ -11810,8 +8968,11 @@
           <a:lstStyle/>
           <a:p>
             <a:r>
-              <a:rPr lang="en-IL" dirty="0"/>
-              <a:t>Inversion of Control (IoC)</a:t>
+              <a:rPr lang="en-IL" b="1" dirty="0">
+                <a:latin typeface="ATT Aleck Sans" panose="020B0503020203020204" pitchFamily="34" charset="0"/>
+                <a:cs typeface="ATT Aleck Sans" panose="020B0503020203020204" pitchFamily="34" charset="0"/>
+              </a:rPr>
+              <a:t>Purposes of IoC</a:t>
             </a:r>
           </a:p>
         </p:txBody>
@@ -11821,7 +8982,7 @@
           <p:cNvPr id="3" name="Content Placeholder 2">
             <a:extLst>
               <a:ext uri="{FF2B5EF4-FFF2-40B4-BE49-F238E27FC236}">
-                <a16:creationId xmlns:a16="http://schemas.microsoft.com/office/drawing/2014/main" id="{99E34243-09E5-8F02-1D25-313D3FFD8913}"/>
+                <a16:creationId xmlns:a16="http://schemas.microsoft.com/office/drawing/2014/main" id="{BC5F8EC1-FE59-2C1C-561E-3C475AD57C09}"/>
               </a:ext>
             </a:extLst>
           </p:cNvPr>
@@ -11834,22 +8995,83 @@
         </p:nvSpPr>
         <p:spPr>
           <a:xfrm>
-            <a:off x="200627" y="1330762"/>
+            <a:off x="561720" y="1372313"/>
             <a:ext cx="8596668" cy="3880773"/>
           </a:xfrm>
         </p:spPr>
         <p:txBody>
           <a:bodyPr>
-            <a:normAutofit/>
+            <a:noAutofit/>
           </a:bodyPr>
           <a:lstStyle/>
           <a:p>
-            <a:pPr marL="457200" lvl="1" indent="0">
-              <a:buNone/>
+            <a:pPr>
+              <a:lnSpc>
+                <a:spcPct val="150000"/>
+              </a:lnSpc>
             </a:pPr>
             <a:r>
-              <a:rPr lang="en-US" sz="3200" dirty="0"/>
-              <a:t>Inversion of Control (IoC) is a design principle where the control of object creation and lifecycle management is transferred from the application code to a container or framework.</a:t>
+              <a:rPr lang="en-US" sz="2400" dirty="0">
+                <a:latin typeface="ATT Aleck Sans" panose="020B0503020203020204" pitchFamily="34" charset="0"/>
+                <a:cs typeface="ATT Aleck Sans" panose="020B0503020203020204" pitchFamily="34" charset="0"/>
+              </a:rPr>
+              <a:t>To focus a module on the task it is designed for</a:t>
+            </a:r>
+          </a:p>
+          <a:p>
+            <a:pPr>
+              <a:lnSpc>
+                <a:spcPct val="150000"/>
+              </a:lnSpc>
+            </a:pPr>
+            <a:r>
+              <a:rPr lang="en-US" sz="2400" dirty="0">
+                <a:latin typeface="ATT Aleck Sans" panose="020B0503020203020204" pitchFamily="34" charset="0"/>
+                <a:cs typeface="ATT Aleck Sans" panose="020B0503020203020204" pitchFamily="34" charset="0"/>
+              </a:rPr>
+              <a:t>To free modules from assumptions about how other systems do what they do, rely on contracts.</a:t>
+            </a:r>
+          </a:p>
+          <a:p>
+            <a:pPr>
+              <a:lnSpc>
+                <a:spcPct val="150000"/>
+              </a:lnSpc>
+            </a:pPr>
+            <a:r>
+              <a:rPr lang="en-US" sz="2400" dirty="0">
+                <a:latin typeface="ATT Aleck Sans" panose="020B0503020203020204" pitchFamily="34" charset="0"/>
+                <a:cs typeface="ATT Aleck Sans" panose="020B0503020203020204" pitchFamily="34" charset="0"/>
+              </a:rPr>
+              <a:t>To decouple the execution of a task from its implementation</a:t>
+            </a:r>
+          </a:p>
+          <a:p>
+            <a:pPr>
+              <a:lnSpc>
+                <a:spcPct val="150000"/>
+              </a:lnSpc>
+            </a:pPr>
+            <a:r>
+              <a:rPr lang="en-US" sz="2400" dirty="0">
+                <a:latin typeface="ATT Aleck Sans" panose="020B0503020203020204" pitchFamily="34" charset="0"/>
+                <a:cs typeface="ATT Aleck Sans" panose="020B0503020203020204" pitchFamily="34" charset="0"/>
+              </a:rPr>
+              <a:t>Greater modularity of a program</a:t>
+            </a:r>
+          </a:p>
+          <a:p>
+            <a:pPr>
+              <a:lnSpc>
+                <a:spcPct val="150000"/>
+              </a:lnSpc>
+            </a:pPr>
+            <a:r>
+              <a:rPr lang="en-US" sz="2400" dirty="0">
+                <a:latin typeface="ATT Aleck Sans" panose="020B0503020203020204" pitchFamily="34" charset="0"/>
+                <a:cs typeface="ATT Aleck Sans" panose="020B0503020203020204" pitchFamily="34" charset="0"/>
+              </a:rPr>
+              <a:t>Greater ease in testing a program by isolating a component or mocking its dependencies</a:t>
             </a:r>
           </a:p>
         </p:txBody>
@@ -11857,12 +9079,12 @@
     </p:spTree>
     <p:extLst>
       <p:ext uri="{BB962C8B-B14F-4D97-AF65-F5344CB8AC3E}">
-        <p14:creationId xmlns:p14="http://schemas.microsoft.com/office/powerpoint/2010/main" val="732303042"/>
+        <p14:creationId xmlns:p14="http://schemas.microsoft.com/office/powerpoint/2010/main" val="1967367102"/>
       </p:ext>
     </p:extLst>
   </p:cSld>
   <p:clrMapOvr>
-    <a:masterClrMapping/>
+    <a:overrideClrMapping bg1="dk1" tx1="lt1" bg2="dk2" tx2="lt2" accent1="accent1" accent2="accent2" accent3="accent3" accent4="accent4" accent5="accent5" accent6="accent6" hlink="hlink" folHlink="folHlink"/>
   </p:clrMapOvr>
 </p:sld>
 </file>
@@ -11870,6 +9092,11 @@
 <file path=ppt/slides/slide9.xml><?xml version="1.0" encoding="utf-8"?>
 <p:sld xmlns:a="http://schemas.openxmlformats.org/drawingml/2006/main" xmlns:r="http://schemas.openxmlformats.org/officeDocument/2006/relationships" xmlns:p="http://schemas.openxmlformats.org/presentationml/2006/main">
   <p:cSld>
+    <p:bg>
+      <p:bgRef idx="1001">
+        <a:schemeClr val="bg2"/>
+      </p:bgRef>
+    </p:bg>
     <p:spTree>
       <p:nvGrpSpPr>
         <p:cNvPr id="1" name=""/>
@@ -11889,7 +9116,7 @@
           <p:cNvPr id="2" name="Title 1">
             <a:extLst>
               <a:ext uri="{FF2B5EF4-FFF2-40B4-BE49-F238E27FC236}">
-                <a16:creationId xmlns:a16="http://schemas.microsoft.com/office/drawing/2014/main" id="{CC0DA605-5F54-5A7E-AFE2-FF24D8BBCE10}"/>
+                <a16:creationId xmlns:a16="http://schemas.microsoft.com/office/drawing/2014/main" id="{33613CEB-B33C-5604-02BC-3036BDA84F19}"/>
               </a:ext>
             </a:extLst>
           </p:cNvPr>
@@ -11902,14 +9129,14 @@
         </p:nvSpPr>
         <p:spPr/>
         <p:txBody>
-          <a:bodyPr>
-            <a:normAutofit fontScale="90000"/>
+          <a:bodyPr vert="horz" lIns="91440" tIns="45720" rIns="91440" bIns="45720" rtlCol="0" anchor="t">
+            <a:normAutofit/>
           </a:bodyPr>
           <a:lstStyle/>
           <a:p>
             <a:r>
-              <a:rPr lang="en-IL" dirty="0"/>
-              <a:t>Purposes of IoC:</a:t>
+              <a:rPr lang="en-US" b="1" dirty="0"/>
+              <a:t>Let’s create a class using traditional OOP programming approach</a:t>
             </a:r>
           </a:p>
         </p:txBody>
@@ -11919,7 +9146,7 @@
           <p:cNvPr id="3" name="Content Placeholder 2">
             <a:extLst>
               <a:ext uri="{FF2B5EF4-FFF2-40B4-BE49-F238E27FC236}">
-                <a16:creationId xmlns:a16="http://schemas.microsoft.com/office/drawing/2014/main" id="{BC5F8EC1-FE59-2C1C-561E-3C475AD57C09}"/>
+                <a16:creationId xmlns:a16="http://schemas.microsoft.com/office/drawing/2014/main" id="{03CDAC2F-998A-9E7F-DD71-83F787124D43}"/>
               </a:ext>
             </a:extLst>
           </p:cNvPr>
@@ -11927,349 +9154,375 @@
             <a:spLocks noGrp="1"/>
           </p:cNvSpPr>
           <p:nvPr>
-            <p:ph idx="1"/>
+            <p:ph sz="half" idx="1"/>
           </p:nvPr>
         </p:nvSpPr>
         <p:spPr>
           <a:xfrm>
-            <a:off x="677334" y="1488613"/>
-            <a:ext cx="8596668" cy="3880773"/>
+            <a:off x="714702" y="1954925"/>
+            <a:ext cx="9732581" cy="4086438"/>
           </a:xfrm>
         </p:spPr>
         <p:txBody>
-          <a:bodyPr>
-            <a:normAutofit lnSpcReduction="10000"/>
+          <a:bodyPr vert="horz" lIns="91440" tIns="45720" rIns="91440" bIns="45720" rtlCol="0">
+            <a:normAutofit/>
           </a:bodyPr>
           <a:lstStyle/>
           <a:p>
-            <a:r>
-              <a:rPr lang="en-US" sz="2800" dirty="0">
+            <a:pPr marL="0" indent="0">
+              <a:buNone/>
+            </a:pPr>
+            <a:r>
+              <a:rPr lang="en-US" sz="2000" dirty="0">
                 <a:solidFill>
-                  <a:srgbClr val="202122"/>
+                  <a:srgbClr val="FFFFFF"/>
                 </a:solidFill>
-                <a:latin typeface="Arial" panose="020B0604020202020204" pitchFamily="34" charset="0"/>
+                <a:latin typeface="ATT Aleck Sans" panose="020B0503020203020204" pitchFamily="34" charset="0"/>
+                <a:cs typeface="ATT Aleck Sans" panose="020B0503020203020204" pitchFamily="34" charset="0"/>
               </a:rPr>
-              <a:t>To focus a module on the task it is designed for</a:t>
-            </a:r>
-            <a:endParaRPr lang="en-US" sz="2800" dirty="0"/>
-          </a:p>
-          <a:p>
-            <a:r>
-              <a:rPr lang="en-US" sz="2800" dirty="0"/>
-              <a:t>To free modules from assumptions about how other systems do what they do, rely on contracts.</a:t>
-            </a:r>
-          </a:p>
-          <a:p>
-            <a:r>
-              <a:rPr lang="en-US" sz="2800" dirty="0"/>
-              <a:t>To decouple the execution of a task from its implementation</a:t>
-            </a:r>
-          </a:p>
-          <a:p>
-            <a:r>
-              <a:rPr lang="en-US" sz="2800" dirty="0"/>
-              <a:t>Greater modularity of a program</a:t>
-            </a:r>
-          </a:p>
-          <a:p>
-            <a:r>
-              <a:rPr lang="en-US" sz="2800" dirty="0"/>
-              <a:t>Greater ease in testing a program by isolating a component or mocking its dependencies</a:t>
-            </a:r>
-          </a:p>
+              <a:t>In traditional OOP programming, upon creation of the object (e.g., Computer), it will also create (</a:t>
+            </a:r>
+            <a:r>
+              <a:rPr lang="en-US" sz="2000" i="1" dirty="0">
+                <a:solidFill>
+                  <a:srgbClr val="FFFFFF"/>
+                </a:solidFill>
+                <a:latin typeface="ATT Aleck Sans" panose="020B0503020203020204" pitchFamily="34" charset="0"/>
+                <a:cs typeface="ATT Aleck Sans" panose="020B0503020203020204" pitchFamily="34" charset="0"/>
+              </a:rPr>
+              <a:t>new</a:t>
+            </a:r>
+            <a:r>
+              <a:rPr lang="en-US" sz="2000" dirty="0">
+                <a:solidFill>
+                  <a:srgbClr val="FFFFFF"/>
+                </a:solidFill>
+                <a:latin typeface="ATT Aleck Sans" panose="020B0503020203020204" pitchFamily="34" charset="0"/>
+                <a:cs typeface="ATT Aleck Sans" panose="020B0503020203020204" pitchFamily="34" charset="0"/>
+              </a:rPr>
+              <a:t>) its dependent classes (e.g., Processor, RAM instances):</a:t>
+            </a:r>
+          </a:p>
+          <a:p>
+            <a:pPr marL="0" indent="0"/>
+            <a:endParaRPr lang="en-US" sz="2000" dirty="0">
+              <a:solidFill>
+                <a:srgbClr val="FFFFFF"/>
+              </a:solidFill>
+              <a:latin typeface="ATT Aleck Sans" panose="020B0503020203020204" pitchFamily="34" charset="0"/>
+              <a:cs typeface="ATT Aleck Sans" panose="020B0503020203020204" pitchFamily="34" charset="0"/>
+            </a:endParaRPr>
+          </a:p>
+          <a:p>
+            <a:endParaRPr lang="en-US" sz="2000" dirty="0">
+              <a:solidFill>
+                <a:srgbClr val="FFFFFF"/>
+              </a:solidFill>
+              <a:latin typeface="ATT Aleck Sans" panose="020B0503020203020204" pitchFamily="34" charset="0"/>
+              <a:cs typeface="ATT Aleck Sans" panose="020B0503020203020204" pitchFamily="34" charset="0"/>
+            </a:endParaRPr>
+          </a:p>
+        </p:txBody>
+      </p:sp>
+      <p:sp>
+        <p:nvSpPr>
+          <p:cNvPr id="7" name="Content Placeholder 2">
+            <a:extLst>
+              <a:ext uri="{FF2B5EF4-FFF2-40B4-BE49-F238E27FC236}">
+                <a16:creationId xmlns:a16="http://schemas.microsoft.com/office/drawing/2014/main" id="{510CD3CA-7661-11B9-AF07-F39AF318C632}"/>
+              </a:ext>
+            </a:extLst>
+          </p:cNvPr>
+          <p:cNvSpPr txBox="1">
+            <a:spLocks/>
+          </p:cNvSpPr>
+          <p:nvPr/>
+        </p:nvSpPr>
+        <p:spPr>
+          <a:xfrm>
+            <a:off x="677333" y="2821899"/>
+            <a:ext cx="4184035" cy="974035"/>
+          </a:xfrm>
+          <a:prstGeom prst="rect">
+            <a:avLst/>
+          </a:prstGeom>
+        </p:spPr>
+        <p:txBody>
+          <a:bodyPr vert="horz" lIns="91440" tIns="45720" rIns="91440" bIns="45720" rtlCol="0">
+            <a:normAutofit/>
+          </a:bodyPr>
+          <a:lstStyle>
+            <a:lvl1pPr marL="342900" indent="-342900" algn="l" defTabSz="457200" rtl="0" eaLnBrk="1" latinLnBrk="0" hangingPunct="1">
+              <a:spcBef>
+                <a:spcPts val="1000"/>
+              </a:spcBef>
+              <a:spcAft>
+                <a:spcPts val="0"/>
+              </a:spcAft>
+              <a:buClr>
+                <a:schemeClr val="accent1"/>
+              </a:buClr>
+              <a:buSzPct val="80000"/>
+              <a:buFont typeface="Wingdings 3" charset="2"/>
+              <a:buChar char=""/>
+              <a:defRPr sz="1800" kern="1200">
+                <a:solidFill>
+                  <a:schemeClr val="tx1">
+                    <a:lumMod val="75000"/>
+                    <a:lumOff val="25000"/>
+                  </a:schemeClr>
+                </a:solidFill>
+                <a:latin typeface="+mn-lt"/>
+                <a:ea typeface="+mn-ea"/>
+                <a:cs typeface="+mn-cs"/>
+              </a:defRPr>
+            </a:lvl1pPr>
+            <a:lvl2pPr marL="742950" indent="-285750" algn="l" defTabSz="457200" rtl="0" eaLnBrk="1" latinLnBrk="0" hangingPunct="1">
+              <a:spcBef>
+                <a:spcPts val="1000"/>
+              </a:spcBef>
+              <a:spcAft>
+                <a:spcPts val="0"/>
+              </a:spcAft>
+              <a:buClr>
+                <a:schemeClr val="accent1"/>
+              </a:buClr>
+              <a:buSzPct val="80000"/>
+              <a:buFont typeface="Wingdings 3" charset="2"/>
+              <a:buChar char=""/>
+              <a:defRPr sz="1600" kern="1200">
+                <a:solidFill>
+                  <a:schemeClr val="tx1">
+                    <a:lumMod val="75000"/>
+                    <a:lumOff val="25000"/>
+                  </a:schemeClr>
+                </a:solidFill>
+                <a:latin typeface="+mn-lt"/>
+                <a:ea typeface="+mn-ea"/>
+                <a:cs typeface="+mn-cs"/>
+              </a:defRPr>
+            </a:lvl2pPr>
+            <a:lvl3pPr marL="1143000" indent="-228600" algn="l" defTabSz="457200" rtl="0" eaLnBrk="1" latinLnBrk="0" hangingPunct="1">
+              <a:spcBef>
+                <a:spcPts val="1000"/>
+              </a:spcBef>
+              <a:spcAft>
+                <a:spcPts val="0"/>
+              </a:spcAft>
+              <a:buClr>
+                <a:schemeClr val="accent1"/>
+              </a:buClr>
+              <a:buSzPct val="80000"/>
+              <a:buFont typeface="Wingdings 3" charset="2"/>
+              <a:buChar char=""/>
+              <a:defRPr sz="1400" kern="1200">
+                <a:solidFill>
+                  <a:schemeClr val="tx1">
+                    <a:lumMod val="75000"/>
+                    <a:lumOff val="25000"/>
+                  </a:schemeClr>
+                </a:solidFill>
+                <a:latin typeface="+mn-lt"/>
+                <a:ea typeface="+mn-ea"/>
+                <a:cs typeface="+mn-cs"/>
+              </a:defRPr>
+            </a:lvl3pPr>
+            <a:lvl4pPr marL="1600200" indent="-228600" algn="l" defTabSz="457200" rtl="0" eaLnBrk="1" latinLnBrk="0" hangingPunct="1">
+              <a:spcBef>
+                <a:spcPts val="1000"/>
+              </a:spcBef>
+              <a:spcAft>
+                <a:spcPts val="0"/>
+              </a:spcAft>
+              <a:buClr>
+                <a:schemeClr val="accent1"/>
+              </a:buClr>
+              <a:buSzPct val="80000"/>
+              <a:buFont typeface="Wingdings 3" charset="2"/>
+              <a:buChar char=""/>
+              <a:defRPr sz="1200" kern="1200">
+                <a:solidFill>
+                  <a:schemeClr val="tx1">
+                    <a:lumMod val="75000"/>
+                    <a:lumOff val="25000"/>
+                  </a:schemeClr>
+                </a:solidFill>
+                <a:latin typeface="+mn-lt"/>
+                <a:ea typeface="+mn-ea"/>
+                <a:cs typeface="+mn-cs"/>
+              </a:defRPr>
+            </a:lvl4pPr>
+            <a:lvl5pPr marL="2057400" indent="-228600" algn="l" defTabSz="457200" rtl="0" eaLnBrk="1" latinLnBrk="0" hangingPunct="1">
+              <a:spcBef>
+                <a:spcPts val="1000"/>
+              </a:spcBef>
+              <a:spcAft>
+                <a:spcPts val="0"/>
+              </a:spcAft>
+              <a:buClr>
+                <a:schemeClr val="accent1"/>
+              </a:buClr>
+              <a:buSzPct val="80000"/>
+              <a:buFont typeface="Wingdings 3" charset="2"/>
+              <a:buChar char=""/>
+              <a:defRPr sz="1200" kern="1200">
+                <a:solidFill>
+                  <a:schemeClr val="tx1">
+                    <a:lumMod val="75000"/>
+                    <a:lumOff val="25000"/>
+                  </a:schemeClr>
+                </a:solidFill>
+                <a:latin typeface="+mn-lt"/>
+                <a:ea typeface="+mn-ea"/>
+                <a:cs typeface="+mn-cs"/>
+              </a:defRPr>
+            </a:lvl5pPr>
+            <a:lvl6pPr marL="2514600" indent="-228600" algn="l" defTabSz="457200" rtl="0" eaLnBrk="1" latinLnBrk="0" hangingPunct="1">
+              <a:spcBef>
+                <a:spcPts val="1000"/>
+              </a:spcBef>
+              <a:spcAft>
+                <a:spcPts val="0"/>
+              </a:spcAft>
+              <a:buClr>
+                <a:schemeClr val="accent1"/>
+              </a:buClr>
+              <a:buSzPct val="80000"/>
+              <a:buFont typeface="Wingdings 3" charset="2"/>
+              <a:buChar char=""/>
+              <a:defRPr sz="1200" kern="1200">
+                <a:solidFill>
+                  <a:schemeClr val="tx1">
+                    <a:lumMod val="75000"/>
+                    <a:lumOff val="25000"/>
+                  </a:schemeClr>
+                </a:solidFill>
+                <a:latin typeface="+mn-lt"/>
+                <a:ea typeface="+mn-ea"/>
+                <a:cs typeface="+mn-cs"/>
+              </a:defRPr>
+            </a:lvl6pPr>
+            <a:lvl7pPr marL="2971800" indent="-228600" algn="l" defTabSz="457200" rtl="0" eaLnBrk="1" latinLnBrk="0" hangingPunct="1">
+              <a:spcBef>
+                <a:spcPts val="1000"/>
+              </a:spcBef>
+              <a:spcAft>
+                <a:spcPts val="0"/>
+              </a:spcAft>
+              <a:buClr>
+                <a:schemeClr val="accent1"/>
+              </a:buClr>
+              <a:buSzPct val="80000"/>
+              <a:buFont typeface="Wingdings 3" charset="2"/>
+              <a:buChar char=""/>
+              <a:defRPr sz="1200" kern="1200">
+                <a:solidFill>
+                  <a:schemeClr val="tx1">
+                    <a:lumMod val="75000"/>
+                    <a:lumOff val="25000"/>
+                  </a:schemeClr>
+                </a:solidFill>
+                <a:latin typeface="+mn-lt"/>
+                <a:ea typeface="+mn-ea"/>
+                <a:cs typeface="+mn-cs"/>
+              </a:defRPr>
+            </a:lvl7pPr>
+            <a:lvl8pPr marL="3429000" indent="-228600" algn="l" defTabSz="457200" rtl="0" eaLnBrk="1" latinLnBrk="0" hangingPunct="1">
+              <a:spcBef>
+                <a:spcPts val="1000"/>
+              </a:spcBef>
+              <a:spcAft>
+                <a:spcPts val="0"/>
+              </a:spcAft>
+              <a:buClr>
+                <a:schemeClr val="accent1"/>
+              </a:buClr>
+              <a:buSzPct val="80000"/>
+              <a:buFont typeface="Wingdings 3" charset="2"/>
+              <a:buChar char=""/>
+              <a:defRPr sz="1200" kern="1200">
+                <a:solidFill>
+                  <a:schemeClr val="tx1">
+                    <a:lumMod val="75000"/>
+                    <a:lumOff val="25000"/>
+                  </a:schemeClr>
+                </a:solidFill>
+                <a:latin typeface="+mn-lt"/>
+                <a:ea typeface="+mn-ea"/>
+                <a:cs typeface="+mn-cs"/>
+              </a:defRPr>
+            </a:lvl8pPr>
+            <a:lvl9pPr marL="3886200" indent="-228600" algn="l" defTabSz="457200" rtl="0" eaLnBrk="1" latinLnBrk="0" hangingPunct="1">
+              <a:spcBef>
+                <a:spcPts val="1000"/>
+              </a:spcBef>
+              <a:spcAft>
+                <a:spcPts val="0"/>
+              </a:spcAft>
+              <a:buClr>
+                <a:schemeClr val="accent1"/>
+              </a:buClr>
+              <a:buSzPct val="80000"/>
+              <a:buFont typeface="Wingdings 3" charset="2"/>
+              <a:buChar char=""/>
+              <a:defRPr sz="1200" kern="1200">
+                <a:solidFill>
+                  <a:schemeClr val="tx1">
+                    <a:lumMod val="75000"/>
+                    <a:lumOff val="25000"/>
+                  </a:schemeClr>
+                </a:solidFill>
+                <a:latin typeface="+mn-lt"/>
+                <a:ea typeface="+mn-ea"/>
+                <a:cs typeface="+mn-cs"/>
+              </a:defRPr>
+            </a:lvl9pPr>
+          </a:lstStyle>
           <a:p>
             <a:endParaRPr lang="en-IL" dirty="0"/>
           </a:p>
         </p:txBody>
       </p:sp>
+      <p:pic>
+        <p:nvPicPr>
+          <p:cNvPr id="35" name="Picture 34">
+            <a:extLst>
+              <a:ext uri="{FF2B5EF4-FFF2-40B4-BE49-F238E27FC236}">
+                <a16:creationId xmlns:a16="http://schemas.microsoft.com/office/drawing/2014/main" id="{6EDD380C-020F-4AEC-CA7E-FCE909FCA137}"/>
+              </a:ext>
+            </a:extLst>
+          </p:cNvPr>
+          <p:cNvPicPr>
+            <a:picLocks noChangeAspect="1"/>
+          </p:cNvPicPr>
+          <p:nvPr/>
+        </p:nvPicPr>
+        <p:blipFill>
+          <a:blip r:embed="rId3"/>
+          <a:stretch>
+            <a:fillRect/>
+          </a:stretch>
+        </p:blipFill>
+        <p:spPr>
+          <a:xfrm>
+            <a:off x="769882" y="2783504"/>
+            <a:ext cx="9151884" cy="3846767"/>
+          </a:xfrm>
+          <a:prstGeom prst="rect">
+            <a:avLst/>
+          </a:prstGeom>
+        </p:spPr>
+      </p:pic>
     </p:spTree>
     <p:extLst>
       <p:ext uri="{BB962C8B-B14F-4D97-AF65-F5344CB8AC3E}">
-        <p14:creationId xmlns:p14="http://schemas.microsoft.com/office/powerpoint/2010/main" val="1967367102"/>
+        <p14:creationId xmlns:p14="http://schemas.microsoft.com/office/powerpoint/2010/main" val="2255410467"/>
       </p:ext>
     </p:extLst>
   </p:cSld>
   <p:clrMapOvr>
-    <a:masterClrMapping/>
+    <a:overrideClrMapping bg1="dk1" tx1="lt1" bg2="dk2" tx2="lt2" accent1="accent1" accent2="accent2" accent3="accent3" accent4="accent4" accent5="accent5" accent6="accent6" hlink="hlink" folHlink="folHlink"/>
   </p:clrMapOvr>
-  <p:timing>
-    <p:tnLst>
-      <p:par>
-        <p:cTn id="1" dur="indefinite" restart="never" nodeType="tmRoot">
-          <p:childTnLst>
-            <p:seq concurrent="1" nextAc="seek">
-              <p:cTn id="2" dur="indefinite" nodeType="mainSeq">
-                <p:childTnLst>
-                  <p:par>
-                    <p:cTn id="3" fill="hold">
-                      <p:stCondLst>
-                        <p:cond delay="indefinite"/>
-                      </p:stCondLst>
-                      <p:childTnLst>
-                        <p:par>
-                          <p:cTn id="4" fill="hold">
-                            <p:stCondLst>
-                              <p:cond delay="0"/>
-                            </p:stCondLst>
-                            <p:childTnLst>
-                              <p:par>
-                                <p:cTn id="5" presetID="1" presetClass="entr" presetSubtype="0" fill="hold" grpId="0" nodeType="clickEffect">
-                                  <p:stCondLst>
-                                    <p:cond delay="0"/>
-                                  </p:stCondLst>
-                                  <p:childTnLst>
-                                    <p:set>
-                                      <p:cBhvr>
-                                        <p:cTn id="6" dur="1" fill="hold">
-                                          <p:stCondLst>
-                                            <p:cond delay="0"/>
-                                          </p:stCondLst>
-                                        </p:cTn>
-                                        <p:tgtEl>
-                                          <p:spTgt spid="3">
-                                            <p:txEl>
-                                              <p:pRg st="0" end="0"/>
-                                            </p:txEl>
-                                          </p:spTgt>
-                                        </p:tgtEl>
-                                        <p:attrNameLst>
-                                          <p:attrName>style.visibility</p:attrName>
-                                        </p:attrNameLst>
-                                      </p:cBhvr>
-                                      <p:to>
-                                        <p:strVal val="visible"/>
-                                      </p:to>
-                                    </p:set>
-                                  </p:childTnLst>
-                                </p:cTn>
-                              </p:par>
-                            </p:childTnLst>
-                          </p:cTn>
-                        </p:par>
-                      </p:childTnLst>
-                    </p:cTn>
-                  </p:par>
-                  <p:par>
-                    <p:cTn id="7" fill="hold">
-                      <p:stCondLst>
-                        <p:cond delay="indefinite"/>
-                      </p:stCondLst>
-                      <p:childTnLst>
-                        <p:par>
-                          <p:cTn id="8" fill="hold">
-                            <p:stCondLst>
-                              <p:cond delay="0"/>
-                            </p:stCondLst>
-                            <p:childTnLst>
-                              <p:par>
-                                <p:cTn id="9" presetID="1" presetClass="entr" presetSubtype="0" fill="hold" grpId="0" nodeType="clickEffect">
-                                  <p:stCondLst>
-                                    <p:cond delay="0"/>
-                                  </p:stCondLst>
-                                  <p:childTnLst>
-                                    <p:set>
-                                      <p:cBhvr>
-                                        <p:cTn id="10" dur="1" fill="hold">
-                                          <p:stCondLst>
-                                            <p:cond delay="0"/>
-                                          </p:stCondLst>
-                                        </p:cTn>
-                                        <p:tgtEl>
-                                          <p:spTgt spid="3">
-                                            <p:txEl>
-                                              <p:pRg st="1" end="1"/>
-                                            </p:txEl>
-                                          </p:spTgt>
-                                        </p:tgtEl>
-                                        <p:attrNameLst>
-                                          <p:attrName>style.visibility</p:attrName>
-                                        </p:attrNameLst>
-                                      </p:cBhvr>
-                                      <p:to>
-                                        <p:strVal val="visible"/>
-                                      </p:to>
-                                    </p:set>
-                                  </p:childTnLst>
-                                </p:cTn>
-                              </p:par>
-                            </p:childTnLst>
-                          </p:cTn>
-                        </p:par>
-                      </p:childTnLst>
-                    </p:cTn>
-                  </p:par>
-                  <p:par>
-                    <p:cTn id="11" fill="hold">
-                      <p:stCondLst>
-                        <p:cond delay="indefinite"/>
-                      </p:stCondLst>
-                      <p:childTnLst>
-                        <p:par>
-                          <p:cTn id="12" fill="hold">
-                            <p:stCondLst>
-                              <p:cond delay="0"/>
-                            </p:stCondLst>
-                            <p:childTnLst>
-                              <p:par>
-                                <p:cTn id="13" presetID="1" presetClass="entr" presetSubtype="0" fill="hold" grpId="0" nodeType="clickEffect">
-                                  <p:stCondLst>
-                                    <p:cond delay="0"/>
-                                  </p:stCondLst>
-                                  <p:childTnLst>
-                                    <p:set>
-                                      <p:cBhvr>
-                                        <p:cTn id="14" dur="1" fill="hold">
-                                          <p:stCondLst>
-                                            <p:cond delay="0"/>
-                                          </p:stCondLst>
-                                        </p:cTn>
-                                        <p:tgtEl>
-                                          <p:spTgt spid="3">
-                                            <p:txEl>
-                                              <p:pRg st="2" end="2"/>
-                                            </p:txEl>
-                                          </p:spTgt>
-                                        </p:tgtEl>
-                                        <p:attrNameLst>
-                                          <p:attrName>style.visibility</p:attrName>
-                                        </p:attrNameLst>
-                                      </p:cBhvr>
-                                      <p:to>
-                                        <p:strVal val="visible"/>
-                                      </p:to>
-                                    </p:set>
-                                  </p:childTnLst>
-                                </p:cTn>
-                              </p:par>
-                            </p:childTnLst>
-                          </p:cTn>
-                        </p:par>
-                      </p:childTnLst>
-                    </p:cTn>
-                  </p:par>
-                  <p:par>
-                    <p:cTn id="15" fill="hold">
-                      <p:stCondLst>
-                        <p:cond delay="indefinite"/>
-                      </p:stCondLst>
-                      <p:childTnLst>
-                        <p:par>
-                          <p:cTn id="16" fill="hold">
-                            <p:stCondLst>
-                              <p:cond delay="0"/>
-                            </p:stCondLst>
-                            <p:childTnLst>
-                              <p:par>
-                                <p:cTn id="17" presetID="1" presetClass="entr" presetSubtype="0" fill="hold" grpId="0" nodeType="clickEffect">
-                                  <p:stCondLst>
-                                    <p:cond delay="0"/>
-                                  </p:stCondLst>
-                                  <p:childTnLst>
-                                    <p:set>
-                                      <p:cBhvr>
-                                        <p:cTn id="18" dur="1" fill="hold">
-                                          <p:stCondLst>
-                                            <p:cond delay="0"/>
-                                          </p:stCondLst>
-                                        </p:cTn>
-                                        <p:tgtEl>
-                                          <p:spTgt spid="3">
-                                            <p:txEl>
-                                              <p:pRg st="3" end="3"/>
-                                            </p:txEl>
-                                          </p:spTgt>
-                                        </p:tgtEl>
-                                        <p:attrNameLst>
-                                          <p:attrName>style.visibility</p:attrName>
-                                        </p:attrNameLst>
-                                      </p:cBhvr>
-                                      <p:to>
-                                        <p:strVal val="visible"/>
-                                      </p:to>
-                                    </p:set>
-                                  </p:childTnLst>
-                                </p:cTn>
-                              </p:par>
-                            </p:childTnLst>
-                          </p:cTn>
-                        </p:par>
-                      </p:childTnLst>
-                    </p:cTn>
-                  </p:par>
-                  <p:par>
-                    <p:cTn id="19" fill="hold">
-                      <p:stCondLst>
-                        <p:cond delay="indefinite"/>
-                      </p:stCondLst>
-                      <p:childTnLst>
-                        <p:par>
-                          <p:cTn id="20" fill="hold">
-                            <p:stCondLst>
-                              <p:cond delay="0"/>
-                            </p:stCondLst>
-                            <p:childTnLst>
-                              <p:par>
-                                <p:cTn id="21" presetID="1" presetClass="entr" presetSubtype="0" fill="hold" grpId="0" nodeType="clickEffect">
-                                  <p:stCondLst>
-                                    <p:cond delay="0"/>
-                                  </p:stCondLst>
-                                  <p:childTnLst>
-                                    <p:set>
-                                      <p:cBhvr>
-                                        <p:cTn id="22" dur="1" fill="hold">
-                                          <p:stCondLst>
-                                            <p:cond delay="0"/>
-                                          </p:stCondLst>
-                                        </p:cTn>
-                                        <p:tgtEl>
-                                          <p:spTgt spid="3">
-                                            <p:txEl>
-                                              <p:pRg st="4" end="4"/>
-                                            </p:txEl>
-                                          </p:spTgt>
-                                        </p:tgtEl>
-                                        <p:attrNameLst>
-                                          <p:attrName>style.visibility</p:attrName>
-                                        </p:attrNameLst>
-                                      </p:cBhvr>
-                                      <p:to>
-                                        <p:strVal val="visible"/>
-                                      </p:to>
-                                    </p:set>
-                                  </p:childTnLst>
-                                </p:cTn>
-                              </p:par>
-                            </p:childTnLst>
-                          </p:cTn>
-                        </p:par>
-                      </p:childTnLst>
-                    </p:cTn>
-                  </p:par>
-                </p:childTnLst>
-              </p:cTn>
-              <p:prevCondLst>
-                <p:cond evt="onPrev" delay="0">
-                  <p:tgtEl>
-                    <p:sldTgt/>
-                  </p:tgtEl>
-                </p:cond>
-              </p:prevCondLst>
-              <p:nextCondLst>
-                <p:cond evt="onNext" delay="0">
-                  <p:tgtEl>
-                    <p:sldTgt/>
-                  </p:tgtEl>
-                </p:cond>
-              </p:nextCondLst>
-            </p:seq>
-          </p:childTnLst>
-        </p:cTn>
-      </p:par>
-    </p:tnLst>
-    <p:bldLst>
-      <p:bldP spid="3" grpId="0" build="p"/>
-    </p:bldLst>
-  </p:timing>
 </p:sld>
 </file>
 
@@ -12524,7 +9777,7 @@
   <a:extraClrSchemeLst/>
   <a:extLst>
     <a:ext uri="{05A4C25C-085E-4340-85A3-A5531E510DB2}">
-      <thm15:themeFamily xmlns:thm15="http://schemas.microsoft.com/office/thememl/2012/main" name="Facet" id="{C0C680CD-088A-49FC-A102-D699147F32B2}" vid="{CFBC31BA-B70F-4F30-BCAA-4F3011E16C4D}"/>
+      <thm15:themeFamily xmlns:thm15="http://schemas.microsoft.com/office/thememl/2012/main" name="Facet" id="{C0C680CD-088A-49FC-A102-D699147F32B2}" vid="{8C59B386-999D-4CB6-B907-9F3997C027CC}"/>
     </a:ext>
   </a:extLst>
 </a:theme>
@@ -12825,13 +10078,58 @@
 </a:theme>
 </file>
 
+<file path=ppt/theme/themeOverride1.xml><?xml version="1.0" encoding="utf-8"?>
+<a:themeOverride xmlns:a="http://schemas.openxmlformats.org/drawingml/2006/main">
+  <a:clrScheme name="Facet">
+    <a:dk1>
+      <a:sysClr val="windowText" lastClr="000000"/>
+    </a:dk1>
+    <a:lt1>
+      <a:sysClr val="window" lastClr="FFFFFF"/>
+    </a:lt1>
+    <a:dk2>
+      <a:srgbClr val="2C3C43"/>
+    </a:dk2>
+    <a:lt2>
+      <a:srgbClr val="EBEBEB"/>
+    </a:lt2>
+    <a:accent1>
+      <a:srgbClr val="90C226"/>
+    </a:accent1>
+    <a:accent2>
+      <a:srgbClr val="54A021"/>
+    </a:accent2>
+    <a:accent3>
+      <a:srgbClr val="E6B91E"/>
+    </a:accent3>
+    <a:accent4>
+      <a:srgbClr val="E76618"/>
+    </a:accent4>
+    <a:accent5>
+      <a:srgbClr val="C42F1A"/>
+    </a:accent5>
+    <a:accent6>
+      <a:srgbClr val="918655"/>
+    </a:accent6>
+    <a:hlink>
+      <a:srgbClr val="99CA3C"/>
+    </a:hlink>
+    <a:folHlink>
+      <a:srgbClr val="B9D181"/>
+    </a:folHlink>
+  </a:clrScheme>
+</a:themeOverride>
+</file>
+
 <file path=customXml/item1.xml><?xml version="1.0" encoding="utf-8"?>
-<?mso-contentType ?>
-<FormTemplates xmlns="http://schemas.microsoft.com/sharepoint/v3/contenttype/forms">
-  <Display>DocumentLibraryForm</Display>
-  <Edit>DocumentLibraryForm</Edit>
-  <New>DocumentLibraryForm</New>
-</FormTemplates>
+<p:properties xmlns:p="http://schemas.microsoft.com/office/2006/metadata/properties" xmlns:xsi="http://www.w3.org/2001/XMLSchema-instance" xmlns:pc="http://schemas.microsoft.com/office/infopath/2007/PartnerControls">
+  <documentManagement>
+    <lcf76f155ced4ddcb4097134ff3c332f xmlns="858d5390-0f7b-4213-8bcd-0cd5cf778ba6">
+      <Terms xmlns="http://schemas.microsoft.com/office/infopath/2007/PartnerControls"/>
+    </lcf76f155ced4ddcb4097134ff3c332f>
+    <TaxCatchAll xmlns="e5f39eeb-dc9c-40bf-a733-e74d7baf73b9" xsi:nil="true"/>
+  </documentManagement>
+</p:properties>
 </file>
 
 <file path=customXml/item2.xml><?xml version="1.0" encoding="utf-8"?>
@@ -13083,20 +10381,21 @@
 </file>
 
 <file path=customXml/item3.xml><?xml version="1.0" encoding="utf-8"?>
-<p:properties xmlns:p="http://schemas.microsoft.com/office/2006/metadata/properties" xmlns:xsi="http://www.w3.org/2001/XMLSchema-instance" xmlns:pc="http://schemas.microsoft.com/office/infopath/2007/PartnerControls">
-  <documentManagement>
-    <lcf76f155ced4ddcb4097134ff3c332f xmlns="858d5390-0f7b-4213-8bcd-0cd5cf778ba6">
-      <Terms xmlns="http://schemas.microsoft.com/office/infopath/2007/PartnerControls"/>
-    </lcf76f155ced4ddcb4097134ff3c332f>
-    <TaxCatchAll xmlns="e5f39eeb-dc9c-40bf-a733-e74d7baf73b9" xsi:nil="true"/>
-  </documentManagement>
-</p:properties>
+<?mso-contentType ?>
+<FormTemplates xmlns="http://schemas.microsoft.com/sharepoint/v3/contenttype/forms">
+  <Display>DocumentLibraryForm</Display>
+  <Edit>DocumentLibraryForm</Edit>
+  <New>DocumentLibraryForm</New>
+</FormTemplates>
 </file>
 
 <file path=customXml/itemProps1.xml><?xml version="1.0" encoding="utf-8"?>
-<ds:datastoreItem xmlns:ds="http://schemas.openxmlformats.org/officeDocument/2006/customXml" ds:itemID="{CAAF7FB3-E9ED-4EED-B8B3-D582CBAD96FA}">
+<ds:datastoreItem xmlns:ds="http://schemas.openxmlformats.org/officeDocument/2006/customXml" ds:itemID="{2B532926-D782-41F9-BAB4-3CFD211C0FE2}">
   <ds:schemaRefs>
-    <ds:schemaRef ds:uri="http://schemas.microsoft.com/sharepoint/v3/contenttype/forms"/>
+    <ds:schemaRef ds:uri="http://schemas.microsoft.com/office/2006/metadata/properties"/>
+    <ds:schemaRef ds:uri="http://schemas.microsoft.com/office/infopath/2007/PartnerControls"/>
+    <ds:schemaRef ds:uri="858d5390-0f7b-4213-8bcd-0cd5cf778ba6"/>
+    <ds:schemaRef ds:uri="e5f39eeb-dc9c-40bf-a733-e74d7baf73b9"/>
   </ds:schemaRefs>
 </ds:datastoreItem>
 </file>
@@ -13122,12 +10421,9 @@
 </file>
 
 <file path=customXml/itemProps3.xml><?xml version="1.0" encoding="utf-8"?>
-<ds:datastoreItem xmlns:ds="http://schemas.openxmlformats.org/officeDocument/2006/customXml" ds:itemID="{2B532926-D782-41F9-BAB4-3CFD211C0FE2}">
+<ds:datastoreItem xmlns:ds="http://schemas.openxmlformats.org/officeDocument/2006/customXml" ds:itemID="{CAAF7FB3-E9ED-4EED-B8B3-D582CBAD96FA}">
   <ds:schemaRefs>
-    <ds:schemaRef ds:uri="http://schemas.microsoft.com/office/2006/metadata/properties"/>
-    <ds:schemaRef ds:uri="http://schemas.microsoft.com/office/infopath/2007/PartnerControls"/>
-    <ds:schemaRef ds:uri="858d5390-0f7b-4213-8bcd-0cd5cf778ba6"/>
-    <ds:schemaRef ds:uri="e5f39eeb-dc9c-40bf-a733-e74d7baf73b9"/>
+    <ds:schemaRef ds:uri="http://schemas.microsoft.com/sharepoint/v3/contenttype/forms"/>
   </ds:schemaRefs>
 </ds:datastoreItem>
 </file>
--- a/course_data/presentations/practical_spring_boot_for_tdp.pptx
+++ b/course_data/presentations/practical_spring_boot_for_tdp.pptx
@@ -6744,7 +6744,7 @@
     <p:bg>
       <p:bgPr>
         <a:solidFill>
-          <a:schemeClr val="bg1"/>
+          <a:schemeClr val="bg2"/>
         </a:solidFill>
         <a:effectLst/>
       </p:bgPr>
@@ -6781,25 +6781,29 @@
         </p:nvSpPr>
         <p:spPr>
           <a:xfrm>
-            <a:off x="6094855" y="1261331"/>
-            <a:ext cx="3497565" cy="3002662"/>
+            <a:off x="6094856" y="1680201"/>
+            <a:ext cx="3179146" cy="2367559"/>
           </a:xfrm>
         </p:spPr>
         <p:txBody>
           <a:bodyPr>
-            <a:normAutofit/>
+            <a:normAutofit fontScale="90000"/>
           </a:bodyPr>
           <a:lstStyle/>
           <a:p>
-            <a:pPr algn="l"/>
-            <a:r>
-              <a:rPr lang="en-US" sz="4400" b="1">
+            <a:pPr>
+              <a:lnSpc>
+                <a:spcPct val="90000"/>
+              </a:lnSpc>
+            </a:pPr>
+            <a:r>
+              <a:rPr lang="en-US" sz="4600" b="1">
                 <a:latin typeface="ATT Aleck Sans" panose="020B0503020203020204" pitchFamily="34" charset="0"/>
                 <a:cs typeface="ATT Aleck Sans" panose="020B0503020203020204" pitchFamily="34" charset="0"/>
               </a:rPr>
               <a:t>Practical Spring Boot For TDP</a:t>
             </a:r>
-            <a:endParaRPr lang="en-IL" sz="4400" b="1">
+            <a:endParaRPr lang="en-IL" sz="4600" b="1">
               <a:latin typeface="ATT Aleck Sans" panose="020B0503020203020204" pitchFamily="34" charset="0"/>
               <a:cs typeface="ATT Aleck Sans" panose="020B0503020203020204" pitchFamily="34" charset="0"/>
             </a:endParaRPr>
@@ -6824,8 +6828,8 @@
         </p:nvSpPr>
         <p:spPr>
           <a:xfrm>
-            <a:off x="6094374" y="4263992"/>
-            <a:ext cx="3498045" cy="1325857"/>
+            <a:off x="6094375" y="4047760"/>
+            <a:ext cx="3179628" cy="1096899"/>
           </a:xfrm>
         </p:spPr>
         <p:txBody>
@@ -6834,7 +6838,6 @@
           </a:bodyPr>
           <a:lstStyle/>
           <a:p>
-            <a:pPr algn="l"/>
             <a:r>
               <a:rPr lang="en-IL">
                 <a:latin typeface="ATT Aleck Sans" panose="020B0503020203020204" pitchFamily="34" charset="0"/>
@@ -6842,6 +6845,71 @@
               </a:rPr>
               <a:t>Idan Shalom, 2024</a:t>
             </a:r>
+          </a:p>
+        </p:txBody>
+      </p:sp>
+      <p:sp>
+        <p:nvSpPr>
+          <p:cNvPr id="9" name="Isosceles Triangle 8">
+            <a:extLst>
+              <a:ext uri="{FF2B5EF4-FFF2-40B4-BE49-F238E27FC236}">
+                <a16:creationId xmlns:a16="http://schemas.microsoft.com/office/drawing/2014/main" id="{372CE066-DF97-4C55-9917-67390D2F9864}"/>
+              </a:ext>
+              <a:ext uri="{C183D7F6-B498-43B3-948B-1728B52AA6E4}">
+                <adec:decorative xmlns:adec="http://schemas.microsoft.com/office/drawing/2017/decorative" val="1"/>
+              </a:ext>
+            </a:extLst>
+          </p:cNvPr>
+          <p:cNvSpPr>
+            <a:spLocks noGrp="1" noRot="1" noChangeAspect="1" noMove="1" noResize="1" noEditPoints="1" noAdjustHandles="1" noChangeArrowheads="1" noChangeShapeType="1" noTextEdit="1"/>
+          </p:cNvSpPr>
+          <p:nvPr>
+            <p:extLst>
+              <p:ext uri="{386F3935-93C4-4BCD-93E2-E3B085C9AB24}">
+                <p16:designElem xmlns:p16="http://schemas.microsoft.com/office/powerpoint/2015/main" val="1"/>
+              </p:ext>
+            </p:extLst>
+          </p:nvPr>
+        </p:nvSpPr>
+        <p:spPr>
+          <a:xfrm rot="10800000">
+            <a:off x="3174" y="12700"/>
+            <a:ext cx="842596" cy="5666154"/>
+          </a:xfrm>
+          <a:prstGeom prst="triangle">
+            <a:avLst>
+              <a:gd name="adj" fmla="val 100000"/>
+            </a:avLst>
+          </a:prstGeom>
+          <a:solidFill>
+            <a:schemeClr val="accent1">
+              <a:alpha val="85000"/>
+            </a:schemeClr>
+          </a:solidFill>
+          <a:ln>
+            <a:noFill/>
+          </a:ln>
+          <a:effectLst/>
+        </p:spPr>
+        <p:style>
+          <a:lnRef idx="1">
+            <a:schemeClr val="accent1"/>
+          </a:lnRef>
+          <a:fillRef idx="3">
+            <a:schemeClr val="accent1"/>
+          </a:fillRef>
+          <a:effectRef idx="2">
+            <a:schemeClr val="accent1"/>
+          </a:effectRef>
+          <a:fontRef idx="minor">
+            <a:schemeClr val="lt1"/>
+          </a:fontRef>
+        </p:style>
+        <p:txBody>
+          <a:bodyPr/>
+          <a:lstStyle/>
+          <a:p>
+            <a:endParaRPr lang="en-IL"/>
           </a:p>
         </p:txBody>
       </p:sp>
@@ -6861,14 +6929,13 @@
         </p:nvPicPr>
         <p:blipFill>
           <a:blip r:embed="rId3"/>
-          <a:stretch>
-            <a:fillRect/>
-          </a:stretch>
+          <a:srcRect t="6668" r="-4" b="6155"/>
+          <a:stretch/>
         </p:blipFill>
         <p:spPr>
           <a:xfrm>
-            <a:off x="1440617" y="1261330"/>
-            <a:ext cx="4335340" cy="4335340"/>
+            <a:off x="888603" y="1261330"/>
+            <a:ext cx="4973212" cy="4335340"/>
           </a:xfrm>
           <a:prstGeom prst="rect">
             <a:avLst/>
@@ -6885,6 +6952,145 @@
   <p:clrMapOvr>
     <a:masterClrMapping/>
   </p:clrMapOvr>
+  <p:timing>
+    <p:tnLst>
+      <p:par>
+        <p:cTn id="1" dur="indefinite" restart="never" nodeType="tmRoot">
+          <p:childTnLst>
+            <p:seq concurrent="1" nextAc="seek">
+              <p:cTn id="2" dur="indefinite" nodeType="mainSeq">
+                <p:childTnLst>
+                  <p:par>
+                    <p:cTn id="3" fill="hold">
+                      <p:stCondLst>
+                        <p:cond delay="indefinite"/>
+                        <p:cond evt="onBegin" delay="0">
+                          <p:tn val="2"/>
+                        </p:cond>
+                      </p:stCondLst>
+                      <p:childTnLst>
+                        <p:par>
+                          <p:cTn id="4" fill="hold">
+                            <p:stCondLst>
+                              <p:cond delay="0"/>
+                            </p:stCondLst>
+                            <p:childTnLst>
+                              <p:par>
+                                <p:cTn id="5" presetID="10" presetClass="entr" presetSubtype="0" fill="hold" grpId="0" nodeType="withEffect">
+                                  <p:stCondLst>
+                                    <p:cond delay="1000"/>
+                                  </p:stCondLst>
+                                  <p:iterate>
+                                    <p:tmPct val="10000"/>
+                                  </p:iterate>
+                                  <p:childTnLst>
+                                    <p:set>
+                                      <p:cBhvr>
+                                        <p:cTn id="6" dur="1" fill="hold">
+                                          <p:stCondLst>
+                                            <p:cond delay="0"/>
+                                          </p:stCondLst>
+                                        </p:cTn>
+                                        <p:tgtEl>
+                                          <p:spTgt spid="2"/>
+                                        </p:tgtEl>
+                                        <p:attrNameLst>
+                                          <p:attrName>style.visibility</p:attrName>
+                                        </p:attrNameLst>
+                                      </p:cBhvr>
+                                      <p:to>
+                                        <p:strVal val="visible"/>
+                                      </p:to>
+                                    </p:set>
+                                    <p:animEffect transition="in" filter="fade">
+                                      <p:cBhvr>
+                                        <p:cTn id="7" dur="700"/>
+                                        <p:tgtEl>
+                                          <p:spTgt spid="2"/>
+                                        </p:tgtEl>
+                                      </p:cBhvr>
+                                    </p:animEffect>
+                                  </p:childTnLst>
+                                </p:cTn>
+                              </p:par>
+                              <p:par>
+                                <p:cTn id="8" presetID="10" presetClass="entr" presetSubtype="0" fill="hold" grpId="0" nodeType="withEffect">
+                                  <p:stCondLst>
+                                    <p:cond delay="1500"/>
+                                  </p:stCondLst>
+                                  <p:iterate>
+                                    <p:tmPct val="10000"/>
+                                  </p:iterate>
+                                  <p:childTnLst>
+                                    <p:set>
+                                      <p:cBhvr>
+                                        <p:cTn id="9" dur="1" fill="hold">
+                                          <p:stCondLst>
+                                            <p:cond delay="0"/>
+                                          </p:stCondLst>
+                                        </p:cTn>
+                                        <p:tgtEl>
+                                          <p:spTgt spid="3">
+                                            <p:txEl>
+                                              <p:pRg st="0" end="0"/>
+                                            </p:txEl>
+                                          </p:spTgt>
+                                        </p:tgtEl>
+                                        <p:attrNameLst>
+                                          <p:attrName>style.visibility</p:attrName>
+                                        </p:attrNameLst>
+                                      </p:cBhvr>
+                                      <p:to>
+                                        <p:strVal val="visible"/>
+                                      </p:to>
+                                    </p:set>
+                                    <p:animEffect transition="in" filter="fade">
+                                      <p:cBhvr>
+                                        <p:cTn id="10" dur="700"/>
+                                        <p:tgtEl>
+                                          <p:spTgt spid="3">
+                                            <p:txEl>
+                                              <p:pRg st="0" end="0"/>
+                                            </p:txEl>
+                                          </p:spTgt>
+                                        </p:tgtEl>
+                                      </p:cBhvr>
+                                    </p:animEffect>
+                                  </p:childTnLst>
+                                </p:cTn>
+                              </p:par>
+                            </p:childTnLst>
+                          </p:cTn>
+                        </p:par>
+                      </p:childTnLst>
+                    </p:cTn>
+                  </p:par>
+                </p:childTnLst>
+              </p:cTn>
+              <p:prevCondLst>
+                <p:cond evt="onPrev" delay="0">
+                  <p:tgtEl>
+                    <p:sldTgt/>
+                  </p:tgtEl>
+                </p:cond>
+              </p:prevCondLst>
+              <p:nextCondLst>
+                <p:cond evt="onNext" delay="0">
+                  <p:tgtEl>
+                    <p:sldTgt/>
+                  </p:tgtEl>
+                </p:cond>
+              </p:nextCondLst>
+            </p:seq>
+          </p:childTnLst>
+        </p:cTn>
+      </p:par>
+    </p:tnLst>
+    <p:bldLst>
+      <p:bldP spid="2" grpId="0"/>
+      <p:bldP spid="3" grpId="0" build="p"/>
+    </p:bldLst>
+  </p:timing>
 </p:sld>
 </file>
 
@@ -9498,7 +9704,7 @@
           <p:nvPr/>
         </p:nvPicPr>
         <p:blipFill>
-          <a:blip r:embed="rId3"/>
+          <a:blip r:embed="rId2"/>
           <a:stretch>
             <a:fillRect/>
           </a:stretch>
@@ -10078,61 +10284,7 @@
 </a:theme>
 </file>
 
-<file path=ppt/theme/themeOverride1.xml><?xml version="1.0" encoding="utf-8"?>
-<a:themeOverride xmlns:a="http://schemas.openxmlformats.org/drawingml/2006/main">
-  <a:clrScheme name="Facet">
-    <a:dk1>
-      <a:sysClr val="windowText" lastClr="000000"/>
-    </a:dk1>
-    <a:lt1>
-      <a:sysClr val="window" lastClr="FFFFFF"/>
-    </a:lt1>
-    <a:dk2>
-      <a:srgbClr val="2C3C43"/>
-    </a:dk2>
-    <a:lt2>
-      <a:srgbClr val="EBEBEB"/>
-    </a:lt2>
-    <a:accent1>
-      <a:srgbClr val="90C226"/>
-    </a:accent1>
-    <a:accent2>
-      <a:srgbClr val="54A021"/>
-    </a:accent2>
-    <a:accent3>
-      <a:srgbClr val="E6B91E"/>
-    </a:accent3>
-    <a:accent4>
-      <a:srgbClr val="E76618"/>
-    </a:accent4>
-    <a:accent5>
-      <a:srgbClr val="C42F1A"/>
-    </a:accent5>
-    <a:accent6>
-      <a:srgbClr val="918655"/>
-    </a:accent6>
-    <a:hlink>
-      <a:srgbClr val="99CA3C"/>
-    </a:hlink>
-    <a:folHlink>
-      <a:srgbClr val="B9D181"/>
-    </a:folHlink>
-  </a:clrScheme>
-</a:themeOverride>
-</file>
-
 <file path=customXml/item1.xml><?xml version="1.0" encoding="utf-8"?>
-<p:properties xmlns:p="http://schemas.microsoft.com/office/2006/metadata/properties" xmlns:xsi="http://www.w3.org/2001/XMLSchema-instance" xmlns:pc="http://schemas.microsoft.com/office/infopath/2007/PartnerControls">
-  <documentManagement>
-    <lcf76f155ced4ddcb4097134ff3c332f xmlns="858d5390-0f7b-4213-8bcd-0cd5cf778ba6">
-      <Terms xmlns="http://schemas.microsoft.com/office/infopath/2007/PartnerControls"/>
-    </lcf76f155ced4ddcb4097134ff3c332f>
-    <TaxCatchAll xmlns="e5f39eeb-dc9c-40bf-a733-e74d7baf73b9" xsi:nil="true"/>
-  </documentManagement>
-</p:properties>
-</file>
-
-<file path=customXml/item2.xml><?xml version="1.0" encoding="utf-8"?>
 <ct:contentTypeSchema xmlns:ct="http://schemas.microsoft.com/office/2006/metadata/contentType" xmlns:ma="http://schemas.microsoft.com/office/2006/metadata/properties/metaAttributes" ct:_="" ma:_="" ma:contentTypeName="Document" ma:contentTypeID="0x0101001980062C165A384BBE4202BE72680A0C" ma:contentTypeVersion="16" ma:contentTypeDescription="Create a new document." ma:contentTypeScope="" ma:versionID="ad4a4175eb2c3e09fcddefcd48156f8d">
   <xsd:schema xmlns:xsd="http://www.w3.org/2001/XMLSchema" xmlns:xs="http://www.w3.org/2001/XMLSchema" xmlns:p="http://schemas.microsoft.com/office/2006/metadata/properties" xmlns:ns2="858d5390-0f7b-4213-8bcd-0cd5cf778ba6" xmlns:ns3="48da0e76-8a7c-448c-bc5b-f1ed517f7411" xmlns:ns4="e5f39eeb-dc9c-40bf-a733-e74d7baf73b9" targetNamespace="http://schemas.microsoft.com/office/2006/metadata/properties" ma:root="true" ma:fieldsID="ea247dcd7b1180b70e9ff4f92c286293" ns2:_="" ns3:_="" ns4:_="">
     <xsd:import namespace="858d5390-0f7b-4213-8bcd-0cd5cf778ba6"/>
@@ -10380,6 +10532,17 @@
 </ct:contentTypeSchema>
 </file>
 
+<file path=customXml/item2.xml><?xml version="1.0" encoding="utf-8"?>
+<p:properties xmlns:p="http://schemas.microsoft.com/office/2006/metadata/properties" xmlns:xsi="http://www.w3.org/2001/XMLSchema-instance" xmlns:pc="http://schemas.microsoft.com/office/infopath/2007/PartnerControls">
+  <documentManagement>
+    <lcf76f155ced4ddcb4097134ff3c332f xmlns="858d5390-0f7b-4213-8bcd-0cd5cf778ba6">
+      <Terms xmlns="http://schemas.microsoft.com/office/infopath/2007/PartnerControls"/>
+    </lcf76f155ced4ddcb4097134ff3c332f>
+    <TaxCatchAll xmlns="e5f39eeb-dc9c-40bf-a733-e74d7baf73b9" xsi:nil="true"/>
+  </documentManagement>
+</p:properties>
+</file>
+
 <file path=customXml/item3.xml><?xml version="1.0" encoding="utf-8"?>
 <?mso-contentType ?>
 <FormTemplates xmlns="http://schemas.microsoft.com/sharepoint/v3/contenttype/forms">
@@ -10390,17 +10553,6 @@
 </file>
 
 <file path=customXml/itemProps1.xml><?xml version="1.0" encoding="utf-8"?>
-<ds:datastoreItem xmlns:ds="http://schemas.openxmlformats.org/officeDocument/2006/customXml" ds:itemID="{2B532926-D782-41F9-BAB4-3CFD211C0FE2}">
-  <ds:schemaRefs>
-    <ds:schemaRef ds:uri="http://schemas.microsoft.com/office/2006/metadata/properties"/>
-    <ds:schemaRef ds:uri="http://schemas.microsoft.com/office/infopath/2007/PartnerControls"/>
-    <ds:schemaRef ds:uri="858d5390-0f7b-4213-8bcd-0cd5cf778ba6"/>
-    <ds:schemaRef ds:uri="e5f39eeb-dc9c-40bf-a733-e74d7baf73b9"/>
-  </ds:schemaRefs>
-</ds:datastoreItem>
-</file>
-
-<file path=customXml/itemProps2.xml><?xml version="1.0" encoding="utf-8"?>
 <ds:datastoreItem xmlns:ds="http://schemas.openxmlformats.org/officeDocument/2006/customXml" ds:itemID="{AE7FD026-DEEB-4862-93FA-5080F11894C7}">
   <ds:schemaRefs>
     <ds:schemaRef ds:uri="http://schemas.microsoft.com/office/2006/metadata/contentType"/>
@@ -10420,6 +10572,17 @@
 </ds:datastoreItem>
 </file>
 
+<file path=customXml/itemProps2.xml><?xml version="1.0" encoding="utf-8"?>
+<ds:datastoreItem xmlns:ds="http://schemas.openxmlformats.org/officeDocument/2006/customXml" ds:itemID="{2B532926-D782-41F9-BAB4-3CFD211C0FE2}">
+  <ds:schemaRefs>
+    <ds:schemaRef ds:uri="http://schemas.microsoft.com/office/2006/metadata/properties"/>
+    <ds:schemaRef ds:uri="http://schemas.microsoft.com/office/infopath/2007/PartnerControls"/>
+    <ds:schemaRef ds:uri="858d5390-0f7b-4213-8bcd-0cd5cf778ba6"/>
+    <ds:schemaRef ds:uri="e5f39eeb-dc9c-40bf-a733-e74d7baf73b9"/>
+  </ds:schemaRefs>
+</ds:datastoreItem>
+</file>
+
 <file path=customXml/itemProps3.xml><?xml version="1.0" encoding="utf-8"?>
 <ds:datastoreItem xmlns:ds="http://schemas.openxmlformats.org/officeDocument/2006/customXml" ds:itemID="{CAAF7FB3-E9ED-4EED-B8B3-D582CBAD96FA}">
   <ds:schemaRefs>

--- a/course_data/presentations/practical_spring_boot_for_tdp.pptx
+++ b/course_data/presentations/practical_spring_boot_for_tdp.pptx
@@ -7171,26 +7171,31 @@
         </p:spPr>
         <p:txBody>
           <a:bodyPr>
-            <a:normAutofit fontScale="92500" lnSpcReduction="10000"/>
+            <a:noAutofit/>
           </a:bodyPr>
           <a:lstStyle/>
           <a:p>
-            <a:r>
-              <a:rPr lang="en-IL" sz="2800" dirty="0">
+            <a:pPr>
+              <a:lnSpc>
+                <a:spcPct val="160000"/>
+              </a:lnSpc>
+            </a:pPr>
+            <a:r>
+              <a:rPr lang="en-IL" sz="2200" dirty="0">
                 <a:latin typeface="ATT Aleck Sans" panose="020B0503020203020204" pitchFamily="34" charset="0"/>
                 <a:cs typeface="ATT Aleck Sans" panose="020B0503020203020204" pitchFamily="34" charset="0"/>
               </a:rPr>
-              <a:t>Tight coupling between the </a:t>
-            </a:r>
-            <a:r>
-              <a:rPr lang="en-IL" sz="2800" dirty="0">
+              <a:t>Tight coupling between </a:t>
+            </a:r>
+            <a:r>
+              <a:rPr lang="en-IL" sz="2200" dirty="0">
                 <a:latin typeface="Consolas" panose="020B0609020204030204" pitchFamily="49" charset="0"/>
                 <a:cs typeface="Consolas" panose="020B0609020204030204" pitchFamily="49" charset="0"/>
               </a:rPr>
               <a:t>Computer</a:t>
             </a:r>
             <a:r>
-              <a:rPr lang="en-IL" sz="2800" dirty="0">
+              <a:rPr lang="en-IL" sz="2200" dirty="0">
                 <a:latin typeface="ATT Aleck Sans" panose="020B0503020203020204" pitchFamily="34" charset="0"/>
                 <a:cs typeface="ATT Aleck Sans" panose="020B0503020203020204" pitchFamily="34" charset="0"/>
               </a:rPr>
@@ -7198,43 +7203,83 @@
             </a:r>
           </a:p>
           <a:p>
-            <a:pPr lvl="1"/>
-            <a:r>
-              <a:rPr lang="en-IL" sz="2400" dirty="0">
+            <a:pPr lvl="1">
+              <a:lnSpc>
+                <a:spcPct val="160000"/>
+              </a:lnSpc>
+            </a:pPr>
+            <a:r>
+              <a:rPr lang="en-IL" sz="2200" dirty="0">
                 <a:latin typeface="ATT Aleck Sans" panose="020B0503020203020204" pitchFamily="34" charset="0"/>
                 <a:cs typeface="ATT Aleck Sans" panose="020B0503020203020204" pitchFamily="34" charset="0"/>
               </a:rPr>
               <a:t>We </a:t>
             </a:r>
             <a:r>
-              <a:rPr lang="en-US" sz="2400" dirty="0">
+              <a:rPr lang="en-US" sz="2200" dirty="0">
                 <a:latin typeface="ATT Aleck Sans" panose="020B0503020203020204" pitchFamily="34" charset="0"/>
                 <a:cs typeface="ATT Aleck Sans" panose="020B0503020203020204" pitchFamily="34" charset="0"/>
               </a:rPr>
               <a:t>must</a:t>
             </a:r>
             <a:r>
-              <a:rPr lang="en-IL" sz="2400" dirty="0">
+              <a:rPr lang="en-IL" sz="2200" dirty="0">
                 <a:latin typeface="ATT Aleck Sans" panose="020B0503020203020204" pitchFamily="34" charset="0"/>
                 <a:cs typeface="ATT Aleck Sans" panose="020B0503020203020204" pitchFamily="34" charset="0"/>
               </a:rPr>
-              <a:t> know how to create every component, and what parameters exactly should be used in the constructor.</a:t>
-            </a:r>
-          </a:p>
-          <a:p>
-            <a:pPr lvl="1"/>
-            <a:r>
-              <a:rPr lang="en-IL" sz="2400" dirty="0">
+              <a:t> know how to create every component, and which parameters exactly should be used in the constructor.</a:t>
+            </a:r>
+          </a:p>
+          <a:p>
+            <a:pPr lvl="1">
+              <a:lnSpc>
+                <a:spcPct val="160000"/>
+              </a:lnSpc>
+            </a:pPr>
+            <a:r>
+              <a:rPr lang="en-IL" sz="2200" dirty="0">
                 <a:latin typeface="ATT Aleck Sans" panose="020B0503020203020204" pitchFamily="34" charset="0"/>
                 <a:cs typeface="ATT Aleck Sans" panose="020B0503020203020204" pitchFamily="34" charset="0"/>
               </a:rPr>
-              <a:t>If I want to create a computer with a new CPU, I should create another class for the Computer.</a:t>
-            </a:r>
-          </a:p>
-          <a:p>
-            <a:pPr lvl="1"/>
-            <a:r>
-              <a:rPr lang="en-IL" sz="2400" dirty="0">
+              <a:t>If I’d like to create a </a:t>
+            </a:r>
+            <a:r>
+              <a:rPr lang="en-IL" sz="2200" dirty="0">
+                <a:latin typeface="Consolas" panose="020B0609020204030204" pitchFamily="49" charset="0"/>
+                <a:cs typeface="Consolas" panose="020B0609020204030204" pitchFamily="49" charset="0"/>
+              </a:rPr>
+              <a:t>Computer</a:t>
+            </a:r>
+            <a:r>
+              <a:rPr lang="en-IL" sz="2200" dirty="0">
+                <a:latin typeface="ATT Aleck Sans" panose="020B0503020203020204" pitchFamily="34" charset="0"/>
+                <a:cs typeface="ATT Aleck Sans" panose="020B0503020203020204" pitchFamily="34" charset="0"/>
+              </a:rPr>
+              <a:t> with a different </a:t>
+            </a:r>
+            <a:r>
+              <a:rPr lang="en-IL" sz="2200" dirty="0">
+                <a:latin typeface="Consolas" panose="020B0609020204030204" pitchFamily="49" charset="0"/>
+                <a:cs typeface="Consolas" panose="020B0609020204030204" pitchFamily="49" charset="0"/>
+              </a:rPr>
+              <a:t>Processor</a:t>
+            </a:r>
+            <a:r>
+              <a:rPr lang="en-IL" sz="2200" dirty="0">
+                <a:latin typeface="ATT Aleck Sans" panose="020B0503020203020204" pitchFamily="34" charset="0"/>
+                <a:cs typeface="ATT Aleck Sans" panose="020B0503020203020204" pitchFamily="34" charset="0"/>
+              </a:rPr>
+              <a:t>, I have to create another class for the Computer.</a:t>
+            </a:r>
+          </a:p>
+          <a:p>
+            <a:pPr lvl="1">
+              <a:lnSpc>
+                <a:spcPct val="160000"/>
+              </a:lnSpc>
+            </a:pPr>
+            <a:r>
+              <a:rPr lang="en-IL" sz="2200" dirty="0">
                 <a:latin typeface="ATT Aleck Sans" panose="020B0503020203020204" pitchFamily="34" charset="0"/>
                 <a:cs typeface="ATT Aleck Sans" panose="020B0503020203020204" pitchFamily="34" charset="0"/>
               </a:rPr>
@@ -7242,22 +7287,31 @@
             </a:r>
           </a:p>
           <a:p>
-            <a:r>
-              <a:rPr lang="en-US" sz="2800" dirty="0">
+            <a:pPr>
+              <a:lnSpc>
+                <a:spcPct val="160000"/>
+              </a:lnSpc>
+            </a:pPr>
+            <a:r>
+              <a:rPr lang="en-US" sz="2200" dirty="0">
                 <a:latin typeface="ATT Aleck Sans" panose="020B0503020203020204" pitchFamily="34" charset="0"/>
                 <a:cs typeface="ATT Aleck Sans" panose="020B0503020203020204" pitchFamily="34" charset="0"/>
               </a:rPr>
               <a:t>Poor polymorphism </a:t>
             </a:r>
-            <a:endParaRPr lang="en-IL" sz="2800" dirty="0">
+            <a:endParaRPr lang="en-IL" sz="2200" dirty="0">
               <a:latin typeface="ATT Aleck Sans" panose="020B0503020203020204" pitchFamily="34" charset="0"/>
               <a:cs typeface="ATT Aleck Sans" panose="020B0503020203020204" pitchFamily="34" charset="0"/>
             </a:endParaRPr>
           </a:p>
           <a:p>
-            <a:pPr lvl="1"/>
-            <a:r>
-              <a:rPr lang="en-IL" sz="2400" dirty="0">
+            <a:pPr lvl="1">
+              <a:lnSpc>
+                <a:spcPct val="160000"/>
+              </a:lnSpc>
+            </a:pPr>
+            <a:r>
+              <a:rPr lang="en-IL" sz="2200" dirty="0">
                 <a:latin typeface="ATT Aleck Sans" panose="020B0503020203020204" pitchFamily="34" charset="0"/>
                 <a:cs typeface="ATT Aleck Sans" panose="020B0503020203020204" pitchFamily="34" charset="0"/>
               </a:rPr>
@@ -7438,10 +7492,10 @@
       </p:sp>
       <p:pic>
         <p:nvPicPr>
-          <p:cNvPr id="7" name="Picture 6">
+          <p:cNvPr id="5" name="Picture 4">
             <a:extLst>
               <a:ext uri="{FF2B5EF4-FFF2-40B4-BE49-F238E27FC236}">
-                <a16:creationId xmlns:a16="http://schemas.microsoft.com/office/drawing/2014/main" id="{5B223714-654B-DCA8-8ABD-2C73E12D765C}"/>
+                <a16:creationId xmlns:a16="http://schemas.microsoft.com/office/drawing/2014/main" id="{3D320B73-4DCC-C824-064A-B65C8B33FF00}"/>
               </a:ext>
             </a:extLst>
           </p:cNvPr>
@@ -7458,8 +7512,8 @@
         </p:blipFill>
         <p:spPr>
           <a:xfrm>
-            <a:off x="664779" y="1300951"/>
-            <a:ext cx="7772400" cy="4087932"/>
+            <a:off x="790904" y="1380251"/>
+            <a:ext cx="7772400" cy="3866270"/>
           </a:xfrm>
           <a:prstGeom prst="rect">
             <a:avLst/>
@@ -7555,8 +7609,8 @@
         </p:nvSpPr>
         <p:spPr>
           <a:xfrm>
-            <a:off x="698355" y="1424865"/>
-            <a:ext cx="8596668" cy="3880773"/>
+            <a:off x="698354" y="1424865"/>
+            <a:ext cx="9370555" cy="3880773"/>
           </a:xfrm>
         </p:spPr>
         <p:txBody>
@@ -7576,33 +7630,37 @@
                 <a:latin typeface="ATT Aleck Sans" panose="020B0503020203020204" pitchFamily="34" charset="0"/>
                 <a:cs typeface="ATT Aleck Sans" panose="020B0503020203020204" pitchFamily="34" charset="0"/>
               </a:rPr>
-              <a:t>A design pattern used to implement IoC. </a:t>
-            </a:r>
-            <a:br>
+              <a:t>A design pattern used to manage dependencies between objects. </a:t>
+            </a:r>
+          </a:p>
+          <a:p>
+            <a:pPr marL="0" indent="0">
+              <a:lnSpc>
+                <a:spcPct val="150000"/>
+              </a:lnSpc>
+              <a:buNone/>
+            </a:pPr>
+            <a:r>
               <a:rPr lang="en-US" sz="2400" dirty="0">
                 <a:latin typeface="ATT Aleck Sans" panose="020B0503020203020204" pitchFamily="34" charset="0"/>
                 <a:cs typeface="ATT Aleck Sans" panose="020B0503020203020204" pitchFamily="34" charset="0"/>
               </a:rPr>
-            </a:br>
+              <a:t>It allows an object to receive other objects that it depends on, rather than creating them itself. </a:t>
+            </a:r>
+          </a:p>
+          <a:p>
+            <a:pPr marL="0" indent="0">
+              <a:lnSpc>
+                <a:spcPct val="150000"/>
+              </a:lnSpc>
+              <a:buNone/>
+            </a:pPr>
             <a:r>
               <a:rPr lang="en-US" sz="2400" dirty="0">
                 <a:latin typeface="ATT Aleck Sans" panose="020B0503020203020204" pitchFamily="34" charset="0"/>
                 <a:cs typeface="ATT Aleck Sans" panose="020B0503020203020204" pitchFamily="34" charset="0"/>
               </a:rPr>
-              <a:t>It allows the creation and binding of dependent objects outside of a class and provides those objects to the class through different ways.</a:t>
-            </a:r>
-            <a:br>
-              <a:rPr lang="en-US" sz="2400" dirty="0">
-                <a:latin typeface="ATT Aleck Sans" panose="020B0503020203020204" pitchFamily="34" charset="0"/>
-                <a:cs typeface="ATT Aleck Sans" panose="020B0503020203020204" pitchFamily="34" charset="0"/>
-              </a:rPr>
-            </a:br>
-            <a:r>
-              <a:rPr lang="en-US" sz="2400" dirty="0">
-                <a:latin typeface="ATT Aleck Sans" panose="020B0503020203020204" pitchFamily="34" charset="0"/>
-                <a:cs typeface="ATT Aleck Sans" panose="020B0503020203020204" pitchFamily="34" charset="0"/>
-              </a:rPr>
-              <a:t>The injector class injects the service (dependency) to the client (dependent).</a:t>
+              <a:t>This promotes a more modular, testable, and maintainable codebase. </a:t>
             </a:r>
           </a:p>
         </p:txBody>
@@ -7805,10 +7863,10 @@
       </p:sp>
       <p:pic>
         <p:nvPicPr>
-          <p:cNvPr id="4" name="Picture 3">
+          <p:cNvPr id="5" name="Picture 4">
             <a:extLst>
               <a:ext uri="{FF2B5EF4-FFF2-40B4-BE49-F238E27FC236}">
-                <a16:creationId xmlns:a16="http://schemas.microsoft.com/office/drawing/2014/main" id="{979F8721-BA9D-C81A-DCF9-E18F1249D954}"/>
+                <a16:creationId xmlns:a16="http://schemas.microsoft.com/office/drawing/2014/main" id="{DB49A4BF-D4B5-1D9C-BD28-6CE90E2794F7}"/>
               </a:ext>
             </a:extLst>
           </p:cNvPr>
@@ -7825,8 +7883,8 @@
         </p:blipFill>
         <p:spPr>
           <a:xfrm>
-            <a:off x="780392" y="2012879"/>
-            <a:ext cx="8437179" cy="4032865"/>
+            <a:off x="822435" y="2153805"/>
+            <a:ext cx="8220812" cy="3742498"/>
           </a:xfrm>
           <a:prstGeom prst="rect">
             <a:avLst/>
@@ -9691,10 +9749,10 @@
       </p:sp>
       <p:pic>
         <p:nvPicPr>
-          <p:cNvPr id="35" name="Picture 34">
+          <p:cNvPr id="4" name="Picture 3">
             <a:extLst>
               <a:ext uri="{FF2B5EF4-FFF2-40B4-BE49-F238E27FC236}">
-                <a16:creationId xmlns:a16="http://schemas.microsoft.com/office/drawing/2014/main" id="{6EDD380C-020F-4AEC-CA7E-FCE909FCA137}"/>
+                <a16:creationId xmlns:a16="http://schemas.microsoft.com/office/drawing/2014/main" id="{3C1C26D4-78CB-FC76-B716-3912090A6456}"/>
               </a:ext>
             </a:extLst>
           </p:cNvPr>
@@ -9711,8 +9769,8 @@
         </p:blipFill>
         <p:spPr>
           <a:xfrm>
-            <a:off x="769882" y="2783504"/>
-            <a:ext cx="9151884" cy="3846767"/>
+            <a:off x="780392" y="2901832"/>
+            <a:ext cx="8962697" cy="3494348"/>
           </a:xfrm>
           <a:prstGeom prst="rect">
             <a:avLst/>
@@ -10285,6 +10343,26 @@
 </file>
 
 <file path=customXml/item1.xml><?xml version="1.0" encoding="utf-8"?>
+<p:properties xmlns:p="http://schemas.microsoft.com/office/2006/metadata/properties" xmlns:xsi="http://www.w3.org/2001/XMLSchema-instance" xmlns:pc="http://schemas.microsoft.com/office/infopath/2007/PartnerControls">
+  <documentManagement>
+    <lcf76f155ced4ddcb4097134ff3c332f xmlns="858d5390-0f7b-4213-8bcd-0cd5cf778ba6">
+      <Terms xmlns="http://schemas.microsoft.com/office/infopath/2007/PartnerControls"/>
+    </lcf76f155ced4ddcb4097134ff3c332f>
+    <TaxCatchAll xmlns="e5f39eeb-dc9c-40bf-a733-e74d7baf73b9" xsi:nil="true"/>
+  </documentManagement>
+</p:properties>
+</file>
+
+<file path=customXml/item2.xml><?xml version="1.0" encoding="utf-8"?>
+<?mso-contentType ?>
+<FormTemplates xmlns="http://schemas.microsoft.com/sharepoint/v3/contenttype/forms">
+  <Display>DocumentLibraryForm</Display>
+  <Edit>DocumentLibraryForm</Edit>
+  <New>DocumentLibraryForm</New>
+</FormTemplates>
+</file>
+
+<file path=customXml/item3.xml><?xml version="1.0" encoding="utf-8"?>
 <ct:contentTypeSchema xmlns:ct="http://schemas.microsoft.com/office/2006/metadata/contentType" xmlns:ma="http://schemas.microsoft.com/office/2006/metadata/properties/metaAttributes" ct:_="" ma:_="" ma:contentTypeName="Document" ma:contentTypeID="0x0101001980062C165A384BBE4202BE72680A0C" ma:contentTypeVersion="16" ma:contentTypeDescription="Create a new document." ma:contentTypeScope="" ma:versionID="ad4a4175eb2c3e09fcddefcd48156f8d">
   <xsd:schema xmlns:xsd="http://www.w3.org/2001/XMLSchema" xmlns:xs="http://www.w3.org/2001/XMLSchema" xmlns:p="http://schemas.microsoft.com/office/2006/metadata/properties" xmlns:ns2="858d5390-0f7b-4213-8bcd-0cd5cf778ba6" xmlns:ns3="48da0e76-8a7c-448c-bc5b-f1ed517f7411" xmlns:ns4="e5f39eeb-dc9c-40bf-a733-e74d7baf73b9" targetNamespace="http://schemas.microsoft.com/office/2006/metadata/properties" ma:root="true" ma:fieldsID="ea247dcd7b1180b70e9ff4f92c286293" ns2:_="" ns3:_="" ns4:_="">
     <xsd:import namespace="858d5390-0f7b-4213-8bcd-0cd5cf778ba6"/>
@@ -10532,27 +10610,26 @@
 </ct:contentTypeSchema>
 </file>
 
-<file path=customXml/item2.xml><?xml version="1.0" encoding="utf-8"?>
-<p:properties xmlns:p="http://schemas.microsoft.com/office/2006/metadata/properties" xmlns:xsi="http://www.w3.org/2001/XMLSchema-instance" xmlns:pc="http://schemas.microsoft.com/office/infopath/2007/PartnerControls">
-  <documentManagement>
-    <lcf76f155ced4ddcb4097134ff3c332f xmlns="858d5390-0f7b-4213-8bcd-0cd5cf778ba6">
-      <Terms xmlns="http://schemas.microsoft.com/office/infopath/2007/PartnerControls"/>
-    </lcf76f155ced4ddcb4097134ff3c332f>
-    <TaxCatchAll xmlns="e5f39eeb-dc9c-40bf-a733-e74d7baf73b9" xsi:nil="true"/>
-  </documentManagement>
-</p:properties>
+<file path=customXml/itemProps1.xml><?xml version="1.0" encoding="utf-8"?>
+<ds:datastoreItem xmlns:ds="http://schemas.openxmlformats.org/officeDocument/2006/customXml" ds:itemID="{2B532926-D782-41F9-BAB4-3CFD211C0FE2}">
+  <ds:schemaRefs>
+    <ds:schemaRef ds:uri="http://schemas.microsoft.com/office/2006/metadata/properties"/>
+    <ds:schemaRef ds:uri="http://schemas.microsoft.com/office/infopath/2007/PartnerControls"/>
+    <ds:schemaRef ds:uri="858d5390-0f7b-4213-8bcd-0cd5cf778ba6"/>
+    <ds:schemaRef ds:uri="e5f39eeb-dc9c-40bf-a733-e74d7baf73b9"/>
+  </ds:schemaRefs>
+</ds:datastoreItem>
 </file>
 
-<file path=customXml/item3.xml><?xml version="1.0" encoding="utf-8"?>
-<?mso-contentType ?>
-<FormTemplates xmlns="http://schemas.microsoft.com/sharepoint/v3/contenttype/forms">
-  <Display>DocumentLibraryForm</Display>
-  <Edit>DocumentLibraryForm</Edit>
-  <New>DocumentLibraryForm</New>
-</FormTemplates>
+<file path=customXml/itemProps2.xml><?xml version="1.0" encoding="utf-8"?>
+<ds:datastoreItem xmlns:ds="http://schemas.openxmlformats.org/officeDocument/2006/customXml" ds:itemID="{CAAF7FB3-E9ED-4EED-B8B3-D582CBAD96FA}">
+  <ds:schemaRefs>
+    <ds:schemaRef ds:uri="http://schemas.microsoft.com/sharepoint/v3/contenttype/forms"/>
+  </ds:schemaRefs>
+</ds:datastoreItem>
 </file>
 
-<file path=customXml/itemProps1.xml><?xml version="1.0" encoding="utf-8"?>
+<file path=customXml/itemProps3.xml><?xml version="1.0" encoding="utf-8"?>
 <ds:datastoreItem xmlns:ds="http://schemas.openxmlformats.org/officeDocument/2006/customXml" ds:itemID="{AE7FD026-DEEB-4862-93FA-5080F11894C7}">
   <ds:schemaRefs>
     <ds:schemaRef ds:uri="http://schemas.microsoft.com/office/2006/metadata/contentType"/>
@@ -10570,23 +10647,4 @@
     <ds:schemaRef ds:uri="http://schemas.microsoft.com/internal/obd"/>
   </ds:schemaRefs>
 </ds:datastoreItem>
-</file>
-
-<file path=customXml/itemProps2.xml><?xml version="1.0" encoding="utf-8"?>
-<ds:datastoreItem xmlns:ds="http://schemas.openxmlformats.org/officeDocument/2006/customXml" ds:itemID="{2B532926-D782-41F9-BAB4-3CFD211C0FE2}">
-  <ds:schemaRefs>
-    <ds:schemaRef ds:uri="http://schemas.microsoft.com/office/2006/metadata/properties"/>
-    <ds:schemaRef ds:uri="http://schemas.microsoft.com/office/infopath/2007/PartnerControls"/>
-    <ds:schemaRef ds:uri="858d5390-0f7b-4213-8bcd-0cd5cf778ba6"/>
-    <ds:schemaRef ds:uri="e5f39eeb-dc9c-40bf-a733-e74d7baf73b9"/>
-  </ds:schemaRefs>
-</ds:datastoreItem>
-</file>
-
-<file path=customXml/itemProps3.xml><?xml version="1.0" encoding="utf-8"?>
-<ds:datastoreItem xmlns:ds="http://schemas.openxmlformats.org/officeDocument/2006/customXml" ds:itemID="{CAAF7FB3-E9ED-4EED-B8B3-D582CBAD96FA}">
-  <ds:schemaRefs>
-    <ds:schemaRef ds:uri="http://schemas.microsoft.com/sharepoint/v3/contenttype/forms"/>
-  </ds:schemaRefs>
-</ds:datastoreItem>
 </file>
--- a/course_data/presentations/practical_spring_boot_for_tdp.pptx
+++ b/course_data/presentations/practical_spring_boot_for_tdp.pptx
@@ -225,7 +225,7 @@
           <a:p>
             <a:fld id="{AD4DB1D7-A2E6-5540-AAB6-9A95390687AC}" type="datetimeFigureOut">
               <a:rPr lang="en-IL" smtClean="0"/>
-              <a:t>13/08/2024</a:t>
+              <a:t>16/07/2025</a:t>
             </a:fld>
             <a:endParaRPr lang="en-IL"/>
           </a:p>
@@ -1746,7 +1746,7 @@
             <a:fld id="{B61BEF0D-F0BB-DE4B-95CE-6DB70DBA9567}" type="datetimeFigureOut">
               <a:rPr lang="en-US" smtClean="0"/>
               <a:pPr/>
-              <a:t>8/13/24</a:t>
+              <a:t>7/16/25</a:t>
             </a:fld>
             <a:endParaRPr lang="en-US" dirty="0"/>
           </a:p>
@@ -1999,7 +1999,7 @@
             <a:fld id="{B61BEF0D-F0BB-DE4B-95CE-6DB70DBA9567}" type="datetimeFigureOut">
               <a:rPr lang="en-US" smtClean="0"/>
               <a:pPr/>
-              <a:t>8/13/24</a:t>
+              <a:t>7/16/25</a:t>
             </a:fld>
             <a:endParaRPr lang="en-US" dirty="0"/>
           </a:p>
@@ -2315,7 +2315,7 @@
             <a:fld id="{B61BEF0D-F0BB-DE4B-95CE-6DB70DBA9567}" type="datetimeFigureOut">
               <a:rPr lang="en-US" smtClean="0"/>
               <a:pPr/>
-              <a:t>8/13/24</a:t>
+              <a:t>7/16/25</a:t>
             </a:fld>
             <a:endParaRPr lang="en-US" dirty="0"/>
           </a:p>
@@ -2644,7 +2644,7 @@
             <a:fld id="{B61BEF0D-F0BB-DE4B-95CE-6DB70DBA9567}" type="datetimeFigureOut">
               <a:rPr lang="en-US" smtClean="0"/>
               <a:pPr/>
-              <a:t>8/13/24</a:t>
+              <a:t>7/16/25</a:t>
             </a:fld>
             <a:endParaRPr lang="en-US" dirty="0"/>
           </a:p>
@@ -2960,7 +2960,7 @@
             <a:fld id="{B61BEF0D-F0BB-DE4B-95CE-6DB70DBA9567}" type="datetimeFigureOut">
               <a:rPr lang="en-US" smtClean="0"/>
               <a:pPr/>
-              <a:t>8/13/24</a:t>
+              <a:t>7/16/25</a:t>
             </a:fld>
             <a:endParaRPr lang="en-US" dirty="0"/>
           </a:p>
@@ -3349,7 +3349,7 @@
             <a:fld id="{B61BEF0D-F0BB-DE4B-95CE-6DB70DBA9567}" type="datetimeFigureOut">
               <a:rPr lang="en-US" smtClean="0"/>
               <a:pPr/>
-              <a:t>8/13/24</a:t>
+              <a:t>7/16/25</a:t>
             </a:fld>
             <a:endParaRPr lang="en-US" dirty="0"/>
           </a:p>
@@ -3520,7 +3520,7 @@
           <a:p>
             <a:fld id="{55C6B4A9-1611-4792-9094-5F34BCA07E0B}" type="datetimeFigureOut">
               <a:rPr lang="en-US" smtClean="0"/>
-              <a:t>8/13/24</a:t>
+              <a:t>7/16/25</a:t>
             </a:fld>
             <a:endParaRPr lang="en-US" dirty="0"/>
           </a:p>
@@ -3701,7 +3701,7 @@
             <a:fld id="{B61BEF0D-F0BB-DE4B-95CE-6DB70DBA9567}" type="datetimeFigureOut">
               <a:rPr lang="en-US" smtClean="0"/>
               <a:pPr/>
-              <a:t>8/13/24</a:t>
+              <a:t>7/16/25</a:t>
             </a:fld>
             <a:endParaRPr lang="en-US" dirty="0"/>
           </a:p>
@@ -3879,7 +3879,7 @@
             <a:fld id="{B61BEF0D-F0BB-DE4B-95CE-6DB70DBA9567}" type="datetimeFigureOut">
               <a:rPr lang="en-US" smtClean="0"/>
               <a:pPr/>
-              <a:t>8/13/24</a:t>
+              <a:t>7/16/25</a:t>
             </a:fld>
             <a:endParaRPr lang="en-US" dirty="0"/>
           </a:p>
@@ -4133,7 +4133,7 @@
             <a:fld id="{B61BEF0D-F0BB-DE4B-95CE-6DB70DBA9567}" type="datetimeFigureOut">
               <a:rPr lang="en-US" smtClean="0"/>
               <a:pPr/>
-              <a:t>8/13/24</a:t>
+              <a:t>7/16/25</a:t>
             </a:fld>
             <a:endParaRPr lang="en-US" dirty="0"/>
           </a:p>
@@ -4366,7 +4366,7 @@
           <a:p>
             <a:fld id="{EB712588-04B1-427B-82EE-E8DB90309F08}" type="datetimeFigureOut">
               <a:rPr lang="en-US" smtClean="0"/>
-              <a:t>8/13/24</a:t>
+              <a:t>7/16/25</a:t>
             </a:fld>
             <a:endParaRPr lang="en-US" dirty="0"/>
           </a:p>
@@ -4741,7 +4741,7 @@
             <a:fld id="{B61BEF0D-F0BB-DE4B-95CE-6DB70DBA9567}" type="datetimeFigureOut">
               <a:rPr lang="en-US" smtClean="0"/>
               <a:pPr/>
-              <a:t>8/13/24</a:t>
+              <a:t>7/16/25</a:t>
             </a:fld>
             <a:endParaRPr lang="en-US" dirty="0"/>
           </a:p>
@@ -4866,7 +4866,7 @@
             <a:fld id="{B61BEF0D-F0BB-DE4B-95CE-6DB70DBA9567}" type="datetimeFigureOut">
               <a:rPr lang="en-US" smtClean="0"/>
               <a:pPr/>
-              <a:t>8/13/24</a:t>
+              <a:t>7/16/25</a:t>
             </a:fld>
             <a:endParaRPr lang="en-US" dirty="0"/>
           </a:p>
@@ -4963,7 +4963,7 @@
             <a:fld id="{B61BEF0D-F0BB-DE4B-95CE-6DB70DBA9567}" type="datetimeFigureOut">
               <a:rPr lang="en-US" smtClean="0"/>
               <a:pPr/>
-              <a:t>8/13/24</a:t>
+              <a:t>7/16/25</a:t>
             </a:fld>
             <a:endParaRPr lang="en-US" dirty="0"/>
           </a:p>
@@ -5219,7 +5219,7 @@
           <a:p>
             <a:fld id="{42A54C80-263E-416B-A8E0-580EDEADCBDC}" type="datetimeFigureOut">
               <a:rPr lang="en-US" smtClean="0"/>
-              <a:t>8/13/24</a:t>
+              <a:t>7/16/25</a:t>
             </a:fld>
             <a:endParaRPr lang="en-US" dirty="0"/>
           </a:p>
@@ -5483,7 +5483,7 @@
             <a:fld id="{B61BEF0D-F0BB-DE4B-95CE-6DB70DBA9567}" type="datetimeFigureOut">
               <a:rPr lang="en-US" smtClean="0"/>
               <a:pPr/>
-              <a:t>8/13/24</a:t>
+              <a:t>7/16/25</a:t>
             </a:fld>
             <a:endParaRPr lang="en-US" dirty="0"/>
           </a:p>
@@ -6230,7 +6230,7 @@
             <a:fld id="{B61BEF0D-F0BB-DE4B-95CE-6DB70DBA9567}" type="datetimeFigureOut">
               <a:rPr lang="en-US" smtClean="0"/>
               <a:pPr/>
-              <a:t>8/13/24</a:t>
+              <a:t>7/16/25</a:t>
             </a:fld>
             <a:endParaRPr lang="en-US" dirty="0"/>
           </a:p>
@@ -6797,13 +6797,13 @@
               </a:lnSpc>
             </a:pPr>
             <a:r>
-              <a:rPr lang="en-US" sz="4600" b="1">
+              <a:rPr lang="en-US" sz="4600" b="1" dirty="0">
                 <a:latin typeface="ATT Aleck Sans" panose="020B0503020203020204" pitchFamily="34" charset="0"/>
                 <a:cs typeface="ATT Aleck Sans" panose="020B0503020203020204" pitchFamily="34" charset="0"/>
               </a:rPr>
               <a:t>Practical Spring Boot For TDP</a:t>
             </a:r>
-            <a:endParaRPr lang="en-IL" sz="4600" b="1">
+            <a:endParaRPr lang="en-IL" sz="4600" b="1" dirty="0">
               <a:latin typeface="ATT Aleck Sans" panose="020B0503020203020204" pitchFamily="34" charset="0"/>
               <a:cs typeface="ATT Aleck Sans" panose="020B0503020203020204" pitchFamily="34" charset="0"/>
             </a:endParaRPr>
@@ -6839,11 +6839,11 @@
           <a:lstStyle/>
           <a:p>
             <a:r>
-              <a:rPr lang="en-IL">
+              <a:rPr lang="en-IL" dirty="0">
                 <a:latin typeface="ATT Aleck Sans" panose="020B0503020203020204" pitchFamily="34" charset="0"/>
                 <a:cs typeface="ATT Aleck Sans" panose="020B0503020203020204" pitchFamily="34" charset="0"/>
               </a:rPr>
-              <a:t>Idan Shalom, 2024</a:t>
+              <a:t>Idan Shalom, 2025</a:t>
             </a:r>
           </a:p>
         </p:txBody>
@@ -7438,7 +7438,7 @@
                 <a:latin typeface="ATT Aleck Sans" panose="020B0503020203020204" pitchFamily="34" charset="0"/>
                 <a:cs typeface="ATT Aleck Sans" panose="020B0503020203020204" pitchFamily="34" charset="0"/>
               </a:rPr>
-              <a:t>have inverted the the control of creating an object of a dependent class to the Factory.</a:t>
+              <a:t>have inverted the control of creating an object of a dependent class to the Factory.</a:t>
             </a:r>
             <a:br>
               <a:rPr lang="en-IL" dirty="0">
@@ -8015,7 +8015,7 @@
                 <a:latin typeface="ATT Aleck Sans" panose="020B0503020203020204" pitchFamily="34" charset="0"/>
                 <a:cs typeface="ATT Aleck Sans" panose="020B0503020203020204" pitchFamily="34" charset="0"/>
               </a:rPr>
-              <a:t>Tech Lead | 7 years at AT&amp;T​</a:t>
+              <a:t>Tech Lead | 8 years at AT&amp;T​</a:t>
             </a:r>
             <a:endParaRPr lang="he-IL" sz="2400" dirty="0">
               <a:latin typeface="ATT Aleck Sans" panose="020B0503020203020204" pitchFamily="34" charset="0"/>
@@ -8032,7 +8032,35 @@
                 <a:latin typeface="ATT Aleck Sans" panose="020B0503020203020204" pitchFamily="34" charset="0"/>
                 <a:cs typeface="ATT Aleck Sans" panose="020B0503020203020204" pitchFamily="34" charset="0"/>
               </a:rPr>
-              <a:t>Experienced: C#, Node.js, Java, Go, </a:t>
+              <a:t>Experienced: </a:t>
+            </a:r>
+            <a:r>
+              <a:rPr lang="en-US" sz="2400" i="1" dirty="0">
+                <a:latin typeface="ATT Aleck Sans" panose="020B0503020203020204" pitchFamily="34" charset="0"/>
+                <a:cs typeface="ATT Aleck Sans" panose="020B0503020203020204" pitchFamily="34" charset="0"/>
+              </a:rPr>
+              <a:t>Java</a:t>
+            </a:r>
+            <a:r>
+              <a:rPr lang="en-US" sz="2400" dirty="0">
+                <a:latin typeface="ATT Aleck Sans" panose="020B0503020203020204" pitchFamily="34" charset="0"/>
+                <a:cs typeface="ATT Aleck Sans" panose="020B0503020203020204" pitchFamily="34" charset="0"/>
+              </a:rPr>
+              <a:t>, </a:t>
+            </a:r>
+            <a:r>
+              <a:rPr lang="en-US" sz="2400" i="1" dirty="0">
+                <a:latin typeface="ATT Aleck Sans" panose="020B0503020203020204" pitchFamily="34" charset="0"/>
+                <a:cs typeface="ATT Aleck Sans" panose="020B0503020203020204" pitchFamily="34" charset="0"/>
+              </a:rPr>
+              <a:t>Go</a:t>
+            </a:r>
+            <a:r>
+              <a:rPr lang="en-US" sz="2400" dirty="0">
+                <a:latin typeface="ATT Aleck Sans" panose="020B0503020203020204" pitchFamily="34" charset="0"/>
+                <a:cs typeface="ATT Aleck Sans" panose="020B0503020203020204" pitchFamily="34" charset="0"/>
+              </a:rPr>
+              <a:t>, </a:t>
             </a:r>
             <a:br>
               <a:rPr lang="en-US" sz="2400" dirty="0">
@@ -8041,11 +8069,53 @@
               </a:rPr>
             </a:br>
             <a:r>
+              <a:rPr lang="en-US" sz="2400" i="1" dirty="0">
+                <a:latin typeface="ATT Aleck Sans" panose="020B0503020203020204" pitchFamily="34" charset="0"/>
+                <a:cs typeface="ATT Aleck Sans" panose="020B0503020203020204" pitchFamily="34" charset="0"/>
+              </a:rPr>
+              <a:t>Node.</a:t>
+            </a:r>
+            <a:r>
               <a:rPr lang="en-US" sz="2400" dirty="0">
                 <a:latin typeface="ATT Aleck Sans" panose="020B0503020203020204" pitchFamily="34" charset="0"/>
                 <a:cs typeface="ATT Aleck Sans" panose="020B0503020203020204" pitchFamily="34" charset="0"/>
               </a:rPr>
-              <a:t>Python, JavaScript</a:t>
+              <a:t>js, </a:t>
+            </a:r>
+            <a:r>
+              <a:rPr lang="en-US" sz="2400" i="1" dirty="0">
+                <a:latin typeface="ATT Aleck Sans" panose="020B0503020203020204" pitchFamily="34" charset="0"/>
+                <a:cs typeface="ATT Aleck Sans" panose="020B0503020203020204" pitchFamily="34" charset="0"/>
+              </a:rPr>
+              <a:t>Python</a:t>
+            </a:r>
+            <a:r>
+              <a:rPr lang="en-US" sz="2400" dirty="0">
+                <a:latin typeface="ATT Aleck Sans" panose="020B0503020203020204" pitchFamily="34" charset="0"/>
+                <a:cs typeface="ATT Aleck Sans" panose="020B0503020203020204" pitchFamily="34" charset="0"/>
+              </a:rPr>
+              <a:t>, </a:t>
+            </a:r>
+            <a:r>
+              <a:rPr lang="en-US" sz="2400" i="1" dirty="0">
+                <a:latin typeface="ATT Aleck Sans" panose="020B0503020203020204" pitchFamily="34" charset="0"/>
+                <a:cs typeface="ATT Aleck Sans" panose="020B0503020203020204" pitchFamily="34" charset="0"/>
+              </a:rPr>
+              <a:t>JavaScript</a:t>
+            </a:r>
+            <a:r>
+              <a:rPr lang="en-US" sz="2400" dirty="0">
+                <a:latin typeface="ATT Aleck Sans" panose="020B0503020203020204" pitchFamily="34" charset="0"/>
+                <a:cs typeface="ATT Aleck Sans" panose="020B0503020203020204" pitchFamily="34" charset="0"/>
+              </a:rPr>
+              <a:t>, </a:t>
+            </a:r>
+            <a:r>
+              <a:rPr lang="en-US" sz="2400" i="1" dirty="0">
+                <a:latin typeface="ATT Aleck Sans" panose="020B0503020203020204" pitchFamily="34" charset="0"/>
+                <a:cs typeface="ATT Aleck Sans" panose="020B0503020203020204" pitchFamily="34" charset="0"/>
+              </a:rPr>
+              <a:t>C#</a:t>
             </a:r>
           </a:p>
           <a:p>
@@ -9279,7 +9349,7 @@
                 <a:latin typeface="ATT Aleck Sans" panose="020B0503020203020204" pitchFamily="34" charset="0"/>
                 <a:cs typeface="ATT Aleck Sans" panose="020B0503020203020204" pitchFamily="34" charset="0"/>
               </a:rPr>
-              <a:t>To focus a module on the task it is designed for</a:t>
+              <a:t>Focus a module on the task it is designed for</a:t>
             </a:r>
           </a:p>
           <a:p>
@@ -9293,7 +9363,7 @@
                 <a:latin typeface="ATT Aleck Sans" panose="020B0503020203020204" pitchFamily="34" charset="0"/>
                 <a:cs typeface="ATT Aleck Sans" panose="020B0503020203020204" pitchFamily="34" charset="0"/>
               </a:rPr>
-              <a:t>To free modules from assumptions about how other systems do what they do, rely on contracts.</a:t>
+              <a:t>Free modules from assumptions about how other systems do what they do, rely on contracts.</a:t>
             </a:r>
           </a:p>
           <a:p>
@@ -9307,7 +9377,7 @@
                 <a:latin typeface="ATT Aleck Sans" panose="020B0503020203020204" pitchFamily="34" charset="0"/>
                 <a:cs typeface="ATT Aleck Sans" panose="020B0503020203020204" pitchFamily="34" charset="0"/>
               </a:rPr>
-              <a:t>To decouple the execution of a task from its implementation</a:t>
+              <a:t>Decouple the execution of a task from its implementation</a:t>
             </a:r>
           </a:p>
           <a:p>
@@ -9321,7 +9391,7 @@
                 <a:latin typeface="ATT Aleck Sans" panose="020B0503020203020204" pitchFamily="34" charset="0"/>
                 <a:cs typeface="ATT Aleck Sans" panose="020B0503020203020204" pitchFamily="34" charset="0"/>
               </a:rPr>
-              <a:t>Greater modularity of a program</a:t>
+              <a:t>Achieve greater modularity in a program</a:t>
             </a:r>
           </a:p>
           <a:p>
@@ -9335,7 +9405,7 @@
                 <a:latin typeface="ATT Aleck Sans" panose="020B0503020203020204" pitchFamily="34" charset="0"/>
                 <a:cs typeface="ATT Aleck Sans" panose="020B0503020203020204" pitchFamily="34" charset="0"/>
               </a:rPr>
-              <a:t>Greater ease in testing a program by isolating a component or mocking its dependencies</a:t>
+              <a:t>Make testing easier by isolating components or mocking their dependencies</a:t>
             </a:r>
           </a:p>
         </p:txBody>
@@ -10343,6 +10413,15 @@
 </file>
 
 <file path=customXml/item1.xml><?xml version="1.0" encoding="utf-8"?>
+<?mso-contentType ?>
+<FormTemplates xmlns="http://schemas.microsoft.com/sharepoint/v3/contenttype/forms">
+  <Display>DocumentLibraryForm</Display>
+  <Edit>DocumentLibraryForm</Edit>
+  <New>DocumentLibraryForm</New>
+</FormTemplates>
+</file>
+
+<file path=customXml/item2.xml><?xml version="1.0" encoding="utf-8"?>
 <p:properties xmlns:p="http://schemas.microsoft.com/office/2006/metadata/properties" xmlns:xsi="http://www.w3.org/2001/XMLSchema-instance" xmlns:pc="http://schemas.microsoft.com/office/infopath/2007/PartnerControls">
   <documentManagement>
     <lcf76f155ced4ddcb4097134ff3c332f xmlns="858d5390-0f7b-4213-8bcd-0cd5cf778ba6">
@@ -10351,15 +10430,6 @@
     <TaxCatchAll xmlns="e5f39eeb-dc9c-40bf-a733-e74d7baf73b9" xsi:nil="true"/>
   </documentManagement>
 </p:properties>
-</file>
-
-<file path=customXml/item2.xml><?xml version="1.0" encoding="utf-8"?>
-<?mso-contentType ?>
-<FormTemplates xmlns="http://schemas.microsoft.com/sharepoint/v3/contenttype/forms">
-  <Display>DocumentLibraryForm</Display>
-  <Edit>DocumentLibraryForm</Edit>
-  <New>DocumentLibraryForm</New>
-</FormTemplates>
 </file>
 
 <file path=customXml/item3.xml><?xml version="1.0" encoding="utf-8"?>
@@ -10611,20 +10681,20 @@
 </file>
 
 <file path=customXml/itemProps1.xml><?xml version="1.0" encoding="utf-8"?>
+<ds:datastoreItem xmlns:ds="http://schemas.openxmlformats.org/officeDocument/2006/customXml" ds:itemID="{CAAF7FB3-E9ED-4EED-B8B3-D582CBAD96FA}">
+  <ds:schemaRefs>
+    <ds:schemaRef ds:uri="http://schemas.microsoft.com/sharepoint/v3/contenttype/forms"/>
+  </ds:schemaRefs>
+</ds:datastoreItem>
+</file>
+
+<file path=customXml/itemProps2.xml><?xml version="1.0" encoding="utf-8"?>
 <ds:datastoreItem xmlns:ds="http://schemas.openxmlformats.org/officeDocument/2006/customXml" ds:itemID="{2B532926-D782-41F9-BAB4-3CFD211C0FE2}">
   <ds:schemaRefs>
     <ds:schemaRef ds:uri="http://schemas.microsoft.com/office/2006/metadata/properties"/>
     <ds:schemaRef ds:uri="http://schemas.microsoft.com/office/infopath/2007/PartnerControls"/>
     <ds:schemaRef ds:uri="858d5390-0f7b-4213-8bcd-0cd5cf778ba6"/>
     <ds:schemaRef ds:uri="e5f39eeb-dc9c-40bf-a733-e74d7baf73b9"/>
-  </ds:schemaRefs>
-</ds:datastoreItem>
-</file>
-
-<file path=customXml/itemProps2.xml><?xml version="1.0" encoding="utf-8"?>
-<ds:datastoreItem xmlns:ds="http://schemas.openxmlformats.org/officeDocument/2006/customXml" ds:itemID="{CAAF7FB3-E9ED-4EED-B8B3-D582CBAD96FA}">
-  <ds:schemaRefs>
-    <ds:schemaRef ds:uri="http://schemas.microsoft.com/sharepoint/v3/contenttype/forms"/>
   </ds:schemaRefs>
 </ds:datastoreItem>
 </file>

--- a/course_data/presentations/practical_spring_boot_for_tdp.pptx
+++ b/course_data/presentations/practical_spring_boot_for_tdp.pptx
@@ -225,7 +225,7 @@
           <a:p>
             <a:fld id="{AD4DB1D7-A2E6-5540-AAB6-9A95390687AC}" type="datetimeFigureOut">
               <a:rPr lang="en-IL" smtClean="0"/>
-              <a:t>16/07/2025</a:t>
+              <a:t>21/07/2025</a:t>
             </a:fld>
             <a:endParaRPr lang="en-IL"/>
           </a:p>
@@ -727,7 +727,7 @@
           <a:p>
             <a:fld id="{B5FEB3D3-3C4F-5E4D-9290-0C0B5A2442F8}" type="slidenum">
               <a:rPr lang="en-IL" smtClean="0"/>
-              <a:t>5</a:t>
+              <a:t>4</a:t>
             </a:fld>
             <a:endParaRPr lang="en-IL"/>
           </a:p>
@@ -736,7 +736,7 @@
     </p:spTree>
     <p:extLst>
       <p:ext uri="{BB962C8B-B14F-4D97-AF65-F5344CB8AC3E}">
-        <p14:creationId xmlns:p14="http://schemas.microsoft.com/office/powerpoint/2010/main" val="3398802603"/>
+        <p14:creationId xmlns:p14="http://schemas.microsoft.com/office/powerpoint/2010/main" val="56390821"/>
       </p:ext>
     </p:extLst>
   </p:cSld>
@@ -811,7 +811,7 @@
           <a:p>
             <a:fld id="{B5FEB3D3-3C4F-5E4D-9290-0C0B5A2442F8}" type="slidenum">
               <a:rPr lang="en-IL" smtClean="0"/>
-              <a:t>6</a:t>
+              <a:t>5</a:t>
             </a:fld>
             <a:endParaRPr lang="en-IL"/>
           </a:p>
@@ -820,7 +820,7 @@
     </p:spTree>
     <p:extLst>
       <p:ext uri="{BB962C8B-B14F-4D97-AF65-F5344CB8AC3E}">
-        <p14:creationId xmlns:p14="http://schemas.microsoft.com/office/powerpoint/2010/main" val="4177350856"/>
+        <p14:creationId xmlns:p14="http://schemas.microsoft.com/office/powerpoint/2010/main" val="3398802603"/>
       </p:ext>
     </p:extLst>
   </p:cSld>
@@ -895,6 +895,90 @@
           <a:p>
             <a:fld id="{B5FEB3D3-3C4F-5E4D-9290-0C0B5A2442F8}" type="slidenum">
               <a:rPr lang="en-IL" smtClean="0"/>
+              <a:t>6</a:t>
+            </a:fld>
+            <a:endParaRPr lang="en-IL"/>
+          </a:p>
+        </p:txBody>
+      </p:sp>
+    </p:spTree>
+    <p:extLst>
+      <p:ext uri="{BB962C8B-B14F-4D97-AF65-F5344CB8AC3E}">
+        <p14:creationId xmlns:p14="http://schemas.microsoft.com/office/powerpoint/2010/main" val="4177350856"/>
+      </p:ext>
+    </p:extLst>
+  </p:cSld>
+  <p:clrMapOvr>
+    <a:masterClrMapping/>
+  </p:clrMapOvr>
+</p:notes>
+</file>
+
+<file path=ppt/notesSlides/notesSlide6.xml><?xml version="1.0" encoding="utf-8"?>
+<p:notes xmlns:a="http://schemas.openxmlformats.org/drawingml/2006/main" xmlns:r="http://schemas.openxmlformats.org/officeDocument/2006/relationships" xmlns:p="http://schemas.openxmlformats.org/presentationml/2006/main">
+  <p:cSld>
+    <p:spTree>
+      <p:nvGrpSpPr>
+        <p:cNvPr id="1" name=""/>
+        <p:cNvGrpSpPr/>
+        <p:nvPr/>
+      </p:nvGrpSpPr>
+      <p:grpSpPr>
+        <a:xfrm>
+          <a:off x="0" y="0"/>
+          <a:ext cx="0" cy="0"/>
+          <a:chOff x="0" y="0"/>
+          <a:chExt cx="0" cy="0"/>
+        </a:xfrm>
+      </p:grpSpPr>
+      <p:sp>
+        <p:nvSpPr>
+          <p:cNvPr id="2" name="Slide Image Placeholder 1"/>
+          <p:cNvSpPr>
+            <a:spLocks noGrp="1" noRot="1" noChangeAspect="1"/>
+          </p:cNvSpPr>
+          <p:nvPr>
+            <p:ph type="sldImg"/>
+          </p:nvPr>
+        </p:nvSpPr>
+        <p:spPr/>
+      </p:sp>
+      <p:sp>
+        <p:nvSpPr>
+          <p:cNvPr id="3" name="Notes Placeholder 2"/>
+          <p:cNvSpPr>
+            <a:spLocks noGrp="1"/>
+          </p:cNvSpPr>
+          <p:nvPr>
+            <p:ph type="body" idx="1"/>
+          </p:nvPr>
+        </p:nvSpPr>
+        <p:spPr/>
+        <p:txBody>
+          <a:bodyPr/>
+          <a:lstStyle/>
+          <a:p>
+            <a:endParaRPr lang="en-IL" dirty="0"/>
+          </a:p>
+        </p:txBody>
+      </p:sp>
+      <p:sp>
+        <p:nvSpPr>
+          <p:cNvPr id="4" name="Slide Number Placeholder 3"/>
+          <p:cNvSpPr>
+            <a:spLocks noGrp="1"/>
+          </p:cNvSpPr>
+          <p:nvPr>
+            <p:ph type="sldNum" sz="quarter" idx="5"/>
+          </p:nvPr>
+        </p:nvSpPr>
+        <p:spPr/>
+        <p:txBody>
+          <a:bodyPr/>
+          <a:lstStyle/>
+          <a:p>
+            <a:fld id="{B5FEB3D3-3C4F-5E4D-9290-0C0B5A2442F8}" type="slidenum">
+              <a:rPr lang="en-IL" smtClean="0"/>
               <a:t>8</a:t>
             </a:fld>
             <a:endParaRPr lang="en-IL"/>
@@ -914,7 +998,7 @@
 </p:notes>
 </file>
 
-<file path=ppt/notesSlides/notesSlide6.xml><?xml version="1.0" encoding="utf-8"?>
+<file path=ppt/notesSlides/notesSlide7.xml><?xml version="1.0" encoding="utf-8"?>
 <p:notes xmlns:a="http://schemas.openxmlformats.org/drawingml/2006/main" xmlns:r="http://schemas.openxmlformats.org/officeDocument/2006/relationships" xmlns:p="http://schemas.openxmlformats.org/presentationml/2006/main">
   <p:cSld>
     <p:spTree>
@@ -1746,7 +1830,7 @@
             <a:fld id="{B61BEF0D-F0BB-DE4B-95CE-6DB70DBA9567}" type="datetimeFigureOut">
               <a:rPr lang="en-US" smtClean="0"/>
               <a:pPr/>
-              <a:t>7/16/25</a:t>
+              <a:t>7/21/25</a:t>
             </a:fld>
             <a:endParaRPr lang="en-US" dirty="0"/>
           </a:p>
@@ -1999,7 +2083,7 @@
             <a:fld id="{B61BEF0D-F0BB-DE4B-95CE-6DB70DBA9567}" type="datetimeFigureOut">
               <a:rPr lang="en-US" smtClean="0"/>
               <a:pPr/>
-              <a:t>7/16/25</a:t>
+              <a:t>7/21/25</a:t>
             </a:fld>
             <a:endParaRPr lang="en-US" dirty="0"/>
           </a:p>
@@ -2315,7 +2399,7 @@
             <a:fld id="{B61BEF0D-F0BB-DE4B-95CE-6DB70DBA9567}" type="datetimeFigureOut">
               <a:rPr lang="en-US" smtClean="0"/>
               <a:pPr/>
-              <a:t>7/16/25</a:t>
+              <a:t>7/21/25</a:t>
             </a:fld>
             <a:endParaRPr lang="en-US" dirty="0"/>
           </a:p>
@@ -2644,7 +2728,7 @@
             <a:fld id="{B61BEF0D-F0BB-DE4B-95CE-6DB70DBA9567}" type="datetimeFigureOut">
               <a:rPr lang="en-US" smtClean="0"/>
               <a:pPr/>
-              <a:t>7/16/25</a:t>
+              <a:t>7/21/25</a:t>
             </a:fld>
             <a:endParaRPr lang="en-US" dirty="0"/>
           </a:p>
@@ -2960,7 +3044,7 @@
             <a:fld id="{B61BEF0D-F0BB-DE4B-95CE-6DB70DBA9567}" type="datetimeFigureOut">
               <a:rPr lang="en-US" smtClean="0"/>
               <a:pPr/>
-              <a:t>7/16/25</a:t>
+              <a:t>7/21/25</a:t>
             </a:fld>
             <a:endParaRPr lang="en-US" dirty="0"/>
           </a:p>
@@ -3349,7 +3433,7 @@
             <a:fld id="{B61BEF0D-F0BB-DE4B-95CE-6DB70DBA9567}" type="datetimeFigureOut">
               <a:rPr lang="en-US" smtClean="0"/>
               <a:pPr/>
-              <a:t>7/16/25</a:t>
+              <a:t>7/21/25</a:t>
             </a:fld>
             <a:endParaRPr lang="en-US" dirty="0"/>
           </a:p>
@@ -3520,7 +3604,7 @@
           <a:p>
             <a:fld id="{55C6B4A9-1611-4792-9094-5F34BCA07E0B}" type="datetimeFigureOut">
               <a:rPr lang="en-US" smtClean="0"/>
-              <a:t>7/16/25</a:t>
+              <a:t>7/21/25</a:t>
             </a:fld>
             <a:endParaRPr lang="en-US" dirty="0"/>
           </a:p>
@@ -3701,7 +3785,7 @@
             <a:fld id="{B61BEF0D-F0BB-DE4B-95CE-6DB70DBA9567}" type="datetimeFigureOut">
               <a:rPr lang="en-US" smtClean="0"/>
               <a:pPr/>
-              <a:t>7/16/25</a:t>
+              <a:t>7/21/25</a:t>
             </a:fld>
             <a:endParaRPr lang="en-US" dirty="0"/>
           </a:p>
@@ -3879,7 +3963,7 @@
             <a:fld id="{B61BEF0D-F0BB-DE4B-95CE-6DB70DBA9567}" type="datetimeFigureOut">
               <a:rPr lang="en-US" smtClean="0"/>
               <a:pPr/>
-              <a:t>7/16/25</a:t>
+              <a:t>7/21/25</a:t>
             </a:fld>
             <a:endParaRPr lang="en-US" dirty="0"/>
           </a:p>
@@ -4133,7 +4217,7 @@
             <a:fld id="{B61BEF0D-F0BB-DE4B-95CE-6DB70DBA9567}" type="datetimeFigureOut">
               <a:rPr lang="en-US" smtClean="0"/>
               <a:pPr/>
-              <a:t>7/16/25</a:t>
+              <a:t>7/21/25</a:t>
             </a:fld>
             <a:endParaRPr lang="en-US" dirty="0"/>
           </a:p>
@@ -4366,7 +4450,7 @@
           <a:p>
             <a:fld id="{EB712588-04B1-427B-82EE-E8DB90309F08}" type="datetimeFigureOut">
               <a:rPr lang="en-US" smtClean="0"/>
-              <a:t>7/16/25</a:t>
+              <a:t>7/21/25</a:t>
             </a:fld>
             <a:endParaRPr lang="en-US" dirty="0"/>
           </a:p>
@@ -4741,7 +4825,7 @@
             <a:fld id="{B61BEF0D-F0BB-DE4B-95CE-6DB70DBA9567}" type="datetimeFigureOut">
               <a:rPr lang="en-US" smtClean="0"/>
               <a:pPr/>
-              <a:t>7/16/25</a:t>
+              <a:t>7/21/25</a:t>
             </a:fld>
             <a:endParaRPr lang="en-US" dirty="0"/>
           </a:p>
@@ -4866,7 +4950,7 @@
             <a:fld id="{B61BEF0D-F0BB-DE4B-95CE-6DB70DBA9567}" type="datetimeFigureOut">
               <a:rPr lang="en-US" smtClean="0"/>
               <a:pPr/>
-              <a:t>7/16/25</a:t>
+              <a:t>7/21/25</a:t>
             </a:fld>
             <a:endParaRPr lang="en-US" dirty="0"/>
           </a:p>
@@ -4963,7 +5047,7 @@
             <a:fld id="{B61BEF0D-F0BB-DE4B-95CE-6DB70DBA9567}" type="datetimeFigureOut">
               <a:rPr lang="en-US" smtClean="0"/>
               <a:pPr/>
-              <a:t>7/16/25</a:t>
+              <a:t>7/21/25</a:t>
             </a:fld>
             <a:endParaRPr lang="en-US" dirty="0"/>
           </a:p>
@@ -5219,7 +5303,7 @@
           <a:p>
             <a:fld id="{42A54C80-263E-416B-A8E0-580EDEADCBDC}" type="datetimeFigureOut">
               <a:rPr lang="en-US" smtClean="0"/>
-              <a:t>7/16/25</a:t>
+              <a:t>7/21/25</a:t>
             </a:fld>
             <a:endParaRPr lang="en-US" dirty="0"/>
           </a:p>
@@ -5483,7 +5567,7 @@
             <a:fld id="{B61BEF0D-F0BB-DE4B-95CE-6DB70DBA9567}" type="datetimeFigureOut">
               <a:rPr lang="en-US" smtClean="0"/>
               <a:pPr/>
-              <a:t>7/16/25</a:t>
+              <a:t>7/21/25</a:t>
             </a:fld>
             <a:endParaRPr lang="en-US" dirty="0"/>
           </a:p>
@@ -6230,7 +6314,7 @@
             <a:fld id="{B61BEF0D-F0BB-DE4B-95CE-6DB70DBA9567}" type="datetimeFigureOut">
               <a:rPr lang="en-US" smtClean="0"/>
               <a:pPr/>
-              <a:t>7/16/25</a:t>
+              <a:t>7/21/25</a:t>
             </a:fld>
             <a:endParaRPr lang="en-US" dirty="0"/>
           </a:p>
@@ -7142,7 +7226,7 @@
                 <a:latin typeface="ATT Aleck Sans" panose="020B0503020203020204" pitchFamily="34" charset="0"/>
                 <a:cs typeface="ATT Aleck Sans" panose="020B0503020203020204" pitchFamily="34" charset="0"/>
               </a:rPr>
-              <a:t>What could be the problems with this implementation</a:t>
+              <a:t>What could be the problems with this implementation?</a:t>
             </a:r>
           </a:p>
         </p:txBody>
@@ -7185,7 +7269,7 @@
                 <a:latin typeface="ATT Aleck Sans" panose="020B0503020203020204" pitchFamily="34" charset="0"/>
                 <a:cs typeface="ATT Aleck Sans" panose="020B0503020203020204" pitchFamily="34" charset="0"/>
               </a:rPr>
-              <a:t>Tight coupling between </a:t>
+              <a:t>Tight coupling </a:t>
             </a:r>
             <a:r>
               <a:rPr lang="en-IL" sz="2200" dirty="0">
@@ -7227,7 +7311,7 @@
                 <a:latin typeface="ATT Aleck Sans" panose="020B0503020203020204" pitchFamily="34" charset="0"/>
                 <a:cs typeface="ATT Aleck Sans" panose="020B0503020203020204" pitchFamily="34" charset="0"/>
               </a:rPr>
-              <a:t> know how to create every component, and which parameters exactly should be used in the constructor.</a:t>
+              <a:t> know how to create every component and which parameters to use exactly in the constructor.</a:t>
             </a:r>
           </a:p>
           <a:p>
@@ -7283,7 +7367,7 @@
                 <a:latin typeface="ATT Aleck Sans" panose="020B0503020203020204" pitchFamily="34" charset="0"/>
                 <a:cs typeface="ATT Aleck Sans" panose="020B0503020203020204" pitchFamily="34" charset="0"/>
               </a:rPr>
-              <a:t>How will I test my class? how will I inject mocks there?</a:t>
+              <a:t>How can I test my class? how can I inject mocks?</a:t>
             </a:r>
           </a:p>
           <a:p>
@@ -7414,7 +7498,7 @@
         <p:spPr>
           <a:xfrm>
             <a:off x="675057" y="5470635"/>
-            <a:ext cx="8006488" cy="1387365"/>
+            <a:ext cx="8227205" cy="1387365"/>
           </a:xfrm>
         </p:spPr>
         <p:txBody>
@@ -7438,7 +7522,7 @@
                 <a:latin typeface="ATT Aleck Sans" panose="020B0503020203020204" pitchFamily="34" charset="0"/>
                 <a:cs typeface="ATT Aleck Sans" panose="020B0503020203020204" pitchFamily="34" charset="0"/>
               </a:rPr>
-              <a:t>have inverted the control of creating an object of a dependent class to the Factory.</a:t>
+              <a:t>have inverted the control of creating dependent classs objects to the Factory.</a:t>
             </a:r>
             <a:br>
               <a:rPr lang="en-IL" dirty="0">
@@ -7455,11 +7539,8 @@
             </a:r>
             <a:r>
               <a:rPr lang="en-IL" dirty="0">
-                <a:solidFill>
-                  <a:srgbClr val="0000FF"/>
-                </a:solidFill>
-                <a:latin typeface="ATT Aleck Sans" panose="020B0503020203020204" pitchFamily="34" charset="0"/>
-                <a:cs typeface="ATT Aleck Sans" panose="020B0503020203020204" pitchFamily="34" charset="0"/>
+                <a:latin typeface="Consolas" panose="020B0609020204030204" pitchFamily="49" charset="0"/>
+                <a:cs typeface="Consolas" panose="020B0609020204030204" pitchFamily="49" charset="0"/>
               </a:rPr>
               <a:t>Computer</a:t>
             </a:r>
@@ -7472,11 +7553,8 @@
             </a:r>
             <a:r>
               <a:rPr lang="en-IL" dirty="0">
-                <a:solidFill>
-                  <a:srgbClr val="0000FF"/>
-                </a:solidFill>
-                <a:latin typeface="ATT Aleck Sans" panose="020B0503020203020204" pitchFamily="34" charset="0"/>
-                <a:cs typeface="ATT Aleck Sans" panose="020B0503020203020204" pitchFamily="34" charset="0"/>
+                <a:latin typeface="Consolas" panose="020B0609020204030204" pitchFamily="49" charset="0"/>
+                <a:cs typeface="Consolas" panose="020B0609020204030204" pitchFamily="49" charset="0"/>
               </a:rPr>
               <a:t>GraphicCardFactory</a:t>
             </a:r>
@@ -7485,7 +7563,7 @@
                 <a:latin typeface="ATT Aleck Sans" panose="020B0503020203020204" pitchFamily="34" charset="0"/>
                 <a:cs typeface="ATT Aleck Sans" panose="020B0503020203020204" pitchFamily="34" charset="0"/>
               </a:rPr>
-              <a:t> class. So – we have not achieved fully loosely coupled classes.</a:t>
+              <a:t> class, so we have not achieved fully loosely coupled classes.</a:t>
             </a:r>
           </a:p>
         </p:txBody>
@@ -7797,7 +7875,7 @@
                 <a:latin typeface="ATT Aleck Sans" panose="020B0503020203020204" pitchFamily="34" charset="0"/>
                 <a:cs typeface="ATT Aleck Sans" panose="020B0503020203020204" pitchFamily="34" charset="0"/>
               </a:rPr>
-              <a:t>control its dependencies (instantiated them), </a:t>
+              <a:t>control its dependencies (instantiate them), </a:t>
             </a:r>
             <a:br>
               <a:rPr lang="en-US" sz="1800" dirty="0">
@@ -7852,7 +7930,7 @@
                 <a:latin typeface="ATT Aleck Sans" panose="020B0503020203020204" pitchFamily="34" charset="0"/>
                 <a:cs typeface="ATT Aleck Sans" panose="020B0503020203020204" pitchFamily="34" charset="0"/>
               </a:rPr>
-              <a:t>By using DI, we can rewrite the example without specifying the implementation of the components that we want.</a:t>
+              <a:t>By using DI, we can rewrite the example without specifying the implementations of the components we want.</a:t>
             </a:r>
             <a:endParaRPr lang="en-IL" dirty="0">
               <a:latin typeface="ATT Aleck Sans" panose="020B0503020203020204" pitchFamily="34" charset="0"/>
@@ -8073,14 +8151,14 @@
                 <a:latin typeface="ATT Aleck Sans" panose="020B0503020203020204" pitchFamily="34" charset="0"/>
                 <a:cs typeface="ATT Aleck Sans" panose="020B0503020203020204" pitchFamily="34" charset="0"/>
               </a:rPr>
-              <a:t>Node.</a:t>
+              <a:t>Node.js</a:t>
             </a:r>
             <a:r>
               <a:rPr lang="en-US" sz="2400" dirty="0">
                 <a:latin typeface="ATT Aleck Sans" panose="020B0503020203020204" pitchFamily="34" charset="0"/>
                 <a:cs typeface="ATT Aleck Sans" panose="020B0503020203020204" pitchFamily="34" charset="0"/>
               </a:rPr>
-              <a:t>js, </a:t>
+              <a:t>, </a:t>
             </a:r>
             <a:r>
               <a:rPr lang="en-US" sz="2400" i="1" dirty="0">
@@ -8918,11 +8996,18 @@
           <a:p>
             <a:pPr marL="400050"/>
             <a:r>
+              <a:rPr lang="en-US" sz="2800" i="1" dirty="0">
+                <a:latin typeface="ATT Aleck Sans" panose="020B0503020203020204" pitchFamily="34" charset="0"/>
+                <a:cs typeface="ATT Aleck Sans" panose="020B0503020203020204" pitchFamily="34" charset="0"/>
+              </a:rPr>
+              <a:t>Spring</a:t>
+            </a:r>
+            <a:r>
               <a:rPr lang="en-US" sz="2800" dirty="0">
                 <a:latin typeface="ATT Aleck Sans" panose="020B0503020203020204" pitchFamily="34" charset="0"/>
                 <a:cs typeface="ATT Aleck Sans" panose="020B0503020203020204" pitchFamily="34" charset="0"/>
               </a:rPr>
-              <a:t>Spring is an umbrella of projects, that aim to solve and ease common problems in day-to-day development of enterprise applications.</a:t>
+              <a:t> is an umbrella of projects that aim to solve and simplify common problems in the day-to-day development of enterprise applications.</a:t>
             </a:r>
             <a:br>
               <a:rPr lang="en-US" sz="2800" dirty="0">
@@ -8938,11 +9023,32 @@
           <a:p>
             <a:pPr marL="400050"/>
             <a:r>
+              <a:rPr lang="en-US" sz="2800" i="1" dirty="0">
+                <a:latin typeface="ATT Aleck Sans" panose="020B0503020203020204" pitchFamily="34" charset="0"/>
+                <a:cs typeface="ATT Aleck Sans" panose="020B0503020203020204" pitchFamily="34" charset="0"/>
+              </a:rPr>
+              <a:t>Spring Boot </a:t>
+            </a:r>
+            <a:r>
               <a:rPr lang="en-US" sz="2800" dirty="0">
                 <a:latin typeface="ATT Aleck Sans" panose="020B0503020203020204" pitchFamily="34" charset="0"/>
                 <a:cs typeface="ATT Aleck Sans" panose="020B0503020203020204" pitchFamily="34" charset="0"/>
               </a:rPr>
-              <a:t>Spring Boot is a project that is built on top of the Spring Framework. It provides an easier and faster way to set up, configure, and run applications.</a:t>
+              <a:t>is a project built on top of the </a:t>
+            </a:r>
+            <a:r>
+              <a:rPr lang="en-US" sz="2800" i="1" dirty="0">
+                <a:latin typeface="ATT Aleck Sans" panose="020B0503020203020204" pitchFamily="34" charset="0"/>
+                <a:cs typeface="ATT Aleck Sans" panose="020B0503020203020204" pitchFamily="34" charset="0"/>
+              </a:rPr>
+              <a:t>Spring</a:t>
+            </a:r>
+            <a:r>
+              <a:rPr lang="en-US" sz="2800" dirty="0">
+                <a:latin typeface="ATT Aleck Sans" panose="020B0503020203020204" pitchFamily="34" charset="0"/>
+                <a:cs typeface="ATT Aleck Sans" panose="020B0503020203020204" pitchFamily="34" charset="0"/>
+              </a:rPr>
+              <a:t> Framework. It provides an easier and faster way to set up, configure, and run applications.</a:t>
             </a:r>
             <a:br>
               <a:rPr lang="en-US" sz="2800" dirty="0">
@@ -8962,7 +9068,7 @@
                 <a:latin typeface="ATT Aleck Sans" panose="020B0503020203020204" pitchFamily="34" charset="0"/>
                 <a:cs typeface="ATT Aleck Sans" panose="020B0503020203020204" pitchFamily="34" charset="0"/>
               </a:rPr>
-              <a:t>Spring Boot is based on the best practices and covers most of the use cases.</a:t>
+              <a:t>Spring Boot is based on the best practices and covers most use cases.</a:t>
             </a:r>
             <a:endParaRPr lang="ru-RU" sz="2800" dirty="0">
               <a:cs typeface="ATT Aleck Sans" panose="020B0503020203020204" pitchFamily="34" charset="0"/>
@@ -9073,11 +9179,18 @@
               <a:buNone/>
             </a:pPr>
             <a:r>
+              <a:rPr lang="en-US" sz="2800" i="1" dirty="0">
+                <a:latin typeface="ATT Aleck Sans" panose="020B0503020203020204" pitchFamily="34" charset="0"/>
+                <a:cs typeface="ATT Aleck Sans" panose="020B0503020203020204" pitchFamily="34" charset="0"/>
+              </a:rPr>
+              <a:t>Spring Boot </a:t>
+            </a:r>
+            <a:r>
               <a:rPr lang="en-US" sz="2800" dirty="0">
                 <a:latin typeface="ATT Aleck Sans" panose="020B0503020203020204" pitchFamily="34" charset="0"/>
                 <a:cs typeface="ATT Aleck Sans" panose="020B0503020203020204" pitchFamily="34" charset="0"/>
               </a:rPr>
-              <a:t>Spring Boot is used for creating a stand-alone </a:t>
+              <a:t>is used for creating a stand-alone </a:t>
             </a:r>
             <a:br>
               <a:rPr lang="en-US" sz="2800" dirty="0">
@@ -9086,11 +9199,18 @@
               </a:rPr>
             </a:br>
             <a:r>
+              <a:rPr lang="en-US" sz="2800" i="1" dirty="0">
+                <a:latin typeface="ATT Aleck Sans" panose="020B0503020203020204" pitchFamily="34" charset="0"/>
+                <a:cs typeface="ATT Aleck Sans" panose="020B0503020203020204" pitchFamily="34" charset="0"/>
+              </a:rPr>
+              <a:t>Spring</a:t>
+            </a:r>
+            <a:r>
               <a:rPr lang="en-US" sz="2800" dirty="0">
                 <a:latin typeface="ATT Aleck Sans" panose="020B0503020203020204" pitchFamily="34" charset="0"/>
                 <a:cs typeface="ATT Aleck Sans" panose="020B0503020203020204" pitchFamily="34" charset="0"/>
               </a:rPr>
-              <a:t>Spring-based application that you can just run because it needs minimal Spring configuration.</a:t>
+              <a:t>-based application that you can run easily because it requires minimal Spring configuration.</a:t>
             </a:r>
           </a:p>
           <a:p>
@@ -9100,7 +9220,7 @@
                 <a:latin typeface="ATT Aleck Sans" panose="020B0503020203020204" pitchFamily="34" charset="0"/>
                 <a:cs typeface="ATT Aleck Sans" panose="020B0503020203020204" pitchFamily="34" charset="0"/>
               </a:rPr>
-              <a:t> No need for web servlets, it has Tomcat inside;</a:t>
+              <a:t> No need for web servlets; it has Tomcat embedded.</a:t>
             </a:r>
           </a:p>
           <a:p>
@@ -9110,7 +9230,7 @@
                 <a:latin typeface="ATT Aleck Sans" panose="020B0503020203020204" pitchFamily="34" charset="0"/>
                 <a:cs typeface="ATT Aleck Sans" panose="020B0503020203020204" pitchFamily="34" charset="0"/>
               </a:rPr>
-              <a:t> Configurations are packed inside;</a:t>
+              <a:t> Configurations are pre-packaged;</a:t>
             </a:r>
           </a:p>
           <a:p>
@@ -9120,8 +9240,19 @@
                 <a:latin typeface="ATT Aleck Sans" panose="020B0503020203020204" pitchFamily="34" charset="0"/>
                 <a:cs typeface="ATT Aleck Sans" panose="020B0503020203020204" pitchFamily="34" charset="0"/>
               </a:rPr>
-              <a:t> Just run, and you have a Server on air.</a:t>
-            </a:r>
+              <a:t> Just run it, and you have a server up </a:t>
+            </a:r>
+            <a:r>
+              <a:rPr lang="en-US" sz="2400">
+                <a:latin typeface="ATT Aleck Sans" panose="020B0503020203020204" pitchFamily="34" charset="0"/>
+                <a:cs typeface="ATT Aleck Sans" panose="020B0503020203020204" pitchFamily="34" charset="0"/>
+              </a:rPr>
+              <a:t>and running.</a:t>
+            </a:r>
+            <a:endParaRPr lang="en-US" sz="2400" dirty="0">
+              <a:latin typeface="ATT Aleck Sans" panose="020B0503020203020204" pitchFamily="34" charset="0"/>
+              <a:cs typeface="ATT Aleck Sans" panose="020B0503020203020204" pitchFamily="34" charset="0"/>
+            </a:endParaRPr>
           </a:p>
         </p:txBody>
       </p:sp>
@@ -9470,7 +9601,7 @@
           <a:p>
             <a:r>
               <a:rPr lang="en-US" b="1" dirty="0"/>
-              <a:t>Let’s create a class using traditional OOP programming approach</a:t>
+              <a:t>Let’s create a class using the traditional OOP programming approach</a:t>
             </a:r>
           </a:p>
         </p:txBody>
@@ -9514,27 +9645,7 @@
                 <a:latin typeface="ATT Aleck Sans" panose="020B0503020203020204" pitchFamily="34" charset="0"/>
                 <a:cs typeface="ATT Aleck Sans" panose="020B0503020203020204" pitchFamily="34" charset="0"/>
               </a:rPr>
-              <a:t>In traditional OOP programming, upon creation of the object (e.g., Computer), it will also create (</a:t>
-            </a:r>
-            <a:r>
-              <a:rPr lang="en-US" sz="2000" i="1" dirty="0">
-                <a:solidFill>
-                  <a:srgbClr val="FFFFFF"/>
-                </a:solidFill>
-                <a:latin typeface="ATT Aleck Sans" panose="020B0503020203020204" pitchFamily="34" charset="0"/>
-                <a:cs typeface="ATT Aleck Sans" panose="020B0503020203020204" pitchFamily="34" charset="0"/>
-              </a:rPr>
-              <a:t>new</a:t>
-            </a:r>
-            <a:r>
-              <a:rPr lang="en-US" sz="2000" dirty="0">
-                <a:solidFill>
-                  <a:srgbClr val="FFFFFF"/>
-                </a:solidFill>
-                <a:latin typeface="ATT Aleck Sans" panose="020B0503020203020204" pitchFamily="34" charset="0"/>
-                <a:cs typeface="ATT Aleck Sans" panose="020B0503020203020204" pitchFamily="34" charset="0"/>
-              </a:rPr>
-              <a:t>) its dependent classes (e.g., Processor, RAM instances):</a:t>
+              <a:t>In traditional OOP programming, when an object (e.g., a Computer) is created, it also instantiates its dependent classes (e.g., Processor, RAM instances):</a:t>
             </a:r>
           </a:p>
           <a:p>
@@ -10413,15 +10524,6 @@
 </file>
 
 <file path=customXml/item1.xml><?xml version="1.0" encoding="utf-8"?>
-<?mso-contentType ?>
-<FormTemplates xmlns="http://schemas.microsoft.com/sharepoint/v3/contenttype/forms">
-  <Display>DocumentLibraryForm</Display>
-  <Edit>DocumentLibraryForm</Edit>
-  <New>DocumentLibraryForm</New>
-</FormTemplates>
-</file>
-
-<file path=customXml/item2.xml><?xml version="1.0" encoding="utf-8"?>
 <p:properties xmlns:p="http://schemas.microsoft.com/office/2006/metadata/properties" xmlns:xsi="http://www.w3.org/2001/XMLSchema-instance" xmlns:pc="http://schemas.microsoft.com/office/infopath/2007/PartnerControls">
   <documentManagement>
     <lcf76f155ced4ddcb4097134ff3c332f xmlns="858d5390-0f7b-4213-8bcd-0cd5cf778ba6">
@@ -10430,6 +10532,15 @@
     <TaxCatchAll xmlns="e5f39eeb-dc9c-40bf-a733-e74d7baf73b9" xsi:nil="true"/>
   </documentManagement>
 </p:properties>
+</file>
+
+<file path=customXml/item2.xml><?xml version="1.0" encoding="utf-8"?>
+<?mso-contentType ?>
+<FormTemplates xmlns="http://schemas.microsoft.com/sharepoint/v3/contenttype/forms">
+  <Display>DocumentLibraryForm</Display>
+  <Edit>DocumentLibraryForm</Edit>
+  <New>DocumentLibraryForm</New>
+</FormTemplates>
 </file>
 
 <file path=customXml/item3.xml><?xml version="1.0" encoding="utf-8"?>
@@ -10681,20 +10792,20 @@
 </file>
 
 <file path=customXml/itemProps1.xml><?xml version="1.0" encoding="utf-8"?>
-<ds:datastoreItem xmlns:ds="http://schemas.openxmlformats.org/officeDocument/2006/customXml" ds:itemID="{CAAF7FB3-E9ED-4EED-B8B3-D582CBAD96FA}">
-  <ds:schemaRefs>
-    <ds:schemaRef ds:uri="http://schemas.microsoft.com/sharepoint/v3/contenttype/forms"/>
-  </ds:schemaRefs>
-</ds:datastoreItem>
-</file>
-
-<file path=customXml/itemProps2.xml><?xml version="1.0" encoding="utf-8"?>
 <ds:datastoreItem xmlns:ds="http://schemas.openxmlformats.org/officeDocument/2006/customXml" ds:itemID="{2B532926-D782-41F9-BAB4-3CFD211C0FE2}">
   <ds:schemaRefs>
     <ds:schemaRef ds:uri="http://schemas.microsoft.com/office/2006/metadata/properties"/>
     <ds:schemaRef ds:uri="http://schemas.microsoft.com/office/infopath/2007/PartnerControls"/>
     <ds:schemaRef ds:uri="858d5390-0f7b-4213-8bcd-0cd5cf778ba6"/>
     <ds:schemaRef ds:uri="e5f39eeb-dc9c-40bf-a733-e74d7baf73b9"/>
+  </ds:schemaRefs>
+</ds:datastoreItem>
+</file>
+
+<file path=customXml/itemProps2.xml><?xml version="1.0" encoding="utf-8"?>
+<ds:datastoreItem xmlns:ds="http://schemas.openxmlformats.org/officeDocument/2006/customXml" ds:itemID="{CAAF7FB3-E9ED-4EED-B8B3-D582CBAD96FA}">
+  <ds:schemaRefs>
+    <ds:schemaRef ds:uri="http://schemas.microsoft.com/sharepoint/v3/contenttype/forms"/>
   </ds:schemaRefs>
 </ds:datastoreItem>
 </file>
